--- a/angularjs/slides/11_es6.pptx
+++ b/angularjs/slides/11_es6.pptx
@@ -5,35 +5,46 @@
     <p:sldMasterId id="2147483772" r:id="rId1"/>
   </p:sldMasterIdLst>
   <p:notesMasterIdLst>
-    <p:notesMasterId r:id="rId25"/>
+    <p:notesMasterId r:id="rId36"/>
   </p:notesMasterIdLst>
   <p:handoutMasterIdLst>
-    <p:handoutMasterId r:id="rId26"/>
+    <p:handoutMasterId r:id="rId37"/>
   </p:handoutMasterIdLst>
   <p:sldIdLst>
     <p:sldId id="327" r:id="rId2"/>
     <p:sldId id="328" r:id="rId3"/>
     <p:sldId id="329" r:id="rId4"/>
-    <p:sldId id="330" r:id="rId5"/>
-    <p:sldId id="331" r:id="rId6"/>
-    <p:sldId id="332" r:id="rId7"/>
-    <p:sldId id="333" r:id="rId8"/>
-    <p:sldId id="334" r:id="rId9"/>
-    <p:sldId id="335" r:id="rId10"/>
-    <p:sldId id="336" r:id="rId11"/>
-    <p:sldId id="338" r:id="rId12"/>
-    <p:sldId id="339" r:id="rId13"/>
-    <p:sldId id="340" r:id="rId14"/>
-    <p:sldId id="337" r:id="rId15"/>
-    <p:sldId id="341" r:id="rId16"/>
-    <p:sldId id="342" r:id="rId17"/>
-    <p:sldId id="343" r:id="rId18"/>
-    <p:sldId id="344" r:id="rId19"/>
-    <p:sldId id="345" r:id="rId20"/>
-    <p:sldId id="346" r:id="rId21"/>
-    <p:sldId id="347" r:id="rId22"/>
-    <p:sldId id="348" r:id="rId23"/>
-    <p:sldId id="349" r:id="rId24"/>
+    <p:sldId id="350" r:id="rId5"/>
+    <p:sldId id="351" r:id="rId6"/>
+    <p:sldId id="352" r:id="rId7"/>
+    <p:sldId id="353" r:id="rId8"/>
+    <p:sldId id="354" r:id="rId9"/>
+    <p:sldId id="355" r:id="rId10"/>
+    <p:sldId id="356" r:id="rId11"/>
+    <p:sldId id="357" r:id="rId12"/>
+    <p:sldId id="358" r:id="rId13"/>
+    <p:sldId id="359" r:id="rId14"/>
+    <p:sldId id="360" r:id="rId15"/>
+    <p:sldId id="361" r:id="rId16"/>
+    <p:sldId id="362" r:id="rId17"/>
+    <p:sldId id="363" r:id="rId18"/>
+    <p:sldId id="366" r:id="rId19"/>
+    <p:sldId id="336" r:id="rId20"/>
+    <p:sldId id="374" r:id="rId21"/>
+    <p:sldId id="375" r:id="rId22"/>
+    <p:sldId id="373" r:id="rId23"/>
+    <p:sldId id="376" r:id="rId24"/>
+    <p:sldId id="377" r:id="rId25"/>
+    <p:sldId id="378" r:id="rId26"/>
+    <p:sldId id="379" r:id="rId27"/>
+    <p:sldId id="367" r:id="rId28"/>
+    <p:sldId id="368" r:id="rId29"/>
+    <p:sldId id="369" r:id="rId30"/>
+    <p:sldId id="370" r:id="rId31"/>
+    <p:sldId id="371" r:id="rId32"/>
+    <p:sldId id="372" r:id="rId33"/>
+    <p:sldId id="380" r:id="rId34"/>
+    <p:sldId id="349" r:id="rId35"/>
   </p:sldIdLst>
   <p:sldSz cx="9144000" cy="6858000" type="screen4x3"/>
   <p:notesSz cx="7302500" cy="9588500"/>
@@ -286,7 +297,7 @@
               <a:pPr>
                 <a:defRPr/>
               </a:pPr>
-              <a:t>9/27/2014</a:t>
+              <a:t>9/29/2014</a:t>
             </a:fld>
             <a:endParaRPr lang="en-US"/>
           </a:p>
@@ -2568,7 +2579,6 @@
               <a:rPr lang="en-US" dirty="0" smtClean="0"/>
               <a:t>)</a:t>
             </a:r>
-            <a:endParaRPr lang="en-US" dirty="0" smtClean="0"/>
           </a:p>
         </p:txBody>
       </p:sp>
@@ -2624,59 +2634,154 @@
           <a:p>
             <a:r>
               <a:rPr lang="en-US" dirty="0" smtClean="0"/>
-              <a:t>Arrow Functions</a:t>
+              <a:t>Template Literals</a:t>
             </a:r>
             <a:endParaRPr lang="en-US" dirty="0"/>
           </a:p>
         </p:txBody>
       </p:sp>
-      <p:sp>
-        <p:nvSpPr>
-          <p:cNvPr id="3" name="Text Placeholder 2"/>
-          <p:cNvSpPr>
-            <a:spLocks noGrp="1"/>
-          </p:cNvSpPr>
-          <p:nvPr>
-            <p:ph type="body" idx="1"/>
-          </p:nvPr>
-        </p:nvSpPr>
-        <p:spPr/>
-        <p:txBody>
-          <a:bodyPr/>
-          <a:lstStyle/>
-          <a:p>
-            <a:endParaRPr lang="en-US"/>
-          </a:p>
-        </p:txBody>
-      </p:sp>
       <p:pic>
         <p:nvPicPr>
-          <p:cNvPr id="4" name="Picture 3"/>
+          <p:cNvPr id="7170" name="Picture 2"/>
           <p:cNvPicPr>
-            <a:picLocks noChangeAspect="1"/>
+            <a:picLocks noChangeAspect="1" noChangeArrowheads="1"/>
           </p:cNvPicPr>
           <p:nvPr/>
         </p:nvPicPr>
         <p:blipFill>
-          <a:blip r:embed="rId2"/>
+          <a:blip r:embed="rId2">
+            <a:extLst>
+              <a:ext uri="{BEBA8EAE-BF5A-486C-A8C5-ECC9F3942E4B}">
+                <a14:imgProps xmlns:a14="http://schemas.microsoft.com/office/drawing/2010/main">
+                  <a14:imgLayer r:embed="rId3">
+                    <a14:imgEffect>
+                      <a14:colorTemperature colorTemp="11200"/>
+                    </a14:imgEffect>
+                  </a14:imgLayer>
+                </a14:imgProps>
+              </a:ext>
+              <a:ext uri="{28A0092B-C50C-407E-A947-70E740481C1C}">
+                <a14:useLocalDpi xmlns:a14="http://schemas.microsoft.com/office/drawing/2010/main" val="0"/>
+              </a:ext>
+            </a:extLst>
+          </a:blip>
+          <a:srcRect/>
           <a:stretch>
             <a:fillRect/>
           </a:stretch>
         </p:blipFill>
-        <p:spPr>
+        <p:spPr bwMode="auto">
           <a:xfrm>
-            <a:off x="1447800" y="2209800"/>
-            <a:ext cx="6419850" cy="2476500"/>
+            <a:off x="4031983" y="3925166"/>
+            <a:ext cx="4333875" cy="1000125"/>
           </a:xfrm>
           <a:prstGeom prst="rect">
             <a:avLst/>
           </a:prstGeom>
+          <a:ln>
+            <a:noFill/>
+          </a:ln>
+          <a:effectLst>
+            <a:outerShdw blurRad="190500" algn="tl" rotWithShape="0">
+              <a:srgbClr val="000000">
+                <a:alpha val="70000"/>
+              </a:srgbClr>
+            </a:outerShdw>
+          </a:effectLst>
+          <a:extLst>
+            <a:ext uri="{909E8E84-426E-40DD-AFC4-6F175D3DCCD1}">
+              <a14:hiddenFill xmlns:a14="http://schemas.microsoft.com/office/drawing/2010/main">
+                <a:solidFill>
+                  <a:schemeClr val="accent1"/>
+                </a:solidFill>
+              </a14:hiddenFill>
+            </a:ext>
+            <a:ext uri="{91240B29-F687-4F45-9708-019B960494DF}">
+              <a14:hiddenLine xmlns:a14="http://schemas.microsoft.com/office/drawing/2010/main" w="9525">
+                <a:solidFill>
+                  <a:schemeClr val="tx1"/>
+                </a:solidFill>
+                <a:miter lim="800000"/>
+                <a:headEnd/>
+                <a:tailEnd/>
+              </a14:hiddenLine>
+            </a:ext>
+          </a:extLst>
+        </p:spPr>
+      </p:pic>
+      <p:pic>
+        <p:nvPicPr>
+          <p:cNvPr id="7171" name="Picture 3"/>
+          <p:cNvPicPr>
+            <a:picLocks noChangeAspect="1" noChangeArrowheads="1"/>
+          </p:cNvPicPr>
+          <p:nvPr/>
+        </p:nvPicPr>
+        <p:blipFill>
+          <a:blip r:embed="rId4">
+            <a:extLst>
+              <a:ext uri="{BEBA8EAE-BF5A-486C-A8C5-ECC9F3942E4B}">
+                <a14:imgProps xmlns:a14="http://schemas.microsoft.com/office/drawing/2010/main">
+                  <a14:imgLayer r:embed="rId5">
+                    <a14:imgEffect>
+                      <a14:colorTemperature colorTemp="11200"/>
+                    </a14:imgEffect>
+                  </a14:imgLayer>
+                </a14:imgProps>
+              </a:ext>
+              <a:ext uri="{28A0092B-C50C-407E-A947-70E740481C1C}">
+                <a14:useLocalDpi xmlns:a14="http://schemas.microsoft.com/office/drawing/2010/main" val="0"/>
+              </a:ext>
+            </a:extLst>
+          </a:blip>
+          <a:srcRect/>
+          <a:stretch>
+            <a:fillRect/>
+          </a:stretch>
+        </p:blipFill>
+        <p:spPr bwMode="auto">
+          <a:xfrm>
+            <a:off x="738373" y="2570451"/>
+            <a:ext cx="4676775" cy="942975"/>
+          </a:xfrm>
+          <a:prstGeom prst="rect">
+            <a:avLst/>
+          </a:prstGeom>
+          <a:ln>
+            <a:noFill/>
+          </a:ln>
+          <a:effectLst>
+            <a:outerShdw blurRad="190500" algn="tl" rotWithShape="0">
+              <a:srgbClr val="000000">
+                <a:alpha val="70000"/>
+              </a:srgbClr>
+            </a:outerShdw>
+          </a:effectLst>
+          <a:extLst>
+            <a:ext uri="{909E8E84-426E-40DD-AFC4-6F175D3DCCD1}">
+              <a14:hiddenFill xmlns:a14="http://schemas.microsoft.com/office/drawing/2010/main">
+                <a:solidFill>
+                  <a:schemeClr val="accent1"/>
+                </a:solidFill>
+              </a14:hiddenFill>
+            </a:ext>
+            <a:ext uri="{91240B29-F687-4F45-9708-019B960494DF}">
+              <a14:hiddenLine xmlns:a14="http://schemas.microsoft.com/office/drawing/2010/main" w="9525">
+                <a:solidFill>
+                  <a:schemeClr val="tx1"/>
+                </a:solidFill>
+                <a:miter lim="800000"/>
+                <a:headEnd/>
+                <a:tailEnd/>
+              </a14:hiddenLine>
+            </a:ext>
+          </a:extLst>
         </p:spPr>
       </p:pic>
     </p:spTree>
     <p:extLst>
       <p:ext uri="{BB962C8B-B14F-4D97-AF65-F5344CB8AC3E}">
-        <p14:creationId xmlns:p14="http://schemas.microsoft.com/office/powerpoint/2010/main" val="1278584267"/>
+        <p14:creationId xmlns:p14="http://schemas.microsoft.com/office/powerpoint/2010/main" val="3050134233"/>
       </p:ext>
     </p:extLst>
   </p:cSld>
@@ -2689,7 +2794,136 @@
   <p:timing>
     <p:tnLst>
       <p:par>
-        <p:cTn id="1" dur="indefinite" restart="never" nodeType="tmRoot"/>
+        <p:cTn id="1" dur="indefinite" restart="never" nodeType="tmRoot">
+          <p:childTnLst>
+            <p:seq concurrent="1" nextAc="seek">
+              <p:cTn id="2" dur="indefinite" nodeType="mainSeq">
+                <p:childTnLst>
+                  <p:par>
+                    <p:cTn id="3" fill="hold">
+                      <p:stCondLst>
+                        <p:cond delay="indefinite"/>
+                      </p:stCondLst>
+                      <p:childTnLst>
+                        <p:par>
+                          <p:cTn id="4" fill="hold">
+                            <p:stCondLst>
+                              <p:cond delay="0"/>
+                            </p:stCondLst>
+                            <p:childTnLst>
+                              <p:par>
+                                <p:cTn id="5" presetID="10" presetClass="entr" presetSubtype="0" fill="hold" nodeType="clickEffect">
+                                  <p:stCondLst>
+                                    <p:cond delay="0"/>
+                                  </p:stCondLst>
+                                  <p:childTnLst>
+                                    <p:set>
+                                      <p:cBhvr>
+                                        <p:cTn id="6" dur="1" fill="hold">
+                                          <p:stCondLst>
+                                            <p:cond delay="0"/>
+                                          </p:stCondLst>
+                                        </p:cTn>
+                                        <p:tgtEl>
+                                          <p:spTgt spid="7171"/>
+                                        </p:tgtEl>
+                                        <p:attrNameLst>
+                                          <p:attrName>style.visibility</p:attrName>
+                                        </p:attrNameLst>
+                                      </p:cBhvr>
+                                      <p:to>
+                                        <p:strVal val="visible"/>
+                                      </p:to>
+                                    </p:set>
+                                    <p:animEffect transition="in" filter="fade">
+                                      <p:cBhvr>
+                                        <p:cTn id="7" dur="500"/>
+                                        <p:tgtEl>
+                                          <p:spTgt spid="7171"/>
+                                        </p:tgtEl>
+                                      </p:cBhvr>
+                                    </p:animEffect>
+                                  </p:childTnLst>
+                                </p:cTn>
+                              </p:par>
+                            </p:childTnLst>
+                          </p:cTn>
+                        </p:par>
+                      </p:childTnLst>
+                    </p:cTn>
+                  </p:par>
+                  <p:par>
+                    <p:cTn id="8" fill="hold">
+                      <p:stCondLst>
+                        <p:cond delay="indefinite"/>
+                      </p:stCondLst>
+                      <p:childTnLst>
+                        <p:par>
+                          <p:cTn id="9" fill="hold">
+                            <p:stCondLst>
+                              <p:cond delay="0"/>
+                            </p:stCondLst>
+                            <p:childTnLst>
+                              <p:par>
+                                <p:cTn id="10" presetID="10" presetClass="entr" presetSubtype="0" fill="hold" nodeType="clickEffect">
+                                  <p:stCondLst>
+                                    <p:cond delay="0"/>
+                                  </p:stCondLst>
+                                  <p:childTnLst>
+                                    <p:set>
+                                      <p:cBhvr>
+                                        <p:cTn id="11" dur="1" fill="hold">
+                                          <p:stCondLst>
+                                            <p:cond delay="0"/>
+                                          </p:stCondLst>
+                                        </p:cTn>
+                                        <p:tgtEl>
+                                          <p:spTgt spid="7170"/>
+                                        </p:tgtEl>
+                                        <p:attrNameLst>
+                                          <p:attrName>style.visibility</p:attrName>
+                                        </p:attrNameLst>
+                                      </p:cBhvr>
+                                      <p:to>
+                                        <p:strVal val="visible"/>
+                                      </p:to>
+                                    </p:set>
+                                    <p:animEffect transition="in" filter="fade">
+                                      <p:cBhvr>
+                                        <p:cTn id="12" dur="500"/>
+                                        <p:tgtEl>
+                                          <p:spTgt spid="7170"/>
+                                        </p:tgtEl>
+                                      </p:cBhvr>
+                                    </p:animEffect>
+                                  </p:childTnLst>
+                                </p:cTn>
+                              </p:par>
+                            </p:childTnLst>
+                          </p:cTn>
+                        </p:par>
+                      </p:childTnLst>
+                    </p:cTn>
+                  </p:par>
+                </p:childTnLst>
+              </p:cTn>
+              <p:prevCondLst>
+                <p:cond evt="onPrev" delay="0">
+                  <p:tgtEl>
+                    <p:sldTgt/>
+                  </p:tgtEl>
+                </p:cond>
+              </p:prevCondLst>
+              <p:nextCondLst>
+                <p:cond evt="onNext" delay="0">
+                  <p:tgtEl>
+                    <p:sldTgt/>
+                  </p:tgtEl>
+                </p:cond>
+              </p:nextCondLst>
+            </p:seq>
+          </p:childTnLst>
+        </p:cTn>
       </p:par>
     </p:tnLst>
   </p:timing>
@@ -2730,7 +2964,7 @@
           <a:p>
             <a:r>
               <a:rPr lang="en-US" dirty="0" smtClean="0"/>
-              <a:t>Generators</a:t>
+              <a:t>Why Classes?</a:t>
             </a:r>
             <a:endParaRPr lang="en-US" dirty="0"/>
           </a:p>
@@ -2738,66 +2972,674 @@
       </p:sp>
       <p:sp>
         <p:nvSpPr>
-          <p:cNvPr id="3" name="Text Placeholder 2"/>
-          <p:cNvSpPr>
-            <a:spLocks noGrp="1"/>
-          </p:cNvSpPr>
-          <p:nvPr>
-            <p:ph type="body" idx="1"/>
-          </p:nvPr>
+          <p:cNvPr id="4" name="Rectangle 3"/>
+          <p:cNvSpPr/>
+          <p:nvPr/>
         </p:nvSpPr>
-        <p:spPr/>
-        <p:txBody>
-          <a:bodyPr/>
-          <a:lstStyle/>
-          <a:p>
-            <a:endParaRPr lang="en-US"/>
-          </a:p>
-        </p:txBody>
-      </p:sp>
-      <p:pic>
-        <p:nvPicPr>
-          <p:cNvPr id="4" name="Picture 3"/>
-          <p:cNvPicPr>
-            <a:picLocks noChangeAspect="1"/>
-          </p:cNvPicPr>
-          <p:nvPr/>
-        </p:nvPicPr>
-        <p:blipFill>
-          <a:blip r:embed="rId2"/>
-          <a:stretch>
-            <a:fillRect/>
-          </a:stretch>
-        </p:blipFill>
-        <p:spPr>
+        <p:spPr bwMode="auto">
           <a:xfrm>
-            <a:off x="2309812" y="1924050"/>
-            <a:ext cx="4524375" cy="3009900"/>
+            <a:off x="1116279" y="3121229"/>
+            <a:ext cx="2363189" cy="831273"/>
           </a:xfrm>
           <a:prstGeom prst="rect">
             <a:avLst/>
           </a:prstGeom>
+          <a:solidFill>
+            <a:srgbClr val="ED652E"/>
+          </a:solidFill>
+          <a:ln w="9525" algn="ctr">
+            <a:noFill/>
+            <a:miter lim="800000"/>
+            <a:headEnd/>
+            <a:tailEnd/>
+          </a:ln>
+          <a:effectLst/>
         </p:spPr>
-      </p:pic>
+        <p:txBody>
+          <a:bodyPr rot="0" spcFirstLastPara="0" vertOverflow="overflow" horzOverflow="overflow" vert="horz" wrap="none" lIns="91440" tIns="45720" rIns="91440" bIns="45720" numCol="1" spcCol="0" rtlCol="0" fromWordArt="0" anchor="ctr" anchorCtr="0" forceAA="0" compatLnSpc="1">
+            <a:prstTxWarp prst="textNoShape">
+              <a:avLst/>
+            </a:prstTxWarp>
+            <a:noAutofit/>
+          </a:bodyPr>
+          <a:lstStyle/>
+          <a:p>
+            <a:pPr algn="ctr"/>
+            <a:r>
+              <a:rPr lang="en-US" sz="2000" dirty="0" smtClean="0">
+                <a:solidFill>
+                  <a:schemeClr val="bg1"/>
+                </a:solidFill>
+              </a:rPr>
+              <a:t>Class Definition</a:t>
+            </a:r>
+          </a:p>
+        </p:txBody>
+      </p:sp>
+      <p:sp>
+        <p:nvSpPr>
+          <p:cNvPr id="5" name="Rectangle 4"/>
+          <p:cNvSpPr/>
+          <p:nvPr/>
+        </p:nvSpPr>
+        <p:spPr bwMode="auto">
+          <a:xfrm>
+            <a:off x="5425044" y="2137556"/>
+            <a:ext cx="2363189" cy="831273"/>
+          </a:xfrm>
+          <a:prstGeom prst="rect">
+            <a:avLst/>
+          </a:prstGeom>
+          <a:solidFill>
+            <a:srgbClr val="ED652E"/>
+          </a:solidFill>
+          <a:ln w="9525" algn="ctr">
+            <a:noFill/>
+            <a:miter lim="800000"/>
+            <a:headEnd/>
+            <a:tailEnd/>
+          </a:ln>
+          <a:effectLst/>
+        </p:spPr>
+        <p:txBody>
+          <a:bodyPr rot="0" spcFirstLastPara="0" vertOverflow="overflow" horzOverflow="overflow" vert="horz" wrap="none" lIns="91440" tIns="45720" rIns="91440" bIns="45720" numCol="1" spcCol="0" rtlCol="0" fromWordArt="0" anchor="ctr" anchorCtr="0" forceAA="0" compatLnSpc="1">
+            <a:prstTxWarp prst="textNoShape">
+              <a:avLst/>
+            </a:prstTxWarp>
+            <a:noAutofit/>
+          </a:bodyPr>
+          <a:lstStyle/>
+          <a:p>
+            <a:pPr algn="ctr"/>
+            <a:r>
+              <a:rPr lang="en-US" sz="2000" dirty="0" smtClean="0">
+                <a:solidFill>
+                  <a:schemeClr val="bg1"/>
+                </a:solidFill>
+              </a:rPr>
+              <a:t>Object</a:t>
+            </a:r>
+          </a:p>
+        </p:txBody>
+      </p:sp>
+      <p:sp>
+        <p:nvSpPr>
+          <p:cNvPr id="6" name="Rectangle 5"/>
+          <p:cNvSpPr/>
+          <p:nvPr/>
+        </p:nvSpPr>
+        <p:spPr bwMode="auto">
+          <a:xfrm>
+            <a:off x="5425044" y="3121229"/>
+            <a:ext cx="2363189" cy="831273"/>
+          </a:xfrm>
+          <a:prstGeom prst="rect">
+            <a:avLst/>
+          </a:prstGeom>
+          <a:solidFill>
+            <a:srgbClr val="ED652E"/>
+          </a:solidFill>
+          <a:ln w="9525" algn="ctr">
+            <a:noFill/>
+            <a:miter lim="800000"/>
+            <a:headEnd/>
+            <a:tailEnd/>
+          </a:ln>
+          <a:effectLst/>
+        </p:spPr>
+        <p:txBody>
+          <a:bodyPr rot="0" spcFirstLastPara="0" vertOverflow="overflow" horzOverflow="overflow" vert="horz" wrap="none" lIns="91440" tIns="45720" rIns="91440" bIns="45720" numCol="1" spcCol="0" rtlCol="0" fromWordArt="0" anchor="ctr" anchorCtr="0" forceAA="0" compatLnSpc="1">
+            <a:prstTxWarp prst="textNoShape">
+              <a:avLst/>
+            </a:prstTxWarp>
+            <a:noAutofit/>
+          </a:bodyPr>
+          <a:lstStyle/>
+          <a:p>
+            <a:pPr algn="ctr"/>
+            <a:r>
+              <a:rPr lang="en-US" sz="2000" dirty="0" smtClean="0">
+                <a:solidFill>
+                  <a:schemeClr val="bg1"/>
+                </a:solidFill>
+              </a:rPr>
+              <a:t>Object</a:t>
+            </a:r>
+          </a:p>
+        </p:txBody>
+      </p:sp>
+      <p:sp>
+        <p:nvSpPr>
+          <p:cNvPr id="7" name="Rectangle 6"/>
+          <p:cNvSpPr/>
+          <p:nvPr/>
+        </p:nvSpPr>
+        <p:spPr bwMode="auto">
+          <a:xfrm>
+            <a:off x="5425043" y="4118756"/>
+            <a:ext cx="2363189" cy="831273"/>
+          </a:xfrm>
+          <a:prstGeom prst="rect">
+            <a:avLst/>
+          </a:prstGeom>
+          <a:solidFill>
+            <a:srgbClr val="ED652E"/>
+          </a:solidFill>
+          <a:ln w="9525" algn="ctr">
+            <a:noFill/>
+            <a:miter lim="800000"/>
+            <a:headEnd/>
+            <a:tailEnd/>
+          </a:ln>
+          <a:effectLst/>
+        </p:spPr>
+        <p:txBody>
+          <a:bodyPr rot="0" spcFirstLastPara="0" vertOverflow="overflow" horzOverflow="overflow" vert="horz" wrap="none" lIns="91440" tIns="45720" rIns="91440" bIns="45720" numCol="1" spcCol="0" rtlCol="0" fromWordArt="0" anchor="ctr" anchorCtr="0" forceAA="0" compatLnSpc="1">
+            <a:prstTxWarp prst="textNoShape">
+              <a:avLst/>
+            </a:prstTxWarp>
+            <a:noAutofit/>
+          </a:bodyPr>
+          <a:lstStyle/>
+          <a:p>
+            <a:pPr algn="ctr"/>
+            <a:r>
+              <a:rPr lang="en-US" sz="2000" dirty="0" smtClean="0">
+                <a:solidFill>
+                  <a:schemeClr val="bg1"/>
+                </a:solidFill>
+              </a:rPr>
+              <a:t>Object</a:t>
+            </a:r>
+          </a:p>
+        </p:txBody>
+      </p:sp>
+      <p:cxnSp>
+        <p:nvCxnSpPr>
+          <p:cNvPr id="17" name="Straight Arrow Connector 16"/>
+          <p:cNvCxnSpPr>
+            <a:stCxn id="4" idx="3"/>
+            <a:endCxn id="5" idx="1"/>
+          </p:cNvCxnSpPr>
+          <p:nvPr/>
+        </p:nvCxnSpPr>
+        <p:spPr bwMode="auto">
+          <a:xfrm flipV="1">
+            <a:off x="3479468" y="2553193"/>
+            <a:ext cx="1945576" cy="983673"/>
+          </a:xfrm>
+          <a:prstGeom prst="straightConnector1">
+            <a:avLst/>
+          </a:prstGeom>
+          <a:gradFill rotWithShape="1">
+            <a:gsLst>
+              <a:gs pos="0">
+                <a:srgbClr val="A4D289"/>
+              </a:gs>
+              <a:gs pos="100000">
+                <a:schemeClr val="bg1"/>
+              </a:gs>
+            </a:gsLst>
+            <a:lin ang="5400000" scaled="1"/>
+          </a:gradFill>
+          <a:ln w="9525" cap="flat" cmpd="sng" algn="ctr">
+            <a:solidFill>
+              <a:schemeClr val="tx1"/>
+            </a:solidFill>
+            <a:prstDash val="solid"/>
+            <a:round/>
+            <a:headEnd type="none" w="med" len="med"/>
+            <a:tailEnd type="arrow"/>
+          </a:ln>
+          <a:effectLst/>
+        </p:spPr>
+      </p:cxnSp>
+      <p:cxnSp>
+        <p:nvCxnSpPr>
+          <p:cNvPr id="18" name="Straight Arrow Connector 17"/>
+          <p:cNvCxnSpPr>
+            <a:stCxn id="4" idx="3"/>
+            <a:endCxn id="6" idx="1"/>
+          </p:cNvCxnSpPr>
+          <p:nvPr/>
+        </p:nvCxnSpPr>
+        <p:spPr bwMode="auto">
+          <a:xfrm>
+            <a:off x="3479468" y="3536866"/>
+            <a:ext cx="1945576" cy="0"/>
+          </a:xfrm>
+          <a:prstGeom prst="straightConnector1">
+            <a:avLst/>
+          </a:prstGeom>
+          <a:gradFill rotWithShape="1">
+            <a:gsLst>
+              <a:gs pos="0">
+                <a:srgbClr val="A4D289"/>
+              </a:gs>
+              <a:gs pos="100000">
+                <a:schemeClr val="bg1"/>
+              </a:gs>
+            </a:gsLst>
+            <a:lin ang="5400000" scaled="1"/>
+          </a:gradFill>
+          <a:ln w="9525" cap="flat" cmpd="sng" algn="ctr">
+            <a:solidFill>
+              <a:schemeClr val="tx1"/>
+            </a:solidFill>
+            <a:prstDash val="solid"/>
+            <a:round/>
+            <a:headEnd type="none" w="med" len="med"/>
+            <a:tailEnd type="arrow"/>
+          </a:ln>
+          <a:effectLst/>
+        </p:spPr>
+      </p:cxnSp>
+      <p:cxnSp>
+        <p:nvCxnSpPr>
+          <p:cNvPr id="21" name="Straight Arrow Connector 20"/>
+          <p:cNvCxnSpPr>
+            <a:stCxn id="4" idx="3"/>
+            <a:endCxn id="7" idx="1"/>
+          </p:cNvCxnSpPr>
+          <p:nvPr/>
+        </p:nvCxnSpPr>
+        <p:spPr bwMode="auto">
+          <a:xfrm>
+            <a:off x="3479468" y="3536866"/>
+            <a:ext cx="1945575" cy="997527"/>
+          </a:xfrm>
+          <a:prstGeom prst="straightConnector1">
+            <a:avLst/>
+          </a:prstGeom>
+          <a:gradFill rotWithShape="1">
+            <a:gsLst>
+              <a:gs pos="0">
+                <a:srgbClr val="A4D289"/>
+              </a:gs>
+              <a:gs pos="100000">
+                <a:schemeClr val="bg1"/>
+              </a:gs>
+            </a:gsLst>
+            <a:lin ang="5400000" scaled="1"/>
+          </a:gradFill>
+          <a:ln w="9525" cap="flat" cmpd="sng" algn="ctr">
+            <a:solidFill>
+              <a:schemeClr val="tx1"/>
+            </a:solidFill>
+            <a:prstDash val="solid"/>
+            <a:round/>
+            <a:headEnd type="none" w="med" len="med"/>
+            <a:tailEnd type="arrow"/>
+          </a:ln>
+          <a:effectLst/>
+        </p:spPr>
+      </p:cxnSp>
     </p:spTree>
     <p:extLst>
       <p:ext uri="{BB962C8B-B14F-4D97-AF65-F5344CB8AC3E}">
-        <p14:creationId xmlns:p14="http://schemas.microsoft.com/office/powerpoint/2010/main" val="2705540456"/>
+        <p14:creationId xmlns:p14="http://schemas.microsoft.com/office/powerpoint/2010/main" val="708948833"/>
       </p:ext>
     </p:extLst>
   </p:cSld>
   <p:clrMapOvr>
     <a:masterClrMapping/>
   </p:clrMapOvr>
-  <p:transition>
-    <p:fade/>
-  </p:transition>
+  <mc:AlternateContent xmlns:mc="http://schemas.openxmlformats.org/markup-compatibility/2006">
+    <mc:Choice xmlns:p14="http://schemas.microsoft.com/office/powerpoint/2010/main" Requires="p14">
+      <p:transition spd="med" p14:dur="700">
+        <p:fade/>
+      </p:transition>
+    </mc:Choice>
+    <mc:Fallback>
+      <p:transition spd="med">
+        <p:fade/>
+      </p:transition>
+    </mc:Fallback>
+  </mc:AlternateContent>
   <p:timing>
     <p:tnLst>
       <p:par>
-        <p:cTn id="1" dur="indefinite" restart="never" nodeType="tmRoot"/>
+        <p:cTn id="1" dur="indefinite" restart="never" nodeType="tmRoot">
+          <p:childTnLst>
+            <p:seq concurrent="1" nextAc="seek">
+              <p:cTn id="2" dur="indefinite" nodeType="mainSeq">
+                <p:childTnLst>
+                  <p:par>
+                    <p:cTn id="3" fill="hold">
+                      <p:stCondLst>
+                        <p:cond delay="indefinite"/>
+                      </p:stCondLst>
+                      <p:childTnLst>
+                        <p:par>
+                          <p:cTn id="4" fill="hold">
+                            <p:stCondLst>
+                              <p:cond delay="0"/>
+                            </p:stCondLst>
+                            <p:childTnLst>
+                              <p:par>
+                                <p:cTn id="5" presetID="1" presetClass="entr" presetSubtype="0" fill="hold" grpId="0" nodeType="clickEffect">
+                                  <p:stCondLst>
+                                    <p:cond delay="0"/>
+                                  </p:stCondLst>
+                                  <p:childTnLst>
+                                    <p:set>
+                                      <p:cBhvr>
+                                        <p:cTn id="6" dur="1" fill="hold">
+                                          <p:stCondLst>
+                                            <p:cond delay="0"/>
+                                          </p:stCondLst>
+                                        </p:cTn>
+                                        <p:tgtEl>
+                                          <p:spTgt spid="4"/>
+                                        </p:tgtEl>
+                                        <p:attrNameLst>
+                                          <p:attrName>style.visibility</p:attrName>
+                                        </p:attrNameLst>
+                                      </p:cBhvr>
+                                      <p:to>
+                                        <p:strVal val="visible"/>
+                                      </p:to>
+                                    </p:set>
+                                  </p:childTnLst>
+                                </p:cTn>
+                              </p:par>
+                            </p:childTnLst>
+                          </p:cTn>
+                        </p:par>
+                        <p:par>
+                          <p:cTn id="7" fill="hold">
+                            <p:stCondLst>
+                              <p:cond delay="0"/>
+                            </p:stCondLst>
+                            <p:childTnLst>
+                              <p:par>
+                                <p:cTn id="8" presetID="10" presetClass="entr" presetSubtype="0" fill="hold" nodeType="afterEffect">
+                                  <p:stCondLst>
+                                    <p:cond delay="500"/>
+                                  </p:stCondLst>
+                                  <p:childTnLst>
+                                    <p:set>
+                                      <p:cBhvr>
+                                        <p:cTn id="9" dur="1" fill="hold">
+                                          <p:stCondLst>
+                                            <p:cond delay="0"/>
+                                          </p:stCondLst>
+                                        </p:cTn>
+                                        <p:tgtEl>
+                                          <p:spTgt spid="21"/>
+                                        </p:tgtEl>
+                                        <p:attrNameLst>
+                                          <p:attrName>style.visibility</p:attrName>
+                                        </p:attrNameLst>
+                                      </p:cBhvr>
+                                      <p:to>
+                                        <p:strVal val="visible"/>
+                                      </p:to>
+                                    </p:set>
+                                    <p:animEffect transition="in" filter="fade">
+                                      <p:cBhvr>
+                                        <p:cTn id="10" dur="500"/>
+                                        <p:tgtEl>
+                                          <p:spTgt spid="21"/>
+                                        </p:tgtEl>
+                                      </p:cBhvr>
+                                    </p:animEffect>
+                                  </p:childTnLst>
+                                </p:cTn>
+                              </p:par>
+                            </p:childTnLst>
+                          </p:cTn>
+                        </p:par>
+                        <p:par>
+                          <p:cTn id="11" fill="hold">
+                            <p:stCondLst>
+                              <p:cond delay="1000"/>
+                            </p:stCondLst>
+                            <p:childTnLst>
+                              <p:par>
+                                <p:cTn id="12" presetID="10" presetClass="entr" presetSubtype="0" fill="hold" grpId="0" nodeType="afterEffect">
+                                  <p:stCondLst>
+                                    <p:cond delay="0"/>
+                                  </p:stCondLst>
+                                  <p:childTnLst>
+                                    <p:set>
+                                      <p:cBhvr>
+                                        <p:cTn id="13" dur="1" fill="hold">
+                                          <p:stCondLst>
+                                            <p:cond delay="0"/>
+                                          </p:stCondLst>
+                                        </p:cTn>
+                                        <p:tgtEl>
+                                          <p:spTgt spid="7"/>
+                                        </p:tgtEl>
+                                        <p:attrNameLst>
+                                          <p:attrName>style.visibility</p:attrName>
+                                        </p:attrNameLst>
+                                      </p:cBhvr>
+                                      <p:to>
+                                        <p:strVal val="visible"/>
+                                      </p:to>
+                                    </p:set>
+                                    <p:animEffect transition="in" filter="fade">
+                                      <p:cBhvr>
+                                        <p:cTn id="14" dur="500"/>
+                                        <p:tgtEl>
+                                          <p:spTgt spid="7"/>
+                                        </p:tgtEl>
+                                      </p:cBhvr>
+                                    </p:animEffect>
+                                  </p:childTnLst>
+                                </p:cTn>
+                              </p:par>
+                            </p:childTnLst>
+                          </p:cTn>
+                        </p:par>
+                        <p:par>
+                          <p:cTn id="15" fill="hold">
+                            <p:stCondLst>
+                              <p:cond delay="1500"/>
+                            </p:stCondLst>
+                            <p:childTnLst>
+                              <p:par>
+                                <p:cTn id="16" presetID="10" presetClass="entr" presetSubtype="0" fill="hold" nodeType="afterEffect">
+                                  <p:stCondLst>
+                                    <p:cond delay="500"/>
+                                  </p:stCondLst>
+                                  <p:childTnLst>
+                                    <p:set>
+                                      <p:cBhvr>
+                                        <p:cTn id="17" dur="1" fill="hold">
+                                          <p:stCondLst>
+                                            <p:cond delay="0"/>
+                                          </p:stCondLst>
+                                        </p:cTn>
+                                        <p:tgtEl>
+                                          <p:spTgt spid="18"/>
+                                        </p:tgtEl>
+                                        <p:attrNameLst>
+                                          <p:attrName>style.visibility</p:attrName>
+                                        </p:attrNameLst>
+                                      </p:cBhvr>
+                                      <p:to>
+                                        <p:strVal val="visible"/>
+                                      </p:to>
+                                    </p:set>
+                                    <p:animEffect transition="in" filter="fade">
+                                      <p:cBhvr>
+                                        <p:cTn id="18" dur="500"/>
+                                        <p:tgtEl>
+                                          <p:spTgt spid="18"/>
+                                        </p:tgtEl>
+                                      </p:cBhvr>
+                                    </p:animEffect>
+                                  </p:childTnLst>
+                                </p:cTn>
+                              </p:par>
+                            </p:childTnLst>
+                          </p:cTn>
+                        </p:par>
+                        <p:par>
+                          <p:cTn id="19" fill="hold">
+                            <p:stCondLst>
+                              <p:cond delay="2500"/>
+                            </p:stCondLst>
+                            <p:childTnLst>
+                              <p:par>
+                                <p:cTn id="20" presetID="10" presetClass="entr" presetSubtype="0" fill="hold" grpId="0" nodeType="afterEffect">
+                                  <p:stCondLst>
+                                    <p:cond delay="0"/>
+                                  </p:stCondLst>
+                                  <p:childTnLst>
+                                    <p:set>
+                                      <p:cBhvr>
+                                        <p:cTn id="21" dur="1" fill="hold">
+                                          <p:stCondLst>
+                                            <p:cond delay="0"/>
+                                          </p:stCondLst>
+                                        </p:cTn>
+                                        <p:tgtEl>
+                                          <p:spTgt spid="6"/>
+                                        </p:tgtEl>
+                                        <p:attrNameLst>
+                                          <p:attrName>style.visibility</p:attrName>
+                                        </p:attrNameLst>
+                                      </p:cBhvr>
+                                      <p:to>
+                                        <p:strVal val="visible"/>
+                                      </p:to>
+                                    </p:set>
+                                    <p:animEffect transition="in" filter="fade">
+                                      <p:cBhvr>
+                                        <p:cTn id="22" dur="500"/>
+                                        <p:tgtEl>
+                                          <p:spTgt spid="6"/>
+                                        </p:tgtEl>
+                                      </p:cBhvr>
+                                    </p:animEffect>
+                                  </p:childTnLst>
+                                </p:cTn>
+                              </p:par>
+                            </p:childTnLst>
+                          </p:cTn>
+                        </p:par>
+                        <p:par>
+                          <p:cTn id="23" fill="hold">
+                            <p:stCondLst>
+                              <p:cond delay="3000"/>
+                            </p:stCondLst>
+                            <p:childTnLst>
+                              <p:par>
+                                <p:cTn id="24" presetID="10" presetClass="entr" presetSubtype="0" fill="hold" nodeType="afterEffect">
+                                  <p:stCondLst>
+                                    <p:cond delay="500"/>
+                                  </p:stCondLst>
+                                  <p:childTnLst>
+                                    <p:set>
+                                      <p:cBhvr>
+                                        <p:cTn id="25" dur="1" fill="hold">
+                                          <p:stCondLst>
+                                            <p:cond delay="0"/>
+                                          </p:stCondLst>
+                                        </p:cTn>
+                                        <p:tgtEl>
+                                          <p:spTgt spid="17"/>
+                                        </p:tgtEl>
+                                        <p:attrNameLst>
+                                          <p:attrName>style.visibility</p:attrName>
+                                        </p:attrNameLst>
+                                      </p:cBhvr>
+                                      <p:to>
+                                        <p:strVal val="visible"/>
+                                      </p:to>
+                                    </p:set>
+                                    <p:animEffect transition="in" filter="fade">
+                                      <p:cBhvr>
+                                        <p:cTn id="26" dur="500"/>
+                                        <p:tgtEl>
+                                          <p:spTgt spid="17"/>
+                                        </p:tgtEl>
+                                      </p:cBhvr>
+                                    </p:animEffect>
+                                  </p:childTnLst>
+                                </p:cTn>
+                              </p:par>
+                            </p:childTnLst>
+                          </p:cTn>
+                        </p:par>
+                        <p:par>
+                          <p:cTn id="27" fill="hold">
+                            <p:stCondLst>
+                              <p:cond delay="4000"/>
+                            </p:stCondLst>
+                            <p:childTnLst>
+                              <p:par>
+                                <p:cTn id="28" presetID="10" presetClass="entr" presetSubtype="0" fill="hold" grpId="0" nodeType="afterEffect">
+                                  <p:stCondLst>
+                                    <p:cond delay="500"/>
+                                  </p:stCondLst>
+                                  <p:childTnLst>
+                                    <p:set>
+                                      <p:cBhvr>
+                                        <p:cTn id="29" dur="1" fill="hold">
+                                          <p:stCondLst>
+                                            <p:cond delay="0"/>
+                                          </p:stCondLst>
+                                        </p:cTn>
+                                        <p:tgtEl>
+                                          <p:spTgt spid="5"/>
+                                        </p:tgtEl>
+                                        <p:attrNameLst>
+                                          <p:attrName>style.visibility</p:attrName>
+                                        </p:attrNameLst>
+                                      </p:cBhvr>
+                                      <p:to>
+                                        <p:strVal val="visible"/>
+                                      </p:to>
+                                    </p:set>
+                                    <p:animEffect transition="in" filter="fade">
+                                      <p:cBhvr>
+                                        <p:cTn id="30" dur="500"/>
+                                        <p:tgtEl>
+                                          <p:spTgt spid="5"/>
+                                        </p:tgtEl>
+                                      </p:cBhvr>
+                                    </p:animEffect>
+                                  </p:childTnLst>
+                                </p:cTn>
+                              </p:par>
+                            </p:childTnLst>
+                          </p:cTn>
+                        </p:par>
+                      </p:childTnLst>
+                    </p:cTn>
+                  </p:par>
+                </p:childTnLst>
+              </p:cTn>
+              <p:prevCondLst>
+                <p:cond evt="onPrev" delay="0">
+                  <p:tgtEl>
+                    <p:sldTgt/>
+                  </p:tgtEl>
+                </p:cond>
+              </p:prevCondLst>
+              <p:nextCondLst>
+                <p:cond evt="onNext" delay="0">
+                  <p:tgtEl>
+                    <p:sldTgt/>
+                  </p:tgtEl>
+                </p:cond>
+              </p:nextCondLst>
+            </p:seq>
+          </p:childTnLst>
+        </p:cTn>
       </p:par>
     </p:tnLst>
+    <p:bldLst>
+      <p:bldP spid="4" grpId="0" animBg="1"/>
+      <p:bldP spid="5" grpId="0" animBg="1"/>
+      <p:bldP spid="6" grpId="0" animBg="1"/>
+      <p:bldP spid="7" grpId="0" animBg="1"/>
+    </p:bldLst>
   </p:timing>
 </p:sld>
 </file>
@@ -2836,7 +3678,7 @@
           <a:p>
             <a:r>
               <a:rPr lang="en-US" dirty="0" smtClean="0"/>
-              <a:t>Iterators</a:t>
+              <a:t>Why Classes?</a:t>
             </a:r>
             <a:endParaRPr lang="en-US" dirty="0"/>
           </a:p>
@@ -2844,60 +3686,346 @@
       </p:sp>
       <p:sp>
         <p:nvSpPr>
-          <p:cNvPr id="3" name="Text Placeholder 2"/>
-          <p:cNvSpPr>
-            <a:spLocks noGrp="1"/>
-          </p:cNvSpPr>
-          <p:nvPr>
-            <p:ph type="body" idx="1"/>
-          </p:nvPr>
+          <p:cNvPr id="4" name="Rectangle 3"/>
+          <p:cNvSpPr/>
+          <p:nvPr/>
         </p:nvSpPr>
-        <p:spPr/>
-        <p:txBody>
-          <a:bodyPr/>
-          <a:lstStyle/>
-          <a:p>
-            <a:endParaRPr lang="en-US"/>
-          </a:p>
-        </p:txBody>
-      </p:sp>
-      <p:pic>
-        <p:nvPicPr>
-          <p:cNvPr id="4" name="Picture 3"/>
-          <p:cNvPicPr>
-            <a:picLocks noChangeAspect="1"/>
-          </p:cNvPicPr>
-          <p:nvPr/>
-        </p:nvPicPr>
-        <p:blipFill>
-          <a:blip r:embed="rId2"/>
-          <a:stretch>
-            <a:fillRect/>
-          </a:stretch>
-        </p:blipFill>
-        <p:spPr>
+        <p:spPr bwMode="auto">
           <a:xfrm>
-            <a:off x="1628775" y="2095500"/>
-            <a:ext cx="5886450" cy="2667000"/>
+            <a:off x="1116279" y="3121229"/>
+            <a:ext cx="2363189" cy="831273"/>
           </a:xfrm>
           <a:prstGeom prst="rect">
             <a:avLst/>
           </a:prstGeom>
+          <a:solidFill>
+            <a:srgbClr val="ED652E"/>
+          </a:solidFill>
+          <a:ln w="9525" algn="ctr">
+            <a:noFill/>
+            <a:miter lim="800000"/>
+            <a:headEnd/>
+            <a:tailEnd/>
+          </a:ln>
+          <a:effectLst/>
         </p:spPr>
-      </p:pic>
+        <p:txBody>
+          <a:bodyPr rot="0" spcFirstLastPara="0" vertOverflow="overflow" horzOverflow="overflow" vert="horz" wrap="none" lIns="91440" tIns="45720" rIns="91440" bIns="45720" numCol="1" spcCol="0" rtlCol="0" fromWordArt="0" anchor="ctr" anchorCtr="0" forceAA="0" compatLnSpc="1">
+            <a:prstTxWarp prst="textNoShape">
+              <a:avLst/>
+            </a:prstTxWarp>
+            <a:noAutofit/>
+          </a:bodyPr>
+          <a:lstStyle/>
+          <a:p>
+            <a:pPr algn="ctr"/>
+            <a:r>
+              <a:rPr lang="en-US" sz="2000" dirty="0" smtClean="0">
+                <a:solidFill>
+                  <a:schemeClr val="bg1"/>
+                </a:solidFill>
+              </a:rPr>
+              <a:t>Employee</a:t>
+            </a:r>
+          </a:p>
+        </p:txBody>
+      </p:sp>
+      <p:sp>
+        <p:nvSpPr>
+          <p:cNvPr id="5" name="Rectangle 4"/>
+          <p:cNvSpPr/>
+          <p:nvPr/>
+        </p:nvSpPr>
+        <p:spPr bwMode="auto">
+          <a:xfrm>
+            <a:off x="5425044" y="2137556"/>
+            <a:ext cx="2363189" cy="831273"/>
+          </a:xfrm>
+          <a:prstGeom prst="rect">
+            <a:avLst/>
+          </a:prstGeom>
+          <a:solidFill>
+            <a:srgbClr val="ED652E"/>
+          </a:solidFill>
+          <a:ln w="9525" algn="ctr">
+            <a:noFill/>
+            <a:miter lim="800000"/>
+            <a:headEnd/>
+            <a:tailEnd/>
+          </a:ln>
+          <a:effectLst/>
+        </p:spPr>
+        <p:txBody>
+          <a:bodyPr rot="0" spcFirstLastPara="0" vertOverflow="overflow" horzOverflow="overflow" vert="horz" wrap="none" lIns="91440" tIns="45720" rIns="91440" bIns="45720" numCol="1" spcCol="0" rtlCol="0" fromWordArt="0" anchor="ctr" anchorCtr="0" forceAA="0" compatLnSpc="1">
+            <a:prstTxWarp prst="textNoShape">
+              <a:avLst/>
+            </a:prstTxWarp>
+            <a:noAutofit/>
+          </a:bodyPr>
+          <a:lstStyle/>
+          <a:p>
+            <a:pPr algn="ctr"/>
+            <a:r>
+              <a:rPr lang="en-US" sz="2000" dirty="0" smtClean="0">
+                <a:solidFill>
+                  <a:schemeClr val="bg1"/>
+                </a:solidFill>
+              </a:rPr>
+              <a:t>Employee Object</a:t>
+            </a:r>
+          </a:p>
+        </p:txBody>
+      </p:sp>
+      <p:sp>
+        <p:nvSpPr>
+          <p:cNvPr id="6" name="Rectangle 5"/>
+          <p:cNvSpPr/>
+          <p:nvPr/>
+        </p:nvSpPr>
+        <p:spPr bwMode="auto">
+          <a:xfrm>
+            <a:off x="5425044" y="3121229"/>
+            <a:ext cx="2363189" cy="831273"/>
+          </a:xfrm>
+          <a:prstGeom prst="rect">
+            <a:avLst/>
+          </a:prstGeom>
+          <a:solidFill>
+            <a:srgbClr val="ED652E"/>
+          </a:solidFill>
+          <a:ln w="9525" algn="ctr">
+            <a:noFill/>
+            <a:miter lim="800000"/>
+            <a:headEnd/>
+            <a:tailEnd/>
+          </a:ln>
+          <a:effectLst/>
+        </p:spPr>
+        <p:txBody>
+          <a:bodyPr rot="0" spcFirstLastPara="0" vertOverflow="overflow" horzOverflow="overflow" vert="horz" wrap="none" lIns="91440" tIns="45720" rIns="91440" bIns="45720" numCol="1" spcCol="0" rtlCol="0" fromWordArt="0" anchor="ctr" anchorCtr="0" forceAA="0" compatLnSpc="1">
+            <a:prstTxWarp prst="textNoShape">
+              <a:avLst/>
+            </a:prstTxWarp>
+            <a:noAutofit/>
+          </a:bodyPr>
+          <a:lstStyle/>
+          <a:p>
+            <a:pPr algn="ctr"/>
+            <a:r>
+              <a:rPr lang="en-US" sz="2000" dirty="0">
+                <a:solidFill>
+                  <a:schemeClr val="bg1"/>
+                </a:solidFill>
+              </a:rPr>
+              <a:t>Employee </a:t>
+            </a:r>
+            <a:r>
+              <a:rPr lang="en-US" sz="2000" dirty="0" smtClean="0">
+                <a:solidFill>
+                  <a:schemeClr val="bg1"/>
+                </a:solidFill>
+              </a:rPr>
+              <a:t> Object</a:t>
+            </a:r>
+          </a:p>
+        </p:txBody>
+      </p:sp>
+      <p:sp>
+        <p:nvSpPr>
+          <p:cNvPr id="7" name="Rectangle 6"/>
+          <p:cNvSpPr/>
+          <p:nvPr/>
+        </p:nvSpPr>
+        <p:spPr bwMode="auto">
+          <a:xfrm>
+            <a:off x="5425043" y="4118756"/>
+            <a:ext cx="2363189" cy="831273"/>
+          </a:xfrm>
+          <a:prstGeom prst="rect">
+            <a:avLst/>
+          </a:prstGeom>
+          <a:solidFill>
+            <a:srgbClr val="ED652E"/>
+          </a:solidFill>
+          <a:ln w="9525" algn="ctr">
+            <a:noFill/>
+            <a:miter lim="800000"/>
+            <a:headEnd/>
+            <a:tailEnd/>
+          </a:ln>
+          <a:effectLst/>
+        </p:spPr>
+        <p:txBody>
+          <a:bodyPr rot="0" spcFirstLastPara="0" vertOverflow="overflow" horzOverflow="overflow" vert="horz" wrap="none" lIns="91440" tIns="45720" rIns="91440" bIns="45720" numCol="1" spcCol="0" rtlCol="0" fromWordArt="0" anchor="ctr" anchorCtr="0" forceAA="0" compatLnSpc="1">
+            <a:prstTxWarp prst="textNoShape">
+              <a:avLst/>
+            </a:prstTxWarp>
+            <a:noAutofit/>
+          </a:bodyPr>
+          <a:lstStyle/>
+          <a:p>
+            <a:pPr algn="ctr"/>
+            <a:r>
+              <a:rPr lang="en-US" sz="2000" dirty="0">
+                <a:solidFill>
+                  <a:schemeClr val="bg1"/>
+                </a:solidFill>
+              </a:rPr>
+              <a:t>Employee </a:t>
+            </a:r>
+            <a:r>
+              <a:rPr lang="en-US" sz="2000" dirty="0" smtClean="0">
+                <a:solidFill>
+                  <a:schemeClr val="bg1"/>
+                </a:solidFill>
+              </a:rPr>
+              <a:t> Object</a:t>
+            </a:r>
+          </a:p>
+        </p:txBody>
+      </p:sp>
+      <p:cxnSp>
+        <p:nvCxnSpPr>
+          <p:cNvPr id="17" name="Straight Arrow Connector 16"/>
+          <p:cNvCxnSpPr>
+            <a:stCxn id="4" idx="3"/>
+            <a:endCxn id="5" idx="1"/>
+          </p:cNvCxnSpPr>
+          <p:nvPr/>
+        </p:nvCxnSpPr>
+        <p:spPr bwMode="auto">
+          <a:xfrm flipV="1">
+            <a:off x="3479468" y="2553193"/>
+            <a:ext cx="1945576" cy="983673"/>
+          </a:xfrm>
+          <a:prstGeom prst="straightConnector1">
+            <a:avLst/>
+          </a:prstGeom>
+          <a:gradFill rotWithShape="1">
+            <a:gsLst>
+              <a:gs pos="0">
+                <a:srgbClr val="A4D289"/>
+              </a:gs>
+              <a:gs pos="100000">
+                <a:schemeClr val="bg1"/>
+              </a:gs>
+            </a:gsLst>
+            <a:lin ang="5400000" scaled="1"/>
+          </a:gradFill>
+          <a:ln w="9525" cap="flat" cmpd="sng" algn="ctr">
+            <a:solidFill>
+              <a:schemeClr val="tx1"/>
+            </a:solidFill>
+            <a:prstDash val="solid"/>
+            <a:round/>
+            <a:headEnd type="none" w="med" len="med"/>
+            <a:tailEnd type="arrow"/>
+          </a:ln>
+          <a:effectLst/>
+        </p:spPr>
+      </p:cxnSp>
+      <p:cxnSp>
+        <p:nvCxnSpPr>
+          <p:cNvPr id="18" name="Straight Arrow Connector 17"/>
+          <p:cNvCxnSpPr>
+            <a:stCxn id="4" idx="3"/>
+            <a:endCxn id="6" idx="1"/>
+          </p:cNvCxnSpPr>
+          <p:nvPr/>
+        </p:nvCxnSpPr>
+        <p:spPr bwMode="auto">
+          <a:xfrm>
+            <a:off x="3479468" y="3536866"/>
+            <a:ext cx="1945576" cy="0"/>
+          </a:xfrm>
+          <a:prstGeom prst="straightConnector1">
+            <a:avLst/>
+          </a:prstGeom>
+          <a:gradFill rotWithShape="1">
+            <a:gsLst>
+              <a:gs pos="0">
+                <a:srgbClr val="A4D289"/>
+              </a:gs>
+              <a:gs pos="100000">
+                <a:schemeClr val="bg1"/>
+              </a:gs>
+            </a:gsLst>
+            <a:lin ang="5400000" scaled="1"/>
+          </a:gradFill>
+          <a:ln w="9525" cap="flat" cmpd="sng" algn="ctr">
+            <a:solidFill>
+              <a:schemeClr val="tx1"/>
+            </a:solidFill>
+            <a:prstDash val="solid"/>
+            <a:round/>
+            <a:headEnd type="none" w="med" len="med"/>
+            <a:tailEnd type="arrow"/>
+          </a:ln>
+          <a:effectLst/>
+        </p:spPr>
+      </p:cxnSp>
+      <p:cxnSp>
+        <p:nvCxnSpPr>
+          <p:cNvPr id="21" name="Straight Arrow Connector 20"/>
+          <p:cNvCxnSpPr>
+            <a:stCxn id="4" idx="3"/>
+            <a:endCxn id="7" idx="1"/>
+          </p:cNvCxnSpPr>
+          <p:nvPr/>
+        </p:nvCxnSpPr>
+        <p:spPr bwMode="auto">
+          <a:xfrm>
+            <a:off x="3479468" y="3536866"/>
+            <a:ext cx="1945575" cy="997527"/>
+          </a:xfrm>
+          <a:prstGeom prst="straightConnector1">
+            <a:avLst/>
+          </a:prstGeom>
+          <a:gradFill rotWithShape="1">
+            <a:gsLst>
+              <a:gs pos="0">
+                <a:srgbClr val="A4D289"/>
+              </a:gs>
+              <a:gs pos="100000">
+                <a:schemeClr val="bg1"/>
+              </a:gs>
+            </a:gsLst>
+            <a:lin ang="5400000" scaled="1"/>
+          </a:gradFill>
+          <a:ln w="9525" cap="flat" cmpd="sng" algn="ctr">
+            <a:solidFill>
+              <a:schemeClr val="tx1"/>
+            </a:solidFill>
+            <a:prstDash val="solid"/>
+            <a:round/>
+            <a:headEnd type="none" w="med" len="med"/>
+            <a:tailEnd type="arrow"/>
+          </a:ln>
+          <a:effectLst/>
+        </p:spPr>
+      </p:cxnSp>
     </p:spTree>
     <p:extLst>
       <p:ext uri="{BB962C8B-B14F-4D97-AF65-F5344CB8AC3E}">
-        <p14:creationId xmlns:p14="http://schemas.microsoft.com/office/powerpoint/2010/main" val="2649780727"/>
+        <p14:creationId xmlns:p14="http://schemas.microsoft.com/office/powerpoint/2010/main" val="3929075492"/>
       </p:ext>
     </p:extLst>
   </p:cSld>
   <p:clrMapOvr>
     <a:masterClrMapping/>
   </p:clrMapOvr>
-  <p:transition>
-    <p:fade/>
-  </p:transition>
+  <mc:AlternateContent xmlns:mc="http://schemas.openxmlformats.org/markup-compatibility/2006">
+    <mc:Choice xmlns:p14="http://schemas.microsoft.com/office/powerpoint/2010/main" Requires="p14">
+      <p:transition spd="med" p14:dur="700">
+        <p:fade/>
+      </p:transition>
+    </mc:Choice>
+    <mc:Fallback>
+      <p:transition spd="med">
+        <p:fade/>
+      </p:transition>
+    </mc:Fallback>
+  </mc:AlternateContent>
   <p:timing>
     <p:tnLst>
       <p:par>
@@ -2941,12 +4069,8 @@
           <a:lstStyle/>
           <a:p>
             <a:r>
-              <a:rPr lang="en-US" dirty="0"/>
-              <a:t>f</a:t>
-            </a:r>
-            <a:r>
               <a:rPr lang="en-US" dirty="0" smtClean="0"/>
-              <a:t>or of</a:t>
+              <a:t>Why Classes?</a:t>
             </a:r>
             <a:endParaRPr lang="en-US" dirty="0"/>
           </a:p>
@@ -2954,60 +4078,411 @@
       </p:sp>
       <p:sp>
         <p:nvSpPr>
-          <p:cNvPr id="3" name="Text Placeholder 2"/>
-          <p:cNvSpPr>
-            <a:spLocks noGrp="1"/>
-          </p:cNvSpPr>
-          <p:nvPr>
-            <p:ph type="body" idx="1"/>
-          </p:nvPr>
+          <p:cNvPr id="4" name="Rectangle 3"/>
+          <p:cNvSpPr/>
+          <p:nvPr/>
         </p:nvSpPr>
-        <p:spPr/>
-        <p:txBody>
-          <a:bodyPr/>
-          <a:lstStyle/>
-          <a:p>
-            <a:endParaRPr lang="en-US"/>
-          </a:p>
-        </p:txBody>
-      </p:sp>
-      <p:pic>
-        <p:nvPicPr>
-          <p:cNvPr id="4" name="Picture 3"/>
-          <p:cNvPicPr>
-            <a:picLocks noChangeAspect="1"/>
-          </p:cNvPicPr>
-          <p:nvPr/>
-        </p:nvPicPr>
-        <p:blipFill>
-          <a:blip r:embed="rId2"/>
-          <a:stretch>
-            <a:fillRect/>
-          </a:stretch>
-        </p:blipFill>
-        <p:spPr>
+        <p:spPr bwMode="auto">
           <a:xfrm>
-            <a:off x="1676400" y="2300287"/>
-            <a:ext cx="5791200" cy="2257425"/>
+            <a:off x="1116279" y="3121229"/>
+            <a:ext cx="2363189" cy="914400"/>
           </a:xfrm>
           <a:prstGeom prst="rect">
             <a:avLst/>
           </a:prstGeom>
+          <a:solidFill>
+            <a:srgbClr val="ED652E"/>
+          </a:solidFill>
+          <a:ln w="9525" algn="ctr">
+            <a:noFill/>
+            <a:miter lim="800000"/>
+            <a:headEnd/>
+            <a:tailEnd/>
+          </a:ln>
+          <a:effectLst/>
         </p:spPr>
-      </p:pic>
+        <p:txBody>
+          <a:bodyPr rot="0" spcFirstLastPara="0" vertOverflow="overflow" horzOverflow="overflow" vert="horz" wrap="none" lIns="91440" tIns="45720" rIns="91440" bIns="45720" numCol="1" spcCol="0" rtlCol="0" fromWordArt="0" anchor="ctr" anchorCtr="0" forceAA="0" compatLnSpc="1">
+            <a:prstTxWarp prst="textNoShape">
+              <a:avLst/>
+            </a:prstTxWarp>
+            <a:noAutofit/>
+          </a:bodyPr>
+          <a:lstStyle/>
+          <a:p>
+            <a:pPr algn="ctr"/>
+            <a:r>
+              <a:rPr lang="en-US" sz="2000" dirty="0" smtClean="0">
+                <a:solidFill>
+                  <a:schemeClr val="bg1"/>
+                </a:solidFill>
+              </a:rPr>
+              <a:t>Employee</a:t>
+            </a:r>
+          </a:p>
+          <a:p>
+            <a:pPr algn="ctr"/>
+            <a:r>
+              <a:rPr lang="en-US" sz="2000" dirty="0" err="1" smtClean="0">
+                <a:solidFill>
+                  <a:schemeClr val="bg1"/>
+                </a:solidFill>
+              </a:rPr>
+              <a:t>getName</a:t>
+            </a:r>
+            <a:endParaRPr lang="en-US" sz="2000" dirty="0" smtClean="0">
+              <a:solidFill>
+                <a:schemeClr val="bg1"/>
+              </a:solidFill>
+            </a:endParaRPr>
+          </a:p>
+          <a:p>
+            <a:pPr algn="ctr"/>
+            <a:r>
+              <a:rPr lang="en-US" sz="2000" dirty="0" err="1" smtClean="0">
+                <a:solidFill>
+                  <a:schemeClr val="bg1"/>
+                </a:solidFill>
+              </a:rPr>
+              <a:t>doWork</a:t>
+            </a:r>
+            <a:endParaRPr lang="en-US" sz="2000" dirty="0" smtClean="0">
+              <a:solidFill>
+                <a:schemeClr val="bg1"/>
+              </a:solidFill>
+            </a:endParaRPr>
+          </a:p>
+        </p:txBody>
+      </p:sp>
+      <p:sp>
+        <p:nvSpPr>
+          <p:cNvPr id="5" name="Rectangle 4"/>
+          <p:cNvSpPr/>
+          <p:nvPr/>
+        </p:nvSpPr>
+        <p:spPr bwMode="auto">
+          <a:xfrm>
+            <a:off x="5425044" y="2137556"/>
+            <a:ext cx="2363189" cy="831273"/>
+          </a:xfrm>
+          <a:prstGeom prst="rect">
+            <a:avLst/>
+          </a:prstGeom>
+          <a:solidFill>
+            <a:srgbClr val="ED652E"/>
+          </a:solidFill>
+          <a:ln w="9525" algn="ctr">
+            <a:noFill/>
+            <a:miter lim="800000"/>
+            <a:headEnd/>
+            <a:tailEnd/>
+          </a:ln>
+          <a:effectLst/>
+        </p:spPr>
+        <p:txBody>
+          <a:bodyPr rot="0" spcFirstLastPara="0" vertOverflow="overflow" horzOverflow="overflow" vert="horz" wrap="none" lIns="91440" tIns="45720" rIns="91440" bIns="45720" numCol="1" spcCol="0" rtlCol="0" fromWordArt="0" anchor="ctr" anchorCtr="0" forceAA="0" compatLnSpc="1">
+            <a:prstTxWarp prst="textNoShape">
+              <a:avLst/>
+            </a:prstTxWarp>
+            <a:noAutofit/>
+          </a:bodyPr>
+          <a:lstStyle/>
+          <a:p>
+            <a:pPr algn="ctr"/>
+            <a:r>
+              <a:rPr lang="en-US" sz="2000" dirty="0" smtClean="0">
+                <a:solidFill>
+                  <a:schemeClr val="bg1"/>
+                </a:solidFill>
+              </a:rPr>
+              <a:t>Employee Object</a:t>
+            </a:r>
+          </a:p>
+          <a:p>
+            <a:pPr algn="ctr"/>
+            <a:r>
+              <a:rPr lang="en-US" sz="2000" dirty="0" smtClean="0">
+                <a:solidFill>
+                  <a:schemeClr val="bg1"/>
+                </a:solidFill>
+              </a:rPr>
+              <a:t>“Scott”</a:t>
+            </a:r>
+          </a:p>
+        </p:txBody>
+      </p:sp>
+      <p:sp>
+        <p:nvSpPr>
+          <p:cNvPr id="6" name="Rectangle 5"/>
+          <p:cNvSpPr/>
+          <p:nvPr/>
+        </p:nvSpPr>
+        <p:spPr bwMode="auto">
+          <a:xfrm>
+            <a:off x="5425044" y="3121229"/>
+            <a:ext cx="2363189" cy="831273"/>
+          </a:xfrm>
+          <a:prstGeom prst="rect">
+            <a:avLst/>
+          </a:prstGeom>
+          <a:solidFill>
+            <a:srgbClr val="ED652E"/>
+          </a:solidFill>
+          <a:ln w="9525" algn="ctr">
+            <a:noFill/>
+            <a:miter lim="800000"/>
+            <a:headEnd/>
+            <a:tailEnd/>
+          </a:ln>
+          <a:effectLst/>
+        </p:spPr>
+        <p:txBody>
+          <a:bodyPr rot="0" spcFirstLastPara="0" vertOverflow="overflow" horzOverflow="overflow" vert="horz" wrap="none" lIns="91440" tIns="45720" rIns="91440" bIns="45720" numCol="1" spcCol="0" rtlCol="0" fromWordArt="0" anchor="ctr" anchorCtr="0" forceAA="0" compatLnSpc="1">
+            <a:prstTxWarp prst="textNoShape">
+              <a:avLst/>
+            </a:prstTxWarp>
+            <a:noAutofit/>
+          </a:bodyPr>
+          <a:lstStyle/>
+          <a:p>
+            <a:pPr algn="ctr"/>
+            <a:r>
+              <a:rPr lang="en-US" sz="2000" dirty="0">
+                <a:solidFill>
+                  <a:schemeClr val="bg1"/>
+                </a:solidFill>
+              </a:rPr>
+              <a:t>Employee </a:t>
+            </a:r>
+            <a:r>
+              <a:rPr lang="en-US" sz="2000" dirty="0" smtClean="0">
+                <a:solidFill>
+                  <a:schemeClr val="bg1"/>
+                </a:solidFill>
+              </a:rPr>
+              <a:t> Object</a:t>
+            </a:r>
+          </a:p>
+          <a:p>
+            <a:pPr algn="ctr"/>
+            <a:r>
+              <a:rPr lang="en-US" sz="2000" dirty="0" smtClean="0">
+                <a:solidFill>
+                  <a:schemeClr val="bg1"/>
+                </a:solidFill>
+              </a:rPr>
+              <a:t>“Alex”</a:t>
+            </a:r>
+          </a:p>
+        </p:txBody>
+      </p:sp>
+      <p:sp>
+        <p:nvSpPr>
+          <p:cNvPr id="7" name="Rectangle 6"/>
+          <p:cNvSpPr/>
+          <p:nvPr/>
+        </p:nvSpPr>
+        <p:spPr bwMode="auto">
+          <a:xfrm>
+            <a:off x="5425043" y="4118756"/>
+            <a:ext cx="2363189" cy="831273"/>
+          </a:xfrm>
+          <a:prstGeom prst="rect">
+            <a:avLst/>
+          </a:prstGeom>
+          <a:solidFill>
+            <a:srgbClr val="ED652E"/>
+          </a:solidFill>
+          <a:ln w="9525" algn="ctr">
+            <a:noFill/>
+            <a:miter lim="800000"/>
+            <a:headEnd/>
+            <a:tailEnd/>
+          </a:ln>
+          <a:effectLst/>
+        </p:spPr>
+        <p:txBody>
+          <a:bodyPr rot="0" spcFirstLastPara="0" vertOverflow="overflow" horzOverflow="overflow" vert="horz" wrap="none" lIns="91440" tIns="45720" rIns="91440" bIns="45720" numCol="1" spcCol="0" rtlCol="0" fromWordArt="0" anchor="ctr" anchorCtr="0" forceAA="0" compatLnSpc="1">
+            <a:prstTxWarp prst="textNoShape">
+              <a:avLst/>
+            </a:prstTxWarp>
+            <a:noAutofit/>
+          </a:bodyPr>
+          <a:lstStyle/>
+          <a:p>
+            <a:pPr algn="ctr"/>
+            <a:r>
+              <a:rPr lang="en-US" sz="2000" dirty="0">
+                <a:solidFill>
+                  <a:schemeClr val="bg1"/>
+                </a:solidFill>
+              </a:rPr>
+              <a:t>Employee </a:t>
+            </a:r>
+            <a:r>
+              <a:rPr lang="en-US" sz="2000" dirty="0" smtClean="0">
+                <a:solidFill>
+                  <a:schemeClr val="bg1"/>
+                </a:solidFill>
+              </a:rPr>
+              <a:t> Object</a:t>
+            </a:r>
+          </a:p>
+          <a:p>
+            <a:pPr algn="ctr"/>
+            <a:r>
+              <a:rPr lang="en-US" sz="2000" dirty="0" smtClean="0">
+                <a:solidFill>
+                  <a:schemeClr val="bg1"/>
+                </a:solidFill>
+              </a:rPr>
+              <a:t>“Chris”</a:t>
+            </a:r>
+          </a:p>
+        </p:txBody>
+      </p:sp>
+      <p:cxnSp>
+        <p:nvCxnSpPr>
+          <p:cNvPr id="17" name="Straight Arrow Connector 16"/>
+          <p:cNvCxnSpPr>
+            <a:stCxn id="4" idx="3"/>
+            <a:endCxn id="5" idx="1"/>
+          </p:cNvCxnSpPr>
+          <p:nvPr/>
+        </p:nvCxnSpPr>
+        <p:spPr bwMode="auto">
+          <a:xfrm flipV="1">
+            <a:off x="3479468" y="2553193"/>
+            <a:ext cx="1945576" cy="1025236"/>
+          </a:xfrm>
+          <a:prstGeom prst="straightConnector1">
+            <a:avLst/>
+          </a:prstGeom>
+          <a:gradFill rotWithShape="1">
+            <a:gsLst>
+              <a:gs pos="0">
+                <a:srgbClr val="A4D289"/>
+              </a:gs>
+              <a:gs pos="100000">
+                <a:schemeClr val="bg1"/>
+              </a:gs>
+            </a:gsLst>
+            <a:lin ang="5400000" scaled="1"/>
+          </a:gradFill>
+          <a:ln w="9525" cap="flat" cmpd="sng" algn="ctr">
+            <a:solidFill>
+              <a:schemeClr val="tx1"/>
+            </a:solidFill>
+            <a:prstDash val="solid"/>
+            <a:round/>
+            <a:headEnd type="none" w="med" len="med"/>
+            <a:tailEnd type="arrow"/>
+          </a:ln>
+          <a:effectLst/>
+        </p:spPr>
+      </p:cxnSp>
+      <p:cxnSp>
+        <p:nvCxnSpPr>
+          <p:cNvPr id="18" name="Straight Arrow Connector 17"/>
+          <p:cNvCxnSpPr>
+            <a:stCxn id="4" idx="3"/>
+            <a:endCxn id="6" idx="1"/>
+          </p:cNvCxnSpPr>
+          <p:nvPr/>
+        </p:nvCxnSpPr>
+        <p:spPr bwMode="auto">
+          <a:xfrm flipV="1">
+            <a:off x="3479468" y="3536866"/>
+            <a:ext cx="1945576" cy="41563"/>
+          </a:xfrm>
+          <a:prstGeom prst="straightConnector1">
+            <a:avLst/>
+          </a:prstGeom>
+          <a:gradFill rotWithShape="1">
+            <a:gsLst>
+              <a:gs pos="0">
+                <a:srgbClr val="A4D289"/>
+              </a:gs>
+              <a:gs pos="100000">
+                <a:schemeClr val="bg1"/>
+              </a:gs>
+            </a:gsLst>
+            <a:lin ang="5400000" scaled="1"/>
+          </a:gradFill>
+          <a:ln w="9525" cap="flat" cmpd="sng" algn="ctr">
+            <a:solidFill>
+              <a:schemeClr val="tx1"/>
+            </a:solidFill>
+            <a:prstDash val="solid"/>
+            <a:round/>
+            <a:headEnd type="none" w="med" len="med"/>
+            <a:tailEnd type="arrow"/>
+          </a:ln>
+          <a:effectLst/>
+        </p:spPr>
+      </p:cxnSp>
+      <p:cxnSp>
+        <p:nvCxnSpPr>
+          <p:cNvPr id="21" name="Straight Arrow Connector 20"/>
+          <p:cNvCxnSpPr>
+            <a:stCxn id="4" idx="3"/>
+            <a:endCxn id="7" idx="1"/>
+          </p:cNvCxnSpPr>
+          <p:nvPr/>
+        </p:nvCxnSpPr>
+        <p:spPr bwMode="auto">
+          <a:xfrm>
+            <a:off x="3479468" y="3578429"/>
+            <a:ext cx="1945575" cy="955964"/>
+          </a:xfrm>
+          <a:prstGeom prst="straightConnector1">
+            <a:avLst/>
+          </a:prstGeom>
+          <a:gradFill rotWithShape="1">
+            <a:gsLst>
+              <a:gs pos="0">
+                <a:srgbClr val="A4D289"/>
+              </a:gs>
+              <a:gs pos="100000">
+                <a:schemeClr val="bg1"/>
+              </a:gs>
+            </a:gsLst>
+            <a:lin ang="5400000" scaled="1"/>
+          </a:gradFill>
+          <a:ln w="9525" cap="flat" cmpd="sng" algn="ctr">
+            <a:solidFill>
+              <a:schemeClr val="tx1"/>
+            </a:solidFill>
+            <a:prstDash val="solid"/>
+            <a:round/>
+            <a:headEnd type="none" w="med" len="med"/>
+            <a:tailEnd type="arrow"/>
+          </a:ln>
+          <a:effectLst/>
+        </p:spPr>
+      </p:cxnSp>
     </p:spTree>
     <p:extLst>
       <p:ext uri="{BB962C8B-B14F-4D97-AF65-F5344CB8AC3E}">
-        <p14:creationId xmlns:p14="http://schemas.microsoft.com/office/powerpoint/2010/main" val="2297334180"/>
+        <p14:creationId xmlns:p14="http://schemas.microsoft.com/office/powerpoint/2010/main" val="3131618243"/>
       </p:ext>
     </p:extLst>
   </p:cSld>
   <p:clrMapOvr>
     <a:masterClrMapping/>
   </p:clrMapOvr>
-  <p:transition>
-    <p:fade/>
-  </p:transition>
+  <mc:AlternateContent xmlns:mc="http://schemas.openxmlformats.org/markup-compatibility/2006">
+    <mc:Choice xmlns:p14="http://schemas.microsoft.com/office/powerpoint/2010/main" Requires="p14">
+      <p:transition spd="med" p14:dur="700">
+        <p:fade/>
+      </p:transition>
+    </mc:Choice>
+    <mc:Fallback>
+      <p:transition spd="med">
+        <p:fade/>
+      </p:transition>
+    </mc:Fallback>
+  </mc:AlternateContent>
   <p:timing>
     <p:tnLst>
       <p:par>
@@ -3052,72 +4527,305 @@
           <a:p>
             <a:r>
               <a:rPr lang="en-US" dirty="0" smtClean="0"/>
-              <a:t>Comprehensions</a:t>
+              <a:t>Class versus Prototype</a:t>
             </a:r>
             <a:endParaRPr lang="en-US" dirty="0"/>
           </a:p>
         </p:txBody>
       </p:sp>
-      <p:sp>
-        <p:nvSpPr>
-          <p:cNvPr id="3" name="Text Placeholder 2"/>
-          <p:cNvSpPr>
-            <a:spLocks noGrp="1"/>
-          </p:cNvSpPr>
-          <p:nvPr>
-            <p:ph type="body" idx="1"/>
-          </p:nvPr>
-        </p:nvSpPr>
-        <p:spPr/>
-        <p:txBody>
-          <a:bodyPr/>
-          <a:lstStyle/>
-          <a:p>
-            <a:endParaRPr lang="en-US"/>
-          </a:p>
-        </p:txBody>
-      </p:sp>
       <p:pic>
         <p:nvPicPr>
-          <p:cNvPr id="4" name="Picture 3"/>
+          <p:cNvPr id="1027" name="Picture 3"/>
           <p:cNvPicPr>
-            <a:picLocks noChangeAspect="1"/>
+            <a:picLocks noChangeAspect="1" noChangeArrowheads="1"/>
           </p:cNvPicPr>
           <p:nvPr/>
         </p:nvPicPr>
         <p:blipFill>
-          <a:blip r:embed="rId2"/>
+          <a:blip r:embed="rId2">
+            <a:extLst>
+              <a:ext uri="{BEBA8EAE-BF5A-486C-A8C5-ECC9F3942E4B}">
+                <a14:imgProps xmlns:a14="http://schemas.microsoft.com/office/drawing/2010/main">
+                  <a14:imgLayer r:embed="rId3">
+                    <a14:imgEffect>
+                      <a14:colorTemperature colorTemp="11200"/>
+                    </a14:imgEffect>
+                  </a14:imgLayer>
+                </a14:imgProps>
+              </a:ext>
+              <a:ext uri="{28A0092B-C50C-407E-A947-70E740481C1C}">
+                <a14:useLocalDpi xmlns:a14="http://schemas.microsoft.com/office/drawing/2010/main" val="0"/>
+              </a:ext>
+            </a:extLst>
+          </a:blip>
+          <a:srcRect/>
           <a:stretch>
             <a:fillRect/>
           </a:stretch>
         </p:blipFill>
-        <p:spPr>
+        <p:spPr bwMode="auto">
           <a:xfrm>
-            <a:off x="1447800" y="1981200"/>
-            <a:ext cx="6349133" cy="2209800"/>
+            <a:off x="591539" y="2214562"/>
+            <a:ext cx="3543300" cy="2428875"/>
           </a:xfrm>
           <a:prstGeom prst="rect">
             <a:avLst/>
           </a:prstGeom>
+          <a:ln>
+            <a:noFill/>
+          </a:ln>
+          <a:effectLst>
+            <a:outerShdw blurRad="190500" algn="tl" rotWithShape="0">
+              <a:srgbClr val="000000">
+                <a:alpha val="70000"/>
+              </a:srgbClr>
+            </a:outerShdw>
+          </a:effectLst>
+          <a:extLst>
+            <a:ext uri="{909E8E84-426E-40DD-AFC4-6F175D3DCCD1}">
+              <a14:hiddenFill xmlns:a14="http://schemas.microsoft.com/office/drawing/2010/main">
+                <a:solidFill>
+                  <a:schemeClr val="accent1"/>
+                </a:solidFill>
+              </a14:hiddenFill>
+            </a:ext>
+            <a:ext uri="{91240B29-F687-4F45-9708-019B960494DF}">
+              <a14:hiddenLine xmlns:a14="http://schemas.microsoft.com/office/drawing/2010/main" w="9525">
+                <a:solidFill>
+                  <a:schemeClr val="tx1"/>
+                </a:solidFill>
+                <a:miter lim="800000"/>
+                <a:headEnd/>
+                <a:tailEnd/>
+              </a14:hiddenLine>
+            </a:ext>
+          </a:extLst>
+        </p:spPr>
+      </p:pic>
+      <p:pic>
+        <p:nvPicPr>
+          <p:cNvPr id="1028" name="Picture 4"/>
+          <p:cNvPicPr>
+            <a:picLocks noChangeAspect="1" noChangeArrowheads="1"/>
+          </p:cNvPicPr>
+          <p:nvPr/>
+        </p:nvPicPr>
+        <p:blipFill>
+          <a:blip r:embed="rId4">
+            <a:extLst>
+              <a:ext uri="{BEBA8EAE-BF5A-486C-A8C5-ECC9F3942E4B}">
+                <a14:imgProps xmlns:a14="http://schemas.microsoft.com/office/drawing/2010/main">
+                  <a14:imgLayer r:embed="rId5">
+                    <a14:imgEffect>
+                      <a14:colorTemperature colorTemp="11200"/>
+                    </a14:imgEffect>
+                  </a14:imgLayer>
+                </a14:imgProps>
+              </a:ext>
+              <a:ext uri="{28A0092B-C50C-407E-A947-70E740481C1C}">
+                <a14:useLocalDpi xmlns:a14="http://schemas.microsoft.com/office/drawing/2010/main" val="0"/>
+              </a:ext>
+            </a:extLst>
+          </a:blip>
+          <a:srcRect/>
+          <a:stretch>
+            <a:fillRect/>
+          </a:stretch>
+        </p:blipFill>
+        <p:spPr bwMode="auto">
+          <a:xfrm>
+            <a:off x="4880697" y="2644796"/>
+            <a:ext cx="3705225" cy="1704975"/>
+          </a:xfrm>
+          <a:prstGeom prst="rect">
+            <a:avLst/>
+          </a:prstGeom>
+          <a:ln>
+            <a:noFill/>
+          </a:ln>
+          <a:effectLst>
+            <a:outerShdw blurRad="190500" algn="tl" rotWithShape="0">
+              <a:srgbClr val="000000">
+                <a:alpha val="70000"/>
+              </a:srgbClr>
+            </a:outerShdw>
+          </a:effectLst>
+          <a:extLst>
+            <a:ext uri="{909E8E84-426E-40DD-AFC4-6F175D3DCCD1}">
+              <a14:hiddenFill xmlns:a14="http://schemas.microsoft.com/office/drawing/2010/main">
+                <a:solidFill>
+                  <a:schemeClr val="accent1"/>
+                </a:solidFill>
+              </a14:hiddenFill>
+            </a:ext>
+            <a:ext uri="{91240B29-F687-4F45-9708-019B960494DF}">
+              <a14:hiddenLine xmlns:a14="http://schemas.microsoft.com/office/drawing/2010/main" w="9525">
+                <a:solidFill>
+                  <a:schemeClr val="tx1"/>
+                </a:solidFill>
+                <a:miter lim="800000"/>
+                <a:headEnd/>
+                <a:tailEnd/>
+              </a14:hiddenLine>
+            </a:ext>
+          </a:extLst>
         </p:spPr>
       </p:pic>
     </p:spTree>
     <p:extLst>
       <p:ext uri="{BB962C8B-B14F-4D97-AF65-F5344CB8AC3E}">
-        <p14:creationId xmlns:p14="http://schemas.microsoft.com/office/powerpoint/2010/main" val="2284936306"/>
+        <p14:creationId xmlns:p14="http://schemas.microsoft.com/office/powerpoint/2010/main" val="555546177"/>
       </p:ext>
     </p:extLst>
   </p:cSld>
   <p:clrMapOvr>
     <a:masterClrMapping/>
   </p:clrMapOvr>
-  <p:transition>
-    <p:fade/>
-  </p:transition>
+  <mc:AlternateContent xmlns:mc="http://schemas.openxmlformats.org/markup-compatibility/2006">
+    <mc:Choice xmlns:p14="http://schemas.microsoft.com/office/powerpoint/2010/main" Requires="p14">
+      <p:transition spd="med" p14:dur="700">
+        <p:fade/>
+      </p:transition>
+    </mc:Choice>
+    <mc:Fallback>
+      <p:transition spd="med">
+        <p:fade/>
+      </p:transition>
+    </mc:Fallback>
+  </mc:AlternateContent>
   <p:timing>
     <p:tnLst>
       <p:par>
-        <p:cTn id="1" dur="indefinite" restart="never" nodeType="tmRoot"/>
+        <p:cTn id="1" dur="indefinite" restart="never" nodeType="tmRoot">
+          <p:childTnLst>
+            <p:seq concurrent="1" nextAc="seek">
+              <p:cTn id="2" dur="indefinite" nodeType="mainSeq">
+                <p:childTnLst>
+                  <p:par>
+                    <p:cTn id="3" fill="hold">
+                      <p:stCondLst>
+                        <p:cond delay="indefinite"/>
+                      </p:stCondLst>
+                      <p:childTnLst>
+                        <p:par>
+                          <p:cTn id="4" fill="hold">
+                            <p:stCondLst>
+                              <p:cond delay="0"/>
+                            </p:stCondLst>
+                            <p:childTnLst>
+                              <p:par>
+                                <p:cTn id="5" presetID="10" presetClass="entr" presetSubtype="0" fill="hold" nodeType="clickEffect">
+                                  <p:stCondLst>
+                                    <p:cond delay="0"/>
+                                  </p:stCondLst>
+                                  <p:childTnLst>
+                                    <p:set>
+                                      <p:cBhvr>
+                                        <p:cTn id="6" dur="1" fill="hold">
+                                          <p:stCondLst>
+                                            <p:cond delay="0"/>
+                                          </p:stCondLst>
+                                        </p:cTn>
+                                        <p:tgtEl>
+                                          <p:spTgt spid="1027"/>
+                                        </p:tgtEl>
+                                        <p:attrNameLst>
+                                          <p:attrName>style.visibility</p:attrName>
+                                        </p:attrNameLst>
+                                      </p:cBhvr>
+                                      <p:to>
+                                        <p:strVal val="visible"/>
+                                      </p:to>
+                                    </p:set>
+                                    <p:animEffect transition="in" filter="fade">
+                                      <p:cBhvr>
+                                        <p:cTn id="7" dur="500"/>
+                                        <p:tgtEl>
+                                          <p:spTgt spid="1027"/>
+                                        </p:tgtEl>
+                                      </p:cBhvr>
+                                    </p:animEffect>
+                                  </p:childTnLst>
+                                </p:cTn>
+                              </p:par>
+                            </p:childTnLst>
+                          </p:cTn>
+                        </p:par>
+                      </p:childTnLst>
+                    </p:cTn>
+                  </p:par>
+                  <p:par>
+                    <p:cTn id="8" fill="hold">
+                      <p:stCondLst>
+                        <p:cond delay="indefinite"/>
+                      </p:stCondLst>
+                      <p:childTnLst>
+                        <p:par>
+                          <p:cTn id="9" fill="hold">
+                            <p:stCondLst>
+                              <p:cond delay="0"/>
+                            </p:stCondLst>
+                            <p:childTnLst>
+                              <p:par>
+                                <p:cTn id="10" presetID="10" presetClass="entr" presetSubtype="0" fill="hold" nodeType="clickEffect">
+                                  <p:stCondLst>
+                                    <p:cond delay="0"/>
+                                  </p:stCondLst>
+                                  <p:childTnLst>
+                                    <p:set>
+                                      <p:cBhvr>
+                                        <p:cTn id="11" dur="1" fill="hold">
+                                          <p:stCondLst>
+                                            <p:cond delay="0"/>
+                                          </p:stCondLst>
+                                        </p:cTn>
+                                        <p:tgtEl>
+                                          <p:spTgt spid="1028"/>
+                                        </p:tgtEl>
+                                        <p:attrNameLst>
+                                          <p:attrName>style.visibility</p:attrName>
+                                        </p:attrNameLst>
+                                      </p:cBhvr>
+                                      <p:to>
+                                        <p:strVal val="visible"/>
+                                      </p:to>
+                                    </p:set>
+                                    <p:animEffect transition="in" filter="fade">
+                                      <p:cBhvr>
+                                        <p:cTn id="12" dur="500"/>
+                                        <p:tgtEl>
+                                          <p:spTgt spid="1028"/>
+                                        </p:tgtEl>
+                                      </p:cBhvr>
+                                    </p:animEffect>
+                                  </p:childTnLst>
+                                </p:cTn>
+                              </p:par>
+                            </p:childTnLst>
+                          </p:cTn>
+                        </p:par>
+                      </p:childTnLst>
+                    </p:cTn>
+                  </p:par>
+                </p:childTnLst>
+              </p:cTn>
+              <p:prevCondLst>
+                <p:cond evt="onPrev" delay="0">
+                  <p:tgtEl>
+                    <p:sldTgt/>
+                  </p:tgtEl>
+                </p:cond>
+              </p:prevCondLst>
+              <p:nextCondLst>
+                <p:cond evt="onNext" delay="0">
+                  <p:tgtEl>
+                    <p:sldTgt/>
+                  </p:tgtEl>
+                </p:cond>
+              </p:nextCondLst>
+            </p:seq>
+          </p:childTnLst>
+        </p:cTn>
       </p:par>
     </p:tnLst>
   </p:timing>
@@ -3158,59 +4866,85 @@
           <a:p>
             <a:r>
               <a:rPr lang="en-US" dirty="0" smtClean="0"/>
-              <a:t>Classes</a:t>
+              <a:t>constructor</a:t>
             </a:r>
             <a:endParaRPr lang="en-US" dirty="0"/>
           </a:p>
         </p:txBody>
       </p:sp>
-      <p:sp>
-        <p:nvSpPr>
-          <p:cNvPr id="3" name="Text Placeholder 2"/>
-          <p:cNvSpPr>
-            <a:spLocks noGrp="1"/>
-          </p:cNvSpPr>
-          <p:nvPr>
-            <p:ph type="body" idx="1"/>
-          </p:nvPr>
-        </p:nvSpPr>
-        <p:spPr/>
-        <p:txBody>
-          <a:bodyPr/>
-          <a:lstStyle/>
-          <a:p>
-            <a:endParaRPr lang="en-US"/>
-          </a:p>
-        </p:txBody>
-      </p:sp>
       <p:pic>
         <p:nvPicPr>
-          <p:cNvPr id="4" name="Picture 3"/>
+          <p:cNvPr id="1026" name="Picture 2"/>
           <p:cNvPicPr>
-            <a:picLocks noChangeAspect="1"/>
+            <a:picLocks noChangeAspect="1" noChangeArrowheads="1"/>
           </p:cNvPicPr>
           <p:nvPr/>
         </p:nvPicPr>
         <p:blipFill>
-          <a:blip r:embed="rId2"/>
+          <a:blip r:embed="rId2">
+            <a:extLst>
+              <a:ext uri="{BEBA8EAE-BF5A-486C-A8C5-ECC9F3942E4B}">
+                <a14:imgProps xmlns:a14="http://schemas.microsoft.com/office/drawing/2010/main">
+                  <a14:imgLayer r:embed="rId3">
+                    <a14:imgEffect>
+                      <a14:colorTemperature colorTemp="11200"/>
+                    </a14:imgEffect>
+                  </a14:imgLayer>
+                </a14:imgProps>
+              </a:ext>
+              <a:ext uri="{28A0092B-C50C-407E-A947-70E740481C1C}">
+                <a14:useLocalDpi xmlns:a14="http://schemas.microsoft.com/office/drawing/2010/main" val="0"/>
+              </a:ext>
+            </a:extLst>
+          </a:blip>
+          <a:srcRect/>
           <a:stretch>
             <a:fillRect/>
           </a:stretch>
         </p:blipFill>
-        <p:spPr>
+        <p:spPr bwMode="auto">
           <a:xfrm>
-            <a:off x="2362200" y="1981200"/>
-            <a:ext cx="4610100" cy="3667125"/>
+            <a:off x="3181350" y="2033588"/>
+            <a:ext cx="2781300" cy="2790825"/>
           </a:xfrm>
           <a:prstGeom prst="rect">
             <a:avLst/>
           </a:prstGeom>
+          <a:ln>
+            <a:noFill/>
+          </a:ln>
+          <a:effectLst>
+            <a:outerShdw blurRad="190500" algn="tl" rotWithShape="0">
+              <a:srgbClr val="000000">
+                <a:alpha val="70000"/>
+              </a:srgbClr>
+            </a:outerShdw>
+          </a:effectLst>
+          <a:extLst>
+            <a:ext uri="{909E8E84-426E-40DD-AFC4-6F175D3DCCD1}">
+              <a14:hiddenFill xmlns:a14="http://schemas.microsoft.com/office/drawing/2010/main">
+                <a:solidFill>
+                  <a:schemeClr val="accent1"/>
+                </a:solidFill>
+              </a14:hiddenFill>
+            </a:ext>
+            <a:ext uri="{91240B29-F687-4F45-9708-019B960494DF}">
+              <a14:hiddenLine xmlns:a14="http://schemas.microsoft.com/office/drawing/2010/main" w="9525">
+                <a:solidFill>
+                  <a:schemeClr val="tx1"/>
+                </a:solidFill>
+                <a:miter lim="800000"/>
+                <a:headEnd/>
+                <a:tailEnd/>
+              </a14:hiddenLine>
+            </a:ext>
+          </a:extLst>
         </p:spPr>
       </p:pic>
     </p:spTree>
     <p:extLst>
       <p:ext uri="{BB962C8B-B14F-4D97-AF65-F5344CB8AC3E}">
-        <p14:creationId xmlns:p14="http://schemas.microsoft.com/office/powerpoint/2010/main" val="2890267150"/>
+        <p14:creationId xmlns:p14="http://schemas.microsoft.com/office/powerpoint/2010/main" val="1862426013"/>
       </p:ext>
     </p:extLst>
   </p:cSld>
@@ -3264,59 +4998,85 @@
           <a:p>
             <a:r>
               <a:rPr lang="en-US" dirty="0" smtClean="0"/>
-              <a:t>Class Constructors</a:t>
+              <a:t>Getters and Setters</a:t>
             </a:r>
             <a:endParaRPr lang="en-US" dirty="0"/>
           </a:p>
         </p:txBody>
       </p:sp>
-      <p:sp>
-        <p:nvSpPr>
-          <p:cNvPr id="3" name="Text Placeholder 2"/>
-          <p:cNvSpPr>
-            <a:spLocks noGrp="1"/>
-          </p:cNvSpPr>
-          <p:nvPr>
-            <p:ph type="body" idx="1"/>
-          </p:nvPr>
-        </p:nvSpPr>
-        <p:spPr/>
-        <p:txBody>
-          <a:bodyPr/>
-          <a:lstStyle/>
-          <a:p>
-            <a:endParaRPr lang="en-US"/>
-          </a:p>
-        </p:txBody>
-      </p:sp>
       <p:pic>
         <p:nvPicPr>
-          <p:cNvPr id="4" name="Picture 3"/>
+          <p:cNvPr id="2050" name="Picture 2"/>
           <p:cNvPicPr>
-            <a:picLocks noChangeAspect="1"/>
+            <a:picLocks noChangeAspect="1" noChangeArrowheads="1"/>
           </p:cNvPicPr>
           <p:nvPr/>
         </p:nvPicPr>
         <p:blipFill>
-          <a:blip r:embed="rId2"/>
+          <a:blip r:embed="rId2">
+            <a:extLst>
+              <a:ext uri="{BEBA8EAE-BF5A-486C-A8C5-ECC9F3942E4B}">
+                <a14:imgProps xmlns:a14="http://schemas.microsoft.com/office/drawing/2010/main">
+                  <a14:imgLayer r:embed="rId3">
+                    <a14:imgEffect>
+                      <a14:colorTemperature colorTemp="11200"/>
+                    </a14:imgEffect>
+                  </a14:imgLayer>
+                </a14:imgProps>
+              </a:ext>
+              <a:ext uri="{28A0092B-C50C-407E-A947-70E740481C1C}">
+                <a14:useLocalDpi xmlns:a14="http://schemas.microsoft.com/office/drawing/2010/main" val="0"/>
+              </a:ext>
+            </a:extLst>
+          </a:blip>
+          <a:srcRect/>
           <a:stretch>
             <a:fillRect/>
           </a:stretch>
         </p:blipFill>
-        <p:spPr>
+        <p:spPr bwMode="auto">
           <a:xfrm>
-            <a:off x="1290637" y="1528762"/>
-            <a:ext cx="6562725" cy="3800475"/>
+            <a:off x="3181350" y="2300288"/>
+            <a:ext cx="2781300" cy="2257425"/>
           </a:xfrm>
           <a:prstGeom prst="rect">
             <a:avLst/>
           </a:prstGeom>
+          <a:ln>
+            <a:noFill/>
+          </a:ln>
+          <a:effectLst>
+            <a:outerShdw blurRad="190500" algn="tl" rotWithShape="0">
+              <a:srgbClr val="000000">
+                <a:alpha val="70000"/>
+              </a:srgbClr>
+            </a:outerShdw>
+          </a:effectLst>
+          <a:extLst>
+            <a:ext uri="{909E8E84-426E-40DD-AFC4-6F175D3DCCD1}">
+              <a14:hiddenFill xmlns:a14="http://schemas.microsoft.com/office/drawing/2010/main">
+                <a:solidFill>
+                  <a:schemeClr val="accent1"/>
+                </a:solidFill>
+              </a14:hiddenFill>
+            </a:ext>
+            <a:ext uri="{91240B29-F687-4F45-9708-019B960494DF}">
+              <a14:hiddenLine xmlns:a14="http://schemas.microsoft.com/office/drawing/2010/main" w="9525">
+                <a:solidFill>
+                  <a:schemeClr val="tx1"/>
+                </a:solidFill>
+                <a:miter lim="800000"/>
+                <a:headEnd/>
+                <a:tailEnd/>
+              </a14:hiddenLine>
+            </a:ext>
+          </a:extLst>
         </p:spPr>
       </p:pic>
     </p:spTree>
     <p:extLst>
       <p:ext uri="{BB962C8B-B14F-4D97-AF65-F5344CB8AC3E}">
-        <p14:creationId xmlns:p14="http://schemas.microsoft.com/office/powerpoint/2010/main" val="2820635461"/>
+        <p14:creationId xmlns:p14="http://schemas.microsoft.com/office/powerpoint/2010/main" val="2413257541"/>
       </p:ext>
     </p:extLst>
   </p:cSld>
@@ -3370,189 +5130,154 @@
           <a:p>
             <a:r>
               <a:rPr lang="en-US" dirty="0" smtClean="0"/>
-              <a:t>Class Get Set</a:t>
+              <a:t>Inheritance	</a:t>
             </a:r>
             <a:endParaRPr lang="en-US" dirty="0"/>
           </a:p>
         </p:txBody>
       </p:sp>
-      <p:sp>
-        <p:nvSpPr>
-          <p:cNvPr id="3" name="Text Placeholder 2"/>
-          <p:cNvSpPr>
-            <a:spLocks noGrp="1"/>
-          </p:cNvSpPr>
-          <p:nvPr>
-            <p:ph type="body" idx="1"/>
-          </p:nvPr>
-        </p:nvSpPr>
-        <p:spPr/>
-        <p:txBody>
-          <a:bodyPr/>
-          <a:lstStyle/>
-          <a:p>
-            <a:endParaRPr lang="en-US"/>
-          </a:p>
-        </p:txBody>
-      </p:sp>
       <p:pic>
         <p:nvPicPr>
-          <p:cNvPr id="4" name="Picture 3"/>
+          <p:cNvPr id="3074" name="Picture 2"/>
           <p:cNvPicPr>
-            <a:picLocks noChangeAspect="1"/>
+            <a:picLocks noChangeAspect="1" noChangeArrowheads="1"/>
           </p:cNvPicPr>
           <p:nvPr/>
         </p:nvPicPr>
         <p:blipFill>
-          <a:blip r:embed="rId2"/>
+          <a:blip r:embed="rId2">
+            <a:extLst>
+              <a:ext uri="{BEBA8EAE-BF5A-486C-A8C5-ECC9F3942E4B}">
+                <a14:imgProps xmlns:a14="http://schemas.microsoft.com/office/drawing/2010/main">
+                  <a14:imgLayer r:embed="rId3">
+                    <a14:imgEffect>
+                      <a14:colorTemperature colorTemp="11200"/>
+                    </a14:imgEffect>
+                  </a14:imgLayer>
+                </a14:imgProps>
+              </a:ext>
+              <a:ext uri="{28A0092B-C50C-407E-A947-70E740481C1C}">
+                <a14:useLocalDpi xmlns:a14="http://schemas.microsoft.com/office/drawing/2010/main" val="0"/>
+              </a:ext>
+            </a:extLst>
+          </a:blip>
+          <a:srcRect/>
           <a:stretch>
             <a:fillRect/>
           </a:stretch>
         </p:blipFill>
-        <p:spPr>
+        <p:spPr bwMode="auto">
           <a:xfrm>
-            <a:off x="1752600" y="1157287"/>
-            <a:ext cx="5867400" cy="5076825"/>
+            <a:off x="4846061" y="3214378"/>
+            <a:ext cx="2943225" cy="666750"/>
           </a:xfrm>
           <a:prstGeom prst="rect">
             <a:avLst/>
           </a:prstGeom>
+          <a:ln>
+            <a:noFill/>
+          </a:ln>
+          <a:effectLst>
+            <a:outerShdw blurRad="190500" algn="tl" rotWithShape="0">
+              <a:srgbClr val="000000">
+                <a:alpha val="70000"/>
+              </a:srgbClr>
+            </a:outerShdw>
+          </a:effectLst>
+          <a:extLst>
+            <a:ext uri="{909E8E84-426E-40DD-AFC4-6F175D3DCCD1}">
+              <a14:hiddenFill xmlns:a14="http://schemas.microsoft.com/office/drawing/2010/main">
+                <a:solidFill>
+                  <a:schemeClr val="accent1"/>
+                </a:solidFill>
+              </a14:hiddenFill>
+            </a:ext>
+            <a:ext uri="{91240B29-F687-4F45-9708-019B960494DF}">
+              <a14:hiddenLine xmlns:a14="http://schemas.microsoft.com/office/drawing/2010/main" w="9525">
+                <a:solidFill>
+                  <a:schemeClr val="tx1"/>
+                </a:solidFill>
+                <a:miter lim="800000"/>
+                <a:headEnd/>
+                <a:tailEnd/>
+              </a14:hiddenLine>
+            </a:ext>
+          </a:extLst>
+        </p:spPr>
+      </p:pic>
+      <p:pic>
+        <p:nvPicPr>
+          <p:cNvPr id="3075" name="Picture 3"/>
+          <p:cNvPicPr>
+            <a:picLocks noChangeAspect="1" noChangeArrowheads="1"/>
+          </p:cNvPicPr>
+          <p:nvPr/>
+        </p:nvPicPr>
+        <p:blipFill>
+          <a:blip r:embed="rId4">
+            <a:extLst>
+              <a:ext uri="{BEBA8EAE-BF5A-486C-A8C5-ECC9F3942E4B}">
+                <a14:imgProps xmlns:a14="http://schemas.microsoft.com/office/drawing/2010/main">
+                  <a14:imgLayer r:embed="rId5">
+                    <a14:imgEffect>
+                      <a14:colorTemperature colorTemp="11200"/>
+                    </a14:imgEffect>
+                  </a14:imgLayer>
+                </a14:imgProps>
+              </a:ext>
+              <a:ext uri="{28A0092B-C50C-407E-A947-70E740481C1C}">
+                <a14:useLocalDpi xmlns:a14="http://schemas.microsoft.com/office/drawing/2010/main" val="0"/>
+              </a:ext>
+            </a:extLst>
+          </a:blip>
+          <a:srcRect/>
+          <a:stretch>
+            <a:fillRect/>
+          </a:stretch>
+        </p:blipFill>
+        <p:spPr bwMode="auto">
+          <a:xfrm>
+            <a:off x="1353726" y="2242022"/>
+            <a:ext cx="3124200" cy="2771775"/>
+          </a:xfrm>
+          <a:prstGeom prst="rect">
+            <a:avLst/>
+          </a:prstGeom>
+          <a:ln>
+            <a:noFill/>
+          </a:ln>
+          <a:effectLst>
+            <a:outerShdw blurRad="190500" algn="tl" rotWithShape="0">
+              <a:srgbClr val="000000">
+                <a:alpha val="70000"/>
+              </a:srgbClr>
+            </a:outerShdw>
+          </a:effectLst>
+          <a:extLst>
+            <a:ext uri="{909E8E84-426E-40DD-AFC4-6F175D3DCCD1}">
+              <a14:hiddenFill xmlns:a14="http://schemas.microsoft.com/office/drawing/2010/main">
+                <a:solidFill>
+                  <a:schemeClr val="accent1"/>
+                </a:solidFill>
+              </a14:hiddenFill>
+            </a:ext>
+            <a:ext uri="{91240B29-F687-4F45-9708-019B960494DF}">
+              <a14:hiddenLine xmlns:a14="http://schemas.microsoft.com/office/drawing/2010/main" w="9525">
+                <a:solidFill>
+                  <a:schemeClr val="tx1"/>
+                </a:solidFill>
+                <a:miter lim="800000"/>
+                <a:headEnd/>
+                <a:tailEnd/>
+              </a14:hiddenLine>
+            </a:ext>
+          </a:extLst>
         </p:spPr>
       </p:pic>
     </p:spTree>
     <p:extLst>
       <p:ext uri="{BB962C8B-B14F-4D97-AF65-F5344CB8AC3E}">
-        <p14:creationId xmlns:p14="http://schemas.microsoft.com/office/powerpoint/2010/main" val="3620582432"/>
-      </p:ext>
-    </p:extLst>
-  </p:cSld>
-  <p:clrMapOvr>
-    <a:masterClrMapping/>
-  </p:clrMapOvr>
-  <p:transition>
-    <p:fade/>
-  </p:transition>
-  <p:timing>
-    <p:tnLst>
-      <p:par>
-        <p:cTn id="1" dur="indefinite" restart="never" nodeType="tmRoot"/>
-      </p:par>
-    </p:tnLst>
-  </p:timing>
-</p:sld>
-</file>
-
-<file path=ppt/slides/slide18.xml><?xml version="1.0" encoding="utf-8"?>
-<p:sld xmlns:a="http://schemas.openxmlformats.org/drawingml/2006/main" xmlns:r="http://schemas.openxmlformats.org/officeDocument/2006/relationships" xmlns:p="http://schemas.openxmlformats.org/presentationml/2006/main">
-  <p:cSld>
-    <p:spTree>
-      <p:nvGrpSpPr>
-        <p:cNvPr id="1" name=""/>
-        <p:cNvGrpSpPr/>
-        <p:nvPr/>
-      </p:nvGrpSpPr>
-      <p:grpSpPr>
-        <a:xfrm>
-          <a:off x="0" y="0"/>
-          <a:ext cx="0" cy="0"/>
-          <a:chOff x="0" y="0"/>
-          <a:chExt cx="0" cy="0"/>
-        </a:xfrm>
-      </p:grpSpPr>
-      <p:sp>
-        <p:nvSpPr>
-          <p:cNvPr id="2" name="Title 1"/>
-          <p:cNvSpPr>
-            <a:spLocks noGrp="1"/>
-          </p:cNvSpPr>
-          <p:nvPr>
-            <p:ph type="title"/>
-          </p:nvPr>
-        </p:nvSpPr>
-        <p:spPr/>
-        <p:txBody>
-          <a:bodyPr/>
-          <a:lstStyle/>
-          <a:p>
-            <a:r>
-              <a:rPr lang="en-US" dirty="0" smtClean="0"/>
-              <a:t>Base Classes</a:t>
-            </a:r>
-            <a:endParaRPr lang="en-US" dirty="0"/>
-          </a:p>
-        </p:txBody>
-      </p:sp>
-      <p:sp>
-        <p:nvSpPr>
-          <p:cNvPr id="3" name="Text Placeholder 2"/>
-          <p:cNvSpPr>
-            <a:spLocks noGrp="1"/>
-          </p:cNvSpPr>
-          <p:nvPr>
-            <p:ph type="body" idx="1"/>
-          </p:nvPr>
-        </p:nvSpPr>
-        <p:spPr/>
-        <p:txBody>
-          <a:bodyPr/>
-          <a:lstStyle/>
-          <a:p>
-            <a:endParaRPr lang="en-US"/>
-          </a:p>
-        </p:txBody>
-      </p:sp>
-      <p:pic>
-        <p:nvPicPr>
-          <p:cNvPr id="4" name="Picture 3"/>
-          <p:cNvPicPr>
-            <a:picLocks noChangeAspect="1"/>
-          </p:cNvPicPr>
-          <p:nvPr/>
-        </p:nvPicPr>
-        <p:blipFill>
-          <a:blip r:embed="rId2"/>
-          <a:stretch>
-            <a:fillRect/>
-          </a:stretch>
-        </p:blipFill>
-        <p:spPr>
-          <a:xfrm>
-            <a:off x="533400" y="1437198"/>
-            <a:ext cx="4419600" cy="4276725"/>
-          </a:xfrm>
-          <a:prstGeom prst="rect">
-            <a:avLst/>
-          </a:prstGeom>
-        </p:spPr>
-      </p:pic>
-      <p:pic>
-        <p:nvPicPr>
-          <p:cNvPr id="5" name="Picture 4"/>
-          <p:cNvPicPr>
-            <a:picLocks noChangeAspect="1"/>
-          </p:cNvPicPr>
-          <p:nvPr/>
-        </p:nvPicPr>
-        <p:blipFill>
-          <a:blip r:embed="rId3"/>
-          <a:stretch>
-            <a:fillRect/>
-          </a:stretch>
-        </p:blipFill>
-        <p:spPr>
-          <a:xfrm>
-            <a:off x="2754464" y="2133600"/>
-            <a:ext cx="6057900" cy="3467100"/>
-          </a:xfrm>
-          <a:prstGeom prst="rect">
-            <a:avLst/>
-          </a:prstGeom>
-        </p:spPr>
-      </p:pic>
-    </p:spTree>
-    <p:extLst>
-      <p:ext uri="{BB962C8B-B14F-4D97-AF65-F5344CB8AC3E}">
-        <p14:creationId xmlns:p14="http://schemas.microsoft.com/office/powerpoint/2010/main" val="3201213054"/>
+        <p14:creationId xmlns:p14="http://schemas.microsoft.com/office/powerpoint/2010/main" val="1540189635"/>
       </p:ext>
     </p:extLst>
   </p:cSld>
@@ -3596,7 +5321,7 @@
                                           </p:stCondLst>
                                         </p:cTn>
                                         <p:tgtEl>
-                                          <p:spTgt spid="5"/>
+                                          <p:spTgt spid="3075"/>
                                         </p:tgtEl>
                                         <p:attrNameLst>
                                           <p:attrName>style.visibility</p:attrName>
@@ -3610,7 +5335,390 @@
                                       <p:cBhvr>
                                         <p:cTn id="7" dur="500"/>
                                         <p:tgtEl>
-                                          <p:spTgt spid="5"/>
+                                          <p:spTgt spid="3075"/>
+                                        </p:tgtEl>
+                                      </p:cBhvr>
+                                    </p:animEffect>
+                                  </p:childTnLst>
+                                </p:cTn>
+                              </p:par>
+                            </p:childTnLst>
+                          </p:cTn>
+                        </p:par>
+                      </p:childTnLst>
+                    </p:cTn>
+                  </p:par>
+                  <p:par>
+                    <p:cTn id="8" fill="hold">
+                      <p:stCondLst>
+                        <p:cond delay="indefinite"/>
+                      </p:stCondLst>
+                      <p:childTnLst>
+                        <p:par>
+                          <p:cTn id="9" fill="hold">
+                            <p:stCondLst>
+                              <p:cond delay="0"/>
+                            </p:stCondLst>
+                            <p:childTnLst>
+                              <p:par>
+                                <p:cTn id="10" presetID="10" presetClass="entr" presetSubtype="0" fill="hold" nodeType="clickEffect">
+                                  <p:stCondLst>
+                                    <p:cond delay="0"/>
+                                  </p:stCondLst>
+                                  <p:childTnLst>
+                                    <p:set>
+                                      <p:cBhvr>
+                                        <p:cTn id="11" dur="1" fill="hold">
+                                          <p:stCondLst>
+                                            <p:cond delay="0"/>
+                                          </p:stCondLst>
+                                        </p:cTn>
+                                        <p:tgtEl>
+                                          <p:spTgt spid="3074"/>
+                                        </p:tgtEl>
+                                        <p:attrNameLst>
+                                          <p:attrName>style.visibility</p:attrName>
+                                        </p:attrNameLst>
+                                      </p:cBhvr>
+                                      <p:to>
+                                        <p:strVal val="visible"/>
+                                      </p:to>
+                                    </p:set>
+                                    <p:animEffect transition="in" filter="fade">
+                                      <p:cBhvr>
+                                        <p:cTn id="12" dur="500"/>
+                                        <p:tgtEl>
+                                          <p:spTgt spid="3074"/>
+                                        </p:tgtEl>
+                                      </p:cBhvr>
+                                    </p:animEffect>
+                                  </p:childTnLst>
+                                </p:cTn>
+                              </p:par>
+                            </p:childTnLst>
+                          </p:cTn>
+                        </p:par>
+                      </p:childTnLst>
+                    </p:cTn>
+                  </p:par>
+                </p:childTnLst>
+              </p:cTn>
+              <p:prevCondLst>
+                <p:cond evt="onPrev" delay="0">
+                  <p:tgtEl>
+                    <p:sldTgt/>
+                  </p:tgtEl>
+                </p:cond>
+              </p:prevCondLst>
+              <p:nextCondLst>
+                <p:cond evt="onNext" delay="0">
+                  <p:tgtEl>
+                    <p:sldTgt/>
+                  </p:tgtEl>
+                </p:cond>
+              </p:nextCondLst>
+            </p:seq>
+          </p:childTnLst>
+        </p:cTn>
+      </p:par>
+    </p:tnLst>
+  </p:timing>
+</p:sld>
+</file>
+
+<file path=ppt/slides/slide18.xml><?xml version="1.0" encoding="utf-8"?>
+<p:sld xmlns:a="http://schemas.openxmlformats.org/drawingml/2006/main" xmlns:r="http://schemas.openxmlformats.org/officeDocument/2006/relationships" xmlns:p="http://schemas.openxmlformats.org/presentationml/2006/main">
+  <p:cSld>
+    <p:spTree>
+      <p:nvGrpSpPr>
+        <p:cNvPr id="1" name=""/>
+        <p:cNvGrpSpPr/>
+        <p:nvPr/>
+      </p:nvGrpSpPr>
+      <p:grpSpPr>
+        <a:xfrm>
+          <a:off x="0" y="0"/>
+          <a:ext cx="0" cy="0"/>
+          <a:chOff x="0" y="0"/>
+          <a:chExt cx="0" cy="0"/>
+        </a:xfrm>
+      </p:grpSpPr>
+      <p:sp>
+        <p:nvSpPr>
+          <p:cNvPr id="2" name="Title 1"/>
+          <p:cNvSpPr>
+            <a:spLocks noGrp="1"/>
+          </p:cNvSpPr>
+          <p:nvPr>
+            <p:ph type="title"/>
+          </p:nvPr>
+        </p:nvSpPr>
+        <p:spPr/>
+        <p:txBody>
+          <a:bodyPr/>
+          <a:lstStyle/>
+          <a:p>
+            <a:r>
+              <a:rPr lang="en-US" dirty="0" smtClean="0"/>
+              <a:t>super</a:t>
+            </a:r>
+            <a:endParaRPr lang="en-US" dirty="0"/>
+          </a:p>
+        </p:txBody>
+      </p:sp>
+      <p:pic>
+        <p:nvPicPr>
+          <p:cNvPr id="4099" name="Picture 3"/>
+          <p:cNvPicPr>
+            <a:picLocks noChangeAspect="1" noChangeArrowheads="1"/>
+          </p:cNvPicPr>
+          <p:nvPr/>
+        </p:nvPicPr>
+        <p:blipFill>
+          <a:blip r:embed="rId2">
+            <a:extLst>
+              <a:ext uri="{BEBA8EAE-BF5A-486C-A8C5-ECC9F3942E4B}">
+                <a14:imgProps xmlns:a14="http://schemas.microsoft.com/office/drawing/2010/main">
+                  <a14:imgLayer r:embed="rId3">
+                    <a14:imgEffect>
+                      <a14:colorTemperature colorTemp="11200"/>
+                    </a14:imgEffect>
+                  </a14:imgLayer>
+                </a14:imgProps>
+              </a:ext>
+              <a:ext uri="{28A0092B-C50C-407E-A947-70E740481C1C}">
+                <a14:useLocalDpi xmlns:a14="http://schemas.microsoft.com/office/drawing/2010/main" val="0"/>
+              </a:ext>
+            </a:extLst>
+          </a:blip>
+          <a:srcRect/>
+          <a:stretch>
+            <a:fillRect/>
+          </a:stretch>
+        </p:blipFill>
+        <p:spPr bwMode="auto">
+          <a:xfrm>
+            <a:off x="4999512" y="2873952"/>
+            <a:ext cx="3124200" cy="1295400"/>
+          </a:xfrm>
+          <a:prstGeom prst="rect">
+            <a:avLst/>
+          </a:prstGeom>
+          <a:ln>
+            <a:noFill/>
+          </a:ln>
+          <a:effectLst>
+            <a:outerShdw blurRad="190500" algn="tl" rotWithShape="0">
+              <a:srgbClr val="000000">
+                <a:alpha val="70000"/>
+              </a:srgbClr>
+            </a:outerShdw>
+          </a:effectLst>
+          <a:extLst>
+            <a:ext uri="{909E8E84-426E-40DD-AFC4-6F175D3DCCD1}">
+              <a14:hiddenFill xmlns:a14="http://schemas.microsoft.com/office/drawing/2010/main">
+                <a:solidFill>
+                  <a:schemeClr val="accent1"/>
+                </a:solidFill>
+              </a14:hiddenFill>
+            </a:ext>
+            <a:ext uri="{91240B29-F687-4F45-9708-019B960494DF}">
+              <a14:hiddenLine xmlns:a14="http://schemas.microsoft.com/office/drawing/2010/main" w="9525">
+                <a:solidFill>
+                  <a:schemeClr val="tx1"/>
+                </a:solidFill>
+                <a:miter lim="800000"/>
+                <a:headEnd/>
+                <a:tailEnd/>
+              </a14:hiddenLine>
+            </a:ext>
+          </a:extLst>
+        </p:spPr>
+      </p:pic>
+      <p:pic>
+        <p:nvPicPr>
+          <p:cNvPr id="4100" name="Picture 4"/>
+          <p:cNvPicPr>
+            <a:picLocks noChangeAspect="1" noChangeArrowheads="1"/>
+          </p:cNvPicPr>
+          <p:nvPr/>
+        </p:nvPicPr>
+        <p:blipFill>
+          <a:blip r:embed="rId4">
+            <a:extLst>
+              <a:ext uri="{BEBA8EAE-BF5A-486C-A8C5-ECC9F3942E4B}">
+                <a14:imgProps xmlns:a14="http://schemas.microsoft.com/office/drawing/2010/main">
+                  <a14:imgLayer r:embed="rId5">
+                    <a14:imgEffect>
+                      <a14:colorTemperature colorTemp="11200"/>
+                    </a14:imgEffect>
+                  </a14:imgLayer>
+                </a14:imgProps>
+              </a:ext>
+              <a:ext uri="{28A0092B-C50C-407E-A947-70E740481C1C}">
+                <a14:useLocalDpi xmlns:a14="http://schemas.microsoft.com/office/drawing/2010/main" val="0"/>
+              </a:ext>
+            </a:extLst>
+          </a:blip>
+          <a:srcRect/>
+          <a:stretch>
+            <a:fillRect/>
+          </a:stretch>
+        </p:blipFill>
+        <p:spPr bwMode="auto">
+          <a:xfrm>
+            <a:off x="1224148" y="2873952"/>
+            <a:ext cx="3276600" cy="1314450"/>
+          </a:xfrm>
+          <a:prstGeom prst="rect">
+            <a:avLst/>
+          </a:prstGeom>
+          <a:ln>
+            <a:noFill/>
+          </a:ln>
+          <a:effectLst>
+            <a:outerShdw blurRad="190500" algn="tl" rotWithShape="0">
+              <a:srgbClr val="000000">
+                <a:alpha val="70000"/>
+              </a:srgbClr>
+            </a:outerShdw>
+          </a:effectLst>
+          <a:extLst>
+            <a:ext uri="{909E8E84-426E-40DD-AFC4-6F175D3DCCD1}">
+              <a14:hiddenFill xmlns:a14="http://schemas.microsoft.com/office/drawing/2010/main">
+                <a:solidFill>
+                  <a:schemeClr val="accent1"/>
+                </a:solidFill>
+              </a14:hiddenFill>
+            </a:ext>
+            <a:ext uri="{91240B29-F687-4F45-9708-019B960494DF}">
+              <a14:hiddenLine xmlns:a14="http://schemas.microsoft.com/office/drawing/2010/main" w="9525">
+                <a:solidFill>
+                  <a:schemeClr val="tx1"/>
+                </a:solidFill>
+                <a:miter lim="800000"/>
+                <a:headEnd/>
+                <a:tailEnd/>
+              </a14:hiddenLine>
+            </a:ext>
+          </a:extLst>
+        </p:spPr>
+      </p:pic>
+    </p:spTree>
+    <p:extLst>
+      <p:ext uri="{BB962C8B-B14F-4D97-AF65-F5344CB8AC3E}">
+        <p14:creationId xmlns:p14="http://schemas.microsoft.com/office/powerpoint/2010/main" val="3022318194"/>
+      </p:ext>
+    </p:extLst>
+  </p:cSld>
+  <p:clrMapOvr>
+    <a:masterClrMapping/>
+  </p:clrMapOvr>
+  <p:transition>
+    <p:fade/>
+  </p:transition>
+  <p:timing>
+    <p:tnLst>
+      <p:par>
+        <p:cTn id="1" dur="indefinite" restart="never" nodeType="tmRoot">
+          <p:childTnLst>
+            <p:seq concurrent="1" nextAc="seek">
+              <p:cTn id="2" dur="indefinite" nodeType="mainSeq">
+                <p:childTnLst>
+                  <p:par>
+                    <p:cTn id="3" fill="hold">
+                      <p:stCondLst>
+                        <p:cond delay="indefinite"/>
+                      </p:stCondLst>
+                      <p:childTnLst>
+                        <p:par>
+                          <p:cTn id="4" fill="hold">
+                            <p:stCondLst>
+                              <p:cond delay="0"/>
+                            </p:stCondLst>
+                            <p:childTnLst>
+                              <p:par>
+                                <p:cTn id="5" presetID="10" presetClass="entr" presetSubtype="0" fill="hold" nodeType="clickEffect">
+                                  <p:stCondLst>
+                                    <p:cond delay="0"/>
+                                  </p:stCondLst>
+                                  <p:childTnLst>
+                                    <p:set>
+                                      <p:cBhvr>
+                                        <p:cTn id="6" dur="1" fill="hold">
+                                          <p:stCondLst>
+                                            <p:cond delay="0"/>
+                                          </p:stCondLst>
+                                        </p:cTn>
+                                        <p:tgtEl>
+                                          <p:spTgt spid="4100"/>
+                                        </p:tgtEl>
+                                        <p:attrNameLst>
+                                          <p:attrName>style.visibility</p:attrName>
+                                        </p:attrNameLst>
+                                      </p:cBhvr>
+                                      <p:to>
+                                        <p:strVal val="visible"/>
+                                      </p:to>
+                                    </p:set>
+                                    <p:animEffect transition="in" filter="fade">
+                                      <p:cBhvr>
+                                        <p:cTn id="7" dur="500"/>
+                                        <p:tgtEl>
+                                          <p:spTgt spid="4100"/>
+                                        </p:tgtEl>
+                                      </p:cBhvr>
+                                    </p:animEffect>
+                                  </p:childTnLst>
+                                </p:cTn>
+                              </p:par>
+                            </p:childTnLst>
+                          </p:cTn>
+                        </p:par>
+                      </p:childTnLst>
+                    </p:cTn>
+                  </p:par>
+                  <p:par>
+                    <p:cTn id="8" fill="hold">
+                      <p:stCondLst>
+                        <p:cond delay="indefinite"/>
+                      </p:stCondLst>
+                      <p:childTnLst>
+                        <p:par>
+                          <p:cTn id="9" fill="hold">
+                            <p:stCondLst>
+                              <p:cond delay="0"/>
+                            </p:stCondLst>
+                            <p:childTnLst>
+                              <p:par>
+                                <p:cTn id="10" presetID="10" presetClass="entr" presetSubtype="0" fill="hold" nodeType="clickEffect">
+                                  <p:stCondLst>
+                                    <p:cond delay="0"/>
+                                  </p:stCondLst>
+                                  <p:childTnLst>
+                                    <p:set>
+                                      <p:cBhvr>
+                                        <p:cTn id="11" dur="1" fill="hold">
+                                          <p:stCondLst>
+                                            <p:cond delay="0"/>
+                                          </p:stCondLst>
+                                        </p:cTn>
+                                        <p:tgtEl>
+                                          <p:spTgt spid="4099"/>
+                                        </p:tgtEl>
+                                        <p:attrNameLst>
+                                          <p:attrName>style.visibility</p:attrName>
+                                        </p:attrNameLst>
+                                      </p:cBhvr>
+                                      <p:to>
+                                        <p:strVal val="visible"/>
+                                      </p:to>
+                                    </p:set>
+                                    <p:animEffect transition="in" filter="fade">
+                                      <p:cBhvr>
+                                        <p:cTn id="12" dur="500"/>
+                                        <p:tgtEl>
+                                          <p:spTgt spid="4099"/>
                                         </p:tgtEl>
                                       </p:cBhvr>
                                     </p:animEffect>
@@ -3682,7 +5790,7 @@
           <a:p>
             <a:r>
               <a:rPr lang="en-US" dirty="0" smtClean="0"/>
-              <a:t>Modules</a:t>
+              <a:t>Arrow Functions</a:t>
             </a:r>
             <a:endParaRPr lang="en-US" dirty="0"/>
           </a:p>
@@ -3703,13 +5811,13 @@
           <a:bodyPr/>
           <a:lstStyle/>
           <a:p>
-            <a:endParaRPr lang="en-US"/>
+            <a:endParaRPr lang="en-US" dirty="0"/>
           </a:p>
         </p:txBody>
       </p:sp>
       <p:pic>
         <p:nvPicPr>
-          <p:cNvPr id="4" name="Picture 3"/>
+          <p:cNvPr id="7" name="Picture 6"/>
           <p:cNvPicPr>
             <a:picLocks noChangeAspect="1"/>
           </p:cNvPicPr>
@@ -3723,8 +5831,32 @@
         </p:blipFill>
         <p:spPr>
           <a:xfrm>
-            <a:off x="1362075" y="2190750"/>
-            <a:ext cx="6419850" cy="2476500"/>
+            <a:off x="457200" y="1524000"/>
+            <a:ext cx="5372100" cy="1981200"/>
+          </a:xfrm>
+          <a:prstGeom prst="rect">
+            <a:avLst/>
+          </a:prstGeom>
+        </p:spPr>
+      </p:pic>
+      <p:pic>
+        <p:nvPicPr>
+          <p:cNvPr id="8" name="Picture 7"/>
+          <p:cNvPicPr>
+            <a:picLocks noChangeAspect="1"/>
+          </p:cNvPicPr>
+          <p:nvPr/>
+        </p:nvPicPr>
+        <p:blipFill>
+          <a:blip r:embed="rId3"/>
+          <a:stretch>
+            <a:fillRect/>
+          </a:stretch>
+        </p:blipFill>
+        <p:spPr>
+          <a:xfrm>
+            <a:off x="3143250" y="4359054"/>
+            <a:ext cx="5133975" cy="1685925"/>
           </a:xfrm>
           <a:prstGeom prst="rect">
             <a:avLst/>
@@ -3734,7 +5866,7 @@
     </p:spTree>
     <p:extLst>
       <p:ext uri="{BB962C8B-B14F-4D97-AF65-F5344CB8AC3E}">
-        <p14:creationId xmlns:p14="http://schemas.microsoft.com/office/powerpoint/2010/main" val="2492268199"/>
+        <p14:creationId xmlns:p14="http://schemas.microsoft.com/office/powerpoint/2010/main" val="1278584267"/>
       </p:ext>
     </p:extLst>
   </p:cSld>
@@ -3920,7 +6052,7 @@
           <a:p>
             <a:r>
               <a:rPr lang="en-US" dirty="0" smtClean="0"/>
-              <a:t>Set and Maps</a:t>
+              <a:t>Arrows and this</a:t>
             </a:r>
             <a:endParaRPr lang="en-US" dirty="0"/>
           </a:p>
@@ -3961,8 +6093,8 @@
         </p:blipFill>
         <p:spPr>
           <a:xfrm>
-            <a:off x="1943100" y="1524000"/>
-            <a:ext cx="5257800" cy="4495800"/>
+            <a:off x="1938337" y="2486025"/>
+            <a:ext cx="5267325" cy="1885950"/>
           </a:xfrm>
           <a:prstGeom prst="rect">
             <a:avLst/>
@@ -3972,7 +6104,7 @@
     </p:spTree>
     <p:extLst>
       <p:ext uri="{BB962C8B-B14F-4D97-AF65-F5344CB8AC3E}">
-        <p14:creationId xmlns:p14="http://schemas.microsoft.com/office/powerpoint/2010/main" val="3365638330"/>
+        <p14:creationId xmlns:p14="http://schemas.microsoft.com/office/powerpoint/2010/main" val="93277545"/>
       </p:ext>
     </p:extLst>
   </p:cSld>
@@ -4025,8 +6157,222 @@
           <a:lstStyle/>
           <a:p>
             <a:r>
+              <a:rPr lang="en-US" dirty="0" err="1" smtClean="0"/>
+              <a:t>Iterables</a:t>
+            </a:r>
+            <a:r>
               <a:rPr lang="en-US" dirty="0" smtClean="0"/>
-              <a:t>Proxies</a:t>
+              <a:t> and Iterators</a:t>
+            </a:r>
+            <a:endParaRPr lang="en-US" dirty="0"/>
+          </a:p>
+        </p:txBody>
+      </p:sp>
+      <p:sp>
+        <p:nvSpPr>
+          <p:cNvPr id="3" name="Text Placeholder 2"/>
+          <p:cNvSpPr>
+            <a:spLocks noGrp="1"/>
+          </p:cNvSpPr>
+          <p:nvPr>
+            <p:ph type="body" idx="1"/>
+          </p:nvPr>
+        </p:nvSpPr>
+        <p:spPr/>
+        <p:txBody>
+          <a:bodyPr/>
+          <a:lstStyle/>
+          <a:p>
+            <a:endParaRPr lang="en-US" dirty="0"/>
+          </a:p>
+        </p:txBody>
+      </p:sp>
+      <p:pic>
+        <p:nvPicPr>
+          <p:cNvPr id="4" name="Picture 3"/>
+          <p:cNvPicPr>
+            <a:picLocks noChangeAspect="1"/>
+          </p:cNvPicPr>
+          <p:nvPr/>
+        </p:nvPicPr>
+        <p:blipFill>
+          <a:blip r:embed="rId2"/>
+          <a:stretch>
+            <a:fillRect/>
+          </a:stretch>
+        </p:blipFill>
+        <p:spPr>
+          <a:xfrm>
+            <a:off x="304800" y="1266825"/>
+            <a:ext cx="4581525" cy="2428875"/>
+          </a:xfrm>
+          <a:prstGeom prst="rect">
+            <a:avLst/>
+          </a:prstGeom>
+        </p:spPr>
+      </p:pic>
+      <p:pic>
+        <p:nvPicPr>
+          <p:cNvPr id="5" name="Picture 4"/>
+          <p:cNvPicPr>
+            <a:picLocks noChangeAspect="1"/>
+          </p:cNvPicPr>
+          <p:nvPr/>
+        </p:nvPicPr>
+        <p:blipFill>
+          <a:blip r:embed="rId3"/>
+          <a:stretch>
+            <a:fillRect/>
+          </a:stretch>
+        </p:blipFill>
+        <p:spPr>
+          <a:xfrm>
+            <a:off x="2971800" y="3962400"/>
+            <a:ext cx="5495925" cy="2609850"/>
+          </a:xfrm>
+          <a:prstGeom prst="rect">
+            <a:avLst/>
+          </a:prstGeom>
+        </p:spPr>
+      </p:pic>
+    </p:spTree>
+    <p:extLst>
+      <p:ext uri="{BB962C8B-B14F-4D97-AF65-F5344CB8AC3E}">
+        <p14:creationId xmlns:p14="http://schemas.microsoft.com/office/powerpoint/2010/main" val="306324557"/>
+      </p:ext>
+    </p:extLst>
+  </p:cSld>
+  <p:clrMapOvr>
+    <a:masterClrMapping/>
+  </p:clrMapOvr>
+  <p:transition>
+    <p:fade/>
+  </p:transition>
+  <p:timing>
+    <p:tnLst>
+      <p:par>
+        <p:cTn id="1" dur="indefinite" restart="never" nodeType="tmRoot">
+          <p:childTnLst>
+            <p:seq concurrent="1" nextAc="seek">
+              <p:cTn id="2" dur="indefinite" nodeType="mainSeq">
+                <p:childTnLst>
+                  <p:par>
+                    <p:cTn id="3" fill="hold">
+                      <p:stCondLst>
+                        <p:cond delay="indefinite"/>
+                      </p:stCondLst>
+                      <p:childTnLst>
+                        <p:par>
+                          <p:cTn id="4" fill="hold">
+                            <p:stCondLst>
+                              <p:cond delay="0"/>
+                            </p:stCondLst>
+                            <p:childTnLst>
+                              <p:par>
+                                <p:cTn id="5" presetID="10" presetClass="entr" presetSubtype="0" fill="hold" nodeType="clickEffect">
+                                  <p:stCondLst>
+                                    <p:cond delay="0"/>
+                                  </p:stCondLst>
+                                  <p:childTnLst>
+                                    <p:set>
+                                      <p:cBhvr>
+                                        <p:cTn id="6" dur="1" fill="hold">
+                                          <p:stCondLst>
+                                            <p:cond delay="0"/>
+                                          </p:stCondLst>
+                                        </p:cTn>
+                                        <p:tgtEl>
+                                          <p:spTgt spid="5"/>
+                                        </p:tgtEl>
+                                        <p:attrNameLst>
+                                          <p:attrName>style.visibility</p:attrName>
+                                        </p:attrNameLst>
+                                      </p:cBhvr>
+                                      <p:to>
+                                        <p:strVal val="visible"/>
+                                      </p:to>
+                                    </p:set>
+                                    <p:animEffect transition="in" filter="fade">
+                                      <p:cBhvr>
+                                        <p:cTn id="7" dur="500"/>
+                                        <p:tgtEl>
+                                          <p:spTgt spid="5"/>
+                                        </p:tgtEl>
+                                      </p:cBhvr>
+                                    </p:animEffect>
+                                  </p:childTnLst>
+                                </p:cTn>
+                              </p:par>
+                            </p:childTnLst>
+                          </p:cTn>
+                        </p:par>
+                      </p:childTnLst>
+                    </p:cTn>
+                  </p:par>
+                </p:childTnLst>
+              </p:cTn>
+              <p:prevCondLst>
+                <p:cond evt="onPrev" delay="0">
+                  <p:tgtEl>
+                    <p:sldTgt/>
+                  </p:tgtEl>
+                </p:cond>
+              </p:prevCondLst>
+              <p:nextCondLst>
+                <p:cond evt="onNext" delay="0">
+                  <p:tgtEl>
+                    <p:sldTgt/>
+                  </p:tgtEl>
+                </p:cond>
+              </p:nextCondLst>
+            </p:seq>
+          </p:childTnLst>
+        </p:cTn>
+      </p:par>
+    </p:tnLst>
+  </p:timing>
+</p:sld>
+</file>
+
+<file path=ppt/slides/slide22.xml><?xml version="1.0" encoding="utf-8"?>
+<p:sld xmlns:a="http://schemas.openxmlformats.org/drawingml/2006/main" xmlns:r="http://schemas.openxmlformats.org/officeDocument/2006/relationships" xmlns:p="http://schemas.openxmlformats.org/presentationml/2006/main">
+  <p:cSld>
+    <p:spTree>
+      <p:nvGrpSpPr>
+        <p:cNvPr id="1" name=""/>
+        <p:cNvGrpSpPr/>
+        <p:nvPr/>
+      </p:nvGrpSpPr>
+      <p:grpSpPr>
+        <a:xfrm>
+          <a:off x="0" y="0"/>
+          <a:ext cx="0" cy="0"/>
+          <a:chOff x="0" y="0"/>
+          <a:chExt cx="0" cy="0"/>
+        </a:xfrm>
+      </p:grpSpPr>
+      <p:sp>
+        <p:nvSpPr>
+          <p:cNvPr id="2" name="Title 1"/>
+          <p:cNvSpPr>
+            <a:spLocks noGrp="1"/>
+          </p:cNvSpPr>
+          <p:nvPr>
+            <p:ph type="title"/>
+          </p:nvPr>
+        </p:nvSpPr>
+        <p:spPr/>
+        <p:txBody>
+          <a:bodyPr/>
+          <a:lstStyle/>
+          <a:p>
+            <a:r>
+              <a:rPr lang="en-US" dirty="0"/>
+              <a:t>f</a:t>
+            </a:r>
+            <a:r>
+              <a:rPr lang="en-US" dirty="0" smtClean="0"/>
+              <a:t>or of</a:t>
             </a:r>
             <a:endParaRPr lang="en-US" dirty="0"/>
           </a:p>
@@ -4067,8 +6413,8 @@
         </p:blipFill>
         <p:spPr>
           <a:xfrm>
-            <a:off x="2338387" y="2328862"/>
-            <a:ext cx="4467225" cy="2200275"/>
+            <a:off x="3505200" y="3033712"/>
+            <a:ext cx="2990850" cy="1323975"/>
           </a:xfrm>
           <a:prstGeom prst="rect">
             <a:avLst/>
@@ -4078,7 +6424,7 @@
     </p:spTree>
     <p:extLst>
       <p:ext uri="{BB962C8B-B14F-4D97-AF65-F5344CB8AC3E}">
-        <p14:creationId xmlns:p14="http://schemas.microsoft.com/office/powerpoint/2010/main" val="1458536560"/>
+        <p14:creationId xmlns:p14="http://schemas.microsoft.com/office/powerpoint/2010/main" val="2716967858"/>
       </p:ext>
     </p:extLst>
   </p:cSld>
@@ -4098,7 +6444,7 @@
 </p:sld>
 </file>
 
-<file path=ppt/slides/slide22.xml><?xml version="1.0" encoding="utf-8"?>
+<file path=ppt/slides/slide23.xml><?xml version="1.0" encoding="utf-8"?>
 <p:sld xmlns:a="http://schemas.openxmlformats.org/drawingml/2006/main" xmlns:r="http://schemas.openxmlformats.org/officeDocument/2006/relationships" xmlns:p="http://schemas.openxmlformats.org/presentationml/2006/main">
   <p:cSld>
     <p:spTree>
@@ -4132,7 +6478,11 @@
           <a:p>
             <a:r>
               <a:rPr lang="en-US" dirty="0" smtClean="0"/>
-              <a:t>Promises</a:t>
+              <a:t>Make Your Own </a:t>
+            </a:r>
+            <a:r>
+              <a:rPr lang="en-US" dirty="0" err="1" smtClean="0"/>
+              <a:t>Iterable</a:t>
             </a:r>
             <a:endParaRPr lang="en-US" dirty="0"/>
           </a:p>
@@ -4173,8 +6523,32 @@
         </p:blipFill>
         <p:spPr>
           <a:xfrm>
-            <a:off x="1171575" y="1919287"/>
-            <a:ext cx="6800850" cy="3019425"/>
+            <a:off x="762000" y="1524000"/>
+            <a:ext cx="7729537" cy="4028631"/>
+          </a:xfrm>
+          <a:prstGeom prst="rect">
+            <a:avLst/>
+          </a:prstGeom>
+        </p:spPr>
+      </p:pic>
+      <p:pic>
+        <p:nvPicPr>
+          <p:cNvPr id="5" name="Picture 4"/>
+          <p:cNvPicPr>
+            <a:picLocks noChangeAspect="1"/>
+          </p:cNvPicPr>
+          <p:nvPr/>
+        </p:nvPicPr>
+        <p:blipFill>
+          <a:blip r:embed="rId3"/>
+          <a:stretch>
+            <a:fillRect/>
+          </a:stretch>
+        </p:blipFill>
+        <p:spPr>
+          <a:xfrm>
+            <a:off x="2514600" y="3819525"/>
+            <a:ext cx="5705475" cy="2505075"/>
           </a:xfrm>
           <a:prstGeom prst="rect">
             <a:avLst/>
@@ -4184,7 +6558,395 @@
     </p:spTree>
     <p:extLst>
       <p:ext uri="{BB962C8B-B14F-4D97-AF65-F5344CB8AC3E}">
-        <p14:creationId xmlns:p14="http://schemas.microsoft.com/office/powerpoint/2010/main" val="2379871507"/>
+        <p14:creationId xmlns:p14="http://schemas.microsoft.com/office/powerpoint/2010/main" val="4093441523"/>
+      </p:ext>
+    </p:extLst>
+  </p:cSld>
+  <p:clrMapOvr>
+    <a:masterClrMapping/>
+  </p:clrMapOvr>
+  <p:transition>
+    <p:fade/>
+  </p:transition>
+  <p:timing>
+    <p:tnLst>
+      <p:par>
+        <p:cTn id="1" dur="indefinite" restart="never" nodeType="tmRoot">
+          <p:childTnLst>
+            <p:seq concurrent="1" nextAc="seek">
+              <p:cTn id="2" dur="indefinite" nodeType="mainSeq">
+                <p:childTnLst>
+                  <p:par>
+                    <p:cTn id="3" fill="hold">
+                      <p:stCondLst>
+                        <p:cond delay="indefinite"/>
+                      </p:stCondLst>
+                      <p:childTnLst>
+                        <p:par>
+                          <p:cTn id="4" fill="hold">
+                            <p:stCondLst>
+                              <p:cond delay="0"/>
+                            </p:stCondLst>
+                            <p:childTnLst>
+                              <p:par>
+                                <p:cTn id="5" presetID="10" presetClass="entr" presetSubtype="0" fill="hold" nodeType="clickEffect">
+                                  <p:stCondLst>
+                                    <p:cond delay="0"/>
+                                  </p:stCondLst>
+                                  <p:childTnLst>
+                                    <p:set>
+                                      <p:cBhvr>
+                                        <p:cTn id="6" dur="1" fill="hold">
+                                          <p:stCondLst>
+                                            <p:cond delay="0"/>
+                                          </p:stCondLst>
+                                        </p:cTn>
+                                        <p:tgtEl>
+                                          <p:spTgt spid="5"/>
+                                        </p:tgtEl>
+                                        <p:attrNameLst>
+                                          <p:attrName>style.visibility</p:attrName>
+                                        </p:attrNameLst>
+                                      </p:cBhvr>
+                                      <p:to>
+                                        <p:strVal val="visible"/>
+                                      </p:to>
+                                    </p:set>
+                                    <p:animEffect transition="in" filter="fade">
+                                      <p:cBhvr>
+                                        <p:cTn id="7" dur="500"/>
+                                        <p:tgtEl>
+                                          <p:spTgt spid="5"/>
+                                        </p:tgtEl>
+                                      </p:cBhvr>
+                                    </p:animEffect>
+                                  </p:childTnLst>
+                                </p:cTn>
+                              </p:par>
+                            </p:childTnLst>
+                          </p:cTn>
+                        </p:par>
+                      </p:childTnLst>
+                    </p:cTn>
+                  </p:par>
+                </p:childTnLst>
+              </p:cTn>
+              <p:prevCondLst>
+                <p:cond evt="onPrev" delay="0">
+                  <p:tgtEl>
+                    <p:sldTgt/>
+                  </p:tgtEl>
+                </p:cond>
+              </p:prevCondLst>
+              <p:nextCondLst>
+                <p:cond evt="onNext" delay="0">
+                  <p:tgtEl>
+                    <p:sldTgt/>
+                  </p:tgtEl>
+                </p:cond>
+              </p:nextCondLst>
+            </p:seq>
+          </p:childTnLst>
+        </p:cTn>
+      </p:par>
+    </p:tnLst>
+  </p:timing>
+</p:sld>
+</file>
+
+<file path=ppt/slides/slide24.xml><?xml version="1.0" encoding="utf-8"?>
+<p:sld xmlns:a="http://schemas.openxmlformats.org/drawingml/2006/main" xmlns:r="http://schemas.openxmlformats.org/officeDocument/2006/relationships" xmlns:p="http://schemas.openxmlformats.org/presentationml/2006/main">
+  <p:cSld>
+    <p:spTree>
+      <p:nvGrpSpPr>
+        <p:cNvPr id="1" name=""/>
+        <p:cNvGrpSpPr/>
+        <p:nvPr/>
+      </p:nvGrpSpPr>
+      <p:grpSpPr>
+        <a:xfrm>
+          <a:off x="0" y="0"/>
+          <a:ext cx="0" cy="0"/>
+          <a:chOff x="0" y="0"/>
+          <a:chExt cx="0" cy="0"/>
+        </a:xfrm>
+      </p:grpSpPr>
+      <p:sp>
+        <p:nvSpPr>
+          <p:cNvPr id="2" name="Title 1"/>
+          <p:cNvSpPr>
+            <a:spLocks noGrp="1"/>
+          </p:cNvSpPr>
+          <p:nvPr>
+            <p:ph type="title"/>
+          </p:nvPr>
+        </p:nvSpPr>
+        <p:spPr/>
+        <p:txBody>
+          <a:bodyPr/>
+          <a:lstStyle/>
+          <a:p>
+            <a:r>
+              <a:rPr lang="en-US" dirty="0" smtClean="0"/>
+              <a:t>Generators</a:t>
+            </a:r>
+            <a:endParaRPr lang="en-US" dirty="0"/>
+          </a:p>
+        </p:txBody>
+      </p:sp>
+      <p:sp>
+        <p:nvSpPr>
+          <p:cNvPr id="3" name="Text Placeholder 2"/>
+          <p:cNvSpPr>
+            <a:spLocks noGrp="1"/>
+          </p:cNvSpPr>
+          <p:nvPr>
+            <p:ph type="body" idx="1"/>
+          </p:nvPr>
+        </p:nvSpPr>
+        <p:spPr/>
+        <p:txBody>
+          <a:bodyPr/>
+          <a:lstStyle/>
+          <a:p>
+            <a:endParaRPr lang="en-US"/>
+          </a:p>
+        </p:txBody>
+      </p:sp>
+      <p:pic>
+        <p:nvPicPr>
+          <p:cNvPr id="4" name="Picture 3"/>
+          <p:cNvPicPr>
+            <a:picLocks noChangeAspect="1"/>
+          </p:cNvPicPr>
+          <p:nvPr/>
+        </p:nvPicPr>
+        <p:blipFill>
+          <a:blip r:embed="rId2"/>
+          <a:stretch>
+            <a:fillRect/>
+          </a:stretch>
+        </p:blipFill>
+        <p:spPr>
+          <a:xfrm>
+            <a:off x="433346" y="1295400"/>
+            <a:ext cx="4533900" cy="3362325"/>
+          </a:xfrm>
+          <a:prstGeom prst="rect">
+            <a:avLst/>
+          </a:prstGeom>
+        </p:spPr>
+      </p:pic>
+      <p:pic>
+        <p:nvPicPr>
+          <p:cNvPr id="5" name="Picture 4"/>
+          <p:cNvPicPr>
+            <a:picLocks noChangeAspect="1"/>
+          </p:cNvPicPr>
+          <p:nvPr/>
+        </p:nvPicPr>
+        <p:blipFill>
+          <a:blip r:embed="rId3"/>
+          <a:stretch>
+            <a:fillRect/>
+          </a:stretch>
+        </p:blipFill>
+        <p:spPr>
+          <a:xfrm>
+            <a:off x="3200400" y="3857625"/>
+            <a:ext cx="5667375" cy="2238375"/>
+          </a:xfrm>
+          <a:prstGeom prst="rect">
+            <a:avLst/>
+          </a:prstGeom>
+        </p:spPr>
+      </p:pic>
+    </p:spTree>
+    <p:extLst>
+      <p:ext uri="{BB962C8B-B14F-4D97-AF65-F5344CB8AC3E}">
+        <p14:creationId xmlns:p14="http://schemas.microsoft.com/office/powerpoint/2010/main" val="3812663926"/>
+      </p:ext>
+    </p:extLst>
+  </p:cSld>
+  <p:clrMapOvr>
+    <a:masterClrMapping/>
+  </p:clrMapOvr>
+  <p:transition>
+    <p:fade/>
+  </p:transition>
+  <p:timing>
+    <p:tnLst>
+      <p:par>
+        <p:cTn id="1" dur="indefinite" restart="never" nodeType="tmRoot">
+          <p:childTnLst>
+            <p:seq concurrent="1" nextAc="seek">
+              <p:cTn id="2" dur="indefinite" nodeType="mainSeq">
+                <p:childTnLst>
+                  <p:par>
+                    <p:cTn id="3" fill="hold">
+                      <p:stCondLst>
+                        <p:cond delay="indefinite"/>
+                      </p:stCondLst>
+                      <p:childTnLst>
+                        <p:par>
+                          <p:cTn id="4" fill="hold">
+                            <p:stCondLst>
+                              <p:cond delay="0"/>
+                            </p:stCondLst>
+                            <p:childTnLst>
+                              <p:par>
+                                <p:cTn id="5" presetID="10" presetClass="entr" presetSubtype="0" fill="hold" nodeType="clickEffect">
+                                  <p:stCondLst>
+                                    <p:cond delay="0"/>
+                                  </p:stCondLst>
+                                  <p:childTnLst>
+                                    <p:set>
+                                      <p:cBhvr>
+                                        <p:cTn id="6" dur="1" fill="hold">
+                                          <p:stCondLst>
+                                            <p:cond delay="0"/>
+                                          </p:stCondLst>
+                                        </p:cTn>
+                                        <p:tgtEl>
+                                          <p:spTgt spid="5"/>
+                                        </p:tgtEl>
+                                        <p:attrNameLst>
+                                          <p:attrName>style.visibility</p:attrName>
+                                        </p:attrNameLst>
+                                      </p:cBhvr>
+                                      <p:to>
+                                        <p:strVal val="visible"/>
+                                      </p:to>
+                                    </p:set>
+                                    <p:animEffect transition="in" filter="fade">
+                                      <p:cBhvr>
+                                        <p:cTn id="7" dur="500"/>
+                                        <p:tgtEl>
+                                          <p:spTgt spid="5"/>
+                                        </p:tgtEl>
+                                      </p:cBhvr>
+                                    </p:animEffect>
+                                  </p:childTnLst>
+                                </p:cTn>
+                              </p:par>
+                            </p:childTnLst>
+                          </p:cTn>
+                        </p:par>
+                      </p:childTnLst>
+                    </p:cTn>
+                  </p:par>
+                </p:childTnLst>
+              </p:cTn>
+              <p:prevCondLst>
+                <p:cond evt="onPrev" delay="0">
+                  <p:tgtEl>
+                    <p:sldTgt/>
+                  </p:tgtEl>
+                </p:cond>
+              </p:prevCondLst>
+              <p:nextCondLst>
+                <p:cond evt="onNext" delay="0">
+                  <p:tgtEl>
+                    <p:sldTgt/>
+                  </p:tgtEl>
+                </p:cond>
+              </p:nextCondLst>
+            </p:seq>
+          </p:childTnLst>
+        </p:cTn>
+      </p:par>
+    </p:tnLst>
+  </p:timing>
+</p:sld>
+</file>
+
+<file path=ppt/slides/slide25.xml><?xml version="1.0" encoding="utf-8"?>
+<p:sld xmlns:a="http://schemas.openxmlformats.org/drawingml/2006/main" xmlns:r="http://schemas.openxmlformats.org/officeDocument/2006/relationships" xmlns:p="http://schemas.openxmlformats.org/presentationml/2006/main">
+  <p:cSld>
+    <p:spTree>
+      <p:nvGrpSpPr>
+        <p:cNvPr id="1" name=""/>
+        <p:cNvGrpSpPr/>
+        <p:nvPr/>
+      </p:nvGrpSpPr>
+      <p:grpSpPr>
+        <a:xfrm>
+          <a:off x="0" y="0"/>
+          <a:ext cx="0" cy="0"/>
+          <a:chOff x="0" y="0"/>
+          <a:chExt cx="0" cy="0"/>
+        </a:xfrm>
+      </p:grpSpPr>
+      <p:sp>
+        <p:nvSpPr>
+          <p:cNvPr id="2" name="Title 1"/>
+          <p:cNvSpPr>
+            <a:spLocks noGrp="1"/>
+          </p:cNvSpPr>
+          <p:nvPr>
+            <p:ph type="title"/>
+          </p:nvPr>
+        </p:nvSpPr>
+        <p:spPr/>
+        <p:txBody>
+          <a:bodyPr/>
+          <a:lstStyle/>
+          <a:p>
+            <a:r>
+              <a:rPr lang="en-US" dirty="0" smtClean="0"/>
+              <a:t>Array Comprehensions</a:t>
+            </a:r>
+            <a:endParaRPr lang="en-US" dirty="0"/>
+          </a:p>
+        </p:txBody>
+      </p:sp>
+      <p:sp>
+        <p:nvSpPr>
+          <p:cNvPr id="3" name="Text Placeholder 2"/>
+          <p:cNvSpPr>
+            <a:spLocks noGrp="1"/>
+          </p:cNvSpPr>
+          <p:nvPr>
+            <p:ph type="body" idx="1"/>
+          </p:nvPr>
+        </p:nvSpPr>
+        <p:spPr/>
+        <p:txBody>
+          <a:bodyPr/>
+          <a:lstStyle/>
+          <a:p>
+            <a:endParaRPr lang="en-US"/>
+          </a:p>
+        </p:txBody>
+      </p:sp>
+      <p:pic>
+        <p:nvPicPr>
+          <p:cNvPr id="4" name="Picture 3"/>
+          <p:cNvPicPr>
+            <a:picLocks noChangeAspect="1"/>
+          </p:cNvPicPr>
+          <p:nvPr/>
+        </p:nvPicPr>
+        <p:blipFill>
+          <a:blip r:embed="rId2"/>
+          <a:stretch>
+            <a:fillRect/>
+          </a:stretch>
+        </p:blipFill>
+        <p:spPr>
+          <a:xfrm>
+            <a:off x="1038225" y="1309687"/>
+            <a:ext cx="7067550" cy="4238625"/>
+          </a:xfrm>
+          <a:prstGeom prst="rect">
+            <a:avLst/>
+          </a:prstGeom>
+        </p:spPr>
+      </p:pic>
+    </p:spTree>
+    <p:extLst>
+      <p:ext uri="{BB962C8B-B14F-4D97-AF65-F5344CB8AC3E}">
+        <p14:creationId xmlns:p14="http://schemas.microsoft.com/office/powerpoint/2010/main" val="2813366827"/>
       </p:ext>
     </p:extLst>
   </p:cSld>
@@ -4204,7 +6966,2271 @@
 </p:sld>
 </file>
 
-<file path=ppt/slides/slide23.xml><?xml version="1.0" encoding="utf-8"?>
+<file path=ppt/slides/slide26.xml><?xml version="1.0" encoding="utf-8"?>
+<p:sld xmlns:a="http://schemas.openxmlformats.org/drawingml/2006/main" xmlns:r="http://schemas.openxmlformats.org/officeDocument/2006/relationships" xmlns:p="http://schemas.openxmlformats.org/presentationml/2006/main">
+  <p:cSld>
+    <p:spTree>
+      <p:nvGrpSpPr>
+        <p:cNvPr id="1" name=""/>
+        <p:cNvGrpSpPr/>
+        <p:nvPr/>
+      </p:nvGrpSpPr>
+      <p:grpSpPr>
+        <a:xfrm>
+          <a:off x="0" y="0"/>
+          <a:ext cx="0" cy="0"/>
+          <a:chOff x="0" y="0"/>
+          <a:chExt cx="0" cy="0"/>
+        </a:xfrm>
+      </p:grpSpPr>
+      <p:sp>
+        <p:nvSpPr>
+          <p:cNvPr id="2" name="Title 1"/>
+          <p:cNvSpPr>
+            <a:spLocks noGrp="1"/>
+          </p:cNvSpPr>
+          <p:nvPr>
+            <p:ph type="title"/>
+          </p:nvPr>
+        </p:nvSpPr>
+        <p:spPr/>
+        <p:txBody>
+          <a:bodyPr/>
+          <a:lstStyle/>
+          <a:p>
+            <a:r>
+              <a:rPr lang="en-US" dirty="0" smtClean="0"/>
+              <a:t>Generator Comprehensions</a:t>
+            </a:r>
+            <a:endParaRPr lang="en-US" dirty="0"/>
+          </a:p>
+        </p:txBody>
+      </p:sp>
+      <p:sp>
+        <p:nvSpPr>
+          <p:cNvPr id="3" name="Text Placeholder 2"/>
+          <p:cNvSpPr>
+            <a:spLocks noGrp="1"/>
+          </p:cNvSpPr>
+          <p:nvPr>
+            <p:ph type="body" idx="1"/>
+          </p:nvPr>
+        </p:nvSpPr>
+        <p:spPr/>
+        <p:txBody>
+          <a:bodyPr/>
+          <a:lstStyle/>
+          <a:p>
+            <a:endParaRPr lang="en-US" dirty="0"/>
+          </a:p>
+        </p:txBody>
+      </p:sp>
+      <p:pic>
+        <p:nvPicPr>
+          <p:cNvPr id="4" name="Picture 3"/>
+          <p:cNvPicPr>
+            <a:picLocks noChangeAspect="1"/>
+          </p:cNvPicPr>
+          <p:nvPr/>
+        </p:nvPicPr>
+        <p:blipFill>
+          <a:blip r:embed="rId2"/>
+          <a:stretch>
+            <a:fillRect/>
+          </a:stretch>
+        </p:blipFill>
+        <p:spPr>
+          <a:xfrm>
+            <a:off x="2033587" y="2281237"/>
+            <a:ext cx="5076825" cy="2295525"/>
+          </a:xfrm>
+          <a:prstGeom prst="rect">
+            <a:avLst/>
+          </a:prstGeom>
+        </p:spPr>
+      </p:pic>
+    </p:spTree>
+    <p:extLst>
+      <p:ext uri="{BB962C8B-B14F-4D97-AF65-F5344CB8AC3E}">
+        <p14:creationId xmlns:p14="http://schemas.microsoft.com/office/powerpoint/2010/main" val="381179598"/>
+      </p:ext>
+    </p:extLst>
+  </p:cSld>
+  <p:clrMapOvr>
+    <a:masterClrMapping/>
+  </p:clrMapOvr>
+  <p:transition>
+    <p:fade/>
+  </p:transition>
+  <p:timing>
+    <p:tnLst>
+      <p:par>
+        <p:cTn id="1" dur="indefinite" restart="never" nodeType="tmRoot"/>
+      </p:par>
+    </p:tnLst>
+  </p:timing>
+</p:sld>
+</file>
+
+<file path=ppt/slides/slide27.xml><?xml version="1.0" encoding="utf-8"?>
+<p:sld xmlns:a="http://schemas.openxmlformats.org/drawingml/2006/main" xmlns:r="http://schemas.openxmlformats.org/officeDocument/2006/relationships" xmlns:p="http://schemas.openxmlformats.org/presentationml/2006/main">
+  <p:cSld>
+    <p:spTree>
+      <p:nvGrpSpPr>
+        <p:cNvPr id="1" name=""/>
+        <p:cNvGrpSpPr/>
+        <p:nvPr/>
+      </p:nvGrpSpPr>
+      <p:grpSpPr>
+        <a:xfrm>
+          <a:off x="0" y="0"/>
+          <a:ext cx="0" cy="0"/>
+          <a:chOff x="0" y="0"/>
+          <a:chExt cx="0" cy="0"/>
+        </a:xfrm>
+      </p:grpSpPr>
+      <p:sp>
+        <p:nvSpPr>
+          <p:cNvPr id="2" name="Title 1"/>
+          <p:cNvSpPr>
+            <a:spLocks noGrp="1"/>
+          </p:cNvSpPr>
+          <p:nvPr>
+            <p:ph type="title"/>
+          </p:nvPr>
+        </p:nvSpPr>
+        <p:spPr/>
+        <p:txBody>
+          <a:bodyPr/>
+          <a:lstStyle/>
+          <a:p>
+            <a:r>
+              <a:rPr lang="en-US" dirty="0" smtClean="0"/>
+              <a:t>An IIFE Module</a:t>
+            </a:r>
+            <a:endParaRPr lang="en-US" dirty="0"/>
+          </a:p>
+        </p:txBody>
+      </p:sp>
+      <p:pic>
+        <p:nvPicPr>
+          <p:cNvPr id="1026" name="Picture 2"/>
+          <p:cNvPicPr>
+            <a:picLocks noChangeAspect="1" noChangeArrowheads="1"/>
+          </p:cNvPicPr>
+          <p:nvPr/>
+        </p:nvPicPr>
+        <p:blipFill>
+          <a:blip r:embed="rId2">
+            <a:extLst>
+              <a:ext uri="{BEBA8EAE-BF5A-486C-A8C5-ECC9F3942E4B}">
+                <a14:imgProps xmlns:a14="http://schemas.microsoft.com/office/drawing/2010/main">
+                  <a14:imgLayer r:embed="rId3">
+                    <a14:imgEffect>
+                      <a14:colorTemperature colorTemp="11200"/>
+                    </a14:imgEffect>
+                  </a14:imgLayer>
+                </a14:imgProps>
+              </a:ext>
+              <a:ext uri="{28A0092B-C50C-407E-A947-70E740481C1C}">
+                <a14:useLocalDpi xmlns:a14="http://schemas.microsoft.com/office/drawing/2010/main" val="0"/>
+              </a:ext>
+            </a:extLst>
+          </a:blip>
+          <a:srcRect/>
+          <a:stretch>
+            <a:fillRect/>
+          </a:stretch>
+        </p:blipFill>
+        <p:spPr bwMode="auto">
+          <a:xfrm>
+            <a:off x="2453120" y="1495425"/>
+            <a:ext cx="3905250" cy="3867150"/>
+          </a:xfrm>
+          <a:prstGeom prst="rect">
+            <a:avLst/>
+          </a:prstGeom>
+          <a:ln>
+            <a:noFill/>
+          </a:ln>
+          <a:effectLst>
+            <a:outerShdw blurRad="190500" algn="tl" rotWithShape="0">
+              <a:srgbClr val="000000">
+                <a:alpha val="70000"/>
+              </a:srgbClr>
+            </a:outerShdw>
+          </a:effectLst>
+          <a:extLst>
+            <a:ext uri="{909E8E84-426E-40DD-AFC4-6F175D3DCCD1}">
+              <a14:hiddenFill xmlns:a14="http://schemas.microsoft.com/office/drawing/2010/main">
+                <a:solidFill>
+                  <a:schemeClr val="accent1"/>
+                </a:solidFill>
+              </a14:hiddenFill>
+            </a:ext>
+            <a:ext uri="{91240B29-F687-4F45-9708-019B960494DF}">
+              <a14:hiddenLine xmlns:a14="http://schemas.microsoft.com/office/drawing/2010/main" w="9525">
+                <a:solidFill>
+                  <a:schemeClr val="tx1"/>
+                </a:solidFill>
+                <a:miter lim="800000"/>
+                <a:headEnd/>
+                <a:tailEnd/>
+              </a14:hiddenLine>
+            </a:ext>
+          </a:extLst>
+        </p:spPr>
+      </p:pic>
+      <p:sp>
+        <p:nvSpPr>
+          <p:cNvPr id="4" name="Oval 3"/>
+          <p:cNvSpPr/>
+          <p:nvPr/>
+        </p:nvSpPr>
+        <p:spPr bwMode="auto">
+          <a:xfrm>
+            <a:off x="6996545" y="1495425"/>
+            <a:ext cx="1591294" cy="1520042"/>
+          </a:xfrm>
+          <a:prstGeom prst="ellipse">
+            <a:avLst/>
+          </a:prstGeom>
+          <a:solidFill>
+            <a:srgbClr val="ED652E"/>
+          </a:solidFill>
+          <a:ln w="9525" algn="ctr">
+            <a:noFill/>
+            <a:miter lim="800000"/>
+            <a:headEnd/>
+            <a:tailEnd/>
+          </a:ln>
+          <a:effectLst/>
+        </p:spPr>
+        <p:txBody>
+          <a:bodyPr rot="0" spcFirstLastPara="0" vertOverflow="overflow" horzOverflow="overflow" vert="horz" wrap="none" lIns="91440" tIns="45720" rIns="91440" bIns="45720" numCol="1" spcCol="0" rtlCol="0" fromWordArt="0" anchor="ctr" anchorCtr="0" forceAA="0" compatLnSpc="1">
+            <a:prstTxWarp prst="textNoShape">
+              <a:avLst/>
+            </a:prstTxWarp>
+            <a:noAutofit/>
+          </a:bodyPr>
+          <a:lstStyle/>
+          <a:p>
+            <a:pPr algn="ctr"/>
+            <a:r>
+              <a:rPr lang="en-US" sz="2000" dirty="0" smtClean="0">
+                <a:solidFill>
+                  <a:schemeClr val="bg1"/>
+                </a:solidFill>
+              </a:rPr>
+              <a:t>Organize</a:t>
+            </a:r>
+          </a:p>
+        </p:txBody>
+      </p:sp>
+      <p:sp>
+        <p:nvSpPr>
+          <p:cNvPr id="6" name="Oval 5"/>
+          <p:cNvSpPr/>
+          <p:nvPr/>
+        </p:nvSpPr>
+        <p:spPr bwMode="auto">
+          <a:xfrm>
+            <a:off x="6994566" y="3417249"/>
+            <a:ext cx="1591294" cy="1520042"/>
+          </a:xfrm>
+          <a:prstGeom prst="ellipse">
+            <a:avLst/>
+          </a:prstGeom>
+          <a:solidFill>
+            <a:srgbClr val="ED652E"/>
+          </a:solidFill>
+          <a:ln w="9525" algn="ctr">
+            <a:noFill/>
+            <a:miter lim="800000"/>
+            <a:headEnd/>
+            <a:tailEnd/>
+          </a:ln>
+          <a:effectLst/>
+        </p:spPr>
+        <p:txBody>
+          <a:bodyPr rot="0" spcFirstLastPara="0" vertOverflow="overflow" horzOverflow="overflow" vert="horz" wrap="none" lIns="91440" tIns="45720" rIns="91440" bIns="45720" numCol="1" spcCol="0" rtlCol="0" fromWordArt="0" anchor="ctr" anchorCtr="0" forceAA="0" compatLnSpc="1">
+            <a:prstTxWarp prst="textNoShape">
+              <a:avLst/>
+            </a:prstTxWarp>
+            <a:noAutofit/>
+          </a:bodyPr>
+          <a:lstStyle/>
+          <a:p>
+            <a:pPr algn="ctr"/>
+            <a:r>
+              <a:rPr lang="en-US" sz="2000" dirty="0" smtClean="0">
+                <a:solidFill>
+                  <a:schemeClr val="bg1"/>
+                </a:solidFill>
+              </a:rPr>
+              <a:t>Control</a:t>
+            </a:r>
+          </a:p>
+          <a:p>
+            <a:pPr algn="ctr"/>
+            <a:r>
+              <a:rPr lang="en-US" sz="2000" dirty="0" smtClean="0">
+                <a:solidFill>
+                  <a:schemeClr val="bg1"/>
+                </a:solidFill>
+              </a:rPr>
+              <a:t>visibility</a:t>
+            </a:r>
+          </a:p>
+        </p:txBody>
+      </p:sp>
+    </p:spTree>
+    <p:extLst>
+      <p:ext uri="{BB962C8B-B14F-4D97-AF65-F5344CB8AC3E}">
+        <p14:creationId xmlns:p14="http://schemas.microsoft.com/office/powerpoint/2010/main" val="3660945912"/>
+      </p:ext>
+    </p:extLst>
+  </p:cSld>
+  <p:clrMapOvr>
+    <a:masterClrMapping/>
+  </p:clrMapOvr>
+  <p:transition>
+    <p:fade/>
+  </p:transition>
+  <p:timing>
+    <p:tnLst>
+      <p:par>
+        <p:cTn id="1" dur="indefinite" restart="never" nodeType="tmRoot">
+          <p:childTnLst>
+            <p:seq concurrent="1" nextAc="seek">
+              <p:cTn id="2" dur="indefinite" nodeType="mainSeq">
+                <p:childTnLst>
+                  <p:par>
+                    <p:cTn id="3" fill="hold">
+                      <p:stCondLst>
+                        <p:cond delay="indefinite"/>
+                      </p:stCondLst>
+                      <p:childTnLst>
+                        <p:par>
+                          <p:cTn id="4" fill="hold">
+                            <p:stCondLst>
+                              <p:cond delay="0"/>
+                            </p:stCondLst>
+                            <p:childTnLst>
+                              <p:par>
+                                <p:cTn id="5" presetID="10" presetClass="entr" presetSubtype="0" fill="hold" grpId="0" nodeType="clickEffect">
+                                  <p:stCondLst>
+                                    <p:cond delay="0"/>
+                                  </p:stCondLst>
+                                  <p:childTnLst>
+                                    <p:set>
+                                      <p:cBhvr>
+                                        <p:cTn id="6" dur="1" fill="hold">
+                                          <p:stCondLst>
+                                            <p:cond delay="0"/>
+                                          </p:stCondLst>
+                                        </p:cTn>
+                                        <p:tgtEl>
+                                          <p:spTgt spid="4"/>
+                                        </p:tgtEl>
+                                        <p:attrNameLst>
+                                          <p:attrName>style.visibility</p:attrName>
+                                        </p:attrNameLst>
+                                      </p:cBhvr>
+                                      <p:to>
+                                        <p:strVal val="visible"/>
+                                      </p:to>
+                                    </p:set>
+                                    <p:animEffect transition="in" filter="fade">
+                                      <p:cBhvr>
+                                        <p:cTn id="7" dur="500"/>
+                                        <p:tgtEl>
+                                          <p:spTgt spid="4"/>
+                                        </p:tgtEl>
+                                      </p:cBhvr>
+                                    </p:animEffect>
+                                  </p:childTnLst>
+                                </p:cTn>
+                              </p:par>
+                            </p:childTnLst>
+                          </p:cTn>
+                        </p:par>
+                      </p:childTnLst>
+                    </p:cTn>
+                  </p:par>
+                  <p:par>
+                    <p:cTn id="8" fill="hold">
+                      <p:stCondLst>
+                        <p:cond delay="indefinite"/>
+                      </p:stCondLst>
+                      <p:childTnLst>
+                        <p:par>
+                          <p:cTn id="9" fill="hold">
+                            <p:stCondLst>
+                              <p:cond delay="0"/>
+                            </p:stCondLst>
+                            <p:childTnLst>
+                              <p:par>
+                                <p:cTn id="10" presetID="10" presetClass="entr" presetSubtype="0" fill="hold" grpId="0" nodeType="clickEffect">
+                                  <p:stCondLst>
+                                    <p:cond delay="0"/>
+                                  </p:stCondLst>
+                                  <p:childTnLst>
+                                    <p:set>
+                                      <p:cBhvr>
+                                        <p:cTn id="11" dur="1" fill="hold">
+                                          <p:stCondLst>
+                                            <p:cond delay="0"/>
+                                          </p:stCondLst>
+                                        </p:cTn>
+                                        <p:tgtEl>
+                                          <p:spTgt spid="6"/>
+                                        </p:tgtEl>
+                                        <p:attrNameLst>
+                                          <p:attrName>style.visibility</p:attrName>
+                                        </p:attrNameLst>
+                                      </p:cBhvr>
+                                      <p:to>
+                                        <p:strVal val="visible"/>
+                                      </p:to>
+                                    </p:set>
+                                    <p:animEffect transition="in" filter="fade">
+                                      <p:cBhvr>
+                                        <p:cTn id="12" dur="500"/>
+                                        <p:tgtEl>
+                                          <p:spTgt spid="6"/>
+                                        </p:tgtEl>
+                                      </p:cBhvr>
+                                    </p:animEffect>
+                                  </p:childTnLst>
+                                </p:cTn>
+                              </p:par>
+                            </p:childTnLst>
+                          </p:cTn>
+                        </p:par>
+                      </p:childTnLst>
+                    </p:cTn>
+                  </p:par>
+                </p:childTnLst>
+              </p:cTn>
+              <p:prevCondLst>
+                <p:cond evt="onPrev" delay="0">
+                  <p:tgtEl>
+                    <p:sldTgt/>
+                  </p:tgtEl>
+                </p:cond>
+              </p:prevCondLst>
+              <p:nextCondLst>
+                <p:cond evt="onNext" delay="0">
+                  <p:tgtEl>
+                    <p:sldTgt/>
+                  </p:tgtEl>
+                </p:cond>
+              </p:nextCondLst>
+            </p:seq>
+          </p:childTnLst>
+        </p:cTn>
+      </p:par>
+    </p:tnLst>
+    <p:bldLst>
+      <p:bldP spid="4" grpId="0" animBg="1"/>
+      <p:bldP spid="6" grpId="0" animBg="1"/>
+    </p:bldLst>
+  </p:timing>
+</p:sld>
+</file>
+
+<file path=ppt/slides/slide28.xml><?xml version="1.0" encoding="utf-8"?>
+<p:sld xmlns:a="http://schemas.openxmlformats.org/drawingml/2006/main" xmlns:r="http://schemas.openxmlformats.org/officeDocument/2006/relationships" xmlns:p="http://schemas.openxmlformats.org/presentationml/2006/main">
+  <p:cSld>
+    <p:spTree>
+      <p:nvGrpSpPr>
+        <p:cNvPr id="1" name=""/>
+        <p:cNvGrpSpPr/>
+        <p:nvPr/>
+      </p:nvGrpSpPr>
+      <p:grpSpPr>
+        <a:xfrm>
+          <a:off x="0" y="0"/>
+          <a:ext cx="0" cy="0"/>
+          <a:chOff x="0" y="0"/>
+          <a:chExt cx="0" cy="0"/>
+        </a:xfrm>
+      </p:grpSpPr>
+      <p:sp>
+        <p:nvSpPr>
+          <p:cNvPr id="2" name="Title 1"/>
+          <p:cNvSpPr>
+            <a:spLocks noGrp="1"/>
+          </p:cNvSpPr>
+          <p:nvPr>
+            <p:ph type="title"/>
+          </p:nvPr>
+        </p:nvSpPr>
+        <p:spPr/>
+        <p:txBody>
+          <a:bodyPr/>
+          <a:lstStyle/>
+          <a:p>
+            <a:r>
+              <a:rPr lang="en-US" dirty="0" err="1" smtClean="0"/>
+              <a:t>CommonJS</a:t>
+            </a:r>
+            <a:endParaRPr lang="en-US" dirty="0"/>
+          </a:p>
+        </p:txBody>
+      </p:sp>
+      <p:pic>
+        <p:nvPicPr>
+          <p:cNvPr id="2050" name="Picture 2"/>
+          <p:cNvPicPr>
+            <a:picLocks noChangeAspect="1" noChangeArrowheads="1"/>
+          </p:cNvPicPr>
+          <p:nvPr/>
+        </p:nvPicPr>
+        <p:blipFill>
+          <a:blip r:embed="rId2">
+            <a:extLst>
+              <a:ext uri="{BEBA8EAE-BF5A-486C-A8C5-ECC9F3942E4B}">
+                <a14:imgProps xmlns:a14="http://schemas.microsoft.com/office/drawing/2010/main">
+                  <a14:imgLayer r:embed="rId3">
+                    <a14:imgEffect>
+                      <a14:colorTemperature colorTemp="11200"/>
+                    </a14:imgEffect>
+                  </a14:imgLayer>
+                </a14:imgProps>
+              </a:ext>
+              <a:ext uri="{28A0092B-C50C-407E-A947-70E740481C1C}">
+                <a14:useLocalDpi xmlns:a14="http://schemas.microsoft.com/office/drawing/2010/main" val="0"/>
+              </a:ext>
+            </a:extLst>
+          </a:blip>
+          <a:srcRect/>
+          <a:stretch>
+            <a:fillRect/>
+          </a:stretch>
+        </p:blipFill>
+        <p:spPr bwMode="auto">
+          <a:xfrm>
+            <a:off x="748208" y="1547813"/>
+            <a:ext cx="3609975" cy="3762375"/>
+          </a:xfrm>
+          <a:prstGeom prst="rect">
+            <a:avLst/>
+          </a:prstGeom>
+          <a:ln>
+            <a:noFill/>
+          </a:ln>
+          <a:effectLst>
+            <a:outerShdw blurRad="190500" algn="tl" rotWithShape="0">
+              <a:srgbClr val="000000">
+                <a:alpha val="70000"/>
+              </a:srgbClr>
+            </a:outerShdw>
+          </a:effectLst>
+          <a:extLst>
+            <a:ext uri="{909E8E84-426E-40DD-AFC4-6F175D3DCCD1}">
+              <a14:hiddenFill xmlns:a14="http://schemas.microsoft.com/office/drawing/2010/main">
+                <a:solidFill>
+                  <a:schemeClr val="accent1"/>
+                </a:solidFill>
+              </a14:hiddenFill>
+            </a:ext>
+            <a:ext uri="{91240B29-F687-4F45-9708-019B960494DF}">
+              <a14:hiddenLine xmlns:a14="http://schemas.microsoft.com/office/drawing/2010/main" w="9525">
+                <a:solidFill>
+                  <a:schemeClr val="tx1"/>
+                </a:solidFill>
+                <a:miter lim="800000"/>
+                <a:headEnd/>
+                <a:tailEnd/>
+              </a14:hiddenLine>
+            </a:ext>
+          </a:extLst>
+        </p:spPr>
+      </p:pic>
+      <p:pic>
+        <p:nvPicPr>
+          <p:cNvPr id="2051" name="Picture 3"/>
+          <p:cNvPicPr>
+            <a:picLocks noChangeAspect="1" noChangeArrowheads="1"/>
+          </p:cNvPicPr>
+          <p:nvPr/>
+        </p:nvPicPr>
+        <p:blipFill>
+          <a:blip r:embed="rId4">
+            <a:extLst>
+              <a:ext uri="{BEBA8EAE-BF5A-486C-A8C5-ECC9F3942E4B}">
+                <a14:imgProps xmlns:a14="http://schemas.microsoft.com/office/drawing/2010/main">
+                  <a14:imgLayer r:embed="rId5">
+                    <a14:imgEffect>
+                      <a14:colorTemperature colorTemp="11200"/>
+                    </a14:imgEffect>
+                  </a14:imgLayer>
+                </a14:imgProps>
+              </a:ext>
+              <a:ext uri="{28A0092B-C50C-407E-A947-70E740481C1C}">
+                <a14:useLocalDpi xmlns:a14="http://schemas.microsoft.com/office/drawing/2010/main" val="0"/>
+              </a:ext>
+            </a:extLst>
+          </a:blip>
+          <a:srcRect/>
+          <a:stretch>
+            <a:fillRect/>
+          </a:stretch>
+        </p:blipFill>
+        <p:spPr bwMode="auto">
+          <a:xfrm>
+            <a:off x="4666261" y="2845809"/>
+            <a:ext cx="4229100" cy="1000125"/>
+          </a:xfrm>
+          <a:prstGeom prst="rect">
+            <a:avLst/>
+          </a:prstGeom>
+          <a:ln>
+            <a:noFill/>
+          </a:ln>
+          <a:effectLst>
+            <a:outerShdw blurRad="190500" algn="tl" rotWithShape="0">
+              <a:srgbClr val="000000">
+                <a:alpha val="70000"/>
+              </a:srgbClr>
+            </a:outerShdw>
+          </a:effectLst>
+          <a:extLst>
+            <a:ext uri="{909E8E84-426E-40DD-AFC4-6F175D3DCCD1}">
+              <a14:hiddenFill xmlns:a14="http://schemas.microsoft.com/office/drawing/2010/main">
+                <a:solidFill>
+                  <a:schemeClr val="accent1"/>
+                </a:solidFill>
+              </a14:hiddenFill>
+            </a:ext>
+            <a:ext uri="{91240B29-F687-4F45-9708-019B960494DF}">
+              <a14:hiddenLine xmlns:a14="http://schemas.microsoft.com/office/drawing/2010/main" w="9525">
+                <a:solidFill>
+                  <a:schemeClr val="tx1"/>
+                </a:solidFill>
+                <a:miter lim="800000"/>
+                <a:headEnd/>
+                <a:tailEnd/>
+              </a14:hiddenLine>
+            </a:ext>
+          </a:extLst>
+        </p:spPr>
+      </p:pic>
+    </p:spTree>
+    <p:extLst>
+      <p:ext uri="{BB962C8B-B14F-4D97-AF65-F5344CB8AC3E}">
+        <p14:creationId xmlns:p14="http://schemas.microsoft.com/office/powerpoint/2010/main" val="3472563406"/>
+      </p:ext>
+    </p:extLst>
+  </p:cSld>
+  <p:clrMapOvr>
+    <a:masterClrMapping/>
+  </p:clrMapOvr>
+  <p:transition>
+    <p:fade/>
+  </p:transition>
+  <p:timing>
+    <p:tnLst>
+      <p:par>
+        <p:cTn id="1" dur="indefinite" restart="never" nodeType="tmRoot">
+          <p:childTnLst>
+            <p:seq concurrent="1" nextAc="seek">
+              <p:cTn id="2" dur="indefinite" nodeType="mainSeq">
+                <p:childTnLst>
+                  <p:par>
+                    <p:cTn id="3" fill="hold">
+                      <p:stCondLst>
+                        <p:cond delay="indefinite"/>
+                      </p:stCondLst>
+                      <p:childTnLst>
+                        <p:par>
+                          <p:cTn id="4" fill="hold">
+                            <p:stCondLst>
+                              <p:cond delay="0"/>
+                            </p:stCondLst>
+                            <p:childTnLst>
+                              <p:par>
+                                <p:cTn id="5" presetID="10" presetClass="entr" presetSubtype="0" fill="hold" nodeType="clickEffect">
+                                  <p:stCondLst>
+                                    <p:cond delay="0"/>
+                                  </p:stCondLst>
+                                  <p:childTnLst>
+                                    <p:set>
+                                      <p:cBhvr>
+                                        <p:cTn id="6" dur="1" fill="hold">
+                                          <p:stCondLst>
+                                            <p:cond delay="0"/>
+                                          </p:stCondLst>
+                                        </p:cTn>
+                                        <p:tgtEl>
+                                          <p:spTgt spid="2050"/>
+                                        </p:tgtEl>
+                                        <p:attrNameLst>
+                                          <p:attrName>style.visibility</p:attrName>
+                                        </p:attrNameLst>
+                                      </p:cBhvr>
+                                      <p:to>
+                                        <p:strVal val="visible"/>
+                                      </p:to>
+                                    </p:set>
+                                    <p:animEffect transition="in" filter="fade">
+                                      <p:cBhvr>
+                                        <p:cTn id="7" dur="500"/>
+                                        <p:tgtEl>
+                                          <p:spTgt spid="2050"/>
+                                        </p:tgtEl>
+                                      </p:cBhvr>
+                                    </p:animEffect>
+                                  </p:childTnLst>
+                                </p:cTn>
+                              </p:par>
+                            </p:childTnLst>
+                          </p:cTn>
+                        </p:par>
+                      </p:childTnLst>
+                    </p:cTn>
+                  </p:par>
+                  <p:par>
+                    <p:cTn id="8" fill="hold">
+                      <p:stCondLst>
+                        <p:cond delay="indefinite"/>
+                      </p:stCondLst>
+                      <p:childTnLst>
+                        <p:par>
+                          <p:cTn id="9" fill="hold">
+                            <p:stCondLst>
+                              <p:cond delay="0"/>
+                            </p:stCondLst>
+                            <p:childTnLst>
+                              <p:par>
+                                <p:cTn id="10" presetID="10" presetClass="entr" presetSubtype="0" fill="hold" nodeType="clickEffect">
+                                  <p:stCondLst>
+                                    <p:cond delay="0"/>
+                                  </p:stCondLst>
+                                  <p:childTnLst>
+                                    <p:set>
+                                      <p:cBhvr>
+                                        <p:cTn id="11" dur="1" fill="hold">
+                                          <p:stCondLst>
+                                            <p:cond delay="0"/>
+                                          </p:stCondLst>
+                                        </p:cTn>
+                                        <p:tgtEl>
+                                          <p:spTgt spid="2051"/>
+                                        </p:tgtEl>
+                                        <p:attrNameLst>
+                                          <p:attrName>style.visibility</p:attrName>
+                                        </p:attrNameLst>
+                                      </p:cBhvr>
+                                      <p:to>
+                                        <p:strVal val="visible"/>
+                                      </p:to>
+                                    </p:set>
+                                    <p:animEffect transition="in" filter="fade">
+                                      <p:cBhvr>
+                                        <p:cTn id="12" dur="500"/>
+                                        <p:tgtEl>
+                                          <p:spTgt spid="2051"/>
+                                        </p:tgtEl>
+                                      </p:cBhvr>
+                                    </p:animEffect>
+                                  </p:childTnLst>
+                                </p:cTn>
+                              </p:par>
+                            </p:childTnLst>
+                          </p:cTn>
+                        </p:par>
+                      </p:childTnLst>
+                    </p:cTn>
+                  </p:par>
+                </p:childTnLst>
+              </p:cTn>
+              <p:prevCondLst>
+                <p:cond evt="onPrev" delay="0">
+                  <p:tgtEl>
+                    <p:sldTgt/>
+                  </p:tgtEl>
+                </p:cond>
+              </p:prevCondLst>
+              <p:nextCondLst>
+                <p:cond evt="onNext" delay="0">
+                  <p:tgtEl>
+                    <p:sldTgt/>
+                  </p:tgtEl>
+                </p:cond>
+              </p:nextCondLst>
+            </p:seq>
+          </p:childTnLst>
+        </p:cTn>
+      </p:par>
+    </p:tnLst>
+  </p:timing>
+</p:sld>
+</file>
+
+<file path=ppt/slides/slide29.xml><?xml version="1.0" encoding="utf-8"?>
+<p:sld xmlns:a="http://schemas.openxmlformats.org/drawingml/2006/main" xmlns:r="http://schemas.openxmlformats.org/officeDocument/2006/relationships" xmlns:p="http://schemas.openxmlformats.org/presentationml/2006/main">
+  <p:cSld>
+    <p:spTree>
+      <p:nvGrpSpPr>
+        <p:cNvPr id="1" name=""/>
+        <p:cNvGrpSpPr/>
+        <p:nvPr/>
+      </p:nvGrpSpPr>
+      <p:grpSpPr>
+        <a:xfrm>
+          <a:off x="0" y="0"/>
+          <a:ext cx="0" cy="0"/>
+          <a:chOff x="0" y="0"/>
+          <a:chExt cx="0" cy="0"/>
+        </a:xfrm>
+      </p:grpSpPr>
+      <p:sp>
+        <p:nvSpPr>
+          <p:cNvPr id="2" name="Title 1"/>
+          <p:cNvSpPr>
+            <a:spLocks noGrp="1"/>
+          </p:cNvSpPr>
+          <p:nvPr>
+            <p:ph type="title"/>
+          </p:nvPr>
+        </p:nvSpPr>
+        <p:spPr/>
+        <p:txBody>
+          <a:bodyPr/>
+          <a:lstStyle/>
+          <a:p>
+            <a:r>
+              <a:rPr lang="en-US" dirty="0" smtClean="0"/>
+              <a:t>AMD</a:t>
+            </a:r>
+            <a:endParaRPr lang="en-US" dirty="0"/>
+          </a:p>
+        </p:txBody>
+      </p:sp>
+      <p:pic>
+        <p:nvPicPr>
+          <p:cNvPr id="3074" name="Picture 2"/>
+          <p:cNvPicPr>
+            <a:picLocks noChangeAspect="1" noChangeArrowheads="1"/>
+          </p:cNvPicPr>
+          <p:nvPr/>
+        </p:nvPicPr>
+        <p:blipFill>
+          <a:blip r:embed="rId2">
+            <a:extLst>
+              <a:ext uri="{BEBA8EAE-BF5A-486C-A8C5-ECC9F3942E4B}">
+                <a14:imgProps xmlns:a14="http://schemas.microsoft.com/office/drawing/2010/main">
+                  <a14:imgLayer r:embed="rId3">
+                    <a14:imgEffect>
+                      <a14:colorTemperature colorTemp="11200"/>
+                    </a14:imgEffect>
+                  </a14:imgLayer>
+                </a14:imgProps>
+              </a:ext>
+              <a:ext uri="{28A0092B-C50C-407E-A947-70E740481C1C}">
+                <a14:useLocalDpi xmlns:a14="http://schemas.microsoft.com/office/drawing/2010/main" val="0"/>
+              </a:ext>
+            </a:extLst>
+          </a:blip>
+          <a:srcRect/>
+          <a:stretch>
+            <a:fillRect/>
+          </a:stretch>
+        </p:blipFill>
+        <p:spPr bwMode="auto">
+          <a:xfrm>
+            <a:off x="553068" y="1506310"/>
+            <a:ext cx="3905250" cy="2800350"/>
+          </a:xfrm>
+          <a:prstGeom prst="rect">
+            <a:avLst/>
+          </a:prstGeom>
+          <a:ln>
+            <a:noFill/>
+          </a:ln>
+          <a:effectLst>
+            <a:outerShdw blurRad="190500" algn="tl" rotWithShape="0">
+              <a:srgbClr val="000000">
+                <a:alpha val="70000"/>
+              </a:srgbClr>
+            </a:outerShdw>
+          </a:effectLst>
+          <a:extLst>
+            <a:ext uri="{909E8E84-426E-40DD-AFC4-6F175D3DCCD1}">
+              <a14:hiddenFill xmlns:a14="http://schemas.microsoft.com/office/drawing/2010/main">
+                <a:solidFill>
+                  <a:schemeClr val="accent1"/>
+                </a:solidFill>
+              </a14:hiddenFill>
+            </a:ext>
+            <a:ext uri="{91240B29-F687-4F45-9708-019B960494DF}">
+              <a14:hiddenLine xmlns:a14="http://schemas.microsoft.com/office/drawing/2010/main" w="9525">
+                <a:solidFill>
+                  <a:schemeClr val="tx1"/>
+                </a:solidFill>
+                <a:miter lim="800000"/>
+                <a:headEnd/>
+                <a:tailEnd/>
+              </a14:hiddenLine>
+            </a:ext>
+          </a:extLst>
+        </p:spPr>
+      </p:pic>
+      <p:pic>
+        <p:nvPicPr>
+          <p:cNvPr id="3077" name="Picture 5"/>
+          <p:cNvPicPr>
+            <a:picLocks noChangeAspect="1" noChangeArrowheads="1"/>
+          </p:cNvPicPr>
+          <p:nvPr/>
+        </p:nvPicPr>
+        <p:blipFill>
+          <a:blip r:embed="rId4">
+            <a:extLst>
+              <a:ext uri="{BEBA8EAE-BF5A-486C-A8C5-ECC9F3942E4B}">
+                <a14:imgProps xmlns:a14="http://schemas.microsoft.com/office/drawing/2010/main">
+                  <a14:imgLayer r:embed="rId5">
+                    <a14:imgEffect>
+                      <a14:colorTemperature colorTemp="11200"/>
+                    </a14:imgEffect>
+                  </a14:imgLayer>
+                </a14:imgProps>
+              </a:ext>
+              <a:ext uri="{28A0092B-C50C-407E-A947-70E740481C1C}">
+                <a14:useLocalDpi xmlns:a14="http://schemas.microsoft.com/office/drawing/2010/main" val="0"/>
+              </a:ext>
+            </a:extLst>
+          </a:blip>
+          <a:srcRect/>
+          <a:stretch>
+            <a:fillRect/>
+          </a:stretch>
+        </p:blipFill>
+        <p:spPr bwMode="auto">
+          <a:xfrm>
+            <a:off x="5153829" y="2302143"/>
+            <a:ext cx="3705225" cy="828675"/>
+          </a:xfrm>
+          <a:prstGeom prst="rect">
+            <a:avLst/>
+          </a:prstGeom>
+          <a:ln>
+            <a:noFill/>
+          </a:ln>
+          <a:effectLst>
+            <a:outerShdw blurRad="190500" algn="tl" rotWithShape="0">
+              <a:srgbClr val="000000">
+                <a:alpha val="70000"/>
+              </a:srgbClr>
+            </a:outerShdw>
+          </a:effectLst>
+          <a:extLst>
+            <a:ext uri="{909E8E84-426E-40DD-AFC4-6F175D3DCCD1}">
+              <a14:hiddenFill xmlns:a14="http://schemas.microsoft.com/office/drawing/2010/main">
+                <a:solidFill>
+                  <a:schemeClr val="accent1"/>
+                </a:solidFill>
+              </a14:hiddenFill>
+            </a:ext>
+            <a:ext uri="{91240B29-F687-4F45-9708-019B960494DF}">
+              <a14:hiddenLine xmlns:a14="http://schemas.microsoft.com/office/drawing/2010/main" w="9525">
+                <a:solidFill>
+                  <a:schemeClr val="tx1"/>
+                </a:solidFill>
+                <a:miter lim="800000"/>
+                <a:headEnd/>
+                <a:tailEnd/>
+              </a14:hiddenLine>
+            </a:ext>
+          </a:extLst>
+        </p:spPr>
+      </p:pic>
+    </p:spTree>
+    <p:extLst>
+      <p:ext uri="{BB962C8B-B14F-4D97-AF65-F5344CB8AC3E}">
+        <p14:creationId xmlns:p14="http://schemas.microsoft.com/office/powerpoint/2010/main" val="1203794801"/>
+      </p:ext>
+    </p:extLst>
+  </p:cSld>
+  <p:clrMapOvr>
+    <a:masterClrMapping/>
+  </p:clrMapOvr>
+  <p:transition>
+    <p:fade/>
+  </p:transition>
+  <p:timing>
+    <p:tnLst>
+      <p:par>
+        <p:cTn id="1" dur="indefinite" restart="never" nodeType="tmRoot">
+          <p:childTnLst>
+            <p:seq concurrent="1" nextAc="seek">
+              <p:cTn id="2" dur="indefinite" nodeType="mainSeq">
+                <p:childTnLst>
+                  <p:par>
+                    <p:cTn id="3" fill="hold">
+                      <p:stCondLst>
+                        <p:cond delay="indefinite"/>
+                      </p:stCondLst>
+                      <p:childTnLst>
+                        <p:par>
+                          <p:cTn id="4" fill="hold">
+                            <p:stCondLst>
+                              <p:cond delay="0"/>
+                            </p:stCondLst>
+                            <p:childTnLst>
+                              <p:par>
+                                <p:cTn id="5" presetID="10" presetClass="entr" presetSubtype="0" fill="hold" nodeType="clickEffect">
+                                  <p:stCondLst>
+                                    <p:cond delay="0"/>
+                                  </p:stCondLst>
+                                  <p:childTnLst>
+                                    <p:set>
+                                      <p:cBhvr>
+                                        <p:cTn id="6" dur="1" fill="hold">
+                                          <p:stCondLst>
+                                            <p:cond delay="0"/>
+                                          </p:stCondLst>
+                                        </p:cTn>
+                                        <p:tgtEl>
+                                          <p:spTgt spid="3074"/>
+                                        </p:tgtEl>
+                                        <p:attrNameLst>
+                                          <p:attrName>style.visibility</p:attrName>
+                                        </p:attrNameLst>
+                                      </p:cBhvr>
+                                      <p:to>
+                                        <p:strVal val="visible"/>
+                                      </p:to>
+                                    </p:set>
+                                    <p:animEffect transition="in" filter="fade">
+                                      <p:cBhvr>
+                                        <p:cTn id="7" dur="500"/>
+                                        <p:tgtEl>
+                                          <p:spTgt spid="3074"/>
+                                        </p:tgtEl>
+                                      </p:cBhvr>
+                                    </p:animEffect>
+                                  </p:childTnLst>
+                                </p:cTn>
+                              </p:par>
+                            </p:childTnLst>
+                          </p:cTn>
+                        </p:par>
+                      </p:childTnLst>
+                    </p:cTn>
+                  </p:par>
+                  <p:par>
+                    <p:cTn id="8" fill="hold">
+                      <p:stCondLst>
+                        <p:cond delay="indefinite"/>
+                      </p:stCondLst>
+                      <p:childTnLst>
+                        <p:par>
+                          <p:cTn id="9" fill="hold">
+                            <p:stCondLst>
+                              <p:cond delay="0"/>
+                            </p:stCondLst>
+                            <p:childTnLst>
+                              <p:par>
+                                <p:cTn id="10" presetID="10" presetClass="entr" presetSubtype="0" fill="hold" nodeType="clickEffect">
+                                  <p:stCondLst>
+                                    <p:cond delay="0"/>
+                                  </p:stCondLst>
+                                  <p:childTnLst>
+                                    <p:set>
+                                      <p:cBhvr>
+                                        <p:cTn id="11" dur="1" fill="hold">
+                                          <p:stCondLst>
+                                            <p:cond delay="0"/>
+                                          </p:stCondLst>
+                                        </p:cTn>
+                                        <p:tgtEl>
+                                          <p:spTgt spid="3077"/>
+                                        </p:tgtEl>
+                                        <p:attrNameLst>
+                                          <p:attrName>style.visibility</p:attrName>
+                                        </p:attrNameLst>
+                                      </p:cBhvr>
+                                      <p:to>
+                                        <p:strVal val="visible"/>
+                                      </p:to>
+                                    </p:set>
+                                    <p:animEffect transition="in" filter="fade">
+                                      <p:cBhvr>
+                                        <p:cTn id="12" dur="500"/>
+                                        <p:tgtEl>
+                                          <p:spTgt spid="3077"/>
+                                        </p:tgtEl>
+                                      </p:cBhvr>
+                                    </p:animEffect>
+                                  </p:childTnLst>
+                                </p:cTn>
+                              </p:par>
+                            </p:childTnLst>
+                          </p:cTn>
+                        </p:par>
+                      </p:childTnLst>
+                    </p:cTn>
+                  </p:par>
+                </p:childTnLst>
+              </p:cTn>
+              <p:prevCondLst>
+                <p:cond evt="onPrev" delay="0">
+                  <p:tgtEl>
+                    <p:sldTgt/>
+                  </p:tgtEl>
+                </p:cond>
+              </p:prevCondLst>
+              <p:nextCondLst>
+                <p:cond evt="onNext" delay="0">
+                  <p:tgtEl>
+                    <p:sldTgt/>
+                  </p:tgtEl>
+                </p:cond>
+              </p:nextCondLst>
+            </p:seq>
+          </p:childTnLst>
+        </p:cTn>
+      </p:par>
+    </p:tnLst>
+  </p:timing>
+</p:sld>
+</file>
+
+<file path=ppt/slides/slide3.xml><?xml version="1.0" encoding="utf-8"?>
+<p:sld xmlns:a="http://schemas.openxmlformats.org/drawingml/2006/main" xmlns:r="http://schemas.openxmlformats.org/officeDocument/2006/relationships" xmlns:p="http://schemas.openxmlformats.org/presentationml/2006/main">
+  <p:cSld>
+    <p:spTree>
+      <p:nvGrpSpPr>
+        <p:cNvPr id="1" name=""/>
+        <p:cNvGrpSpPr/>
+        <p:nvPr/>
+      </p:nvGrpSpPr>
+      <p:grpSpPr>
+        <a:xfrm>
+          <a:off x="0" y="0"/>
+          <a:ext cx="0" cy="0"/>
+          <a:chOff x="0" y="0"/>
+          <a:chExt cx="0" cy="0"/>
+        </a:xfrm>
+      </p:grpSpPr>
+      <p:sp>
+        <p:nvSpPr>
+          <p:cNvPr id="2" name="Title 1"/>
+          <p:cNvSpPr>
+            <a:spLocks noGrp="1"/>
+          </p:cNvSpPr>
+          <p:nvPr>
+            <p:ph type="title"/>
+          </p:nvPr>
+        </p:nvSpPr>
+        <p:spPr/>
+        <p:txBody>
+          <a:bodyPr/>
+          <a:lstStyle/>
+          <a:p>
+            <a:r>
+              <a:rPr lang="en-US" dirty="0" smtClean="0"/>
+              <a:t>When?</a:t>
+            </a:r>
+            <a:endParaRPr lang="en-US" dirty="0"/>
+          </a:p>
+        </p:txBody>
+      </p:sp>
+      <p:sp>
+        <p:nvSpPr>
+          <p:cNvPr id="3" name="Text Placeholder 2"/>
+          <p:cNvSpPr>
+            <a:spLocks noGrp="1"/>
+          </p:cNvSpPr>
+          <p:nvPr>
+            <p:ph type="body" idx="1"/>
+          </p:nvPr>
+        </p:nvSpPr>
+        <p:spPr/>
+        <p:txBody>
+          <a:bodyPr/>
+          <a:lstStyle/>
+          <a:p>
+            <a:endParaRPr lang="en-US"/>
+          </a:p>
+        </p:txBody>
+      </p:sp>
+      <p:pic>
+        <p:nvPicPr>
+          <p:cNvPr id="4" name="Picture 3"/>
+          <p:cNvPicPr>
+            <a:picLocks noChangeAspect="1"/>
+          </p:cNvPicPr>
+          <p:nvPr/>
+        </p:nvPicPr>
+        <p:blipFill>
+          <a:blip r:embed="rId2"/>
+          <a:stretch>
+            <a:fillRect/>
+          </a:stretch>
+        </p:blipFill>
+        <p:spPr>
+          <a:xfrm>
+            <a:off x="457200" y="1178719"/>
+            <a:ext cx="8424839" cy="5033962"/>
+          </a:xfrm>
+          <a:prstGeom prst="rect">
+            <a:avLst/>
+          </a:prstGeom>
+        </p:spPr>
+      </p:pic>
+    </p:spTree>
+    <p:extLst>
+      <p:ext uri="{BB962C8B-B14F-4D97-AF65-F5344CB8AC3E}">
+        <p14:creationId xmlns:p14="http://schemas.microsoft.com/office/powerpoint/2010/main" val="1082727983"/>
+      </p:ext>
+    </p:extLst>
+  </p:cSld>
+  <p:clrMapOvr>
+    <a:masterClrMapping/>
+  </p:clrMapOvr>
+  <p:transition>
+    <p:fade/>
+  </p:transition>
+  <p:timing>
+    <p:tnLst>
+      <p:par>
+        <p:cTn id="1" dur="indefinite" restart="never" nodeType="tmRoot"/>
+      </p:par>
+    </p:tnLst>
+  </p:timing>
+</p:sld>
+</file>
+
+<file path=ppt/slides/slide30.xml><?xml version="1.0" encoding="utf-8"?>
+<p:sld xmlns:a="http://schemas.openxmlformats.org/drawingml/2006/main" xmlns:r="http://schemas.openxmlformats.org/officeDocument/2006/relationships" xmlns:p="http://schemas.openxmlformats.org/presentationml/2006/main">
+  <p:cSld>
+    <p:spTree>
+      <p:nvGrpSpPr>
+        <p:cNvPr id="1" name=""/>
+        <p:cNvGrpSpPr/>
+        <p:nvPr/>
+      </p:nvGrpSpPr>
+      <p:grpSpPr>
+        <a:xfrm>
+          <a:off x="0" y="0"/>
+          <a:ext cx="0" cy="0"/>
+          <a:chOff x="0" y="0"/>
+          <a:chExt cx="0" cy="0"/>
+        </a:xfrm>
+      </p:grpSpPr>
+      <p:sp>
+        <p:nvSpPr>
+          <p:cNvPr id="2" name="Title 1"/>
+          <p:cNvSpPr>
+            <a:spLocks noGrp="1"/>
+          </p:cNvSpPr>
+          <p:nvPr>
+            <p:ph type="title"/>
+          </p:nvPr>
+        </p:nvSpPr>
+        <p:spPr/>
+        <p:txBody>
+          <a:bodyPr/>
+          <a:lstStyle/>
+          <a:p>
+            <a:r>
+              <a:rPr lang="en-US" dirty="0" smtClean="0"/>
+              <a:t>ES6 Modules</a:t>
+            </a:r>
+            <a:endParaRPr lang="en-US" dirty="0"/>
+          </a:p>
+        </p:txBody>
+      </p:sp>
+      <p:pic>
+        <p:nvPicPr>
+          <p:cNvPr id="4098" name="Picture 2"/>
+          <p:cNvPicPr>
+            <a:picLocks noChangeAspect="1" noChangeArrowheads="1"/>
+          </p:cNvPicPr>
+          <p:nvPr/>
+        </p:nvPicPr>
+        <p:blipFill>
+          <a:blip r:embed="rId2">
+            <a:extLst>
+              <a:ext uri="{BEBA8EAE-BF5A-486C-A8C5-ECC9F3942E4B}">
+                <a14:imgProps xmlns:a14="http://schemas.microsoft.com/office/drawing/2010/main">
+                  <a14:imgLayer r:embed="rId3">
+                    <a14:imgEffect>
+                      <a14:colorTemperature colorTemp="11200"/>
+                    </a14:imgEffect>
+                  </a14:imgLayer>
+                </a14:imgProps>
+              </a:ext>
+              <a:ext uri="{28A0092B-C50C-407E-A947-70E740481C1C}">
+                <a14:useLocalDpi xmlns:a14="http://schemas.microsoft.com/office/drawing/2010/main" val="0"/>
+              </a:ext>
+            </a:extLst>
+          </a:blip>
+          <a:srcRect/>
+          <a:stretch>
+            <a:fillRect/>
+          </a:stretch>
+        </p:blipFill>
+        <p:spPr bwMode="auto">
+          <a:xfrm>
+            <a:off x="918916" y="1926833"/>
+            <a:ext cx="3838575" cy="2695575"/>
+          </a:xfrm>
+          <a:prstGeom prst="rect">
+            <a:avLst/>
+          </a:prstGeom>
+          <a:ln>
+            <a:noFill/>
+          </a:ln>
+          <a:effectLst>
+            <a:outerShdw blurRad="190500" algn="tl" rotWithShape="0">
+              <a:srgbClr val="000000">
+                <a:alpha val="70000"/>
+              </a:srgbClr>
+            </a:outerShdw>
+          </a:effectLst>
+          <a:extLst>
+            <a:ext uri="{909E8E84-426E-40DD-AFC4-6F175D3DCCD1}">
+              <a14:hiddenFill xmlns:a14="http://schemas.microsoft.com/office/drawing/2010/main">
+                <a:solidFill>
+                  <a:schemeClr val="accent1"/>
+                </a:solidFill>
+              </a14:hiddenFill>
+            </a:ext>
+            <a:ext uri="{91240B29-F687-4F45-9708-019B960494DF}">
+              <a14:hiddenLine xmlns:a14="http://schemas.microsoft.com/office/drawing/2010/main" w="9525">
+                <a:solidFill>
+                  <a:schemeClr val="tx1"/>
+                </a:solidFill>
+                <a:miter lim="800000"/>
+                <a:headEnd/>
+                <a:tailEnd/>
+              </a14:hiddenLine>
+            </a:ext>
+          </a:extLst>
+        </p:spPr>
+      </p:pic>
+      <p:pic>
+        <p:nvPicPr>
+          <p:cNvPr id="4100" name="Picture 4"/>
+          <p:cNvPicPr>
+            <a:picLocks noChangeAspect="1" noChangeArrowheads="1"/>
+          </p:cNvPicPr>
+          <p:nvPr/>
+        </p:nvPicPr>
+        <p:blipFill>
+          <a:blip r:embed="rId4">
+            <a:extLst>
+              <a:ext uri="{BEBA8EAE-BF5A-486C-A8C5-ECC9F3942E4B}">
+                <a14:imgProps xmlns:a14="http://schemas.microsoft.com/office/drawing/2010/main">
+                  <a14:imgLayer r:embed="rId5">
+                    <a14:imgEffect>
+                      <a14:colorTemperature colorTemp="11200"/>
+                    </a14:imgEffect>
+                  </a14:imgLayer>
+                </a14:imgProps>
+              </a:ext>
+              <a:ext uri="{28A0092B-C50C-407E-A947-70E740481C1C}">
+                <a14:useLocalDpi xmlns:a14="http://schemas.microsoft.com/office/drawing/2010/main" val="0"/>
+              </a:ext>
+            </a:extLst>
+          </a:blip>
+          <a:srcRect/>
+          <a:stretch>
+            <a:fillRect/>
+          </a:stretch>
+        </p:blipFill>
+        <p:spPr bwMode="auto">
+          <a:xfrm>
+            <a:off x="4921085" y="2798370"/>
+            <a:ext cx="3695700" cy="952500"/>
+          </a:xfrm>
+          <a:prstGeom prst="rect">
+            <a:avLst/>
+          </a:prstGeom>
+          <a:ln>
+            <a:noFill/>
+          </a:ln>
+          <a:effectLst>
+            <a:outerShdw blurRad="190500" algn="tl" rotWithShape="0">
+              <a:srgbClr val="000000">
+                <a:alpha val="70000"/>
+              </a:srgbClr>
+            </a:outerShdw>
+          </a:effectLst>
+          <a:extLst>
+            <a:ext uri="{909E8E84-426E-40DD-AFC4-6F175D3DCCD1}">
+              <a14:hiddenFill xmlns:a14="http://schemas.microsoft.com/office/drawing/2010/main">
+                <a:solidFill>
+                  <a:schemeClr val="accent1"/>
+                </a:solidFill>
+              </a14:hiddenFill>
+            </a:ext>
+            <a:ext uri="{91240B29-F687-4F45-9708-019B960494DF}">
+              <a14:hiddenLine xmlns:a14="http://schemas.microsoft.com/office/drawing/2010/main" w="9525">
+                <a:solidFill>
+                  <a:schemeClr val="tx1"/>
+                </a:solidFill>
+                <a:miter lim="800000"/>
+                <a:headEnd/>
+                <a:tailEnd/>
+              </a14:hiddenLine>
+            </a:ext>
+          </a:extLst>
+        </p:spPr>
+      </p:pic>
+    </p:spTree>
+    <p:extLst>
+      <p:ext uri="{BB962C8B-B14F-4D97-AF65-F5344CB8AC3E}">
+        <p14:creationId xmlns:p14="http://schemas.microsoft.com/office/powerpoint/2010/main" val="250014162"/>
+      </p:ext>
+    </p:extLst>
+  </p:cSld>
+  <p:clrMapOvr>
+    <a:masterClrMapping/>
+  </p:clrMapOvr>
+  <p:transition>
+    <p:fade/>
+  </p:transition>
+  <p:timing>
+    <p:tnLst>
+      <p:par>
+        <p:cTn id="1" dur="indefinite" restart="never" nodeType="tmRoot">
+          <p:childTnLst>
+            <p:seq concurrent="1" nextAc="seek">
+              <p:cTn id="2" dur="indefinite" nodeType="mainSeq">
+                <p:childTnLst>
+                  <p:par>
+                    <p:cTn id="3" fill="hold">
+                      <p:stCondLst>
+                        <p:cond delay="indefinite"/>
+                      </p:stCondLst>
+                      <p:childTnLst>
+                        <p:par>
+                          <p:cTn id="4" fill="hold">
+                            <p:stCondLst>
+                              <p:cond delay="0"/>
+                            </p:stCondLst>
+                            <p:childTnLst>
+                              <p:par>
+                                <p:cTn id="5" presetID="10" presetClass="entr" presetSubtype="0" fill="hold" nodeType="clickEffect">
+                                  <p:stCondLst>
+                                    <p:cond delay="0"/>
+                                  </p:stCondLst>
+                                  <p:childTnLst>
+                                    <p:set>
+                                      <p:cBhvr>
+                                        <p:cTn id="6" dur="1" fill="hold">
+                                          <p:stCondLst>
+                                            <p:cond delay="0"/>
+                                          </p:stCondLst>
+                                        </p:cTn>
+                                        <p:tgtEl>
+                                          <p:spTgt spid="4098"/>
+                                        </p:tgtEl>
+                                        <p:attrNameLst>
+                                          <p:attrName>style.visibility</p:attrName>
+                                        </p:attrNameLst>
+                                      </p:cBhvr>
+                                      <p:to>
+                                        <p:strVal val="visible"/>
+                                      </p:to>
+                                    </p:set>
+                                    <p:animEffect transition="in" filter="fade">
+                                      <p:cBhvr>
+                                        <p:cTn id="7" dur="500"/>
+                                        <p:tgtEl>
+                                          <p:spTgt spid="4098"/>
+                                        </p:tgtEl>
+                                      </p:cBhvr>
+                                    </p:animEffect>
+                                  </p:childTnLst>
+                                </p:cTn>
+                              </p:par>
+                            </p:childTnLst>
+                          </p:cTn>
+                        </p:par>
+                      </p:childTnLst>
+                    </p:cTn>
+                  </p:par>
+                  <p:par>
+                    <p:cTn id="8" fill="hold">
+                      <p:stCondLst>
+                        <p:cond delay="indefinite"/>
+                      </p:stCondLst>
+                      <p:childTnLst>
+                        <p:par>
+                          <p:cTn id="9" fill="hold">
+                            <p:stCondLst>
+                              <p:cond delay="0"/>
+                            </p:stCondLst>
+                            <p:childTnLst>
+                              <p:par>
+                                <p:cTn id="10" presetID="10" presetClass="entr" presetSubtype="0" fill="hold" nodeType="clickEffect">
+                                  <p:stCondLst>
+                                    <p:cond delay="0"/>
+                                  </p:stCondLst>
+                                  <p:childTnLst>
+                                    <p:set>
+                                      <p:cBhvr>
+                                        <p:cTn id="11" dur="1" fill="hold">
+                                          <p:stCondLst>
+                                            <p:cond delay="0"/>
+                                          </p:stCondLst>
+                                        </p:cTn>
+                                        <p:tgtEl>
+                                          <p:spTgt spid="4100"/>
+                                        </p:tgtEl>
+                                        <p:attrNameLst>
+                                          <p:attrName>style.visibility</p:attrName>
+                                        </p:attrNameLst>
+                                      </p:cBhvr>
+                                      <p:to>
+                                        <p:strVal val="visible"/>
+                                      </p:to>
+                                    </p:set>
+                                    <p:animEffect transition="in" filter="fade">
+                                      <p:cBhvr>
+                                        <p:cTn id="12" dur="500"/>
+                                        <p:tgtEl>
+                                          <p:spTgt spid="4100"/>
+                                        </p:tgtEl>
+                                      </p:cBhvr>
+                                    </p:animEffect>
+                                  </p:childTnLst>
+                                </p:cTn>
+                              </p:par>
+                            </p:childTnLst>
+                          </p:cTn>
+                        </p:par>
+                      </p:childTnLst>
+                    </p:cTn>
+                  </p:par>
+                </p:childTnLst>
+              </p:cTn>
+              <p:prevCondLst>
+                <p:cond evt="onPrev" delay="0">
+                  <p:tgtEl>
+                    <p:sldTgt/>
+                  </p:tgtEl>
+                </p:cond>
+              </p:prevCondLst>
+              <p:nextCondLst>
+                <p:cond evt="onNext" delay="0">
+                  <p:tgtEl>
+                    <p:sldTgt/>
+                  </p:tgtEl>
+                </p:cond>
+              </p:nextCondLst>
+            </p:seq>
+          </p:childTnLst>
+        </p:cTn>
+      </p:par>
+    </p:tnLst>
+  </p:timing>
+</p:sld>
+</file>
+
+<file path=ppt/slides/slide31.xml><?xml version="1.0" encoding="utf-8"?>
+<p:sld xmlns:a="http://schemas.openxmlformats.org/drawingml/2006/main" xmlns:r="http://schemas.openxmlformats.org/officeDocument/2006/relationships" xmlns:p="http://schemas.openxmlformats.org/presentationml/2006/main">
+  <p:cSld>
+    <p:spTree>
+      <p:nvGrpSpPr>
+        <p:cNvPr id="1" name=""/>
+        <p:cNvGrpSpPr/>
+        <p:nvPr/>
+      </p:nvGrpSpPr>
+      <p:grpSpPr>
+        <a:xfrm>
+          <a:off x="0" y="0"/>
+          <a:ext cx="0" cy="0"/>
+          <a:chOff x="0" y="0"/>
+          <a:chExt cx="0" cy="0"/>
+        </a:xfrm>
+      </p:grpSpPr>
+      <p:sp>
+        <p:nvSpPr>
+          <p:cNvPr id="2" name="Title 1"/>
+          <p:cNvSpPr>
+            <a:spLocks noGrp="1"/>
+          </p:cNvSpPr>
+          <p:nvPr>
+            <p:ph type="title"/>
+          </p:nvPr>
+        </p:nvSpPr>
+        <p:spPr/>
+        <p:txBody>
+          <a:bodyPr/>
+          <a:lstStyle/>
+          <a:p>
+            <a:r>
+              <a:rPr lang="en-US" dirty="0" smtClean="0"/>
+              <a:t>module and default</a:t>
+            </a:r>
+            <a:endParaRPr lang="en-US" dirty="0"/>
+          </a:p>
+        </p:txBody>
+      </p:sp>
+      <p:pic>
+        <p:nvPicPr>
+          <p:cNvPr id="5122" name="Picture 2"/>
+          <p:cNvPicPr>
+            <a:picLocks noChangeAspect="1" noChangeArrowheads="1"/>
+          </p:cNvPicPr>
+          <p:nvPr/>
+        </p:nvPicPr>
+        <p:blipFill>
+          <a:blip r:embed="rId2">
+            <a:extLst>
+              <a:ext uri="{BEBA8EAE-BF5A-486C-A8C5-ECC9F3942E4B}">
+                <a14:imgProps xmlns:a14="http://schemas.microsoft.com/office/drawing/2010/main">
+                  <a14:imgLayer r:embed="rId3">
+                    <a14:imgEffect>
+                      <a14:colorTemperature colorTemp="11200"/>
+                    </a14:imgEffect>
+                  </a14:imgLayer>
+                </a14:imgProps>
+              </a:ext>
+              <a:ext uri="{28A0092B-C50C-407E-A947-70E740481C1C}">
+                <a14:useLocalDpi xmlns:a14="http://schemas.microsoft.com/office/drawing/2010/main" val="0"/>
+              </a:ext>
+            </a:extLst>
+          </a:blip>
+          <a:srcRect/>
+          <a:stretch>
+            <a:fillRect/>
+          </a:stretch>
+        </p:blipFill>
+        <p:spPr bwMode="auto">
+          <a:xfrm>
+            <a:off x="543667" y="1608859"/>
+            <a:ext cx="3829050" cy="2476500"/>
+          </a:xfrm>
+          <a:prstGeom prst="rect">
+            <a:avLst/>
+          </a:prstGeom>
+          <a:ln>
+            <a:noFill/>
+          </a:ln>
+          <a:effectLst>
+            <a:outerShdw blurRad="190500" algn="tl" rotWithShape="0">
+              <a:srgbClr val="000000">
+                <a:alpha val="70000"/>
+              </a:srgbClr>
+            </a:outerShdw>
+          </a:effectLst>
+          <a:extLst>
+            <a:ext uri="{909E8E84-426E-40DD-AFC4-6F175D3DCCD1}">
+              <a14:hiddenFill xmlns:a14="http://schemas.microsoft.com/office/drawing/2010/main">
+                <a:solidFill>
+                  <a:schemeClr val="accent1"/>
+                </a:solidFill>
+              </a14:hiddenFill>
+            </a:ext>
+            <a:ext uri="{91240B29-F687-4F45-9708-019B960494DF}">
+              <a14:hiddenLine xmlns:a14="http://schemas.microsoft.com/office/drawing/2010/main" w="9525">
+                <a:solidFill>
+                  <a:schemeClr val="tx1"/>
+                </a:solidFill>
+                <a:miter lim="800000"/>
+                <a:headEnd/>
+                <a:tailEnd/>
+              </a14:hiddenLine>
+            </a:ext>
+          </a:extLst>
+        </p:spPr>
+      </p:pic>
+      <p:pic>
+        <p:nvPicPr>
+          <p:cNvPr id="5124" name="Picture 4"/>
+          <p:cNvPicPr>
+            <a:picLocks noChangeAspect="1" noChangeArrowheads="1"/>
+          </p:cNvPicPr>
+          <p:nvPr/>
+        </p:nvPicPr>
+        <p:blipFill>
+          <a:blip r:embed="rId4">
+            <a:extLst>
+              <a:ext uri="{BEBA8EAE-BF5A-486C-A8C5-ECC9F3942E4B}">
+                <a14:imgProps xmlns:a14="http://schemas.microsoft.com/office/drawing/2010/main">
+                  <a14:imgLayer r:embed="rId5">
+                    <a14:imgEffect>
+                      <a14:colorTemperature colorTemp="11200"/>
+                    </a14:imgEffect>
+                  </a14:imgLayer>
+                </a14:imgProps>
+              </a:ext>
+              <a:ext uri="{28A0092B-C50C-407E-A947-70E740481C1C}">
+                <a14:useLocalDpi xmlns:a14="http://schemas.microsoft.com/office/drawing/2010/main" val="0"/>
+              </a:ext>
+            </a:extLst>
+          </a:blip>
+          <a:srcRect/>
+          <a:stretch>
+            <a:fillRect/>
+          </a:stretch>
+        </p:blipFill>
+        <p:spPr bwMode="auto">
+          <a:xfrm>
+            <a:off x="4776417" y="2490849"/>
+            <a:ext cx="3533775" cy="447675"/>
+          </a:xfrm>
+          <a:prstGeom prst="rect">
+            <a:avLst/>
+          </a:prstGeom>
+          <a:ln>
+            <a:noFill/>
+          </a:ln>
+          <a:effectLst>
+            <a:outerShdw blurRad="190500" algn="tl" rotWithShape="0">
+              <a:srgbClr val="000000">
+                <a:alpha val="70000"/>
+              </a:srgbClr>
+            </a:outerShdw>
+          </a:effectLst>
+          <a:extLst>
+            <a:ext uri="{909E8E84-426E-40DD-AFC4-6F175D3DCCD1}">
+              <a14:hiddenFill xmlns:a14="http://schemas.microsoft.com/office/drawing/2010/main">
+                <a:solidFill>
+                  <a:schemeClr val="accent1"/>
+                </a:solidFill>
+              </a14:hiddenFill>
+            </a:ext>
+            <a:ext uri="{91240B29-F687-4F45-9708-019B960494DF}">
+              <a14:hiddenLine xmlns:a14="http://schemas.microsoft.com/office/drawing/2010/main" w="9525">
+                <a:solidFill>
+                  <a:schemeClr val="tx1"/>
+                </a:solidFill>
+                <a:miter lim="800000"/>
+                <a:headEnd/>
+                <a:tailEnd/>
+              </a14:hiddenLine>
+            </a:ext>
+          </a:extLst>
+        </p:spPr>
+      </p:pic>
+      <p:pic>
+        <p:nvPicPr>
+          <p:cNvPr id="5125" name="Picture 5"/>
+          <p:cNvPicPr>
+            <a:picLocks noChangeAspect="1" noChangeArrowheads="1"/>
+          </p:cNvPicPr>
+          <p:nvPr/>
+        </p:nvPicPr>
+        <p:blipFill>
+          <a:blip r:embed="rId6">
+            <a:extLst>
+              <a:ext uri="{BEBA8EAE-BF5A-486C-A8C5-ECC9F3942E4B}">
+                <a14:imgProps xmlns:a14="http://schemas.microsoft.com/office/drawing/2010/main">
+                  <a14:imgLayer r:embed="rId7">
+                    <a14:imgEffect>
+                      <a14:colorTemperature colorTemp="11200"/>
+                    </a14:imgEffect>
+                  </a14:imgLayer>
+                </a14:imgProps>
+              </a:ext>
+              <a:ext uri="{28A0092B-C50C-407E-A947-70E740481C1C}">
+                <a14:useLocalDpi xmlns:a14="http://schemas.microsoft.com/office/drawing/2010/main" val="0"/>
+              </a:ext>
+            </a:extLst>
+          </a:blip>
+          <a:srcRect/>
+          <a:stretch>
+            <a:fillRect/>
+          </a:stretch>
+        </p:blipFill>
+        <p:spPr bwMode="auto">
+          <a:xfrm>
+            <a:off x="3009529" y="4960051"/>
+            <a:ext cx="3533775" cy="666750"/>
+          </a:xfrm>
+          <a:prstGeom prst="rect">
+            <a:avLst/>
+          </a:prstGeom>
+          <a:ln>
+            <a:noFill/>
+          </a:ln>
+          <a:effectLst>
+            <a:outerShdw blurRad="190500" algn="tl" rotWithShape="0">
+              <a:srgbClr val="000000">
+                <a:alpha val="70000"/>
+              </a:srgbClr>
+            </a:outerShdw>
+          </a:effectLst>
+          <a:extLst>
+            <a:ext uri="{909E8E84-426E-40DD-AFC4-6F175D3DCCD1}">
+              <a14:hiddenFill xmlns:a14="http://schemas.microsoft.com/office/drawing/2010/main">
+                <a:solidFill>
+                  <a:schemeClr val="accent1"/>
+                </a:solidFill>
+              </a14:hiddenFill>
+            </a:ext>
+            <a:ext uri="{91240B29-F687-4F45-9708-019B960494DF}">
+              <a14:hiddenLine xmlns:a14="http://schemas.microsoft.com/office/drawing/2010/main" w="9525">
+                <a:solidFill>
+                  <a:schemeClr val="tx1"/>
+                </a:solidFill>
+                <a:miter lim="800000"/>
+                <a:headEnd/>
+                <a:tailEnd/>
+              </a14:hiddenLine>
+            </a:ext>
+          </a:extLst>
+        </p:spPr>
+      </p:pic>
+    </p:spTree>
+    <p:extLst>
+      <p:ext uri="{BB962C8B-B14F-4D97-AF65-F5344CB8AC3E}">
+        <p14:creationId xmlns:p14="http://schemas.microsoft.com/office/powerpoint/2010/main" val="2866391657"/>
+      </p:ext>
+    </p:extLst>
+  </p:cSld>
+  <p:clrMapOvr>
+    <a:masterClrMapping/>
+  </p:clrMapOvr>
+  <p:transition>
+    <p:fade/>
+  </p:transition>
+  <p:timing>
+    <p:tnLst>
+      <p:par>
+        <p:cTn id="1" dur="indefinite" restart="never" nodeType="tmRoot">
+          <p:childTnLst>
+            <p:seq concurrent="1" nextAc="seek">
+              <p:cTn id="2" dur="indefinite" nodeType="mainSeq">
+                <p:childTnLst>
+                  <p:par>
+                    <p:cTn id="3" fill="hold">
+                      <p:stCondLst>
+                        <p:cond delay="indefinite"/>
+                      </p:stCondLst>
+                      <p:childTnLst>
+                        <p:par>
+                          <p:cTn id="4" fill="hold">
+                            <p:stCondLst>
+                              <p:cond delay="0"/>
+                            </p:stCondLst>
+                            <p:childTnLst>
+                              <p:par>
+                                <p:cTn id="5" presetID="10" presetClass="entr" presetSubtype="0" fill="hold" nodeType="clickEffect">
+                                  <p:stCondLst>
+                                    <p:cond delay="0"/>
+                                  </p:stCondLst>
+                                  <p:childTnLst>
+                                    <p:set>
+                                      <p:cBhvr>
+                                        <p:cTn id="6" dur="1" fill="hold">
+                                          <p:stCondLst>
+                                            <p:cond delay="0"/>
+                                          </p:stCondLst>
+                                        </p:cTn>
+                                        <p:tgtEl>
+                                          <p:spTgt spid="5122"/>
+                                        </p:tgtEl>
+                                        <p:attrNameLst>
+                                          <p:attrName>style.visibility</p:attrName>
+                                        </p:attrNameLst>
+                                      </p:cBhvr>
+                                      <p:to>
+                                        <p:strVal val="visible"/>
+                                      </p:to>
+                                    </p:set>
+                                    <p:animEffect transition="in" filter="fade">
+                                      <p:cBhvr>
+                                        <p:cTn id="7" dur="500"/>
+                                        <p:tgtEl>
+                                          <p:spTgt spid="5122"/>
+                                        </p:tgtEl>
+                                      </p:cBhvr>
+                                    </p:animEffect>
+                                  </p:childTnLst>
+                                </p:cTn>
+                              </p:par>
+                            </p:childTnLst>
+                          </p:cTn>
+                        </p:par>
+                      </p:childTnLst>
+                    </p:cTn>
+                  </p:par>
+                  <p:par>
+                    <p:cTn id="8" fill="hold">
+                      <p:stCondLst>
+                        <p:cond delay="indefinite"/>
+                      </p:stCondLst>
+                      <p:childTnLst>
+                        <p:par>
+                          <p:cTn id="9" fill="hold">
+                            <p:stCondLst>
+                              <p:cond delay="0"/>
+                            </p:stCondLst>
+                            <p:childTnLst>
+                              <p:par>
+                                <p:cTn id="10" presetID="10" presetClass="entr" presetSubtype="0" fill="hold" nodeType="clickEffect">
+                                  <p:stCondLst>
+                                    <p:cond delay="0"/>
+                                  </p:stCondLst>
+                                  <p:childTnLst>
+                                    <p:set>
+                                      <p:cBhvr>
+                                        <p:cTn id="11" dur="1" fill="hold">
+                                          <p:stCondLst>
+                                            <p:cond delay="0"/>
+                                          </p:stCondLst>
+                                        </p:cTn>
+                                        <p:tgtEl>
+                                          <p:spTgt spid="5124"/>
+                                        </p:tgtEl>
+                                        <p:attrNameLst>
+                                          <p:attrName>style.visibility</p:attrName>
+                                        </p:attrNameLst>
+                                      </p:cBhvr>
+                                      <p:to>
+                                        <p:strVal val="visible"/>
+                                      </p:to>
+                                    </p:set>
+                                    <p:animEffect transition="in" filter="fade">
+                                      <p:cBhvr>
+                                        <p:cTn id="12" dur="500"/>
+                                        <p:tgtEl>
+                                          <p:spTgt spid="5124"/>
+                                        </p:tgtEl>
+                                      </p:cBhvr>
+                                    </p:animEffect>
+                                  </p:childTnLst>
+                                </p:cTn>
+                              </p:par>
+                            </p:childTnLst>
+                          </p:cTn>
+                        </p:par>
+                      </p:childTnLst>
+                    </p:cTn>
+                  </p:par>
+                  <p:par>
+                    <p:cTn id="13" fill="hold">
+                      <p:stCondLst>
+                        <p:cond delay="indefinite"/>
+                      </p:stCondLst>
+                      <p:childTnLst>
+                        <p:par>
+                          <p:cTn id="14" fill="hold">
+                            <p:stCondLst>
+                              <p:cond delay="0"/>
+                            </p:stCondLst>
+                            <p:childTnLst>
+                              <p:par>
+                                <p:cTn id="15" presetID="10" presetClass="entr" presetSubtype="0" fill="hold" nodeType="clickEffect">
+                                  <p:stCondLst>
+                                    <p:cond delay="0"/>
+                                  </p:stCondLst>
+                                  <p:childTnLst>
+                                    <p:set>
+                                      <p:cBhvr>
+                                        <p:cTn id="16" dur="1" fill="hold">
+                                          <p:stCondLst>
+                                            <p:cond delay="0"/>
+                                          </p:stCondLst>
+                                        </p:cTn>
+                                        <p:tgtEl>
+                                          <p:spTgt spid="5125"/>
+                                        </p:tgtEl>
+                                        <p:attrNameLst>
+                                          <p:attrName>style.visibility</p:attrName>
+                                        </p:attrNameLst>
+                                      </p:cBhvr>
+                                      <p:to>
+                                        <p:strVal val="visible"/>
+                                      </p:to>
+                                    </p:set>
+                                    <p:animEffect transition="in" filter="fade">
+                                      <p:cBhvr>
+                                        <p:cTn id="17" dur="500"/>
+                                        <p:tgtEl>
+                                          <p:spTgt spid="5125"/>
+                                        </p:tgtEl>
+                                      </p:cBhvr>
+                                    </p:animEffect>
+                                  </p:childTnLst>
+                                </p:cTn>
+                              </p:par>
+                            </p:childTnLst>
+                          </p:cTn>
+                        </p:par>
+                      </p:childTnLst>
+                    </p:cTn>
+                  </p:par>
+                </p:childTnLst>
+              </p:cTn>
+              <p:prevCondLst>
+                <p:cond evt="onPrev" delay="0">
+                  <p:tgtEl>
+                    <p:sldTgt/>
+                  </p:tgtEl>
+                </p:cond>
+              </p:prevCondLst>
+              <p:nextCondLst>
+                <p:cond evt="onNext" delay="0">
+                  <p:tgtEl>
+                    <p:sldTgt/>
+                  </p:tgtEl>
+                </p:cond>
+              </p:nextCondLst>
+            </p:seq>
+          </p:childTnLst>
+        </p:cTn>
+      </p:par>
+    </p:tnLst>
+  </p:timing>
+</p:sld>
+</file>
+
+<file path=ppt/slides/slide32.xml><?xml version="1.0" encoding="utf-8"?>
+<p:sld xmlns:a="http://schemas.openxmlformats.org/drawingml/2006/main" xmlns:r="http://schemas.openxmlformats.org/officeDocument/2006/relationships" xmlns:p="http://schemas.openxmlformats.org/presentationml/2006/main">
+  <p:cSld>
+    <p:spTree>
+      <p:nvGrpSpPr>
+        <p:cNvPr id="1" name=""/>
+        <p:cNvGrpSpPr/>
+        <p:nvPr/>
+      </p:nvGrpSpPr>
+      <p:grpSpPr>
+        <a:xfrm>
+          <a:off x="0" y="0"/>
+          <a:ext cx="0" cy="0"/>
+          <a:chOff x="0" y="0"/>
+          <a:chExt cx="0" cy="0"/>
+        </a:xfrm>
+      </p:grpSpPr>
+      <p:sp>
+        <p:nvSpPr>
+          <p:cNvPr id="2" name="Title 1"/>
+          <p:cNvSpPr>
+            <a:spLocks noGrp="1"/>
+          </p:cNvSpPr>
+          <p:nvPr>
+            <p:ph type="title"/>
+          </p:nvPr>
+        </p:nvSpPr>
+        <p:spPr/>
+        <p:txBody>
+          <a:bodyPr/>
+          <a:lstStyle/>
+          <a:p>
+            <a:r>
+              <a:rPr lang="en-US" dirty="0" smtClean="0"/>
+              <a:t>Hiding The Details</a:t>
+            </a:r>
+            <a:endParaRPr lang="en-US" dirty="0"/>
+          </a:p>
+        </p:txBody>
+      </p:sp>
+      <p:pic>
+        <p:nvPicPr>
+          <p:cNvPr id="6147" name="Picture 3"/>
+          <p:cNvPicPr>
+            <a:picLocks noChangeAspect="1" noChangeArrowheads="1"/>
+          </p:cNvPicPr>
+          <p:nvPr/>
+        </p:nvPicPr>
+        <p:blipFill>
+          <a:blip r:embed="rId2">
+            <a:extLst>
+              <a:ext uri="{BEBA8EAE-BF5A-486C-A8C5-ECC9F3942E4B}">
+                <a14:imgProps xmlns:a14="http://schemas.microsoft.com/office/drawing/2010/main">
+                  <a14:imgLayer r:embed="rId3">
+                    <a14:imgEffect>
+                      <a14:colorTemperature colorTemp="11200"/>
+                    </a14:imgEffect>
+                  </a14:imgLayer>
+                </a14:imgProps>
+              </a:ext>
+              <a:ext uri="{28A0092B-C50C-407E-A947-70E740481C1C}">
+                <a14:useLocalDpi xmlns:a14="http://schemas.microsoft.com/office/drawing/2010/main" val="0"/>
+              </a:ext>
+            </a:extLst>
+          </a:blip>
+          <a:srcRect/>
+          <a:stretch>
+            <a:fillRect/>
+          </a:stretch>
+        </p:blipFill>
+        <p:spPr bwMode="auto">
+          <a:xfrm>
+            <a:off x="2695575" y="1714500"/>
+            <a:ext cx="3752850" cy="3429000"/>
+          </a:xfrm>
+          <a:prstGeom prst="rect">
+            <a:avLst/>
+          </a:prstGeom>
+          <a:ln>
+            <a:noFill/>
+          </a:ln>
+          <a:effectLst>
+            <a:outerShdw blurRad="190500" algn="tl" rotWithShape="0">
+              <a:srgbClr val="000000">
+                <a:alpha val="70000"/>
+              </a:srgbClr>
+            </a:outerShdw>
+          </a:effectLst>
+          <a:extLst>
+            <a:ext uri="{909E8E84-426E-40DD-AFC4-6F175D3DCCD1}">
+              <a14:hiddenFill xmlns:a14="http://schemas.microsoft.com/office/drawing/2010/main">
+                <a:solidFill>
+                  <a:schemeClr val="accent1"/>
+                </a:solidFill>
+              </a14:hiddenFill>
+            </a:ext>
+            <a:ext uri="{91240B29-F687-4F45-9708-019B960494DF}">
+              <a14:hiddenLine xmlns:a14="http://schemas.microsoft.com/office/drawing/2010/main" w="9525">
+                <a:solidFill>
+                  <a:schemeClr val="tx1"/>
+                </a:solidFill>
+                <a:miter lim="800000"/>
+                <a:headEnd/>
+                <a:tailEnd/>
+              </a14:hiddenLine>
+            </a:ext>
+          </a:extLst>
+        </p:spPr>
+      </p:pic>
+    </p:spTree>
+    <p:extLst>
+      <p:ext uri="{BB962C8B-B14F-4D97-AF65-F5344CB8AC3E}">
+        <p14:creationId xmlns:p14="http://schemas.microsoft.com/office/powerpoint/2010/main" val="2781177334"/>
+      </p:ext>
+    </p:extLst>
+  </p:cSld>
+  <p:clrMapOvr>
+    <a:masterClrMapping/>
+  </p:clrMapOvr>
+  <p:transition>
+    <p:fade/>
+  </p:transition>
+  <p:timing>
+    <p:tnLst>
+      <p:par>
+        <p:cTn id="1" dur="indefinite" restart="never" nodeType="tmRoot"/>
+      </p:par>
+    </p:tnLst>
+  </p:timing>
+</p:sld>
+</file>
+
+<file path=ppt/slides/slide33.xml><?xml version="1.0" encoding="utf-8"?>
+<p:sld xmlns:a="http://schemas.openxmlformats.org/drawingml/2006/main" xmlns:r="http://schemas.openxmlformats.org/officeDocument/2006/relationships" xmlns:p="http://schemas.openxmlformats.org/presentationml/2006/main">
+  <p:cSld>
+    <p:spTree>
+      <p:nvGrpSpPr>
+        <p:cNvPr id="1" name=""/>
+        <p:cNvGrpSpPr/>
+        <p:nvPr/>
+      </p:nvGrpSpPr>
+      <p:grpSpPr>
+        <a:xfrm>
+          <a:off x="0" y="0"/>
+          <a:ext cx="0" cy="0"/>
+          <a:chOff x="0" y="0"/>
+          <a:chExt cx="0" cy="0"/>
+        </a:xfrm>
+      </p:grpSpPr>
+      <p:sp>
+        <p:nvSpPr>
+          <p:cNvPr id="2" name="Title 1"/>
+          <p:cNvSpPr>
+            <a:spLocks noGrp="1"/>
+          </p:cNvSpPr>
+          <p:nvPr>
+            <p:ph type="title"/>
+          </p:nvPr>
+        </p:nvSpPr>
+        <p:spPr/>
+        <p:txBody>
+          <a:bodyPr/>
+          <a:lstStyle/>
+          <a:p>
+            <a:r>
+              <a:rPr lang="en-US" dirty="0" smtClean="0"/>
+              <a:t>Writing ES6 Today With </a:t>
+            </a:r>
+            <a:r>
+              <a:rPr lang="en-US" dirty="0" err="1" smtClean="0"/>
+              <a:t>Tracuer</a:t>
+            </a:r>
+            <a:endParaRPr lang="en-US" dirty="0"/>
+          </a:p>
+        </p:txBody>
+      </p:sp>
+      <p:sp>
+        <p:nvSpPr>
+          <p:cNvPr id="3" name="Text Placeholder 2"/>
+          <p:cNvSpPr>
+            <a:spLocks noGrp="1"/>
+          </p:cNvSpPr>
+          <p:nvPr>
+            <p:ph type="body" idx="1"/>
+          </p:nvPr>
+        </p:nvSpPr>
+        <p:spPr/>
+        <p:txBody>
+          <a:bodyPr/>
+          <a:lstStyle/>
+          <a:p>
+            <a:endParaRPr lang="en-US"/>
+          </a:p>
+        </p:txBody>
+      </p:sp>
+      <p:pic>
+        <p:nvPicPr>
+          <p:cNvPr id="4" name="Picture 3"/>
+          <p:cNvPicPr>
+            <a:picLocks noChangeAspect="1"/>
+          </p:cNvPicPr>
+          <p:nvPr/>
+        </p:nvPicPr>
+        <p:blipFill>
+          <a:blip r:embed="rId2"/>
+          <a:stretch>
+            <a:fillRect/>
+          </a:stretch>
+        </p:blipFill>
+        <p:spPr>
+          <a:xfrm>
+            <a:off x="838200" y="1185822"/>
+            <a:ext cx="7227073" cy="5019756"/>
+          </a:xfrm>
+          <a:prstGeom prst="rect">
+            <a:avLst/>
+          </a:prstGeom>
+        </p:spPr>
+      </p:pic>
+    </p:spTree>
+    <p:extLst>
+      <p:ext uri="{BB962C8B-B14F-4D97-AF65-F5344CB8AC3E}">
+        <p14:creationId xmlns:p14="http://schemas.microsoft.com/office/powerpoint/2010/main" val="1932773000"/>
+      </p:ext>
+    </p:extLst>
+  </p:cSld>
+  <p:clrMapOvr>
+    <a:masterClrMapping/>
+  </p:clrMapOvr>
+  <p:transition>
+    <p:fade/>
+  </p:transition>
+  <p:timing>
+    <p:tnLst>
+      <p:par>
+        <p:cTn id="1" dur="indefinite" restart="never" nodeType="tmRoot"/>
+      </p:par>
+    </p:tnLst>
+  </p:timing>
+</p:sld>
+</file>
+
+<file path=ppt/slides/slide34.xml><?xml version="1.0" encoding="utf-8"?>
 <p:sld xmlns:a="http://schemas.openxmlformats.org/drawingml/2006/main" xmlns:r="http://schemas.openxmlformats.org/officeDocument/2006/relationships" xmlns:p="http://schemas.openxmlformats.org/presentationml/2006/main">
   <p:cSld>
     <p:spTree>
@@ -4331,112 +9357,6 @@
 </p:sld>
 </file>
 
-<file path=ppt/slides/slide3.xml><?xml version="1.0" encoding="utf-8"?>
-<p:sld xmlns:a="http://schemas.openxmlformats.org/drawingml/2006/main" xmlns:r="http://schemas.openxmlformats.org/officeDocument/2006/relationships" xmlns:p="http://schemas.openxmlformats.org/presentationml/2006/main">
-  <p:cSld>
-    <p:spTree>
-      <p:nvGrpSpPr>
-        <p:cNvPr id="1" name=""/>
-        <p:cNvGrpSpPr/>
-        <p:nvPr/>
-      </p:nvGrpSpPr>
-      <p:grpSpPr>
-        <a:xfrm>
-          <a:off x="0" y="0"/>
-          <a:ext cx="0" cy="0"/>
-          <a:chOff x="0" y="0"/>
-          <a:chExt cx="0" cy="0"/>
-        </a:xfrm>
-      </p:grpSpPr>
-      <p:sp>
-        <p:nvSpPr>
-          <p:cNvPr id="2" name="Title 1"/>
-          <p:cNvSpPr>
-            <a:spLocks noGrp="1"/>
-          </p:cNvSpPr>
-          <p:nvPr>
-            <p:ph type="title"/>
-          </p:nvPr>
-        </p:nvSpPr>
-        <p:spPr/>
-        <p:txBody>
-          <a:bodyPr/>
-          <a:lstStyle/>
-          <a:p>
-            <a:r>
-              <a:rPr lang="en-US" dirty="0" smtClean="0"/>
-              <a:t>When?</a:t>
-            </a:r>
-            <a:endParaRPr lang="en-US" dirty="0"/>
-          </a:p>
-        </p:txBody>
-      </p:sp>
-      <p:sp>
-        <p:nvSpPr>
-          <p:cNvPr id="3" name="Text Placeholder 2"/>
-          <p:cNvSpPr>
-            <a:spLocks noGrp="1"/>
-          </p:cNvSpPr>
-          <p:nvPr>
-            <p:ph type="body" idx="1"/>
-          </p:nvPr>
-        </p:nvSpPr>
-        <p:spPr/>
-        <p:txBody>
-          <a:bodyPr/>
-          <a:lstStyle/>
-          <a:p>
-            <a:endParaRPr lang="en-US"/>
-          </a:p>
-        </p:txBody>
-      </p:sp>
-      <p:pic>
-        <p:nvPicPr>
-          <p:cNvPr id="4" name="Picture 3"/>
-          <p:cNvPicPr>
-            <a:picLocks noChangeAspect="1"/>
-          </p:cNvPicPr>
-          <p:nvPr/>
-        </p:nvPicPr>
-        <p:blipFill>
-          <a:blip r:embed="rId2"/>
-          <a:stretch>
-            <a:fillRect/>
-          </a:stretch>
-        </p:blipFill>
-        <p:spPr>
-          <a:xfrm>
-            <a:off x="457200" y="1178719"/>
-            <a:ext cx="8424839" cy="5033962"/>
-          </a:xfrm>
-          <a:prstGeom prst="rect">
-            <a:avLst/>
-          </a:prstGeom>
-        </p:spPr>
-      </p:pic>
-    </p:spTree>
-    <p:extLst>
-      <p:ext uri="{BB962C8B-B14F-4D97-AF65-F5344CB8AC3E}">
-        <p14:creationId xmlns:p14="http://schemas.microsoft.com/office/powerpoint/2010/main" val="1082727983"/>
-      </p:ext>
-    </p:extLst>
-  </p:cSld>
-  <p:clrMapOvr>
-    <a:masterClrMapping/>
-  </p:clrMapOvr>
-  <p:transition>
-    <p:fade/>
-  </p:transition>
-  <p:timing>
-    <p:tnLst>
-      <p:par>
-        <p:cTn id="1" dur="indefinite" restart="never" nodeType="tmRoot"/>
-      </p:par>
-    </p:tnLst>
-  </p:timing>
-</p:sld>
-</file>
-
 <file path=ppt/slides/slide4.xml><?xml version="1.0" encoding="utf-8"?>
 <p:sld xmlns:a="http://schemas.openxmlformats.org/drawingml/2006/main" xmlns:r="http://schemas.openxmlformats.org/officeDocument/2006/relationships" xmlns:p="http://schemas.openxmlformats.org/presentationml/2006/main">
   <p:cSld>
@@ -4471,59 +9391,154 @@
           <a:p>
             <a:r>
               <a:rPr lang="en-US" dirty="0" smtClean="0"/>
-              <a:t>Block Scope</a:t>
+              <a:t>let</a:t>
             </a:r>
-            <a:endParaRPr lang="en-US" dirty="0"/>
-          </a:p>
-        </p:txBody>
-      </p:sp>
-      <p:sp>
-        <p:nvSpPr>
-          <p:cNvPr id="3" name="Text Placeholder 2"/>
-          <p:cNvSpPr>
-            <a:spLocks noGrp="1"/>
-          </p:cNvSpPr>
-          <p:nvPr>
-            <p:ph type="body" idx="1"/>
-          </p:nvPr>
-        </p:nvSpPr>
-        <p:spPr/>
-        <p:txBody>
-          <a:bodyPr/>
-          <a:lstStyle/>
-          <a:p>
             <a:endParaRPr lang="en-US" dirty="0"/>
           </a:p>
         </p:txBody>
       </p:sp>
       <p:pic>
         <p:nvPicPr>
-          <p:cNvPr id="4" name="Picture 3"/>
+          <p:cNvPr id="1026" name="Picture 2"/>
           <p:cNvPicPr>
-            <a:picLocks noChangeAspect="1"/>
+            <a:picLocks noChangeAspect="1" noChangeArrowheads="1"/>
           </p:cNvPicPr>
           <p:nvPr/>
         </p:nvPicPr>
         <p:blipFill>
-          <a:blip r:embed="rId2"/>
+          <a:blip r:embed="rId2">
+            <a:extLst>
+              <a:ext uri="{BEBA8EAE-BF5A-486C-A8C5-ECC9F3942E4B}">
+                <a14:imgProps xmlns:a14="http://schemas.microsoft.com/office/drawing/2010/main">
+                  <a14:imgLayer r:embed="rId3">
+                    <a14:imgEffect>
+                      <a14:colorTemperature colorTemp="11200"/>
+                    </a14:imgEffect>
+                  </a14:imgLayer>
+                </a14:imgProps>
+              </a:ext>
+              <a:ext uri="{28A0092B-C50C-407E-A947-70E740481C1C}">
+                <a14:useLocalDpi xmlns:a14="http://schemas.microsoft.com/office/drawing/2010/main" val="0"/>
+              </a:ext>
+            </a:extLst>
+          </a:blip>
+          <a:srcRect/>
           <a:stretch>
             <a:fillRect/>
           </a:stretch>
         </p:blipFill>
-        <p:spPr>
+        <p:spPr bwMode="auto">
           <a:xfrm>
-            <a:off x="1447800" y="2286000"/>
-            <a:ext cx="5886450" cy="3352800"/>
+            <a:off x="1452007" y="1789773"/>
+            <a:ext cx="3009900" cy="1571625"/>
           </a:xfrm>
           <a:prstGeom prst="rect">
             <a:avLst/>
           </a:prstGeom>
+          <a:ln>
+            <a:noFill/>
+          </a:ln>
+          <a:effectLst>
+            <a:outerShdw blurRad="190500" algn="tl" rotWithShape="0">
+              <a:srgbClr val="000000">
+                <a:alpha val="70000"/>
+              </a:srgbClr>
+            </a:outerShdw>
+          </a:effectLst>
+          <a:extLst>
+            <a:ext uri="{909E8E84-426E-40DD-AFC4-6F175D3DCCD1}">
+              <a14:hiddenFill xmlns:a14="http://schemas.microsoft.com/office/drawing/2010/main">
+                <a:solidFill>
+                  <a:schemeClr val="accent1"/>
+                </a:solidFill>
+              </a14:hiddenFill>
+            </a:ext>
+            <a:ext uri="{91240B29-F687-4F45-9708-019B960494DF}">
+              <a14:hiddenLine xmlns:a14="http://schemas.microsoft.com/office/drawing/2010/main" w="9525">
+                <a:solidFill>
+                  <a:schemeClr val="tx1"/>
+                </a:solidFill>
+                <a:miter lim="800000"/>
+                <a:headEnd/>
+                <a:tailEnd/>
+              </a14:hiddenLine>
+            </a:ext>
+          </a:extLst>
+        </p:spPr>
+      </p:pic>
+      <p:pic>
+        <p:nvPicPr>
+          <p:cNvPr id="1027" name="Picture 3"/>
+          <p:cNvPicPr>
+            <a:picLocks noChangeAspect="1" noChangeArrowheads="1"/>
+          </p:cNvPicPr>
+          <p:nvPr/>
+        </p:nvPicPr>
+        <p:blipFill>
+          <a:blip r:embed="rId4">
+            <a:extLst>
+              <a:ext uri="{BEBA8EAE-BF5A-486C-A8C5-ECC9F3942E4B}">
+                <a14:imgProps xmlns:a14="http://schemas.microsoft.com/office/drawing/2010/main">
+                  <a14:imgLayer r:embed="rId5">
+                    <a14:imgEffect>
+                      <a14:colorTemperature colorTemp="11200"/>
+                    </a14:imgEffect>
+                  </a14:imgLayer>
+                </a14:imgProps>
+              </a:ext>
+              <a:ext uri="{28A0092B-C50C-407E-A947-70E740481C1C}">
+                <a14:useLocalDpi xmlns:a14="http://schemas.microsoft.com/office/drawing/2010/main" val="0"/>
+              </a:ext>
+            </a:extLst>
+          </a:blip>
+          <a:srcRect/>
+          <a:stretch>
+            <a:fillRect/>
+          </a:stretch>
+        </p:blipFill>
+        <p:spPr bwMode="auto">
+          <a:xfrm>
+            <a:off x="4950524" y="3815875"/>
+            <a:ext cx="2971800" cy="1438275"/>
+          </a:xfrm>
+          <a:prstGeom prst="rect">
+            <a:avLst/>
+          </a:prstGeom>
+          <a:ln>
+            <a:noFill/>
+          </a:ln>
+          <a:effectLst>
+            <a:outerShdw blurRad="190500" algn="tl" rotWithShape="0">
+              <a:srgbClr val="000000">
+                <a:alpha val="70000"/>
+              </a:srgbClr>
+            </a:outerShdw>
+          </a:effectLst>
+          <a:extLst>
+            <a:ext uri="{909E8E84-426E-40DD-AFC4-6F175D3DCCD1}">
+              <a14:hiddenFill xmlns:a14="http://schemas.microsoft.com/office/drawing/2010/main">
+                <a:solidFill>
+                  <a:schemeClr val="accent1"/>
+                </a:solidFill>
+              </a14:hiddenFill>
+            </a:ext>
+            <a:ext uri="{91240B29-F687-4F45-9708-019B960494DF}">
+              <a14:hiddenLine xmlns:a14="http://schemas.microsoft.com/office/drawing/2010/main" w="9525">
+                <a:solidFill>
+                  <a:schemeClr val="tx1"/>
+                </a:solidFill>
+                <a:miter lim="800000"/>
+                <a:headEnd/>
+                <a:tailEnd/>
+              </a14:hiddenLine>
+            </a:ext>
+          </a:extLst>
         </p:spPr>
       </p:pic>
     </p:spTree>
     <p:extLst>
       <p:ext uri="{BB962C8B-B14F-4D97-AF65-F5344CB8AC3E}">
-        <p14:creationId xmlns:p14="http://schemas.microsoft.com/office/powerpoint/2010/main" val="2466906940"/>
+        <p14:creationId xmlns:p14="http://schemas.microsoft.com/office/powerpoint/2010/main" val="2229719437"/>
       </p:ext>
     </p:extLst>
   </p:cSld>
@@ -4536,7 +9551,136 @@
   <p:timing>
     <p:tnLst>
       <p:par>
-        <p:cTn id="1" dur="indefinite" restart="never" nodeType="tmRoot"/>
+        <p:cTn id="1" dur="indefinite" restart="never" nodeType="tmRoot">
+          <p:childTnLst>
+            <p:seq concurrent="1" nextAc="seek">
+              <p:cTn id="2" dur="indefinite" nodeType="mainSeq">
+                <p:childTnLst>
+                  <p:par>
+                    <p:cTn id="3" fill="hold">
+                      <p:stCondLst>
+                        <p:cond delay="indefinite"/>
+                      </p:stCondLst>
+                      <p:childTnLst>
+                        <p:par>
+                          <p:cTn id="4" fill="hold">
+                            <p:stCondLst>
+                              <p:cond delay="0"/>
+                            </p:stCondLst>
+                            <p:childTnLst>
+                              <p:par>
+                                <p:cTn id="5" presetID="10" presetClass="entr" presetSubtype="0" fill="hold" nodeType="clickEffect">
+                                  <p:stCondLst>
+                                    <p:cond delay="0"/>
+                                  </p:stCondLst>
+                                  <p:childTnLst>
+                                    <p:set>
+                                      <p:cBhvr>
+                                        <p:cTn id="6" dur="1" fill="hold">
+                                          <p:stCondLst>
+                                            <p:cond delay="0"/>
+                                          </p:stCondLst>
+                                        </p:cTn>
+                                        <p:tgtEl>
+                                          <p:spTgt spid="1026"/>
+                                        </p:tgtEl>
+                                        <p:attrNameLst>
+                                          <p:attrName>style.visibility</p:attrName>
+                                        </p:attrNameLst>
+                                      </p:cBhvr>
+                                      <p:to>
+                                        <p:strVal val="visible"/>
+                                      </p:to>
+                                    </p:set>
+                                    <p:animEffect transition="in" filter="fade">
+                                      <p:cBhvr>
+                                        <p:cTn id="7" dur="500"/>
+                                        <p:tgtEl>
+                                          <p:spTgt spid="1026"/>
+                                        </p:tgtEl>
+                                      </p:cBhvr>
+                                    </p:animEffect>
+                                  </p:childTnLst>
+                                </p:cTn>
+                              </p:par>
+                            </p:childTnLst>
+                          </p:cTn>
+                        </p:par>
+                      </p:childTnLst>
+                    </p:cTn>
+                  </p:par>
+                  <p:par>
+                    <p:cTn id="8" fill="hold">
+                      <p:stCondLst>
+                        <p:cond delay="indefinite"/>
+                      </p:stCondLst>
+                      <p:childTnLst>
+                        <p:par>
+                          <p:cTn id="9" fill="hold">
+                            <p:stCondLst>
+                              <p:cond delay="0"/>
+                            </p:stCondLst>
+                            <p:childTnLst>
+                              <p:par>
+                                <p:cTn id="10" presetID="10" presetClass="entr" presetSubtype="0" fill="hold" nodeType="clickEffect">
+                                  <p:stCondLst>
+                                    <p:cond delay="0"/>
+                                  </p:stCondLst>
+                                  <p:childTnLst>
+                                    <p:set>
+                                      <p:cBhvr>
+                                        <p:cTn id="11" dur="1" fill="hold">
+                                          <p:stCondLst>
+                                            <p:cond delay="0"/>
+                                          </p:stCondLst>
+                                        </p:cTn>
+                                        <p:tgtEl>
+                                          <p:spTgt spid="1027"/>
+                                        </p:tgtEl>
+                                        <p:attrNameLst>
+                                          <p:attrName>style.visibility</p:attrName>
+                                        </p:attrNameLst>
+                                      </p:cBhvr>
+                                      <p:to>
+                                        <p:strVal val="visible"/>
+                                      </p:to>
+                                    </p:set>
+                                    <p:animEffect transition="in" filter="fade">
+                                      <p:cBhvr>
+                                        <p:cTn id="12" dur="500"/>
+                                        <p:tgtEl>
+                                          <p:spTgt spid="1027"/>
+                                        </p:tgtEl>
+                                      </p:cBhvr>
+                                    </p:animEffect>
+                                  </p:childTnLst>
+                                </p:cTn>
+                              </p:par>
+                            </p:childTnLst>
+                          </p:cTn>
+                        </p:par>
+                      </p:childTnLst>
+                    </p:cTn>
+                  </p:par>
+                </p:childTnLst>
+              </p:cTn>
+              <p:prevCondLst>
+                <p:cond evt="onPrev" delay="0">
+                  <p:tgtEl>
+                    <p:sldTgt/>
+                  </p:tgtEl>
+                </p:cond>
+              </p:prevCondLst>
+              <p:nextCondLst>
+                <p:cond evt="onNext" delay="0">
+                  <p:tgtEl>
+                    <p:sldTgt/>
+                  </p:tgtEl>
+                </p:cond>
+              </p:nextCondLst>
+            </p:seq>
+          </p:childTnLst>
+        </p:cTn>
       </p:par>
     </p:tnLst>
   </p:timing>
@@ -4576,60 +9720,86 @@
           <a:lstStyle/>
           <a:p>
             <a:r>
-              <a:rPr lang="en-US" dirty="0" smtClean="0"/>
-              <a:t>Default Parameter Values</a:t>
+              <a:rPr lang="en-US" dirty="0" err="1" smtClean="0"/>
+              <a:t>const</a:t>
             </a:r>
             <a:endParaRPr lang="en-US" dirty="0"/>
           </a:p>
         </p:txBody>
       </p:sp>
-      <p:sp>
-        <p:nvSpPr>
-          <p:cNvPr id="3" name="Text Placeholder 2"/>
-          <p:cNvSpPr>
-            <a:spLocks noGrp="1"/>
-          </p:cNvSpPr>
-          <p:nvPr>
-            <p:ph type="body" idx="1"/>
-          </p:nvPr>
-        </p:nvSpPr>
-        <p:spPr/>
-        <p:txBody>
-          <a:bodyPr/>
-          <a:lstStyle/>
-          <a:p>
-            <a:endParaRPr lang="en-US"/>
-          </a:p>
-        </p:txBody>
-      </p:sp>
       <p:pic>
         <p:nvPicPr>
-          <p:cNvPr id="4" name="Picture 3"/>
+          <p:cNvPr id="2050" name="Picture 2"/>
           <p:cNvPicPr>
-            <a:picLocks noChangeAspect="1"/>
+            <a:picLocks noChangeAspect="1" noChangeArrowheads="1"/>
           </p:cNvPicPr>
           <p:nvPr/>
         </p:nvPicPr>
         <p:blipFill>
-          <a:blip r:embed="rId2"/>
+          <a:blip r:embed="rId2">
+            <a:extLst>
+              <a:ext uri="{BEBA8EAE-BF5A-486C-A8C5-ECC9F3942E4B}">
+                <a14:imgProps xmlns:a14="http://schemas.microsoft.com/office/drawing/2010/main">
+                  <a14:imgLayer r:embed="rId3">
+                    <a14:imgEffect>
+                      <a14:colorTemperature colorTemp="11200"/>
+                    </a14:imgEffect>
+                  </a14:imgLayer>
+                </a14:imgProps>
+              </a:ext>
+              <a:ext uri="{28A0092B-C50C-407E-A947-70E740481C1C}">
+                <a14:useLocalDpi xmlns:a14="http://schemas.microsoft.com/office/drawing/2010/main" val="0"/>
+              </a:ext>
+            </a:extLst>
+          </a:blip>
+          <a:srcRect/>
           <a:stretch>
             <a:fillRect/>
           </a:stretch>
         </p:blipFill>
-        <p:spPr>
+        <p:spPr bwMode="auto">
           <a:xfrm>
-            <a:off x="2143125" y="2124075"/>
-            <a:ext cx="4857750" cy="2609850"/>
+            <a:off x="3190690" y="2446564"/>
+            <a:ext cx="2905125" cy="1181100"/>
           </a:xfrm>
           <a:prstGeom prst="rect">
             <a:avLst/>
           </a:prstGeom>
+          <a:ln>
+            <a:noFill/>
+          </a:ln>
+          <a:effectLst>
+            <a:outerShdw blurRad="190500" algn="tl" rotWithShape="0">
+              <a:srgbClr val="000000">
+                <a:alpha val="70000"/>
+              </a:srgbClr>
+            </a:outerShdw>
+          </a:effectLst>
+          <a:extLst>
+            <a:ext uri="{909E8E84-426E-40DD-AFC4-6F175D3DCCD1}">
+              <a14:hiddenFill xmlns:a14="http://schemas.microsoft.com/office/drawing/2010/main">
+                <a:solidFill>
+                  <a:schemeClr val="accent1"/>
+                </a:solidFill>
+              </a14:hiddenFill>
+            </a:ext>
+            <a:ext uri="{91240B29-F687-4F45-9708-019B960494DF}">
+              <a14:hiddenLine xmlns:a14="http://schemas.microsoft.com/office/drawing/2010/main" w="9525">
+                <a:solidFill>
+                  <a:schemeClr val="tx1"/>
+                </a:solidFill>
+                <a:miter lim="800000"/>
+                <a:headEnd/>
+                <a:tailEnd/>
+              </a14:hiddenLine>
+            </a:ext>
+          </a:extLst>
         </p:spPr>
       </p:pic>
     </p:spTree>
     <p:extLst>
       <p:ext uri="{BB962C8B-B14F-4D97-AF65-F5344CB8AC3E}">
-        <p14:creationId xmlns:p14="http://schemas.microsoft.com/office/powerpoint/2010/main" val="3713472264"/>
+        <p14:creationId xmlns:p14="http://schemas.microsoft.com/office/powerpoint/2010/main" val="1439712674"/>
       </p:ext>
     </p:extLst>
   </p:cSld>
@@ -4682,7 +9852,7 @@
           <a:lstStyle/>
           <a:p>
             <a:r>
-              <a:rPr lang="en-US" dirty="0" smtClean="0"/>
+              <a:rPr lang="en-US" dirty="0" err="1" smtClean="0"/>
               <a:t>Destructuring</a:t>
             </a:r>
             <a:endParaRPr lang="en-US" dirty="0"/>
@@ -4710,56 +9880,77 @@
       </p:sp>
       <p:pic>
         <p:nvPicPr>
-          <p:cNvPr id="4" name="Picture 3"/>
+          <p:cNvPr id="3074" name="Picture 2"/>
           <p:cNvPicPr>
-            <a:picLocks noChangeAspect="1"/>
+            <a:picLocks noChangeAspect="1" noChangeArrowheads="1"/>
           </p:cNvPicPr>
           <p:nvPr/>
         </p:nvPicPr>
         <p:blipFill>
-          <a:blip r:embed="rId2"/>
+          <a:blip r:embed="rId2">
+            <a:extLst>
+              <a:ext uri="{BEBA8EAE-BF5A-486C-A8C5-ECC9F3942E4B}">
+                <a14:imgProps xmlns:a14="http://schemas.microsoft.com/office/drawing/2010/main">
+                  <a14:imgLayer r:embed="rId3">
+                    <a14:imgEffect>
+                      <a14:colorTemperature colorTemp="11200"/>
+                    </a14:imgEffect>
+                  </a14:imgLayer>
+                </a14:imgProps>
+              </a:ext>
+              <a:ext uri="{28A0092B-C50C-407E-A947-70E740481C1C}">
+                <a14:useLocalDpi xmlns:a14="http://schemas.microsoft.com/office/drawing/2010/main" val="0"/>
+              </a:ext>
+            </a:extLst>
+          </a:blip>
+          <a:srcRect/>
           <a:stretch>
             <a:fillRect/>
           </a:stretch>
         </p:blipFill>
-        <p:spPr>
+        <p:spPr bwMode="auto">
           <a:xfrm>
-            <a:off x="437984" y="1466353"/>
-            <a:ext cx="4314825" cy="2133600"/>
+            <a:off x="3452813" y="2662238"/>
+            <a:ext cx="2238375" cy="1533525"/>
           </a:xfrm>
           <a:prstGeom prst="rect">
             <a:avLst/>
           </a:prstGeom>
-        </p:spPr>
-      </p:pic>
-      <p:pic>
-        <p:nvPicPr>
-          <p:cNvPr id="5" name="Picture 4"/>
-          <p:cNvPicPr>
-            <a:picLocks noChangeAspect="1"/>
-          </p:cNvPicPr>
-          <p:nvPr/>
-        </p:nvPicPr>
-        <p:blipFill>
-          <a:blip r:embed="rId3"/>
-          <a:stretch>
-            <a:fillRect/>
-          </a:stretch>
-        </p:blipFill>
-        <p:spPr>
-          <a:xfrm>
-            <a:off x="2888560" y="4105026"/>
-            <a:ext cx="5781675" cy="1333500"/>
-          </a:xfrm>
-          <a:prstGeom prst="rect">
-            <a:avLst/>
-          </a:prstGeom>
+          <a:ln>
+            <a:noFill/>
+          </a:ln>
+          <a:effectLst>
+            <a:outerShdw blurRad="190500" algn="tl" rotWithShape="0">
+              <a:srgbClr val="000000">
+                <a:alpha val="70000"/>
+              </a:srgbClr>
+            </a:outerShdw>
+          </a:effectLst>
+          <a:extLst>
+            <a:ext uri="{909E8E84-426E-40DD-AFC4-6F175D3DCCD1}">
+              <a14:hiddenFill xmlns:a14="http://schemas.microsoft.com/office/drawing/2010/main">
+                <a:solidFill>
+                  <a:schemeClr val="accent1"/>
+                </a:solidFill>
+              </a14:hiddenFill>
+            </a:ext>
+            <a:ext uri="{91240B29-F687-4F45-9708-019B960494DF}">
+              <a14:hiddenLine xmlns:a14="http://schemas.microsoft.com/office/drawing/2010/main" w="9525">
+                <a:solidFill>
+                  <a:schemeClr val="tx1"/>
+                </a:solidFill>
+                <a:miter lim="800000"/>
+                <a:headEnd/>
+                <a:tailEnd/>
+              </a14:hiddenLine>
+            </a:ext>
+          </a:extLst>
         </p:spPr>
       </p:pic>
     </p:spTree>
     <p:extLst>
       <p:ext uri="{BB962C8B-B14F-4D97-AF65-F5344CB8AC3E}">
-        <p14:creationId xmlns:p14="http://schemas.microsoft.com/office/powerpoint/2010/main" val="823249333"/>
+        <p14:creationId xmlns:p14="http://schemas.microsoft.com/office/powerpoint/2010/main" val="4187059143"/>
       </p:ext>
     </p:extLst>
   </p:cSld>
@@ -4772,7 +9963,83 @@
   <p:timing>
     <p:tnLst>
       <p:par>
-        <p:cTn id="1" dur="indefinite" restart="never" nodeType="tmRoot"/>
+        <p:cTn id="1" dur="indefinite" restart="never" nodeType="tmRoot">
+          <p:childTnLst>
+            <p:seq concurrent="1" nextAc="seek">
+              <p:cTn id="2" dur="indefinite" nodeType="mainSeq">
+                <p:childTnLst>
+                  <p:par>
+                    <p:cTn id="3" fill="hold">
+                      <p:stCondLst>
+                        <p:cond delay="indefinite"/>
+                      </p:stCondLst>
+                      <p:childTnLst>
+                        <p:par>
+                          <p:cTn id="4" fill="hold">
+                            <p:stCondLst>
+                              <p:cond delay="0"/>
+                            </p:stCondLst>
+                            <p:childTnLst>
+                              <p:par>
+                                <p:cTn id="5" presetID="10" presetClass="entr" presetSubtype="0" fill="hold" nodeType="clickEffect">
+                                  <p:stCondLst>
+                                    <p:cond delay="0"/>
+                                  </p:stCondLst>
+                                  <p:childTnLst>
+                                    <p:set>
+                                      <p:cBhvr>
+                                        <p:cTn id="6" dur="1" fill="hold">
+                                          <p:stCondLst>
+                                            <p:cond delay="0"/>
+                                          </p:stCondLst>
+                                        </p:cTn>
+                                        <p:tgtEl>
+                                          <p:spTgt spid="3074"/>
+                                        </p:tgtEl>
+                                        <p:attrNameLst>
+                                          <p:attrName>style.visibility</p:attrName>
+                                        </p:attrNameLst>
+                                      </p:cBhvr>
+                                      <p:to>
+                                        <p:strVal val="visible"/>
+                                      </p:to>
+                                    </p:set>
+                                    <p:animEffect transition="in" filter="fade">
+                                      <p:cBhvr>
+                                        <p:cTn id="7" dur="500"/>
+                                        <p:tgtEl>
+                                          <p:spTgt spid="3074"/>
+                                        </p:tgtEl>
+                                      </p:cBhvr>
+                                    </p:animEffect>
+                                  </p:childTnLst>
+                                </p:cTn>
+                              </p:par>
+                            </p:childTnLst>
+                          </p:cTn>
+                        </p:par>
+                      </p:childTnLst>
+                    </p:cTn>
+                  </p:par>
+                </p:childTnLst>
+              </p:cTn>
+              <p:prevCondLst>
+                <p:cond evt="onPrev" delay="0">
+                  <p:tgtEl>
+                    <p:sldTgt/>
+                  </p:tgtEl>
+                </p:cond>
+              </p:prevCondLst>
+              <p:nextCondLst>
+                <p:cond evt="onNext" delay="0">
+                  <p:tgtEl>
+                    <p:sldTgt/>
+                  </p:tgtEl>
+                </p:cond>
+              </p:nextCondLst>
+            </p:seq>
+          </p:childTnLst>
+        </p:cTn>
       </p:par>
     </p:tnLst>
   </p:timing>
@@ -4813,59 +10080,154 @@
           <a:p>
             <a:r>
               <a:rPr lang="en-US" dirty="0" smtClean="0"/>
-              <a:t>Rest Parameters</a:t>
+              <a:t>Default Parameter Values</a:t>
             </a:r>
             <a:endParaRPr lang="en-US" dirty="0"/>
           </a:p>
         </p:txBody>
       </p:sp>
-      <p:sp>
-        <p:nvSpPr>
-          <p:cNvPr id="3" name="Text Placeholder 2"/>
-          <p:cNvSpPr>
-            <a:spLocks noGrp="1"/>
-          </p:cNvSpPr>
-          <p:nvPr>
-            <p:ph type="body" idx="1"/>
-          </p:nvPr>
-        </p:nvSpPr>
-        <p:spPr/>
-        <p:txBody>
-          <a:bodyPr/>
-          <a:lstStyle/>
-          <a:p>
-            <a:endParaRPr lang="en-US"/>
-          </a:p>
-        </p:txBody>
-      </p:sp>
       <p:pic>
         <p:nvPicPr>
-          <p:cNvPr id="4" name="Picture 3"/>
+          <p:cNvPr id="4098" name="Picture 2"/>
           <p:cNvPicPr>
-            <a:picLocks noChangeAspect="1"/>
+            <a:picLocks noChangeAspect="1" noChangeArrowheads="1"/>
           </p:cNvPicPr>
           <p:nvPr/>
         </p:nvPicPr>
         <p:blipFill>
-          <a:blip r:embed="rId2"/>
+          <a:blip r:embed="rId2">
+            <a:extLst>
+              <a:ext uri="{BEBA8EAE-BF5A-486C-A8C5-ECC9F3942E4B}">
+                <a14:imgProps xmlns:a14="http://schemas.microsoft.com/office/drawing/2010/main">
+                  <a14:imgLayer r:embed="rId3">
+                    <a14:imgEffect>
+                      <a14:colorTemperature colorTemp="11200"/>
+                    </a14:imgEffect>
+                  </a14:imgLayer>
+                </a14:imgProps>
+              </a:ext>
+              <a:ext uri="{28A0092B-C50C-407E-A947-70E740481C1C}">
+                <a14:useLocalDpi xmlns:a14="http://schemas.microsoft.com/office/drawing/2010/main" val="0"/>
+              </a:ext>
+            </a:extLst>
+          </a:blip>
+          <a:srcRect/>
           <a:stretch>
             <a:fillRect/>
           </a:stretch>
         </p:blipFill>
-        <p:spPr>
+        <p:spPr bwMode="auto">
           <a:xfrm>
-            <a:off x="2014537" y="2209800"/>
-            <a:ext cx="5114925" cy="2400300"/>
+            <a:off x="1395103" y="2354098"/>
+            <a:ext cx="2933700" cy="1057275"/>
           </a:xfrm>
           <a:prstGeom prst="rect">
             <a:avLst/>
           </a:prstGeom>
+          <a:ln>
+            <a:noFill/>
+          </a:ln>
+          <a:effectLst>
+            <a:outerShdw blurRad="190500" algn="tl" rotWithShape="0">
+              <a:srgbClr val="000000">
+                <a:alpha val="70000"/>
+              </a:srgbClr>
+            </a:outerShdw>
+          </a:effectLst>
+          <a:extLst>
+            <a:ext uri="{909E8E84-426E-40DD-AFC4-6F175D3DCCD1}">
+              <a14:hiddenFill xmlns:a14="http://schemas.microsoft.com/office/drawing/2010/main">
+                <a:solidFill>
+                  <a:schemeClr val="accent1"/>
+                </a:solidFill>
+              </a14:hiddenFill>
+            </a:ext>
+            <a:ext uri="{91240B29-F687-4F45-9708-019B960494DF}">
+              <a14:hiddenLine xmlns:a14="http://schemas.microsoft.com/office/drawing/2010/main" w="9525">
+                <a:solidFill>
+                  <a:schemeClr val="tx1"/>
+                </a:solidFill>
+                <a:miter lim="800000"/>
+                <a:headEnd/>
+                <a:tailEnd/>
+              </a14:hiddenLine>
+            </a:ext>
+          </a:extLst>
+        </p:spPr>
+      </p:pic>
+      <p:pic>
+        <p:nvPicPr>
+          <p:cNvPr id="4099" name="Picture 3"/>
+          <p:cNvPicPr>
+            <a:picLocks noChangeAspect="1" noChangeArrowheads="1"/>
+          </p:cNvPicPr>
+          <p:nvPr/>
+        </p:nvPicPr>
+        <p:blipFill>
+          <a:blip r:embed="rId4">
+            <a:extLst>
+              <a:ext uri="{BEBA8EAE-BF5A-486C-A8C5-ECC9F3942E4B}">
+                <a14:imgProps xmlns:a14="http://schemas.microsoft.com/office/drawing/2010/main">
+                  <a14:imgLayer r:embed="rId5">
+                    <a14:imgEffect>
+                      <a14:colorTemperature colorTemp="11200"/>
+                    </a14:imgEffect>
+                  </a14:imgLayer>
+                </a14:imgProps>
+              </a:ext>
+              <a:ext uri="{28A0092B-C50C-407E-A947-70E740481C1C}">
+                <a14:useLocalDpi xmlns:a14="http://schemas.microsoft.com/office/drawing/2010/main" val="0"/>
+              </a:ext>
+            </a:extLst>
+          </a:blip>
+          <a:srcRect/>
+          <a:stretch>
+            <a:fillRect/>
+          </a:stretch>
+        </p:blipFill>
+        <p:spPr bwMode="auto">
+          <a:xfrm>
+            <a:off x="4138798" y="3772891"/>
+            <a:ext cx="3429000" cy="847725"/>
+          </a:xfrm>
+          <a:prstGeom prst="rect">
+            <a:avLst/>
+          </a:prstGeom>
+          <a:ln>
+            <a:noFill/>
+          </a:ln>
+          <a:effectLst>
+            <a:outerShdw blurRad="190500" algn="tl" rotWithShape="0">
+              <a:srgbClr val="000000">
+                <a:alpha val="70000"/>
+              </a:srgbClr>
+            </a:outerShdw>
+          </a:effectLst>
+          <a:extLst>
+            <a:ext uri="{909E8E84-426E-40DD-AFC4-6F175D3DCCD1}">
+              <a14:hiddenFill xmlns:a14="http://schemas.microsoft.com/office/drawing/2010/main">
+                <a:solidFill>
+                  <a:schemeClr val="accent1"/>
+                </a:solidFill>
+              </a14:hiddenFill>
+            </a:ext>
+            <a:ext uri="{91240B29-F687-4F45-9708-019B960494DF}">
+              <a14:hiddenLine xmlns:a14="http://schemas.microsoft.com/office/drawing/2010/main" w="9525">
+                <a:solidFill>
+                  <a:schemeClr val="tx1"/>
+                </a:solidFill>
+                <a:miter lim="800000"/>
+                <a:headEnd/>
+                <a:tailEnd/>
+              </a14:hiddenLine>
+            </a:ext>
+          </a:extLst>
         </p:spPr>
       </p:pic>
     </p:spTree>
     <p:extLst>
       <p:ext uri="{BB962C8B-B14F-4D97-AF65-F5344CB8AC3E}">
-        <p14:creationId xmlns:p14="http://schemas.microsoft.com/office/powerpoint/2010/main" val="3931993176"/>
+        <p14:creationId xmlns:p14="http://schemas.microsoft.com/office/powerpoint/2010/main" val="4193304327"/>
       </p:ext>
     </p:extLst>
   </p:cSld>
@@ -4878,7 +10240,136 @@
   <p:timing>
     <p:tnLst>
       <p:par>
-        <p:cTn id="1" dur="indefinite" restart="never" nodeType="tmRoot"/>
+        <p:cTn id="1" dur="indefinite" restart="never" nodeType="tmRoot">
+          <p:childTnLst>
+            <p:seq concurrent="1" nextAc="seek">
+              <p:cTn id="2" dur="indefinite" nodeType="mainSeq">
+                <p:childTnLst>
+                  <p:par>
+                    <p:cTn id="3" fill="hold">
+                      <p:stCondLst>
+                        <p:cond delay="indefinite"/>
+                      </p:stCondLst>
+                      <p:childTnLst>
+                        <p:par>
+                          <p:cTn id="4" fill="hold">
+                            <p:stCondLst>
+                              <p:cond delay="0"/>
+                            </p:stCondLst>
+                            <p:childTnLst>
+                              <p:par>
+                                <p:cTn id="5" presetID="10" presetClass="entr" presetSubtype="0" fill="hold" nodeType="clickEffect">
+                                  <p:stCondLst>
+                                    <p:cond delay="0"/>
+                                  </p:stCondLst>
+                                  <p:childTnLst>
+                                    <p:set>
+                                      <p:cBhvr>
+                                        <p:cTn id="6" dur="1" fill="hold">
+                                          <p:stCondLst>
+                                            <p:cond delay="0"/>
+                                          </p:stCondLst>
+                                        </p:cTn>
+                                        <p:tgtEl>
+                                          <p:spTgt spid="4098"/>
+                                        </p:tgtEl>
+                                        <p:attrNameLst>
+                                          <p:attrName>style.visibility</p:attrName>
+                                        </p:attrNameLst>
+                                      </p:cBhvr>
+                                      <p:to>
+                                        <p:strVal val="visible"/>
+                                      </p:to>
+                                    </p:set>
+                                    <p:animEffect transition="in" filter="fade">
+                                      <p:cBhvr>
+                                        <p:cTn id="7" dur="500"/>
+                                        <p:tgtEl>
+                                          <p:spTgt spid="4098"/>
+                                        </p:tgtEl>
+                                      </p:cBhvr>
+                                    </p:animEffect>
+                                  </p:childTnLst>
+                                </p:cTn>
+                              </p:par>
+                            </p:childTnLst>
+                          </p:cTn>
+                        </p:par>
+                      </p:childTnLst>
+                    </p:cTn>
+                  </p:par>
+                  <p:par>
+                    <p:cTn id="8" fill="hold">
+                      <p:stCondLst>
+                        <p:cond delay="indefinite"/>
+                      </p:stCondLst>
+                      <p:childTnLst>
+                        <p:par>
+                          <p:cTn id="9" fill="hold">
+                            <p:stCondLst>
+                              <p:cond delay="0"/>
+                            </p:stCondLst>
+                            <p:childTnLst>
+                              <p:par>
+                                <p:cTn id="10" presetID="10" presetClass="entr" presetSubtype="0" fill="hold" nodeType="clickEffect">
+                                  <p:stCondLst>
+                                    <p:cond delay="0"/>
+                                  </p:stCondLst>
+                                  <p:childTnLst>
+                                    <p:set>
+                                      <p:cBhvr>
+                                        <p:cTn id="11" dur="1" fill="hold">
+                                          <p:stCondLst>
+                                            <p:cond delay="0"/>
+                                          </p:stCondLst>
+                                        </p:cTn>
+                                        <p:tgtEl>
+                                          <p:spTgt spid="4099"/>
+                                        </p:tgtEl>
+                                        <p:attrNameLst>
+                                          <p:attrName>style.visibility</p:attrName>
+                                        </p:attrNameLst>
+                                      </p:cBhvr>
+                                      <p:to>
+                                        <p:strVal val="visible"/>
+                                      </p:to>
+                                    </p:set>
+                                    <p:animEffect transition="in" filter="fade">
+                                      <p:cBhvr>
+                                        <p:cTn id="12" dur="500"/>
+                                        <p:tgtEl>
+                                          <p:spTgt spid="4099"/>
+                                        </p:tgtEl>
+                                      </p:cBhvr>
+                                    </p:animEffect>
+                                  </p:childTnLst>
+                                </p:cTn>
+                              </p:par>
+                            </p:childTnLst>
+                          </p:cTn>
+                        </p:par>
+                      </p:childTnLst>
+                    </p:cTn>
+                  </p:par>
+                </p:childTnLst>
+              </p:cTn>
+              <p:prevCondLst>
+                <p:cond evt="onPrev" delay="0">
+                  <p:tgtEl>
+                    <p:sldTgt/>
+                  </p:tgtEl>
+                </p:cond>
+              </p:prevCondLst>
+              <p:nextCondLst>
+                <p:cond evt="onNext" delay="0">
+                  <p:tgtEl>
+                    <p:sldTgt/>
+                  </p:tgtEl>
+                </p:cond>
+              </p:nextCondLst>
+            </p:seq>
+          </p:childTnLst>
+        </p:cTn>
       </p:par>
     </p:tnLst>
   </p:timing>
@@ -4919,59 +10410,154 @@
           <a:p>
             <a:r>
               <a:rPr lang="en-US" dirty="0" smtClean="0"/>
-              <a:t>Spread</a:t>
+              <a:t>Rest Parameters</a:t>
             </a:r>
             <a:endParaRPr lang="en-US" dirty="0"/>
           </a:p>
         </p:txBody>
       </p:sp>
-      <p:sp>
-        <p:nvSpPr>
-          <p:cNvPr id="3" name="Text Placeholder 2"/>
-          <p:cNvSpPr>
-            <a:spLocks noGrp="1"/>
-          </p:cNvSpPr>
-          <p:nvPr>
-            <p:ph type="body" idx="1"/>
-          </p:nvPr>
-        </p:nvSpPr>
-        <p:spPr/>
-        <p:txBody>
-          <a:bodyPr/>
-          <a:lstStyle/>
-          <a:p>
-            <a:endParaRPr lang="en-US"/>
-          </a:p>
-        </p:txBody>
-      </p:sp>
       <p:pic>
         <p:nvPicPr>
-          <p:cNvPr id="4" name="Picture 3"/>
+          <p:cNvPr id="5124" name="Picture 4"/>
           <p:cNvPicPr>
-            <a:picLocks noChangeAspect="1"/>
+            <a:picLocks noChangeAspect="1" noChangeArrowheads="1"/>
           </p:cNvPicPr>
           <p:nvPr/>
         </p:nvPicPr>
         <p:blipFill>
-          <a:blip r:embed="rId2"/>
+          <a:blip r:embed="rId2">
+            <a:extLst>
+              <a:ext uri="{BEBA8EAE-BF5A-486C-A8C5-ECC9F3942E4B}">
+                <a14:imgProps xmlns:a14="http://schemas.microsoft.com/office/drawing/2010/main">
+                  <a14:imgLayer r:embed="rId3">
+                    <a14:imgEffect>
+                      <a14:colorTemperature colorTemp="11200"/>
+                    </a14:imgEffect>
+                  </a14:imgLayer>
+                </a14:imgProps>
+              </a:ext>
+              <a:ext uri="{28A0092B-C50C-407E-A947-70E740481C1C}">
+                <a14:useLocalDpi xmlns:a14="http://schemas.microsoft.com/office/drawing/2010/main" val="0"/>
+              </a:ext>
+            </a:extLst>
+          </a:blip>
+          <a:srcRect/>
           <a:stretch>
             <a:fillRect/>
           </a:stretch>
         </p:blipFill>
-        <p:spPr>
+        <p:spPr bwMode="auto">
           <a:xfrm>
-            <a:off x="1676400" y="2667000"/>
-            <a:ext cx="6287088" cy="1643062"/>
+            <a:off x="4212771" y="4011077"/>
+            <a:ext cx="4114800" cy="1685925"/>
           </a:xfrm>
           <a:prstGeom prst="rect">
             <a:avLst/>
           </a:prstGeom>
+          <a:ln>
+            <a:noFill/>
+          </a:ln>
+          <a:effectLst>
+            <a:outerShdw blurRad="190500" algn="tl" rotWithShape="0">
+              <a:srgbClr val="000000">
+                <a:alpha val="70000"/>
+              </a:srgbClr>
+            </a:outerShdw>
+          </a:effectLst>
+          <a:extLst>
+            <a:ext uri="{909E8E84-426E-40DD-AFC4-6F175D3DCCD1}">
+              <a14:hiddenFill xmlns:a14="http://schemas.microsoft.com/office/drawing/2010/main">
+                <a:solidFill>
+                  <a:schemeClr val="accent1"/>
+                </a:solidFill>
+              </a14:hiddenFill>
+            </a:ext>
+            <a:ext uri="{91240B29-F687-4F45-9708-019B960494DF}">
+              <a14:hiddenLine xmlns:a14="http://schemas.microsoft.com/office/drawing/2010/main" w="9525">
+                <a:solidFill>
+                  <a:schemeClr val="tx1"/>
+                </a:solidFill>
+                <a:miter lim="800000"/>
+                <a:headEnd/>
+                <a:tailEnd/>
+              </a14:hiddenLine>
+            </a:ext>
+          </a:extLst>
+        </p:spPr>
+      </p:pic>
+      <p:pic>
+        <p:nvPicPr>
+          <p:cNvPr id="5125" name="Picture 5"/>
+          <p:cNvPicPr>
+            <a:picLocks noChangeAspect="1" noChangeArrowheads="1"/>
+          </p:cNvPicPr>
+          <p:nvPr/>
+        </p:nvPicPr>
+        <p:blipFill>
+          <a:blip r:embed="rId4">
+            <a:extLst>
+              <a:ext uri="{BEBA8EAE-BF5A-486C-A8C5-ECC9F3942E4B}">
+                <a14:imgProps xmlns:a14="http://schemas.microsoft.com/office/drawing/2010/main">
+                  <a14:imgLayer r:embed="rId5">
+                    <a14:imgEffect>
+                      <a14:colorTemperature colorTemp="11200"/>
+                    </a14:imgEffect>
+                  </a14:imgLayer>
+                </a14:imgProps>
+              </a:ext>
+              <a:ext uri="{28A0092B-C50C-407E-A947-70E740481C1C}">
+                <a14:useLocalDpi xmlns:a14="http://schemas.microsoft.com/office/drawing/2010/main" val="0"/>
+              </a:ext>
+            </a:extLst>
+          </a:blip>
+          <a:srcRect/>
+          <a:stretch>
+            <a:fillRect/>
+          </a:stretch>
+        </p:blipFill>
+        <p:spPr bwMode="auto">
+          <a:xfrm>
+            <a:off x="946872" y="1578552"/>
+            <a:ext cx="4257675" cy="1933575"/>
+          </a:xfrm>
+          <a:prstGeom prst="rect">
+            <a:avLst/>
+          </a:prstGeom>
+          <a:ln>
+            <a:noFill/>
+          </a:ln>
+          <a:effectLst>
+            <a:outerShdw blurRad="190500" algn="tl" rotWithShape="0">
+              <a:srgbClr val="000000">
+                <a:alpha val="70000"/>
+              </a:srgbClr>
+            </a:outerShdw>
+          </a:effectLst>
+          <a:extLst>
+            <a:ext uri="{909E8E84-426E-40DD-AFC4-6F175D3DCCD1}">
+              <a14:hiddenFill xmlns:a14="http://schemas.microsoft.com/office/drawing/2010/main">
+                <a:solidFill>
+                  <a:schemeClr val="accent1"/>
+                </a:solidFill>
+              </a14:hiddenFill>
+            </a:ext>
+            <a:ext uri="{91240B29-F687-4F45-9708-019B960494DF}">
+              <a14:hiddenLine xmlns:a14="http://schemas.microsoft.com/office/drawing/2010/main" w="9525">
+                <a:solidFill>
+                  <a:schemeClr val="tx1"/>
+                </a:solidFill>
+                <a:miter lim="800000"/>
+                <a:headEnd/>
+                <a:tailEnd/>
+              </a14:hiddenLine>
+            </a:ext>
+          </a:extLst>
         </p:spPr>
       </p:pic>
     </p:spTree>
     <p:extLst>
       <p:ext uri="{BB962C8B-B14F-4D97-AF65-F5344CB8AC3E}">
-        <p14:creationId xmlns:p14="http://schemas.microsoft.com/office/powerpoint/2010/main" val="1934117337"/>
+        <p14:creationId xmlns:p14="http://schemas.microsoft.com/office/powerpoint/2010/main" val="417672656"/>
       </p:ext>
     </p:extLst>
   </p:cSld>
@@ -4984,7 +10570,136 @@
   <p:timing>
     <p:tnLst>
       <p:par>
-        <p:cTn id="1" dur="indefinite" restart="never" nodeType="tmRoot"/>
+        <p:cTn id="1" dur="indefinite" restart="never" nodeType="tmRoot">
+          <p:childTnLst>
+            <p:seq concurrent="1" nextAc="seek">
+              <p:cTn id="2" dur="indefinite" nodeType="mainSeq">
+                <p:childTnLst>
+                  <p:par>
+                    <p:cTn id="3" fill="hold">
+                      <p:stCondLst>
+                        <p:cond delay="indefinite"/>
+                      </p:stCondLst>
+                      <p:childTnLst>
+                        <p:par>
+                          <p:cTn id="4" fill="hold">
+                            <p:stCondLst>
+                              <p:cond delay="0"/>
+                            </p:stCondLst>
+                            <p:childTnLst>
+                              <p:par>
+                                <p:cTn id="5" presetID="10" presetClass="entr" presetSubtype="0" fill="hold" nodeType="clickEffect">
+                                  <p:stCondLst>
+                                    <p:cond delay="0"/>
+                                  </p:stCondLst>
+                                  <p:childTnLst>
+                                    <p:set>
+                                      <p:cBhvr>
+                                        <p:cTn id="6" dur="1" fill="hold">
+                                          <p:stCondLst>
+                                            <p:cond delay="0"/>
+                                          </p:stCondLst>
+                                        </p:cTn>
+                                        <p:tgtEl>
+                                          <p:spTgt spid="5125"/>
+                                        </p:tgtEl>
+                                        <p:attrNameLst>
+                                          <p:attrName>style.visibility</p:attrName>
+                                        </p:attrNameLst>
+                                      </p:cBhvr>
+                                      <p:to>
+                                        <p:strVal val="visible"/>
+                                      </p:to>
+                                    </p:set>
+                                    <p:animEffect transition="in" filter="fade">
+                                      <p:cBhvr>
+                                        <p:cTn id="7" dur="500"/>
+                                        <p:tgtEl>
+                                          <p:spTgt spid="5125"/>
+                                        </p:tgtEl>
+                                      </p:cBhvr>
+                                    </p:animEffect>
+                                  </p:childTnLst>
+                                </p:cTn>
+                              </p:par>
+                            </p:childTnLst>
+                          </p:cTn>
+                        </p:par>
+                      </p:childTnLst>
+                    </p:cTn>
+                  </p:par>
+                  <p:par>
+                    <p:cTn id="8" fill="hold">
+                      <p:stCondLst>
+                        <p:cond delay="indefinite"/>
+                      </p:stCondLst>
+                      <p:childTnLst>
+                        <p:par>
+                          <p:cTn id="9" fill="hold">
+                            <p:stCondLst>
+                              <p:cond delay="0"/>
+                            </p:stCondLst>
+                            <p:childTnLst>
+                              <p:par>
+                                <p:cTn id="10" presetID="10" presetClass="entr" presetSubtype="0" fill="hold" nodeType="clickEffect">
+                                  <p:stCondLst>
+                                    <p:cond delay="0"/>
+                                  </p:stCondLst>
+                                  <p:childTnLst>
+                                    <p:set>
+                                      <p:cBhvr>
+                                        <p:cTn id="11" dur="1" fill="hold">
+                                          <p:stCondLst>
+                                            <p:cond delay="0"/>
+                                          </p:stCondLst>
+                                        </p:cTn>
+                                        <p:tgtEl>
+                                          <p:spTgt spid="5124"/>
+                                        </p:tgtEl>
+                                        <p:attrNameLst>
+                                          <p:attrName>style.visibility</p:attrName>
+                                        </p:attrNameLst>
+                                      </p:cBhvr>
+                                      <p:to>
+                                        <p:strVal val="visible"/>
+                                      </p:to>
+                                    </p:set>
+                                    <p:animEffect transition="in" filter="fade">
+                                      <p:cBhvr>
+                                        <p:cTn id="12" dur="500"/>
+                                        <p:tgtEl>
+                                          <p:spTgt spid="5124"/>
+                                        </p:tgtEl>
+                                      </p:cBhvr>
+                                    </p:animEffect>
+                                  </p:childTnLst>
+                                </p:cTn>
+                              </p:par>
+                            </p:childTnLst>
+                          </p:cTn>
+                        </p:par>
+                      </p:childTnLst>
+                    </p:cTn>
+                  </p:par>
+                </p:childTnLst>
+              </p:cTn>
+              <p:prevCondLst>
+                <p:cond evt="onPrev" delay="0">
+                  <p:tgtEl>
+                    <p:sldTgt/>
+                  </p:tgtEl>
+                </p:cond>
+              </p:prevCondLst>
+              <p:nextCondLst>
+                <p:cond evt="onNext" delay="0">
+                  <p:tgtEl>
+                    <p:sldTgt/>
+                  </p:tgtEl>
+                </p:cond>
+              </p:nextCondLst>
+            </p:seq>
+          </p:childTnLst>
+        </p:cTn>
       </p:par>
     </p:tnLst>
   </p:timing>
@@ -5025,7 +10740,7 @@
           <a:p>
             <a:r>
               <a:rPr lang="en-US" dirty="0" smtClean="0"/>
-              <a:t>Templates</a:t>
+              <a:t>Spread Operator</a:t>
             </a:r>
             <a:endParaRPr lang="en-US" dirty="0"/>
           </a:p>
@@ -5052,56 +10767,77 @@
       </p:sp>
       <p:pic>
         <p:nvPicPr>
-          <p:cNvPr id="5" name="Picture 4"/>
+          <p:cNvPr id="6146" name="Picture 2"/>
           <p:cNvPicPr>
-            <a:picLocks noChangeAspect="1"/>
+            <a:picLocks noChangeAspect="1" noChangeArrowheads="1"/>
           </p:cNvPicPr>
           <p:nvPr/>
         </p:nvPicPr>
         <p:blipFill>
-          <a:blip r:embed="rId2"/>
+          <a:blip r:embed="rId2">
+            <a:extLst>
+              <a:ext uri="{BEBA8EAE-BF5A-486C-A8C5-ECC9F3942E4B}">
+                <a14:imgProps xmlns:a14="http://schemas.microsoft.com/office/drawing/2010/main">
+                  <a14:imgLayer r:embed="rId3">
+                    <a14:imgEffect>
+                      <a14:colorTemperature colorTemp="11200"/>
+                    </a14:imgEffect>
+                  </a14:imgLayer>
+                </a14:imgProps>
+              </a:ext>
+              <a:ext uri="{28A0092B-C50C-407E-A947-70E740481C1C}">
+                <a14:useLocalDpi xmlns:a14="http://schemas.microsoft.com/office/drawing/2010/main" val="0"/>
+              </a:ext>
+            </a:extLst>
+          </a:blip>
+          <a:srcRect/>
           <a:stretch>
             <a:fillRect/>
           </a:stretch>
         </p:blipFill>
-        <p:spPr>
+        <p:spPr bwMode="auto">
           <a:xfrm>
-            <a:off x="432683" y="1563053"/>
-            <a:ext cx="4895850" cy="1495425"/>
+            <a:off x="2800350" y="2657475"/>
+            <a:ext cx="3543300" cy="1543050"/>
           </a:xfrm>
           <a:prstGeom prst="rect">
             <a:avLst/>
           </a:prstGeom>
-        </p:spPr>
-      </p:pic>
-      <p:pic>
-        <p:nvPicPr>
-          <p:cNvPr id="6" name="Picture 5"/>
-          <p:cNvPicPr>
-            <a:picLocks noChangeAspect="1"/>
-          </p:cNvPicPr>
-          <p:nvPr/>
-        </p:nvPicPr>
-        <p:blipFill>
-          <a:blip r:embed="rId3"/>
-          <a:stretch>
-            <a:fillRect/>
-          </a:stretch>
-        </p:blipFill>
-        <p:spPr>
-          <a:xfrm>
-            <a:off x="2333625" y="3204210"/>
-            <a:ext cx="6353175" cy="3200400"/>
-          </a:xfrm>
-          <a:prstGeom prst="rect">
-            <a:avLst/>
-          </a:prstGeom>
+          <a:ln>
+            <a:noFill/>
+          </a:ln>
+          <a:effectLst>
+            <a:outerShdw blurRad="190500" algn="tl" rotWithShape="0">
+              <a:srgbClr val="000000">
+                <a:alpha val="70000"/>
+              </a:srgbClr>
+            </a:outerShdw>
+          </a:effectLst>
+          <a:extLst>
+            <a:ext uri="{909E8E84-426E-40DD-AFC4-6F175D3DCCD1}">
+              <a14:hiddenFill xmlns:a14="http://schemas.microsoft.com/office/drawing/2010/main">
+                <a:solidFill>
+                  <a:schemeClr val="accent1"/>
+                </a:solidFill>
+              </a14:hiddenFill>
+            </a:ext>
+            <a:ext uri="{91240B29-F687-4F45-9708-019B960494DF}">
+              <a14:hiddenLine xmlns:a14="http://schemas.microsoft.com/office/drawing/2010/main" w="9525">
+                <a:solidFill>
+                  <a:schemeClr val="tx1"/>
+                </a:solidFill>
+                <a:miter lim="800000"/>
+                <a:headEnd/>
+                <a:tailEnd/>
+              </a14:hiddenLine>
+            </a:ext>
+          </a:extLst>
         </p:spPr>
       </p:pic>
     </p:spTree>
     <p:extLst>
       <p:ext uri="{BB962C8B-B14F-4D97-AF65-F5344CB8AC3E}">
-        <p14:creationId xmlns:p14="http://schemas.microsoft.com/office/powerpoint/2010/main" val="9393443"/>
+        <p14:creationId xmlns:p14="http://schemas.microsoft.com/office/powerpoint/2010/main" val="1070118680"/>
       </p:ext>
     </p:extLst>
   </p:cSld>
@@ -5114,7 +10850,83 @@
   <p:timing>
     <p:tnLst>
       <p:par>
-        <p:cTn id="1" dur="indefinite" restart="never" nodeType="tmRoot"/>
+        <p:cTn id="1" dur="indefinite" restart="never" nodeType="tmRoot">
+          <p:childTnLst>
+            <p:seq concurrent="1" nextAc="seek">
+              <p:cTn id="2" dur="indefinite" nodeType="mainSeq">
+                <p:childTnLst>
+                  <p:par>
+                    <p:cTn id="3" fill="hold">
+                      <p:stCondLst>
+                        <p:cond delay="indefinite"/>
+                      </p:stCondLst>
+                      <p:childTnLst>
+                        <p:par>
+                          <p:cTn id="4" fill="hold">
+                            <p:stCondLst>
+                              <p:cond delay="0"/>
+                            </p:stCondLst>
+                            <p:childTnLst>
+                              <p:par>
+                                <p:cTn id="5" presetID="10" presetClass="entr" presetSubtype="0" fill="hold" nodeType="clickEffect">
+                                  <p:stCondLst>
+                                    <p:cond delay="0"/>
+                                  </p:stCondLst>
+                                  <p:childTnLst>
+                                    <p:set>
+                                      <p:cBhvr>
+                                        <p:cTn id="6" dur="1" fill="hold">
+                                          <p:stCondLst>
+                                            <p:cond delay="0"/>
+                                          </p:stCondLst>
+                                        </p:cTn>
+                                        <p:tgtEl>
+                                          <p:spTgt spid="6146"/>
+                                        </p:tgtEl>
+                                        <p:attrNameLst>
+                                          <p:attrName>style.visibility</p:attrName>
+                                        </p:attrNameLst>
+                                      </p:cBhvr>
+                                      <p:to>
+                                        <p:strVal val="visible"/>
+                                      </p:to>
+                                    </p:set>
+                                    <p:animEffect transition="in" filter="fade">
+                                      <p:cBhvr>
+                                        <p:cTn id="7" dur="500"/>
+                                        <p:tgtEl>
+                                          <p:spTgt spid="6146"/>
+                                        </p:tgtEl>
+                                      </p:cBhvr>
+                                    </p:animEffect>
+                                  </p:childTnLst>
+                                </p:cTn>
+                              </p:par>
+                            </p:childTnLst>
+                          </p:cTn>
+                        </p:par>
+                      </p:childTnLst>
+                    </p:cTn>
+                  </p:par>
+                </p:childTnLst>
+              </p:cTn>
+              <p:prevCondLst>
+                <p:cond evt="onPrev" delay="0">
+                  <p:tgtEl>
+                    <p:sldTgt/>
+                  </p:tgtEl>
+                </p:cond>
+              </p:prevCondLst>
+              <p:nextCondLst>
+                <p:cond evt="onNext" delay="0">
+                  <p:tgtEl>
+                    <p:sldTgt/>
+                  </p:tgtEl>
+                </p:cond>
+              </p:nextCondLst>
+            </p:seq>
+          </p:childTnLst>
+        </p:cTn>
       </p:par>
     </p:tnLst>
   </p:timing>

--- a/angularjs/slides/11_es6.pptx
+++ b/angularjs/slides/11_es6.pptx
@@ -297,7 +297,7 @@
               <a:pPr>
                 <a:defRPr/>
               </a:pPr>
-              <a:t>9/29/2014</a:t>
+              <a:t>5/13/2015</a:t>
             </a:fld>
             <a:endParaRPr lang="en-US"/>
           </a:p>
@@ -2562,23 +2562,20 @@
             <a:pPr marL="0" indent="0" defTabSz="914400"/>
             <a:r>
               <a:rPr lang="en-US" dirty="0" smtClean="0"/>
-              <a:t>ECMAScript 6</a:t>
+              <a:t>ECMAScript </a:t>
+            </a:r>
+            <a:r>
+              <a:rPr lang="en-US" dirty="0" smtClean="0"/>
+              <a:t>2015</a:t>
             </a:r>
             <a:br>
               <a:rPr lang="en-US" dirty="0" smtClean="0"/>
             </a:br>
             <a:r>
-              <a:rPr lang="en-US" dirty="0" smtClean="0"/>
-              <a:t>(JavaScript </a:t>
+              <a:rPr lang="en-US" sz="1800" dirty="0" smtClean="0"/>
+              <a:t>(the language formerly known as ECMAScript 6)</a:t>
             </a:r>
-            <a:r>
-              <a:rPr lang="en-US" dirty="0" err="1" smtClean="0"/>
-              <a:t>v.next</a:t>
-            </a:r>
-            <a:r>
-              <a:rPr lang="en-US" dirty="0" smtClean="0"/>
-              <a:t>)</a:t>
-            </a:r>
+            <a:endParaRPr lang="en-US" sz="1800" dirty="0" smtClean="0"/>
           </a:p>
         </p:txBody>
       </p:sp>
@@ -3284,13 +3281,13 @@
   <p:clrMapOvr>
     <a:masterClrMapping/>
   </p:clrMapOvr>
-  <mc:AlternateContent xmlns:mc="http://schemas.openxmlformats.org/markup-compatibility/2006">
-    <mc:Choice xmlns:p14="http://schemas.microsoft.com/office/powerpoint/2010/main" Requires="p14">
+  <mc:AlternateContent xmlns:mc="http://schemas.openxmlformats.org/markup-compatibility/2006" xmlns:p14="http://schemas.microsoft.com/office/powerpoint/2010/main">
+    <mc:Choice Requires="p14">
       <p:transition spd="med" p14:dur="700">
         <p:fade/>
       </p:transition>
     </mc:Choice>
-    <mc:Fallback>
+    <mc:Fallback xmlns="">
       <p:transition spd="med">
         <p:fade/>
       </p:transition>
@@ -4014,13 +4011,13 @@
   <p:clrMapOvr>
     <a:masterClrMapping/>
   </p:clrMapOvr>
-  <mc:AlternateContent xmlns:mc="http://schemas.openxmlformats.org/markup-compatibility/2006">
-    <mc:Choice xmlns:p14="http://schemas.microsoft.com/office/powerpoint/2010/main" Requires="p14">
+  <mc:AlternateContent xmlns:mc="http://schemas.openxmlformats.org/markup-compatibility/2006" xmlns:p14="http://schemas.microsoft.com/office/powerpoint/2010/main">
+    <mc:Choice Requires="p14">
       <p:transition spd="med" p14:dur="700">
         <p:fade/>
       </p:transition>
     </mc:Choice>
-    <mc:Fallback>
+    <mc:Fallback xmlns="">
       <p:transition spd="med">
         <p:fade/>
       </p:transition>
@@ -4471,13 +4468,13 @@
   <p:clrMapOvr>
     <a:masterClrMapping/>
   </p:clrMapOvr>
-  <mc:AlternateContent xmlns:mc="http://schemas.openxmlformats.org/markup-compatibility/2006">
-    <mc:Choice xmlns:p14="http://schemas.microsoft.com/office/powerpoint/2010/main" Requires="p14">
+  <mc:AlternateContent xmlns:mc="http://schemas.openxmlformats.org/markup-compatibility/2006" xmlns:p14="http://schemas.microsoft.com/office/powerpoint/2010/main">
+    <mc:Choice Requires="p14">
       <p:transition spd="med" p14:dur="700">
         <p:fade/>
       </p:transition>
     </mc:Choice>
-    <mc:Fallback>
+    <mc:Fallback xmlns="">
       <p:transition spd="med">
         <p:fade/>
       </p:transition>
@@ -4681,13 +4678,13 @@
   <p:clrMapOvr>
     <a:masterClrMapping/>
   </p:clrMapOvr>
-  <mc:AlternateContent xmlns:mc="http://schemas.openxmlformats.org/markup-compatibility/2006">
-    <mc:Choice xmlns:p14="http://schemas.microsoft.com/office/powerpoint/2010/main" Requires="p14">
+  <mc:AlternateContent xmlns:mc="http://schemas.openxmlformats.org/markup-compatibility/2006" xmlns:p14="http://schemas.microsoft.com/office/powerpoint/2010/main">
+    <mc:Choice Requires="p14">
       <p:transition spd="med" p14:dur="700">
         <p:fade/>
       </p:transition>
     </mc:Choice>
-    <mc:Fallback>
+    <mc:Fallback xmlns="">
       <p:transition spd="med">
         <p:fade/>
       </p:transition>
@@ -9287,7 +9284,20 @@
           <a:p>
             <a:r>
               <a:rPr lang="en-US" dirty="0" smtClean="0"/>
-              <a:t>ES6 is the future!</a:t>
+              <a:t>ES6 is the future</a:t>
+            </a:r>
+            <a:r>
+              <a:rPr lang="en-US" dirty="0" smtClean="0"/>
+              <a:t>!</a:t>
+            </a:r>
+          </a:p>
+          <a:p>
+            <a:endParaRPr lang="en-US" dirty="0"/>
+          </a:p>
+          <a:p>
+            <a:r>
+              <a:rPr lang="en-US" dirty="0" smtClean="0"/>
+              <a:t>scott@OdeToCode.com</a:t>
             </a:r>
             <a:endParaRPr lang="en-US" dirty="0"/>
           </a:p>
@@ -9316,7 +9326,7 @@
         </p:blipFill>
         <p:spPr bwMode="auto">
           <a:xfrm>
-            <a:off x="3276600" y="2286000"/>
+            <a:off x="4724400" y="4610100"/>
             <a:ext cx="2286000" cy="1714500"/>
           </a:xfrm>
           <a:prstGeom prst="rect">

--- a/angularjs/slides/11_es6.pptx
+++ b/angularjs/slides/11_es6.pptx
@@ -15,52 +15,52 @@
   <p:sldIdLst>
     <p:sldId id="327" r:id="rId4"/>
     <p:sldId id="381" r:id="rId5"/>
-    <p:sldId id="328" r:id="rId6"/>
-    <p:sldId id="387" r:id="rId7"/>
-    <p:sldId id="384" r:id="rId8"/>
-    <p:sldId id="385" r:id="rId9"/>
-    <p:sldId id="350" r:id="rId10"/>
-    <p:sldId id="386" r:id="rId11"/>
-    <p:sldId id="351" r:id="rId12"/>
-    <p:sldId id="352" r:id="rId13"/>
-    <p:sldId id="388" r:id="rId14"/>
-    <p:sldId id="389" r:id="rId15"/>
-    <p:sldId id="390" r:id="rId16"/>
-    <p:sldId id="391" r:id="rId17"/>
-    <p:sldId id="392" r:id="rId18"/>
-    <p:sldId id="393" r:id="rId19"/>
-    <p:sldId id="394" r:id="rId20"/>
-    <p:sldId id="395" r:id="rId21"/>
-    <p:sldId id="396" r:id="rId22"/>
-    <p:sldId id="398" r:id="rId23"/>
-    <p:sldId id="397" r:id="rId24"/>
-    <p:sldId id="399" r:id="rId25"/>
-    <p:sldId id="400" r:id="rId26"/>
-    <p:sldId id="402" r:id="rId27"/>
-    <p:sldId id="401" r:id="rId28"/>
-    <p:sldId id="403" r:id="rId29"/>
-    <p:sldId id="404" r:id="rId30"/>
-    <p:sldId id="405" r:id="rId31"/>
-    <p:sldId id="406" r:id="rId32"/>
-    <p:sldId id="407" r:id="rId33"/>
-    <p:sldId id="408" r:id="rId34"/>
-    <p:sldId id="409" r:id="rId35"/>
-    <p:sldId id="410" r:id="rId36"/>
-    <p:sldId id="411" r:id="rId37"/>
-    <p:sldId id="412" r:id="rId38"/>
-    <p:sldId id="413" r:id="rId39"/>
-    <p:sldId id="414" r:id="rId40"/>
-    <p:sldId id="415" r:id="rId41"/>
-    <p:sldId id="418" r:id="rId42"/>
-    <p:sldId id="416" r:id="rId43"/>
-    <p:sldId id="417" r:id="rId44"/>
-    <p:sldId id="419" r:id="rId45"/>
-    <p:sldId id="420" r:id="rId46"/>
-    <p:sldId id="421" r:id="rId47"/>
-    <p:sldId id="329" r:id="rId48"/>
-    <p:sldId id="422" r:id="rId49"/>
-    <p:sldId id="423" r:id="rId50"/>
-    <p:sldId id="382" r:id="rId51"/>
+    <p:sldId id="424" r:id="rId6"/>
+    <p:sldId id="328" r:id="rId7"/>
+    <p:sldId id="387" r:id="rId8"/>
+    <p:sldId id="384" r:id="rId9"/>
+    <p:sldId id="385" r:id="rId10"/>
+    <p:sldId id="350" r:id="rId11"/>
+    <p:sldId id="386" r:id="rId12"/>
+    <p:sldId id="351" r:id="rId13"/>
+    <p:sldId id="352" r:id="rId14"/>
+    <p:sldId id="388" r:id="rId15"/>
+    <p:sldId id="389" r:id="rId16"/>
+    <p:sldId id="390" r:id="rId17"/>
+    <p:sldId id="391" r:id="rId18"/>
+    <p:sldId id="392" r:id="rId19"/>
+    <p:sldId id="393" r:id="rId20"/>
+    <p:sldId id="394" r:id="rId21"/>
+    <p:sldId id="395" r:id="rId22"/>
+    <p:sldId id="396" r:id="rId23"/>
+    <p:sldId id="398" r:id="rId24"/>
+    <p:sldId id="397" r:id="rId25"/>
+    <p:sldId id="399" r:id="rId26"/>
+    <p:sldId id="400" r:id="rId27"/>
+    <p:sldId id="402" r:id="rId28"/>
+    <p:sldId id="401" r:id="rId29"/>
+    <p:sldId id="403" r:id="rId30"/>
+    <p:sldId id="404" r:id="rId31"/>
+    <p:sldId id="405" r:id="rId32"/>
+    <p:sldId id="406" r:id="rId33"/>
+    <p:sldId id="407" r:id="rId34"/>
+    <p:sldId id="408" r:id="rId35"/>
+    <p:sldId id="409" r:id="rId36"/>
+    <p:sldId id="410" r:id="rId37"/>
+    <p:sldId id="411" r:id="rId38"/>
+    <p:sldId id="412" r:id="rId39"/>
+    <p:sldId id="413" r:id="rId40"/>
+    <p:sldId id="414" r:id="rId41"/>
+    <p:sldId id="415" r:id="rId42"/>
+    <p:sldId id="418" r:id="rId43"/>
+    <p:sldId id="416" r:id="rId44"/>
+    <p:sldId id="417" r:id="rId45"/>
+    <p:sldId id="419" r:id="rId46"/>
+    <p:sldId id="420" r:id="rId47"/>
+    <p:sldId id="421" r:id="rId48"/>
+    <p:sldId id="329" r:id="rId49"/>
+    <p:sldId id="422" r:id="rId50"/>
+    <p:sldId id="423" r:id="rId51"/>
     <p:sldId id="383" r:id="rId52"/>
   </p:sldIdLst>
   <p:sldSz cx="9144000" cy="6858000" type="screen4x3"/>
@@ -369,7 +369,6 @@
           <c:smooth val="0"/>
         </c:ser>
         <c:dLbls>
-          <c:dLblPos val="ctr"/>
           <c:showLegendKey val="0"/>
           <c:showVal val="0"/>
           <c:showCatName val="0"/>
@@ -378,11 +377,11 @@
           <c:showBubbleSize val="0"/>
         </c:dLbls>
         <c:smooth val="0"/>
-        <c:axId val="434550464"/>
-        <c:axId val="434551640"/>
+        <c:axId val="-1607466448"/>
+        <c:axId val="-1607467536"/>
       </c:lineChart>
       <c:catAx>
-        <c:axId val="434550464"/>
+        <c:axId val="-1607466448"/>
         <c:scaling>
           <c:orientation val="minMax"/>
         </c:scaling>
@@ -425,7 +424,7 @@
             <a:endParaRPr lang="en-US"/>
           </a:p>
         </c:txPr>
-        <c:crossAx val="434551640"/>
+        <c:crossAx val="-1607467536"/>
         <c:crosses val="autoZero"/>
         <c:auto val="1"/>
         <c:lblAlgn val="ctr"/>
@@ -433,7 +432,7 @@
         <c:noMultiLvlLbl val="0"/>
       </c:catAx>
       <c:valAx>
-        <c:axId val="434551640"/>
+        <c:axId val="-1607467536"/>
         <c:scaling>
           <c:orientation val="minMax"/>
         </c:scaling>
@@ -484,7 +483,7 @@
             <a:endParaRPr lang="en-US"/>
           </a:p>
         </c:txPr>
-        <c:crossAx val="434550464"/>
+        <c:crossAx val="-1607466448"/>
         <c:crosses val="autoZero"/>
         <c:crossBetween val="between"/>
       </c:valAx>
@@ -1170,7 +1169,7 @@
               <a:pPr>
                 <a:defRPr/>
               </a:pPr>
-              <a:t>10/13/2015</a:t>
+              <a:t>10/16/2015</a:t>
             </a:fld>
             <a:endParaRPr lang="en-US"/>
           </a:p>
@@ -2019,7 +2018,7 @@
                 </a:solidFill>
               </a:rPr>
               <a:pPr/>
-              <a:t>10/13/2015</a:t>
+              <a:t>10/16/2015</a:t>
             </a:fld>
             <a:endParaRPr lang="en-US" dirty="0">
               <a:solidFill>
@@ -2101,7 +2100,12 @@
             <p:ph type="sldImg"/>
           </p:nvPr>
         </p:nvSpPr>
-        <p:spPr/>
+        <p:spPr>
+          <a:xfrm>
+            <a:off x="1143000" y="685800"/>
+            <a:ext cx="4572000" cy="3429000"/>
+          </a:xfrm>
+        </p:spPr>
       </p:sp>
       <p:sp>
         <p:nvSpPr>
@@ -2124,12 +2128,12 @@
       </p:sp>
       <p:sp>
         <p:nvSpPr>
-          <p:cNvPr id="4" name="Slide Number Placeholder 3"/>
+          <p:cNvPr id="4" name="Header Placeholder 3"/>
           <p:cNvSpPr>
             <a:spLocks noGrp="1"/>
           </p:cNvSpPr>
           <p:nvPr>
-            <p:ph type="sldNum" sz="quarter" idx="10"/>
+            <p:ph type="hdr" sz="quarter" idx="10"/>
           </p:nvPr>
         </p:nvSpPr>
         <p:spPr/>
@@ -2137,24 +2141,188 @@
           <a:bodyPr/>
           <a:lstStyle/>
           <a:p>
-            <a:pPr>
-              <a:defRPr/>
+            <a:r>
+              <a:rPr lang="en-US" smtClean="0">
+                <a:solidFill>
+                  <a:prstClr val="black"/>
+                </a:solidFill>
+              </a:rPr>
+              <a:t>SPC2012 – IT Pro</a:t>
+            </a:r>
+            <a:endParaRPr lang="en-US" dirty="0">
+              <a:solidFill>
+                <a:prstClr val="black"/>
+              </a:solidFill>
+            </a:endParaRPr>
+          </a:p>
+        </p:txBody>
+      </p:sp>
+      <p:sp>
+        <p:nvSpPr>
+          <p:cNvPr id="5" name="Footer Placeholder 4"/>
+          <p:cNvSpPr>
+            <a:spLocks noGrp="1"/>
+          </p:cNvSpPr>
+          <p:nvPr>
+            <p:ph type="ftr" sz="quarter" idx="11"/>
+          </p:nvPr>
+        </p:nvSpPr>
+        <p:spPr>
+          <a:xfrm>
+            <a:off x="0" y="8686800"/>
+            <a:ext cx="5920740" cy="355964"/>
+          </a:xfrm>
+          <a:prstGeom prst="rect">
+            <a:avLst/>
+          </a:prstGeom>
+        </p:spPr>
+        <p:txBody>
+          <a:bodyPr/>
+          <a:lstStyle/>
+          <a:p>
+            <a:pPr algn="l" defTabSz="914099" fontAlgn="auto">
+              <a:spcBef>
+                <a:spcPts val="0"/>
+              </a:spcBef>
+              <a:spcAft>
+                <a:spcPts val="0"/>
+              </a:spcAft>
             </a:pPr>
-            <a:fld id="{11D29CD3-EA91-4B07-8041-33A63E8C46BA}" type="slidenum">
-              <a:rPr lang="en-US" smtClean="0"/>
-              <a:pPr>
-                <a:defRPr/>
-              </a:pPr>
+            <a:r>
+              <a:rPr lang="en-US" sz="400" b="0" smtClean="0">
+                <a:gradFill>
+                  <a:gsLst>
+                    <a:gs pos="0">
+                      <a:prstClr val="black"/>
+                    </a:gs>
+                    <a:gs pos="100000">
+                      <a:prstClr val="black"/>
+                    </a:gs>
+                  </a:gsLst>
+                  <a:lin ang="5400000" scaled="0"/>
+                </a:gradFill>
+                <a:latin typeface="Segoe UI" pitchFamily="34" charset="0"/>
+                <a:ea typeface="Segoe UI" pitchFamily="34" charset="0"/>
+                <a:cs typeface="Segoe UI" pitchFamily="34" charset="0"/>
+              </a:rPr>
+              <a:t>© 2012 Microsoft Corporation. All rights reserved. Microsoft, Windows, and other product names are or may be registered trademarks and/or trademarks in the U.S. and/or other countries.</a:t>
+            </a:r>
+          </a:p>
+          <a:p>
+            <a:pPr algn="l" defTabSz="914099" fontAlgn="auto">
+              <a:spcBef>
+                <a:spcPts val="0"/>
+              </a:spcBef>
+              <a:spcAft>
+                <a:spcPts val="0"/>
+              </a:spcAft>
+            </a:pPr>
+            <a:r>
+              <a:rPr lang="en-US" sz="400" b="0" smtClean="0">
+                <a:gradFill>
+                  <a:gsLst>
+                    <a:gs pos="0">
+                      <a:prstClr val="black"/>
+                    </a:gs>
+                    <a:gs pos="100000">
+                      <a:prstClr val="black"/>
+                    </a:gs>
+                  </a:gsLst>
+                  <a:lin ang="5400000" scaled="0"/>
+                </a:gradFill>
+                <a:latin typeface="Segoe UI" pitchFamily="34" charset="0"/>
+                <a:ea typeface="Segoe UI" pitchFamily="34" charset="0"/>
+                <a:cs typeface="Segoe UI" pitchFamily="34" charset="0"/>
+              </a:rPr>
+              <a:t>The information herein is for informational purposes only and represents the current view of Microsoft Corporation as of the date of this presentation.  Because Microsoft must respond to changing market conditions, it should not be interpreted to be a commitment on the part of Microsoft, and Microsoft cannot guarantee the accuracy of any information provided after the date of this presentation.  MICROSOFT MAKES NO WARRANTIES, EXPRESS, IMPLIED OR STATUTORY, AS TO THE INFORMATION IN THIS PRESENTATION.</a:t>
+            </a:r>
+            <a:endParaRPr lang="en-US" sz="400" b="0" dirty="0" smtClean="0">
+              <a:gradFill>
+                <a:gsLst>
+                  <a:gs pos="0">
+                    <a:prstClr val="black"/>
+                  </a:gs>
+                  <a:gs pos="100000">
+                    <a:prstClr val="black"/>
+                  </a:gs>
+                </a:gsLst>
+                <a:lin ang="5400000" scaled="0"/>
+              </a:gradFill>
+              <a:latin typeface="Segoe UI" pitchFamily="34" charset="0"/>
+              <a:ea typeface="Segoe UI" pitchFamily="34" charset="0"/>
+              <a:cs typeface="Segoe UI" pitchFamily="34" charset="0"/>
+            </a:endParaRPr>
+          </a:p>
+        </p:txBody>
+      </p:sp>
+      <p:sp>
+        <p:nvSpPr>
+          <p:cNvPr id="6" name="Date Placeholder 5"/>
+          <p:cNvSpPr>
+            <a:spLocks noGrp="1"/>
+          </p:cNvSpPr>
+          <p:nvPr>
+            <p:ph type="dt" idx="12"/>
+          </p:nvPr>
+        </p:nvSpPr>
+        <p:spPr/>
+        <p:txBody>
+          <a:bodyPr/>
+          <a:lstStyle/>
+          <a:p>
+            <a:fld id="{ED67F6FF-BEBC-44EA-BF30-EFC560EE62EB}" type="datetime1">
+              <a:rPr lang="en-US" smtClean="0">
+                <a:solidFill>
+                  <a:prstClr val="black"/>
+                </a:solidFill>
+              </a:rPr>
+              <a:pPr/>
+              <a:t>10/16/2015</a:t>
+            </a:fld>
+            <a:endParaRPr lang="en-US" dirty="0">
+              <a:solidFill>
+                <a:prstClr val="black"/>
+              </a:solidFill>
+            </a:endParaRPr>
+          </a:p>
+        </p:txBody>
+      </p:sp>
+      <p:sp>
+        <p:nvSpPr>
+          <p:cNvPr id="7" name="Slide Number Placeholder 6"/>
+          <p:cNvSpPr>
+            <a:spLocks noGrp="1"/>
+          </p:cNvSpPr>
+          <p:nvPr>
+            <p:ph type="sldNum" sz="quarter" idx="13"/>
+          </p:nvPr>
+        </p:nvSpPr>
+        <p:spPr/>
+        <p:txBody>
+          <a:bodyPr/>
+          <a:lstStyle/>
+          <a:p>
+            <a:fld id="{B4008EB6-D09E-4580-8CD6-DDB14511944F}" type="slidenum">
+              <a:rPr lang="en-US" smtClean="0">
+                <a:solidFill>
+                  <a:prstClr val="black"/>
+                </a:solidFill>
+              </a:rPr>
+              <a:pPr/>
               <a:t>3</a:t>
             </a:fld>
-            <a:endParaRPr lang="en-US"/>
+            <a:endParaRPr lang="en-US" dirty="0">
+              <a:solidFill>
+                <a:prstClr val="black"/>
+              </a:solidFill>
+            </a:endParaRPr>
           </a:p>
         </p:txBody>
       </p:sp>
     </p:spTree>
     <p:extLst>
       <p:ext uri="{BB962C8B-B14F-4D97-AF65-F5344CB8AC3E}">
-        <p14:creationId xmlns:p14="http://schemas.microsoft.com/office/powerpoint/2010/main" val="1450326518"/>
+        <p14:creationId xmlns:p14="http://schemas.microsoft.com/office/powerpoint/2010/main" val="239473478"/>
       </p:ext>
     </p:extLst>
   </p:cSld>
@@ -2191,12 +2359,7 @@
             <p:ph type="sldImg"/>
           </p:nvPr>
         </p:nvSpPr>
-        <p:spPr>
-          <a:xfrm>
-            <a:off x="1143000" y="685800"/>
-            <a:ext cx="4572000" cy="3429000"/>
-          </a:xfrm>
-        </p:spPr>
+        <p:spPr/>
       </p:sp>
       <p:sp>
         <p:nvSpPr>
@@ -2219,12 +2382,12 @@
       </p:sp>
       <p:sp>
         <p:nvSpPr>
-          <p:cNvPr id="4" name="Header Placeholder 3"/>
+          <p:cNvPr id="4" name="Slide Number Placeholder 3"/>
           <p:cNvSpPr>
             <a:spLocks noGrp="1"/>
           </p:cNvSpPr>
           <p:nvPr>
-            <p:ph type="hdr" sz="quarter" idx="10"/>
+            <p:ph type="sldNum" sz="quarter" idx="10"/>
           </p:nvPr>
         </p:nvSpPr>
         <p:spPr/>
@@ -2232,188 +2395,24 @@
           <a:bodyPr/>
           <a:lstStyle/>
           <a:p>
-            <a:r>
-              <a:rPr lang="en-US" smtClean="0">
-                <a:solidFill>
-                  <a:prstClr val="black"/>
-                </a:solidFill>
-              </a:rPr>
-              <a:t>SPC2012 – IT Pro</a:t>
-            </a:r>
-            <a:endParaRPr lang="en-US" dirty="0">
-              <a:solidFill>
-                <a:prstClr val="black"/>
-              </a:solidFill>
-            </a:endParaRPr>
-          </a:p>
-        </p:txBody>
-      </p:sp>
-      <p:sp>
-        <p:nvSpPr>
-          <p:cNvPr id="5" name="Footer Placeholder 4"/>
-          <p:cNvSpPr>
-            <a:spLocks noGrp="1"/>
-          </p:cNvSpPr>
-          <p:nvPr>
-            <p:ph type="ftr" sz="quarter" idx="11"/>
-          </p:nvPr>
-        </p:nvSpPr>
-        <p:spPr>
-          <a:xfrm>
-            <a:off x="0" y="8686800"/>
-            <a:ext cx="5920740" cy="355964"/>
-          </a:xfrm>
-          <a:prstGeom prst="rect">
-            <a:avLst/>
-          </a:prstGeom>
-        </p:spPr>
-        <p:txBody>
-          <a:bodyPr/>
-          <a:lstStyle/>
-          <a:p>
-            <a:pPr algn="l" defTabSz="914099" fontAlgn="auto">
-              <a:spcBef>
-                <a:spcPts val="0"/>
-              </a:spcBef>
-              <a:spcAft>
-                <a:spcPts val="0"/>
-              </a:spcAft>
+            <a:pPr>
+              <a:defRPr/>
             </a:pPr>
-            <a:r>
-              <a:rPr lang="en-US" sz="400" b="0" smtClean="0">
-                <a:gradFill>
-                  <a:gsLst>
-                    <a:gs pos="0">
-                      <a:prstClr val="black"/>
-                    </a:gs>
-                    <a:gs pos="100000">
-                      <a:prstClr val="black"/>
-                    </a:gs>
-                  </a:gsLst>
-                  <a:lin ang="5400000" scaled="0"/>
-                </a:gradFill>
-                <a:latin typeface="Segoe UI" pitchFamily="34" charset="0"/>
-                <a:ea typeface="Segoe UI" pitchFamily="34" charset="0"/>
-                <a:cs typeface="Segoe UI" pitchFamily="34" charset="0"/>
-              </a:rPr>
-              <a:t>© 2012 Microsoft Corporation. All rights reserved. Microsoft, Windows, and other product names are or may be registered trademarks and/or trademarks in the U.S. and/or other countries.</a:t>
-            </a:r>
-          </a:p>
-          <a:p>
-            <a:pPr algn="l" defTabSz="914099" fontAlgn="auto">
-              <a:spcBef>
-                <a:spcPts val="0"/>
-              </a:spcBef>
-              <a:spcAft>
-                <a:spcPts val="0"/>
-              </a:spcAft>
-            </a:pPr>
-            <a:r>
-              <a:rPr lang="en-US" sz="400" b="0" smtClean="0">
-                <a:gradFill>
-                  <a:gsLst>
-                    <a:gs pos="0">
-                      <a:prstClr val="black"/>
-                    </a:gs>
-                    <a:gs pos="100000">
-                      <a:prstClr val="black"/>
-                    </a:gs>
-                  </a:gsLst>
-                  <a:lin ang="5400000" scaled="0"/>
-                </a:gradFill>
-                <a:latin typeface="Segoe UI" pitchFamily="34" charset="0"/>
-                <a:ea typeface="Segoe UI" pitchFamily="34" charset="0"/>
-                <a:cs typeface="Segoe UI" pitchFamily="34" charset="0"/>
-              </a:rPr>
-              <a:t>The information herein is for informational purposes only and represents the current view of Microsoft Corporation as of the date of this presentation.  Because Microsoft must respond to changing market conditions, it should not be interpreted to be a commitment on the part of Microsoft, and Microsoft cannot guarantee the accuracy of any information provided after the date of this presentation.  MICROSOFT MAKES NO WARRANTIES, EXPRESS, IMPLIED OR STATUTORY, AS TO THE INFORMATION IN THIS PRESENTATION.</a:t>
-            </a:r>
-            <a:endParaRPr lang="en-US" sz="400" b="0" dirty="0" smtClean="0">
-              <a:gradFill>
-                <a:gsLst>
-                  <a:gs pos="0">
-                    <a:prstClr val="black"/>
-                  </a:gs>
-                  <a:gs pos="100000">
-                    <a:prstClr val="black"/>
-                  </a:gs>
-                </a:gsLst>
-                <a:lin ang="5400000" scaled="0"/>
-              </a:gradFill>
-              <a:latin typeface="Segoe UI" pitchFamily="34" charset="0"/>
-              <a:ea typeface="Segoe UI" pitchFamily="34" charset="0"/>
-              <a:cs typeface="Segoe UI" pitchFamily="34" charset="0"/>
-            </a:endParaRPr>
-          </a:p>
-        </p:txBody>
-      </p:sp>
-      <p:sp>
-        <p:nvSpPr>
-          <p:cNvPr id="6" name="Date Placeholder 5"/>
-          <p:cNvSpPr>
-            <a:spLocks noGrp="1"/>
-          </p:cNvSpPr>
-          <p:nvPr>
-            <p:ph type="dt" idx="12"/>
-          </p:nvPr>
-        </p:nvSpPr>
-        <p:spPr/>
-        <p:txBody>
-          <a:bodyPr/>
-          <a:lstStyle/>
-          <a:p>
-            <a:fld id="{ED67F6FF-BEBC-44EA-BF30-EFC560EE62EB}" type="datetime1">
-              <a:rPr lang="en-US" smtClean="0">
-                <a:solidFill>
-                  <a:prstClr val="black"/>
-                </a:solidFill>
-              </a:rPr>
-              <a:pPr/>
-              <a:t>10/13/2015</a:t>
+            <a:fld id="{11D29CD3-EA91-4B07-8041-33A63E8C46BA}" type="slidenum">
+              <a:rPr lang="en-US" smtClean="0"/>
+              <a:pPr>
+                <a:defRPr/>
+              </a:pPr>
+              <a:t>4</a:t>
             </a:fld>
-            <a:endParaRPr lang="en-US" dirty="0">
-              <a:solidFill>
-                <a:prstClr val="black"/>
-              </a:solidFill>
-            </a:endParaRPr>
-          </a:p>
-        </p:txBody>
-      </p:sp>
-      <p:sp>
-        <p:nvSpPr>
-          <p:cNvPr id="7" name="Slide Number Placeholder 6"/>
-          <p:cNvSpPr>
-            <a:spLocks noGrp="1"/>
-          </p:cNvSpPr>
-          <p:nvPr>
-            <p:ph type="sldNum" sz="quarter" idx="13"/>
-          </p:nvPr>
-        </p:nvSpPr>
-        <p:spPr/>
-        <p:txBody>
-          <a:bodyPr/>
-          <a:lstStyle/>
-          <a:p>
-            <a:fld id="{B4008EB6-D09E-4580-8CD6-DDB14511944F}" type="slidenum">
-              <a:rPr lang="en-US" smtClean="0">
-                <a:solidFill>
-                  <a:prstClr val="black"/>
-                </a:solidFill>
-              </a:rPr>
-              <a:pPr/>
-              <a:t>48</a:t>
-            </a:fld>
-            <a:endParaRPr lang="en-US" dirty="0">
-              <a:solidFill>
-                <a:prstClr val="black"/>
-              </a:solidFill>
-            </a:endParaRPr>
+            <a:endParaRPr lang="en-US"/>
           </a:p>
         </p:txBody>
       </p:sp>
     </p:spTree>
     <p:extLst>
       <p:ext uri="{BB962C8B-B14F-4D97-AF65-F5344CB8AC3E}">
-        <p14:creationId xmlns:p14="http://schemas.microsoft.com/office/powerpoint/2010/main" val="1151937368"/>
+        <p14:creationId xmlns:p14="http://schemas.microsoft.com/office/powerpoint/2010/main" val="1450326518"/>
       </p:ext>
     </p:extLst>
   </p:cSld>
@@ -3287,12 +3286,12 @@
   <p:extLst mod="1">
     <p:ext uri="{DCECCB84-F9BA-43D5-87BE-67443E8EF086}">
       <p15:sldGuideLst xmlns:p15="http://schemas.microsoft.com/office/powerpoint/2012/main">
-        <p15:guide id="4294967295" orient="horz" pos="2203">
+        <p15:guide id="1" orient="horz" pos="2203">
           <p15:clr>
             <a:srgbClr val="FBAE40"/>
           </p15:clr>
         </p15:guide>
-        <p15:guide id="4294967295" pos="2938">
+        <p15:guide id="2" pos="2938">
           <p15:clr>
             <a:srgbClr val="FBAE40"/>
           </p15:clr>
@@ -3378,12 +3377,12 @@
   <p:extLst mod="1">
     <p:ext uri="{DCECCB84-F9BA-43D5-87BE-67443E8EF086}">
       <p15:sldGuideLst xmlns:p15="http://schemas.microsoft.com/office/powerpoint/2012/main">
-        <p15:guide id="4294967295" orient="horz" pos="2203">
+        <p15:guide id="1" orient="horz" pos="2203">
           <p15:clr>
             <a:srgbClr val="FBAE40"/>
           </p15:clr>
         </p15:guide>
-        <p15:guide id="4294967295" pos="2938">
+        <p15:guide id="2" pos="2938">
           <p15:clr>
             <a:srgbClr val="FBAE40"/>
           </p15:clr>
@@ -3839,12 +3838,12 @@
   <p:extLst mod="1">
     <p:ext uri="{DCECCB84-F9BA-43D5-87BE-67443E8EF086}">
       <p15:sldGuideLst xmlns:p15="http://schemas.microsoft.com/office/powerpoint/2012/main">
-        <p15:guide id="4294967295" orient="horz" pos="2203">
+        <p15:guide id="1" orient="horz" pos="2203">
           <p15:clr>
             <a:srgbClr val="FBAE40"/>
           </p15:clr>
         </p15:guide>
-        <p15:guide id="4294967295" pos="2938">
+        <p15:guide id="2" pos="2938">
           <p15:clr>
             <a:srgbClr val="FBAE40"/>
           </p15:clr>
@@ -4252,12 +4251,12 @@
   <p:extLst mod="1">
     <p:ext uri="{DCECCB84-F9BA-43D5-87BE-67443E8EF086}">
       <p15:sldGuideLst xmlns:p15="http://schemas.microsoft.com/office/powerpoint/2012/main">
-        <p15:guide id="4294967295" orient="horz" pos="2203">
+        <p15:guide id="1" orient="horz" pos="2203">
           <p15:clr>
             <a:srgbClr val="FBAE40"/>
           </p15:clr>
         </p15:guide>
-        <p15:guide id="4294967295" pos="2938">
+        <p15:guide id="2" pos="2938">
           <p15:clr>
             <a:srgbClr val="FBAE40"/>
           </p15:clr>
@@ -6470,12 +6469,12 @@
   <p:extLst mod="1">
     <p:ext uri="{DCECCB84-F9BA-43D5-87BE-67443E8EF086}">
       <p15:sldGuideLst xmlns:p15="http://schemas.microsoft.com/office/powerpoint/2012/main">
-        <p15:guide id="4294967295" orient="horz" pos="2203">
+        <p15:guide id="1" orient="horz" pos="2203">
           <p15:clr>
             <a:srgbClr val="FBAE40"/>
           </p15:clr>
         </p15:guide>
-        <p15:guide id="4294967295" pos="2938">
+        <p15:guide id="2" pos="2938">
           <p15:clr>
             <a:srgbClr val="FBAE40"/>
           </p15:clr>
@@ -6561,12 +6560,12 @@
   <p:extLst mod="1">
     <p:ext uri="{DCECCB84-F9BA-43D5-87BE-67443E8EF086}">
       <p15:sldGuideLst xmlns:p15="http://schemas.microsoft.com/office/powerpoint/2012/main">
-        <p15:guide id="4294967295" orient="horz" pos="2203">
+        <p15:guide id="1" orient="horz" pos="2203">
           <p15:clr>
             <a:srgbClr val="FBAE40"/>
           </p15:clr>
         </p15:guide>
-        <p15:guide id="4294967295" pos="2938">
+        <p15:guide id="2" pos="2938">
           <p15:clr>
             <a:srgbClr val="FBAE40"/>
           </p15:clr>
@@ -7128,12 +7127,12 @@
   <p:extLst mod="1">
     <p:ext uri="{DCECCB84-F9BA-43D5-87BE-67443E8EF086}">
       <p15:sldGuideLst xmlns:p15="http://schemas.microsoft.com/office/powerpoint/2012/main">
-        <p15:guide id="4294967295" orient="horz" pos="2203">
+        <p15:guide id="1" orient="horz" pos="2203">
           <p15:clr>
             <a:srgbClr val="FBAE40"/>
           </p15:clr>
         </p15:guide>
-        <p15:guide id="4294967295" pos="2938">
+        <p15:guide id="2" pos="2938">
           <p15:clr>
             <a:srgbClr val="FBAE40"/>
           </p15:clr>
@@ -7369,12 +7368,12 @@
   <p:extLst mod="1">
     <p:ext uri="{DCECCB84-F9BA-43D5-87BE-67443E8EF086}">
       <p15:sldGuideLst xmlns:p15="http://schemas.microsoft.com/office/powerpoint/2012/main">
-        <p15:guide id="4294967295" orient="horz" pos="2203">
+        <p15:guide id="1" orient="horz" pos="2203">
           <p15:clr>
             <a:srgbClr val="FBAE40"/>
           </p15:clr>
         </p15:guide>
-        <p15:guide id="4294967295" pos="2938">
+        <p15:guide id="2" pos="2938">
           <p15:clr>
             <a:srgbClr val="FBAE40"/>
           </p15:clr>
@@ -10157,122 +10156,122 @@
   <p:extLst mod="1">
     <p:ext uri="{27BBF7A9-308A-43DC-89C8-2F10F3537804}">
       <p15:sldGuideLst xmlns:p15="http://schemas.microsoft.com/office/powerpoint/2012/main">
-        <p15:guide id="4294967295" pos="2938">
+        <p15:guide id="1" pos="2938">
           <p15:clr>
             <a:srgbClr val="F26B43"/>
           </p15:clr>
         </p15:guide>
-        <p15:guide id="4294967295" pos="5745">
+        <p15:guide id="2" pos="5745">
           <p15:clr>
             <a:srgbClr val="F26B43"/>
           </p15:clr>
         </p15:guide>
-        <p15:guide id="4294967295" pos="5313">
+        <p15:guide id="3" pos="5313">
           <p15:clr>
             <a:srgbClr val="F26B43"/>
           </p15:clr>
         </p15:guide>
-        <p15:guide id="4294967295" pos="4881">
+        <p15:guide id="4" pos="4881">
           <p15:clr>
             <a:srgbClr val="F26B43"/>
           </p15:clr>
         </p15:guide>
-        <p15:guide id="4294967295" pos="4449">
+        <p15:guide id="5" pos="4449">
           <p15:clr>
             <a:srgbClr val="F26B43"/>
           </p15:clr>
         </p15:guide>
-        <p15:guide id="4294967295" pos="4017">
+        <p15:guide id="6" pos="4017">
           <p15:clr>
             <a:srgbClr val="F26B43"/>
           </p15:clr>
         </p15:guide>
-        <p15:guide id="4294967295" pos="3585">
+        <p15:guide id="7" pos="3585">
           <p15:clr>
             <a:srgbClr val="F26B43"/>
           </p15:clr>
         </p15:guide>
-        <p15:guide id="4294967295" pos="3153">
+        <p15:guide id="8" pos="3153">
           <p15:clr>
             <a:srgbClr val="F26B43"/>
           </p15:clr>
         </p15:guide>
-        <p15:guide id="4294967295" pos="130">
+        <p15:guide id="9" pos="130">
           <p15:clr>
             <a:srgbClr val="F26B43"/>
           </p15:clr>
         </p15:guide>
-        <p15:guide id="4294967295" pos="562">
+        <p15:guide id="10" pos="562">
           <p15:clr>
             <a:srgbClr val="F26B43"/>
           </p15:clr>
         </p15:guide>
-        <p15:guide id="4294967295" pos="994">
+        <p15:guide id="11" pos="994">
           <p15:clr>
             <a:srgbClr val="F26B43"/>
           </p15:clr>
         </p15:guide>
-        <p15:guide id="4294967295" pos="1426">
+        <p15:guide id="12" pos="1426">
           <p15:clr>
             <a:srgbClr val="F26B43"/>
           </p15:clr>
         </p15:guide>
-        <p15:guide id="4294967295" pos="1858">
+        <p15:guide id="13" pos="1858">
           <p15:clr>
             <a:srgbClr val="F26B43"/>
           </p15:clr>
         </p15:guide>
-        <p15:guide id="4294967295" pos="2290">
+        <p15:guide id="14" pos="2290">
           <p15:clr>
             <a:srgbClr val="F26B43"/>
           </p15:clr>
         </p15:guide>
-        <p15:guide id="4294967295" pos="2722">
+        <p15:guide id="15" pos="2722">
           <p15:clr>
             <a:srgbClr val="F26B43"/>
           </p15:clr>
         </p15:guide>
-        <p15:guide id="4294967295" orient="horz" pos="2203">
+        <p15:guide id="16" orient="horz" pos="2203">
           <p15:clr>
             <a:srgbClr val="F26B43"/>
           </p15:clr>
         </p15:guide>
-        <p15:guide id="4294967295" orient="horz" pos="187">
+        <p15:guide id="17" orient="horz" pos="187">
           <p15:clr>
             <a:srgbClr val="F26B43"/>
           </p15:clr>
         </p15:guide>
-        <p15:guide id="4294967295" orient="horz" pos="763">
+        <p15:guide id="18" orient="horz" pos="763">
           <p15:clr>
             <a:srgbClr val="F26B43"/>
           </p15:clr>
         </p15:guide>
-        <p15:guide id="4294967295" orient="horz" pos="1339">
+        <p15:guide id="19" orient="horz" pos="1339">
           <p15:clr>
             <a:srgbClr val="F26B43"/>
           </p15:clr>
         </p15:guide>
-        <p15:guide id="4294967295" orient="horz" pos="1915">
+        <p15:guide id="20" orient="horz" pos="1915">
           <p15:clr>
             <a:srgbClr val="F26B43"/>
           </p15:clr>
         </p15:guide>
-        <p15:guide id="4294967295" orient="horz" pos="4219">
+        <p15:guide id="21" orient="horz" pos="4219">
           <p15:clr>
             <a:srgbClr val="F26B43"/>
           </p15:clr>
         </p15:guide>
-        <p15:guide id="4294967295" orient="horz" pos="3643">
+        <p15:guide id="22" orient="horz" pos="3643">
           <p15:clr>
             <a:srgbClr val="F26B43"/>
           </p15:clr>
         </p15:guide>
-        <p15:guide id="4294967295" orient="horz" pos="3067">
+        <p15:guide id="23" orient="horz" pos="3067">
           <p15:clr>
             <a:srgbClr val="F26B43"/>
           </p15:clr>
         </p15:guide>
-        <p15:guide id="4294967295" orient="horz" pos="2491">
+        <p15:guide id="24" orient="horz" pos="2491">
           <p15:clr>
             <a:srgbClr val="F26B43"/>
           </p15:clr>
@@ -10786,122 +10785,122 @@
   <p:extLst mod="1">
     <p:ext uri="{27BBF7A9-308A-43DC-89C8-2F10F3537804}">
       <p15:sldGuideLst xmlns:p15="http://schemas.microsoft.com/office/powerpoint/2012/main">
-        <p15:guide id="4294967295" pos="2938">
+        <p15:guide id="1" pos="2938">
           <p15:clr>
             <a:srgbClr val="F26B43"/>
           </p15:clr>
         </p15:guide>
-        <p15:guide id="4294967295" pos="5745">
+        <p15:guide id="2" pos="5745">
           <p15:clr>
             <a:srgbClr val="F26B43"/>
           </p15:clr>
         </p15:guide>
-        <p15:guide id="4294967295" pos="5313">
+        <p15:guide id="3" pos="5313">
           <p15:clr>
             <a:srgbClr val="F26B43"/>
           </p15:clr>
         </p15:guide>
-        <p15:guide id="4294967295" pos="4881">
+        <p15:guide id="4" pos="4881">
           <p15:clr>
             <a:srgbClr val="F26B43"/>
           </p15:clr>
         </p15:guide>
-        <p15:guide id="4294967295" pos="4449">
+        <p15:guide id="5" pos="4449">
           <p15:clr>
             <a:srgbClr val="F26B43"/>
           </p15:clr>
         </p15:guide>
-        <p15:guide id="4294967295" pos="4017">
+        <p15:guide id="6" pos="4017">
           <p15:clr>
             <a:srgbClr val="F26B43"/>
           </p15:clr>
         </p15:guide>
-        <p15:guide id="4294967295" pos="3585">
+        <p15:guide id="7" pos="3585">
           <p15:clr>
             <a:srgbClr val="F26B43"/>
           </p15:clr>
         </p15:guide>
-        <p15:guide id="4294967295" pos="3153">
+        <p15:guide id="8" pos="3153">
           <p15:clr>
             <a:srgbClr val="F26B43"/>
           </p15:clr>
         </p15:guide>
-        <p15:guide id="4294967295" pos="130">
+        <p15:guide id="9" pos="130">
           <p15:clr>
             <a:srgbClr val="F26B43"/>
           </p15:clr>
         </p15:guide>
-        <p15:guide id="4294967295" pos="562">
+        <p15:guide id="10" pos="562">
           <p15:clr>
             <a:srgbClr val="F26B43"/>
           </p15:clr>
         </p15:guide>
-        <p15:guide id="4294967295" pos="994">
+        <p15:guide id="11" pos="994">
           <p15:clr>
             <a:srgbClr val="F26B43"/>
           </p15:clr>
         </p15:guide>
-        <p15:guide id="4294967295" pos="1426">
+        <p15:guide id="12" pos="1426">
           <p15:clr>
             <a:srgbClr val="F26B43"/>
           </p15:clr>
         </p15:guide>
-        <p15:guide id="4294967295" pos="1858">
+        <p15:guide id="13" pos="1858">
           <p15:clr>
             <a:srgbClr val="F26B43"/>
           </p15:clr>
         </p15:guide>
-        <p15:guide id="4294967295" pos="2290">
+        <p15:guide id="14" pos="2290">
           <p15:clr>
             <a:srgbClr val="F26B43"/>
           </p15:clr>
         </p15:guide>
-        <p15:guide id="4294967295" pos="2722">
+        <p15:guide id="15" pos="2722">
           <p15:clr>
             <a:srgbClr val="F26B43"/>
           </p15:clr>
         </p15:guide>
-        <p15:guide id="4294967295" orient="horz" pos="2203">
+        <p15:guide id="16" orient="horz" pos="2203">
           <p15:clr>
             <a:srgbClr val="F26B43"/>
           </p15:clr>
         </p15:guide>
-        <p15:guide id="4294967295" orient="horz" pos="187">
+        <p15:guide id="17" orient="horz" pos="187">
           <p15:clr>
             <a:srgbClr val="F26B43"/>
           </p15:clr>
         </p15:guide>
-        <p15:guide id="4294967295" orient="horz" pos="763">
+        <p15:guide id="18" orient="horz" pos="763">
           <p15:clr>
             <a:srgbClr val="F26B43"/>
           </p15:clr>
         </p15:guide>
-        <p15:guide id="4294967295" orient="horz" pos="1339">
+        <p15:guide id="19" orient="horz" pos="1339">
           <p15:clr>
             <a:srgbClr val="F26B43"/>
           </p15:clr>
         </p15:guide>
-        <p15:guide id="4294967295" orient="horz" pos="1915">
+        <p15:guide id="20" orient="horz" pos="1915">
           <p15:clr>
             <a:srgbClr val="F26B43"/>
           </p15:clr>
         </p15:guide>
-        <p15:guide id="4294967295" orient="horz" pos="4219">
+        <p15:guide id="21" orient="horz" pos="4219">
           <p15:clr>
             <a:srgbClr val="F26B43"/>
           </p15:clr>
         </p15:guide>
-        <p15:guide id="4294967295" orient="horz" pos="3643">
+        <p15:guide id="22" orient="horz" pos="3643">
           <p15:clr>
             <a:srgbClr val="F26B43"/>
           </p15:clr>
         </p15:guide>
-        <p15:guide id="4294967295" orient="horz" pos="3067">
+        <p15:guide id="23" orient="horz" pos="3067">
           <p15:clr>
             <a:srgbClr val="F26B43"/>
           </p15:clr>
         </p15:guide>
-        <p15:guide id="4294967295" orient="horz" pos="2491">
+        <p15:guide id="24" orient="horz" pos="2491">
           <p15:clr>
             <a:srgbClr val="F26B43"/>
           </p15:clr>
@@ -10978,6 +10977,97 @@
 </file>
 
 <file path=ppt/slides/slide10.xml><?xml version="1.0" encoding="utf-8"?>
+<p:sld xmlns:a="http://schemas.openxmlformats.org/drawingml/2006/main" xmlns:r="http://schemas.openxmlformats.org/officeDocument/2006/relationships" xmlns:p="http://schemas.openxmlformats.org/presentationml/2006/main">
+  <p:cSld>
+    <p:spTree>
+      <p:nvGrpSpPr>
+        <p:cNvPr id="1" name=""/>
+        <p:cNvGrpSpPr/>
+        <p:nvPr/>
+      </p:nvGrpSpPr>
+      <p:grpSpPr>
+        <a:xfrm>
+          <a:off x="0" y="0"/>
+          <a:ext cx="0" cy="0"/>
+          <a:chOff x="0" y="0"/>
+          <a:chExt cx="0" cy="0"/>
+        </a:xfrm>
+      </p:grpSpPr>
+      <p:sp>
+        <p:nvSpPr>
+          <p:cNvPr id="2" name="Title 1"/>
+          <p:cNvSpPr>
+            <a:spLocks noGrp="1"/>
+          </p:cNvSpPr>
+          <p:nvPr>
+            <p:ph type="title"/>
+          </p:nvPr>
+        </p:nvSpPr>
+        <p:spPr/>
+        <p:txBody>
+          <a:bodyPr/>
+          <a:lstStyle/>
+          <a:p>
+            <a:r>
+              <a:rPr lang="en-US" dirty="0" smtClean="0"/>
+              <a:t>Solution: </a:t>
+            </a:r>
+            <a:r>
+              <a:rPr lang="en-US" dirty="0" err="1" smtClean="0"/>
+              <a:t>const</a:t>
+            </a:r>
+            <a:endParaRPr lang="en-US" dirty="0"/>
+          </a:p>
+        </p:txBody>
+      </p:sp>
+      <p:pic>
+        <p:nvPicPr>
+          <p:cNvPr id="3" name="Picture 2"/>
+          <p:cNvPicPr>
+            <a:picLocks noChangeAspect="1"/>
+          </p:cNvPicPr>
+          <p:nvPr/>
+        </p:nvPicPr>
+        <p:blipFill>
+          <a:blip r:embed="rId2"/>
+          <a:stretch>
+            <a:fillRect/>
+          </a:stretch>
+        </p:blipFill>
+        <p:spPr>
+          <a:xfrm>
+            <a:off x="1738312" y="2057400"/>
+            <a:ext cx="5667375" cy="2114550"/>
+          </a:xfrm>
+          <a:prstGeom prst="rect">
+            <a:avLst/>
+          </a:prstGeom>
+        </p:spPr>
+      </p:pic>
+    </p:spTree>
+    <p:extLst>
+      <p:ext uri="{BB962C8B-B14F-4D97-AF65-F5344CB8AC3E}">
+        <p14:creationId xmlns:p14="http://schemas.microsoft.com/office/powerpoint/2010/main" val="1439712674"/>
+      </p:ext>
+    </p:extLst>
+  </p:cSld>
+  <p:clrMapOvr>
+    <a:masterClrMapping/>
+  </p:clrMapOvr>
+  <p:transition>
+    <p:fade/>
+  </p:transition>
+  <p:timing>
+    <p:tnLst>
+      <p:par>
+        <p:cTn id="1" dur="indefinite" restart="never" nodeType="tmRoot"/>
+      </p:par>
+    </p:tnLst>
+  </p:timing>
+</p:sld>
+</file>
+
+<file path=ppt/slides/slide11.xml><?xml version="1.0" encoding="utf-8"?>
 <p:sld xmlns:a="http://schemas.openxmlformats.org/drawingml/2006/main" xmlns:r="http://schemas.openxmlformats.org/officeDocument/2006/relationships" xmlns:p="http://schemas.openxmlformats.org/presentationml/2006/main">
   <p:cSld>
     <p:spTree>
@@ -11187,7 +11277,7 @@
 </p:sld>
 </file>
 
-<file path=ppt/slides/slide11.xml><?xml version="1.0" encoding="utf-8"?>
+<file path=ppt/slides/slide12.xml><?xml version="1.0" encoding="utf-8"?>
 <p:sld xmlns:a="http://schemas.openxmlformats.org/drawingml/2006/main" xmlns:r="http://schemas.openxmlformats.org/officeDocument/2006/relationships" xmlns:p="http://schemas.openxmlformats.org/presentationml/2006/main">
   <p:cSld>
     <p:spTree>
@@ -11293,7 +11383,7 @@
 </p:sld>
 </file>
 
-<file path=ppt/slides/slide12.xml><?xml version="1.0" encoding="utf-8"?>
+<file path=ppt/slides/slide13.xml><?xml version="1.0" encoding="utf-8"?>
 <p:sld xmlns:a="http://schemas.openxmlformats.org/drawingml/2006/main" xmlns:r="http://schemas.openxmlformats.org/officeDocument/2006/relationships" xmlns:p="http://schemas.openxmlformats.org/presentationml/2006/main">
   <p:cSld>
     <p:spTree>
@@ -11403,7 +11493,7 @@
 </p:sld>
 </file>
 
-<file path=ppt/slides/slide13.xml><?xml version="1.0" encoding="utf-8"?>
+<file path=ppt/slides/slide14.xml><?xml version="1.0" encoding="utf-8"?>
 <p:sld xmlns:a="http://schemas.openxmlformats.org/drawingml/2006/main" xmlns:r="http://schemas.openxmlformats.org/officeDocument/2006/relationships" xmlns:p="http://schemas.openxmlformats.org/presentationml/2006/main">
   <p:cSld>
     <p:spTree>
@@ -11609,7 +11699,7 @@
 </p:sld>
 </file>
 
-<file path=ppt/slides/slide14.xml><?xml version="1.0" encoding="utf-8"?>
+<file path=ppt/slides/slide15.xml><?xml version="1.0" encoding="utf-8"?>
 <p:sld xmlns:a="http://schemas.openxmlformats.org/drawingml/2006/main" xmlns:r="http://schemas.openxmlformats.org/officeDocument/2006/relationships" xmlns:p="http://schemas.openxmlformats.org/presentationml/2006/main">
   <p:cSld>
     <p:spTree>
@@ -11719,7 +11809,7 @@
 </p:sld>
 </file>
 
-<file path=ppt/slides/slide15.xml><?xml version="1.0" encoding="utf-8"?>
+<file path=ppt/slides/slide16.xml><?xml version="1.0" encoding="utf-8"?>
 <p:sld xmlns:a="http://schemas.openxmlformats.org/drawingml/2006/main" xmlns:r="http://schemas.openxmlformats.org/officeDocument/2006/relationships" xmlns:p="http://schemas.openxmlformats.org/presentationml/2006/main">
   <p:cSld>
     <p:spTree>
@@ -11837,7 +11927,7 @@
 </p:sld>
 </file>
 
-<file path=ppt/slides/slide16.xml><?xml version="1.0" encoding="utf-8"?>
+<file path=ppt/slides/slide17.xml><?xml version="1.0" encoding="utf-8"?>
 <p:sld xmlns:a="http://schemas.openxmlformats.org/drawingml/2006/main" xmlns:r="http://schemas.openxmlformats.org/officeDocument/2006/relationships" xmlns:p="http://schemas.openxmlformats.org/presentationml/2006/main">
   <p:cSld>
     <p:spTree>
@@ -11947,7 +12037,7 @@
 </p:sld>
 </file>
 
-<file path=ppt/slides/slide17.xml><?xml version="1.0" encoding="utf-8"?>
+<file path=ppt/slides/slide18.xml><?xml version="1.0" encoding="utf-8"?>
 <p:sld xmlns:a="http://schemas.openxmlformats.org/drawingml/2006/main" xmlns:r="http://schemas.openxmlformats.org/officeDocument/2006/relationships" xmlns:p="http://schemas.openxmlformats.org/presentationml/2006/main">
   <p:cSld>
     <p:spTree>
@@ -12053,7 +12143,7 @@
 </p:sld>
 </file>
 
-<file path=ppt/slides/slide18.xml><?xml version="1.0" encoding="utf-8"?>
+<file path=ppt/slides/slide19.xml><?xml version="1.0" encoding="utf-8"?>
 <p:sld xmlns:a="http://schemas.openxmlformats.org/drawingml/2006/main" xmlns:r="http://schemas.openxmlformats.org/officeDocument/2006/relationships" xmlns:p="http://schemas.openxmlformats.org/presentationml/2006/main">
   <p:cSld>
     <p:spTree>
@@ -12140,112 +12230,6 @@
 </p:sld>
 </file>
 
-<file path=ppt/slides/slide19.xml><?xml version="1.0" encoding="utf-8"?>
-<p:sld xmlns:a="http://schemas.openxmlformats.org/drawingml/2006/main" xmlns:r="http://schemas.openxmlformats.org/officeDocument/2006/relationships" xmlns:p="http://schemas.openxmlformats.org/presentationml/2006/main">
-  <p:cSld>
-    <p:spTree>
-      <p:nvGrpSpPr>
-        <p:cNvPr id="1" name=""/>
-        <p:cNvGrpSpPr/>
-        <p:nvPr/>
-      </p:nvGrpSpPr>
-      <p:grpSpPr>
-        <a:xfrm>
-          <a:off x="0" y="0"/>
-          <a:ext cx="0" cy="0"/>
-          <a:chOff x="0" y="0"/>
-          <a:chExt cx="0" cy="0"/>
-        </a:xfrm>
-      </p:grpSpPr>
-      <p:sp>
-        <p:nvSpPr>
-          <p:cNvPr id="2" name="Title 1"/>
-          <p:cNvSpPr>
-            <a:spLocks noGrp="1"/>
-          </p:cNvSpPr>
-          <p:nvPr>
-            <p:ph type="title"/>
-          </p:nvPr>
-        </p:nvSpPr>
-        <p:spPr/>
-        <p:txBody>
-          <a:bodyPr/>
-          <a:lstStyle/>
-          <a:p>
-            <a:r>
-              <a:rPr lang="en-US" dirty="0" smtClean="0"/>
-              <a:t>Even Better: Tagged Templates</a:t>
-            </a:r>
-            <a:endParaRPr lang="en-US" dirty="0"/>
-          </a:p>
-        </p:txBody>
-      </p:sp>
-      <p:sp>
-        <p:nvSpPr>
-          <p:cNvPr id="3" name="Text Placeholder 2"/>
-          <p:cNvSpPr>
-            <a:spLocks noGrp="1"/>
-          </p:cNvSpPr>
-          <p:nvPr>
-            <p:ph type="body" idx="1"/>
-          </p:nvPr>
-        </p:nvSpPr>
-        <p:spPr/>
-        <p:txBody>
-          <a:bodyPr/>
-          <a:lstStyle/>
-          <a:p>
-            <a:endParaRPr lang="en-US" dirty="0"/>
-          </a:p>
-        </p:txBody>
-      </p:sp>
-      <p:pic>
-        <p:nvPicPr>
-          <p:cNvPr id="4" name="Picture 3"/>
-          <p:cNvPicPr>
-            <a:picLocks noChangeAspect="1"/>
-          </p:cNvPicPr>
-          <p:nvPr/>
-        </p:nvPicPr>
-        <p:blipFill>
-          <a:blip r:embed="rId2"/>
-          <a:stretch>
-            <a:fillRect/>
-          </a:stretch>
-        </p:blipFill>
-        <p:spPr>
-          <a:xfrm>
-            <a:off x="990600" y="1361926"/>
-            <a:ext cx="6915150" cy="4581674"/>
-          </a:xfrm>
-          <a:prstGeom prst="rect">
-            <a:avLst/>
-          </a:prstGeom>
-        </p:spPr>
-      </p:pic>
-    </p:spTree>
-    <p:extLst>
-      <p:ext uri="{BB962C8B-B14F-4D97-AF65-F5344CB8AC3E}">
-        <p14:creationId xmlns:p14="http://schemas.microsoft.com/office/powerpoint/2010/main" val="3659674457"/>
-      </p:ext>
-    </p:extLst>
-  </p:cSld>
-  <p:clrMapOvr>
-    <a:masterClrMapping/>
-  </p:clrMapOvr>
-  <p:transition>
-    <p:fade/>
-  </p:transition>
-  <p:timing>
-    <p:tnLst>
-      <p:par>
-        <p:cTn id="1" dur="indefinite" restart="never" nodeType="tmRoot"/>
-      </p:par>
-    </p:tnLst>
-  </p:timing>
-</p:sld>
-</file>
-
 <file path=ppt/slides/slide2.xml><?xml version="1.0" encoding="utf-8"?>
 <p:sld xmlns:a="http://schemas.openxmlformats.org/drawingml/2006/main" xmlns:r="http://schemas.openxmlformats.org/officeDocument/2006/relationships" xmlns:p="http://schemas.openxmlformats.org/presentationml/2006/main">
   <p:cSld>
@@ -12286,10 +12270,6 @@
             <a:r>
               <a:rPr lang="en-US" dirty="0" smtClean="0"/>
               <a:t>ECMAScript 2015</a:t>
-            </a:r>
-            <a:r>
-              <a:rPr lang="en-US" dirty="0" smtClean="0"/>
-              <a:t/>
             </a:r>
             <a:br>
               <a:rPr lang="en-US" dirty="0" smtClean="0"/>
@@ -12843,9 +12823,6 @@
                         </a:rPr>
                         <a:t>http://OdeToCode.com</a:t>
                       </a:r>
-                      <a:endParaRPr lang="en-US" sz="1500" baseline="0" dirty="0" smtClean="0">
-                        <a:latin typeface="+mj-lt"/>
-                      </a:endParaRPr>
                     </a:p>
                   </a:txBody>
                   <a:tcPr marL="84951" marR="84951" marT="42475" marB="42475">
@@ -12972,6 +12949,112 @@
           <a:p>
             <a:r>
               <a:rPr lang="en-US" dirty="0" smtClean="0"/>
+              <a:t>Even Better: Tagged Templates</a:t>
+            </a:r>
+            <a:endParaRPr lang="en-US" dirty="0"/>
+          </a:p>
+        </p:txBody>
+      </p:sp>
+      <p:sp>
+        <p:nvSpPr>
+          <p:cNvPr id="3" name="Text Placeholder 2"/>
+          <p:cNvSpPr>
+            <a:spLocks noGrp="1"/>
+          </p:cNvSpPr>
+          <p:nvPr>
+            <p:ph type="body" idx="1"/>
+          </p:nvPr>
+        </p:nvSpPr>
+        <p:spPr/>
+        <p:txBody>
+          <a:bodyPr/>
+          <a:lstStyle/>
+          <a:p>
+            <a:endParaRPr lang="en-US" dirty="0"/>
+          </a:p>
+        </p:txBody>
+      </p:sp>
+      <p:pic>
+        <p:nvPicPr>
+          <p:cNvPr id="4" name="Picture 3"/>
+          <p:cNvPicPr>
+            <a:picLocks noChangeAspect="1"/>
+          </p:cNvPicPr>
+          <p:nvPr/>
+        </p:nvPicPr>
+        <p:blipFill>
+          <a:blip r:embed="rId2"/>
+          <a:stretch>
+            <a:fillRect/>
+          </a:stretch>
+        </p:blipFill>
+        <p:spPr>
+          <a:xfrm>
+            <a:off x="990600" y="1361926"/>
+            <a:ext cx="6915150" cy="4581674"/>
+          </a:xfrm>
+          <a:prstGeom prst="rect">
+            <a:avLst/>
+          </a:prstGeom>
+        </p:spPr>
+      </p:pic>
+    </p:spTree>
+    <p:extLst>
+      <p:ext uri="{BB962C8B-B14F-4D97-AF65-F5344CB8AC3E}">
+        <p14:creationId xmlns:p14="http://schemas.microsoft.com/office/powerpoint/2010/main" val="3659674457"/>
+      </p:ext>
+    </p:extLst>
+  </p:cSld>
+  <p:clrMapOvr>
+    <a:masterClrMapping/>
+  </p:clrMapOvr>
+  <p:transition>
+    <p:fade/>
+  </p:transition>
+  <p:timing>
+    <p:tnLst>
+      <p:par>
+        <p:cTn id="1" dur="indefinite" restart="never" nodeType="tmRoot"/>
+      </p:par>
+    </p:tnLst>
+  </p:timing>
+</p:sld>
+</file>
+
+<file path=ppt/slides/slide21.xml><?xml version="1.0" encoding="utf-8"?>
+<p:sld xmlns:a="http://schemas.openxmlformats.org/drawingml/2006/main" xmlns:r="http://schemas.openxmlformats.org/officeDocument/2006/relationships" xmlns:p="http://schemas.openxmlformats.org/presentationml/2006/main">
+  <p:cSld>
+    <p:spTree>
+      <p:nvGrpSpPr>
+        <p:cNvPr id="1" name=""/>
+        <p:cNvGrpSpPr/>
+        <p:nvPr/>
+      </p:nvGrpSpPr>
+      <p:grpSpPr>
+        <a:xfrm>
+          <a:off x="0" y="0"/>
+          <a:ext cx="0" cy="0"/>
+          <a:chOff x="0" y="0"/>
+          <a:chExt cx="0" cy="0"/>
+        </a:xfrm>
+      </p:grpSpPr>
+      <p:sp>
+        <p:nvSpPr>
+          <p:cNvPr id="2" name="Title 1"/>
+          <p:cNvSpPr>
+            <a:spLocks noGrp="1"/>
+          </p:cNvSpPr>
+          <p:nvPr>
+            <p:ph type="title"/>
+          </p:nvPr>
+        </p:nvSpPr>
+        <p:spPr/>
+        <p:txBody>
+          <a:bodyPr/>
+          <a:lstStyle/>
+          <a:p>
+            <a:r>
+              <a:rPr lang="en-US" dirty="0" smtClean="0"/>
               <a:t>Syntax Sugar</a:t>
             </a:r>
             <a:endParaRPr lang="en-US" dirty="0"/>
@@ -13048,7 +13131,7 @@
 </p:sld>
 </file>
 
-<file path=ppt/slides/slide21.xml><?xml version="1.0" encoding="utf-8"?>
+<file path=ppt/slides/slide22.xml><?xml version="1.0" encoding="utf-8"?>
 <p:sld xmlns:a="http://schemas.openxmlformats.org/drawingml/2006/main" xmlns:r="http://schemas.openxmlformats.org/officeDocument/2006/relationships" xmlns:p="http://schemas.openxmlformats.org/presentationml/2006/main">
   <p:cSld>
     <p:spTree>
@@ -13154,7 +13237,7 @@
 </p:sld>
 </file>
 
-<file path=ppt/slides/slide22.xml><?xml version="1.0" encoding="utf-8"?>
+<file path=ppt/slides/slide23.xml><?xml version="1.0" encoding="utf-8"?>
 <p:sld xmlns:a="http://schemas.openxmlformats.org/drawingml/2006/main" xmlns:r="http://schemas.openxmlformats.org/officeDocument/2006/relationships" xmlns:p="http://schemas.openxmlformats.org/presentationml/2006/main">
   <p:cSld>
     <p:spTree>
@@ -13260,7 +13343,7 @@
 </p:sld>
 </file>
 
-<file path=ppt/slides/slide23.xml><?xml version="1.0" encoding="utf-8"?>
+<file path=ppt/slides/slide24.xml><?xml version="1.0" encoding="utf-8"?>
 <p:sld xmlns:a="http://schemas.openxmlformats.org/drawingml/2006/main" xmlns:r="http://schemas.openxmlformats.org/officeDocument/2006/relationships" xmlns:p="http://schemas.openxmlformats.org/presentationml/2006/main">
   <p:cSld>
     <p:spTree>
@@ -13390,7 +13473,7 @@
 </p:sld>
 </file>
 
-<file path=ppt/slides/slide24.xml><?xml version="1.0" encoding="utf-8"?>
+<file path=ppt/slides/slide25.xml><?xml version="1.0" encoding="utf-8"?>
 <p:sld xmlns:a="http://schemas.openxmlformats.org/drawingml/2006/main" xmlns:r="http://schemas.openxmlformats.org/officeDocument/2006/relationships" xmlns:p="http://schemas.openxmlformats.org/presentationml/2006/main">
   <p:cSld>
     <p:spTree>
@@ -13496,7 +13579,7 @@
 </p:sld>
 </file>
 
-<file path=ppt/slides/slide25.xml><?xml version="1.0" encoding="utf-8"?>
+<file path=ppt/slides/slide26.xml><?xml version="1.0" encoding="utf-8"?>
 <p:sld xmlns:a="http://schemas.openxmlformats.org/drawingml/2006/main" xmlns:r="http://schemas.openxmlformats.org/officeDocument/2006/relationships" xmlns:p="http://schemas.openxmlformats.org/presentationml/2006/main">
   <p:cSld>
     <p:spTree>
@@ -13612,7 +13695,7 @@
 </p:sld>
 </file>
 
-<file path=ppt/slides/slide26.xml><?xml version="1.0" encoding="utf-8"?>
+<file path=ppt/slides/slide27.xml><?xml version="1.0" encoding="utf-8"?>
 <p:sld xmlns:a="http://schemas.openxmlformats.org/drawingml/2006/main" xmlns:r="http://schemas.openxmlformats.org/officeDocument/2006/relationships" xmlns:p="http://schemas.openxmlformats.org/presentationml/2006/main">
   <p:cSld>
     <p:spTree>
@@ -13722,7 +13805,7 @@
 </p:sld>
 </file>
 
-<file path=ppt/slides/slide27.xml><?xml version="1.0" encoding="utf-8"?>
+<file path=ppt/slides/slide28.xml><?xml version="1.0" encoding="utf-8"?>
 <p:sld xmlns:a="http://schemas.openxmlformats.org/drawingml/2006/main" xmlns:r="http://schemas.openxmlformats.org/officeDocument/2006/relationships" xmlns:p="http://schemas.openxmlformats.org/presentationml/2006/main">
   <p:cSld>
     <p:spTree>
@@ -13828,7 +13911,7 @@
 </p:sld>
 </file>
 
-<file path=ppt/slides/slide28.xml><?xml version="1.0" encoding="utf-8"?>
+<file path=ppt/slides/slide29.xml><?xml version="1.0" encoding="utf-8"?>
 <p:sld xmlns:a="http://schemas.openxmlformats.org/drawingml/2006/main" xmlns:r="http://schemas.openxmlformats.org/officeDocument/2006/relationships" xmlns:p="http://schemas.openxmlformats.org/presentationml/2006/main">
   <p:cSld>
     <p:spTree>
@@ -13934,7 +14017,262 @@
 </p:sld>
 </file>
 
-<file path=ppt/slides/slide29.xml><?xml version="1.0" encoding="utf-8"?>
+<file path=ppt/slides/slide3.xml><?xml version="1.0" encoding="utf-8"?>
+<p:sld xmlns:a="http://schemas.openxmlformats.org/drawingml/2006/main" xmlns:r="http://schemas.openxmlformats.org/officeDocument/2006/relationships" xmlns:p="http://schemas.openxmlformats.org/presentationml/2006/main">
+  <p:cSld>
+    <p:spTree>
+      <p:nvGrpSpPr>
+        <p:cNvPr id="1" name=""/>
+        <p:cNvGrpSpPr/>
+        <p:nvPr/>
+      </p:nvGrpSpPr>
+      <p:grpSpPr>
+        <a:xfrm>
+          <a:off x="0" y="0"/>
+          <a:ext cx="0" cy="0"/>
+          <a:chOff x="0" y="0"/>
+          <a:chExt cx="0" cy="0"/>
+        </a:xfrm>
+      </p:grpSpPr>
+      <p:sp>
+        <p:nvSpPr>
+          <p:cNvPr id="4" name="Title 3"/>
+          <p:cNvSpPr>
+            <a:spLocks noGrp="1"/>
+          </p:cNvSpPr>
+          <p:nvPr>
+            <p:ph type="ctrTitle"/>
+          </p:nvPr>
+        </p:nvSpPr>
+        <p:spPr>
+          <a:xfrm>
+            <a:off x="201697" y="2820622"/>
+            <a:ext cx="6387260" cy="1302952"/>
+          </a:xfrm>
+        </p:spPr>
+        <p:txBody>
+          <a:bodyPr/>
+          <a:lstStyle/>
+          <a:p>
+            <a:r>
+              <a:rPr lang="en-US" dirty="0" smtClean="0"/>
+              <a:t>Thank You Sponsors!</a:t>
+            </a:r>
+            <a:br>
+              <a:rPr lang="en-US" dirty="0" smtClean="0"/>
+            </a:br>
+            <a:endParaRPr lang="en-US" dirty="0"/>
+          </a:p>
+        </p:txBody>
+      </p:sp>
+      <p:pic>
+        <p:nvPicPr>
+          <p:cNvPr id="10" name="Picture 9"/>
+          <p:cNvPicPr>
+            <a:picLocks noChangeAspect="1"/>
+          </p:cNvPicPr>
+          <p:nvPr userDrawn="1"/>
+        </p:nvPicPr>
+        <p:blipFill>
+          <a:blip r:embed="rId3" cstate="print">
+            <a:extLst>
+              <a:ext uri="{28A0092B-C50C-407E-A947-70E740481C1C}">
+                <a14:useLocalDpi xmlns:a14="http://schemas.microsoft.com/office/drawing/2010/main" val="0"/>
+              </a:ext>
+            </a:extLst>
+          </a:blip>
+          <a:stretch>
+            <a:fillRect/>
+          </a:stretch>
+        </p:blipFill>
+        <p:spPr>
+          <a:xfrm>
+            <a:off x="6553867" y="3530245"/>
+            <a:ext cx="344946" cy="344946"/>
+          </a:xfrm>
+          <a:prstGeom prst="rect">
+            <a:avLst/>
+          </a:prstGeom>
+          <a:noFill/>
+          <a:ln>
+            <a:noFill/>
+          </a:ln>
+        </p:spPr>
+      </p:pic>
+      <p:pic>
+        <p:nvPicPr>
+          <p:cNvPr id="12" name="Picture 11"/>
+          <p:cNvPicPr>
+            <a:picLocks noChangeAspect="1"/>
+          </p:cNvPicPr>
+          <p:nvPr/>
+        </p:nvPicPr>
+        <p:blipFill>
+          <a:blip r:embed="rId4">
+            <a:extLst>
+              <a:ext uri="{28A0092B-C50C-407E-A947-70E740481C1C}">
+                <a14:useLocalDpi xmlns:a14="http://schemas.microsoft.com/office/drawing/2010/main" val="0"/>
+              </a:ext>
+            </a:extLst>
+          </a:blip>
+          <a:stretch>
+            <a:fillRect/>
+          </a:stretch>
+        </p:blipFill>
+        <p:spPr>
+          <a:xfrm>
+            <a:off x="3920" y="195"/>
+            <a:ext cx="9144000" cy="2468282"/>
+          </a:xfrm>
+          <a:prstGeom prst="rect">
+            <a:avLst/>
+          </a:prstGeom>
+        </p:spPr>
+      </p:pic>
+      <p:pic>
+        <p:nvPicPr>
+          <p:cNvPr id="2" name="Picture 1"/>
+          <p:cNvPicPr>
+            <a:picLocks noChangeAspect="1"/>
+          </p:cNvPicPr>
+          <p:nvPr/>
+        </p:nvPicPr>
+        <p:blipFill>
+          <a:blip r:embed="rId5">
+            <a:extLst>
+              <a:ext uri="{28A0092B-C50C-407E-A947-70E740481C1C}">
+                <a14:useLocalDpi xmlns:a14="http://schemas.microsoft.com/office/drawing/2010/main" val="0"/>
+              </a:ext>
+            </a:extLst>
+          </a:blip>
+          <a:stretch>
+            <a:fillRect/>
+          </a:stretch>
+        </p:blipFill>
+        <p:spPr>
+          <a:xfrm>
+            <a:off x="880274" y="4604820"/>
+            <a:ext cx="2801566" cy="1400783"/>
+          </a:xfrm>
+          <a:prstGeom prst="rect">
+            <a:avLst/>
+          </a:prstGeom>
+        </p:spPr>
+      </p:pic>
+      <p:pic>
+        <p:nvPicPr>
+          <p:cNvPr id="5" name="Picture 4"/>
+          <p:cNvPicPr>
+            <a:picLocks noChangeAspect="1"/>
+          </p:cNvPicPr>
+          <p:nvPr/>
+        </p:nvPicPr>
+        <p:blipFill>
+          <a:blip r:embed="rId6">
+            <a:extLst>
+              <a:ext uri="{28A0092B-C50C-407E-A947-70E740481C1C}">
+                <a14:useLocalDpi xmlns:a14="http://schemas.microsoft.com/office/drawing/2010/main" val="0"/>
+              </a:ext>
+            </a:extLst>
+          </a:blip>
+          <a:stretch>
+            <a:fillRect/>
+          </a:stretch>
+        </p:blipFill>
+        <p:spPr>
+          <a:xfrm>
+            <a:off x="880275" y="3835760"/>
+            <a:ext cx="2587140" cy="700490"/>
+          </a:xfrm>
+          <a:prstGeom prst="rect">
+            <a:avLst/>
+          </a:prstGeom>
+        </p:spPr>
+      </p:pic>
+      <p:pic>
+        <p:nvPicPr>
+          <p:cNvPr id="7" name="Picture 6"/>
+          <p:cNvPicPr>
+            <a:picLocks noChangeAspect="1"/>
+          </p:cNvPicPr>
+          <p:nvPr/>
+        </p:nvPicPr>
+        <p:blipFill>
+          <a:blip r:embed="rId7">
+            <a:extLst>
+              <a:ext uri="{28A0092B-C50C-407E-A947-70E740481C1C}">
+                <a14:useLocalDpi xmlns:a14="http://schemas.microsoft.com/office/drawing/2010/main" val="0"/>
+              </a:ext>
+            </a:extLst>
+          </a:blip>
+          <a:stretch>
+            <a:fillRect/>
+          </a:stretch>
+        </p:blipFill>
+        <p:spPr>
+          <a:xfrm>
+            <a:off x="5206241" y="3469979"/>
+            <a:ext cx="2801566" cy="1055257"/>
+          </a:xfrm>
+          <a:prstGeom prst="rect">
+            <a:avLst/>
+          </a:prstGeom>
+        </p:spPr>
+      </p:pic>
+      <p:pic>
+        <p:nvPicPr>
+          <p:cNvPr id="13" name="Picture 12"/>
+          <p:cNvPicPr>
+            <a:picLocks noChangeAspect="1"/>
+          </p:cNvPicPr>
+          <p:nvPr/>
+        </p:nvPicPr>
+        <p:blipFill>
+          <a:blip r:embed="rId8">
+            <a:extLst>
+              <a:ext uri="{28A0092B-C50C-407E-A947-70E740481C1C}">
+                <a14:useLocalDpi xmlns:a14="http://schemas.microsoft.com/office/drawing/2010/main" val="0"/>
+              </a:ext>
+            </a:extLst>
+          </a:blip>
+          <a:stretch>
+            <a:fillRect/>
+          </a:stretch>
+        </p:blipFill>
+        <p:spPr>
+          <a:xfrm>
+            <a:off x="5325361" y="4791520"/>
+            <a:ext cx="2801957" cy="1027384"/>
+          </a:xfrm>
+          <a:prstGeom prst="rect">
+            <a:avLst/>
+          </a:prstGeom>
+        </p:spPr>
+      </p:pic>
+    </p:spTree>
+    <p:extLst>
+      <p:ext uri="{BB962C8B-B14F-4D97-AF65-F5344CB8AC3E}">
+        <p14:creationId xmlns:p14="http://schemas.microsoft.com/office/powerpoint/2010/main" val="967340428"/>
+      </p:ext>
+    </p:extLst>
+  </p:cSld>
+  <p:clrMapOvr>
+    <a:masterClrMapping/>
+  </p:clrMapOvr>
+  <p:transition advTm="10000">
+    <p:fade/>
+  </p:transition>
+  <p:timing>
+    <p:tnLst>
+      <p:par>
+        <p:cTn id="1" dur="indefinite" restart="never" nodeType="tmRoot"/>
+      </p:par>
+    </p:tnLst>
+  </p:timing>
+</p:sld>
+</file>
+
+<file path=ppt/slides/slide30.xml><?xml version="1.0" encoding="utf-8"?>
 <p:sld xmlns:a="http://schemas.openxmlformats.org/drawingml/2006/main" xmlns:r="http://schemas.openxmlformats.org/officeDocument/2006/relationships" xmlns:p="http://schemas.openxmlformats.org/presentationml/2006/main">
   <p:cSld>
     <p:spTree>
@@ -14040,7 +14378,1244 @@
 </p:sld>
 </file>
 
-<file path=ppt/slides/slide3.xml><?xml version="1.0" encoding="utf-8"?>
+<file path=ppt/slides/slide31.xml><?xml version="1.0" encoding="utf-8"?>
+<p:sld xmlns:a="http://schemas.openxmlformats.org/drawingml/2006/main" xmlns:r="http://schemas.openxmlformats.org/officeDocument/2006/relationships" xmlns:p="http://schemas.openxmlformats.org/presentationml/2006/main">
+  <p:cSld>
+    <p:spTree>
+      <p:nvGrpSpPr>
+        <p:cNvPr id="1" name=""/>
+        <p:cNvGrpSpPr/>
+        <p:nvPr/>
+      </p:nvGrpSpPr>
+      <p:grpSpPr>
+        <a:xfrm>
+          <a:off x="0" y="0"/>
+          <a:ext cx="0" cy="0"/>
+          <a:chOff x="0" y="0"/>
+          <a:chExt cx="0" cy="0"/>
+        </a:xfrm>
+      </p:grpSpPr>
+      <p:sp>
+        <p:nvSpPr>
+          <p:cNvPr id="2" name="Title 1"/>
+          <p:cNvSpPr>
+            <a:spLocks noGrp="1"/>
+          </p:cNvSpPr>
+          <p:nvPr>
+            <p:ph type="title"/>
+          </p:nvPr>
+        </p:nvSpPr>
+        <p:spPr/>
+        <p:txBody>
+          <a:bodyPr/>
+          <a:lstStyle/>
+          <a:p>
+            <a:r>
+              <a:rPr lang="en-US" dirty="0"/>
+              <a:t>f</a:t>
+            </a:r>
+            <a:r>
+              <a:rPr lang="en-US" dirty="0" smtClean="0"/>
+              <a:t>or of</a:t>
+            </a:r>
+            <a:endParaRPr lang="en-US" dirty="0"/>
+          </a:p>
+        </p:txBody>
+      </p:sp>
+      <p:sp>
+        <p:nvSpPr>
+          <p:cNvPr id="3" name="Text Placeholder 2"/>
+          <p:cNvSpPr>
+            <a:spLocks noGrp="1"/>
+          </p:cNvSpPr>
+          <p:nvPr>
+            <p:ph type="body" idx="1"/>
+          </p:nvPr>
+        </p:nvSpPr>
+        <p:spPr/>
+        <p:txBody>
+          <a:bodyPr/>
+          <a:lstStyle/>
+          <a:p>
+            <a:endParaRPr lang="en-US"/>
+          </a:p>
+        </p:txBody>
+      </p:sp>
+      <p:pic>
+        <p:nvPicPr>
+          <p:cNvPr id="4" name="Picture 3"/>
+          <p:cNvPicPr>
+            <a:picLocks noChangeAspect="1"/>
+          </p:cNvPicPr>
+          <p:nvPr/>
+        </p:nvPicPr>
+        <p:blipFill>
+          <a:blip r:embed="rId2"/>
+          <a:stretch>
+            <a:fillRect/>
+          </a:stretch>
+        </p:blipFill>
+        <p:spPr>
+          <a:xfrm>
+            <a:off x="1447800" y="2081212"/>
+            <a:ext cx="6248400" cy="2695575"/>
+          </a:xfrm>
+          <a:prstGeom prst="rect">
+            <a:avLst/>
+          </a:prstGeom>
+        </p:spPr>
+      </p:pic>
+    </p:spTree>
+    <p:extLst>
+      <p:ext uri="{BB962C8B-B14F-4D97-AF65-F5344CB8AC3E}">
+        <p14:creationId xmlns:p14="http://schemas.microsoft.com/office/powerpoint/2010/main" val="3647026316"/>
+      </p:ext>
+    </p:extLst>
+  </p:cSld>
+  <p:clrMapOvr>
+    <a:masterClrMapping/>
+  </p:clrMapOvr>
+  <p:transition>
+    <p:fade/>
+  </p:transition>
+  <p:timing>
+    <p:tnLst>
+      <p:par>
+        <p:cTn id="1" dur="indefinite" restart="never" nodeType="tmRoot"/>
+      </p:par>
+    </p:tnLst>
+  </p:timing>
+</p:sld>
+</file>
+
+<file path=ppt/slides/slide32.xml><?xml version="1.0" encoding="utf-8"?>
+<p:sld xmlns:a="http://schemas.openxmlformats.org/drawingml/2006/main" xmlns:r="http://schemas.openxmlformats.org/officeDocument/2006/relationships" xmlns:p="http://schemas.openxmlformats.org/presentationml/2006/main">
+  <p:cSld>
+    <p:spTree>
+      <p:nvGrpSpPr>
+        <p:cNvPr id="1" name=""/>
+        <p:cNvGrpSpPr/>
+        <p:nvPr/>
+      </p:nvGrpSpPr>
+      <p:grpSpPr>
+        <a:xfrm>
+          <a:off x="0" y="0"/>
+          <a:ext cx="0" cy="0"/>
+          <a:chOff x="0" y="0"/>
+          <a:chExt cx="0" cy="0"/>
+        </a:xfrm>
+      </p:grpSpPr>
+      <p:sp>
+        <p:nvSpPr>
+          <p:cNvPr id="2" name="Title 1"/>
+          <p:cNvSpPr>
+            <a:spLocks noGrp="1"/>
+          </p:cNvSpPr>
+          <p:nvPr>
+            <p:ph type="title"/>
+          </p:nvPr>
+        </p:nvSpPr>
+        <p:spPr/>
+        <p:txBody>
+          <a:bodyPr/>
+          <a:lstStyle/>
+          <a:p>
+            <a:r>
+              <a:rPr lang="en-US" dirty="0" smtClean="0"/>
+              <a:t>Symbol</a:t>
+            </a:r>
+            <a:endParaRPr lang="en-US" dirty="0"/>
+          </a:p>
+        </p:txBody>
+      </p:sp>
+      <p:sp>
+        <p:nvSpPr>
+          <p:cNvPr id="3" name="Text Placeholder 2"/>
+          <p:cNvSpPr>
+            <a:spLocks noGrp="1"/>
+          </p:cNvSpPr>
+          <p:nvPr>
+            <p:ph type="body" idx="1"/>
+          </p:nvPr>
+        </p:nvSpPr>
+        <p:spPr/>
+        <p:txBody>
+          <a:bodyPr/>
+          <a:lstStyle/>
+          <a:p>
+            <a:r>
+              <a:rPr lang="en-US" dirty="0" smtClean="0"/>
+              <a:t>A new type where every value is </a:t>
+            </a:r>
+            <a:r>
+              <a:rPr lang="en-US" dirty="0"/>
+              <a:t>u</a:t>
+            </a:r>
+            <a:r>
+              <a:rPr lang="en-US" dirty="0" smtClean="0"/>
+              <a:t>nique and immutable</a:t>
+            </a:r>
+          </a:p>
+          <a:p>
+            <a:r>
+              <a:rPr lang="en-US" dirty="0" smtClean="0"/>
+              <a:t>Can use a symbol as a key into an object</a:t>
+            </a:r>
+            <a:endParaRPr lang="en-US" dirty="0"/>
+          </a:p>
+        </p:txBody>
+      </p:sp>
+      <p:pic>
+        <p:nvPicPr>
+          <p:cNvPr id="4" name="Picture 3"/>
+          <p:cNvPicPr>
+            <a:picLocks noChangeAspect="1"/>
+          </p:cNvPicPr>
+          <p:nvPr/>
+        </p:nvPicPr>
+        <p:blipFill>
+          <a:blip r:embed="rId2"/>
+          <a:stretch>
+            <a:fillRect/>
+          </a:stretch>
+        </p:blipFill>
+        <p:spPr>
+          <a:xfrm>
+            <a:off x="304800" y="2333625"/>
+            <a:ext cx="6800850" cy="1933575"/>
+          </a:xfrm>
+          <a:prstGeom prst="rect">
+            <a:avLst/>
+          </a:prstGeom>
+        </p:spPr>
+      </p:pic>
+      <p:pic>
+        <p:nvPicPr>
+          <p:cNvPr id="5" name="Picture 4"/>
+          <p:cNvPicPr>
+            <a:picLocks noChangeAspect="1"/>
+          </p:cNvPicPr>
+          <p:nvPr/>
+        </p:nvPicPr>
+        <p:blipFill>
+          <a:blip r:embed="rId3"/>
+          <a:stretch>
+            <a:fillRect/>
+          </a:stretch>
+        </p:blipFill>
+        <p:spPr>
+          <a:xfrm>
+            <a:off x="2209800" y="2971800"/>
+            <a:ext cx="6324600" cy="3248025"/>
+          </a:xfrm>
+          <a:prstGeom prst="rect">
+            <a:avLst/>
+          </a:prstGeom>
+        </p:spPr>
+      </p:pic>
+    </p:spTree>
+    <p:extLst>
+      <p:ext uri="{BB962C8B-B14F-4D97-AF65-F5344CB8AC3E}">
+        <p14:creationId xmlns:p14="http://schemas.microsoft.com/office/powerpoint/2010/main" val="3501542250"/>
+      </p:ext>
+    </p:extLst>
+  </p:cSld>
+  <p:clrMapOvr>
+    <a:masterClrMapping/>
+  </p:clrMapOvr>
+  <p:transition>
+    <p:fade/>
+  </p:transition>
+  <p:timing>
+    <p:tnLst>
+      <p:par>
+        <p:cTn id="1" dur="indefinite" restart="never" nodeType="tmRoot">
+          <p:childTnLst>
+            <p:seq concurrent="1" nextAc="seek">
+              <p:cTn id="2" dur="indefinite" nodeType="mainSeq">
+                <p:childTnLst>
+                  <p:par>
+                    <p:cTn id="3" fill="hold">
+                      <p:stCondLst>
+                        <p:cond delay="indefinite"/>
+                      </p:stCondLst>
+                      <p:childTnLst>
+                        <p:par>
+                          <p:cTn id="4" fill="hold">
+                            <p:stCondLst>
+                              <p:cond delay="0"/>
+                            </p:stCondLst>
+                            <p:childTnLst>
+                              <p:par>
+                                <p:cTn id="5" presetID="10" presetClass="entr" presetSubtype="0" fill="hold" nodeType="clickEffect">
+                                  <p:stCondLst>
+                                    <p:cond delay="0"/>
+                                  </p:stCondLst>
+                                  <p:childTnLst>
+                                    <p:set>
+                                      <p:cBhvr>
+                                        <p:cTn id="6" dur="1" fill="hold">
+                                          <p:stCondLst>
+                                            <p:cond delay="0"/>
+                                          </p:stCondLst>
+                                        </p:cTn>
+                                        <p:tgtEl>
+                                          <p:spTgt spid="4"/>
+                                        </p:tgtEl>
+                                        <p:attrNameLst>
+                                          <p:attrName>style.visibility</p:attrName>
+                                        </p:attrNameLst>
+                                      </p:cBhvr>
+                                      <p:to>
+                                        <p:strVal val="visible"/>
+                                      </p:to>
+                                    </p:set>
+                                    <p:animEffect transition="in" filter="fade">
+                                      <p:cBhvr>
+                                        <p:cTn id="7" dur="500"/>
+                                        <p:tgtEl>
+                                          <p:spTgt spid="4"/>
+                                        </p:tgtEl>
+                                      </p:cBhvr>
+                                    </p:animEffect>
+                                  </p:childTnLst>
+                                </p:cTn>
+                              </p:par>
+                            </p:childTnLst>
+                          </p:cTn>
+                        </p:par>
+                      </p:childTnLst>
+                    </p:cTn>
+                  </p:par>
+                  <p:par>
+                    <p:cTn id="8" fill="hold">
+                      <p:stCondLst>
+                        <p:cond delay="indefinite"/>
+                      </p:stCondLst>
+                      <p:childTnLst>
+                        <p:par>
+                          <p:cTn id="9" fill="hold">
+                            <p:stCondLst>
+                              <p:cond delay="0"/>
+                            </p:stCondLst>
+                            <p:childTnLst>
+                              <p:par>
+                                <p:cTn id="10" presetID="10" presetClass="entr" presetSubtype="0" fill="hold" nodeType="clickEffect">
+                                  <p:stCondLst>
+                                    <p:cond delay="0"/>
+                                  </p:stCondLst>
+                                  <p:childTnLst>
+                                    <p:set>
+                                      <p:cBhvr>
+                                        <p:cTn id="11" dur="1" fill="hold">
+                                          <p:stCondLst>
+                                            <p:cond delay="0"/>
+                                          </p:stCondLst>
+                                        </p:cTn>
+                                        <p:tgtEl>
+                                          <p:spTgt spid="5"/>
+                                        </p:tgtEl>
+                                        <p:attrNameLst>
+                                          <p:attrName>style.visibility</p:attrName>
+                                        </p:attrNameLst>
+                                      </p:cBhvr>
+                                      <p:to>
+                                        <p:strVal val="visible"/>
+                                      </p:to>
+                                    </p:set>
+                                    <p:animEffect transition="in" filter="fade">
+                                      <p:cBhvr>
+                                        <p:cTn id="12" dur="500"/>
+                                        <p:tgtEl>
+                                          <p:spTgt spid="5"/>
+                                        </p:tgtEl>
+                                      </p:cBhvr>
+                                    </p:animEffect>
+                                  </p:childTnLst>
+                                </p:cTn>
+                              </p:par>
+                            </p:childTnLst>
+                          </p:cTn>
+                        </p:par>
+                      </p:childTnLst>
+                    </p:cTn>
+                  </p:par>
+                </p:childTnLst>
+              </p:cTn>
+              <p:prevCondLst>
+                <p:cond evt="onPrev" delay="0">
+                  <p:tgtEl>
+                    <p:sldTgt/>
+                  </p:tgtEl>
+                </p:cond>
+              </p:prevCondLst>
+              <p:nextCondLst>
+                <p:cond evt="onNext" delay="0">
+                  <p:tgtEl>
+                    <p:sldTgt/>
+                  </p:tgtEl>
+                </p:cond>
+              </p:nextCondLst>
+            </p:seq>
+          </p:childTnLst>
+        </p:cTn>
+      </p:par>
+    </p:tnLst>
+  </p:timing>
+</p:sld>
+</file>
+
+<file path=ppt/slides/slide33.xml><?xml version="1.0" encoding="utf-8"?>
+<p:sld xmlns:a="http://schemas.openxmlformats.org/drawingml/2006/main" xmlns:r="http://schemas.openxmlformats.org/officeDocument/2006/relationships" xmlns:p="http://schemas.openxmlformats.org/presentationml/2006/main">
+  <p:cSld>
+    <p:spTree>
+      <p:nvGrpSpPr>
+        <p:cNvPr id="1" name=""/>
+        <p:cNvGrpSpPr/>
+        <p:nvPr/>
+      </p:nvGrpSpPr>
+      <p:grpSpPr>
+        <a:xfrm>
+          <a:off x="0" y="0"/>
+          <a:ext cx="0" cy="0"/>
+          <a:chOff x="0" y="0"/>
+          <a:chExt cx="0" cy="0"/>
+        </a:xfrm>
+      </p:grpSpPr>
+      <p:sp>
+        <p:nvSpPr>
+          <p:cNvPr id="2" name="Title 1"/>
+          <p:cNvSpPr>
+            <a:spLocks noGrp="1"/>
+          </p:cNvSpPr>
+          <p:nvPr>
+            <p:ph type="title"/>
+          </p:nvPr>
+        </p:nvSpPr>
+        <p:spPr/>
+        <p:txBody>
+          <a:bodyPr/>
+          <a:lstStyle/>
+          <a:p>
+            <a:r>
+              <a:rPr lang="en-US" dirty="0" err="1" smtClean="0"/>
+              <a:t>Symbol.iterator</a:t>
+            </a:r>
+            <a:endParaRPr lang="en-US" dirty="0"/>
+          </a:p>
+        </p:txBody>
+      </p:sp>
+      <p:sp>
+        <p:nvSpPr>
+          <p:cNvPr id="3" name="Text Placeholder 2"/>
+          <p:cNvSpPr>
+            <a:spLocks noGrp="1"/>
+          </p:cNvSpPr>
+          <p:nvPr>
+            <p:ph type="body" idx="1"/>
+          </p:nvPr>
+        </p:nvSpPr>
+        <p:spPr/>
+        <p:txBody>
+          <a:bodyPr/>
+          <a:lstStyle/>
+          <a:p>
+            <a:r>
+              <a:rPr lang="en-US" dirty="0" smtClean="0"/>
+              <a:t>A magic method that makes an object iterable</a:t>
+            </a:r>
+            <a:endParaRPr lang="en-US" dirty="0"/>
+          </a:p>
+        </p:txBody>
+      </p:sp>
+      <p:pic>
+        <p:nvPicPr>
+          <p:cNvPr id="4" name="Picture 3"/>
+          <p:cNvPicPr>
+            <a:picLocks noChangeAspect="1"/>
+          </p:cNvPicPr>
+          <p:nvPr/>
+        </p:nvPicPr>
+        <p:blipFill>
+          <a:blip r:embed="rId2"/>
+          <a:stretch>
+            <a:fillRect/>
+          </a:stretch>
+        </p:blipFill>
+        <p:spPr>
+          <a:xfrm>
+            <a:off x="223837" y="2124075"/>
+            <a:ext cx="8696325" cy="2609850"/>
+          </a:xfrm>
+          <a:prstGeom prst="rect">
+            <a:avLst/>
+          </a:prstGeom>
+        </p:spPr>
+      </p:pic>
+    </p:spTree>
+    <p:extLst>
+      <p:ext uri="{BB962C8B-B14F-4D97-AF65-F5344CB8AC3E}">
+        <p14:creationId xmlns:p14="http://schemas.microsoft.com/office/powerpoint/2010/main" val="2187852041"/>
+      </p:ext>
+    </p:extLst>
+  </p:cSld>
+  <p:clrMapOvr>
+    <a:masterClrMapping/>
+  </p:clrMapOvr>
+  <p:transition>
+    <p:fade/>
+  </p:transition>
+  <p:timing>
+    <p:tnLst>
+      <p:par>
+        <p:cTn id="1" dur="indefinite" restart="never" nodeType="tmRoot"/>
+      </p:par>
+    </p:tnLst>
+  </p:timing>
+</p:sld>
+</file>
+
+<file path=ppt/slides/slide34.xml><?xml version="1.0" encoding="utf-8"?>
+<p:sld xmlns:a="http://schemas.openxmlformats.org/drawingml/2006/main" xmlns:r="http://schemas.openxmlformats.org/officeDocument/2006/relationships" xmlns:p="http://schemas.openxmlformats.org/presentationml/2006/main">
+  <p:cSld>
+    <p:spTree>
+      <p:nvGrpSpPr>
+        <p:cNvPr id="1" name=""/>
+        <p:cNvGrpSpPr/>
+        <p:nvPr/>
+      </p:nvGrpSpPr>
+      <p:grpSpPr>
+        <a:xfrm>
+          <a:off x="0" y="0"/>
+          <a:ext cx="0" cy="0"/>
+          <a:chOff x="0" y="0"/>
+          <a:chExt cx="0" cy="0"/>
+        </a:xfrm>
+      </p:grpSpPr>
+      <p:sp>
+        <p:nvSpPr>
+          <p:cNvPr id="2" name="Title 1"/>
+          <p:cNvSpPr>
+            <a:spLocks noGrp="1"/>
+          </p:cNvSpPr>
+          <p:nvPr>
+            <p:ph type="title"/>
+          </p:nvPr>
+        </p:nvSpPr>
+        <p:spPr/>
+        <p:txBody>
+          <a:bodyPr/>
+          <a:lstStyle/>
+          <a:p>
+            <a:r>
+              <a:rPr lang="en-US" dirty="0" smtClean="0"/>
+              <a:t>Make Your Own Iterable</a:t>
+            </a:r>
+            <a:endParaRPr lang="en-US" dirty="0"/>
+          </a:p>
+        </p:txBody>
+      </p:sp>
+      <p:sp>
+        <p:nvSpPr>
+          <p:cNvPr id="3" name="Text Placeholder 2"/>
+          <p:cNvSpPr>
+            <a:spLocks noGrp="1"/>
+          </p:cNvSpPr>
+          <p:nvPr>
+            <p:ph type="body" idx="1"/>
+          </p:nvPr>
+        </p:nvSpPr>
+        <p:spPr/>
+        <p:txBody>
+          <a:bodyPr/>
+          <a:lstStyle/>
+          <a:p>
+            <a:endParaRPr lang="en-US"/>
+          </a:p>
+        </p:txBody>
+      </p:sp>
+      <p:pic>
+        <p:nvPicPr>
+          <p:cNvPr id="4" name="Picture 3"/>
+          <p:cNvPicPr>
+            <a:picLocks noChangeAspect="1"/>
+          </p:cNvPicPr>
+          <p:nvPr/>
+        </p:nvPicPr>
+        <p:blipFill>
+          <a:blip r:embed="rId2"/>
+          <a:stretch>
+            <a:fillRect/>
+          </a:stretch>
+        </p:blipFill>
+        <p:spPr>
+          <a:xfrm>
+            <a:off x="381000" y="1143000"/>
+            <a:ext cx="7324725" cy="3457575"/>
+          </a:xfrm>
+          <a:prstGeom prst="rect">
+            <a:avLst/>
+          </a:prstGeom>
+        </p:spPr>
+      </p:pic>
+      <p:pic>
+        <p:nvPicPr>
+          <p:cNvPr id="5" name="Picture 4"/>
+          <p:cNvPicPr>
+            <a:picLocks noChangeAspect="1"/>
+          </p:cNvPicPr>
+          <p:nvPr/>
+        </p:nvPicPr>
+        <p:blipFill>
+          <a:blip r:embed="rId3"/>
+          <a:stretch>
+            <a:fillRect/>
+          </a:stretch>
+        </p:blipFill>
+        <p:spPr>
+          <a:xfrm>
+            <a:off x="609600" y="1441450"/>
+            <a:ext cx="8248650" cy="4876800"/>
+          </a:xfrm>
+          <a:prstGeom prst="rect">
+            <a:avLst/>
+          </a:prstGeom>
+        </p:spPr>
+      </p:pic>
+    </p:spTree>
+    <p:extLst>
+      <p:ext uri="{BB962C8B-B14F-4D97-AF65-F5344CB8AC3E}">
+        <p14:creationId xmlns:p14="http://schemas.microsoft.com/office/powerpoint/2010/main" val="456951398"/>
+      </p:ext>
+    </p:extLst>
+  </p:cSld>
+  <p:clrMapOvr>
+    <a:masterClrMapping/>
+  </p:clrMapOvr>
+  <p:transition>
+    <p:fade/>
+  </p:transition>
+  <p:timing>
+    <p:tnLst>
+      <p:par>
+        <p:cTn id="1" dur="indefinite" restart="never" nodeType="tmRoot">
+          <p:childTnLst>
+            <p:seq concurrent="1" nextAc="seek">
+              <p:cTn id="2" dur="indefinite" nodeType="mainSeq">
+                <p:childTnLst>
+                  <p:par>
+                    <p:cTn id="3" fill="hold">
+                      <p:stCondLst>
+                        <p:cond delay="indefinite"/>
+                      </p:stCondLst>
+                      <p:childTnLst>
+                        <p:par>
+                          <p:cTn id="4" fill="hold">
+                            <p:stCondLst>
+                              <p:cond delay="0"/>
+                            </p:stCondLst>
+                            <p:childTnLst>
+                              <p:par>
+                                <p:cTn id="5" presetID="10" presetClass="entr" presetSubtype="0" fill="hold" nodeType="clickEffect">
+                                  <p:stCondLst>
+                                    <p:cond delay="0"/>
+                                  </p:stCondLst>
+                                  <p:childTnLst>
+                                    <p:set>
+                                      <p:cBhvr>
+                                        <p:cTn id="6" dur="1" fill="hold">
+                                          <p:stCondLst>
+                                            <p:cond delay="0"/>
+                                          </p:stCondLst>
+                                        </p:cTn>
+                                        <p:tgtEl>
+                                          <p:spTgt spid="5"/>
+                                        </p:tgtEl>
+                                        <p:attrNameLst>
+                                          <p:attrName>style.visibility</p:attrName>
+                                        </p:attrNameLst>
+                                      </p:cBhvr>
+                                      <p:to>
+                                        <p:strVal val="visible"/>
+                                      </p:to>
+                                    </p:set>
+                                    <p:animEffect transition="in" filter="fade">
+                                      <p:cBhvr>
+                                        <p:cTn id="7" dur="500"/>
+                                        <p:tgtEl>
+                                          <p:spTgt spid="5"/>
+                                        </p:tgtEl>
+                                      </p:cBhvr>
+                                    </p:animEffect>
+                                  </p:childTnLst>
+                                </p:cTn>
+                              </p:par>
+                            </p:childTnLst>
+                          </p:cTn>
+                        </p:par>
+                      </p:childTnLst>
+                    </p:cTn>
+                  </p:par>
+                </p:childTnLst>
+              </p:cTn>
+              <p:prevCondLst>
+                <p:cond evt="onPrev" delay="0">
+                  <p:tgtEl>
+                    <p:sldTgt/>
+                  </p:tgtEl>
+                </p:cond>
+              </p:prevCondLst>
+              <p:nextCondLst>
+                <p:cond evt="onNext" delay="0">
+                  <p:tgtEl>
+                    <p:sldTgt/>
+                  </p:tgtEl>
+                </p:cond>
+              </p:nextCondLst>
+            </p:seq>
+          </p:childTnLst>
+        </p:cTn>
+      </p:par>
+    </p:tnLst>
+  </p:timing>
+</p:sld>
+</file>
+
+<file path=ppt/slides/slide35.xml><?xml version="1.0" encoding="utf-8"?>
+<p:sld xmlns:a="http://schemas.openxmlformats.org/drawingml/2006/main" xmlns:r="http://schemas.openxmlformats.org/officeDocument/2006/relationships" xmlns:p="http://schemas.openxmlformats.org/presentationml/2006/main">
+  <p:cSld>
+    <p:spTree>
+      <p:nvGrpSpPr>
+        <p:cNvPr id="1" name=""/>
+        <p:cNvGrpSpPr/>
+        <p:nvPr/>
+      </p:nvGrpSpPr>
+      <p:grpSpPr>
+        <a:xfrm>
+          <a:off x="0" y="0"/>
+          <a:ext cx="0" cy="0"/>
+          <a:chOff x="0" y="0"/>
+          <a:chExt cx="0" cy="0"/>
+        </a:xfrm>
+      </p:grpSpPr>
+      <p:sp>
+        <p:nvSpPr>
+          <p:cNvPr id="2" name="Title 1"/>
+          <p:cNvSpPr>
+            <a:spLocks noGrp="1"/>
+          </p:cNvSpPr>
+          <p:nvPr>
+            <p:ph type="title"/>
+          </p:nvPr>
+        </p:nvSpPr>
+        <p:spPr/>
+        <p:txBody>
+          <a:bodyPr/>
+          <a:lstStyle/>
+          <a:p>
+            <a:r>
+              <a:rPr lang="en-US" dirty="0" smtClean="0"/>
+              <a:t>Generators</a:t>
+            </a:r>
+            <a:endParaRPr lang="en-US" dirty="0"/>
+          </a:p>
+        </p:txBody>
+      </p:sp>
+      <p:sp>
+        <p:nvSpPr>
+          <p:cNvPr id="3" name="Text Placeholder 2"/>
+          <p:cNvSpPr>
+            <a:spLocks noGrp="1"/>
+          </p:cNvSpPr>
+          <p:nvPr>
+            <p:ph type="body" idx="1"/>
+          </p:nvPr>
+        </p:nvSpPr>
+        <p:spPr/>
+        <p:txBody>
+          <a:bodyPr/>
+          <a:lstStyle/>
+          <a:p>
+            <a:endParaRPr lang="en-US" dirty="0"/>
+          </a:p>
+        </p:txBody>
+      </p:sp>
+      <p:pic>
+        <p:nvPicPr>
+          <p:cNvPr id="4" name="Picture 3"/>
+          <p:cNvPicPr>
+            <a:picLocks noChangeAspect="1"/>
+          </p:cNvPicPr>
+          <p:nvPr/>
+        </p:nvPicPr>
+        <p:blipFill>
+          <a:blip r:embed="rId2"/>
+          <a:stretch>
+            <a:fillRect/>
+          </a:stretch>
+        </p:blipFill>
+        <p:spPr>
+          <a:xfrm>
+            <a:off x="1252537" y="1266825"/>
+            <a:ext cx="6638925" cy="4324350"/>
+          </a:xfrm>
+          <a:prstGeom prst="rect">
+            <a:avLst/>
+          </a:prstGeom>
+        </p:spPr>
+      </p:pic>
+    </p:spTree>
+    <p:extLst>
+      <p:ext uri="{BB962C8B-B14F-4D97-AF65-F5344CB8AC3E}">
+        <p14:creationId xmlns:p14="http://schemas.microsoft.com/office/powerpoint/2010/main" val="50432343"/>
+      </p:ext>
+    </p:extLst>
+  </p:cSld>
+  <p:clrMapOvr>
+    <a:masterClrMapping/>
+  </p:clrMapOvr>
+  <p:transition>
+    <p:fade/>
+  </p:transition>
+  <p:timing>
+    <p:tnLst>
+      <p:par>
+        <p:cTn id="1" dur="indefinite" restart="never" nodeType="tmRoot"/>
+      </p:par>
+    </p:tnLst>
+  </p:timing>
+</p:sld>
+</file>
+
+<file path=ppt/slides/slide36.xml><?xml version="1.0" encoding="utf-8"?>
+<p:sld xmlns:a="http://schemas.openxmlformats.org/drawingml/2006/main" xmlns:r="http://schemas.openxmlformats.org/officeDocument/2006/relationships" xmlns:p="http://schemas.openxmlformats.org/presentationml/2006/main">
+  <p:cSld>
+    <p:spTree>
+      <p:nvGrpSpPr>
+        <p:cNvPr id="1" name=""/>
+        <p:cNvGrpSpPr/>
+        <p:nvPr/>
+      </p:nvGrpSpPr>
+      <p:grpSpPr>
+        <a:xfrm>
+          <a:off x="0" y="0"/>
+          <a:ext cx="0" cy="0"/>
+          <a:chOff x="0" y="0"/>
+          <a:chExt cx="0" cy="0"/>
+        </a:xfrm>
+      </p:grpSpPr>
+      <p:sp>
+        <p:nvSpPr>
+          <p:cNvPr id="2" name="Title 1"/>
+          <p:cNvSpPr>
+            <a:spLocks noGrp="1"/>
+          </p:cNvSpPr>
+          <p:nvPr>
+            <p:ph type="title"/>
+          </p:nvPr>
+        </p:nvSpPr>
+        <p:spPr/>
+        <p:txBody>
+          <a:bodyPr/>
+          <a:lstStyle/>
+          <a:p>
+            <a:r>
+              <a:rPr lang="en-US" dirty="0" smtClean="0"/>
+              <a:t>Easy To Make Iterables</a:t>
+            </a:r>
+            <a:endParaRPr lang="en-US" dirty="0"/>
+          </a:p>
+        </p:txBody>
+      </p:sp>
+      <p:sp>
+        <p:nvSpPr>
+          <p:cNvPr id="3" name="Text Placeholder 2"/>
+          <p:cNvSpPr>
+            <a:spLocks noGrp="1"/>
+          </p:cNvSpPr>
+          <p:nvPr>
+            <p:ph type="body" idx="1"/>
+          </p:nvPr>
+        </p:nvSpPr>
+        <p:spPr/>
+        <p:txBody>
+          <a:bodyPr/>
+          <a:lstStyle/>
+          <a:p>
+            <a:endParaRPr lang="en-US"/>
+          </a:p>
+        </p:txBody>
+      </p:sp>
+      <p:pic>
+        <p:nvPicPr>
+          <p:cNvPr id="4" name="Picture 3"/>
+          <p:cNvPicPr>
+            <a:picLocks noChangeAspect="1"/>
+          </p:cNvPicPr>
+          <p:nvPr/>
+        </p:nvPicPr>
+        <p:blipFill>
+          <a:blip r:embed="rId2"/>
+          <a:stretch>
+            <a:fillRect/>
+          </a:stretch>
+        </p:blipFill>
+        <p:spPr>
+          <a:xfrm>
+            <a:off x="914400" y="1828800"/>
+            <a:ext cx="7724775" cy="3295650"/>
+          </a:xfrm>
+          <a:prstGeom prst="rect">
+            <a:avLst/>
+          </a:prstGeom>
+        </p:spPr>
+      </p:pic>
+    </p:spTree>
+    <p:extLst>
+      <p:ext uri="{BB962C8B-B14F-4D97-AF65-F5344CB8AC3E}">
+        <p14:creationId xmlns:p14="http://schemas.microsoft.com/office/powerpoint/2010/main" val="2770783712"/>
+      </p:ext>
+    </p:extLst>
+  </p:cSld>
+  <p:clrMapOvr>
+    <a:masterClrMapping/>
+  </p:clrMapOvr>
+  <p:transition>
+    <p:fade/>
+  </p:transition>
+  <p:timing>
+    <p:tnLst>
+      <p:par>
+        <p:cTn id="1" dur="indefinite" restart="never" nodeType="tmRoot"/>
+      </p:par>
+    </p:tnLst>
+  </p:timing>
+</p:sld>
+</file>
+
+<file path=ppt/slides/slide37.xml><?xml version="1.0" encoding="utf-8"?>
+<p:sld xmlns:a="http://schemas.openxmlformats.org/drawingml/2006/main" xmlns:r="http://schemas.openxmlformats.org/officeDocument/2006/relationships" xmlns:p="http://schemas.openxmlformats.org/presentationml/2006/main">
+  <p:cSld>
+    <p:spTree>
+      <p:nvGrpSpPr>
+        <p:cNvPr id="1" name=""/>
+        <p:cNvGrpSpPr/>
+        <p:nvPr/>
+      </p:nvGrpSpPr>
+      <p:grpSpPr>
+        <a:xfrm>
+          <a:off x="0" y="0"/>
+          <a:ext cx="0" cy="0"/>
+          <a:chOff x="0" y="0"/>
+          <a:chExt cx="0" cy="0"/>
+        </a:xfrm>
+      </p:grpSpPr>
+      <p:sp>
+        <p:nvSpPr>
+          <p:cNvPr id="2" name="Title 1"/>
+          <p:cNvSpPr>
+            <a:spLocks noGrp="1"/>
+          </p:cNvSpPr>
+          <p:nvPr>
+            <p:ph type="title"/>
+          </p:nvPr>
+        </p:nvSpPr>
+        <p:spPr/>
+        <p:txBody>
+          <a:bodyPr/>
+          <a:lstStyle/>
+          <a:p>
+            <a:r>
+              <a:rPr lang="en-US" dirty="0" smtClean="0"/>
+              <a:t>Problem: </a:t>
+            </a:r>
+            <a:r>
+              <a:rPr lang="en-US" dirty="0" err="1" smtClean="0"/>
+              <a:t>Async</a:t>
+            </a:r>
+            <a:r>
+              <a:rPr lang="en-US" dirty="0" smtClean="0"/>
+              <a:t> Code</a:t>
+            </a:r>
+            <a:endParaRPr lang="en-US" dirty="0"/>
+          </a:p>
+        </p:txBody>
+      </p:sp>
+      <p:pic>
+        <p:nvPicPr>
+          <p:cNvPr id="4" name="Picture 3"/>
+          <p:cNvPicPr>
+            <a:picLocks noChangeAspect="1"/>
+          </p:cNvPicPr>
+          <p:nvPr/>
+        </p:nvPicPr>
+        <p:blipFill>
+          <a:blip r:embed="rId2"/>
+          <a:stretch>
+            <a:fillRect/>
+          </a:stretch>
+        </p:blipFill>
+        <p:spPr>
+          <a:xfrm>
+            <a:off x="1066800" y="1371600"/>
+            <a:ext cx="7734300" cy="4008995"/>
+          </a:xfrm>
+          <a:prstGeom prst="rect">
+            <a:avLst/>
+          </a:prstGeom>
+        </p:spPr>
+      </p:pic>
+      <p:sp>
+        <p:nvSpPr>
+          <p:cNvPr id="5" name="Rectangle 4"/>
+          <p:cNvSpPr/>
+          <p:nvPr/>
+        </p:nvSpPr>
+        <p:spPr>
+          <a:xfrm>
+            <a:off x="685800" y="5638800"/>
+            <a:ext cx="8229600" cy="307777"/>
+          </a:xfrm>
+          <a:prstGeom prst="rect">
+            <a:avLst/>
+          </a:prstGeom>
+        </p:spPr>
+        <p:txBody>
+          <a:bodyPr wrap="square">
+            <a:spAutoFit/>
+          </a:bodyPr>
+          <a:lstStyle/>
+          <a:p>
+            <a:r>
+              <a:rPr lang="en-US" sz="1400" dirty="0">
+                <a:solidFill>
+                  <a:srgbClr val="000000"/>
+                </a:solidFill>
+                <a:latin typeface="Segoe UI" panose="020B0502040204020203" pitchFamily="34" charset="0"/>
+              </a:rPr>
+              <a:t>http://tritarget.org/blog/2012/11/28/the-pyramid-of-doom-a-javascript-style-trap/</a:t>
+            </a:r>
+            <a:endParaRPr lang="en-US" sz="1400" dirty="0"/>
+          </a:p>
+        </p:txBody>
+      </p:sp>
+    </p:spTree>
+    <p:extLst>
+      <p:ext uri="{BB962C8B-B14F-4D97-AF65-F5344CB8AC3E}">
+        <p14:creationId xmlns:p14="http://schemas.microsoft.com/office/powerpoint/2010/main" val="3878279200"/>
+      </p:ext>
+    </p:extLst>
+  </p:cSld>
+  <p:clrMapOvr>
+    <a:masterClrMapping/>
+  </p:clrMapOvr>
+  <p:transition>
+    <p:fade/>
+  </p:transition>
+  <p:timing>
+    <p:tnLst>
+      <p:par>
+        <p:cTn id="1" dur="indefinite" restart="never" nodeType="tmRoot"/>
+      </p:par>
+    </p:tnLst>
+  </p:timing>
+</p:sld>
+</file>
+
+<file path=ppt/slides/slide38.xml><?xml version="1.0" encoding="utf-8"?>
+<p:sld xmlns:a="http://schemas.openxmlformats.org/drawingml/2006/main" xmlns:r="http://schemas.openxmlformats.org/officeDocument/2006/relationships" xmlns:p="http://schemas.openxmlformats.org/presentationml/2006/main">
+  <p:cSld>
+    <p:spTree>
+      <p:nvGrpSpPr>
+        <p:cNvPr id="1" name=""/>
+        <p:cNvGrpSpPr/>
+        <p:nvPr/>
+      </p:nvGrpSpPr>
+      <p:grpSpPr>
+        <a:xfrm>
+          <a:off x="0" y="0"/>
+          <a:ext cx="0" cy="0"/>
+          <a:chOff x="0" y="0"/>
+          <a:chExt cx="0" cy="0"/>
+        </a:xfrm>
+      </p:grpSpPr>
+      <p:sp>
+        <p:nvSpPr>
+          <p:cNvPr id="2" name="Title 1"/>
+          <p:cNvSpPr>
+            <a:spLocks noGrp="1"/>
+          </p:cNvSpPr>
+          <p:nvPr>
+            <p:ph type="title"/>
+          </p:nvPr>
+        </p:nvSpPr>
+        <p:spPr/>
+        <p:txBody>
+          <a:bodyPr/>
+          <a:lstStyle/>
+          <a:p>
+            <a:r>
+              <a:rPr lang="en-US" dirty="0" smtClean="0"/>
+              <a:t>Solution: Promises</a:t>
+            </a:r>
+            <a:endParaRPr lang="en-US" dirty="0"/>
+          </a:p>
+        </p:txBody>
+      </p:sp>
+      <p:pic>
+        <p:nvPicPr>
+          <p:cNvPr id="4" name="Picture 3"/>
+          <p:cNvPicPr>
+            <a:picLocks noChangeAspect="1"/>
+          </p:cNvPicPr>
+          <p:nvPr/>
+        </p:nvPicPr>
+        <p:blipFill>
+          <a:blip r:embed="rId2"/>
+          <a:stretch>
+            <a:fillRect/>
+          </a:stretch>
+        </p:blipFill>
+        <p:spPr>
+          <a:xfrm>
+            <a:off x="1752600" y="1295400"/>
+            <a:ext cx="6081443" cy="4705350"/>
+          </a:xfrm>
+          <a:prstGeom prst="rect">
+            <a:avLst/>
+          </a:prstGeom>
+        </p:spPr>
+      </p:pic>
+    </p:spTree>
+    <p:extLst>
+      <p:ext uri="{BB962C8B-B14F-4D97-AF65-F5344CB8AC3E}">
+        <p14:creationId xmlns:p14="http://schemas.microsoft.com/office/powerpoint/2010/main" val="2409497983"/>
+      </p:ext>
+    </p:extLst>
+  </p:cSld>
+  <p:clrMapOvr>
+    <a:masterClrMapping/>
+  </p:clrMapOvr>
+  <p:transition>
+    <p:fade/>
+  </p:transition>
+  <p:timing>
+    <p:tnLst>
+      <p:par>
+        <p:cTn id="1" dur="indefinite" restart="never" nodeType="tmRoot"/>
+      </p:par>
+    </p:tnLst>
+  </p:timing>
+</p:sld>
+</file>
+
+<file path=ppt/slides/slide39.xml><?xml version="1.0" encoding="utf-8"?>
+<p:sld xmlns:a="http://schemas.openxmlformats.org/drawingml/2006/main" xmlns:r="http://schemas.openxmlformats.org/officeDocument/2006/relationships" xmlns:p="http://schemas.openxmlformats.org/presentationml/2006/main">
+  <p:cSld>
+    <p:spTree>
+      <p:nvGrpSpPr>
+        <p:cNvPr id="1" name=""/>
+        <p:cNvGrpSpPr/>
+        <p:nvPr/>
+      </p:nvGrpSpPr>
+      <p:grpSpPr>
+        <a:xfrm>
+          <a:off x="0" y="0"/>
+          <a:ext cx="0" cy="0"/>
+          <a:chOff x="0" y="0"/>
+          <a:chExt cx="0" cy="0"/>
+        </a:xfrm>
+      </p:grpSpPr>
+      <p:sp>
+        <p:nvSpPr>
+          <p:cNvPr id="2" name="Title 1"/>
+          <p:cNvSpPr>
+            <a:spLocks noGrp="1"/>
+          </p:cNvSpPr>
+          <p:nvPr>
+            <p:ph type="title"/>
+          </p:nvPr>
+        </p:nvSpPr>
+        <p:spPr/>
+        <p:txBody>
+          <a:bodyPr/>
+          <a:lstStyle/>
+          <a:p>
+            <a:r>
+              <a:rPr lang="en-US" dirty="0" smtClean="0"/>
+              <a:t>Promises Chain</a:t>
+            </a:r>
+            <a:endParaRPr lang="en-US" dirty="0"/>
+          </a:p>
+        </p:txBody>
+      </p:sp>
+      <p:sp>
+        <p:nvSpPr>
+          <p:cNvPr id="3" name="Text Placeholder 2"/>
+          <p:cNvSpPr>
+            <a:spLocks noGrp="1"/>
+          </p:cNvSpPr>
+          <p:nvPr>
+            <p:ph type="body" idx="1"/>
+          </p:nvPr>
+        </p:nvSpPr>
+        <p:spPr/>
+        <p:txBody>
+          <a:bodyPr/>
+          <a:lstStyle/>
+          <a:p>
+            <a:endParaRPr lang="en-US" dirty="0"/>
+          </a:p>
+        </p:txBody>
+      </p:sp>
+      <p:pic>
+        <p:nvPicPr>
+          <p:cNvPr id="4" name="Picture 3"/>
+          <p:cNvPicPr>
+            <a:picLocks noChangeAspect="1"/>
+          </p:cNvPicPr>
+          <p:nvPr/>
+        </p:nvPicPr>
+        <p:blipFill>
+          <a:blip r:embed="rId2"/>
+          <a:stretch>
+            <a:fillRect/>
+          </a:stretch>
+        </p:blipFill>
+        <p:spPr>
+          <a:xfrm>
+            <a:off x="2133600" y="1371600"/>
+            <a:ext cx="5381625" cy="4465164"/>
+          </a:xfrm>
+          <a:prstGeom prst="rect">
+            <a:avLst/>
+          </a:prstGeom>
+        </p:spPr>
+      </p:pic>
+    </p:spTree>
+    <p:extLst>
+      <p:ext uri="{BB962C8B-B14F-4D97-AF65-F5344CB8AC3E}">
+        <p14:creationId xmlns:p14="http://schemas.microsoft.com/office/powerpoint/2010/main" val="714271279"/>
+      </p:ext>
+    </p:extLst>
+  </p:cSld>
+  <p:clrMapOvr>
+    <a:masterClrMapping/>
+  </p:clrMapOvr>
+  <p:transition>
+    <p:fade/>
+  </p:transition>
+  <p:timing>
+    <p:tnLst>
+      <p:par>
+        <p:cTn id="1" dur="indefinite" restart="never" nodeType="tmRoot"/>
+      </p:par>
+    </p:tnLst>
+  </p:timing>
+</p:sld>
+</file>
+
+<file path=ppt/slides/slide4.xml><?xml version="1.0" encoding="utf-8"?>
 <p:sld xmlns:a="http://schemas.openxmlformats.org/drawingml/2006/main" xmlns:r="http://schemas.openxmlformats.org/officeDocument/2006/relationships" xmlns:p="http://schemas.openxmlformats.org/presentationml/2006/main">
   <p:cSld>
     <p:spTree>
@@ -14290,9 +15865,6 @@
               </a:rPr>
               <a:t>2.0</a:t>
             </a:r>
-            <a:endParaRPr lang="en-US" sz="2000" dirty="0" smtClean="0">
-              <a:latin typeface="Tekton Pro" pitchFamily="34" charset="0"/>
-            </a:endParaRPr>
           </a:p>
         </p:txBody>
       </p:sp>
@@ -14436,9 +16008,6 @@
               </a:rPr>
               <a:t>.0</a:t>
             </a:r>
-            <a:endParaRPr lang="en-US" sz="2000" dirty="0" smtClean="0">
-              <a:latin typeface="Tekton Pro" pitchFamily="34" charset="0"/>
-            </a:endParaRPr>
           </a:p>
         </p:txBody>
       </p:sp>
@@ -14511,9 +16080,6 @@
               </a:rPr>
               <a:t>.0</a:t>
             </a:r>
-            <a:endParaRPr lang="en-US" sz="2000" dirty="0" smtClean="0">
-              <a:latin typeface="Tekton Pro" pitchFamily="34" charset="0"/>
-            </a:endParaRPr>
           </a:p>
         </p:txBody>
       </p:sp>
@@ -14835,1244 +16401,7 @@
 </p:sld>
 </file>
 
-<file path=ppt/slides/slide30.xml><?xml version="1.0" encoding="utf-8"?>
-<p:sld xmlns:a="http://schemas.openxmlformats.org/drawingml/2006/main" xmlns:r="http://schemas.openxmlformats.org/officeDocument/2006/relationships" xmlns:p="http://schemas.openxmlformats.org/presentationml/2006/main">
-  <p:cSld>
-    <p:spTree>
-      <p:nvGrpSpPr>
-        <p:cNvPr id="1" name=""/>
-        <p:cNvGrpSpPr/>
-        <p:nvPr/>
-      </p:nvGrpSpPr>
-      <p:grpSpPr>
-        <a:xfrm>
-          <a:off x="0" y="0"/>
-          <a:ext cx="0" cy="0"/>
-          <a:chOff x="0" y="0"/>
-          <a:chExt cx="0" cy="0"/>
-        </a:xfrm>
-      </p:grpSpPr>
-      <p:sp>
-        <p:nvSpPr>
-          <p:cNvPr id="2" name="Title 1"/>
-          <p:cNvSpPr>
-            <a:spLocks noGrp="1"/>
-          </p:cNvSpPr>
-          <p:nvPr>
-            <p:ph type="title"/>
-          </p:nvPr>
-        </p:nvSpPr>
-        <p:spPr/>
-        <p:txBody>
-          <a:bodyPr/>
-          <a:lstStyle/>
-          <a:p>
-            <a:r>
-              <a:rPr lang="en-US" dirty="0"/>
-              <a:t>f</a:t>
-            </a:r>
-            <a:r>
-              <a:rPr lang="en-US" dirty="0" smtClean="0"/>
-              <a:t>or of</a:t>
-            </a:r>
-            <a:endParaRPr lang="en-US" dirty="0"/>
-          </a:p>
-        </p:txBody>
-      </p:sp>
-      <p:sp>
-        <p:nvSpPr>
-          <p:cNvPr id="3" name="Text Placeholder 2"/>
-          <p:cNvSpPr>
-            <a:spLocks noGrp="1"/>
-          </p:cNvSpPr>
-          <p:nvPr>
-            <p:ph type="body" idx="1"/>
-          </p:nvPr>
-        </p:nvSpPr>
-        <p:spPr/>
-        <p:txBody>
-          <a:bodyPr/>
-          <a:lstStyle/>
-          <a:p>
-            <a:endParaRPr lang="en-US"/>
-          </a:p>
-        </p:txBody>
-      </p:sp>
-      <p:pic>
-        <p:nvPicPr>
-          <p:cNvPr id="4" name="Picture 3"/>
-          <p:cNvPicPr>
-            <a:picLocks noChangeAspect="1"/>
-          </p:cNvPicPr>
-          <p:nvPr/>
-        </p:nvPicPr>
-        <p:blipFill>
-          <a:blip r:embed="rId2"/>
-          <a:stretch>
-            <a:fillRect/>
-          </a:stretch>
-        </p:blipFill>
-        <p:spPr>
-          <a:xfrm>
-            <a:off x="1447800" y="2081212"/>
-            <a:ext cx="6248400" cy="2695575"/>
-          </a:xfrm>
-          <a:prstGeom prst="rect">
-            <a:avLst/>
-          </a:prstGeom>
-        </p:spPr>
-      </p:pic>
-    </p:spTree>
-    <p:extLst>
-      <p:ext uri="{BB962C8B-B14F-4D97-AF65-F5344CB8AC3E}">
-        <p14:creationId xmlns:p14="http://schemas.microsoft.com/office/powerpoint/2010/main" val="3647026316"/>
-      </p:ext>
-    </p:extLst>
-  </p:cSld>
-  <p:clrMapOvr>
-    <a:masterClrMapping/>
-  </p:clrMapOvr>
-  <p:transition>
-    <p:fade/>
-  </p:transition>
-  <p:timing>
-    <p:tnLst>
-      <p:par>
-        <p:cTn id="1" dur="indefinite" restart="never" nodeType="tmRoot"/>
-      </p:par>
-    </p:tnLst>
-  </p:timing>
-</p:sld>
-</file>
-
-<file path=ppt/slides/slide31.xml><?xml version="1.0" encoding="utf-8"?>
-<p:sld xmlns:a="http://schemas.openxmlformats.org/drawingml/2006/main" xmlns:r="http://schemas.openxmlformats.org/officeDocument/2006/relationships" xmlns:p="http://schemas.openxmlformats.org/presentationml/2006/main">
-  <p:cSld>
-    <p:spTree>
-      <p:nvGrpSpPr>
-        <p:cNvPr id="1" name=""/>
-        <p:cNvGrpSpPr/>
-        <p:nvPr/>
-      </p:nvGrpSpPr>
-      <p:grpSpPr>
-        <a:xfrm>
-          <a:off x="0" y="0"/>
-          <a:ext cx="0" cy="0"/>
-          <a:chOff x="0" y="0"/>
-          <a:chExt cx="0" cy="0"/>
-        </a:xfrm>
-      </p:grpSpPr>
-      <p:sp>
-        <p:nvSpPr>
-          <p:cNvPr id="2" name="Title 1"/>
-          <p:cNvSpPr>
-            <a:spLocks noGrp="1"/>
-          </p:cNvSpPr>
-          <p:nvPr>
-            <p:ph type="title"/>
-          </p:nvPr>
-        </p:nvSpPr>
-        <p:spPr/>
-        <p:txBody>
-          <a:bodyPr/>
-          <a:lstStyle/>
-          <a:p>
-            <a:r>
-              <a:rPr lang="en-US" dirty="0" smtClean="0"/>
-              <a:t>Symbol</a:t>
-            </a:r>
-            <a:endParaRPr lang="en-US" dirty="0"/>
-          </a:p>
-        </p:txBody>
-      </p:sp>
-      <p:sp>
-        <p:nvSpPr>
-          <p:cNvPr id="3" name="Text Placeholder 2"/>
-          <p:cNvSpPr>
-            <a:spLocks noGrp="1"/>
-          </p:cNvSpPr>
-          <p:nvPr>
-            <p:ph type="body" idx="1"/>
-          </p:nvPr>
-        </p:nvSpPr>
-        <p:spPr/>
-        <p:txBody>
-          <a:bodyPr/>
-          <a:lstStyle/>
-          <a:p>
-            <a:r>
-              <a:rPr lang="en-US" dirty="0" smtClean="0"/>
-              <a:t>A new type where every value is </a:t>
-            </a:r>
-            <a:r>
-              <a:rPr lang="en-US" dirty="0"/>
-              <a:t>u</a:t>
-            </a:r>
-            <a:r>
-              <a:rPr lang="en-US" dirty="0" smtClean="0"/>
-              <a:t>nique and immutable</a:t>
-            </a:r>
-          </a:p>
-          <a:p>
-            <a:r>
-              <a:rPr lang="en-US" dirty="0" smtClean="0"/>
-              <a:t>Can use a symbol as a key into an object</a:t>
-            </a:r>
-            <a:endParaRPr lang="en-US" dirty="0"/>
-          </a:p>
-        </p:txBody>
-      </p:sp>
-      <p:pic>
-        <p:nvPicPr>
-          <p:cNvPr id="4" name="Picture 3"/>
-          <p:cNvPicPr>
-            <a:picLocks noChangeAspect="1"/>
-          </p:cNvPicPr>
-          <p:nvPr/>
-        </p:nvPicPr>
-        <p:blipFill>
-          <a:blip r:embed="rId2"/>
-          <a:stretch>
-            <a:fillRect/>
-          </a:stretch>
-        </p:blipFill>
-        <p:spPr>
-          <a:xfrm>
-            <a:off x="304800" y="2333625"/>
-            <a:ext cx="6800850" cy="1933575"/>
-          </a:xfrm>
-          <a:prstGeom prst="rect">
-            <a:avLst/>
-          </a:prstGeom>
-        </p:spPr>
-      </p:pic>
-      <p:pic>
-        <p:nvPicPr>
-          <p:cNvPr id="5" name="Picture 4"/>
-          <p:cNvPicPr>
-            <a:picLocks noChangeAspect="1"/>
-          </p:cNvPicPr>
-          <p:nvPr/>
-        </p:nvPicPr>
-        <p:blipFill>
-          <a:blip r:embed="rId3"/>
-          <a:stretch>
-            <a:fillRect/>
-          </a:stretch>
-        </p:blipFill>
-        <p:spPr>
-          <a:xfrm>
-            <a:off x="2209800" y="2971800"/>
-            <a:ext cx="6324600" cy="3248025"/>
-          </a:xfrm>
-          <a:prstGeom prst="rect">
-            <a:avLst/>
-          </a:prstGeom>
-        </p:spPr>
-      </p:pic>
-    </p:spTree>
-    <p:extLst>
-      <p:ext uri="{BB962C8B-B14F-4D97-AF65-F5344CB8AC3E}">
-        <p14:creationId xmlns:p14="http://schemas.microsoft.com/office/powerpoint/2010/main" val="3501542250"/>
-      </p:ext>
-    </p:extLst>
-  </p:cSld>
-  <p:clrMapOvr>
-    <a:masterClrMapping/>
-  </p:clrMapOvr>
-  <p:transition>
-    <p:fade/>
-  </p:transition>
-  <p:timing>
-    <p:tnLst>
-      <p:par>
-        <p:cTn id="1" dur="indefinite" restart="never" nodeType="tmRoot">
-          <p:childTnLst>
-            <p:seq concurrent="1" nextAc="seek">
-              <p:cTn id="2" dur="indefinite" nodeType="mainSeq">
-                <p:childTnLst>
-                  <p:par>
-                    <p:cTn id="3" fill="hold">
-                      <p:stCondLst>
-                        <p:cond delay="indefinite"/>
-                      </p:stCondLst>
-                      <p:childTnLst>
-                        <p:par>
-                          <p:cTn id="4" fill="hold">
-                            <p:stCondLst>
-                              <p:cond delay="0"/>
-                            </p:stCondLst>
-                            <p:childTnLst>
-                              <p:par>
-                                <p:cTn id="5" presetID="10" presetClass="entr" presetSubtype="0" fill="hold" nodeType="clickEffect">
-                                  <p:stCondLst>
-                                    <p:cond delay="0"/>
-                                  </p:stCondLst>
-                                  <p:childTnLst>
-                                    <p:set>
-                                      <p:cBhvr>
-                                        <p:cTn id="6" dur="1" fill="hold">
-                                          <p:stCondLst>
-                                            <p:cond delay="0"/>
-                                          </p:stCondLst>
-                                        </p:cTn>
-                                        <p:tgtEl>
-                                          <p:spTgt spid="4"/>
-                                        </p:tgtEl>
-                                        <p:attrNameLst>
-                                          <p:attrName>style.visibility</p:attrName>
-                                        </p:attrNameLst>
-                                      </p:cBhvr>
-                                      <p:to>
-                                        <p:strVal val="visible"/>
-                                      </p:to>
-                                    </p:set>
-                                    <p:animEffect transition="in" filter="fade">
-                                      <p:cBhvr>
-                                        <p:cTn id="7" dur="500"/>
-                                        <p:tgtEl>
-                                          <p:spTgt spid="4"/>
-                                        </p:tgtEl>
-                                      </p:cBhvr>
-                                    </p:animEffect>
-                                  </p:childTnLst>
-                                </p:cTn>
-                              </p:par>
-                            </p:childTnLst>
-                          </p:cTn>
-                        </p:par>
-                      </p:childTnLst>
-                    </p:cTn>
-                  </p:par>
-                  <p:par>
-                    <p:cTn id="8" fill="hold">
-                      <p:stCondLst>
-                        <p:cond delay="indefinite"/>
-                      </p:stCondLst>
-                      <p:childTnLst>
-                        <p:par>
-                          <p:cTn id="9" fill="hold">
-                            <p:stCondLst>
-                              <p:cond delay="0"/>
-                            </p:stCondLst>
-                            <p:childTnLst>
-                              <p:par>
-                                <p:cTn id="10" presetID="10" presetClass="entr" presetSubtype="0" fill="hold" nodeType="clickEffect">
-                                  <p:stCondLst>
-                                    <p:cond delay="0"/>
-                                  </p:stCondLst>
-                                  <p:childTnLst>
-                                    <p:set>
-                                      <p:cBhvr>
-                                        <p:cTn id="11" dur="1" fill="hold">
-                                          <p:stCondLst>
-                                            <p:cond delay="0"/>
-                                          </p:stCondLst>
-                                        </p:cTn>
-                                        <p:tgtEl>
-                                          <p:spTgt spid="5"/>
-                                        </p:tgtEl>
-                                        <p:attrNameLst>
-                                          <p:attrName>style.visibility</p:attrName>
-                                        </p:attrNameLst>
-                                      </p:cBhvr>
-                                      <p:to>
-                                        <p:strVal val="visible"/>
-                                      </p:to>
-                                    </p:set>
-                                    <p:animEffect transition="in" filter="fade">
-                                      <p:cBhvr>
-                                        <p:cTn id="12" dur="500"/>
-                                        <p:tgtEl>
-                                          <p:spTgt spid="5"/>
-                                        </p:tgtEl>
-                                      </p:cBhvr>
-                                    </p:animEffect>
-                                  </p:childTnLst>
-                                </p:cTn>
-                              </p:par>
-                            </p:childTnLst>
-                          </p:cTn>
-                        </p:par>
-                      </p:childTnLst>
-                    </p:cTn>
-                  </p:par>
-                </p:childTnLst>
-              </p:cTn>
-              <p:prevCondLst>
-                <p:cond evt="onPrev" delay="0">
-                  <p:tgtEl>
-                    <p:sldTgt/>
-                  </p:tgtEl>
-                </p:cond>
-              </p:prevCondLst>
-              <p:nextCondLst>
-                <p:cond evt="onNext" delay="0">
-                  <p:tgtEl>
-                    <p:sldTgt/>
-                  </p:tgtEl>
-                </p:cond>
-              </p:nextCondLst>
-            </p:seq>
-          </p:childTnLst>
-        </p:cTn>
-      </p:par>
-    </p:tnLst>
-  </p:timing>
-</p:sld>
-</file>
-
-<file path=ppt/slides/slide32.xml><?xml version="1.0" encoding="utf-8"?>
-<p:sld xmlns:a="http://schemas.openxmlformats.org/drawingml/2006/main" xmlns:r="http://schemas.openxmlformats.org/officeDocument/2006/relationships" xmlns:p="http://schemas.openxmlformats.org/presentationml/2006/main">
-  <p:cSld>
-    <p:spTree>
-      <p:nvGrpSpPr>
-        <p:cNvPr id="1" name=""/>
-        <p:cNvGrpSpPr/>
-        <p:nvPr/>
-      </p:nvGrpSpPr>
-      <p:grpSpPr>
-        <a:xfrm>
-          <a:off x="0" y="0"/>
-          <a:ext cx="0" cy="0"/>
-          <a:chOff x="0" y="0"/>
-          <a:chExt cx="0" cy="0"/>
-        </a:xfrm>
-      </p:grpSpPr>
-      <p:sp>
-        <p:nvSpPr>
-          <p:cNvPr id="2" name="Title 1"/>
-          <p:cNvSpPr>
-            <a:spLocks noGrp="1"/>
-          </p:cNvSpPr>
-          <p:nvPr>
-            <p:ph type="title"/>
-          </p:nvPr>
-        </p:nvSpPr>
-        <p:spPr/>
-        <p:txBody>
-          <a:bodyPr/>
-          <a:lstStyle/>
-          <a:p>
-            <a:r>
-              <a:rPr lang="en-US" dirty="0" err="1" smtClean="0"/>
-              <a:t>Symbol.iterator</a:t>
-            </a:r>
-            <a:endParaRPr lang="en-US" dirty="0"/>
-          </a:p>
-        </p:txBody>
-      </p:sp>
-      <p:sp>
-        <p:nvSpPr>
-          <p:cNvPr id="3" name="Text Placeholder 2"/>
-          <p:cNvSpPr>
-            <a:spLocks noGrp="1"/>
-          </p:cNvSpPr>
-          <p:nvPr>
-            <p:ph type="body" idx="1"/>
-          </p:nvPr>
-        </p:nvSpPr>
-        <p:spPr/>
-        <p:txBody>
-          <a:bodyPr/>
-          <a:lstStyle/>
-          <a:p>
-            <a:r>
-              <a:rPr lang="en-US" dirty="0" smtClean="0"/>
-              <a:t>A magic method that makes an object iterable</a:t>
-            </a:r>
-            <a:endParaRPr lang="en-US" dirty="0"/>
-          </a:p>
-        </p:txBody>
-      </p:sp>
-      <p:pic>
-        <p:nvPicPr>
-          <p:cNvPr id="4" name="Picture 3"/>
-          <p:cNvPicPr>
-            <a:picLocks noChangeAspect="1"/>
-          </p:cNvPicPr>
-          <p:nvPr/>
-        </p:nvPicPr>
-        <p:blipFill>
-          <a:blip r:embed="rId2"/>
-          <a:stretch>
-            <a:fillRect/>
-          </a:stretch>
-        </p:blipFill>
-        <p:spPr>
-          <a:xfrm>
-            <a:off x="223837" y="2124075"/>
-            <a:ext cx="8696325" cy="2609850"/>
-          </a:xfrm>
-          <a:prstGeom prst="rect">
-            <a:avLst/>
-          </a:prstGeom>
-        </p:spPr>
-      </p:pic>
-    </p:spTree>
-    <p:extLst>
-      <p:ext uri="{BB962C8B-B14F-4D97-AF65-F5344CB8AC3E}">
-        <p14:creationId xmlns:p14="http://schemas.microsoft.com/office/powerpoint/2010/main" val="2187852041"/>
-      </p:ext>
-    </p:extLst>
-  </p:cSld>
-  <p:clrMapOvr>
-    <a:masterClrMapping/>
-  </p:clrMapOvr>
-  <p:transition>
-    <p:fade/>
-  </p:transition>
-  <p:timing>
-    <p:tnLst>
-      <p:par>
-        <p:cTn id="1" dur="indefinite" restart="never" nodeType="tmRoot"/>
-      </p:par>
-    </p:tnLst>
-  </p:timing>
-</p:sld>
-</file>
-
-<file path=ppt/slides/slide33.xml><?xml version="1.0" encoding="utf-8"?>
-<p:sld xmlns:a="http://schemas.openxmlformats.org/drawingml/2006/main" xmlns:r="http://schemas.openxmlformats.org/officeDocument/2006/relationships" xmlns:p="http://schemas.openxmlformats.org/presentationml/2006/main">
-  <p:cSld>
-    <p:spTree>
-      <p:nvGrpSpPr>
-        <p:cNvPr id="1" name=""/>
-        <p:cNvGrpSpPr/>
-        <p:nvPr/>
-      </p:nvGrpSpPr>
-      <p:grpSpPr>
-        <a:xfrm>
-          <a:off x="0" y="0"/>
-          <a:ext cx="0" cy="0"/>
-          <a:chOff x="0" y="0"/>
-          <a:chExt cx="0" cy="0"/>
-        </a:xfrm>
-      </p:grpSpPr>
-      <p:sp>
-        <p:nvSpPr>
-          <p:cNvPr id="2" name="Title 1"/>
-          <p:cNvSpPr>
-            <a:spLocks noGrp="1"/>
-          </p:cNvSpPr>
-          <p:nvPr>
-            <p:ph type="title"/>
-          </p:nvPr>
-        </p:nvSpPr>
-        <p:spPr/>
-        <p:txBody>
-          <a:bodyPr/>
-          <a:lstStyle/>
-          <a:p>
-            <a:r>
-              <a:rPr lang="en-US" dirty="0" smtClean="0"/>
-              <a:t>Make Your Own Iterable</a:t>
-            </a:r>
-            <a:endParaRPr lang="en-US" dirty="0"/>
-          </a:p>
-        </p:txBody>
-      </p:sp>
-      <p:sp>
-        <p:nvSpPr>
-          <p:cNvPr id="3" name="Text Placeholder 2"/>
-          <p:cNvSpPr>
-            <a:spLocks noGrp="1"/>
-          </p:cNvSpPr>
-          <p:nvPr>
-            <p:ph type="body" idx="1"/>
-          </p:nvPr>
-        </p:nvSpPr>
-        <p:spPr/>
-        <p:txBody>
-          <a:bodyPr/>
-          <a:lstStyle/>
-          <a:p>
-            <a:endParaRPr lang="en-US"/>
-          </a:p>
-        </p:txBody>
-      </p:sp>
-      <p:pic>
-        <p:nvPicPr>
-          <p:cNvPr id="4" name="Picture 3"/>
-          <p:cNvPicPr>
-            <a:picLocks noChangeAspect="1"/>
-          </p:cNvPicPr>
-          <p:nvPr/>
-        </p:nvPicPr>
-        <p:blipFill>
-          <a:blip r:embed="rId2"/>
-          <a:stretch>
-            <a:fillRect/>
-          </a:stretch>
-        </p:blipFill>
-        <p:spPr>
-          <a:xfrm>
-            <a:off x="381000" y="1143000"/>
-            <a:ext cx="7324725" cy="3457575"/>
-          </a:xfrm>
-          <a:prstGeom prst="rect">
-            <a:avLst/>
-          </a:prstGeom>
-        </p:spPr>
-      </p:pic>
-      <p:pic>
-        <p:nvPicPr>
-          <p:cNvPr id="5" name="Picture 4"/>
-          <p:cNvPicPr>
-            <a:picLocks noChangeAspect="1"/>
-          </p:cNvPicPr>
-          <p:nvPr/>
-        </p:nvPicPr>
-        <p:blipFill>
-          <a:blip r:embed="rId3"/>
-          <a:stretch>
-            <a:fillRect/>
-          </a:stretch>
-        </p:blipFill>
-        <p:spPr>
-          <a:xfrm>
-            <a:off x="609600" y="1441450"/>
-            <a:ext cx="8248650" cy="4876800"/>
-          </a:xfrm>
-          <a:prstGeom prst="rect">
-            <a:avLst/>
-          </a:prstGeom>
-        </p:spPr>
-      </p:pic>
-    </p:spTree>
-    <p:extLst>
-      <p:ext uri="{BB962C8B-B14F-4D97-AF65-F5344CB8AC3E}">
-        <p14:creationId xmlns:p14="http://schemas.microsoft.com/office/powerpoint/2010/main" val="456951398"/>
-      </p:ext>
-    </p:extLst>
-  </p:cSld>
-  <p:clrMapOvr>
-    <a:masterClrMapping/>
-  </p:clrMapOvr>
-  <p:transition>
-    <p:fade/>
-  </p:transition>
-  <p:timing>
-    <p:tnLst>
-      <p:par>
-        <p:cTn id="1" dur="indefinite" restart="never" nodeType="tmRoot">
-          <p:childTnLst>
-            <p:seq concurrent="1" nextAc="seek">
-              <p:cTn id="2" dur="indefinite" nodeType="mainSeq">
-                <p:childTnLst>
-                  <p:par>
-                    <p:cTn id="3" fill="hold">
-                      <p:stCondLst>
-                        <p:cond delay="indefinite"/>
-                      </p:stCondLst>
-                      <p:childTnLst>
-                        <p:par>
-                          <p:cTn id="4" fill="hold">
-                            <p:stCondLst>
-                              <p:cond delay="0"/>
-                            </p:stCondLst>
-                            <p:childTnLst>
-                              <p:par>
-                                <p:cTn id="5" presetID="10" presetClass="entr" presetSubtype="0" fill="hold" nodeType="clickEffect">
-                                  <p:stCondLst>
-                                    <p:cond delay="0"/>
-                                  </p:stCondLst>
-                                  <p:childTnLst>
-                                    <p:set>
-                                      <p:cBhvr>
-                                        <p:cTn id="6" dur="1" fill="hold">
-                                          <p:stCondLst>
-                                            <p:cond delay="0"/>
-                                          </p:stCondLst>
-                                        </p:cTn>
-                                        <p:tgtEl>
-                                          <p:spTgt spid="5"/>
-                                        </p:tgtEl>
-                                        <p:attrNameLst>
-                                          <p:attrName>style.visibility</p:attrName>
-                                        </p:attrNameLst>
-                                      </p:cBhvr>
-                                      <p:to>
-                                        <p:strVal val="visible"/>
-                                      </p:to>
-                                    </p:set>
-                                    <p:animEffect transition="in" filter="fade">
-                                      <p:cBhvr>
-                                        <p:cTn id="7" dur="500"/>
-                                        <p:tgtEl>
-                                          <p:spTgt spid="5"/>
-                                        </p:tgtEl>
-                                      </p:cBhvr>
-                                    </p:animEffect>
-                                  </p:childTnLst>
-                                </p:cTn>
-                              </p:par>
-                            </p:childTnLst>
-                          </p:cTn>
-                        </p:par>
-                      </p:childTnLst>
-                    </p:cTn>
-                  </p:par>
-                </p:childTnLst>
-              </p:cTn>
-              <p:prevCondLst>
-                <p:cond evt="onPrev" delay="0">
-                  <p:tgtEl>
-                    <p:sldTgt/>
-                  </p:tgtEl>
-                </p:cond>
-              </p:prevCondLst>
-              <p:nextCondLst>
-                <p:cond evt="onNext" delay="0">
-                  <p:tgtEl>
-                    <p:sldTgt/>
-                  </p:tgtEl>
-                </p:cond>
-              </p:nextCondLst>
-            </p:seq>
-          </p:childTnLst>
-        </p:cTn>
-      </p:par>
-    </p:tnLst>
-  </p:timing>
-</p:sld>
-</file>
-
-<file path=ppt/slides/slide34.xml><?xml version="1.0" encoding="utf-8"?>
-<p:sld xmlns:a="http://schemas.openxmlformats.org/drawingml/2006/main" xmlns:r="http://schemas.openxmlformats.org/officeDocument/2006/relationships" xmlns:p="http://schemas.openxmlformats.org/presentationml/2006/main">
-  <p:cSld>
-    <p:spTree>
-      <p:nvGrpSpPr>
-        <p:cNvPr id="1" name=""/>
-        <p:cNvGrpSpPr/>
-        <p:nvPr/>
-      </p:nvGrpSpPr>
-      <p:grpSpPr>
-        <a:xfrm>
-          <a:off x="0" y="0"/>
-          <a:ext cx="0" cy="0"/>
-          <a:chOff x="0" y="0"/>
-          <a:chExt cx="0" cy="0"/>
-        </a:xfrm>
-      </p:grpSpPr>
-      <p:sp>
-        <p:nvSpPr>
-          <p:cNvPr id="2" name="Title 1"/>
-          <p:cNvSpPr>
-            <a:spLocks noGrp="1"/>
-          </p:cNvSpPr>
-          <p:nvPr>
-            <p:ph type="title"/>
-          </p:nvPr>
-        </p:nvSpPr>
-        <p:spPr/>
-        <p:txBody>
-          <a:bodyPr/>
-          <a:lstStyle/>
-          <a:p>
-            <a:r>
-              <a:rPr lang="en-US" dirty="0" smtClean="0"/>
-              <a:t>Generators</a:t>
-            </a:r>
-            <a:endParaRPr lang="en-US" dirty="0"/>
-          </a:p>
-        </p:txBody>
-      </p:sp>
-      <p:sp>
-        <p:nvSpPr>
-          <p:cNvPr id="3" name="Text Placeholder 2"/>
-          <p:cNvSpPr>
-            <a:spLocks noGrp="1"/>
-          </p:cNvSpPr>
-          <p:nvPr>
-            <p:ph type="body" idx="1"/>
-          </p:nvPr>
-        </p:nvSpPr>
-        <p:spPr/>
-        <p:txBody>
-          <a:bodyPr/>
-          <a:lstStyle/>
-          <a:p>
-            <a:endParaRPr lang="en-US" dirty="0"/>
-          </a:p>
-        </p:txBody>
-      </p:sp>
-      <p:pic>
-        <p:nvPicPr>
-          <p:cNvPr id="4" name="Picture 3"/>
-          <p:cNvPicPr>
-            <a:picLocks noChangeAspect="1"/>
-          </p:cNvPicPr>
-          <p:nvPr/>
-        </p:nvPicPr>
-        <p:blipFill>
-          <a:blip r:embed="rId2"/>
-          <a:stretch>
-            <a:fillRect/>
-          </a:stretch>
-        </p:blipFill>
-        <p:spPr>
-          <a:xfrm>
-            <a:off x="1252537" y="1266825"/>
-            <a:ext cx="6638925" cy="4324350"/>
-          </a:xfrm>
-          <a:prstGeom prst="rect">
-            <a:avLst/>
-          </a:prstGeom>
-        </p:spPr>
-      </p:pic>
-    </p:spTree>
-    <p:extLst>
-      <p:ext uri="{BB962C8B-B14F-4D97-AF65-F5344CB8AC3E}">
-        <p14:creationId xmlns:p14="http://schemas.microsoft.com/office/powerpoint/2010/main" val="50432343"/>
-      </p:ext>
-    </p:extLst>
-  </p:cSld>
-  <p:clrMapOvr>
-    <a:masterClrMapping/>
-  </p:clrMapOvr>
-  <p:transition>
-    <p:fade/>
-  </p:transition>
-  <p:timing>
-    <p:tnLst>
-      <p:par>
-        <p:cTn id="1" dur="indefinite" restart="never" nodeType="tmRoot"/>
-      </p:par>
-    </p:tnLst>
-  </p:timing>
-</p:sld>
-</file>
-
-<file path=ppt/slides/slide35.xml><?xml version="1.0" encoding="utf-8"?>
-<p:sld xmlns:a="http://schemas.openxmlformats.org/drawingml/2006/main" xmlns:r="http://schemas.openxmlformats.org/officeDocument/2006/relationships" xmlns:p="http://schemas.openxmlformats.org/presentationml/2006/main">
-  <p:cSld>
-    <p:spTree>
-      <p:nvGrpSpPr>
-        <p:cNvPr id="1" name=""/>
-        <p:cNvGrpSpPr/>
-        <p:nvPr/>
-      </p:nvGrpSpPr>
-      <p:grpSpPr>
-        <a:xfrm>
-          <a:off x="0" y="0"/>
-          <a:ext cx="0" cy="0"/>
-          <a:chOff x="0" y="0"/>
-          <a:chExt cx="0" cy="0"/>
-        </a:xfrm>
-      </p:grpSpPr>
-      <p:sp>
-        <p:nvSpPr>
-          <p:cNvPr id="2" name="Title 1"/>
-          <p:cNvSpPr>
-            <a:spLocks noGrp="1"/>
-          </p:cNvSpPr>
-          <p:nvPr>
-            <p:ph type="title"/>
-          </p:nvPr>
-        </p:nvSpPr>
-        <p:spPr/>
-        <p:txBody>
-          <a:bodyPr/>
-          <a:lstStyle/>
-          <a:p>
-            <a:r>
-              <a:rPr lang="en-US" dirty="0" smtClean="0"/>
-              <a:t>Easy To Make Iterables</a:t>
-            </a:r>
-            <a:endParaRPr lang="en-US" dirty="0"/>
-          </a:p>
-        </p:txBody>
-      </p:sp>
-      <p:sp>
-        <p:nvSpPr>
-          <p:cNvPr id="3" name="Text Placeholder 2"/>
-          <p:cNvSpPr>
-            <a:spLocks noGrp="1"/>
-          </p:cNvSpPr>
-          <p:nvPr>
-            <p:ph type="body" idx="1"/>
-          </p:nvPr>
-        </p:nvSpPr>
-        <p:spPr/>
-        <p:txBody>
-          <a:bodyPr/>
-          <a:lstStyle/>
-          <a:p>
-            <a:endParaRPr lang="en-US"/>
-          </a:p>
-        </p:txBody>
-      </p:sp>
-      <p:pic>
-        <p:nvPicPr>
-          <p:cNvPr id="4" name="Picture 3"/>
-          <p:cNvPicPr>
-            <a:picLocks noChangeAspect="1"/>
-          </p:cNvPicPr>
-          <p:nvPr/>
-        </p:nvPicPr>
-        <p:blipFill>
-          <a:blip r:embed="rId2"/>
-          <a:stretch>
-            <a:fillRect/>
-          </a:stretch>
-        </p:blipFill>
-        <p:spPr>
-          <a:xfrm>
-            <a:off x="914400" y="1828800"/>
-            <a:ext cx="7724775" cy="3295650"/>
-          </a:xfrm>
-          <a:prstGeom prst="rect">
-            <a:avLst/>
-          </a:prstGeom>
-        </p:spPr>
-      </p:pic>
-    </p:spTree>
-    <p:extLst>
-      <p:ext uri="{BB962C8B-B14F-4D97-AF65-F5344CB8AC3E}">
-        <p14:creationId xmlns:p14="http://schemas.microsoft.com/office/powerpoint/2010/main" val="2770783712"/>
-      </p:ext>
-    </p:extLst>
-  </p:cSld>
-  <p:clrMapOvr>
-    <a:masterClrMapping/>
-  </p:clrMapOvr>
-  <p:transition>
-    <p:fade/>
-  </p:transition>
-  <p:timing>
-    <p:tnLst>
-      <p:par>
-        <p:cTn id="1" dur="indefinite" restart="never" nodeType="tmRoot"/>
-      </p:par>
-    </p:tnLst>
-  </p:timing>
-</p:sld>
-</file>
-
-<file path=ppt/slides/slide36.xml><?xml version="1.0" encoding="utf-8"?>
-<p:sld xmlns:a="http://schemas.openxmlformats.org/drawingml/2006/main" xmlns:r="http://schemas.openxmlformats.org/officeDocument/2006/relationships" xmlns:p="http://schemas.openxmlformats.org/presentationml/2006/main">
-  <p:cSld>
-    <p:spTree>
-      <p:nvGrpSpPr>
-        <p:cNvPr id="1" name=""/>
-        <p:cNvGrpSpPr/>
-        <p:nvPr/>
-      </p:nvGrpSpPr>
-      <p:grpSpPr>
-        <a:xfrm>
-          <a:off x="0" y="0"/>
-          <a:ext cx="0" cy="0"/>
-          <a:chOff x="0" y="0"/>
-          <a:chExt cx="0" cy="0"/>
-        </a:xfrm>
-      </p:grpSpPr>
-      <p:sp>
-        <p:nvSpPr>
-          <p:cNvPr id="2" name="Title 1"/>
-          <p:cNvSpPr>
-            <a:spLocks noGrp="1"/>
-          </p:cNvSpPr>
-          <p:nvPr>
-            <p:ph type="title"/>
-          </p:nvPr>
-        </p:nvSpPr>
-        <p:spPr/>
-        <p:txBody>
-          <a:bodyPr/>
-          <a:lstStyle/>
-          <a:p>
-            <a:r>
-              <a:rPr lang="en-US" dirty="0" smtClean="0"/>
-              <a:t>Problem: </a:t>
-            </a:r>
-            <a:r>
-              <a:rPr lang="en-US" dirty="0" err="1" smtClean="0"/>
-              <a:t>Async</a:t>
-            </a:r>
-            <a:r>
-              <a:rPr lang="en-US" dirty="0" smtClean="0"/>
-              <a:t> Code</a:t>
-            </a:r>
-            <a:endParaRPr lang="en-US" dirty="0"/>
-          </a:p>
-        </p:txBody>
-      </p:sp>
-      <p:pic>
-        <p:nvPicPr>
-          <p:cNvPr id="4" name="Picture 3"/>
-          <p:cNvPicPr>
-            <a:picLocks noChangeAspect="1"/>
-          </p:cNvPicPr>
-          <p:nvPr/>
-        </p:nvPicPr>
-        <p:blipFill>
-          <a:blip r:embed="rId2"/>
-          <a:stretch>
-            <a:fillRect/>
-          </a:stretch>
-        </p:blipFill>
-        <p:spPr>
-          <a:xfrm>
-            <a:off x="1066800" y="1371600"/>
-            <a:ext cx="7734300" cy="4008995"/>
-          </a:xfrm>
-          <a:prstGeom prst="rect">
-            <a:avLst/>
-          </a:prstGeom>
-        </p:spPr>
-      </p:pic>
-      <p:sp>
-        <p:nvSpPr>
-          <p:cNvPr id="5" name="Rectangle 4"/>
-          <p:cNvSpPr/>
-          <p:nvPr/>
-        </p:nvSpPr>
-        <p:spPr>
-          <a:xfrm>
-            <a:off x="685800" y="5638800"/>
-            <a:ext cx="8229600" cy="307777"/>
-          </a:xfrm>
-          <a:prstGeom prst="rect">
-            <a:avLst/>
-          </a:prstGeom>
-        </p:spPr>
-        <p:txBody>
-          <a:bodyPr wrap="square">
-            <a:spAutoFit/>
-          </a:bodyPr>
-          <a:lstStyle/>
-          <a:p>
-            <a:r>
-              <a:rPr lang="en-US" sz="1400" dirty="0">
-                <a:solidFill>
-                  <a:srgbClr val="000000"/>
-                </a:solidFill>
-                <a:latin typeface="Segoe UI" panose="020B0502040204020203" pitchFamily="34" charset="0"/>
-              </a:rPr>
-              <a:t>http://tritarget.org/blog/2012/11/28/the-pyramid-of-doom-a-javascript-style-trap/</a:t>
-            </a:r>
-            <a:endParaRPr lang="en-US" sz="1400" dirty="0"/>
-          </a:p>
-        </p:txBody>
-      </p:sp>
-    </p:spTree>
-    <p:extLst>
-      <p:ext uri="{BB962C8B-B14F-4D97-AF65-F5344CB8AC3E}">
-        <p14:creationId xmlns:p14="http://schemas.microsoft.com/office/powerpoint/2010/main" val="3878279200"/>
-      </p:ext>
-    </p:extLst>
-  </p:cSld>
-  <p:clrMapOvr>
-    <a:masterClrMapping/>
-  </p:clrMapOvr>
-  <p:transition>
-    <p:fade/>
-  </p:transition>
-  <p:timing>
-    <p:tnLst>
-      <p:par>
-        <p:cTn id="1" dur="indefinite" restart="never" nodeType="tmRoot"/>
-      </p:par>
-    </p:tnLst>
-  </p:timing>
-</p:sld>
-</file>
-
-<file path=ppt/slides/slide37.xml><?xml version="1.0" encoding="utf-8"?>
-<p:sld xmlns:a="http://schemas.openxmlformats.org/drawingml/2006/main" xmlns:r="http://schemas.openxmlformats.org/officeDocument/2006/relationships" xmlns:p="http://schemas.openxmlformats.org/presentationml/2006/main">
-  <p:cSld>
-    <p:spTree>
-      <p:nvGrpSpPr>
-        <p:cNvPr id="1" name=""/>
-        <p:cNvGrpSpPr/>
-        <p:nvPr/>
-      </p:nvGrpSpPr>
-      <p:grpSpPr>
-        <a:xfrm>
-          <a:off x="0" y="0"/>
-          <a:ext cx="0" cy="0"/>
-          <a:chOff x="0" y="0"/>
-          <a:chExt cx="0" cy="0"/>
-        </a:xfrm>
-      </p:grpSpPr>
-      <p:sp>
-        <p:nvSpPr>
-          <p:cNvPr id="2" name="Title 1"/>
-          <p:cNvSpPr>
-            <a:spLocks noGrp="1"/>
-          </p:cNvSpPr>
-          <p:nvPr>
-            <p:ph type="title"/>
-          </p:nvPr>
-        </p:nvSpPr>
-        <p:spPr/>
-        <p:txBody>
-          <a:bodyPr/>
-          <a:lstStyle/>
-          <a:p>
-            <a:r>
-              <a:rPr lang="en-US" dirty="0" smtClean="0"/>
-              <a:t>Solution: Promises</a:t>
-            </a:r>
-            <a:endParaRPr lang="en-US" dirty="0"/>
-          </a:p>
-        </p:txBody>
-      </p:sp>
-      <p:pic>
-        <p:nvPicPr>
-          <p:cNvPr id="4" name="Picture 3"/>
-          <p:cNvPicPr>
-            <a:picLocks noChangeAspect="1"/>
-          </p:cNvPicPr>
-          <p:nvPr/>
-        </p:nvPicPr>
-        <p:blipFill>
-          <a:blip r:embed="rId2"/>
-          <a:stretch>
-            <a:fillRect/>
-          </a:stretch>
-        </p:blipFill>
-        <p:spPr>
-          <a:xfrm>
-            <a:off x="1752600" y="1295400"/>
-            <a:ext cx="6081443" cy="4705350"/>
-          </a:xfrm>
-          <a:prstGeom prst="rect">
-            <a:avLst/>
-          </a:prstGeom>
-        </p:spPr>
-      </p:pic>
-    </p:spTree>
-    <p:extLst>
-      <p:ext uri="{BB962C8B-B14F-4D97-AF65-F5344CB8AC3E}">
-        <p14:creationId xmlns:p14="http://schemas.microsoft.com/office/powerpoint/2010/main" val="2409497983"/>
-      </p:ext>
-    </p:extLst>
-  </p:cSld>
-  <p:clrMapOvr>
-    <a:masterClrMapping/>
-  </p:clrMapOvr>
-  <p:transition>
-    <p:fade/>
-  </p:transition>
-  <p:timing>
-    <p:tnLst>
-      <p:par>
-        <p:cTn id="1" dur="indefinite" restart="never" nodeType="tmRoot"/>
-      </p:par>
-    </p:tnLst>
-  </p:timing>
-</p:sld>
-</file>
-
-<file path=ppt/slides/slide38.xml><?xml version="1.0" encoding="utf-8"?>
-<p:sld xmlns:a="http://schemas.openxmlformats.org/drawingml/2006/main" xmlns:r="http://schemas.openxmlformats.org/officeDocument/2006/relationships" xmlns:p="http://schemas.openxmlformats.org/presentationml/2006/main">
-  <p:cSld>
-    <p:spTree>
-      <p:nvGrpSpPr>
-        <p:cNvPr id="1" name=""/>
-        <p:cNvGrpSpPr/>
-        <p:nvPr/>
-      </p:nvGrpSpPr>
-      <p:grpSpPr>
-        <a:xfrm>
-          <a:off x="0" y="0"/>
-          <a:ext cx="0" cy="0"/>
-          <a:chOff x="0" y="0"/>
-          <a:chExt cx="0" cy="0"/>
-        </a:xfrm>
-      </p:grpSpPr>
-      <p:sp>
-        <p:nvSpPr>
-          <p:cNvPr id="2" name="Title 1"/>
-          <p:cNvSpPr>
-            <a:spLocks noGrp="1"/>
-          </p:cNvSpPr>
-          <p:nvPr>
-            <p:ph type="title"/>
-          </p:nvPr>
-        </p:nvSpPr>
-        <p:spPr/>
-        <p:txBody>
-          <a:bodyPr/>
-          <a:lstStyle/>
-          <a:p>
-            <a:r>
-              <a:rPr lang="en-US" dirty="0" smtClean="0"/>
-              <a:t>Promises Chain</a:t>
-            </a:r>
-            <a:endParaRPr lang="en-US" dirty="0"/>
-          </a:p>
-        </p:txBody>
-      </p:sp>
-      <p:sp>
-        <p:nvSpPr>
-          <p:cNvPr id="3" name="Text Placeholder 2"/>
-          <p:cNvSpPr>
-            <a:spLocks noGrp="1"/>
-          </p:cNvSpPr>
-          <p:nvPr>
-            <p:ph type="body" idx="1"/>
-          </p:nvPr>
-        </p:nvSpPr>
-        <p:spPr/>
-        <p:txBody>
-          <a:bodyPr/>
-          <a:lstStyle/>
-          <a:p>
-            <a:endParaRPr lang="en-US" dirty="0"/>
-          </a:p>
-        </p:txBody>
-      </p:sp>
-      <p:pic>
-        <p:nvPicPr>
-          <p:cNvPr id="4" name="Picture 3"/>
-          <p:cNvPicPr>
-            <a:picLocks noChangeAspect="1"/>
-          </p:cNvPicPr>
-          <p:nvPr/>
-        </p:nvPicPr>
-        <p:blipFill>
-          <a:blip r:embed="rId2"/>
-          <a:stretch>
-            <a:fillRect/>
-          </a:stretch>
-        </p:blipFill>
-        <p:spPr>
-          <a:xfrm>
-            <a:off x="2133600" y="1371600"/>
-            <a:ext cx="5381625" cy="4465164"/>
-          </a:xfrm>
-          <a:prstGeom prst="rect">
-            <a:avLst/>
-          </a:prstGeom>
-        </p:spPr>
-      </p:pic>
-    </p:spTree>
-    <p:extLst>
-      <p:ext uri="{BB962C8B-B14F-4D97-AF65-F5344CB8AC3E}">
-        <p14:creationId xmlns:p14="http://schemas.microsoft.com/office/powerpoint/2010/main" val="714271279"/>
-      </p:ext>
-    </p:extLst>
-  </p:cSld>
-  <p:clrMapOvr>
-    <a:masterClrMapping/>
-  </p:clrMapOvr>
-  <p:transition>
-    <p:fade/>
-  </p:transition>
-  <p:timing>
-    <p:tnLst>
-      <p:par>
-        <p:cTn id="1" dur="indefinite" restart="never" nodeType="tmRoot"/>
-      </p:par>
-    </p:tnLst>
-  </p:timing>
-</p:sld>
-</file>
-
-<file path=ppt/slides/slide39.xml><?xml version="1.0" encoding="utf-8"?>
+<file path=ppt/slides/slide40.xml><?xml version="1.0" encoding="utf-8"?>
 <p:sld xmlns:a="http://schemas.openxmlformats.org/drawingml/2006/main" xmlns:r="http://schemas.openxmlformats.org/officeDocument/2006/relationships" xmlns:p="http://schemas.openxmlformats.org/presentationml/2006/main">
   <p:cSld>
     <p:spTree>
@@ -16177,7 +16506,1240 @@
 </p:sld>
 </file>
 
-<file path=ppt/slides/slide4.xml><?xml version="1.0" encoding="utf-8"?>
+<file path=ppt/slides/slide41.xml><?xml version="1.0" encoding="utf-8"?>
+<p:sld xmlns:a="http://schemas.openxmlformats.org/drawingml/2006/main" xmlns:r="http://schemas.openxmlformats.org/officeDocument/2006/relationships" xmlns:p="http://schemas.openxmlformats.org/presentationml/2006/main">
+  <p:cSld>
+    <p:spTree>
+      <p:nvGrpSpPr>
+        <p:cNvPr id="1" name=""/>
+        <p:cNvGrpSpPr/>
+        <p:nvPr/>
+      </p:nvGrpSpPr>
+      <p:grpSpPr>
+        <a:xfrm>
+          <a:off x="0" y="0"/>
+          <a:ext cx="0" cy="0"/>
+          <a:chOff x="0" y="0"/>
+          <a:chExt cx="0" cy="0"/>
+        </a:xfrm>
+      </p:grpSpPr>
+      <p:sp>
+        <p:nvSpPr>
+          <p:cNvPr id="2" name="Title 1"/>
+          <p:cNvSpPr>
+            <a:spLocks noGrp="1"/>
+          </p:cNvSpPr>
+          <p:nvPr>
+            <p:ph type="title"/>
+          </p:nvPr>
+        </p:nvSpPr>
+        <p:spPr/>
+        <p:txBody>
+          <a:bodyPr/>
+          <a:lstStyle/>
+          <a:p>
+            <a:r>
+              <a:rPr lang="en-US" dirty="0" smtClean="0"/>
+              <a:t>Problem: Modularity &amp; Scope</a:t>
+            </a:r>
+            <a:endParaRPr lang="en-US" dirty="0"/>
+          </a:p>
+        </p:txBody>
+      </p:sp>
+      <p:sp>
+        <p:nvSpPr>
+          <p:cNvPr id="3" name="Text Placeholder 2"/>
+          <p:cNvSpPr>
+            <a:spLocks noGrp="1"/>
+          </p:cNvSpPr>
+          <p:nvPr>
+            <p:ph type="body" idx="1"/>
+          </p:nvPr>
+        </p:nvSpPr>
+        <p:spPr/>
+        <p:txBody>
+          <a:bodyPr/>
+          <a:lstStyle/>
+          <a:p>
+            <a:r>
+              <a:rPr lang="en-US" dirty="0" smtClean="0"/>
+              <a:t>Possible solutions</a:t>
+            </a:r>
+          </a:p>
+          <a:p>
+            <a:pPr lvl="1"/>
+            <a:r>
+              <a:rPr lang="en-US" dirty="0" smtClean="0"/>
+              <a:t>Common JS</a:t>
+            </a:r>
+          </a:p>
+          <a:p>
+            <a:pPr lvl="1"/>
+            <a:r>
+              <a:rPr lang="en-US" dirty="0" smtClean="0"/>
+              <a:t>Asynchronous Module Definitions</a:t>
+            </a:r>
+          </a:p>
+          <a:p>
+            <a:pPr lvl="1"/>
+            <a:r>
+              <a:rPr lang="en-US" dirty="0" smtClean="0"/>
+              <a:t>IFFE and </a:t>
+            </a:r>
+            <a:r>
+              <a:rPr lang="en-US" dirty="0" err="1" smtClean="0"/>
+              <a:t>Globals</a:t>
+            </a:r>
+            <a:endParaRPr lang="en-US" dirty="0" smtClean="0"/>
+          </a:p>
+          <a:p>
+            <a:r>
+              <a:rPr lang="en-US" dirty="0" smtClean="0"/>
+              <a:t>Think about how current libraries are designed</a:t>
+            </a:r>
+          </a:p>
+          <a:p>
+            <a:pPr lvl="1"/>
+            <a:r>
+              <a:rPr lang="en-US" dirty="0" smtClean="0"/>
+              <a:t>jQuery -&gt; $</a:t>
+            </a:r>
+          </a:p>
+          <a:p>
+            <a:pPr lvl="1"/>
+            <a:r>
+              <a:rPr lang="en-US" dirty="0" smtClean="0"/>
+              <a:t>Angular -&gt; angular</a:t>
+            </a:r>
+          </a:p>
+          <a:p>
+            <a:pPr lvl="1"/>
+            <a:r>
+              <a:rPr lang="en-US" dirty="0" err="1" smtClean="0"/>
+              <a:t>Lodash</a:t>
+            </a:r>
+            <a:r>
+              <a:rPr lang="en-US" dirty="0" smtClean="0"/>
+              <a:t> -&gt; _</a:t>
+            </a:r>
+            <a:endParaRPr lang="en-US" dirty="0"/>
+          </a:p>
+        </p:txBody>
+      </p:sp>
+    </p:spTree>
+    <p:extLst>
+      <p:ext uri="{BB962C8B-B14F-4D97-AF65-F5344CB8AC3E}">
+        <p14:creationId xmlns:p14="http://schemas.microsoft.com/office/powerpoint/2010/main" val="2133708177"/>
+      </p:ext>
+    </p:extLst>
+  </p:cSld>
+  <p:clrMapOvr>
+    <a:masterClrMapping/>
+  </p:clrMapOvr>
+  <p:transition>
+    <p:fade/>
+  </p:transition>
+  <p:timing>
+    <p:tnLst>
+      <p:par>
+        <p:cTn id="1" dur="indefinite" restart="never" nodeType="tmRoot"/>
+      </p:par>
+    </p:tnLst>
+  </p:timing>
+</p:sld>
+</file>
+
+<file path=ppt/slides/slide42.xml><?xml version="1.0" encoding="utf-8"?>
+<p:sld xmlns:a="http://schemas.openxmlformats.org/drawingml/2006/main" xmlns:r="http://schemas.openxmlformats.org/officeDocument/2006/relationships" xmlns:p="http://schemas.openxmlformats.org/presentationml/2006/main">
+  <p:cSld>
+    <p:spTree>
+      <p:nvGrpSpPr>
+        <p:cNvPr id="1" name=""/>
+        <p:cNvGrpSpPr/>
+        <p:nvPr/>
+      </p:nvGrpSpPr>
+      <p:grpSpPr>
+        <a:xfrm>
+          <a:off x="0" y="0"/>
+          <a:ext cx="0" cy="0"/>
+          <a:chOff x="0" y="0"/>
+          <a:chExt cx="0" cy="0"/>
+        </a:xfrm>
+      </p:grpSpPr>
+      <p:sp>
+        <p:nvSpPr>
+          <p:cNvPr id="2" name="Title 1"/>
+          <p:cNvSpPr>
+            <a:spLocks noGrp="1"/>
+          </p:cNvSpPr>
+          <p:nvPr>
+            <p:ph type="title"/>
+          </p:nvPr>
+        </p:nvSpPr>
+        <p:spPr/>
+        <p:txBody>
+          <a:bodyPr/>
+          <a:lstStyle/>
+          <a:p>
+            <a:r>
+              <a:rPr lang="en-US" dirty="0" smtClean="0"/>
+              <a:t>Solution: Real Modules!</a:t>
+            </a:r>
+            <a:endParaRPr lang="en-US" dirty="0"/>
+          </a:p>
+        </p:txBody>
+      </p:sp>
+      <p:sp>
+        <p:nvSpPr>
+          <p:cNvPr id="3" name="Text Placeholder 2"/>
+          <p:cNvSpPr>
+            <a:spLocks noGrp="1"/>
+          </p:cNvSpPr>
+          <p:nvPr>
+            <p:ph type="body" idx="1"/>
+          </p:nvPr>
+        </p:nvSpPr>
+        <p:spPr/>
+        <p:txBody>
+          <a:bodyPr/>
+          <a:lstStyle/>
+          <a:p>
+            <a:r>
+              <a:rPr lang="en-US" dirty="0" smtClean="0"/>
+              <a:t>Think “module” not “file”</a:t>
+            </a:r>
+            <a:endParaRPr lang="en-US" dirty="0"/>
+          </a:p>
+        </p:txBody>
+      </p:sp>
+      <p:pic>
+        <p:nvPicPr>
+          <p:cNvPr id="4" name="Picture 3"/>
+          <p:cNvPicPr>
+            <a:picLocks noChangeAspect="1"/>
+          </p:cNvPicPr>
+          <p:nvPr/>
+        </p:nvPicPr>
+        <p:blipFill>
+          <a:blip r:embed="rId2"/>
+          <a:stretch>
+            <a:fillRect/>
+          </a:stretch>
+        </p:blipFill>
+        <p:spPr>
+          <a:xfrm>
+            <a:off x="1295400" y="2114550"/>
+            <a:ext cx="6553200" cy="4133850"/>
+          </a:xfrm>
+          <a:prstGeom prst="rect">
+            <a:avLst/>
+          </a:prstGeom>
+        </p:spPr>
+      </p:pic>
+    </p:spTree>
+    <p:extLst>
+      <p:ext uri="{BB962C8B-B14F-4D97-AF65-F5344CB8AC3E}">
+        <p14:creationId xmlns:p14="http://schemas.microsoft.com/office/powerpoint/2010/main" val="1130584943"/>
+      </p:ext>
+    </p:extLst>
+  </p:cSld>
+  <p:clrMapOvr>
+    <a:masterClrMapping/>
+  </p:clrMapOvr>
+  <p:transition>
+    <p:fade/>
+  </p:transition>
+  <p:timing>
+    <p:tnLst>
+      <p:par>
+        <p:cTn id="1" dur="indefinite" restart="never" nodeType="tmRoot"/>
+      </p:par>
+    </p:tnLst>
+  </p:timing>
+</p:sld>
+</file>
+
+<file path=ppt/slides/slide43.xml><?xml version="1.0" encoding="utf-8"?>
+<p:sld xmlns:a="http://schemas.openxmlformats.org/drawingml/2006/main" xmlns:r="http://schemas.openxmlformats.org/officeDocument/2006/relationships" xmlns:p="http://schemas.openxmlformats.org/presentationml/2006/main">
+  <p:cSld>
+    <p:spTree>
+      <p:nvGrpSpPr>
+        <p:cNvPr id="1" name=""/>
+        <p:cNvGrpSpPr/>
+        <p:nvPr/>
+      </p:nvGrpSpPr>
+      <p:grpSpPr>
+        <a:xfrm>
+          <a:off x="0" y="0"/>
+          <a:ext cx="0" cy="0"/>
+          <a:chOff x="0" y="0"/>
+          <a:chExt cx="0" cy="0"/>
+        </a:xfrm>
+      </p:grpSpPr>
+      <p:sp>
+        <p:nvSpPr>
+          <p:cNvPr id="2" name="Title 1"/>
+          <p:cNvSpPr>
+            <a:spLocks noGrp="1"/>
+          </p:cNvSpPr>
+          <p:nvPr>
+            <p:ph type="title"/>
+          </p:nvPr>
+        </p:nvSpPr>
+        <p:spPr/>
+        <p:txBody>
+          <a:bodyPr/>
+          <a:lstStyle/>
+          <a:p>
+            <a:r>
+              <a:rPr lang="en-US" dirty="0" smtClean="0"/>
+              <a:t>Imports</a:t>
+            </a:r>
+            <a:endParaRPr lang="en-US" dirty="0"/>
+          </a:p>
+        </p:txBody>
+      </p:sp>
+      <p:sp>
+        <p:nvSpPr>
+          <p:cNvPr id="3" name="Text Placeholder 2"/>
+          <p:cNvSpPr>
+            <a:spLocks noGrp="1"/>
+          </p:cNvSpPr>
+          <p:nvPr>
+            <p:ph type="body" idx="1"/>
+          </p:nvPr>
+        </p:nvSpPr>
+        <p:spPr/>
+        <p:txBody>
+          <a:bodyPr/>
+          <a:lstStyle/>
+          <a:p>
+            <a:endParaRPr lang="en-US" dirty="0"/>
+          </a:p>
+        </p:txBody>
+      </p:sp>
+      <p:pic>
+        <p:nvPicPr>
+          <p:cNvPr id="4" name="Picture 3"/>
+          <p:cNvPicPr>
+            <a:picLocks noChangeAspect="1"/>
+          </p:cNvPicPr>
+          <p:nvPr/>
+        </p:nvPicPr>
+        <p:blipFill>
+          <a:blip r:embed="rId2"/>
+          <a:stretch>
+            <a:fillRect/>
+          </a:stretch>
+        </p:blipFill>
+        <p:spPr>
+          <a:xfrm>
+            <a:off x="533400" y="1976980"/>
+            <a:ext cx="8196262" cy="3123657"/>
+          </a:xfrm>
+          <a:prstGeom prst="rect">
+            <a:avLst/>
+          </a:prstGeom>
+        </p:spPr>
+      </p:pic>
+    </p:spTree>
+    <p:extLst>
+      <p:ext uri="{BB962C8B-B14F-4D97-AF65-F5344CB8AC3E}">
+        <p14:creationId xmlns:p14="http://schemas.microsoft.com/office/powerpoint/2010/main" val="2518291001"/>
+      </p:ext>
+    </p:extLst>
+  </p:cSld>
+  <p:clrMapOvr>
+    <a:masterClrMapping/>
+  </p:clrMapOvr>
+  <p:transition>
+    <p:fade/>
+  </p:transition>
+  <p:timing>
+    <p:tnLst>
+      <p:par>
+        <p:cTn id="1" dur="indefinite" restart="never" nodeType="tmRoot"/>
+      </p:par>
+    </p:tnLst>
+  </p:timing>
+</p:sld>
+</file>
+
+<file path=ppt/slides/slide44.xml><?xml version="1.0" encoding="utf-8"?>
+<p:sld xmlns:a="http://schemas.openxmlformats.org/drawingml/2006/main" xmlns:r="http://schemas.openxmlformats.org/officeDocument/2006/relationships" xmlns:p="http://schemas.openxmlformats.org/presentationml/2006/main">
+  <p:cSld>
+    <p:spTree>
+      <p:nvGrpSpPr>
+        <p:cNvPr id="1" name=""/>
+        <p:cNvGrpSpPr/>
+        <p:nvPr/>
+      </p:nvGrpSpPr>
+      <p:grpSpPr>
+        <a:xfrm>
+          <a:off x="0" y="0"/>
+          <a:ext cx="0" cy="0"/>
+          <a:chOff x="0" y="0"/>
+          <a:chExt cx="0" cy="0"/>
+        </a:xfrm>
+      </p:grpSpPr>
+      <p:sp>
+        <p:nvSpPr>
+          <p:cNvPr id="2" name="Title 1"/>
+          <p:cNvSpPr>
+            <a:spLocks noGrp="1"/>
+          </p:cNvSpPr>
+          <p:nvPr>
+            <p:ph type="title"/>
+          </p:nvPr>
+        </p:nvSpPr>
+        <p:spPr/>
+        <p:txBody>
+          <a:bodyPr/>
+          <a:lstStyle/>
+          <a:p>
+            <a:r>
+              <a:rPr lang="en-US" dirty="0" smtClean="0"/>
+              <a:t>Multiple Exports</a:t>
+            </a:r>
+            <a:endParaRPr lang="en-US" dirty="0"/>
+          </a:p>
+        </p:txBody>
+      </p:sp>
+      <p:sp>
+        <p:nvSpPr>
+          <p:cNvPr id="3" name="Text Placeholder 2"/>
+          <p:cNvSpPr>
+            <a:spLocks noGrp="1"/>
+          </p:cNvSpPr>
+          <p:nvPr>
+            <p:ph type="body" idx="1"/>
+          </p:nvPr>
+        </p:nvSpPr>
+        <p:spPr/>
+        <p:txBody>
+          <a:bodyPr/>
+          <a:lstStyle/>
+          <a:p>
+            <a:endParaRPr lang="en-US"/>
+          </a:p>
+        </p:txBody>
+      </p:sp>
+      <p:pic>
+        <p:nvPicPr>
+          <p:cNvPr id="4" name="Picture 3"/>
+          <p:cNvPicPr>
+            <a:picLocks noChangeAspect="1"/>
+          </p:cNvPicPr>
+          <p:nvPr/>
+        </p:nvPicPr>
+        <p:blipFill>
+          <a:blip r:embed="rId2"/>
+          <a:stretch>
+            <a:fillRect/>
+          </a:stretch>
+        </p:blipFill>
+        <p:spPr>
+          <a:xfrm>
+            <a:off x="1752600" y="1252537"/>
+            <a:ext cx="6139229" cy="4886325"/>
+          </a:xfrm>
+          <a:prstGeom prst="rect">
+            <a:avLst/>
+          </a:prstGeom>
+        </p:spPr>
+      </p:pic>
+    </p:spTree>
+    <p:extLst>
+      <p:ext uri="{BB962C8B-B14F-4D97-AF65-F5344CB8AC3E}">
+        <p14:creationId xmlns:p14="http://schemas.microsoft.com/office/powerpoint/2010/main" val="4204329791"/>
+      </p:ext>
+    </p:extLst>
+  </p:cSld>
+  <p:clrMapOvr>
+    <a:masterClrMapping/>
+  </p:clrMapOvr>
+  <p:transition>
+    <p:fade/>
+  </p:transition>
+  <p:timing>
+    <p:tnLst>
+      <p:par>
+        <p:cTn id="1" dur="indefinite" restart="never" nodeType="tmRoot"/>
+      </p:par>
+    </p:tnLst>
+  </p:timing>
+</p:sld>
+</file>
+
+<file path=ppt/slides/slide45.xml><?xml version="1.0" encoding="utf-8"?>
+<p:sld xmlns:a="http://schemas.openxmlformats.org/drawingml/2006/main" xmlns:r="http://schemas.openxmlformats.org/officeDocument/2006/relationships" xmlns:p="http://schemas.openxmlformats.org/presentationml/2006/main">
+  <p:cSld>
+    <p:spTree>
+      <p:nvGrpSpPr>
+        <p:cNvPr id="1" name=""/>
+        <p:cNvGrpSpPr/>
+        <p:nvPr/>
+      </p:nvGrpSpPr>
+      <p:grpSpPr>
+        <a:xfrm>
+          <a:off x="0" y="0"/>
+          <a:ext cx="0" cy="0"/>
+          <a:chOff x="0" y="0"/>
+          <a:chExt cx="0" cy="0"/>
+        </a:xfrm>
+      </p:grpSpPr>
+      <p:sp>
+        <p:nvSpPr>
+          <p:cNvPr id="2" name="Title 1"/>
+          <p:cNvSpPr>
+            <a:spLocks noGrp="1"/>
+          </p:cNvSpPr>
+          <p:nvPr>
+            <p:ph type="title"/>
+          </p:nvPr>
+        </p:nvSpPr>
+        <p:spPr/>
+        <p:txBody>
+          <a:bodyPr/>
+          <a:lstStyle/>
+          <a:p>
+            <a:r>
+              <a:rPr lang="en-US" dirty="0" smtClean="0"/>
+              <a:t>Making It Work</a:t>
+            </a:r>
+            <a:endParaRPr lang="en-US" dirty="0"/>
+          </a:p>
+        </p:txBody>
+      </p:sp>
+      <p:sp>
+        <p:nvSpPr>
+          <p:cNvPr id="3" name="Text Placeholder 2"/>
+          <p:cNvSpPr>
+            <a:spLocks noGrp="1"/>
+          </p:cNvSpPr>
+          <p:nvPr>
+            <p:ph type="body" idx="1"/>
+          </p:nvPr>
+        </p:nvSpPr>
+        <p:spPr/>
+        <p:txBody>
+          <a:bodyPr/>
+          <a:lstStyle/>
+          <a:p>
+            <a:endParaRPr lang="en-US"/>
+          </a:p>
+        </p:txBody>
+      </p:sp>
+      <p:sp>
+        <p:nvSpPr>
+          <p:cNvPr id="4" name="Rectangle 3"/>
+          <p:cNvSpPr/>
+          <p:nvPr/>
+        </p:nvSpPr>
+        <p:spPr>
+          <a:xfrm>
+            <a:off x="2362200" y="990600"/>
+            <a:ext cx="4445063" cy="338554"/>
+          </a:xfrm>
+          <a:prstGeom prst="rect">
+            <a:avLst/>
+          </a:prstGeom>
+        </p:spPr>
+        <p:txBody>
+          <a:bodyPr wrap="none">
+            <a:spAutoFit/>
+          </a:bodyPr>
+          <a:lstStyle/>
+          <a:p>
+            <a:r>
+              <a:rPr lang="en-US" dirty="0">
+                <a:solidFill>
+                  <a:srgbClr val="000000"/>
+                </a:solidFill>
+                <a:latin typeface="Segoe UI" panose="020B0502040204020203" pitchFamily="34" charset="0"/>
+              </a:rPr>
+              <a:t>https://kangax.github.io/compat-table/es6/</a:t>
+            </a:r>
+            <a:endParaRPr lang="en-US" dirty="0"/>
+          </a:p>
+        </p:txBody>
+      </p:sp>
+      <p:pic>
+        <p:nvPicPr>
+          <p:cNvPr id="5" name="Picture 4"/>
+          <p:cNvPicPr>
+            <a:picLocks noChangeAspect="1"/>
+          </p:cNvPicPr>
+          <p:nvPr/>
+        </p:nvPicPr>
+        <p:blipFill>
+          <a:blip r:embed="rId2"/>
+          <a:stretch>
+            <a:fillRect/>
+          </a:stretch>
+        </p:blipFill>
+        <p:spPr>
+          <a:xfrm>
+            <a:off x="785812" y="1459832"/>
+            <a:ext cx="7572375" cy="4929330"/>
+          </a:xfrm>
+          <a:prstGeom prst="rect">
+            <a:avLst/>
+          </a:prstGeom>
+        </p:spPr>
+      </p:pic>
+    </p:spTree>
+    <p:extLst>
+      <p:ext uri="{BB962C8B-B14F-4D97-AF65-F5344CB8AC3E}">
+        <p14:creationId xmlns:p14="http://schemas.microsoft.com/office/powerpoint/2010/main" val="1631893286"/>
+      </p:ext>
+    </p:extLst>
+  </p:cSld>
+  <p:clrMapOvr>
+    <a:masterClrMapping/>
+  </p:clrMapOvr>
+  <p:transition>
+    <p:fade/>
+  </p:transition>
+  <p:timing>
+    <p:tnLst>
+      <p:par>
+        <p:cTn id="1" dur="indefinite" restart="never" nodeType="tmRoot"/>
+      </p:par>
+    </p:tnLst>
+  </p:timing>
+</p:sld>
+</file>
+
+<file path=ppt/slides/slide46.xml><?xml version="1.0" encoding="utf-8"?>
+<p:sld xmlns:a="http://schemas.openxmlformats.org/drawingml/2006/main" xmlns:r="http://schemas.openxmlformats.org/officeDocument/2006/relationships" xmlns:p="http://schemas.openxmlformats.org/presentationml/2006/main">
+  <p:cSld>
+    <p:spTree>
+      <p:nvGrpSpPr>
+        <p:cNvPr id="1" name=""/>
+        <p:cNvGrpSpPr/>
+        <p:nvPr/>
+      </p:nvGrpSpPr>
+      <p:grpSpPr>
+        <a:xfrm>
+          <a:off x="0" y="0"/>
+          <a:ext cx="0" cy="0"/>
+          <a:chOff x="0" y="0"/>
+          <a:chExt cx="0" cy="0"/>
+        </a:xfrm>
+      </p:grpSpPr>
+      <p:sp>
+        <p:nvSpPr>
+          <p:cNvPr id="2" name="Title 1"/>
+          <p:cNvSpPr>
+            <a:spLocks noGrp="1"/>
+          </p:cNvSpPr>
+          <p:nvPr>
+            <p:ph type="title"/>
+          </p:nvPr>
+        </p:nvSpPr>
+        <p:spPr/>
+        <p:txBody>
+          <a:bodyPr/>
+          <a:lstStyle/>
+          <a:p>
+            <a:r>
+              <a:rPr lang="en-US" dirty="0" smtClean="0"/>
+              <a:t>Build Your JavaScript</a:t>
+            </a:r>
+            <a:endParaRPr lang="en-US" dirty="0"/>
+          </a:p>
+        </p:txBody>
+      </p:sp>
+      <p:sp>
+        <p:nvSpPr>
+          <p:cNvPr id="3" name="Text Placeholder 2"/>
+          <p:cNvSpPr>
+            <a:spLocks noGrp="1"/>
+          </p:cNvSpPr>
+          <p:nvPr>
+            <p:ph type="body" idx="1"/>
+          </p:nvPr>
+        </p:nvSpPr>
+        <p:spPr/>
+        <p:txBody>
+          <a:bodyPr/>
+          <a:lstStyle/>
+          <a:p>
+            <a:r>
+              <a:rPr lang="en-US" dirty="0" smtClean="0"/>
+              <a:t>Use with Grunt, Gulp, </a:t>
+            </a:r>
+            <a:r>
+              <a:rPr lang="en-US" dirty="0" err="1" smtClean="0"/>
+              <a:t>WebPack</a:t>
+            </a:r>
+            <a:r>
+              <a:rPr lang="en-US" dirty="0" smtClean="0"/>
+              <a:t>, JSPM</a:t>
+            </a:r>
+          </a:p>
+          <a:p>
+            <a:pPr lvl="1"/>
+            <a:r>
+              <a:rPr lang="en-US" dirty="0" smtClean="0"/>
+              <a:t>Many others</a:t>
+            </a:r>
+            <a:endParaRPr lang="en-US" dirty="0"/>
+          </a:p>
+          <a:p>
+            <a:pPr lvl="1"/>
+            <a:r>
+              <a:rPr lang="en-US" dirty="0"/>
+              <a:t>O</a:t>
+            </a:r>
+            <a:r>
+              <a:rPr lang="en-US" dirty="0" smtClean="0"/>
+              <a:t>r . . . directly in a browser</a:t>
+            </a:r>
+            <a:endParaRPr lang="en-US" dirty="0"/>
+          </a:p>
+        </p:txBody>
+      </p:sp>
+      <p:pic>
+        <p:nvPicPr>
+          <p:cNvPr id="5" name="Picture 4"/>
+          <p:cNvPicPr>
+            <a:picLocks noChangeAspect="1"/>
+          </p:cNvPicPr>
+          <p:nvPr/>
+        </p:nvPicPr>
+        <p:blipFill>
+          <a:blip r:embed="rId2"/>
+          <a:stretch>
+            <a:fillRect/>
+          </a:stretch>
+        </p:blipFill>
+        <p:spPr>
+          <a:xfrm>
+            <a:off x="990600" y="2967038"/>
+            <a:ext cx="7332777" cy="2519362"/>
+          </a:xfrm>
+          <a:prstGeom prst="rect">
+            <a:avLst/>
+          </a:prstGeom>
+        </p:spPr>
+      </p:pic>
+      <p:sp>
+        <p:nvSpPr>
+          <p:cNvPr id="6" name="Rectangle 5"/>
+          <p:cNvSpPr/>
+          <p:nvPr/>
+        </p:nvSpPr>
+        <p:spPr>
+          <a:xfrm>
+            <a:off x="3402446" y="990600"/>
+            <a:ext cx="1931554" cy="338554"/>
+          </a:xfrm>
+          <a:prstGeom prst="rect">
+            <a:avLst/>
+          </a:prstGeom>
+        </p:spPr>
+        <p:txBody>
+          <a:bodyPr wrap="none">
+            <a:spAutoFit/>
+          </a:bodyPr>
+          <a:lstStyle/>
+          <a:p>
+            <a:r>
+              <a:rPr lang="en-US" dirty="0">
+                <a:solidFill>
+                  <a:srgbClr val="000000"/>
+                </a:solidFill>
+                <a:latin typeface="Segoe UI" panose="020B0502040204020203" pitchFamily="34" charset="0"/>
+              </a:rPr>
+              <a:t>https://babeljs.io/</a:t>
+            </a:r>
+            <a:endParaRPr lang="en-US" dirty="0"/>
+          </a:p>
+        </p:txBody>
+      </p:sp>
+    </p:spTree>
+    <p:extLst>
+      <p:ext uri="{BB962C8B-B14F-4D97-AF65-F5344CB8AC3E}">
+        <p14:creationId xmlns:p14="http://schemas.microsoft.com/office/powerpoint/2010/main" val="1082727983"/>
+      </p:ext>
+    </p:extLst>
+  </p:cSld>
+  <p:clrMapOvr>
+    <a:masterClrMapping/>
+  </p:clrMapOvr>
+  <p:transition>
+    <p:fade/>
+  </p:transition>
+  <p:timing>
+    <p:tnLst>
+      <p:par>
+        <p:cTn id="1" dur="indefinite" restart="never" nodeType="tmRoot"/>
+      </p:par>
+    </p:tnLst>
+  </p:timing>
+</p:sld>
+</file>
+
+<file path=ppt/slides/slide47.xml><?xml version="1.0" encoding="utf-8"?>
+<p:sld xmlns:a="http://schemas.openxmlformats.org/drawingml/2006/main" xmlns:r="http://schemas.openxmlformats.org/officeDocument/2006/relationships" xmlns:p="http://schemas.openxmlformats.org/presentationml/2006/main">
+  <p:cSld>
+    <p:spTree>
+      <p:nvGrpSpPr>
+        <p:cNvPr id="1" name=""/>
+        <p:cNvGrpSpPr/>
+        <p:nvPr/>
+      </p:nvGrpSpPr>
+      <p:grpSpPr>
+        <a:xfrm>
+          <a:off x="0" y="0"/>
+          <a:ext cx="0" cy="0"/>
+          <a:chOff x="0" y="0"/>
+          <a:chExt cx="0" cy="0"/>
+        </a:xfrm>
+      </p:grpSpPr>
+      <p:sp>
+        <p:nvSpPr>
+          <p:cNvPr id="2" name="Title 1"/>
+          <p:cNvSpPr>
+            <a:spLocks noGrp="1"/>
+          </p:cNvSpPr>
+          <p:nvPr>
+            <p:ph type="title"/>
+          </p:nvPr>
+        </p:nvSpPr>
+        <p:spPr/>
+        <p:txBody>
+          <a:bodyPr/>
+          <a:lstStyle/>
+          <a:p>
+            <a:r>
+              <a:rPr lang="en-US" dirty="0" err="1" smtClean="0"/>
+              <a:t>Polyfill</a:t>
+            </a:r>
+            <a:r>
+              <a:rPr lang="en-US" dirty="0" smtClean="0"/>
+              <a:t> Your Browser</a:t>
+            </a:r>
+            <a:endParaRPr lang="en-US" dirty="0"/>
+          </a:p>
+        </p:txBody>
+      </p:sp>
+      <p:sp>
+        <p:nvSpPr>
+          <p:cNvPr id="3" name="Text Placeholder 2"/>
+          <p:cNvSpPr>
+            <a:spLocks noGrp="1"/>
+          </p:cNvSpPr>
+          <p:nvPr>
+            <p:ph type="body" idx="1"/>
+          </p:nvPr>
+        </p:nvSpPr>
+        <p:spPr/>
+        <p:txBody>
+          <a:bodyPr/>
+          <a:lstStyle/>
+          <a:p>
+            <a:r>
+              <a:rPr lang="en-US" dirty="0" smtClean="0"/>
+              <a:t>Almost automatic with many bundling tools</a:t>
+            </a:r>
+            <a:endParaRPr lang="en-US" dirty="0"/>
+          </a:p>
+        </p:txBody>
+      </p:sp>
+      <p:pic>
+        <p:nvPicPr>
+          <p:cNvPr id="4" name="Picture 3"/>
+          <p:cNvPicPr>
+            <a:picLocks noChangeAspect="1"/>
+          </p:cNvPicPr>
+          <p:nvPr/>
+        </p:nvPicPr>
+        <p:blipFill>
+          <a:blip r:embed="rId2"/>
+          <a:stretch>
+            <a:fillRect/>
+          </a:stretch>
+        </p:blipFill>
+        <p:spPr>
+          <a:xfrm>
+            <a:off x="1066800" y="2286000"/>
+            <a:ext cx="7205662" cy="2531369"/>
+          </a:xfrm>
+          <a:prstGeom prst="rect">
+            <a:avLst/>
+          </a:prstGeom>
+        </p:spPr>
+      </p:pic>
+    </p:spTree>
+    <p:extLst>
+      <p:ext uri="{BB962C8B-B14F-4D97-AF65-F5344CB8AC3E}">
+        <p14:creationId xmlns:p14="http://schemas.microsoft.com/office/powerpoint/2010/main" val="3744934740"/>
+      </p:ext>
+    </p:extLst>
+  </p:cSld>
+  <p:clrMapOvr>
+    <a:masterClrMapping/>
+  </p:clrMapOvr>
+  <p:transition>
+    <p:fade/>
+  </p:transition>
+  <p:timing>
+    <p:tnLst>
+      <p:par>
+        <p:cTn id="1" dur="indefinite" restart="never" nodeType="tmRoot"/>
+      </p:par>
+    </p:tnLst>
+  </p:timing>
+</p:sld>
+</file>
+
+<file path=ppt/slides/slide48.xml><?xml version="1.0" encoding="utf-8"?>
+<p:sld xmlns:a="http://schemas.openxmlformats.org/drawingml/2006/main" xmlns:r="http://schemas.openxmlformats.org/officeDocument/2006/relationships" xmlns:p="http://schemas.openxmlformats.org/presentationml/2006/main">
+  <p:cSld>
+    <p:spTree>
+      <p:nvGrpSpPr>
+        <p:cNvPr id="1" name=""/>
+        <p:cNvGrpSpPr/>
+        <p:nvPr/>
+      </p:nvGrpSpPr>
+      <p:grpSpPr>
+        <a:xfrm>
+          <a:off x="0" y="0"/>
+          <a:ext cx="0" cy="0"/>
+          <a:chOff x="0" y="0"/>
+          <a:chExt cx="0" cy="0"/>
+        </a:xfrm>
+      </p:grpSpPr>
+      <p:sp>
+        <p:nvSpPr>
+          <p:cNvPr id="2" name="Title 1"/>
+          <p:cNvSpPr>
+            <a:spLocks noGrp="1"/>
+          </p:cNvSpPr>
+          <p:nvPr>
+            <p:ph type="title"/>
+          </p:nvPr>
+        </p:nvSpPr>
+        <p:spPr/>
+        <p:txBody>
+          <a:bodyPr/>
+          <a:lstStyle/>
+          <a:p>
+            <a:r>
+              <a:rPr lang="en-US" dirty="0" smtClean="0"/>
+              <a:t>Build Your Modules</a:t>
+            </a:r>
+            <a:endParaRPr lang="en-US" dirty="0"/>
+          </a:p>
+        </p:txBody>
+      </p:sp>
+      <p:sp>
+        <p:nvSpPr>
+          <p:cNvPr id="3" name="Text Placeholder 2"/>
+          <p:cNvSpPr>
+            <a:spLocks noGrp="1"/>
+          </p:cNvSpPr>
+          <p:nvPr>
+            <p:ph type="body" idx="1"/>
+          </p:nvPr>
+        </p:nvSpPr>
+        <p:spPr/>
+        <p:txBody>
+          <a:bodyPr/>
+          <a:lstStyle/>
+          <a:p>
+            <a:r>
+              <a:rPr lang="en-US" dirty="0" smtClean="0"/>
+              <a:t>Bundle them, too</a:t>
+            </a:r>
+            <a:endParaRPr lang="en-US" dirty="0"/>
+          </a:p>
+        </p:txBody>
+      </p:sp>
+      <p:pic>
+        <p:nvPicPr>
+          <p:cNvPr id="4" name="Picture 3"/>
+          <p:cNvPicPr>
+            <a:picLocks noChangeAspect="1"/>
+          </p:cNvPicPr>
+          <p:nvPr/>
+        </p:nvPicPr>
+        <p:blipFill>
+          <a:blip r:embed="rId2"/>
+          <a:stretch>
+            <a:fillRect/>
+          </a:stretch>
+        </p:blipFill>
+        <p:spPr>
+          <a:xfrm>
+            <a:off x="1524000" y="2667000"/>
+            <a:ext cx="6225208" cy="2921204"/>
+          </a:xfrm>
+          <a:prstGeom prst="rect">
+            <a:avLst/>
+          </a:prstGeom>
+        </p:spPr>
+      </p:pic>
+      <p:sp>
+        <p:nvSpPr>
+          <p:cNvPr id="5" name="Rectangle 4"/>
+          <p:cNvSpPr/>
+          <p:nvPr/>
+        </p:nvSpPr>
+        <p:spPr>
+          <a:xfrm>
+            <a:off x="3124200" y="1066800"/>
+            <a:ext cx="2714589" cy="338554"/>
+          </a:xfrm>
+          <a:prstGeom prst="rect">
+            <a:avLst/>
+          </a:prstGeom>
+        </p:spPr>
+        <p:txBody>
+          <a:bodyPr wrap="none">
+            <a:spAutoFit/>
+          </a:bodyPr>
+          <a:lstStyle/>
+          <a:p>
+            <a:r>
+              <a:rPr lang="en-US" dirty="0">
+                <a:solidFill>
+                  <a:srgbClr val="000000"/>
+                </a:solidFill>
+                <a:latin typeface="Segoe UI" panose="020B0502040204020203" pitchFamily="34" charset="0"/>
+              </a:rPr>
+              <a:t>http://webpack.github.io/</a:t>
+            </a:r>
+            <a:endParaRPr lang="en-US" dirty="0"/>
+          </a:p>
+        </p:txBody>
+      </p:sp>
+    </p:spTree>
+    <p:extLst>
+      <p:ext uri="{BB962C8B-B14F-4D97-AF65-F5344CB8AC3E}">
+        <p14:creationId xmlns:p14="http://schemas.microsoft.com/office/powerpoint/2010/main" val="1429225010"/>
+      </p:ext>
+    </p:extLst>
+  </p:cSld>
+  <p:clrMapOvr>
+    <a:masterClrMapping/>
+  </p:clrMapOvr>
+  <p:transition>
+    <p:fade/>
+  </p:transition>
+  <p:timing>
+    <p:tnLst>
+      <p:par>
+        <p:cTn id="1" dur="indefinite" restart="never" nodeType="tmRoot"/>
+      </p:par>
+    </p:tnLst>
+  </p:timing>
+</p:sld>
+</file>
+
+<file path=ppt/slides/slide49.xml><?xml version="1.0" encoding="utf-8"?>
+<p:sld xmlns:a="http://schemas.openxmlformats.org/drawingml/2006/main" xmlns:r="http://schemas.openxmlformats.org/officeDocument/2006/relationships" xmlns:p="http://schemas.openxmlformats.org/presentationml/2006/main">
+  <p:cSld>
+    <p:spTree>
+      <p:nvGrpSpPr>
+        <p:cNvPr id="1" name=""/>
+        <p:cNvGrpSpPr/>
+        <p:nvPr/>
+      </p:nvGrpSpPr>
+      <p:grpSpPr>
+        <a:xfrm>
+          <a:off x="0" y="0"/>
+          <a:ext cx="0" cy="0"/>
+          <a:chOff x="0" y="0"/>
+          <a:chExt cx="0" cy="0"/>
+        </a:xfrm>
+      </p:grpSpPr>
+      <p:sp>
+        <p:nvSpPr>
+          <p:cNvPr id="5" name="Text Placeholder 4"/>
+          <p:cNvSpPr>
+            <a:spLocks noGrp="1"/>
+          </p:cNvSpPr>
+          <p:nvPr>
+            <p:ph type="body" sz="quarter" idx="10"/>
+          </p:nvPr>
+        </p:nvSpPr>
+        <p:spPr>
+          <a:xfrm>
+            <a:off x="4852134" y="3055458"/>
+            <a:ext cx="4089936" cy="2289409"/>
+          </a:xfrm>
+        </p:spPr>
+        <p:txBody>
+          <a:bodyPr/>
+          <a:lstStyle/>
+          <a:p>
+            <a:r>
+              <a:rPr lang="en-US" dirty="0" smtClean="0"/>
+              <a:t>My </a:t>
+            </a:r>
+            <a:r>
+              <a:rPr lang="en-US" dirty="0"/>
+              <a:t>Connect</a:t>
+            </a:r>
+          </a:p>
+          <a:p>
+            <a:pPr lvl="1"/>
+            <a:r>
+              <a:rPr lang="en-US" dirty="0"/>
+              <a:t>On the page for this session, you’ll find</a:t>
+            </a:r>
+          </a:p>
+          <a:p>
+            <a:pPr marL="252101" lvl="1" indent="-252101">
+              <a:buFont typeface="Arial" panose="020B0604020202020204" pitchFamily="34" charset="0"/>
+              <a:buChar char="•"/>
+            </a:pPr>
+            <a:r>
+              <a:rPr lang="en-US" dirty="0"/>
+              <a:t>Ask a question to the speaker(s)</a:t>
+            </a:r>
+          </a:p>
+          <a:p>
+            <a:pPr marL="252101" lvl="1" indent="-252101">
+              <a:buFont typeface="Arial" panose="020B0604020202020204" pitchFamily="34" charset="0"/>
+              <a:buChar char="•"/>
+            </a:pPr>
+            <a:r>
+              <a:rPr lang="en-US" dirty="0"/>
+              <a:t>Slides</a:t>
+            </a:r>
+          </a:p>
+          <a:p>
+            <a:pPr marL="252101" lvl="1" indent="-252101">
+              <a:buFont typeface="Arial" panose="020B0604020202020204" pitchFamily="34" charset="0"/>
+              <a:buChar char="•"/>
+            </a:pPr>
+            <a:r>
+              <a:rPr lang="en-US" dirty="0"/>
+              <a:t>Resources</a:t>
+            </a:r>
+          </a:p>
+          <a:p>
+            <a:pPr marL="252101" lvl="1" indent="-252101">
+              <a:buFont typeface="Arial" panose="020B0604020202020204" pitchFamily="34" charset="0"/>
+              <a:buChar char="•"/>
+            </a:pPr>
+            <a:r>
+              <a:rPr lang="en-US" dirty="0" smtClean="0"/>
+              <a:t>Feedback form</a:t>
+            </a:r>
+            <a:endParaRPr lang="en-US" dirty="0"/>
+          </a:p>
+        </p:txBody>
+      </p:sp>
+      <p:sp>
+        <p:nvSpPr>
+          <p:cNvPr id="6" name="Text Placeholder 5"/>
+          <p:cNvSpPr>
+            <a:spLocks noGrp="1"/>
+          </p:cNvSpPr>
+          <p:nvPr>
+            <p:ph type="body" sz="quarter" idx="11"/>
+          </p:nvPr>
+        </p:nvSpPr>
+        <p:spPr>
+          <a:xfrm>
+            <a:off x="201930" y="3055457"/>
+            <a:ext cx="4033911" cy="1630831"/>
+          </a:xfrm>
+        </p:spPr>
+        <p:txBody>
+          <a:bodyPr/>
+          <a:lstStyle/>
+          <a:p>
+            <a:r>
+              <a:rPr lang="en-US" dirty="0"/>
+              <a:t>Connect with me</a:t>
+            </a:r>
+          </a:p>
+          <a:p>
+            <a:pPr lvl="1"/>
+            <a:r>
+              <a:rPr lang="en-US" dirty="0" smtClean="0"/>
+              <a:t>@</a:t>
+            </a:r>
+            <a:r>
+              <a:rPr lang="en-US" dirty="0" err="1" smtClean="0"/>
+              <a:t>OdeToCode</a:t>
+            </a:r>
+            <a:endParaRPr lang="en-US" dirty="0" smtClean="0"/>
+          </a:p>
+          <a:p>
+            <a:pPr lvl="1"/>
+            <a:r>
+              <a:rPr lang="en-US" dirty="0" smtClean="0"/>
+              <a:t>scott@OdeToCode.com</a:t>
+            </a:r>
+            <a:endParaRPr lang="en-US" dirty="0"/>
+          </a:p>
+          <a:p>
+            <a:endParaRPr lang="en-US" dirty="0"/>
+          </a:p>
+        </p:txBody>
+      </p:sp>
+      <p:pic>
+        <p:nvPicPr>
+          <p:cNvPr id="8" name="Picture 7"/>
+          <p:cNvPicPr>
+            <a:picLocks noChangeAspect="1"/>
+          </p:cNvPicPr>
+          <p:nvPr/>
+        </p:nvPicPr>
+        <p:blipFill>
+          <a:blip r:embed="rId2">
+            <a:extLst>
+              <a:ext uri="{28A0092B-C50C-407E-A947-70E740481C1C}">
+                <a14:useLocalDpi xmlns:a14="http://schemas.microsoft.com/office/drawing/2010/main" val="0"/>
+              </a:ext>
+            </a:extLst>
+          </a:blip>
+          <a:stretch>
+            <a:fillRect/>
+          </a:stretch>
+        </p:blipFill>
+        <p:spPr>
+          <a:xfrm>
+            <a:off x="3920" y="195"/>
+            <a:ext cx="9144000" cy="2468282"/>
+          </a:xfrm>
+          <a:prstGeom prst="rect">
+            <a:avLst/>
+          </a:prstGeom>
+        </p:spPr>
+      </p:pic>
+    </p:spTree>
+    <p:extLst>
+      <p:ext uri="{BB962C8B-B14F-4D97-AF65-F5344CB8AC3E}">
+        <p14:creationId xmlns:p14="http://schemas.microsoft.com/office/powerpoint/2010/main" val="3920919138"/>
+      </p:ext>
+    </p:extLst>
+  </p:cSld>
+  <p:clrMapOvr>
+    <a:masterClrMapping/>
+  </p:clrMapOvr>
+  <p:transition>
+    <p:fade/>
+  </p:transition>
+  <p:timing>
+    <p:tnLst>
+      <p:par>
+        <p:cTn id="1" dur="indefinite" restart="never" nodeType="tmRoot"/>
+      </p:par>
+    </p:tnLst>
+  </p:timing>
+</p:sld>
+</file>
+
+<file path=ppt/slides/slide5.xml><?xml version="1.0" encoding="utf-8"?>
 <p:sld xmlns:a="http://schemas.openxmlformats.org/drawingml/2006/main" xmlns:r="http://schemas.openxmlformats.org/officeDocument/2006/relationships" xmlns:p="http://schemas.openxmlformats.org/presentationml/2006/main">
   <p:cSld>
     <p:spTree>
@@ -17066,1495 +18628,7 @@
 </p:sld>
 </file>
 
-<file path=ppt/slides/slide40.xml><?xml version="1.0" encoding="utf-8"?>
-<p:sld xmlns:a="http://schemas.openxmlformats.org/drawingml/2006/main" xmlns:r="http://schemas.openxmlformats.org/officeDocument/2006/relationships" xmlns:p="http://schemas.openxmlformats.org/presentationml/2006/main">
-  <p:cSld>
-    <p:spTree>
-      <p:nvGrpSpPr>
-        <p:cNvPr id="1" name=""/>
-        <p:cNvGrpSpPr/>
-        <p:nvPr/>
-      </p:nvGrpSpPr>
-      <p:grpSpPr>
-        <a:xfrm>
-          <a:off x="0" y="0"/>
-          <a:ext cx="0" cy="0"/>
-          <a:chOff x="0" y="0"/>
-          <a:chExt cx="0" cy="0"/>
-        </a:xfrm>
-      </p:grpSpPr>
-      <p:sp>
-        <p:nvSpPr>
-          <p:cNvPr id="2" name="Title 1"/>
-          <p:cNvSpPr>
-            <a:spLocks noGrp="1"/>
-          </p:cNvSpPr>
-          <p:nvPr>
-            <p:ph type="title"/>
-          </p:nvPr>
-        </p:nvSpPr>
-        <p:spPr/>
-        <p:txBody>
-          <a:bodyPr/>
-          <a:lstStyle/>
-          <a:p>
-            <a:r>
-              <a:rPr lang="en-US" dirty="0" smtClean="0"/>
-              <a:t>Problem: Modularity &amp; Scope</a:t>
-            </a:r>
-            <a:endParaRPr lang="en-US" dirty="0"/>
-          </a:p>
-        </p:txBody>
-      </p:sp>
-      <p:sp>
-        <p:nvSpPr>
-          <p:cNvPr id="3" name="Text Placeholder 2"/>
-          <p:cNvSpPr>
-            <a:spLocks noGrp="1"/>
-          </p:cNvSpPr>
-          <p:nvPr>
-            <p:ph type="body" idx="1"/>
-          </p:nvPr>
-        </p:nvSpPr>
-        <p:spPr/>
-        <p:txBody>
-          <a:bodyPr/>
-          <a:lstStyle/>
-          <a:p>
-            <a:r>
-              <a:rPr lang="en-US" dirty="0" smtClean="0"/>
-              <a:t>Possible solutions</a:t>
-            </a:r>
-          </a:p>
-          <a:p>
-            <a:pPr lvl="1"/>
-            <a:r>
-              <a:rPr lang="en-US" dirty="0" smtClean="0"/>
-              <a:t>Common JS</a:t>
-            </a:r>
-          </a:p>
-          <a:p>
-            <a:pPr lvl="1"/>
-            <a:r>
-              <a:rPr lang="en-US" dirty="0" smtClean="0"/>
-              <a:t>Asynchronous Module Definitions</a:t>
-            </a:r>
-          </a:p>
-          <a:p>
-            <a:pPr lvl="1"/>
-            <a:r>
-              <a:rPr lang="en-US" dirty="0" smtClean="0"/>
-              <a:t>IFFE and </a:t>
-            </a:r>
-            <a:r>
-              <a:rPr lang="en-US" dirty="0" err="1" smtClean="0"/>
-              <a:t>Globals</a:t>
-            </a:r>
-            <a:endParaRPr lang="en-US" dirty="0" smtClean="0"/>
-          </a:p>
-          <a:p>
-            <a:r>
-              <a:rPr lang="en-US" dirty="0" smtClean="0"/>
-              <a:t>Think about how current libraries are designed</a:t>
-            </a:r>
-          </a:p>
-          <a:p>
-            <a:pPr lvl="1"/>
-            <a:r>
-              <a:rPr lang="en-US" dirty="0" smtClean="0"/>
-              <a:t>jQuery -&gt; $</a:t>
-            </a:r>
-          </a:p>
-          <a:p>
-            <a:pPr lvl="1"/>
-            <a:r>
-              <a:rPr lang="en-US" dirty="0" smtClean="0"/>
-              <a:t>Angular -&gt; angular</a:t>
-            </a:r>
-          </a:p>
-          <a:p>
-            <a:pPr lvl="1"/>
-            <a:r>
-              <a:rPr lang="en-US" dirty="0" err="1" smtClean="0"/>
-              <a:t>Lodash</a:t>
-            </a:r>
-            <a:r>
-              <a:rPr lang="en-US" dirty="0" smtClean="0"/>
-              <a:t> -&gt; _</a:t>
-            </a:r>
-            <a:endParaRPr lang="en-US" dirty="0"/>
-          </a:p>
-        </p:txBody>
-      </p:sp>
-    </p:spTree>
-    <p:extLst>
-      <p:ext uri="{BB962C8B-B14F-4D97-AF65-F5344CB8AC3E}">
-        <p14:creationId xmlns:p14="http://schemas.microsoft.com/office/powerpoint/2010/main" val="2133708177"/>
-      </p:ext>
-    </p:extLst>
-  </p:cSld>
-  <p:clrMapOvr>
-    <a:masterClrMapping/>
-  </p:clrMapOvr>
-  <p:transition>
-    <p:fade/>
-  </p:transition>
-  <p:timing>
-    <p:tnLst>
-      <p:par>
-        <p:cTn id="1" dur="indefinite" restart="never" nodeType="tmRoot"/>
-      </p:par>
-    </p:tnLst>
-  </p:timing>
-</p:sld>
-</file>
-
-<file path=ppt/slides/slide41.xml><?xml version="1.0" encoding="utf-8"?>
-<p:sld xmlns:a="http://schemas.openxmlformats.org/drawingml/2006/main" xmlns:r="http://schemas.openxmlformats.org/officeDocument/2006/relationships" xmlns:p="http://schemas.openxmlformats.org/presentationml/2006/main">
-  <p:cSld>
-    <p:spTree>
-      <p:nvGrpSpPr>
-        <p:cNvPr id="1" name=""/>
-        <p:cNvGrpSpPr/>
-        <p:nvPr/>
-      </p:nvGrpSpPr>
-      <p:grpSpPr>
-        <a:xfrm>
-          <a:off x="0" y="0"/>
-          <a:ext cx="0" cy="0"/>
-          <a:chOff x="0" y="0"/>
-          <a:chExt cx="0" cy="0"/>
-        </a:xfrm>
-      </p:grpSpPr>
-      <p:sp>
-        <p:nvSpPr>
-          <p:cNvPr id="2" name="Title 1"/>
-          <p:cNvSpPr>
-            <a:spLocks noGrp="1"/>
-          </p:cNvSpPr>
-          <p:nvPr>
-            <p:ph type="title"/>
-          </p:nvPr>
-        </p:nvSpPr>
-        <p:spPr/>
-        <p:txBody>
-          <a:bodyPr/>
-          <a:lstStyle/>
-          <a:p>
-            <a:r>
-              <a:rPr lang="en-US" dirty="0" smtClean="0"/>
-              <a:t>Solution: Real Modules!</a:t>
-            </a:r>
-            <a:endParaRPr lang="en-US" dirty="0"/>
-          </a:p>
-        </p:txBody>
-      </p:sp>
-      <p:sp>
-        <p:nvSpPr>
-          <p:cNvPr id="3" name="Text Placeholder 2"/>
-          <p:cNvSpPr>
-            <a:spLocks noGrp="1"/>
-          </p:cNvSpPr>
-          <p:nvPr>
-            <p:ph type="body" idx="1"/>
-          </p:nvPr>
-        </p:nvSpPr>
-        <p:spPr/>
-        <p:txBody>
-          <a:bodyPr/>
-          <a:lstStyle/>
-          <a:p>
-            <a:r>
-              <a:rPr lang="en-US" dirty="0" smtClean="0"/>
-              <a:t>Think “module” not “file”</a:t>
-            </a:r>
-            <a:endParaRPr lang="en-US" dirty="0"/>
-          </a:p>
-        </p:txBody>
-      </p:sp>
-      <p:pic>
-        <p:nvPicPr>
-          <p:cNvPr id="4" name="Picture 3"/>
-          <p:cNvPicPr>
-            <a:picLocks noChangeAspect="1"/>
-          </p:cNvPicPr>
-          <p:nvPr/>
-        </p:nvPicPr>
-        <p:blipFill>
-          <a:blip r:embed="rId2"/>
-          <a:stretch>
-            <a:fillRect/>
-          </a:stretch>
-        </p:blipFill>
-        <p:spPr>
-          <a:xfrm>
-            <a:off x="1295400" y="2114550"/>
-            <a:ext cx="6553200" cy="4133850"/>
-          </a:xfrm>
-          <a:prstGeom prst="rect">
-            <a:avLst/>
-          </a:prstGeom>
-        </p:spPr>
-      </p:pic>
-    </p:spTree>
-    <p:extLst>
-      <p:ext uri="{BB962C8B-B14F-4D97-AF65-F5344CB8AC3E}">
-        <p14:creationId xmlns:p14="http://schemas.microsoft.com/office/powerpoint/2010/main" val="1130584943"/>
-      </p:ext>
-    </p:extLst>
-  </p:cSld>
-  <p:clrMapOvr>
-    <a:masterClrMapping/>
-  </p:clrMapOvr>
-  <p:transition>
-    <p:fade/>
-  </p:transition>
-  <p:timing>
-    <p:tnLst>
-      <p:par>
-        <p:cTn id="1" dur="indefinite" restart="never" nodeType="tmRoot"/>
-      </p:par>
-    </p:tnLst>
-  </p:timing>
-</p:sld>
-</file>
-
-<file path=ppt/slides/slide42.xml><?xml version="1.0" encoding="utf-8"?>
-<p:sld xmlns:a="http://schemas.openxmlformats.org/drawingml/2006/main" xmlns:r="http://schemas.openxmlformats.org/officeDocument/2006/relationships" xmlns:p="http://schemas.openxmlformats.org/presentationml/2006/main">
-  <p:cSld>
-    <p:spTree>
-      <p:nvGrpSpPr>
-        <p:cNvPr id="1" name=""/>
-        <p:cNvGrpSpPr/>
-        <p:nvPr/>
-      </p:nvGrpSpPr>
-      <p:grpSpPr>
-        <a:xfrm>
-          <a:off x="0" y="0"/>
-          <a:ext cx="0" cy="0"/>
-          <a:chOff x="0" y="0"/>
-          <a:chExt cx="0" cy="0"/>
-        </a:xfrm>
-      </p:grpSpPr>
-      <p:sp>
-        <p:nvSpPr>
-          <p:cNvPr id="2" name="Title 1"/>
-          <p:cNvSpPr>
-            <a:spLocks noGrp="1"/>
-          </p:cNvSpPr>
-          <p:nvPr>
-            <p:ph type="title"/>
-          </p:nvPr>
-        </p:nvSpPr>
-        <p:spPr/>
-        <p:txBody>
-          <a:bodyPr/>
-          <a:lstStyle/>
-          <a:p>
-            <a:r>
-              <a:rPr lang="en-US" dirty="0" smtClean="0"/>
-              <a:t>Imports</a:t>
-            </a:r>
-            <a:endParaRPr lang="en-US" dirty="0"/>
-          </a:p>
-        </p:txBody>
-      </p:sp>
-      <p:sp>
-        <p:nvSpPr>
-          <p:cNvPr id="3" name="Text Placeholder 2"/>
-          <p:cNvSpPr>
-            <a:spLocks noGrp="1"/>
-          </p:cNvSpPr>
-          <p:nvPr>
-            <p:ph type="body" idx="1"/>
-          </p:nvPr>
-        </p:nvSpPr>
-        <p:spPr/>
-        <p:txBody>
-          <a:bodyPr/>
-          <a:lstStyle/>
-          <a:p>
-            <a:endParaRPr lang="en-US" dirty="0"/>
-          </a:p>
-        </p:txBody>
-      </p:sp>
-      <p:pic>
-        <p:nvPicPr>
-          <p:cNvPr id="4" name="Picture 3"/>
-          <p:cNvPicPr>
-            <a:picLocks noChangeAspect="1"/>
-          </p:cNvPicPr>
-          <p:nvPr/>
-        </p:nvPicPr>
-        <p:blipFill>
-          <a:blip r:embed="rId2"/>
-          <a:stretch>
-            <a:fillRect/>
-          </a:stretch>
-        </p:blipFill>
-        <p:spPr>
-          <a:xfrm>
-            <a:off x="533400" y="1976980"/>
-            <a:ext cx="8196262" cy="3123657"/>
-          </a:xfrm>
-          <a:prstGeom prst="rect">
-            <a:avLst/>
-          </a:prstGeom>
-        </p:spPr>
-      </p:pic>
-    </p:spTree>
-    <p:extLst>
-      <p:ext uri="{BB962C8B-B14F-4D97-AF65-F5344CB8AC3E}">
-        <p14:creationId xmlns:p14="http://schemas.microsoft.com/office/powerpoint/2010/main" val="2518291001"/>
-      </p:ext>
-    </p:extLst>
-  </p:cSld>
-  <p:clrMapOvr>
-    <a:masterClrMapping/>
-  </p:clrMapOvr>
-  <p:transition>
-    <p:fade/>
-  </p:transition>
-  <p:timing>
-    <p:tnLst>
-      <p:par>
-        <p:cTn id="1" dur="indefinite" restart="never" nodeType="tmRoot"/>
-      </p:par>
-    </p:tnLst>
-  </p:timing>
-</p:sld>
-</file>
-
-<file path=ppt/slides/slide43.xml><?xml version="1.0" encoding="utf-8"?>
-<p:sld xmlns:a="http://schemas.openxmlformats.org/drawingml/2006/main" xmlns:r="http://schemas.openxmlformats.org/officeDocument/2006/relationships" xmlns:p="http://schemas.openxmlformats.org/presentationml/2006/main">
-  <p:cSld>
-    <p:spTree>
-      <p:nvGrpSpPr>
-        <p:cNvPr id="1" name=""/>
-        <p:cNvGrpSpPr/>
-        <p:nvPr/>
-      </p:nvGrpSpPr>
-      <p:grpSpPr>
-        <a:xfrm>
-          <a:off x="0" y="0"/>
-          <a:ext cx="0" cy="0"/>
-          <a:chOff x="0" y="0"/>
-          <a:chExt cx="0" cy="0"/>
-        </a:xfrm>
-      </p:grpSpPr>
-      <p:sp>
-        <p:nvSpPr>
-          <p:cNvPr id="2" name="Title 1"/>
-          <p:cNvSpPr>
-            <a:spLocks noGrp="1"/>
-          </p:cNvSpPr>
-          <p:nvPr>
-            <p:ph type="title"/>
-          </p:nvPr>
-        </p:nvSpPr>
-        <p:spPr/>
-        <p:txBody>
-          <a:bodyPr/>
-          <a:lstStyle/>
-          <a:p>
-            <a:r>
-              <a:rPr lang="en-US" dirty="0" smtClean="0"/>
-              <a:t>Multiple Exports</a:t>
-            </a:r>
-            <a:endParaRPr lang="en-US" dirty="0"/>
-          </a:p>
-        </p:txBody>
-      </p:sp>
-      <p:sp>
-        <p:nvSpPr>
-          <p:cNvPr id="3" name="Text Placeholder 2"/>
-          <p:cNvSpPr>
-            <a:spLocks noGrp="1"/>
-          </p:cNvSpPr>
-          <p:nvPr>
-            <p:ph type="body" idx="1"/>
-          </p:nvPr>
-        </p:nvSpPr>
-        <p:spPr/>
-        <p:txBody>
-          <a:bodyPr/>
-          <a:lstStyle/>
-          <a:p>
-            <a:endParaRPr lang="en-US"/>
-          </a:p>
-        </p:txBody>
-      </p:sp>
-      <p:pic>
-        <p:nvPicPr>
-          <p:cNvPr id="4" name="Picture 3"/>
-          <p:cNvPicPr>
-            <a:picLocks noChangeAspect="1"/>
-          </p:cNvPicPr>
-          <p:nvPr/>
-        </p:nvPicPr>
-        <p:blipFill>
-          <a:blip r:embed="rId2"/>
-          <a:stretch>
-            <a:fillRect/>
-          </a:stretch>
-        </p:blipFill>
-        <p:spPr>
-          <a:xfrm>
-            <a:off x="1752600" y="1252537"/>
-            <a:ext cx="6139229" cy="4886325"/>
-          </a:xfrm>
-          <a:prstGeom prst="rect">
-            <a:avLst/>
-          </a:prstGeom>
-        </p:spPr>
-      </p:pic>
-    </p:spTree>
-    <p:extLst>
-      <p:ext uri="{BB962C8B-B14F-4D97-AF65-F5344CB8AC3E}">
-        <p14:creationId xmlns:p14="http://schemas.microsoft.com/office/powerpoint/2010/main" val="4204329791"/>
-      </p:ext>
-    </p:extLst>
-  </p:cSld>
-  <p:clrMapOvr>
-    <a:masterClrMapping/>
-  </p:clrMapOvr>
-  <p:transition>
-    <p:fade/>
-  </p:transition>
-  <p:timing>
-    <p:tnLst>
-      <p:par>
-        <p:cTn id="1" dur="indefinite" restart="never" nodeType="tmRoot"/>
-      </p:par>
-    </p:tnLst>
-  </p:timing>
-</p:sld>
-</file>
-
-<file path=ppt/slides/slide44.xml><?xml version="1.0" encoding="utf-8"?>
-<p:sld xmlns:a="http://schemas.openxmlformats.org/drawingml/2006/main" xmlns:r="http://schemas.openxmlformats.org/officeDocument/2006/relationships" xmlns:p="http://schemas.openxmlformats.org/presentationml/2006/main">
-  <p:cSld>
-    <p:spTree>
-      <p:nvGrpSpPr>
-        <p:cNvPr id="1" name=""/>
-        <p:cNvGrpSpPr/>
-        <p:nvPr/>
-      </p:nvGrpSpPr>
-      <p:grpSpPr>
-        <a:xfrm>
-          <a:off x="0" y="0"/>
-          <a:ext cx="0" cy="0"/>
-          <a:chOff x="0" y="0"/>
-          <a:chExt cx="0" cy="0"/>
-        </a:xfrm>
-      </p:grpSpPr>
-      <p:sp>
-        <p:nvSpPr>
-          <p:cNvPr id="2" name="Title 1"/>
-          <p:cNvSpPr>
-            <a:spLocks noGrp="1"/>
-          </p:cNvSpPr>
-          <p:nvPr>
-            <p:ph type="title"/>
-          </p:nvPr>
-        </p:nvSpPr>
-        <p:spPr/>
-        <p:txBody>
-          <a:bodyPr/>
-          <a:lstStyle/>
-          <a:p>
-            <a:r>
-              <a:rPr lang="en-US" dirty="0" smtClean="0"/>
-              <a:t>Making It Work</a:t>
-            </a:r>
-            <a:endParaRPr lang="en-US" dirty="0"/>
-          </a:p>
-        </p:txBody>
-      </p:sp>
-      <p:sp>
-        <p:nvSpPr>
-          <p:cNvPr id="3" name="Text Placeholder 2"/>
-          <p:cNvSpPr>
-            <a:spLocks noGrp="1"/>
-          </p:cNvSpPr>
-          <p:nvPr>
-            <p:ph type="body" idx="1"/>
-          </p:nvPr>
-        </p:nvSpPr>
-        <p:spPr/>
-        <p:txBody>
-          <a:bodyPr/>
-          <a:lstStyle/>
-          <a:p>
-            <a:endParaRPr lang="en-US"/>
-          </a:p>
-        </p:txBody>
-      </p:sp>
-      <p:sp>
-        <p:nvSpPr>
-          <p:cNvPr id="4" name="Rectangle 3"/>
-          <p:cNvSpPr/>
-          <p:nvPr/>
-        </p:nvSpPr>
-        <p:spPr>
-          <a:xfrm>
-            <a:off x="2362200" y="990600"/>
-            <a:ext cx="4445063" cy="338554"/>
-          </a:xfrm>
-          <a:prstGeom prst="rect">
-            <a:avLst/>
-          </a:prstGeom>
-        </p:spPr>
-        <p:txBody>
-          <a:bodyPr wrap="none">
-            <a:spAutoFit/>
-          </a:bodyPr>
-          <a:lstStyle/>
-          <a:p>
-            <a:r>
-              <a:rPr lang="en-US" dirty="0">
-                <a:solidFill>
-                  <a:srgbClr val="000000"/>
-                </a:solidFill>
-                <a:latin typeface="Segoe UI" panose="020B0502040204020203" pitchFamily="34" charset="0"/>
-              </a:rPr>
-              <a:t>https://kangax.github.io/compat-table/es6/</a:t>
-            </a:r>
-            <a:endParaRPr lang="en-US" dirty="0"/>
-          </a:p>
-        </p:txBody>
-      </p:sp>
-      <p:pic>
-        <p:nvPicPr>
-          <p:cNvPr id="5" name="Picture 4"/>
-          <p:cNvPicPr>
-            <a:picLocks noChangeAspect="1"/>
-          </p:cNvPicPr>
-          <p:nvPr/>
-        </p:nvPicPr>
-        <p:blipFill>
-          <a:blip r:embed="rId2"/>
-          <a:stretch>
-            <a:fillRect/>
-          </a:stretch>
-        </p:blipFill>
-        <p:spPr>
-          <a:xfrm>
-            <a:off x="785812" y="1459832"/>
-            <a:ext cx="7572375" cy="4929330"/>
-          </a:xfrm>
-          <a:prstGeom prst="rect">
-            <a:avLst/>
-          </a:prstGeom>
-        </p:spPr>
-      </p:pic>
-    </p:spTree>
-    <p:extLst>
-      <p:ext uri="{BB962C8B-B14F-4D97-AF65-F5344CB8AC3E}">
-        <p14:creationId xmlns:p14="http://schemas.microsoft.com/office/powerpoint/2010/main" val="1631893286"/>
-      </p:ext>
-    </p:extLst>
-  </p:cSld>
-  <p:clrMapOvr>
-    <a:masterClrMapping/>
-  </p:clrMapOvr>
-  <p:transition>
-    <p:fade/>
-  </p:transition>
-  <p:timing>
-    <p:tnLst>
-      <p:par>
-        <p:cTn id="1" dur="indefinite" restart="never" nodeType="tmRoot"/>
-      </p:par>
-    </p:tnLst>
-  </p:timing>
-</p:sld>
-</file>
-
-<file path=ppt/slides/slide45.xml><?xml version="1.0" encoding="utf-8"?>
-<p:sld xmlns:a="http://schemas.openxmlformats.org/drawingml/2006/main" xmlns:r="http://schemas.openxmlformats.org/officeDocument/2006/relationships" xmlns:p="http://schemas.openxmlformats.org/presentationml/2006/main">
-  <p:cSld>
-    <p:spTree>
-      <p:nvGrpSpPr>
-        <p:cNvPr id="1" name=""/>
-        <p:cNvGrpSpPr/>
-        <p:nvPr/>
-      </p:nvGrpSpPr>
-      <p:grpSpPr>
-        <a:xfrm>
-          <a:off x="0" y="0"/>
-          <a:ext cx="0" cy="0"/>
-          <a:chOff x="0" y="0"/>
-          <a:chExt cx="0" cy="0"/>
-        </a:xfrm>
-      </p:grpSpPr>
-      <p:sp>
-        <p:nvSpPr>
-          <p:cNvPr id="2" name="Title 1"/>
-          <p:cNvSpPr>
-            <a:spLocks noGrp="1"/>
-          </p:cNvSpPr>
-          <p:nvPr>
-            <p:ph type="title"/>
-          </p:nvPr>
-        </p:nvSpPr>
-        <p:spPr/>
-        <p:txBody>
-          <a:bodyPr/>
-          <a:lstStyle/>
-          <a:p>
-            <a:r>
-              <a:rPr lang="en-US" dirty="0" smtClean="0"/>
-              <a:t>Build Your JavaScript</a:t>
-            </a:r>
-            <a:endParaRPr lang="en-US" dirty="0"/>
-          </a:p>
-        </p:txBody>
-      </p:sp>
-      <p:sp>
-        <p:nvSpPr>
-          <p:cNvPr id="3" name="Text Placeholder 2"/>
-          <p:cNvSpPr>
-            <a:spLocks noGrp="1"/>
-          </p:cNvSpPr>
-          <p:nvPr>
-            <p:ph type="body" idx="1"/>
-          </p:nvPr>
-        </p:nvSpPr>
-        <p:spPr/>
-        <p:txBody>
-          <a:bodyPr/>
-          <a:lstStyle/>
-          <a:p>
-            <a:r>
-              <a:rPr lang="en-US" dirty="0" smtClean="0"/>
-              <a:t>Use with Grunt, Gulp, </a:t>
-            </a:r>
-            <a:r>
-              <a:rPr lang="en-US" dirty="0" err="1" smtClean="0"/>
-              <a:t>WebPack</a:t>
-            </a:r>
-            <a:r>
-              <a:rPr lang="en-US" dirty="0" smtClean="0"/>
-              <a:t>, JSPM</a:t>
-            </a:r>
-          </a:p>
-          <a:p>
-            <a:pPr lvl="1"/>
-            <a:r>
-              <a:rPr lang="en-US" dirty="0" smtClean="0"/>
-              <a:t>Many others</a:t>
-            </a:r>
-            <a:endParaRPr lang="en-US" dirty="0"/>
-          </a:p>
-          <a:p>
-            <a:pPr lvl="1"/>
-            <a:r>
-              <a:rPr lang="en-US" dirty="0"/>
-              <a:t>O</a:t>
-            </a:r>
-            <a:r>
-              <a:rPr lang="en-US" dirty="0" smtClean="0"/>
-              <a:t>r . . . directly in a browser</a:t>
-            </a:r>
-            <a:endParaRPr lang="en-US" dirty="0"/>
-          </a:p>
-        </p:txBody>
-      </p:sp>
-      <p:pic>
-        <p:nvPicPr>
-          <p:cNvPr id="5" name="Picture 4"/>
-          <p:cNvPicPr>
-            <a:picLocks noChangeAspect="1"/>
-          </p:cNvPicPr>
-          <p:nvPr/>
-        </p:nvPicPr>
-        <p:blipFill>
-          <a:blip r:embed="rId2"/>
-          <a:stretch>
-            <a:fillRect/>
-          </a:stretch>
-        </p:blipFill>
-        <p:spPr>
-          <a:xfrm>
-            <a:off x="990600" y="2967038"/>
-            <a:ext cx="7332777" cy="2519362"/>
-          </a:xfrm>
-          <a:prstGeom prst="rect">
-            <a:avLst/>
-          </a:prstGeom>
-        </p:spPr>
-      </p:pic>
-      <p:sp>
-        <p:nvSpPr>
-          <p:cNvPr id="6" name="Rectangle 5"/>
-          <p:cNvSpPr/>
-          <p:nvPr/>
-        </p:nvSpPr>
-        <p:spPr>
-          <a:xfrm>
-            <a:off x="3402446" y="990600"/>
-            <a:ext cx="1931554" cy="338554"/>
-          </a:xfrm>
-          <a:prstGeom prst="rect">
-            <a:avLst/>
-          </a:prstGeom>
-        </p:spPr>
-        <p:txBody>
-          <a:bodyPr wrap="none">
-            <a:spAutoFit/>
-          </a:bodyPr>
-          <a:lstStyle/>
-          <a:p>
-            <a:r>
-              <a:rPr lang="en-US" dirty="0">
-                <a:solidFill>
-                  <a:srgbClr val="000000"/>
-                </a:solidFill>
-                <a:latin typeface="Segoe UI" panose="020B0502040204020203" pitchFamily="34" charset="0"/>
-              </a:rPr>
-              <a:t>https://babeljs.io/</a:t>
-            </a:r>
-            <a:endParaRPr lang="en-US" dirty="0"/>
-          </a:p>
-        </p:txBody>
-      </p:sp>
-    </p:spTree>
-    <p:extLst>
-      <p:ext uri="{BB962C8B-B14F-4D97-AF65-F5344CB8AC3E}">
-        <p14:creationId xmlns:p14="http://schemas.microsoft.com/office/powerpoint/2010/main" val="1082727983"/>
-      </p:ext>
-    </p:extLst>
-  </p:cSld>
-  <p:clrMapOvr>
-    <a:masterClrMapping/>
-  </p:clrMapOvr>
-  <p:transition>
-    <p:fade/>
-  </p:transition>
-  <p:timing>
-    <p:tnLst>
-      <p:par>
-        <p:cTn id="1" dur="indefinite" restart="never" nodeType="tmRoot"/>
-      </p:par>
-    </p:tnLst>
-  </p:timing>
-</p:sld>
-</file>
-
-<file path=ppt/slides/slide46.xml><?xml version="1.0" encoding="utf-8"?>
-<p:sld xmlns:a="http://schemas.openxmlformats.org/drawingml/2006/main" xmlns:r="http://schemas.openxmlformats.org/officeDocument/2006/relationships" xmlns:p="http://schemas.openxmlformats.org/presentationml/2006/main">
-  <p:cSld>
-    <p:spTree>
-      <p:nvGrpSpPr>
-        <p:cNvPr id="1" name=""/>
-        <p:cNvGrpSpPr/>
-        <p:nvPr/>
-      </p:nvGrpSpPr>
-      <p:grpSpPr>
-        <a:xfrm>
-          <a:off x="0" y="0"/>
-          <a:ext cx="0" cy="0"/>
-          <a:chOff x="0" y="0"/>
-          <a:chExt cx="0" cy="0"/>
-        </a:xfrm>
-      </p:grpSpPr>
-      <p:sp>
-        <p:nvSpPr>
-          <p:cNvPr id="2" name="Title 1"/>
-          <p:cNvSpPr>
-            <a:spLocks noGrp="1"/>
-          </p:cNvSpPr>
-          <p:nvPr>
-            <p:ph type="title"/>
-          </p:nvPr>
-        </p:nvSpPr>
-        <p:spPr/>
-        <p:txBody>
-          <a:bodyPr/>
-          <a:lstStyle/>
-          <a:p>
-            <a:r>
-              <a:rPr lang="en-US" dirty="0" err="1" smtClean="0"/>
-              <a:t>Polyfill</a:t>
-            </a:r>
-            <a:r>
-              <a:rPr lang="en-US" dirty="0" smtClean="0"/>
-              <a:t> Your Browser</a:t>
-            </a:r>
-            <a:endParaRPr lang="en-US" dirty="0"/>
-          </a:p>
-        </p:txBody>
-      </p:sp>
-      <p:sp>
-        <p:nvSpPr>
-          <p:cNvPr id="3" name="Text Placeholder 2"/>
-          <p:cNvSpPr>
-            <a:spLocks noGrp="1"/>
-          </p:cNvSpPr>
-          <p:nvPr>
-            <p:ph type="body" idx="1"/>
-          </p:nvPr>
-        </p:nvSpPr>
-        <p:spPr/>
-        <p:txBody>
-          <a:bodyPr/>
-          <a:lstStyle/>
-          <a:p>
-            <a:r>
-              <a:rPr lang="en-US" dirty="0" smtClean="0"/>
-              <a:t>Almost automatic with many bundling tools</a:t>
-            </a:r>
-            <a:endParaRPr lang="en-US" dirty="0"/>
-          </a:p>
-        </p:txBody>
-      </p:sp>
-      <p:pic>
-        <p:nvPicPr>
-          <p:cNvPr id="4" name="Picture 3"/>
-          <p:cNvPicPr>
-            <a:picLocks noChangeAspect="1"/>
-          </p:cNvPicPr>
-          <p:nvPr/>
-        </p:nvPicPr>
-        <p:blipFill>
-          <a:blip r:embed="rId2"/>
-          <a:stretch>
-            <a:fillRect/>
-          </a:stretch>
-        </p:blipFill>
-        <p:spPr>
-          <a:xfrm>
-            <a:off x="1066800" y="2286000"/>
-            <a:ext cx="7205662" cy="2531369"/>
-          </a:xfrm>
-          <a:prstGeom prst="rect">
-            <a:avLst/>
-          </a:prstGeom>
-        </p:spPr>
-      </p:pic>
-    </p:spTree>
-    <p:extLst>
-      <p:ext uri="{BB962C8B-B14F-4D97-AF65-F5344CB8AC3E}">
-        <p14:creationId xmlns:p14="http://schemas.microsoft.com/office/powerpoint/2010/main" val="3744934740"/>
-      </p:ext>
-    </p:extLst>
-  </p:cSld>
-  <p:clrMapOvr>
-    <a:masterClrMapping/>
-  </p:clrMapOvr>
-  <p:transition>
-    <p:fade/>
-  </p:transition>
-  <p:timing>
-    <p:tnLst>
-      <p:par>
-        <p:cTn id="1" dur="indefinite" restart="never" nodeType="tmRoot"/>
-      </p:par>
-    </p:tnLst>
-  </p:timing>
-</p:sld>
-</file>
-
-<file path=ppt/slides/slide47.xml><?xml version="1.0" encoding="utf-8"?>
-<p:sld xmlns:a="http://schemas.openxmlformats.org/drawingml/2006/main" xmlns:r="http://schemas.openxmlformats.org/officeDocument/2006/relationships" xmlns:p="http://schemas.openxmlformats.org/presentationml/2006/main">
-  <p:cSld>
-    <p:spTree>
-      <p:nvGrpSpPr>
-        <p:cNvPr id="1" name=""/>
-        <p:cNvGrpSpPr/>
-        <p:nvPr/>
-      </p:nvGrpSpPr>
-      <p:grpSpPr>
-        <a:xfrm>
-          <a:off x="0" y="0"/>
-          <a:ext cx="0" cy="0"/>
-          <a:chOff x="0" y="0"/>
-          <a:chExt cx="0" cy="0"/>
-        </a:xfrm>
-      </p:grpSpPr>
-      <p:sp>
-        <p:nvSpPr>
-          <p:cNvPr id="2" name="Title 1"/>
-          <p:cNvSpPr>
-            <a:spLocks noGrp="1"/>
-          </p:cNvSpPr>
-          <p:nvPr>
-            <p:ph type="title"/>
-          </p:nvPr>
-        </p:nvSpPr>
-        <p:spPr/>
-        <p:txBody>
-          <a:bodyPr/>
-          <a:lstStyle/>
-          <a:p>
-            <a:r>
-              <a:rPr lang="en-US" dirty="0" smtClean="0"/>
-              <a:t>Build Your Modules</a:t>
-            </a:r>
-            <a:endParaRPr lang="en-US" dirty="0"/>
-          </a:p>
-        </p:txBody>
-      </p:sp>
-      <p:sp>
-        <p:nvSpPr>
-          <p:cNvPr id="3" name="Text Placeholder 2"/>
-          <p:cNvSpPr>
-            <a:spLocks noGrp="1"/>
-          </p:cNvSpPr>
-          <p:nvPr>
-            <p:ph type="body" idx="1"/>
-          </p:nvPr>
-        </p:nvSpPr>
-        <p:spPr/>
-        <p:txBody>
-          <a:bodyPr/>
-          <a:lstStyle/>
-          <a:p>
-            <a:r>
-              <a:rPr lang="en-US" dirty="0" smtClean="0"/>
-              <a:t>Bundle them, too</a:t>
-            </a:r>
-            <a:endParaRPr lang="en-US" dirty="0"/>
-          </a:p>
-        </p:txBody>
-      </p:sp>
-      <p:pic>
-        <p:nvPicPr>
-          <p:cNvPr id="4" name="Picture 3"/>
-          <p:cNvPicPr>
-            <a:picLocks noChangeAspect="1"/>
-          </p:cNvPicPr>
-          <p:nvPr/>
-        </p:nvPicPr>
-        <p:blipFill>
-          <a:blip r:embed="rId2"/>
-          <a:stretch>
-            <a:fillRect/>
-          </a:stretch>
-        </p:blipFill>
-        <p:spPr>
-          <a:xfrm>
-            <a:off x="1524000" y="2667000"/>
-            <a:ext cx="6225208" cy="2921204"/>
-          </a:xfrm>
-          <a:prstGeom prst="rect">
-            <a:avLst/>
-          </a:prstGeom>
-        </p:spPr>
-      </p:pic>
-      <p:sp>
-        <p:nvSpPr>
-          <p:cNvPr id="5" name="Rectangle 4"/>
-          <p:cNvSpPr/>
-          <p:nvPr/>
-        </p:nvSpPr>
-        <p:spPr>
-          <a:xfrm>
-            <a:off x="3124200" y="1066800"/>
-            <a:ext cx="2714589" cy="338554"/>
-          </a:xfrm>
-          <a:prstGeom prst="rect">
-            <a:avLst/>
-          </a:prstGeom>
-        </p:spPr>
-        <p:txBody>
-          <a:bodyPr wrap="none">
-            <a:spAutoFit/>
-          </a:bodyPr>
-          <a:lstStyle/>
-          <a:p>
-            <a:r>
-              <a:rPr lang="en-US" dirty="0">
-                <a:solidFill>
-                  <a:srgbClr val="000000"/>
-                </a:solidFill>
-                <a:latin typeface="Segoe UI" panose="020B0502040204020203" pitchFamily="34" charset="0"/>
-              </a:rPr>
-              <a:t>http://webpack.github.io/</a:t>
-            </a:r>
-            <a:endParaRPr lang="en-US" dirty="0"/>
-          </a:p>
-        </p:txBody>
-      </p:sp>
-    </p:spTree>
-    <p:extLst>
-      <p:ext uri="{BB962C8B-B14F-4D97-AF65-F5344CB8AC3E}">
-        <p14:creationId xmlns:p14="http://schemas.microsoft.com/office/powerpoint/2010/main" val="1429225010"/>
-      </p:ext>
-    </p:extLst>
-  </p:cSld>
-  <p:clrMapOvr>
-    <a:masterClrMapping/>
-  </p:clrMapOvr>
-  <p:transition>
-    <p:fade/>
-  </p:transition>
-  <p:timing>
-    <p:tnLst>
-      <p:par>
-        <p:cTn id="1" dur="indefinite" restart="never" nodeType="tmRoot"/>
-      </p:par>
-    </p:tnLst>
-  </p:timing>
-</p:sld>
-</file>
-
-<file path=ppt/slides/slide48.xml><?xml version="1.0" encoding="utf-8"?>
-<p:sld xmlns:a="http://schemas.openxmlformats.org/drawingml/2006/main" xmlns:r="http://schemas.openxmlformats.org/officeDocument/2006/relationships" xmlns:p="http://schemas.openxmlformats.org/presentationml/2006/main">
-  <p:cSld>
-    <p:spTree>
-      <p:nvGrpSpPr>
-        <p:cNvPr id="1" name=""/>
-        <p:cNvGrpSpPr/>
-        <p:nvPr/>
-      </p:nvGrpSpPr>
-      <p:grpSpPr>
-        <a:xfrm>
-          <a:off x="0" y="0"/>
-          <a:ext cx="0" cy="0"/>
-          <a:chOff x="0" y="0"/>
-          <a:chExt cx="0" cy="0"/>
-        </a:xfrm>
-      </p:grpSpPr>
-      <p:sp>
-        <p:nvSpPr>
-          <p:cNvPr id="4" name="Title 3"/>
-          <p:cNvSpPr>
-            <a:spLocks noGrp="1"/>
-          </p:cNvSpPr>
-          <p:nvPr>
-            <p:ph type="ctrTitle"/>
-          </p:nvPr>
-        </p:nvSpPr>
-        <p:spPr>
-          <a:xfrm>
-            <a:off x="201697" y="2820622"/>
-            <a:ext cx="6387260" cy="1302952"/>
-          </a:xfrm>
-        </p:spPr>
-        <p:txBody>
-          <a:bodyPr/>
-          <a:lstStyle/>
-          <a:p>
-            <a:r>
-              <a:rPr lang="en-US" dirty="0" smtClean="0"/>
-              <a:t>Thank You Sponsors!</a:t>
-            </a:r>
-            <a:br>
-              <a:rPr lang="en-US" dirty="0" smtClean="0"/>
-            </a:br>
-            <a:endParaRPr lang="en-US" dirty="0"/>
-          </a:p>
-        </p:txBody>
-      </p:sp>
-      <p:pic>
-        <p:nvPicPr>
-          <p:cNvPr id="10" name="Picture 9"/>
-          <p:cNvPicPr>
-            <a:picLocks noChangeAspect="1"/>
-          </p:cNvPicPr>
-          <p:nvPr userDrawn="1"/>
-        </p:nvPicPr>
-        <p:blipFill>
-          <a:blip r:embed="rId3" cstate="print">
-            <a:extLst>
-              <a:ext uri="{28A0092B-C50C-407E-A947-70E740481C1C}">
-                <a14:useLocalDpi xmlns:a14="http://schemas.microsoft.com/office/drawing/2010/main" val="0"/>
-              </a:ext>
-            </a:extLst>
-          </a:blip>
-          <a:stretch>
-            <a:fillRect/>
-          </a:stretch>
-        </p:blipFill>
-        <p:spPr>
-          <a:xfrm>
-            <a:off x="6553867" y="3530245"/>
-            <a:ext cx="344946" cy="344946"/>
-          </a:xfrm>
-          <a:prstGeom prst="rect">
-            <a:avLst/>
-          </a:prstGeom>
-          <a:noFill/>
-          <a:ln>
-            <a:noFill/>
-          </a:ln>
-        </p:spPr>
-      </p:pic>
-      <p:pic>
-        <p:nvPicPr>
-          <p:cNvPr id="12" name="Picture 11"/>
-          <p:cNvPicPr>
-            <a:picLocks noChangeAspect="1"/>
-          </p:cNvPicPr>
-          <p:nvPr/>
-        </p:nvPicPr>
-        <p:blipFill>
-          <a:blip r:embed="rId4">
-            <a:extLst>
-              <a:ext uri="{28A0092B-C50C-407E-A947-70E740481C1C}">
-                <a14:useLocalDpi xmlns:a14="http://schemas.microsoft.com/office/drawing/2010/main" val="0"/>
-              </a:ext>
-            </a:extLst>
-          </a:blip>
-          <a:stretch>
-            <a:fillRect/>
-          </a:stretch>
-        </p:blipFill>
-        <p:spPr>
-          <a:xfrm>
-            <a:off x="3920" y="195"/>
-            <a:ext cx="9144000" cy="2468282"/>
-          </a:xfrm>
-          <a:prstGeom prst="rect">
-            <a:avLst/>
-          </a:prstGeom>
-        </p:spPr>
-      </p:pic>
-      <p:pic>
-        <p:nvPicPr>
-          <p:cNvPr id="2" name="Picture 1"/>
-          <p:cNvPicPr>
-            <a:picLocks noChangeAspect="1"/>
-          </p:cNvPicPr>
-          <p:nvPr/>
-        </p:nvPicPr>
-        <p:blipFill>
-          <a:blip r:embed="rId5">
-            <a:extLst>
-              <a:ext uri="{28A0092B-C50C-407E-A947-70E740481C1C}">
-                <a14:useLocalDpi xmlns:a14="http://schemas.microsoft.com/office/drawing/2010/main" val="0"/>
-              </a:ext>
-            </a:extLst>
-          </a:blip>
-          <a:stretch>
-            <a:fillRect/>
-          </a:stretch>
-        </p:blipFill>
-        <p:spPr>
-          <a:xfrm>
-            <a:off x="880274" y="4604820"/>
-            <a:ext cx="2801566" cy="1400783"/>
-          </a:xfrm>
-          <a:prstGeom prst="rect">
-            <a:avLst/>
-          </a:prstGeom>
-        </p:spPr>
-      </p:pic>
-      <p:pic>
-        <p:nvPicPr>
-          <p:cNvPr id="5" name="Picture 4"/>
-          <p:cNvPicPr>
-            <a:picLocks noChangeAspect="1"/>
-          </p:cNvPicPr>
-          <p:nvPr/>
-        </p:nvPicPr>
-        <p:blipFill>
-          <a:blip r:embed="rId6">
-            <a:extLst>
-              <a:ext uri="{28A0092B-C50C-407E-A947-70E740481C1C}">
-                <a14:useLocalDpi xmlns:a14="http://schemas.microsoft.com/office/drawing/2010/main" val="0"/>
-              </a:ext>
-            </a:extLst>
-          </a:blip>
-          <a:stretch>
-            <a:fillRect/>
-          </a:stretch>
-        </p:blipFill>
-        <p:spPr>
-          <a:xfrm>
-            <a:off x="880275" y="3835760"/>
-            <a:ext cx="2587140" cy="700490"/>
-          </a:xfrm>
-          <a:prstGeom prst="rect">
-            <a:avLst/>
-          </a:prstGeom>
-        </p:spPr>
-      </p:pic>
-      <p:pic>
-        <p:nvPicPr>
-          <p:cNvPr id="7" name="Picture 6"/>
-          <p:cNvPicPr>
-            <a:picLocks noChangeAspect="1"/>
-          </p:cNvPicPr>
-          <p:nvPr/>
-        </p:nvPicPr>
-        <p:blipFill>
-          <a:blip r:embed="rId7">
-            <a:extLst>
-              <a:ext uri="{28A0092B-C50C-407E-A947-70E740481C1C}">
-                <a14:useLocalDpi xmlns:a14="http://schemas.microsoft.com/office/drawing/2010/main" val="0"/>
-              </a:ext>
-            </a:extLst>
-          </a:blip>
-          <a:stretch>
-            <a:fillRect/>
-          </a:stretch>
-        </p:blipFill>
-        <p:spPr>
-          <a:xfrm>
-            <a:off x="5206241" y="3469979"/>
-            <a:ext cx="2801566" cy="1055257"/>
-          </a:xfrm>
-          <a:prstGeom prst="rect">
-            <a:avLst/>
-          </a:prstGeom>
-        </p:spPr>
-      </p:pic>
-      <p:pic>
-        <p:nvPicPr>
-          <p:cNvPr id="13" name="Picture 12"/>
-          <p:cNvPicPr>
-            <a:picLocks noChangeAspect="1"/>
-          </p:cNvPicPr>
-          <p:nvPr/>
-        </p:nvPicPr>
-        <p:blipFill>
-          <a:blip r:embed="rId8">
-            <a:extLst>
-              <a:ext uri="{28A0092B-C50C-407E-A947-70E740481C1C}">
-                <a14:useLocalDpi xmlns:a14="http://schemas.microsoft.com/office/drawing/2010/main" val="0"/>
-              </a:ext>
-            </a:extLst>
-          </a:blip>
-          <a:stretch>
-            <a:fillRect/>
-          </a:stretch>
-        </p:blipFill>
-        <p:spPr>
-          <a:xfrm>
-            <a:off x="5325361" y="4791520"/>
-            <a:ext cx="2801957" cy="1027384"/>
-          </a:xfrm>
-          <a:prstGeom prst="rect">
-            <a:avLst/>
-          </a:prstGeom>
-        </p:spPr>
-      </p:pic>
-    </p:spTree>
-    <p:extLst>
-      <p:ext uri="{BB962C8B-B14F-4D97-AF65-F5344CB8AC3E}">
-        <p14:creationId xmlns:p14="http://schemas.microsoft.com/office/powerpoint/2010/main" val="3700380544"/>
-      </p:ext>
-    </p:extLst>
-  </p:cSld>
-  <p:clrMapOvr>
-    <a:masterClrMapping/>
-  </p:clrMapOvr>
-  <p:transition advTm="10000">
-    <p:fade/>
-  </p:transition>
-  <p:timing>
-    <p:tnLst>
-      <p:par>
-        <p:cTn id="1" dur="indefinite" restart="never" nodeType="tmRoot"/>
-      </p:par>
-    </p:tnLst>
-  </p:timing>
-</p:sld>
-</file>
-
-<file path=ppt/slides/slide49.xml><?xml version="1.0" encoding="utf-8"?>
-<p:sld xmlns:a="http://schemas.openxmlformats.org/drawingml/2006/main" xmlns:r="http://schemas.openxmlformats.org/officeDocument/2006/relationships" xmlns:p="http://schemas.openxmlformats.org/presentationml/2006/main">
-  <p:cSld>
-    <p:spTree>
-      <p:nvGrpSpPr>
-        <p:cNvPr id="1" name=""/>
-        <p:cNvGrpSpPr/>
-        <p:nvPr/>
-      </p:nvGrpSpPr>
-      <p:grpSpPr>
-        <a:xfrm>
-          <a:off x="0" y="0"/>
-          <a:ext cx="0" cy="0"/>
-          <a:chOff x="0" y="0"/>
-          <a:chExt cx="0" cy="0"/>
-        </a:xfrm>
-      </p:grpSpPr>
-      <p:sp>
-        <p:nvSpPr>
-          <p:cNvPr id="5" name="Text Placeholder 4"/>
-          <p:cNvSpPr>
-            <a:spLocks noGrp="1"/>
-          </p:cNvSpPr>
-          <p:nvPr>
-            <p:ph type="body" sz="quarter" idx="10"/>
-          </p:nvPr>
-        </p:nvSpPr>
-        <p:spPr>
-          <a:xfrm>
-            <a:off x="4852134" y="3055458"/>
-            <a:ext cx="4089936" cy="2289409"/>
-          </a:xfrm>
-        </p:spPr>
-        <p:txBody>
-          <a:bodyPr/>
-          <a:lstStyle/>
-          <a:p>
-            <a:r>
-              <a:rPr lang="en-US" dirty="0" smtClean="0"/>
-              <a:t>My </a:t>
-            </a:r>
-            <a:r>
-              <a:rPr lang="en-US" dirty="0"/>
-              <a:t>Connect</a:t>
-            </a:r>
-          </a:p>
-          <a:p>
-            <a:pPr lvl="1"/>
-            <a:r>
-              <a:rPr lang="en-US" dirty="0"/>
-              <a:t>On the page for this session, you’ll find</a:t>
-            </a:r>
-          </a:p>
-          <a:p>
-            <a:pPr marL="252101" lvl="1" indent="-252101">
-              <a:buFont typeface="Arial" panose="020B0604020202020204" pitchFamily="34" charset="0"/>
-              <a:buChar char="•"/>
-            </a:pPr>
-            <a:r>
-              <a:rPr lang="en-US" dirty="0"/>
-              <a:t>Ask a question to the speaker(s)</a:t>
-            </a:r>
-          </a:p>
-          <a:p>
-            <a:pPr marL="252101" lvl="1" indent="-252101">
-              <a:buFont typeface="Arial" panose="020B0604020202020204" pitchFamily="34" charset="0"/>
-              <a:buChar char="•"/>
-            </a:pPr>
-            <a:r>
-              <a:rPr lang="en-US" dirty="0"/>
-              <a:t>Slides</a:t>
-            </a:r>
-          </a:p>
-          <a:p>
-            <a:pPr marL="252101" lvl="1" indent="-252101">
-              <a:buFont typeface="Arial" panose="020B0604020202020204" pitchFamily="34" charset="0"/>
-              <a:buChar char="•"/>
-            </a:pPr>
-            <a:r>
-              <a:rPr lang="en-US" dirty="0"/>
-              <a:t>Resources</a:t>
-            </a:r>
-          </a:p>
-          <a:p>
-            <a:pPr marL="252101" lvl="1" indent="-252101">
-              <a:buFont typeface="Arial" panose="020B0604020202020204" pitchFamily="34" charset="0"/>
-              <a:buChar char="•"/>
-            </a:pPr>
-            <a:r>
-              <a:rPr lang="en-US" dirty="0" smtClean="0"/>
-              <a:t>Feedback form</a:t>
-            </a:r>
-            <a:endParaRPr lang="en-US" dirty="0"/>
-          </a:p>
-        </p:txBody>
-      </p:sp>
-      <p:sp>
-        <p:nvSpPr>
-          <p:cNvPr id="6" name="Text Placeholder 5"/>
-          <p:cNvSpPr>
-            <a:spLocks noGrp="1"/>
-          </p:cNvSpPr>
-          <p:nvPr>
-            <p:ph type="body" sz="quarter" idx="11"/>
-          </p:nvPr>
-        </p:nvSpPr>
-        <p:spPr>
-          <a:xfrm>
-            <a:off x="201930" y="3055457"/>
-            <a:ext cx="4033911" cy="1630831"/>
-          </a:xfrm>
-        </p:spPr>
-        <p:txBody>
-          <a:bodyPr/>
-          <a:lstStyle/>
-          <a:p>
-            <a:r>
-              <a:rPr lang="en-US" dirty="0"/>
-              <a:t>Connect with me</a:t>
-            </a:r>
-          </a:p>
-          <a:p>
-            <a:pPr lvl="1"/>
-            <a:r>
-              <a:rPr lang="en-US" dirty="0" smtClean="0"/>
-              <a:t>@</a:t>
-            </a:r>
-            <a:r>
-              <a:rPr lang="en-US" dirty="0" err="1" smtClean="0"/>
-              <a:t>OdeToCode</a:t>
-            </a:r>
-            <a:endParaRPr lang="en-US" dirty="0" smtClean="0"/>
-          </a:p>
-          <a:p>
-            <a:pPr lvl="1"/>
-            <a:r>
-              <a:rPr lang="en-US" dirty="0" smtClean="0"/>
-              <a:t>scott@OdeToCode.com</a:t>
-            </a:r>
-            <a:endParaRPr lang="en-US" dirty="0"/>
-          </a:p>
-          <a:p>
-            <a:endParaRPr lang="en-US" dirty="0"/>
-          </a:p>
-        </p:txBody>
-      </p:sp>
-      <p:pic>
-        <p:nvPicPr>
-          <p:cNvPr id="8" name="Picture 7"/>
-          <p:cNvPicPr>
-            <a:picLocks noChangeAspect="1"/>
-          </p:cNvPicPr>
-          <p:nvPr/>
-        </p:nvPicPr>
-        <p:blipFill>
-          <a:blip r:embed="rId2">
-            <a:extLst>
-              <a:ext uri="{28A0092B-C50C-407E-A947-70E740481C1C}">
-                <a14:useLocalDpi xmlns:a14="http://schemas.microsoft.com/office/drawing/2010/main" val="0"/>
-              </a:ext>
-            </a:extLst>
-          </a:blip>
-          <a:stretch>
-            <a:fillRect/>
-          </a:stretch>
-        </p:blipFill>
-        <p:spPr>
-          <a:xfrm>
-            <a:off x="3920" y="195"/>
-            <a:ext cx="9144000" cy="2468282"/>
-          </a:xfrm>
-          <a:prstGeom prst="rect">
-            <a:avLst/>
-          </a:prstGeom>
-        </p:spPr>
-      </p:pic>
-    </p:spTree>
-    <p:extLst>
-      <p:ext uri="{BB962C8B-B14F-4D97-AF65-F5344CB8AC3E}">
-        <p14:creationId xmlns:p14="http://schemas.microsoft.com/office/powerpoint/2010/main" val="3920919138"/>
-      </p:ext>
-    </p:extLst>
-  </p:cSld>
-  <p:clrMapOvr>
-    <a:masterClrMapping/>
-  </p:clrMapOvr>
-  <p:transition>
-    <p:fade/>
-  </p:transition>
-  <p:timing>
-    <p:tnLst>
-      <p:par>
-        <p:cTn id="1" dur="indefinite" restart="never" nodeType="tmRoot"/>
-      </p:par>
-    </p:tnLst>
-  </p:timing>
-</p:sld>
-</file>
-
-<file path=ppt/slides/slide5.xml><?xml version="1.0" encoding="utf-8"?>
+<file path=ppt/slides/slide6.xml><?xml version="1.0" encoding="utf-8"?>
 <p:sld xmlns:a="http://schemas.openxmlformats.org/drawingml/2006/main" xmlns:r="http://schemas.openxmlformats.org/officeDocument/2006/relationships" xmlns:p="http://schemas.openxmlformats.org/presentationml/2006/main">
   <p:cSld>
     <p:spTree>
@@ -18748,7 +18822,7 @@
 </p:sld>
 </file>
 
-<file path=ppt/slides/slide6.xml><?xml version="1.0" encoding="utf-8"?>
+<file path=ppt/slides/slide7.xml><?xml version="1.0" encoding="utf-8"?>
 <p:sld xmlns:a="http://schemas.openxmlformats.org/drawingml/2006/main" xmlns:r="http://schemas.openxmlformats.org/officeDocument/2006/relationships" xmlns:p="http://schemas.openxmlformats.org/presentationml/2006/main">
   <p:cSld>
     <p:spTree>
@@ -18805,7 +18879,7 @@
           <a:p>
             <a:r>
               <a:rPr lang="en-US" dirty="0" smtClean="0"/>
-              <a:t>JavaScript has no block scoping</a:t>
+              <a:t>JavaScript has no block scope</a:t>
             </a:r>
             <a:endParaRPr lang="en-US" dirty="0"/>
           </a:p>
@@ -18934,7 +19008,7 @@
 </p:sld>
 </file>
 
-<file path=ppt/slides/slide7.xml><?xml version="1.0" encoding="utf-8"?>
+<file path=ppt/slides/slide8.xml><?xml version="1.0" encoding="utf-8"?>
 <p:sld xmlns:a="http://schemas.openxmlformats.org/drawingml/2006/main" xmlns:r="http://schemas.openxmlformats.org/officeDocument/2006/relationships" xmlns:p="http://schemas.openxmlformats.org/presentationml/2006/main">
   <p:cSld>
     <p:spTree>
@@ -19121,7 +19195,7 @@
 </p:sld>
 </file>
 
-<file path=ppt/slides/slide8.xml><?xml version="1.0" encoding="utf-8"?>
+<file path=ppt/slides/slide9.xml><?xml version="1.0" encoding="utf-8"?>
 <p:sld xmlns:a="http://schemas.openxmlformats.org/drawingml/2006/main" xmlns:r="http://schemas.openxmlformats.org/officeDocument/2006/relationships" xmlns:p="http://schemas.openxmlformats.org/presentationml/2006/main">
   <p:cSld>
     <p:spTree>
@@ -19405,97 +19479,6 @@
     <p:bldLst>
       <p:bldP spid="5" grpId="0"/>
     </p:bldLst>
-  </p:timing>
-</p:sld>
-</file>
-
-<file path=ppt/slides/slide9.xml><?xml version="1.0" encoding="utf-8"?>
-<p:sld xmlns:a="http://schemas.openxmlformats.org/drawingml/2006/main" xmlns:r="http://schemas.openxmlformats.org/officeDocument/2006/relationships" xmlns:p="http://schemas.openxmlformats.org/presentationml/2006/main">
-  <p:cSld>
-    <p:spTree>
-      <p:nvGrpSpPr>
-        <p:cNvPr id="1" name=""/>
-        <p:cNvGrpSpPr/>
-        <p:nvPr/>
-      </p:nvGrpSpPr>
-      <p:grpSpPr>
-        <a:xfrm>
-          <a:off x="0" y="0"/>
-          <a:ext cx="0" cy="0"/>
-          <a:chOff x="0" y="0"/>
-          <a:chExt cx="0" cy="0"/>
-        </a:xfrm>
-      </p:grpSpPr>
-      <p:sp>
-        <p:nvSpPr>
-          <p:cNvPr id="2" name="Title 1"/>
-          <p:cNvSpPr>
-            <a:spLocks noGrp="1"/>
-          </p:cNvSpPr>
-          <p:nvPr>
-            <p:ph type="title"/>
-          </p:nvPr>
-        </p:nvSpPr>
-        <p:spPr/>
-        <p:txBody>
-          <a:bodyPr/>
-          <a:lstStyle/>
-          <a:p>
-            <a:r>
-              <a:rPr lang="en-US" dirty="0" smtClean="0"/>
-              <a:t>Solution: </a:t>
-            </a:r>
-            <a:r>
-              <a:rPr lang="en-US" dirty="0" err="1" smtClean="0"/>
-              <a:t>const</a:t>
-            </a:r>
-            <a:endParaRPr lang="en-US" dirty="0"/>
-          </a:p>
-        </p:txBody>
-      </p:sp>
-      <p:pic>
-        <p:nvPicPr>
-          <p:cNvPr id="3" name="Picture 2"/>
-          <p:cNvPicPr>
-            <a:picLocks noChangeAspect="1"/>
-          </p:cNvPicPr>
-          <p:nvPr/>
-        </p:nvPicPr>
-        <p:blipFill>
-          <a:blip r:embed="rId2"/>
-          <a:stretch>
-            <a:fillRect/>
-          </a:stretch>
-        </p:blipFill>
-        <p:spPr>
-          <a:xfrm>
-            <a:off x="1738312" y="2057400"/>
-            <a:ext cx="5667375" cy="2114550"/>
-          </a:xfrm>
-          <a:prstGeom prst="rect">
-            <a:avLst/>
-          </a:prstGeom>
-        </p:spPr>
-      </p:pic>
-    </p:spTree>
-    <p:extLst>
-      <p:ext uri="{BB962C8B-B14F-4D97-AF65-F5344CB8AC3E}">
-        <p14:creationId xmlns:p14="http://schemas.microsoft.com/office/powerpoint/2010/main" val="1439712674"/>
-      </p:ext>
-    </p:extLst>
-  </p:cSld>
-  <p:clrMapOvr>
-    <a:masterClrMapping/>
-  </p:clrMapOvr>
-  <p:transition>
-    <p:fade/>
-  </p:transition>
-  <p:timing>
-    <p:tnLst>
-      <p:par>
-        <p:cTn id="1" dur="indefinite" restart="never" nodeType="tmRoot"/>
-      </p:par>
-    </p:tnLst>
   </p:timing>
 </p:sld>
 </file>

--- a/angularjs/slides/11_es6.pptx
+++ b/angularjs/slides/11_es6.pptx
@@ -7,61 +7,59 @@
     <p:sldMasterId id="2147483800" r:id="rId3"/>
   </p:sldMasterIdLst>
   <p:notesMasterIdLst>
-    <p:notesMasterId r:id="rId53"/>
+    <p:notesMasterId r:id="rId51"/>
   </p:notesMasterIdLst>
   <p:handoutMasterIdLst>
-    <p:handoutMasterId r:id="rId54"/>
+    <p:handoutMasterId r:id="rId52"/>
   </p:handoutMasterIdLst>
   <p:sldIdLst>
     <p:sldId id="327" r:id="rId4"/>
-    <p:sldId id="381" r:id="rId5"/>
-    <p:sldId id="424" r:id="rId6"/>
-    <p:sldId id="328" r:id="rId7"/>
-    <p:sldId id="387" r:id="rId8"/>
-    <p:sldId id="384" r:id="rId9"/>
-    <p:sldId id="385" r:id="rId10"/>
-    <p:sldId id="350" r:id="rId11"/>
-    <p:sldId id="386" r:id="rId12"/>
-    <p:sldId id="351" r:id="rId13"/>
-    <p:sldId id="352" r:id="rId14"/>
-    <p:sldId id="388" r:id="rId15"/>
-    <p:sldId id="389" r:id="rId16"/>
-    <p:sldId id="390" r:id="rId17"/>
-    <p:sldId id="391" r:id="rId18"/>
-    <p:sldId id="392" r:id="rId19"/>
-    <p:sldId id="393" r:id="rId20"/>
-    <p:sldId id="394" r:id="rId21"/>
-    <p:sldId id="395" r:id="rId22"/>
-    <p:sldId id="396" r:id="rId23"/>
-    <p:sldId id="398" r:id="rId24"/>
-    <p:sldId id="397" r:id="rId25"/>
-    <p:sldId id="399" r:id="rId26"/>
-    <p:sldId id="400" r:id="rId27"/>
-    <p:sldId id="402" r:id="rId28"/>
-    <p:sldId id="401" r:id="rId29"/>
-    <p:sldId id="403" r:id="rId30"/>
-    <p:sldId id="404" r:id="rId31"/>
-    <p:sldId id="405" r:id="rId32"/>
-    <p:sldId id="406" r:id="rId33"/>
-    <p:sldId id="407" r:id="rId34"/>
-    <p:sldId id="408" r:id="rId35"/>
-    <p:sldId id="409" r:id="rId36"/>
-    <p:sldId id="410" r:id="rId37"/>
-    <p:sldId id="411" r:id="rId38"/>
-    <p:sldId id="412" r:id="rId39"/>
-    <p:sldId id="413" r:id="rId40"/>
-    <p:sldId id="414" r:id="rId41"/>
-    <p:sldId id="415" r:id="rId42"/>
-    <p:sldId id="418" r:id="rId43"/>
-    <p:sldId id="416" r:id="rId44"/>
-    <p:sldId id="417" r:id="rId45"/>
-    <p:sldId id="419" r:id="rId46"/>
-    <p:sldId id="420" r:id="rId47"/>
-    <p:sldId id="421" r:id="rId48"/>
-    <p:sldId id="329" r:id="rId49"/>
-    <p:sldId id="422" r:id="rId50"/>
-    <p:sldId id="423" r:id="rId51"/>
-    <p:sldId id="383" r:id="rId52"/>
+    <p:sldId id="328" r:id="rId5"/>
+    <p:sldId id="387" r:id="rId6"/>
+    <p:sldId id="384" r:id="rId7"/>
+    <p:sldId id="385" r:id="rId8"/>
+    <p:sldId id="350" r:id="rId9"/>
+    <p:sldId id="386" r:id="rId10"/>
+    <p:sldId id="351" r:id="rId11"/>
+    <p:sldId id="352" r:id="rId12"/>
+    <p:sldId id="388" r:id="rId13"/>
+    <p:sldId id="389" r:id="rId14"/>
+    <p:sldId id="390" r:id="rId15"/>
+    <p:sldId id="391" r:id="rId16"/>
+    <p:sldId id="392" r:id="rId17"/>
+    <p:sldId id="393" r:id="rId18"/>
+    <p:sldId id="394" r:id="rId19"/>
+    <p:sldId id="395" r:id="rId20"/>
+    <p:sldId id="396" r:id="rId21"/>
+    <p:sldId id="398" r:id="rId22"/>
+    <p:sldId id="397" r:id="rId23"/>
+    <p:sldId id="399" r:id="rId24"/>
+    <p:sldId id="400" r:id="rId25"/>
+    <p:sldId id="402" r:id="rId26"/>
+    <p:sldId id="401" r:id="rId27"/>
+    <p:sldId id="403" r:id="rId28"/>
+    <p:sldId id="404" r:id="rId29"/>
+    <p:sldId id="405" r:id="rId30"/>
+    <p:sldId id="406" r:id="rId31"/>
+    <p:sldId id="407" r:id="rId32"/>
+    <p:sldId id="408" r:id="rId33"/>
+    <p:sldId id="409" r:id="rId34"/>
+    <p:sldId id="410" r:id="rId35"/>
+    <p:sldId id="411" r:id="rId36"/>
+    <p:sldId id="412" r:id="rId37"/>
+    <p:sldId id="413" r:id="rId38"/>
+    <p:sldId id="414" r:id="rId39"/>
+    <p:sldId id="415" r:id="rId40"/>
+    <p:sldId id="418" r:id="rId41"/>
+    <p:sldId id="416" r:id="rId42"/>
+    <p:sldId id="417" r:id="rId43"/>
+    <p:sldId id="419" r:id="rId44"/>
+    <p:sldId id="420" r:id="rId45"/>
+    <p:sldId id="421" r:id="rId46"/>
+    <p:sldId id="329" r:id="rId47"/>
+    <p:sldId id="422" r:id="rId48"/>
+    <p:sldId id="423" r:id="rId49"/>
+    <p:sldId id="383" r:id="rId50"/>
   </p:sldIdLst>
   <p:sldSz cx="9144000" cy="6858000" type="screen4x3"/>
   <p:notesSz cx="7302500" cy="9588500"/>
@@ -224,7 +222,7 @@
 </file>
 
 <file path=ppt/charts/chart1.xml><?xml version="1.0" encoding="utf-8"?>
-<c:chartSpace xmlns:c="http://schemas.openxmlformats.org/drawingml/2006/chart" xmlns:a="http://schemas.openxmlformats.org/drawingml/2006/main" xmlns:r="http://schemas.openxmlformats.org/officeDocument/2006/relationships">
+<c:chartSpace xmlns:c="http://schemas.openxmlformats.org/drawingml/2006/chart" xmlns:a="http://schemas.openxmlformats.org/drawingml/2006/main" xmlns:r="http://schemas.openxmlformats.org/officeDocument/2006/relationships" xmlns:c16r2="http://schemas.microsoft.com/office/drawing/2015/06/chart">
   <c:date1904 val="0"/>
   <c:lang val="en-US"/>
   <c:roundedCorners val="0"/>
@@ -263,7 +261,6 @@
           </a:p>
         </c:rich>
       </c:tx>
-      <c:layout/>
       <c:overlay val="0"/>
       <c:spPr>
         <a:noFill/>
@@ -367,6 +364,11 @@
             </c:numRef>
           </c:val>
           <c:smooth val="0"/>
+          <c:extLst>
+            <c:ext xmlns:c16="http://schemas.microsoft.com/office/drawing/2014/chart" uri="{C3380CC4-5D6E-409C-BE32-E72D297353CC}">
+              <c16:uniqueId val="{00000000-DA90-4554-B434-A8E1BCA259F7}"/>
+            </c:ext>
+          </c:extLst>
         </c:ser>
         <c:dLbls>
           <c:showLegendKey val="0"/>
@@ -1169,7 +1171,7 @@
               <a:pPr>
                 <a:defRPr/>
               </a:pPr>
-              <a:t>10/16/2015</a:t>
+              <a:t>12/17/2015</a:t>
             </a:fld>
             <a:endParaRPr lang="en-US"/>
           </a:p>
@@ -1841,524 +1843,6 @@
             <p:ph type="sldImg"/>
           </p:nvPr>
         </p:nvSpPr>
-        <p:spPr>
-          <a:xfrm>
-            <a:off x="1143000" y="685800"/>
-            <a:ext cx="4572000" cy="3429000"/>
-          </a:xfrm>
-        </p:spPr>
-      </p:sp>
-      <p:sp>
-        <p:nvSpPr>
-          <p:cNvPr id="3" name="Notes Placeholder 2"/>
-          <p:cNvSpPr>
-            <a:spLocks noGrp="1"/>
-          </p:cNvSpPr>
-          <p:nvPr>
-            <p:ph type="body" idx="1"/>
-          </p:nvPr>
-        </p:nvSpPr>
-        <p:spPr/>
-        <p:txBody>
-          <a:bodyPr/>
-          <a:lstStyle/>
-          <a:p>
-            <a:endParaRPr lang="en-US" dirty="0"/>
-          </a:p>
-        </p:txBody>
-      </p:sp>
-      <p:sp>
-        <p:nvSpPr>
-          <p:cNvPr id="4" name="Header Placeholder 3"/>
-          <p:cNvSpPr>
-            <a:spLocks noGrp="1"/>
-          </p:cNvSpPr>
-          <p:nvPr>
-            <p:ph type="hdr" sz="quarter" idx="10"/>
-          </p:nvPr>
-        </p:nvSpPr>
-        <p:spPr/>
-        <p:txBody>
-          <a:bodyPr/>
-          <a:lstStyle/>
-          <a:p>
-            <a:r>
-              <a:rPr lang="en-US" smtClean="0">
-                <a:solidFill>
-                  <a:prstClr val="black"/>
-                </a:solidFill>
-              </a:rPr>
-              <a:t>SPC2012 – IT Pro</a:t>
-            </a:r>
-            <a:endParaRPr lang="en-US" dirty="0">
-              <a:solidFill>
-                <a:prstClr val="black"/>
-              </a:solidFill>
-            </a:endParaRPr>
-          </a:p>
-        </p:txBody>
-      </p:sp>
-      <p:sp>
-        <p:nvSpPr>
-          <p:cNvPr id="5" name="Footer Placeholder 4"/>
-          <p:cNvSpPr>
-            <a:spLocks noGrp="1"/>
-          </p:cNvSpPr>
-          <p:nvPr>
-            <p:ph type="ftr" sz="quarter" idx="11"/>
-          </p:nvPr>
-        </p:nvSpPr>
-        <p:spPr>
-          <a:xfrm>
-            <a:off x="0" y="8686800"/>
-            <a:ext cx="5920740" cy="355964"/>
-          </a:xfrm>
-          <a:prstGeom prst="rect">
-            <a:avLst/>
-          </a:prstGeom>
-        </p:spPr>
-        <p:txBody>
-          <a:bodyPr/>
-          <a:lstStyle/>
-          <a:p>
-            <a:pPr algn="l" defTabSz="914099" fontAlgn="auto">
-              <a:spcBef>
-                <a:spcPts val="0"/>
-              </a:spcBef>
-              <a:spcAft>
-                <a:spcPts val="0"/>
-              </a:spcAft>
-            </a:pPr>
-            <a:r>
-              <a:rPr lang="en-US" sz="400" b="0" smtClean="0">
-                <a:gradFill>
-                  <a:gsLst>
-                    <a:gs pos="0">
-                      <a:prstClr val="black"/>
-                    </a:gs>
-                    <a:gs pos="100000">
-                      <a:prstClr val="black"/>
-                    </a:gs>
-                  </a:gsLst>
-                  <a:lin ang="5400000" scaled="0"/>
-                </a:gradFill>
-                <a:latin typeface="Segoe UI" pitchFamily="34" charset="0"/>
-                <a:ea typeface="Segoe UI" pitchFamily="34" charset="0"/>
-                <a:cs typeface="Segoe UI" pitchFamily="34" charset="0"/>
-              </a:rPr>
-              <a:t>© 2012 Microsoft Corporation. All rights reserved. Microsoft, Windows, and other product names are or may be registered trademarks and/or trademarks in the U.S. and/or other countries.</a:t>
-            </a:r>
-          </a:p>
-          <a:p>
-            <a:pPr algn="l" defTabSz="914099" fontAlgn="auto">
-              <a:spcBef>
-                <a:spcPts val="0"/>
-              </a:spcBef>
-              <a:spcAft>
-                <a:spcPts val="0"/>
-              </a:spcAft>
-            </a:pPr>
-            <a:r>
-              <a:rPr lang="en-US" sz="400" b="0" smtClean="0">
-                <a:gradFill>
-                  <a:gsLst>
-                    <a:gs pos="0">
-                      <a:prstClr val="black"/>
-                    </a:gs>
-                    <a:gs pos="100000">
-                      <a:prstClr val="black"/>
-                    </a:gs>
-                  </a:gsLst>
-                  <a:lin ang="5400000" scaled="0"/>
-                </a:gradFill>
-                <a:latin typeface="Segoe UI" pitchFamily="34" charset="0"/>
-                <a:ea typeface="Segoe UI" pitchFamily="34" charset="0"/>
-                <a:cs typeface="Segoe UI" pitchFamily="34" charset="0"/>
-              </a:rPr>
-              <a:t>The information herein is for informational purposes only and represents the current view of Microsoft Corporation as of the date of this presentation.  Because Microsoft must respond to changing market conditions, it should not be interpreted to be a commitment on the part of Microsoft, and Microsoft cannot guarantee the accuracy of any information provided after the date of this presentation.  MICROSOFT MAKES NO WARRANTIES, EXPRESS, IMPLIED OR STATUTORY, AS TO THE INFORMATION IN THIS PRESENTATION.</a:t>
-            </a:r>
-            <a:endParaRPr lang="en-US" sz="400" b="0" dirty="0" smtClean="0">
-              <a:gradFill>
-                <a:gsLst>
-                  <a:gs pos="0">
-                    <a:prstClr val="black"/>
-                  </a:gs>
-                  <a:gs pos="100000">
-                    <a:prstClr val="black"/>
-                  </a:gs>
-                </a:gsLst>
-                <a:lin ang="5400000" scaled="0"/>
-              </a:gradFill>
-              <a:latin typeface="Segoe UI" pitchFamily="34" charset="0"/>
-              <a:ea typeface="Segoe UI" pitchFamily="34" charset="0"/>
-              <a:cs typeface="Segoe UI" pitchFamily="34" charset="0"/>
-            </a:endParaRPr>
-          </a:p>
-        </p:txBody>
-      </p:sp>
-      <p:sp>
-        <p:nvSpPr>
-          <p:cNvPr id="6" name="Date Placeholder 5"/>
-          <p:cNvSpPr>
-            <a:spLocks noGrp="1"/>
-          </p:cNvSpPr>
-          <p:nvPr>
-            <p:ph type="dt" idx="12"/>
-          </p:nvPr>
-        </p:nvSpPr>
-        <p:spPr/>
-        <p:txBody>
-          <a:bodyPr/>
-          <a:lstStyle/>
-          <a:p>
-            <a:fld id="{ED67F6FF-BEBC-44EA-BF30-EFC560EE62EB}" type="datetime1">
-              <a:rPr lang="en-US" smtClean="0">
-                <a:solidFill>
-                  <a:prstClr val="black"/>
-                </a:solidFill>
-              </a:rPr>
-              <a:pPr/>
-              <a:t>10/16/2015</a:t>
-            </a:fld>
-            <a:endParaRPr lang="en-US" dirty="0">
-              <a:solidFill>
-                <a:prstClr val="black"/>
-              </a:solidFill>
-            </a:endParaRPr>
-          </a:p>
-        </p:txBody>
-      </p:sp>
-      <p:sp>
-        <p:nvSpPr>
-          <p:cNvPr id="7" name="Slide Number Placeholder 6"/>
-          <p:cNvSpPr>
-            <a:spLocks noGrp="1"/>
-          </p:cNvSpPr>
-          <p:nvPr>
-            <p:ph type="sldNum" sz="quarter" idx="13"/>
-          </p:nvPr>
-        </p:nvSpPr>
-        <p:spPr/>
-        <p:txBody>
-          <a:bodyPr/>
-          <a:lstStyle/>
-          <a:p>
-            <a:fld id="{B4008EB6-D09E-4580-8CD6-DDB14511944F}" type="slidenum">
-              <a:rPr lang="en-US" smtClean="0">
-                <a:solidFill>
-                  <a:prstClr val="black"/>
-                </a:solidFill>
-              </a:rPr>
-              <a:pPr/>
-              <a:t>2</a:t>
-            </a:fld>
-            <a:endParaRPr lang="en-US" dirty="0">
-              <a:solidFill>
-                <a:prstClr val="black"/>
-              </a:solidFill>
-            </a:endParaRPr>
-          </a:p>
-        </p:txBody>
-      </p:sp>
-    </p:spTree>
-    <p:extLst>
-      <p:ext uri="{BB962C8B-B14F-4D97-AF65-F5344CB8AC3E}">
-        <p14:creationId xmlns:p14="http://schemas.microsoft.com/office/powerpoint/2010/main" val="2366715756"/>
-      </p:ext>
-    </p:extLst>
-  </p:cSld>
-  <p:clrMapOvr>
-    <a:masterClrMapping/>
-  </p:clrMapOvr>
-</p:notes>
-</file>
-
-<file path=ppt/notesSlides/notesSlide3.xml><?xml version="1.0" encoding="utf-8"?>
-<p:notes xmlns:a="http://schemas.openxmlformats.org/drawingml/2006/main" xmlns:r="http://schemas.openxmlformats.org/officeDocument/2006/relationships" xmlns:p="http://schemas.openxmlformats.org/presentationml/2006/main">
-  <p:cSld>
-    <p:spTree>
-      <p:nvGrpSpPr>
-        <p:cNvPr id="1" name=""/>
-        <p:cNvGrpSpPr/>
-        <p:nvPr/>
-      </p:nvGrpSpPr>
-      <p:grpSpPr>
-        <a:xfrm>
-          <a:off x="0" y="0"/>
-          <a:ext cx="0" cy="0"/>
-          <a:chOff x="0" y="0"/>
-          <a:chExt cx="0" cy="0"/>
-        </a:xfrm>
-      </p:grpSpPr>
-      <p:sp>
-        <p:nvSpPr>
-          <p:cNvPr id="2" name="Slide Image Placeholder 1"/>
-          <p:cNvSpPr>
-            <a:spLocks noGrp="1" noRot="1" noChangeAspect="1"/>
-          </p:cNvSpPr>
-          <p:nvPr>
-            <p:ph type="sldImg"/>
-          </p:nvPr>
-        </p:nvSpPr>
-        <p:spPr>
-          <a:xfrm>
-            <a:off x="1143000" y="685800"/>
-            <a:ext cx="4572000" cy="3429000"/>
-          </a:xfrm>
-        </p:spPr>
-      </p:sp>
-      <p:sp>
-        <p:nvSpPr>
-          <p:cNvPr id="3" name="Notes Placeholder 2"/>
-          <p:cNvSpPr>
-            <a:spLocks noGrp="1"/>
-          </p:cNvSpPr>
-          <p:nvPr>
-            <p:ph type="body" idx="1"/>
-          </p:nvPr>
-        </p:nvSpPr>
-        <p:spPr/>
-        <p:txBody>
-          <a:bodyPr/>
-          <a:lstStyle/>
-          <a:p>
-            <a:endParaRPr lang="en-US" dirty="0"/>
-          </a:p>
-        </p:txBody>
-      </p:sp>
-      <p:sp>
-        <p:nvSpPr>
-          <p:cNvPr id="4" name="Header Placeholder 3"/>
-          <p:cNvSpPr>
-            <a:spLocks noGrp="1"/>
-          </p:cNvSpPr>
-          <p:nvPr>
-            <p:ph type="hdr" sz="quarter" idx="10"/>
-          </p:nvPr>
-        </p:nvSpPr>
-        <p:spPr/>
-        <p:txBody>
-          <a:bodyPr/>
-          <a:lstStyle/>
-          <a:p>
-            <a:r>
-              <a:rPr lang="en-US" smtClean="0">
-                <a:solidFill>
-                  <a:prstClr val="black"/>
-                </a:solidFill>
-              </a:rPr>
-              <a:t>SPC2012 – IT Pro</a:t>
-            </a:r>
-            <a:endParaRPr lang="en-US" dirty="0">
-              <a:solidFill>
-                <a:prstClr val="black"/>
-              </a:solidFill>
-            </a:endParaRPr>
-          </a:p>
-        </p:txBody>
-      </p:sp>
-      <p:sp>
-        <p:nvSpPr>
-          <p:cNvPr id="5" name="Footer Placeholder 4"/>
-          <p:cNvSpPr>
-            <a:spLocks noGrp="1"/>
-          </p:cNvSpPr>
-          <p:nvPr>
-            <p:ph type="ftr" sz="quarter" idx="11"/>
-          </p:nvPr>
-        </p:nvSpPr>
-        <p:spPr>
-          <a:xfrm>
-            <a:off x="0" y="8686800"/>
-            <a:ext cx="5920740" cy="355964"/>
-          </a:xfrm>
-          <a:prstGeom prst="rect">
-            <a:avLst/>
-          </a:prstGeom>
-        </p:spPr>
-        <p:txBody>
-          <a:bodyPr/>
-          <a:lstStyle/>
-          <a:p>
-            <a:pPr algn="l" defTabSz="914099" fontAlgn="auto">
-              <a:spcBef>
-                <a:spcPts val="0"/>
-              </a:spcBef>
-              <a:spcAft>
-                <a:spcPts val="0"/>
-              </a:spcAft>
-            </a:pPr>
-            <a:r>
-              <a:rPr lang="en-US" sz="400" b="0" smtClean="0">
-                <a:gradFill>
-                  <a:gsLst>
-                    <a:gs pos="0">
-                      <a:prstClr val="black"/>
-                    </a:gs>
-                    <a:gs pos="100000">
-                      <a:prstClr val="black"/>
-                    </a:gs>
-                  </a:gsLst>
-                  <a:lin ang="5400000" scaled="0"/>
-                </a:gradFill>
-                <a:latin typeface="Segoe UI" pitchFamily="34" charset="0"/>
-                <a:ea typeface="Segoe UI" pitchFamily="34" charset="0"/>
-                <a:cs typeface="Segoe UI" pitchFamily="34" charset="0"/>
-              </a:rPr>
-              <a:t>© 2012 Microsoft Corporation. All rights reserved. Microsoft, Windows, and other product names are or may be registered trademarks and/or trademarks in the U.S. and/or other countries.</a:t>
-            </a:r>
-          </a:p>
-          <a:p>
-            <a:pPr algn="l" defTabSz="914099" fontAlgn="auto">
-              <a:spcBef>
-                <a:spcPts val="0"/>
-              </a:spcBef>
-              <a:spcAft>
-                <a:spcPts val="0"/>
-              </a:spcAft>
-            </a:pPr>
-            <a:r>
-              <a:rPr lang="en-US" sz="400" b="0" smtClean="0">
-                <a:gradFill>
-                  <a:gsLst>
-                    <a:gs pos="0">
-                      <a:prstClr val="black"/>
-                    </a:gs>
-                    <a:gs pos="100000">
-                      <a:prstClr val="black"/>
-                    </a:gs>
-                  </a:gsLst>
-                  <a:lin ang="5400000" scaled="0"/>
-                </a:gradFill>
-                <a:latin typeface="Segoe UI" pitchFamily="34" charset="0"/>
-                <a:ea typeface="Segoe UI" pitchFamily="34" charset="0"/>
-                <a:cs typeface="Segoe UI" pitchFamily="34" charset="0"/>
-              </a:rPr>
-              <a:t>The information herein is for informational purposes only and represents the current view of Microsoft Corporation as of the date of this presentation.  Because Microsoft must respond to changing market conditions, it should not be interpreted to be a commitment on the part of Microsoft, and Microsoft cannot guarantee the accuracy of any information provided after the date of this presentation.  MICROSOFT MAKES NO WARRANTIES, EXPRESS, IMPLIED OR STATUTORY, AS TO THE INFORMATION IN THIS PRESENTATION.</a:t>
-            </a:r>
-            <a:endParaRPr lang="en-US" sz="400" b="0" dirty="0" smtClean="0">
-              <a:gradFill>
-                <a:gsLst>
-                  <a:gs pos="0">
-                    <a:prstClr val="black"/>
-                  </a:gs>
-                  <a:gs pos="100000">
-                    <a:prstClr val="black"/>
-                  </a:gs>
-                </a:gsLst>
-                <a:lin ang="5400000" scaled="0"/>
-              </a:gradFill>
-              <a:latin typeface="Segoe UI" pitchFamily="34" charset="0"/>
-              <a:ea typeface="Segoe UI" pitchFamily="34" charset="0"/>
-              <a:cs typeface="Segoe UI" pitchFamily="34" charset="0"/>
-            </a:endParaRPr>
-          </a:p>
-        </p:txBody>
-      </p:sp>
-      <p:sp>
-        <p:nvSpPr>
-          <p:cNvPr id="6" name="Date Placeholder 5"/>
-          <p:cNvSpPr>
-            <a:spLocks noGrp="1"/>
-          </p:cNvSpPr>
-          <p:nvPr>
-            <p:ph type="dt" idx="12"/>
-          </p:nvPr>
-        </p:nvSpPr>
-        <p:spPr/>
-        <p:txBody>
-          <a:bodyPr/>
-          <a:lstStyle/>
-          <a:p>
-            <a:fld id="{ED67F6FF-BEBC-44EA-BF30-EFC560EE62EB}" type="datetime1">
-              <a:rPr lang="en-US" smtClean="0">
-                <a:solidFill>
-                  <a:prstClr val="black"/>
-                </a:solidFill>
-              </a:rPr>
-              <a:pPr/>
-              <a:t>10/16/2015</a:t>
-            </a:fld>
-            <a:endParaRPr lang="en-US" dirty="0">
-              <a:solidFill>
-                <a:prstClr val="black"/>
-              </a:solidFill>
-            </a:endParaRPr>
-          </a:p>
-        </p:txBody>
-      </p:sp>
-      <p:sp>
-        <p:nvSpPr>
-          <p:cNvPr id="7" name="Slide Number Placeholder 6"/>
-          <p:cNvSpPr>
-            <a:spLocks noGrp="1"/>
-          </p:cNvSpPr>
-          <p:nvPr>
-            <p:ph type="sldNum" sz="quarter" idx="13"/>
-          </p:nvPr>
-        </p:nvSpPr>
-        <p:spPr/>
-        <p:txBody>
-          <a:bodyPr/>
-          <a:lstStyle/>
-          <a:p>
-            <a:fld id="{B4008EB6-D09E-4580-8CD6-DDB14511944F}" type="slidenum">
-              <a:rPr lang="en-US" smtClean="0">
-                <a:solidFill>
-                  <a:prstClr val="black"/>
-                </a:solidFill>
-              </a:rPr>
-              <a:pPr/>
-              <a:t>3</a:t>
-            </a:fld>
-            <a:endParaRPr lang="en-US" dirty="0">
-              <a:solidFill>
-                <a:prstClr val="black"/>
-              </a:solidFill>
-            </a:endParaRPr>
-          </a:p>
-        </p:txBody>
-      </p:sp>
-    </p:spTree>
-    <p:extLst>
-      <p:ext uri="{BB962C8B-B14F-4D97-AF65-F5344CB8AC3E}">
-        <p14:creationId xmlns:p14="http://schemas.microsoft.com/office/powerpoint/2010/main" val="239473478"/>
-      </p:ext>
-    </p:extLst>
-  </p:cSld>
-  <p:clrMapOvr>
-    <a:masterClrMapping/>
-  </p:clrMapOvr>
-</p:notes>
-</file>
-
-<file path=ppt/notesSlides/notesSlide4.xml><?xml version="1.0" encoding="utf-8"?>
-<p:notes xmlns:a="http://schemas.openxmlformats.org/drawingml/2006/main" xmlns:r="http://schemas.openxmlformats.org/officeDocument/2006/relationships" xmlns:p="http://schemas.openxmlformats.org/presentationml/2006/main">
-  <p:cSld>
-    <p:spTree>
-      <p:nvGrpSpPr>
-        <p:cNvPr id="1" name=""/>
-        <p:cNvGrpSpPr/>
-        <p:nvPr/>
-      </p:nvGrpSpPr>
-      <p:grpSpPr>
-        <a:xfrm>
-          <a:off x="0" y="0"/>
-          <a:ext cx="0" cy="0"/>
-          <a:chOff x="0" y="0"/>
-          <a:chExt cx="0" cy="0"/>
-        </a:xfrm>
-      </p:grpSpPr>
-      <p:sp>
-        <p:nvSpPr>
-          <p:cNvPr id="2" name="Slide Image Placeholder 1"/>
-          <p:cNvSpPr>
-            <a:spLocks noGrp="1" noRot="1" noChangeAspect="1"/>
-          </p:cNvSpPr>
-          <p:nvPr>
-            <p:ph type="sldImg"/>
-          </p:nvPr>
-        </p:nvSpPr>
         <p:spPr/>
       </p:sp>
       <p:sp>
@@ -2403,7 +1887,7 @@
               <a:pPr>
                 <a:defRPr/>
               </a:pPr>
-              <a:t>4</a:t>
+              <a:t>2</a:t>
             </a:fld>
             <a:endParaRPr lang="en-US"/>
           </a:p>
@@ -2565,13 +2049,6 @@
   <p:transition>
     <p:fade/>
   </p:transition>
-  <p:timing>
-    <p:tnLst>
-      <p:par>
-        <p:cTn id="1" dur="indefinite" restart="never" nodeType="tmRoot"/>
-      </p:par>
-    </p:tnLst>
-  </p:timing>
 </p:sldLayout>
 </file>
 
@@ -2719,13 +2196,6 @@
   <p:transition>
     <p:fade/>
   </p:transition>
-  <p:timing>
-    <p:tnLst>
-      <p:par>
-        <p:cTn id="1" dur="indefinite" restart="never" nodeType="tmRoot"/>
-      </p:par>
-    </p:tnLst>
-  </p:timing>
 </p:sldLayout>
 </file>
 
@@ -2968,13 +2438,6 @@
   <p:transition>
     <p:fade/>
   </p:transition>
-  <p:timing>
-    <p:tnLst>
-      <p:par>
-        <p:cTn id="1" dur="indefinite" restart="never" nodeType="tmRoot"/>
-      </p:par>
-    </p:tnLst>
-  </p:timing>
 </p:sldLayout>
 </file>
 
@@ -3209,13 +2672,6 @@
   <p:transition>
     <p:fade/>
   </p:transition>
-  <p:timing>
-    <p:tnLst>
-      <p:par>
-        <p:cTn id="1" dur="indefinite" restart="never" nodeType="tmRoot"/>
-      </p:par>
-    </p:tnLst>
-  </p:timing>
 </p:sldLayout>
 </file>
 
@@ -3276,13 +2732,6 @@
   <p:transition>
     <p:fade/>
   </p:transition>
-  <p:timing>
-    <p:tnLst>
-      <p:par>
-        <p:cTn id="1" dur="indefinite" restart="never" nodeType="tmRoot"/>
-      </p:par>
-    </p:tnLst>
-  </p:timing>
   <p:extLst mod="1">
     <p:ext uri="{DCECCB84-F9BA-43D5-87BE-67443E8EF086}">
       <p15:sldGuideLst xmlns:p15="http://schemas.microsoft.com/office/powerpoint/2012/main">
@@ -3367,13 +2816,6 @@
   <p:transition>
     <p:fade/>
   </p:transition>
-  <p:timing>
-    <p:tnLst>
-      <p:par>
-        <p:cTn id="1" dur="indefinite" restart="never" nodeType="tmRoot"/>
-      </p:par>
-    </p:tnLst>
-  </p:timing>
   <p:extLst mod="1">
     <p:ext uri="{DCECCB84-F9BA-43D5-87BE-67443E8EF086}">
       <p15:sldGuideLst xmlns:p15="http://schemas.microsoft.com/office/powerpoint/2012/main">
@@ -3431,13 +2873,6 @@
   <p:transition>
     <p:fade/>
   </p:transition>
-  <p:timing>
-    <p:tnLst>
-      <p:par>
-        <p:cTn id="1" dur="indefinite" restart="never" nodeType="tmRoot"/>
-      </p:par>
-    </p:tnLst>
-  </p:timing>
 </p:sldLayout>
 </file>
 
@@ -3479,13 +2914,6 @@
   <p:transition>
     <p:fade/>
   </p:transition>
-  <p:timing>
-    <p:tnLst>
-      <p:par>
-        <p:cTn id="1" dur="indefinite" restart="never" nodeType="tmRoot"/>
-      </p:par>
-    </p:tnLst>
-  </p:timing>
 </p:sldLayout>
 </file>
 
@@ -3527,13 +2955,6 @@
   <p:transition>
     <p:fade/>
   </p:transition>
-  <p:timing>
-    <p:tnLst>
-      <p:par>
-        <p:cTn id="1" dur="indefinite" restart="never" nodeType="tmRoot"/>
-      </p:par>
-    </p:tnLst>
-  </p:timing>
 </p:sldLayout>
 </file>
 
@@ -3603,13 +3024,6 @@
   <p:transition>
     <p:fade/>
   </p:transition>
-  <p:timing>
-    <p:tnLst>
-      <p:par>
-        <p:cTn id="1" dur="indefinite" restart="never" nodeType="tmRoot"/>
-      </p:par>
-    </p:tnLst>
-  </p:timing>
 </p:sldLayout>
 </file>
 
@@ -3828,13 +3242,6 @@
   <p:transition>
     <p:fade/>
   </p:transition>
-  <p:timing>
-    <p:tnLst>
-      <p:par>
-        <p:cTn id="1" dur="indefinite" restart="never" nodeType="tmRoot"/>
-      </p:par>
-    </p:tnLst>
-  </p:timing>
   <p:extLst mod="1">
     <p:ext uri="{DCECCB84-F9BA-43D5-87BE-67443E8EF086}">
       <p15:sldGuideLst xmlns:p15="http://schemas.microsoft.com/office/powerpoint/2012/main">
@@ -4016,13 +3423,6 @@
   <p:transition>
     <p:fade/>
   </p:transition>
-  <p:timing>
-    <p:tnLst>
-      <p:par>
-        <p:cTn id="1" dur="indefinite" restart="never" nodeType="tmRoot"/>
-      </p:par>
-    </p:tnLst>
-  </p:timing>
 </p:sldLayout>
 </file>
 
@@ -4241,13 +3641,6 @@
   <p:transition>
     <p:fade/>
   </p:transition>
-  <p:timing>
-    <p:tnLst>
-      <p:par>
-        <p:cTn id="1" dur="indefinite" restart="never" nodeType="tmRoot"/>
-      </p:par>
-    </p:tnLst>
-  </p:timing>
   <p:extLst mod="1">
     <p:ext uri="{DCECCB84-F9BA-43D5-87BE-67443E8EF086}">
       <p15:sldGuideLst xmlns:p15="http://schemas.microsoft.com/office/powerpoint/2012/main">
@@ -4955,13 +4348,6 @@
   <p:transition>
     <p:fade/>
   </p:transition>
-  <p:timing>
-    <p:tnLst>
-      <p:par>
-        <p:cTn id="1" dur="indefinite" restart="never" nodeType="tmRoot"/>
-      </p:par>
-    </p:tnLst>
-  </p:timing>
 </p:sldLayout>
 </file>
 
@@ -5025,13 +4411,6 @@
   <p:transition>
     <p:fade/>
   </p:transition>
-  <p:timing>
-    <p:tnLst>
-      <p:par>
-        <p:cTn id="1" dur="indefinite" restart="never" nodeType="tmRoot"/>
-      </p:par>
-    </p:tnLst>
-  </p:timing>
 </p:sldLayout>
 </file>
 
@@ -5110,13 +4489,6 @@
   <p:transition>
     <p:fade/>
   </p:transition>
-  <p:timing>
-    <p:tnLst>
-      <p:par>
-        <p:cTn id="1" dur="indefinite" restart="never" nodeType="tmRoot"/>
-      </p:par>
-    </p:tnLst>
-  </p:timing>
 </p:sldLayout>
 </file>
 
@@ -5195,13 +4567,6 @@
   <p:transition>
     <p:fade/>
   </p:transition>
-  <p:timing>
-    <p:tnLst>
-      <p:par>
-        <p:cTn id="1" dur="indefinite" restart="never" nodeType="tmRoot"/>
-      </p:par>
-    </p:tnLst>
-  </p:timing>
 </p:sldLayout>
 </file>
 
@@ -5280,13 +4645,6 @@
   <p:transition>
     <p:fade/>
   </p:transition>
-  <p:timing>
-    <p:tnLst>
-      <p:par>
-        <p:cTn id="1" dur="indefinite" restart="never" nodeType="tmRoot"/>
-      </p:par>
-    </p:tnLst>
-  </p:timing>
 </p:sldLayout>
 </file>
 
@@ -5438,13 +4796,6 @@
   <p:transition>
     <p:fade/>
   </p:transition>
-  <p:timing>
-    <p:tnLst>
-      <p:par>
-        <p:cTn id="1" dur="indefinite" restart="never" nodeType="tmRoot"/>
-      </p:par>
-    </p:tnLst>
-  </p:timing>
 </p:sldLayout>
 </file>
 
@@ -5602,13 +4953,6 @@
   <p:transition>
     <p:fade/>
   </p:transition>
-  <p:timing>
-    <p:tnLst>
-      <p:par>
-        <p:cTn id="1" dur="indefinite" restart="never" nodeType="tmRoot"/>
-      </p:par>
-    </p:tnLst>
-  </p:timing>
 </p:sldLayout>
 </file>
 
@@ -5748,13 +5092,6 @@
   <p:transition>
     <p:fade/>
   </p:transition>
-  <p:timing>
-    <p:tnLst>
-      <p:par>
-        <p:cTn id="1" dur="indefinite" restart="never" nodeType="tmRoot"/>
-      </p:par>
-    </p:tnLst>
-  </p:timing>
 </p:sldLayout>
 </file>
 
@@ -5902,13 +5239,6 @@
   <p:transition>
     <p:fade/>
   </p:transition>
-  <p:timing>
-    <p:tnLst>
-      <p:par>
-        <p:cTn id="1" dur="indefinite" restart="never" nodeType="tmRoot"/>
-      </p:par>
-    </p:tnLst>
-  </p:timing>
 </p:sldLayout>
 </file>
 
@@ -6151,13 +5481,6 @@
   <p:transition>
     <p:fade/>
   </p:transition>
-  <p:timing>
-    <p:tnLst>
-      <p:par>
-        <p:cTn id="1" dur="indefinite" restart="never" nodeType="tmRoot"/>
-      </p:par>
-    </p:tnLst>
-  </p:timing>
 </p:sldLayout>
 </file>
 
@@ -6392,13 +5715,6 @@
   <p:transition>
     <p:fade/>
   </p:transition>
-  <p:timing>
-    <p:tnLst>
-      <p:par>
-        <p:cTn id="1" dur="indefinite" restart="never" nodeType="tmRoot"/>
-      </p:par>
-    </p:tnLst>
-  </p:timing>
 </p:sldLayout>
 </file>
 
@@ -6459,13 +5775,6 @@
   <p:transition>
     <p:fade/>
   </p:transition>
-  <p:timing>
-    <p:tnLst>
-      <p:par>
-        <p:cTn id="1" dur="indefinite" restart="never" nodeType="tmRoot"/>
-      </p:par>
-    </p:tnLst>
-  </p:timing>
   <p:extLst mod="1">
     <p:ext uri="{DCECCB84-F9BA-43D5-87BE-67443E8EF086}">
       <p15:sldGuideLst xmlns:p15="http://schemas.microsoft.com/office/powerpoint/2012/main">
@@ -6550,13 +5859,6 @@
   <p:transition>
     <p:fade/>
   </p:transition>
-  <p:timing>
-    <p:tnLst>
-      <p:par>
-        <p:cTn id="1" dur="indefinite" restart="never" nodeType="tmRoot"/>
-      </p:par>
-    </p:tnLst>
-  </p:timing>
   <p:extLst mod="1">
     <p:ext uri="{DCECCB84-F9BA-43D5-87BE-67443E8EF086}">
       <p15:sldGuideLst xmlns:p15="http://schemas.microsoft.com/office/powerpoint/2012/main">
@@ -6614,13 +5916,6 @@
   <p:transition>
     <p:fade/>
   </p:transition>
-  <p:timing>
-    <p:tnLst>
-      <p:par>
-        <p:cTn id="1" dur="indefinite" restart="never" nodeType="tmRoot"/>
-      </p:par>
-    </p:tnLst>
-  </p:timing>
 </p:sldLayout>
 </file>
 
@@ -6662,13 +5957,6 @@
   <p:transition>
     <p:fade/>
   </p:transition>
-  <p:timing>
-    <p:tnLst>
-      <p:par>
-        <p:cTn id="1" dur="indefinite" restart="never" nodeType="tmRoot"/>
-      </p:par>
-    </p:tnLst>
-  </p:timing>
 </p:sldLayout>
 </file>
 
@@ -6710,13 +5998,6 @@
   <p:transition>
     <p:fade/>
   </p:transition>
-  <p:timing>
-    <p:tnLst>
-      <p:par>
-        <p:cTn id="1" dur="indefinite" restart="never" nodeType="tmRoot"/>
-      </p:par>
-    </p:tnLst>
-  </p:timing>
 </p:sldLayout>
 </file>
 
@@ -6786,13 +6067,6 @@
   <p:transition>
     <p:fade/>
   </p:transition>
-  <p:timing>
-    <p:tnLst>
-      <p:par>
-        <p:cTn id="1" dur="indefinite" restart="never" nodeType="tmRoot"/>
-      </p:par>
-    </p:tnLst>
-  </p:timing>
 </p:sldLayout>
 </file>
 
@@ -6892,13 +6166,6 @@
   <p:transition>
     <p:fade/>
   </p:transition>
-  <p:timing>
-    <p:tnLst>
-      <p:par>
-        <p:cTn id="1" dur="indefinite" restart="never" nodeType="tmRoot"/>
-      </p:par>
-    </p:tnLst>
-  </p:timing>
 </p:sldLayout>
 </file>
 
@@ -7117,13 +6384,6 @@
   <p:transition>
     <p:fade/>
   </p:transition>
-  <p:timing>
-    <p:tnLst>
-      <p:par>
-        <p:cTn id="1" dur="indefinite" restart="never" nodeType="tmRoot"/>
-      </p:par>
-    </p:tnLst>
-  </p:timing>
   <p:extLst mod="1">
     <p:ext uri="{DCECCB84-F9BA-43D5-87BE-67443E8EF086}">
       <p15:sldGuideLst xmlns:p15="http://schemas.microsoft.com/office/powerpoint/2012/main">
@@ -7358,13 +6618,6 @@
   <p:transition>
     <p:fade/>
   </p:transition>
-  <p:timing>
-    <p:tnLst>
-      <p:par>
-        <p:cTn id="1" dur="indefinite" restart="never" nodeType="tmRoot"/>
-      </p:par>
-    </p:tnLst>
-  </p:timing>
   <p:extLst mod="1">
     <p:ext uri="{DCECCB84-F9BA-43D5-87BE-67443E8EF086}">
       <p15:sldGuideLst xmlns:p15="http://schemas.microsoft.com/office/powerpoint/2012/main">
@@ -8072,13 +7325,6 @@
   <p:transition>
     <p:fade/>
   </p:transition>
-  <p:timing>
-    <p:tnLst>
-      <p:par>
-        <p:cTn id="1" dur="indefinite" restart="never" nodeType="tmRoot"/>
-      </p:par>
-    </p:tnLst>
-  </p:timing>
 </p:sldLayout>
 </file>
 
@@ -8142,13 +7388,6 @@
   <p:transition>
     <p:fade/>
   </p:transition>
-  <p:timing>
-    <p:tnLst>
-      <p:par>
-        <p:cTn id="1" dur="indefinite" restart="never" nodeType="tmRoot"/>
-      </p:par>
-    </p:tnLst>
-  </p:timing>
 </p:sldLayout>
 </file>
 
@@ -8227,13 +7466,6 @@
   <p:transition>
     <p:fade/>
   </p:transition>
-  <p:timing>
-    <p:tnLst>
-      <p:par>
-        <p:cTn id="1" dur="indefinite" restart="never" nodeType="tmRoot"/>
-      </p:par>
-    </p:tnLst>
-  </p:timing>
 </p:sldLayout>
 </file>
 
@@ -8312,13 +7544,6 @@
   <p:transition>
     <p:fade/>
   </p:transition>
-  <p:timing>
-    <p:tnLst>
-      <p:par>
-        <p:cTn id="1" dur="indefinite" restart="never" nodeType="tmRoot"/>
-      </p:par>
-    </p:tnLst>
-  </p:timing>
 </p:sldLayout>
 </file>
 
@@ -8397,13 +7622,6 @@
   <p:transition>
     <p:fade/>
   </p:transition>
-  <p:timing>
-    <p:tnLst>
-      <p:par>
-        <p:cTn id="1" dur="indefinite" restart="never" nodeType="tmRoot"/>
-      </p:par>
-    </p:tnLst>
-  </p:timing>
 </p:sldLayout>
 </file>
 
@@ -8460,13 +7678,6 @@
   <p:transition>
     <p:fade/>
   </p:transition>
-  <p:timing>
-    <p:tnLst>
-      <p:par>
-        <p:cTn id="1" dur="indefinite" restart="never" nodeType="tmRoot"/>
-      </p:par>
-    </p:tnLst>
-  </p:timing>
 </p:sldLayout>
 </file>
 
@@ -8612,13 +7823,6 @@
   <p:transition>
     <p:fade/>
   </p:transition>
-  <p:timing>
-    <p:tnLst>
-      <p:par>
-        <p:cTn id="1" dur="indefinite" restart="never" nodeType="tmRoot"/>
-      </p:par>
-    </p:tnLst>
-  </p:timing>
 </p:sldLayout>
 </file>
 
@@ -8770,13 +7974,6 @@
   <p:transition>
     <p:fade/>
   </p:transition>
-  <p:timing>
-    <p:tnLst>
-      <p:par>
-        <p:cTn id="1" dur="indefinite" restart="never" nodeType="tmRoot"/>
-      </p:par>
-    </p:tnLst>
-  </p:timing>
 </p:sldLayout>
 </file>
 
@@ -8916,13 +8113,6 @@
   <p:transition>
     <p:fade/>
   </p:transition>
-  <p:timing>
-    <p:tnLst>
-      <p:par>
-        <p:cTn id="1" dur="indefinite" restart="never" nodeType="tmRoot"/>
-      </p:par>
-    </p:tnLst>
-  </p:timing>
 </p:sldLayout>
 </file>
 
@@ -9169,13 +8359,6 @@
   <p:transition>
     <p:fade/>
   </p:transition>
-  <p:timing>
-    <p:tnLst>
-      <p:par>
-        <p:cTn id="1" dur="indefinite" restart="never" nodeType="tmRoot"/>
-      </p:par>
-    </p:tnLst>
-  </p:timing>
   <p:txStyles>
     <p:titleStyle>
       <a:lvl1pPr marL="342900" indent="-342900" algn="ctr" defTabSz="-13873163" rtl="0" eaLnBrk="1" fontAlgn="base" hangingPunct="1">
@@ -9804,13 +8987,6 @@
   <p:transition>
     <p:fade/>
   </p:transition>
-  <p:timing>
-    <p:tnLst>
-      <p:par>
-        <p:cTn id="1" dur="indefinite" restart="never" nodeType="tmRoot"/>
-      </p:par>
-    </p:tnLst>
-  </p:timing>
   <p:txStyles>
     <p:titleStyle>
       <a:lvl1pPr algn="l" defTabSz="685754" rtl="0" eaLnBrk="1" latinLnBrk="0" hangingPunct="1">
@@ -10433,13 +9609,6 @@
   <p:transition>
     <p:fade/>
   </p:transition>
-  <p:timing>
-    <p:tnLst>
-      <p:par>
-        <p:cTn id="1" dur="indefinite" restart="never" nodeType="tmRoot"/>
-      </p:par>
-    </p:tnLst>
-  </p:timing>
   <p:txStyles>
     <p:titleStyle>
       <a:lvl1pPr algn="l" defTabSz="685754" rtl="0" eaLnBrk="1" latinLnBrk="0" hangingPunct="1">
@@ -10966,318 +10135,10 @@
   <p:transition>
     <p:fade/>
   </p:transition>
-  <p:timing>
-    <p:tnLst>
-      <p:par>
-        <p:cTn id="1" dur="indefinite" restart="never" nodeType="tmRoot"/>
-      </p:par>
-    </p:tnLst>
-  </p:timing>
 </p:sld>
 </file>
 
 <file path=ppt/slides/slide10.xml><?xml version="1.0" encoding="utf-8"?>
-<p:sld xmlns:a="http://schemas.openxmlformats.org/drawingml/2006/main" xmlns:r="http://schemas.openxmlformats.org/officeDocument/2006/relationships" xmlns:p="http://schemas.openxmlformats.org/presentationml/2006/main">
-  <p:cSld>
-    <p:spTree>
-      <p:nvGrpSpPr>
-        <p:cNvPr id="1" name=""/>
-        <p:cNvGrpSpPr/>
-        <p:nvPr/>
-      </p:nvGrpSpPr>
-      <p:grpSpPr>
-        <a:xfrm>
-          <a:off x="0" y="0"/>
-          <a:ext cx="0" cy="0"/>
-          <a:chOff x="0" y="0"/>
-          <a:chExt cx="0" cy="0"/>
-        </a:xfrm>
-      </p:grpSpPr>
-      <p:sp>
-        <p:nvSpPr>
-          <p:cNvPr id="2" name="Title 1"/>
-          <p:cNvSpPr>
-            <a:spLocks noGrp="1"/>
-          </p:cNvSpPr>
-          <p:nvPr>
-            <p:ph type="title"/>
-          </p:nvPr>
-        </p:nvSpPr>
-        <p:spPr/>
-        <p:txBody>
-          <a:bodyPr/>
-          <a:lstStyle/>
-          <a:p>
-            <a:r>
-              <a:rPr lang="en-US" dirty="0" smtClean="0"/>
-              <a:t>Solution: </a:t>
-            </a:r>
-            <a:r>
-              <a:rPr lang="en-US" dirty="0" err="1" smtClean="0"/>
-              <a:t>const</a:t>
-            </a:r>
-            <a:endParaRPr lang="en-US" dirty="0"/>
-          </a:p>
-        </p:txBody>
-      </p:sp>
-      <p:pic>
-        <p:nvPicPr>
-          <p:cNvPr id="3" name="Picture 2"/>
-          <p:cNvPicPr>
-            <a:picLocks noChangeAspect="1"/>
-          </p:cNvPicPr>
-          <p:nvPr/>
-        </p:nvPicPr>
-        <p:blipFill>
-          <a:blip r:embed="rId2"/>
-          <a:stretch>
-            <a:fillRect/>
-          </a:stretch>
-        </p:blipFill>
-        <p:spPr>
-          <a:xfrm>
-            <a:off x="1738312" y="2057400"/>
-            <a:ext cx="5667375" cy="2114550"/>
-          </a:xfrm>
-          <a:prstGeom prst="rect">
-            <a:avLst/>
-          </a:prstGeom>
-        </p:spPr>
-      </p:pic>
-    </p:spTree>
-    <p:extLst>
-      <p:ext uri="{BB962C8B-B14F-4D97-AF65-F5344CB8AC3E}">
-        <p14:creationId xmlns:p14="http://schemas.microsoft.com/office/powerpoint/2010/main" val="1439712674"/>
-      </p:ext>
-    </p:extLst>
-  </p:cSld>
-  <p:clrMapOvr>
-    <a:masterClrMapping/>
-  </p:clrMapOvr>
-  <p:transition>
-    <p:fade/>
-  </p:transition>
-  <p:timing>
-    <p:tnLst>
-      <p:par>
-        <p:cTn id="1" dur="indefinite" restart="never" nodeType="tmRoot"/>
-      </p:par>
-    </p:tnLst>
-  </p:timing>
-</p:sld>
-</file>
-
-<file path=ppt/slides/slide11.xml><?xml version="1.0" encoding="utf-8"?>
-<p:sld xmlns:a="http://schemas.openxmlformats.org/drawingml/2006/main" xmlns:r="http://schemas.openxmlformats.org/officeDocument/2006/relationships" xmlns:p="http://schemas.openxmlformats.org/presentationml/2006/main">
-  <p:cSld>
-    <p:spTree>
-      <p:nvGrpSpPr>
-        <p:cNvPr id="1" name=""/>
-        <p:cNvGrpSpPr/>
-        <p:nvPr/>
-      </p:nvGrpSpPr>
-      <p:grpSpPr>
-        <a:xfrm>
-          <a:off x="0" y="0"/>
-          <a:ext cx="0" cy="0"/>
-          <a:chOff x="0" y="0"/>
-          <a:chExt cx="0" cy="0"/>
-        </a:xfrm>
-      </p:grpSpPr>
-      <p:sp>
-        <p:nvSpPr>
-          <p:cNvPr id="2" name="Title 1"/>
-          <p:cNvSpPr>
-            <a:spLocks noGrp="1"/>
-          </p:cNvSpPr>
-          <p:nvPr>
-            <p:ph type="title"/>
-          </p:nvPr>
-        </p:nvSpPr>
-        <p:spPr/>
-        <p:txBody>
-          <a:bodyPr/>
-          <a:lstStyle/>
-          <a:p>
-            <a:r>
-              <a:rPr lang="en-US" dirty="0" err="1" smtClean="0"/>
-              <a:t>Destructuring</a:t>
-            </a:r>
-            <a:endParaRPr lang="en-US" dirty="0"/>
-          </a:p>
-        </p:txBody>
-      </p:sp>
-      <p:sp>
-        <p:nvSpPr>
-          <p:cNvPr id="3" name="Text Placeholder 2"/>
-          <p:cNvSpPr>
-            <a:spLocks noGrp="1"/>
-          </p:cNvSpPr>
-          <p:nvPr>
-            <p:ph type="body" idx="1"/>
-          </p:nvPr>
-        </p:nvSpPr>
-        <p:spPr/>
-        <p:txBody>
-          <a:bodyPr/>
-          <a:lstStyle/>
-          <a:p>
-            <a:r>
-              <a:rPr lang="en-US" dirty="0" smtClean="0"/>
-              <a:t>The opposite of constructing is destructing</a:t>
-            </a:r>
-            <a:endParaRPr lang="en-US" dirty="0"/>
-          </a:p>
-        </p:txBody>
-      </p:sp>
-      <p:pic>
-        <p:nvPicPr>
-          <p:cNvPr id="4" name="Picture 3"/>
-          <p:cNvPicPr>
-            <a:picLocks noChangeAspect="1"/>
-          </p:cNvPicPr>
-          <p:nvPr/>
-        </p:nvPicPr>
-        <p:blipFill>
-          <a:blip r:embed="rId2"/>
-          <a:stretch>
-            <a:fillRect/>
-          </a:stretch>
-        </p:blipFill>
-        <p:spPr>
-          <a:xfrm>
-            <a:off x="685800" y="2209800"/>
-            <a:ext cx="5133975" cy="2409825"/>
-          </a:xfrm>
-          <a:prstGeom prst="rect">
-            <a:avLst/>
-          </a:prstGeom>
-        </p:spPr>
-      </p:pic>
-      <p:pic>
-        <p:nvPicPr>
-          <p:cNvPr id="5" name="Picture 4"/>
-          <p:cNvPicPr>
-            <a:picLocks noChangeAspect="1"/>
-          </p:cNvPicPr>
-          <p:nvPr/>
-        </p:nvPicPr>
-        <p:blipFill>
-          <a:blip r:embed="rId3"/>
-          <a:stretch>
-            <a:fillRect/>
-          </a:stretch>
-        </p:blipFill>
-        <p:spPr>
-          <a:xfrm>
-            <a:off x="2514600" y="3019425"/>
-            <a:ext cx="6229350" cy="3200400"/>
-          </a:xfrm>
-          <a:prstGeom prst="rect">
-            <a:avLst/>
-          </a:prstGeom>
-        </p:spPr>
-      </p:pic>
-    </p:spTree>
-    <p:extLst>
-      <p:ext uri="{BB962C8B-B14F-4D97-AF65-F5344CB8AC3E}">
-        <p14:creationId xmlns:p14="http://schemas.microsoft.com/office/powerpoint/2010/main" val="4187059143"/>
-      </p:ext>
-    </p:extLst>
-  </p:cSld>
-  <p:clrMapOvr>
-    <a:masterClrMapping/>
-  </p:clrMapOvr>
-  <p:transition>
-    <p:fade/>
-  </p:transition>
-  <p:timing>
-    <p:tnLst>
-      <p:par>
-        <p:cTn id="1" dur="indefinite" restart="never" nodeType="tmRoot">
-          <p:childTnLst>
-            <p:seq concurrent="1" nextAc="seek">
-              <p:cTn id="2" dur="indefinite" nodeType="mainSeq">
-                <p:childTnLst>
-                  <p:par>
-                    <p:cTn id="3" fill="hold">
-                      <p:stCondLst>
-                        <p:cond delay="indefinite"/>
-                      </p:stCondLst>
-                      <p:childTnLst>
-                        <p:par>
-                          <p:cTn id="4" fill="hold">
-                            <p:stCondLst>
-                              <p:cond delay="0"/>
-                            </p:stCondLst>
-                            <p:childTnLst>
-                              <p:par>
-                                <p:cTn id="5" presetID="10" presetClass="entr" presetSubtype="0" fill="hold" nodeType="clickEffect">
-                                  <p:stCondLst>
-                                    <p:cond delay="0"/>
-                                  </p:stCondLst>
-                                  <p:childTnLst>
-                                    <p:set>
-                                      <p:cBhvr>
-                                        <p:cTn id="6" dur="1" fill="hold">
-                                          <p:stCondLst>
-                                            <p:cond delay="0"/>
-                                          </p:stCondLst>
-                                        </p:cTn>
-                                        <p:tgtEl>
-                                          <p:spTgt spid="5"/>
-                                        </p:tgtEl>
-                                        <p:attrNameLst>
-                                          <p:attrName>style.visibility</p:attrName>
-                                        </p:attrNameLst>
-                                      </p:cBhvr>
-                                      <p:to>
-                                        <p:strVal val="visible"/>
-                                      </p:to>
-                                    </p:set>
-                                    <p:animEffect transition="in" filter="fade">
-                                      <p:cBhvr>
-                                        <p:cTn id="7" dur="500"/>
-                                        <p:tgtEl>
-                                          <p:spTgt spid="5"/>
-                                        </p:tgtEl>
-                                      </p:cBhvr>
-                                    </p:animEffect>
-                                  </p:childTnLst>
-                                </p:cTn>
-                              </p:par>
-                            </p:childTnLst>
-                          </p:cTn>
-                        </p:par>
-                      </p:childTnLst>
-                    </p:cTn>
-                  </p:par>
-                </p:childTnLst>
-              </p:cTn>
-              <p:prevCondLst>
-                <p:cond evt="onPrev" delay="0">
-                  <p:tgtEl>
-                    <p:sldTgt/>
-                  </p:tgtEl>
-                </p:cond>
-              </p:prevCondLst>
-              <p:nextCondLst>
-                <p:cond evt="onNext" delay="0">
-                  <p:tgtEl>
-                    <p:sldTgt/>
-                  </p:tgtEl>
-                </p:cond>
-              </p:nextCondLst>
-            </p:seq>
-          </p:childTnLst>
-        </p:cTn>
-      </p:par>
-    </p:tnLst>
-  </p:timing>
-</p:sld>
-</file>
-
-<file path=ppt/slides/slide12.xml><?xml version="1.0" encoding="utf-8"?>
 <p:sld xmlns:a="http://schemas.openxmlformats.org/drawingml/2006/main" xmlns:r="http://schemas.openxmlformats.org/officeDocument/2006/relationships" xmlns:p="http://schemas.openxmlformats.org/presentationml/2006/main">
   <p:cSld>
     <p:spTree>
@@ -11373,17 +10234,10 @@
   <p:transition>
     <p:fade/>
   </p:transition>
-  <p:timing>
-    <p:tnLst>
-      <p:par>
-        <p:cTn id="1" dur="indefinite" restart="never" nodeType="tmRoot"/>
-      </p:par>
-    </p:tnLst>
-  </p:timing>
 </p:sld>
 </file>
 
-<file path=ppt/slides/slide13.xml><?xml version="1.0" encoding="utf-8"?>
+<file path=ppt/slides/slide11.xml><?xml version="1.0" encoding="utf-8"?>
 <p:sld xmlns:a="http://schemas.openxmlformats.org/drawingml/2006/main" xmlns:r="http://schemas.openxmlformats.org/officeDocument/2006/relationships" xmlns:p="http://schemas.openxmlformats.org/presentationml/2006/main">
   <p:cSld>
     <p:spTree>
@@ -11483,17 +10337,10 @@
   <p:transition>
     <p:fade/>
   </p:transition>
-  <p:timing>
-    <p:tnLst>
-      <p:par>
-        <p:cTn id="1" dur="indefinite" restart="never" nodeType="tmRoot"/>
-      </p:par>
-    </p:tnLst>
-  </p:timing>
 </p:sld>
 </file>
 
-<file path=ppt/slides/slide14.xml><?xml version="1.0" encoding="utf-8"?>
+<file path=ppt/slides/slide12.xml><?xml version="1.0" encoding="utf-8"?>
 <p:sld xmlns:a="http://schemas.openxmlformats.org/drawingml/2006/main" xmlns:r="http://schemas.openxmlformats.org/officeDocument/2006/relationships" xmlns:p="http://schemas.openxmlformats.org/presentationml/2006/main">
   <p:cSld>
     <p:spTree>
@@ -11699,7 +10546,7 @@
 </p:sld>
 </file>
 
-<file path=ppt/slides/slide15.xml><?xml version="1.0" encoding="utf-8"?>
+<file path=ppt/slides/slide13.xml><?xml version="1.0" encoding="utf-8"?>
 <p:sld xmlns:a="http://schemas.openxmlformats.org/drawingml/2006/main" xmlns:r="http://schemas.openxmlformats.org/officeDocument/2006/relationships" xmlns:p="http://schemas.openxmlformats.org/presentationml/2006/main">
   <p:cSld>
     <p:spTree>
@@ -11799,17 +10646,10 @@
   <p:transition>
     <p:fade/>
   </p:transition>
-  <p:timing>
-    <p:tnLst>
-      <p:par>
-        <p:cTn id="1" dur="indefinite" restart="never" nodeType="tmRoot"/>
-      </p:par>
-    </p:tnLst>
-  </p:timing>
 </p:sld>
 </file>
 
-<file path=ppt/slides/slide16.xml><?xml version="1.0" encoding="utf-8"?>
+<file path=ppt/slides/slide14.xml><?xml version="1.0" encoding="utf-8"?>
 <p:sld xmlns:a="http://schemas.openxmlformats.org/drawingml/2006/main" xmlns:r="http://schemas.openxmlformats.org/officeDocument/2006/relationships" xmlns:p="http://schemas.openxmlformats.org/presentationml/2006/main">
   <p:cSld>
     <p:spTree>
@@ -11917,17 +10757,10 @@
   <p:transition>
     <p:fade/>
   </p:transition>
-  <p:timing>
-    <p:tnLst>
-      <p:par>
-        <p:cTn id="1" dur="indefinite" restart="never" nodeType="tmRoot"/>
-      </p:par>
-    </p:tnLst>
-  </p:timing>
 </p:sld>
 </file>
 
-<file path=ppt/slides/slide17.xml><?xml version="1.0" encoding="utf-8"?>
+<file path=ppt/slides/slide15.xml><?xml version="1.0" encoding="utf-8"?>
 <p:sld xmlns:a="http://schemas.openxmlformats.org/drawingml/2006/main" xmlns:r="http://schemas.openxmlformats.org/officeDocument/2006/relationships" xmlns:p="http://schemas.openxmlformats.org/presentationml/2006/main">
   <p:cSld>
     <p:spTree>
@@ -12027,17 +10860,10 @@
   <p:transition>
     <p:fade/>
   </p:transition>
-  <p:timing>
-    <p:tnLst>
-      <p:par>
-        <p:cTn id="1" dur="indefinite" restart="never" nodeType="tmRoot"/>
-      </p:par>
-    </p:tnLst>
-  </p:timing>
 </p:sld>
 </file>
 
-<file path=ppt/slides/slide18.xml><?xml version="1.0" encoding="utf-8"?>
+<file path=ppt/slides/slide16.xml><?xml version="1.0" encoding="utf-8"?>
 <p:sld xmlns:a="http://schemas.openxmlformats.org/drawingml/2006/main" xmlns:r="http://schemas.openxmlformats.org/officeDocument/2006/relationships" xmlns:p="http://schemas.openxmlformats.org/presentationml/2006/main">
   <p:cSld>
     <p:spTree>
@@ -12133,17 +10959,10 @@
   <p:transition>
     <p:fade/>
   </p:transition>
-  <p:timing>
-    <p:tnLst>
-      <p:par>
-        <p:cTn id="1" dur="indefinite" restart="never" nodeType="tmRoot"/>
-      </p:par>
-    </p:tnLst>
-  </p:timing>
 </p:sld>
 </file>
 
-<file path=ppt/slides/slide19.xml><?xml version="1.0" encoding="utf-8"?>
+<file path=ppt/slides/slide17.xml><?xml version="1.0" encoding="utf-8"?>
 <p:sld xmlns:a="http://schemas.openxmlformats.org/drawingml/2006/main" xmlns:r="http://schemas.openxmlformats.org/officeDocument/2006/relationships" xmlns:p="http://schemas.openxmlformats.org/presentationml/2006/main">
   <p:cSld>
     <p:spTree>
@@ -12220,702 +11039,10 @@
   <p:transition>
     <p:fade/>
   </p:transition>
-  <p:timing>
-    <p:tnLst>
-      <p:par>
-        <p:cTn id="1" dur="indefinite" restart="never" nodeType="tmRoot"/>
-      </p:par>
-    </p:tnLst>
-  </p:timing>
 </p:sld>
 </file>
 
-<file path=ppt/slides/slide2.xml><?xml version="1.0" encoding="utf-8"?>
-<p:sld xmlns:a="http://schemas.openxmlformats.org/drawingml/2006/main" xmlns:r="http://schemas.openxmlformats.org/officeDocument/2006/relationships" xmlns:p="http://schemas.openxmlformats.org/presentationml/2006/main">
-  <p:cSld>
-    <p:spTree>
-      <p:nvGrpSpPr>
-        <p:cNvPr id="1" name=""/>
-        <p:cNvGrpSpPr/>
-        <p:nvPr/>
-      </p:nvGrpSpPr>
-      <p:grpSpPr>
-        <a:xfrm>
-          <a:off x="0" y="0"/>
-          <a:ext cx="0" cy="0"/>
-          <a:chOff x="0" y="0"/>
-          <a:chExt cx="0" cy="0"/>
-        </a:xfrm>
-      </p:grpSpPr>
-      <p:sp>
-        <p:nvSpPr>
-          <p:cNvPr id="4" name="Title 3"/>
-          <p:cNvSpPr>
-            <a:spLocks noGrp="1"/>
-          </p:cNvSpPr>
-          <p:nvPr>
-            <p:ph type="ctrTitle"/>
-          </p:nvPr>
-        </p:nvSpPr>
-        <p:spPr>
-          <a:xfrm>
-            <a:off x="201697" y="2905336"/>
-            <a:ext cx="6387260" cy="1302952"/>
-          </a:xfrm>
-        </p:spPr>
-        <p:txBody>
-          <a:bodyPr/>
-          <a:lstStyle/>
-          <a:p>
-            <a:r>
-              <a:rPr lang="en-US" dirty="0" smtClean="0"/>
-              <a:t>ECMAScript 2015</a:t>
-            </a:r>
-            <a:br>
-              <a:rPr lang="en-US" dirty="0" smtClean="0"/>
-            </a:br>
-            <a:r>
-              <a:rPr lang="en-US" sz="2941" dirty="0" smtClean="0"/>
-              <a:t>The Old New JavaScript</a:t>
-            </a:r>
-            <a:endParaRPr lang="en-US" dirty="0"/>
-          </a:p>
-        </p:txBody>
-      </p:sp>
-      <p:pic>
-        <p:nvPicPr>
-          <p:cNvPr id="10" name="Picture 9"/>
-          <p:cNvPicPr>
-            <a:picLocks noChangeAspect="1"/>
-          </p:cNvPicPr>
-          <p:nvPr userDrawn="1"/>
-        </p:nvPicPr>
-        <p:blipFill>
-          <a:blip r:embed="rId3" cstate="print">
-            <a:extLst>
-              <a:ext uri="{28A0092B-C50C-407E-A947-70E740481C1C}">
-                <a14:useLocalDpi xmlns:a14="http://schemas.microsoft.com/office/drawing/2010/main" val="0"/>
-              </a:ext>
-            </a:extLst>
-          </a:blip>
-          <a:stretch>
-            <a:fillRect/>
-          </a:stretch>
-        </p:blipFill>
-        <p:spPr>
-          <a:xfrm>
-            <a:off x="6553867" y="3530245"/>
-            <a:ext cx="344946" cy="344946"/>
-          </a:xfrm>
-          <a:prstGeom prst="rect">
-            <a:avLst/>
-          </a:prstGeom>
-          <a:noFill/>
-          <a:ln>
-            <a:noFill/>
-          </a:ln>
-        </p:spPr>
-      </p:pic>
-      <p:grpSp>
-        <p:nvGrpSpPr>
-          <p:cNvPr id="27" name="Group 26"/>
-          <p:cNvGrpSpPr/>
-          <p:nvPr/>
-        </p:nvGrpSpPr>
-        <p:grpSpPr>
-          <a:xfrm>
-            <a:off x="6925116" y="5744961"/>
-            <a:ext cx="2218885" cy="351937"/>
-            <a:chOff x="0" y="5312460"/>
-            <a:chExt cx="3017838" cy="478659"/>
-          </a:xfrm>
-        </p:grpSpPr>
-        <p:sp>
-          <p:nvSpPr>
-            <p:cNvPr id="28" name="Rectangle 27"/>
-            <p:cNvSpPr/>
-            <p:nvPr userDrawn="1"/>
-          </p:nvSpPr>
-          <p:spPr bwMode="auto">
-            <a:xfrm>
-              <a:off x="0" y="5329991"/>
-              <a:ext cx="3017838" cy="461128"/>
-            </a:xfrm>
-            <a:prstGeom prst="rect">
-              <a:avLst/>
-            </a:prstGeom>
-            <a:solidFill>
-              <a:srgbClr val="5D5D5F"/>
-            </a:solidFill>
-            <a:ln>
-              <a:noFill/>
-              <a:headEnd type="none" w="med" len="med"/>
-              <a:tailEnd type="none" w="med" len="med"/>
-            </a:ln>
-            <a:effectLst/>
-          </p:spPr>
-          <p:style>
-            <a:lnRef idx="1">
-              <a:schemeClr val="accent2"/>
-            </a:lnRef>
-            <a:fillRef idx="3">
-              <a:schemeClr val="accent2"/>
-            </a:fillRef>
-            <a:effectRef idx="2">
-              <a:schemeClr val="accent2"/>
-            </a:effectRef>
-            <a:fontRef idx="minor">
-              <a:schemeClr val="lt1"/>
-            </a:fontRef>
-          </p:style>
-          <p:txBody>
-            <a:bodyPr rot="0" spcFirstLastPara="0" vertOverflow="overflow" horzOverflow="overflow" vert="horz" wrap="square" lIns="134463" tIns="107571" rIns="134463" bIns="107571" numCol="1" spcCol="0" rtlCol="0" fromWordArt="0" anchor="ctr" anchorCtr="0" forceAA="0" compatLnSpc="1">
-              <a:prstTxWarp prst="textNoShape">
-                <a:avLst/>
-              </a:prstTxWarp>
-              <a:noAutofit/>
-            </a:bodyPr>
-            <a:lstStyle/>
-            <a:p>
-              <a:pPr marL="379319" algn="l" defTabSz="685555" eaLnBrk="1" hangingPunct="1">
-                <a:lnSpc>
-                  <a:spcPct val="90000"/>
-                </a:lnSpc>
-              </a:pPr>
-              <a:r>
-                <a:rPr lang="en-US" sz="1471" b="0" dirty="0">
-                  <a:gradFill>
-                    <a:gsLst>
-                      <a:gs pos="0">
-                        <a:srgbClr val="FFFFFF"/>
-                      </a:gs>
-                      <a:gs pos="100000">
-                        <a:srgbClr val="FFFFFF"/>
-                      </a:gs>
-                    </a:gsLst>
-                    <a:lin ang="5400000" scaled="0"/>
-                  </a:gradFill>
-                  <a:ea typeface="Segoe UI" pitchFamily="34" charset="0"/>
-                  <a:cs typeface="Segoe UI" pitchFamily="34" charset="0"/>
-                </a:rPr>
-                <a:t>Tweet this talk</a:t>
-              </a:r>
-            </a:p>
-          </p:txBody>
-        </p:sp>
-        <p:pic>
-          <p:nvPicPr>
-            <p:cNvPr id="29" name="Picture 28"/>
-            <p:cNvPicPr>
-              <a:picLocks noChangeAspect="1"/>
-            </p:cNvPicPr>
-            <p:nvPr userDrawn="1"/>
-          </p:nvPicPr>
-          <p:blipFill>
-            <a:blip r:embed="rId3" cstate="print">
-              <a:extLst>
-                <a:ext uri="{28A0092B-C50C-407E-A947-70E740481C1C}">
-                  <a14:useLocalDpi xmlns:a14="http://schemas.microsoft.com/office/drawing/2010/main" val="0"/>
-                </a:ext>
-              </a:extLst>
-            </a:blip>
-            <a:stretch>
-              <a:fillRect/>
-            </a:stretch>
-          </p:blipFill>
-          <p:spPr>
-            <a:xfrm>
-              <a:off x="152400" y="5312460"/>
-              <a:ext cx="469150" cy="469150"/>
-            </a:xfrm>
-            <a:prstGeom prst="rect">
-              <a:avLst/>
-            </a:prstGeom>
-            <a:noFill/>
-            <a:ln>
-              <a:noFill/>
-            </a:ln>
-          </p:spPr>
-        </p:pic>
-      </p:grpSp>
-      <p:sp>
-        <p:nvSpPr>
-          <p:cNvPr id="30" name="Text Placeholder 55"/>
-          <p:cNvSpPr txBox="1">
-            <a:spLocks/>
-          </p:cNvSpPr>
-          <p:nvPr/>
-        </p:nvSpPr>
-        <p:spPr>
-          <a:xfrm>
-            <a:off x="7186796" y="6186002"/>
-            <a:ext cx="1957206" cy="588366"/>
-          </a:xfrm>
-          <a:prstGeom prst="rect">
-            <a:avLst/>
-          </a:prstGeom>
-        </p:spPr>
-        <p:txBody>
-          <a:bodyPr>
-            <a:noAutofit/>
-          </a:bodyPr>
-          <a:lstStyle>
-            <a:lvl1pPr marL="0" marR="0" indent="0" algn="l" defTabSz="932742" rtl="0" eaLnBrk="1" fontAlgn="auto" latinLnBrk="0" hangingPunct="1">
-              <a:lnSpc>
-                <a:spcPct val="90000"/>
-              </a:lnSpc>
-              <a:spcBef>
-                <a:spcPct val="20000"/>
-              </a:spcBef>
-              <a:spcAft>
-                <a:spcPts val="0"/>
-              </a:spcAft>
-              <a:buClrTx/>
-              <a:buSzPct val="90000"/>
-              <a:buFont typeface="Arial" pitchFamily="34" charset="0"/>
-              <a:buNone/>
-              <a:tabLst/>
-              <a:defRPr sz="2000" kern="1200" spc="0" baseline="0">
-                <a:gradFill>
-                  <a:gsLst>
-                    <a:gs pos="1250">
-                      <a:schemeClr val="tx1"/>
-                    </a:gs>
-                    <a:gs pos="100000">
-                      <a:schemeClr val="tx1"/>
-                    </a:gs>
-                  </a:gsLst>
-                  <a:lin ang="5400000" scaled="0"/>
-                </a:gradFill>
-                <a:latin typeface="+mj-lt"/>
-                <a:ea typeface="+mn-ea"/>
-                <a:cs typeface="+mn-cs"/>
-              </a:defRPr>
-            </a:lvl1pPr>
-            <a:lvl2pPr marL="0" marR="0" indent="0" algn="l" defTabSz="932742" rtl="0" eaLnBrk="1" fontAlgn="auto" latinLnBrk="0" hangingPunct="1">
-              <a:lnSpc>
-                <a:spcPct val="90000"/>
-              </a:lnSpc>
-              <a:spcBef>
-                <a:spcPct val="20000"/>
-              </a:spcBef>
-              <a:spcAft>
-                <a:spcPts val="0"/>
-              </a:spcAft>
-              <a:buClrTx/>
-              <a:buSzPct val="90000"/>
-              <a:buFont typeface="Arial" pitchFamily="34" charset="0"/>
-              <a:buNone/>
-              <a:tabLst/>
-              <a:defRPr sz="2000" kern="1200" spc="0" baseline="0">
-                <a:gradFill>
-                  <a:gsLst>
-                    <a:gs pos="1250">
-                      <a:schemeClr val="tx1"/>
-                    </a:gs>
-                    <a:gs pos="100000">
-                      <a:schemeClr val="tx1"/>
-                    </a:gs>
-                  </a:gsLst>
-                  <a:lin ang="5400000" scaled="0"/>
-                </a:gradFill>
-                <a:latin typeface="+mn-lt"/>
-                <a:ea typeface="+mn-ea"/>
-                <a:cs typeface="+mn-cs"/>
-              </a:defRPr>
-            </a:lvl2pPr>
-            <a:lvl3pPr marL="225425" marR="0" indent="0" algn="l" defTabSz="932742" rtl="0" eaLnBrk="1" fontAlgn="auto" latinLnBrk="0" hangingPunct="1">
-              <a:lnSpc>
-                <a:spcPct val="90000"/>
-              </a:lnSpc>
-              <a:spcBef>
-                <a:spcPct val="20000"/>
-              </a:spcBef>
-              <a:spcAft>
-                <a:spcPts val="0"/>
-              </a:spcAft>
-              <a:buClrTx/>
-              <a:buSzPct val="90000"/>
-              <a:buFont typeface="Arial" pitchFamily="34" charset="0"/>
-              <a:buNone/>
-              <a:tabLst/>
-              <a:defRPr sz="2000" kern="1200" spc="0" baseline="0">
-                <a:gradFill>
-                  <a:gsLst>
-                    <a:gs pos="1250">
-                      <a:schemeClr val="tx1"/>
-                    </a:gs>
-                    <a:gs pos="100000">
-                      <a:schemeClr val="tx1"/>
-                    </a:gs>
-                  </a:gsLst>
-                  <a:lin ang="5400000" scaled="0"/>
-                </a:gradFill>
-                <a:latin typeface="+mn-lt"/>
-                <a:ea typeface="+mn-ea"/>
-                <a:cs typeface="+mn-cs"/>
-              </a:defRPr>
-            </a:lvl3pPr>
-            <a:lvl4pPr marL="463550" marR="0" indent="0" algn="l" defTabSz="932742" rtl="0" eaLnBrk="1" fontAlgn="auto" latinLnBrk="0" hangingPunct="1">
-              <a:lnSpc>
-                <a:spcPct val="90000"/>
-              </a:lnSpc>
-              <a:spcBef>
-                <a:spcPct val="20000"/>
-              </a:spcBef>
-              <a:spcAft>
-                <a:spcPts val="0"/>
-              </a:spcAft>
-              <a:buClrTx/>
-              <a:buSzPct val="90000"/>
-              <a:buFont typeface="Arial" pitchFamily="34" charset="0"/>
-              <a:buNone/>
-              <a:tabLst/>
-              <a:defRPr sz="2000" kern="1200" spc="0" baseline="0">
-                <a:gradFill>
-                  <a:gsLst>
-                    <a:gs pos="1250">
-                      <a:schemeClr val="tx1"/>
-                    </a:gs>
-                    <a:gs pos="100000">
-                      <a:schemeClr val="tx1"/>
-                    </a:gs>
-                  </a:gsLst>
-                  <a:lin ang="5400000" scaled="0"/>
-                </a:gradFill>
-                <a:latin typeface="+mn-lt"/>
-                <a:ea typeface="+mn-ea"/>
-                <a:cs typeface="+mn-cs"/>
-              </a:defRPr>
-            </a:lvl4pPr>
-            <a:lvl5pPr marL="688975" marR="0" indent="0" algn="l" defTabSz="932742" rtl="0" eaLnBrk="1" fontAlgn="auto" latinLnBrk="0" hangingPunct="1">
-              <a:lnSpc>
-                <a:spcPct val="90000"/>
-              </a:lnSpc>
-              <a:spcBef>
-                <a:spcPct val="20000"/>
-              </a:spcBef>
-              <a:spcAft>
-                <a:spcPts val="0"/>
-              </a:spcAft>
-              <a:buClrTx/>
-              <a:buSzPct val="90000"/>
-              <a:buFont typeface="Arial" pitchFamily="34" charset="0"/>
-              <a:buNone/>
-              <a:tabLst/>
-              <a:defRPr sz="2000" kern="1200" spc="0" baseline="0">
-                <a:gradFill>
-                  <a:gsLst>
-                    <a:gs pos="1250">
-                      <a:schemeClr val="tx1"/>
-                    </a:gs>
-                    <a:gs pos="100000">
-                      <a:schemeClr val="tx1"/>
-                    </a:gs>
-                  </a:gsLst>
-                  <a:lin ang="5400000" scaled="0"/>
-                </a:gradFill>
-                <a:latin typeface="+mn-lt"/>
-                <a:ea typeface="+mn-ea"/>
-                <a:cs typeface="+mn-cs"/>
-              </a:defRPr>
-            </a:lvl5pPr>
-            <a:lvl6pPr marL="2565040" indent="-233186" algn="l" defTabSz="932742" rtl="0" eaLnBrk="1" latinLnBrk="0" hangingPunct="1">
-              <a:spcBef>
-                <a:spcPct val="20000"/>
-              </a:spcBef>
-              <a:buFont typeface="Arial" pitchFamily="34" charset="0"/>
-              <a:buChar char="•"/>
-              <a:defRPr sz="2000" kern="1200">
-                <a:solidFill>
-                  <a:schemeClr val="tx1"/>
-                </a:solidFill>
-                <a:latin typeface="+mn-lt"/>
-                <a:ea typeface="+mn-ea"/>
-                <a:cs typeface="+mn-cs"/>
-              </a:defRPr>
-            </a:lvl6pPr>
-            <a:lvl7pPr marL="3031412" indent="-233186" algn="l" defTabSz="932742" rtl="0" eaLnBrk="1" latinLnBrk="0" hangingPunct="1">
-              <a:spcBef>
-                <a:spcPct val="20000"/>
-              </a:spcBef>
-              <a:buFont typeface="Arial" pitchFamily="34" charset="0"/>
-              <a:buChar char="•"/>
-              <a:defRPr sz="2000" kern="1200">
-                <a:solidFill>
-                  <a:schemeClr val="tx1"/>
-                </a:solidFill>
-                <a:latin typeface="+mn-lt"/>
-                <a:ea typeface="+mn-ea"/>
-                <a:cs typeface="+mn-cs"/>
-              </a:defRPr>
-            </a:lvl7pPr>
-            <a:lvl8pPr marL="3497783" indent="-233186" algn="l" defTabSz="932742" rtl="0" eaLnBrk="1" latinLnBrk="0" hangingPunct="1">
-              <a:spcBef>
-                <a:spcPct val="20000"/>
-              </a:spcBef>
-              <a:buFont typeface="Arial" pitchFamily="34" charset="0"/>
-              <a:buChar char="•"/>
-              <a:defRPr sz="2000" kern="1200">
-                <a:solidFill>
-                  <a:schemeClr val="tx1"/>
-                </a:solidFill>
-                <a:latin typeface="+mn-lt"/>
-                <a:ea typeface="+mn-ea"/>
-                <a:cs typeface="+mn-cs"/>
-              </a:defRPr>
-            </a:lvl8pPr>
-            <a:lvl9pPr marL="3964155" indent="-233186" algn="l" defTabSz="932742" rtl="0" eaLnBrk="1" latinLnBrk="0" hangingPunct="1">
-              <a:spcBef>
-                <a:spcPct val="20000"/>
-              </a:spcBef>
-              <a:buFont typeface="Arial" pitchFamily="34" charset="0"/>
-              <a:buChar char="•"/>
-              <a:defRPr sz="2000" kern="1200">
-                <a:solidFill>
-                  <a:schemeClr val="tx1"/>
-                </a:solidFill>
-                <a:latin typeface="+mn-lt"/>
-                <a:ea typeface="+mn-ea"/>
-                <a:cs typeface="+mn-cs"/>
-              </a:defRPr>
-            </a:lvl9pPr>
-          </a:lstStyle>
-          <a:p>
-            <a:r>
-              <a:rPr lang="en-US" sz="1471" b="0" dirty="0">
-                <a:gradFill>
-                  <a:gsLst>
-                    <a:gs pos="1250">
-                      <a:srgbClr val="505050"/>
-                    </a:gs>
-                    <a:gs pos="100000">
-                      <a:srgbClr val="505050"/>
-                    </a:gs>
-                  </a:gsLst>
-                  <a:lin ang="5400000" scaled="0"/>
-                </a:gradFill>
-              </a:rPr>
-              <a:t>#</a:t>
-            </a:r>
-            <a:r>
-              <a:rPr lang="en-US" sz="1471" b="0" dirty="0" err="1" smtClean="0">
-                <a:gradFill>
-                  <a:gsLst>
-                    <a:gs pos="1250">
-                      <a:srgbClr val="505050"/>
-                    </a:gs>
-                    <a:gs pos="100000">
-                      <a:srgbClr val="505050"/>
-                    </a:gs>
-                  </a:gsLst>
-                  <a:lin ang="5400000" scaled="0"/>
-                </a:gradFill>
-              </a:rPr>
-              <a:t>DEVintersectionEU@OdeToCode</a:t>
-            </a:r>
-            <a:endParaRPr lang="en-US" sz="1471" b="0" dirty="0">
-              <a:gradFill>
-                <a:gsLst>
-                  <a:gs pos="1250">
-                    <a:srgbClr val="505050"/>
-                  </a:gs>
-                  <a:gs pos="100000">
-                    <a:srgbClr val="505050"/>
-                  </a:gs>
-                </a:gsLst>
-                <a:lin ang="5400000" scaled="0"/>
-              </a:gradFill>
-            </a:endParaRPr>
-          </a:p>
-        </p:txBody>
-      </p:sp>
-      <p:graphicFrame>
-        <p:nvGraphicFramePr>
-          <p:cNvPr id="11" name="Table 10"/>
-          <p:cNvGraphicFramePr>
-            <a:graphicFrameLocks noGrp="1"/>
-          </p:cNvGraphicFramePr>
-          <p:nvPr>
-            <p:extLst>
-              <p:ext uri="{D42A27DB-BD31-4B8C-83A1-F6EECF244321}">
-                <p14:modId xmlns:p14="http://schemas.microsoft.com/office/powerpoint/2010/main" val="3309229867"/>
-              </p:ext>
-            </p:extLst>
-          </p:nvPr>
-        </p:nvGraphicFramePr>
-        <p:xfrm>
-          <a:off x="220653" y="4208287"/>
-          <a:ext cx="5658682" cy="1021576"/>
-        </p:xfrm>
-        <a:graphic>
-          <a:graphicData uri="http://schemas.openxmlformats.org/drawingml/2006/table">
-            <a:tbl>
-              <a:tblPr/>
-              <a:tblGrid>
-                <a:gridCol w="5658682">
-                  <a:extLst>
-                    <a:ext uri="{9D8B030D-6E8A-4147-A177-3AD203B41FA5}">
-                      <a16:colId xmlns:a16="http://schemas.microsoft.com/office/drawing/2014/main" xmlns="" val="674742074"/>
-                    </a:ext>
-                  </a:extLst>
-                </a:gridCol>
-              </a:tblGrid>
-              <a:tr h="488375">
-                <a:tc>
-                  <a:txBody>
-                    <a:bodyPr/>
-                    <a:lstStyle/>
-                    <a:p>
-                      <a:r>
-                        <a:rPr lang="en-US" sz="2600" dirty="0" smtClean="0">
-                          <a:latin typeface="+mj-lt"/>
-                        </a:rPr>
-                        <a:t>Scott Allen</a:t>
-                      </a:r>
-                      <a:endParaRPr lang="en-US" sz="2600" dirty="0">
-                        <a:latin typeface="+mj-lt"/>
-                      </a:endParaRPr>
-                    </a:p>
-                  </a:txBody>
-                  <a:tcPr marL="84951" marR="84951" marT="42475" marB="42475">
-                    <a:lnL w="12700" cmpd="sng">
-                      <a:noFill/>
-                      <a:prstDash val="solid"/>
-                    </a:lnL>
-                    <a:lnR w="12700" cmpd="sng">
-                      <a:noFill/>
-                      <a:prstDash val="solid"/>
-                    </a:lnR>
-                    <a:lnT w="12700" cmpd="sng">
-                      <a:noFill/>
-                      <a:prstDash val="solid"/>
-                    </a:lnT>
-                    <a:lnB w="12700" cmpd="sng">
-                      <a:noFill/>
-                      <a:prstDash val="solid"/>
-                    </a:lnB>
-                    <a:lnTlToBr w="12700" cmpd="sng">
-                      <a:noFill/>
-                      <a:prstDash val="solid"/>
-                    </a:lnTlToBr>
-                    <a:lnBlToTr w="12700" cmpd="sng">
-                      <a:noFill/>
-                      <a:prstDash val="solid"/>
-                    </a:lnBlToTr>
-                  </a:tcPr>
-                </a:tc>
-                <a:extLst>
-                  <a:ext uri="{0D108BD9-81ED-4DB2-BD59-A6C34878D82A}">
-                    <a16:rowId xmlns:a16="http://schemas.microsoft.com/office/drawing/2014/main" xmlns="" val="2513064394"/>
-                  </a:ext>
-                </a:extLst>
-              </a:tr>
-              <a:tr h="533201">
-                <a:tc>
-                  <a:txBody>
-                    <a:bodyPr/>
-                    <a:lstStyle/>
-                    <a:p>
-                      <a:r>
-                        <a:rPr lang="en-US" sz="1500" baseline="0" dirty="0" smtClean="0">
-                          <a:latin typeface="+mj-lt"/>
-                        </a:rPr>
-                        <a:t>http://OdeToCode.com</a:t>
-                      </a:r>
-                    </a:p>
-                  </a:txBody>
-                  <a:tcPr marL="84951" marR="84951" marT="42475" marB="42475">
-                    <a:lnL w="12700" cmpd="sng">
-                      <a:noFill/>
-                      <a:prstDash val="solid"/>
-                    </a:lnL>
-                    <a:lnR w="12700" cmpd="sng">
-                      <a:noFill/>
-                      <a:prstDash val="solid"/>
-                    </a:lnR>
-                    <a:lnT w="12700" cmpd="sng">
-                      <a:noFill/>
-                      <a:prstDash val="solid"/>
-                    </a:lnT>
-                    <a:lnB w="12700" cmpd="sng">
-                      <a:noFill/>
-                      <a:prstDash val="solid"/>
-                    </a:lnB>
-                    <a:lnTlToBr w="12700" cmpd="sng">
-                      <a:noFill/>
-                      <a:prstDash val="solid"/>
-                    </a:lnTlToBr>
-                    <a:lnBlToTr w="12700" cmpd="sng">
-                      <a:noFill/>
-                      <a:prstDash val="solid"/>
-                    </a:lnBlToTr>
-                  </a:tcPr>
-                </a:tc>
-                <a:extLst>
-                  <a:ext uri="{0D108BD9-81ED-4DB2-BD59-A6C34878D82A}">
-                    <a16:rowId xmlns:a16="http://schemas.microsoft.com/office/drawing/2014/main" xmlns="" val="3717102508"/>
-                  </a:ext>
-                </a:extLst>
-              </a:tr>
-            </a:tbl>
-          </a:graphicData>
-        </a:graphic>
-      </p:graphicFrame>
-      <p:pic>
-        <p:nvPicPr>
-          <p:cNvPr id="2" name="Picture 1"/>
-          <p:cNvPicPr>
-            <a:picLocks noChangeAspect="1"/>
-          </p:cNvPicPr>
-          <p:nvPr/>
-        </p:nvPicPr>
-        <p:blipFill>
-          <a:blip r:embed="rId4">
-            <a:extLst>
-              <a:ext uri="{28A0092B-C50C-407E-A947-70E740481C1C}">
-                <a14:useLocalDpi xmlns:a14="http://schemas.microsoft.com/office/drawing/2010/main" val="0"/>
-              </a:ext>
-            </a:extLst>
-          </a:blip>
-          <a:stretch>
-            <a:fillRect/>
-          </a:stretch>
-        </p:blipFill>
-        <p:spPr>
-          <a:xfrm>
-            <a:off x="3920" y="195"/>
-            <a:ext cx="9144000" cy="2468282"/>
-          </a:xfrm>
-          <a:prstGeom prst="rect">
-            <a:avLst/>
-          </a:prstGeom>
-        </p:spPr>
-      </p:pic>
-    </p:spTree>
-    <p:extLst>
-      <p:ext uri="{BB962C8B-B14F-4D97-AF65-F5344CB8AC3E}">
-        <p14:creationId xmlns:p14="http://schemas.microsoft.com/office/powerpoint/2010/main" val="3851271465"/>
-      </p:ext>
-    </p:extLst>
-  </p:cSld>
-  <p:clrMapOvr>
-    <a:masterClrMapping/>
-  </p:clrMapOvr>
-  <p:transition advTm="10000">
-    <p:fade/>
-  </p:transition>
-  <p:timing>
-    <p:tnLst>
-      <p:par>
-        <p:cTn id="1" dur="indefinite" restart="never" nodeType="tmRoot"/>
-      </p:par>
-    </p:tnLst>
-  </p:timing>
-</p:sld>
-</file>
-
-<file path=ppt/slides/slide20.xml><?xml version="1.0" encoding="utf-8"?>
+<file path=ppt/slides/slide18.xml><?xml version="1.0" encoding="utf-8"?>
 <p:sld xmlns:a="http://schemas.openxmlformats.org/drawingml/2006/main" xmlns:r="http://schemas.openxmlformats.org/officeDocument/2006/relationships" xmlns:p="http://schemas.openxmlformats.org/presentationml/2006/main">
   <p:cSld>
     <p:spTree>
@@ -13011,17 +11138,10 @@
   <p:transition>
     <p:fade/>
   </p:transition>
-  <p:timing>
-    <p:tnLst>
-      <p:par>
-        <p:cTn id="1" dur="indefinite" restart="never" nodeType="tmRoot"/>
-      </p:par>
-    </p:tnLst>
-  </p:timing>
 </p:sld>
 </file>
 
-<file path=ppt/slides/slide21.xml><?xml version="1.0" encoding="utf-8"?>
+<file path=ppt/slides/slide19.xml><?xml version="1.0" encoding="utf-8"?>
 <p:sld xmlns:a="http://schemas.openxmlformats.org/drawingml/2006/main" xmlns:r="http://schemas.openxmlformats.org/officeDocument/2006/relationships" xmlns:p="http://schemas.openxmlformats.org/presentationml/2006/main">
   <p:cSld>
     <p:spTree>
@@ -13121,2501 +11241,10 @@
   <p:transition>
     <p:fade/>
   </p:transition>
-  <p:timing>
-    <p:tnLst>
-      <p:par>
-        <p:cTn id="1" dur="indefinite" restart="never" nodeType="tmRoot"/>
-      </p:par>
-    </p:tnLst>
-  </p:timing>
 </p:sld>
 </file>
 
-<file path=ppt/slides/slide22.xml><?xml version="1.0" encoding="utf-8"?>
-<p:sld xmlns:a="http://schemas.openxmlformats.org/drawingml/2006/main" xmlns:r="http://schemas.openxmlformats.org/officeDocument/2006/relationships" xmlns:p="http://schemas.openxmlformats.org/presentationml/2006/main">
-  <p:cSld>
-    <p:spTree>
-      <p:nvGrpSpPr>
-        <p:cNvPr id="1" name=""/>
-        <p:cNvGrpSpPr/>
-        <p:nvPr/>
-      </p:nvGrpSpPr>
-      <p:grpSpPr>
-        <a:xfrm>
-          <a:off x="0" y="0"/>
-          <a:ext cx="0" cy="0"/>
-          <a:chOff x="0" y="0"/>
-          <a:chExt cx="0" cy="0"/>
-        </a:xfrm>
-      </p:grpSpPr>
-      <p:sp>
-        <p:nvSpPr>
-          <p:cNvPr id="2" name="Title 1"/>
-          <p:cNvSpPr>
-            <a:spLocks noGrp="1"/>
-          </p:cNvSpPr>
-          <p:nvPr>
-            <p:ph type="title"/>
-          </p:nvPr>
-        </p:nvSpPr>
-        <p:spPr/>
-        <p:txBody>
-          <a:bodyPr/>
-          <a:lstStyle/>
-          <a:p>
-            <a:r>
-              <a:rPr lang="en-US" dirty="0" smtClean="0"/>
-              <a:t>Problem: Simulating OOP</a:t>
-            </a:r>
-            <a:endParaRPr lang="en-US" dirty="0"/>
-          </a:p>
-        </p:txBody>
-      </p:sp>
-      <p:pic>
-        <p:nvPicPr>
-          <p:cNvPr id="4" name="Picture 3"/>
-          <p:cNvPicPr>
-            <a:picLocks noChangeAspect="1"/>
-          </p:cNvPicPr>
-          <p:nvPr/>
-        </p:nvPicPr>
-        <p:blipFill>
-          <a:blip r:embed="rId2"/>
-          <a:stretch>
-            <a:fillRect/>
-          </a:stretch>
-        </p:blipFill>
-        <p:spPr>
-          <a:xfrm>
-            <a:off x="1895475" y="1693543"/>
-            <a:ext cx="5495925" cy="4402457"/>
-          </a:xfrm>
-          <a:prstGeom prst="rect">
-            <a:avLst/>
-          </a:prstGeom>
-        </p:spPr>
-      </p:pic>
-      <p:sp>
-        <p:nvSpPr>
-          <p:cNvPr id="3" name="Text Placeholder 2"/>
-          <p:cNvSpPr>
-            <a:spLocks noGrp="1"/>
-          </p:cNvSpPr>
-          <p:nvPr>
-            <p:ph type="body" idx="1"/>
-          </p:nvPr>
-        </p:nvSpPr>
-        <p:spPr/>
-        <p:txBody>
-          <a:bodyPr/>
-          <a:lstStyle/>
-          <a:p>
-            <a:endParaRPr lang="en-US" dirty="0"/>
-          </a:p>
-        </p:txBody>
-      </p:sp>
-    </p:spTree>
-    <p:extLst>
-      <p:ext uri="{BB962C8B-B14F-4D97-AF65-F5344CB8AC3E}">
-        <p14:creationId xmlns:p14="http://schemas.microsoft.com/office/powerpoint/2010/main" val="1210690823"/>
-      </p:ext>
-    </p:extLst>
-  </p:cSld>
-  <p:clrMapOvr>
-    <a:masterClrMapping/>
-  </p:clrMapOvr>
-  <p:transition>
-    <p:fade/>
-  </p:transition>
-  <p:timing>
-    <p:tnLst>
-      <p:par>
-        <p:cTn id="1" dur="indefinite" restart="never" nodeType="tmRoot"/>
-      </p:par>
-    </p:tnLst>
-  </p:timing>
-</p:sld>
-</file>
-
-<file path=ppt/slides/slide23.xml><?xml version="1.0" encoding="utf-8"?>
-<p:sld xmlns:a="http://schemas.openxmlformats.org/drawingml/2006/main" xmlns:r="http://schemas.openxmlformats.org/officeDocument/2006/relationships" xmlns:p="http://schemas.openxmlformats.org/presentationml/2006/main">
-  <p:cSld>
-    <p:spTree>
-      <p:nvGrpSpPr>
-        <p:cNvPr id="1" name=""/>
-        <p:cNvGrpSpPr/>
-        <p:nvPr/>
-      </p:nvGrpSpPr>
-      <p:grpSpPr>
-        <a:xfrm>
-          <a:off x="0" y="0"/>
-          <a:ext cx="0" cy="0"/>
-          <a:chOff x="0" y="0"/>
-          <a:chExt cx="0" cy="0"/>
-        </a:xfrm>
-      </p:grpSpPr>
-      <p:sp>
-        <p:nvSpPr>
-          <p:cNvPr id="2" name="Title 1"/>
-          <p:cNvSpPr>
-            <a:spLocks noGrp="1"/>
-          </p:cNvSpPr>
-          <p:nvPr>
-            <p:ph type="title"/>
-          </p:nvPr>
-        </p:nvSpPr>
-        <p:spPr/>
-        <p:txBody>
-          <a:bodyPr/>
-          <a:lstStyle/>
-          <a:p>
-            <a:r>
-              <a:rPr lang="en-US" dirty="0" smtClean="0"/>
-              <a:t>Solution: class Keyword</a:t>
-            </a:r>
-            <a:endParaRPr lang="en-US" dirty="0"/>
-          </a:p>
-        </p:txBody>
-      </p:sp>
-      <p:sp>
-        <p:nvSpPr>
-          <p:cNvPr id="3" name="Text Placeholder 2"/>
-          <p:cNvSpPr>
-            <a:spLocks noGrp="1"/>
-          </p:cNvSpPr>
-          <p:nvPr>
-            <p:ph type="body" idx="1"/>
-          </p:nvPr>
-        </p:nvSpPr>
-        <p:spPr/>
-        <p:txBody>
-          <a:bodyPr/>
-          <a:lstStyle/>
-          <a:p>
-            <a:endParaRPr lang="en-US" dirty="0"/>
-          </a:p>
-        </p:txBody>
-      </p:sp>
-      <p:pic>
-        <p:nvPicPr>
-          <p:cNvPr id="4" name="Picture 3"/>
-          <p:cNvPicPr>
-            <a:picLocks noChangeAspect="1"/>
-          </p:cNvPicPr>
-          <p:nvPr/>
-        </p:nvPicPr>
-        <p:blipFill>
-          <a:blip r:embed="rId2"/>
-          <a:stretch>
-            <a:fillRect/>
-          </a:stretch>
-        </p:blipFill>
-        <p:spPr>
-          <a:xfrm>
-            <a:off x="1852612" y="1455150"/>
-            <a:ext cx="5310188" cy="4869450"/>
-          </a:xfrm>
-          <a:prstGeom prst="rect">
-            <a:avLst/>
-          </a:prstGeom>
-        </p:spPr>
-      </p:pic>
-    </p:spTree>
-    <p:extLst>
-      <p:ext uri="{BB962C8B-B14F-4D97-AF65-F5344CB8AC3E}">
-        <p14:creationId xmlns:p14="http://schemas.microsoft.com/office/powerpoint/2010/main" val="533521394"/>
-      </p:ext>
-    </p:extLst>
-  </p:cSld>
-  <p:clrMapOvr>
-    <a:masterClrMapping/>
-  </p:clrMapOvr>
-  <p:transition>
-    <p:fade/>
-  </p:transition>
-  <p:timing>
-    <p:tnLst>
-      <p:par>
-        <p:cTn id="1" dur="indefinite" restart="never" nodeType="tmRoot"/>
-      </p:par>
-    </p:tnLst>
-  </p:timing>
-</p:sld>
-</file>
-
-<file path=ppt/slides/slide24.xml><?xml version="1.0" encoding="utf-8"?>
-<p:sld xmlns:a="http://schemas.openxmlformats.org/drawingml/2006/main" xmlns:r="http://schemas.openxmlformats.org/officeDocument/2006/relationships" xmlns:p="http://schemas.openxmlformats.org/presentationml/2006/main">
-  <p:cSld>
-    <p:spTree>
-      <p:nvGrpSpPr>
-        <p:cNvPr id="1" name=""/>
-        <p:cNvGrpSpPr/>
-        <p:nvPr/>
-      </p:nvGrpSpPr>
-      <p:grpSpPr>
-        <a:xfrm>
-          <a:off x="0" y="0"/>
-          <a:ext cx="0" cy="0"/>
-          <a:chOff x="0" y="0"/>
-          <a:chExt cx="0" cy="0"/>
-        </a:xfrm>
-      </p:grpSpPr>
-      <p:sp>
-        <p:nvSpPr>
-          <p:cNvPr id="2" name="Title 1"/>
-          <p:cNvSpPr>
-            <a:spLocks noGrp="1"/>
-          </p:cNvSpPr>
-          <p:nvPr>
-            <p:ph type="title"/>
-          </p:nvPr>
-        </p:nvSpPr>
-        <p:spPr/>
-        <p:txBody>
-          <a:bodyPr/>
-          <a:lstStyle/>
-          <a:p>
-            <a:r>
-              <a:rPr lang="en-US" dirty="0" smtClean="0"/>
-              <a:t>Inheritance</a:t>
-            </a:r>
-            <a:endParaRPr lang="en-US" dirty="0"/>
-          </a:p>
-        </p:txBody>
-      </p:sp>
-      <p:sp>
-        <p:nvSpPr>
-          <p:cNvPr id="3" name="Text Placeholder 2"/>
-          <p:cNvSpPr>
-            <a:spLocks noGrp="1"/>
-          </p:cNvSpPr>
-          <p:nvPr>
-            <p:ph type="body" idx="1"/>
-          </p:nvPr>
-        </p:nvSpPr>
-        <p:spPr/>
-        <p:txBody>
-          <a:bodyPr/>
-          <a:lstStyle/>
-          <a:p>
-            <a:endParaRPr lang="en-US" dirty="0"/>
-          </a:p>
-        </p:txBody>
-      </p:sp>
-      <p:pic>
-        <p:nvPicPr>
-          <p:cNvPr id="4" name="Picture 3"/>
-          <p:cNvPicPr>
-            <a:picLocks noChangeAspect="1"/>
-          </p:cNvPicPr>
-          <p:nvPr/>
-        </p:nvPicPr>
-        <p:blipFill>
-          <a:blip r:embed="rId2"/>
-          <a:stretch>
-            <a:fillRect/>
-          </a:stretch>
-        </p:blipFill>
-        <p:spPr>
-          <a:xfrm>
-            <a:off x="457200" y="1473200"/>
-            <a:ext cx="4752975" cy="3200400"/>
-          </a:xfrm>
-          <a:prstGeom prst="rect">
-            <a:avLst/>
-          </a:prstGeom>
-        </p:spPr>
-      </p:pic>
-      <p:pic>
-        <p:nvPicPr>
-          <p:cNvPr id="5" name="Picture 4"/>
-          <p:cNvPicPr>
-            <a:picLocks noChangeAspect="1"/>
-          </p:cNvPicPr>
-          <p:nvPr/>
-        </p:nvPicPr>
-        <p:blipFill>
-          <a:blip r:embed="rId3"/>
-          <a:stretch>
-            <a:fillRect/>
-          </a:stretch>
-        </p:blipFill>
-        <p:spPr>
-          <a:xfrm>
-            <a:off x="2590800" y="2514600"/>
-            <a:ext cx="5705475" cy="3609975"/>
-          </a:xfrm>
-          <a:prstGeom prst="rect">
-            <a:avLst/>
-          </a:prstGeom>
-        </p:spPr>
-      </p:pic>
-    </p:spTree>
-    <p:extLst>
-      <p:ext uri="{BB962C8B-B14F-4D97-AF65-F5344CB8AC3E}">
-        <p14:creationId xmlns:p14="http://schemas.microsoft.com/office/powerpoint/2010/main" val="989503368"/>
-      </p:ext>
-    </p:extLst>
-  </p:cSld>
-  <p:clrMapOvr>
-    <a:masterClrMapping/>
-  </p:clrMapOvr>
-  <p:transition>
-    <p:fade/>
-  </p:transition>
-  <p:timing>
-    <p:tnLst>
-      <p:par>
-        <p:cTn id="1" dur="indefinite" restart="never" nodeType="tmRoot"/>
-      </p:par>
-    </p:tnLst>
-  </p:timing>
-</p:sld>
-</file>
-
-<file path=ppt/slides/slide25.xml><?xml version="1.0" encoding="utf-8"?>
-<p:sld xmlns:a="http://schemas.openxmlformats.org/drawingml/2006/main" xmlns:r="http://schemas.openxmlformats.org/officeDocument/2006/relationships" xmlns:p="http://schemas.openxmlformats.org/presentationml/2006/main">
-  <p:cSld>
-    <p:spTree>
-      <p:nvGrpSpPr>
-        <p:cNvPr id="1" name=""/>
-        <p:cNvGrpSpPr/>
-        <p:nvPr/>
-      </p:nvGrpSpPr>
-      <p:grpSpPr>
-        <a:xfrm>
-          <a:off x="0" y="0"/>
-          <a:ext cx="0" cy="0"/>
-          <a:chOff x="0" y="0"/>
-          <a:chExt cx="0" cy="0"/>
-        </a:xfrm>
-      </p:grpSpPr>
-      <p:sp>
-        <p:nvSpPr>
-          <p:cNvPr id="2" name="Title 1"/>
-          <p:cNvSpPr>
-            <a:spLocks noGrp="1"/>
-          </p:cNvSpPr>
-          <p:nvPr>
-            <p:ph type="title"/>
-          </p:nvPr>
-        </p:nvSpPr>
-        <p:spPr/>
-        <p:txBody>
-          <a:bodyPr/>
-          <a:lstStyle/>
-          <a:p>
-            <a:r>
-              <a:rPr lang="en-US" dirty="0" smtClean="0"/>
-              <a:t>Problem: function is an 8 character word</a:t>
-            </a:r>
-            <a:endParaRPr lang="en-US" dirty="0"/>
-          </a:p>
-        </p:txBody>
-      </p:sp>
-      <p:sp>
-        <p:nvSpPr>
-          <p:cNvPr id="3" name="Text Placeholder 2"/>
-          <p:cNvSpPr>
-            <a:spLocks noGrp="1"/>
-          </p:cNvSpPr>
-          <p:nvPr>
-            <p:ph type="body" idx="1"/>
-          </p:nvPr>
-        </p:nvSpPr>
-        <p:spPr/>
-        <p:txBody>
-          <a:bodyPr/>
-          <a:lstStyle/>
-          <a:p>
-            <a:endParaRPr lang="en-US"/>
-          </a:p>
-        </p:txBody>
-      </p:sp>
-      <p:pic>
-        <p:nvPicPr>
-          <p:cNvPr id="4" name="Picture 3"/>
-          <p:cNvPicPr>
-            <a:picLocks noChangeAspect="1"/>
-          </p:cNvPicPr>
-          <p:nvPr/>
-        </p:nvPicPr>
-        <p:blipFill>
-          <a:blip r:embed="rId2"/>
-          <a:stretch>
-            <a:fillRect/>
-          </a:stretch>
-        </p:blipFill>
-        <p:spPr>
-          <a:xfrm>
-            <a:off x="2133600" y="1981200"/>
-            <a:ext cx="4686300" cy="3228975"/>
-          </a:xfrm>
-          <a:prstGeom prst="rect">
-            <a:avLst/>
-          </a:prstGeom>
-        </p:spPr>
-      </p:pic>
-    </p:spTree>
-    <p:extLst>
-      <p:ext uri="{BB962C8B-B14F-4D97-AF65-F5344CB8AC3E}">
-        <p14:creationId xmlns:p14="http://schemas.microsoft.com/office/powerpoint/2010/main" val="2458651166"/>
-      </p:ext>
-    </p:extLst>
-  </p:cSld>
-  <p:clrMapOvr>
-    <a:masterClrMapping/>
-  </p:clrMapOvr>
-  <p:transition>
-    <p:fade/>
-  </p:transition>
-  <p:timing>
-    <p:tnLst>
-      <p:par>
-        <p:cTn id="1" dur="indefinite" restart="never" nodeType="tmRoot"/>
-      </p:par>
-    </p:tnLst>
-  </p:timing>
-</p:sld>
-</file>
-
-<file path=ppt/slides/slide26.xml><?xml version="1.0" encoding="utf-8"?>
-<p:sld xmlns:a="http://schemas.openxmlformats.org/drawingml/2006/main" xmlns:r="http://schemas.openxmlformats.org/officeDocument/2006/relationships" xmlns:p="http://schemas.openxmlformats.org/presentationml/2006/main">
-  <p:cSld>
-    <p:spTree>
-      <p:nvGrpSpPr>
-        <p:cNvPr id="1" name=""/>
-        <p:cNvGrpSpPr/>
-        <p:nvPr/>
-      </p:nvGrpSpPr>
-      <p:grpSpPr>
-        <a:xfrm>
-          <a:off x="0" y="0"/>
-          <a:ext cx="0" cy="0"/>
-          <a:chOff x="0" y="0"/>
-          <a:chExt cx="0" cy="0"/>
-        </a:xfrm>
-      </p:grpSpPr>
-      <p:sp>
-        <p:nvSpPr>
-          <p:cNvPr id="2" name="Title 1"/>
-          <p:cNvSpPr>
-            <a:spLocks noGrp="1"/>
-          </p:cNvSpPr>
-          <p:nvPr>
-            <p:ph type="title"/>
-          </p:nvPr>
-        </p:nvSpPr>
-        <p:spPr/>
-        <p:txBody>
-          <a:bodyPr/>
-          <a:lstStyle/>
-          <a:p>
-            <a:r>
-              <a:rPr lang="en-US" dirty="0" smtClean="0"/>
-              <a:t>Arrow Functions</a:t>
-            </a:r>
-            <a:endParaRPr lang="en-US" dirty="0"/>
-          </a:p>
-        </p:txBody>
-      </p:sp>
-      <p:sp>
-        <p:nvSpPr>
-          <p:cNvPr id="3" name="Text Placeholder 2"/>
-          <p:cNvSpPr>
-            <a:spLocks noGrp="1"/>
-          </p:cNvSpPr>
-          <p:nvPr>
-            <p:ph type="body" idx="1"/>
-          </p:nvPr>
-        </p:nvSpPr>
-        <p:spPr/>
-        <p:txBody>
-          <a:bodyPr/>
-          <a:lstStyle/>
-          <a:p>
-            <a:r>
-              <a:rPr lang="en-US" dirty="0" smtClean="0"/>
-              <a:t>Expressive syntax</a:t>
-            </a:r>
-          </a:p>
-          <a:p>
-            <a:r>
-              <a:rPr lang="en-US" dirty="0" smtClean="0"/>
-              <a:t>Familiar to C# developers</a:t>
-            </a:r>
-            <a:endParaRPr lang="en-US" dirty="0"/>
-          </a:p>
-        </p:txBody>
-      </p:sp>
-      <p:pic>
-        <p:nvPicPr>
-          <p:cNvPr id="4" name="Picture 3"/>
-          <p:cNvPicPr>
-            <a:picLocks noChangeAspect="1"/>
-          </p:cNvPicPr>
-          <p:nvPr/>
-        </p:nvPicPr>
-        <p:blipFill>
-          <a:blip r:embed="rId2"/>
-          <a:stretch>
-            <a:fillRect/>
-          </a:stretch>
-        </p:blipFill>
-        <p:spPr>
-          <a:xfrm>
-            <a:off x="1181100" y="2981325"/>
-            <a:ext cx="6781800" cy="2505075"/>
-          </a:xfrm>
-          <a:prstGeom prst="rect">
-            <a:avLst/>
-          </a:prstGeom>
-        </p:spPr>
-      </p:pic>
-    </p:spTree>
-    <p:extLst>
-      <p:ext uri="{BB962C8B-B14F-4D97-AF65-F5344CB8AC3E}">
-        <p14:creationId xmlns:p14="http://schemas.microsoft.com/office/powerpoint/2010/main" val="1237943148"/>
-      </p:ext>
-    </p:extLst>
-  </p:cSld>
-  <p:clrMapOvr>
-    <a:masterClrMapping/>
-  </p:clrMapOvr>
-  <p:transition>
-    <p:fade/>
-  </p:transition>
-  <p:timing>
-    <p:tnLst>
-      <p:par>
-        <p:cTn id="1" dur="indefinite" restart="never" nodeType="tmRoot"/>
-      </p:par>
-    </p:tnLst>
-  </p:timing>
-</p:sld>
-</file>
-
-<file path=ppt/slides/slide27.xml><?xml version="1.0" encoding="utf-8"?>
-<p:sld xmlns:a="http://schemas.openxmlformats.org/drawingml/2006/main" xmlns:r="http://schemas.openxmlformats.org/officeDocument/2006/relationships" xmlns:p="http://schemas.openxmlformats.org/presentationml/2006/main">
-  <p:cSld>
-    <p:spTree>
-      <p:nvGrpSpPr>
-        <p:cNvPr id="1" name=""/>
-        <p:cNvGrpSpPr/>
-        <p:nvPr/>
-      </p:nvGrpSpPr>
-      <p:grpSpPr>
-        <a:xfrm>
-          <a:off x="0" y="0"/>
-          <a:ext cx="0" cy="0"/>
-          <a:chOff x="0" y="0"/>
-          <a:chExt cx="0" cy="0"/>
-        </a:xfrm>
-      </p:grpSpPr>
-      <p:sp>
-        <p:nvSpPr>
-          <p:cNvPr id="2" name="Title 1"/>
-          <p:cNvSpPr>
-            <a:spLocks noGrp="1"/>
-          </p:cNvSpPr>
-          <p:nvPr>
-            <p:ph type="title"/>
-          </p:nvPr>
-        </p:nvSpPr>
-        <p:spPr/>
-        <p:txBody>
-          <a:bodyPr/>
-          <a:lstStyle/>
-          <a:p>
-            <a:r>
-              <a:rPr lang="en-US" dirty="0" err="1" smtClean="0"/>
-              <a:t>LINQish</a:t>
-            </a:r>
-            <a:r>
-              <a:rPr lang="en-US" dirty="0" smtClean="0"/>
-              <a:t> Arrows</a:t>
-            </a:r>
-            <a:endParaRPr lang="en-US" dirty="0"/>
-          </a:p>
-        </p:txBody>
-      </p:sp>
-      <p:sp>
-        <p:nvSpPr>
-          <p:cNvPr id="3" name="Text Placeholder 2"/>
-          <p:cNvSpPr>
-            <a:spLocks noGrp="1"/>
-          </p:cNvSpPr>
-          <p:nvPr>
-            <p:ph type="body" idx="1"/>
-          </p:nvPr>
-        </p:nvSpPr>
-        <p:spPr/>
-        <p:txBody>
-          <a:bodyPr/>
-          <a:lstStyle/>
-          <a:p>
-            <a:endParaRPr lang="en-US"/>
-          </a:p>
-        </p:txBody>
-      </p:sp>
-      <p:pic>
-        <p:nvPicPr>
-          <p:cNvPr id="4" name="Picture 3"/>
-          <p:cNvPicPr>
-            <a:picLocks noChangeAspect="1"/>
-          </p:cNvPicPr>
-          <p:nvPr/>
-        </p:nvPicPr>
-        <p:blipFill>
-          <a:blip r:embed="rId2"/>
-          <a:stretch>
-            <a:fillRect/>
-          </a:stretch>
-        </p:blipFill>
-        <p:spPr>
-          <a:xfrm>
-            <a:off x="1457325" y="2185987"/>
-            <a:ext cx="6229350" cy="2486025"/>
-          </a:xfrm>
-          <a:prstGeom prst="rect">
-            <a:avLst/>
-          </a:prstGeom>
-        </p:spPr>
-      </p:pic>
-    </p:spTree>
-    <p:extLst>
-      <p:ext uri="{BB962C8B-B14F-4D97-AF65-F5344CB8AC3E}">
-        <p14:creationId xmlns:p14="http://schemas.microsoft.com/office/powerpoint/2010/main" val="2685471026"/>
-      </p:ext>
-    </p:extLst>
-  </p:cSld>
-  <p:clrMapOvr>
-    <a:masterClrMapping/>
-  </p:clrMapOvr>
-  <p:transition>
-    <p:fade/>
-  </p:transition>
-  <p:timing>
-    <p:tnLst>
-      <p:par>
-        <p:cTn id="1" dur="indefinite" restart="never" nodeType="tmRoot"/>
-      </p:par>
-    </p:tnLst>
-  </p:timing>
-</p:sld>
-</file>
-
-<file path=ppt/slides/slide28.xml><?xml version="1.0" encoding="utf-8"?>
-<p:sld xmlns:a="http://schemas.openxmlformats.org/drawingml/2006/main" xmlns:r="http://schemas.openxmlformats.org/officeDocument/2006/relationships" xmlns:p="http://schemas.openxmlformats.org/presentationml/2006/main">
-  <p:cSld>
-    <p:spTree>
-      <p:nvGrpSpPr>
-        <p:cNvPr id="1" name=""/>
-        <p:cNvGrpSpPr/>
-        <p:nvPr/>
-      </p:nvGrpSpPr>
-      <p:grpSpPr>
-        <a:xfrm>
-          <a:off x="0" y="0"/>
-          <a:ext cx="0" cy="0"/>
-          <a:chOff x="0" y="0"/>
-          <a:chExt cx="0" cy="0"/>
-        </a:xfrm>
-      </p:grpSpPr>
-      <p:sp>
-        <p:nvSpPr>
-          <p:cNvPr id="2" name="Title 1"/>
-          <p:cNvSpPr>
-            <a:spLocks noGrp="1"/>
-          </p:cNvSpPr>
-          <p:nvPr>
-            <p:ph type="title"/>
-          </p:nvPr>
-        </p:nvSpPr>
-        <p:spPr/>
-        <p:txBody>
-          <a:bodyPr/>
-          <a:lstStyle/>
-          <a:p>
-            <a:r>
-              <a:rPr lang="en-US" dirty="0" smtClean="0"/>
-              <a:t>Arrow Functions Lexically Bind this</a:t>
-            </a:r>
-            <a:endParaRPr lang="en-US" dirty="0"/>
-          </a:p>
-        </p:txBody>
-      </p:sp>
-      <p:sp>
-        <p:nvSpPr>
-          <p:cNvPr id="3" name="Text Placeholder 2"/>
-          <p:cNvSpPr>
-            <a:spLocks noGrp="1"/>
-          </p:cNvSpPr>
-          <p:nvPr>
-            <p:ph type="body" idx="1"/>
-          </p:nvPr>
-        </p:nvSpPr>
-        <p:spPr/>
-        <p:txBody>
-          <a:bodyPr/>
-          <a:lstStyle/>
-          <a:p>
-            <a:endParaRPr lang="en-US"/>
-          </a:p>
-        </p:txBody>
-      </p:sp>
-      <p:pic>
-        <p:nvPicPr>
-          <p:cNvPr id="4" name="Picture 3"/>
-          <p:cNvPicPr>
-            <a:picLocks noChangeAspect="1"/>
-          </p:cNvPicPr>
-          <p:nvPr/>
-        </p:nvPicPr>
-        <p:blipFill>
-          <a:blip r:embed="rId2"/>
-          <a:stretch>
-            <a:fillRect/>
-          </a:stretch>
-        </p:blipFill>
-        <p:spPr>
-          <a:xfrm>
-            <a:off x="728662" y="1652587"/>
-            <a:ext cx="7686675" cy="3552825"/>
-          </a:xfrm>
-          <a:prstGeom prst="rect">
-            <a:avLst/>
-          </a:prstGeom>
-        </p:spPr>
-      </p:pic>
-    </p:spTree>
-    <p:extLst>
-      <p:ext uri="{BB962C8B-B14F-4D97-AF65-F5344CB8AC3E}">
-        <p14:creationId xmlns:p14="http://schemas.microsoft.com/office/powerpoint/2010/main" val="2173389175"/>
-      </p:ext>
-    </p:extLst>
-  </p:cSld>
-  <p:clrMapOvr>
-    <a:masterClrMapping/>
-  </p:clrMapOvr>
-  <p:transition>
-    <p:fade/>
-  </p:transition>
-  <p:timing>
-    <p:tnLst>
-      <p:par>
-        <p:cTn id="1" dur="indefinite" restart="never" nodeType="tmRoot"/>
-      </p:par>
-    </p:tnLst>
-  </p:timing>
-</p:sld>
-</file>
-
-<file path=ppt/slides/slide29.xml><?xml version="1.0" encoding="utf-8"?>
-<p:sld xmlns:a="http://schemas.openxmlformats.org/drawingml/2006/main" xmlns:r="http://schemas.openxmlformats.org/officeDocument/2006/relationships" xmlns:p="http://schemas.openxmlformats.org/presentationml/2006/main">
-  <p:cSld>
-    <p:spTree>
-      <p:nvGrpSpPr>
-        <p:cNvPr id="1" name=""/>
-        <p:cNvGrpSpPr/>
-        <p:nvPr/>
-      </p:nvGrpSpPr>
-      <p:grpSpPr>
-        <a:xfrm>
-          <a:off x="0" y="0"/>
-          <a:ext cx="0" cy="0"/>
-          <a:chOff x="0" y="0"/>
-          <a:chExt cx="0" cy="0"/>
-        </a:xfrm>
-      </p:grpSpPr>
-      <p:sp>
-        <p:nvSpPr>
-          <p:cNvPr id="2" name="Title 1"/>
-          <p:cNvSpPr>
-            <a:spLocks noGrp="1"/>
-          </p:cNvSpPr>
-          <p:nvPr>
-            <p:ph type="title"/>
-          </p:nvPr>
-        </p:nvSpPr>
-        <p:spPr/>
-        <p:txBody>
-          <a:bodyPr/>
-          <a:lstStyle/>
-          <a:p>
-            <a:r>
-              <a:rPr lang="en-US" dirty="0" smtClean="0"/>
-              <a:t>Problem: Encapsulating Collections</a:t>
-            </a:r>
-            <a:endParaRPr lang="en-US" dirty="0"/>
-          </a:p>
-        </p:txBody>
-      </p:sp>
-      <p:sp>
-        <p:nvSpPr>
-          <p:cNvPr id="3" name="Text Placeholder 2"/>
-          <p:cNvSpPr>
-            <a:spLocks noGrp="1"/>
-          </p:cNvSpPr>
-          <p:nvPr>
-            <p:ph type="body" idx="1"/>
-          </p:nvPr>
-        </p:nvSpPr>
-        <p:spPr/>
-        <p:txBody>
-          <a:bodyPr/>
-          <a:lstStyle/>
-          <a:p>
-            <a:endParaRPr lang="en-US"/>
-          </a:p>
-        </p:txBody>
-      </p:sp>
-      <p:pic>
-        <p:nvPicPr>
-          <p:cNvPr id="4" name="Picture 3"/>
-          <p:cNvPicPr>
-            <a:picLocks noChangeAspect="1"/>
-          </p:cNvPicPr>
-          <p:nvPr/>
-        </p:nvPicPr>
-        <p:blipFill>
-          <a:blip r:embed="rId2"/>
-          <a:stretch>
-            <a:fillRect/>
-          </a:stretch>
-        </p:blipFill>
-        <p:spPr>
-          <a:xfrm>
-            <a:off x="1023937" y="2033587"/>
-            <a:ext cx="7096125" cy="3324225"/>
-          </a:xfrm>
-          <a:prstGeom prst="rect">
-            <a:avLst/>
-          </a:prstGeom>
-        </p:spPr>
-      </p:pic>
-    </p:spTree>
-    <p:extLst>
-      <p:ext uri="{BB962C8B-B14F-4D97-AF65-F5344CB8AC3E}">
-        <p14:creationId xmlns:p14="http://schemas.microsoft.com/office/powerpoint/2010/main" val="3253405000"/>
-      </p:ext>
-    </p:extLst>
-  </p:cSld>
-  <p:clrMapOvr>
-    <a:masterClrMapping/>
-  </p:clrMapOvr>
-  <p:transition>
-    <p:fade/>
-  </p:transition>
-  <p:timing>
-    <p:tnLst>
-      <p:par>
-        <p:cTn id="1" dur="indefinite" restart="never" nodeType="tmRoot"/>
-      </p:par>
-    </p:tnLst>
-  </p:timing>
-</p:sld>
-</file>
-
-<file path=ppt/slides/slide3.xml><?xml version="1.0" encoding="utf-8"?>
-<p:sld xmlns:a="http://schemas.openxmlformats.org/drawingml/2006/main" xmlns:r="http://schemas.openxmlformats.org/officeDocument/2006/relationships" xmlns:p="http://schemas.openxmlformats.org/presentationml/2006/main">
-  <p:cSld>
-    <p:spTree>
-      <p:nvGrpSpPr>
-        <p:cNvPr id="1" name=""/>
-        <p:cNvGrpSpPr/>
-        <p:nvPr/>
-      </p:nvGrpSpPr>
-      <p:grpSpPr>
-        <a:xfrm>
-          <a:off x="0" y="0"/>
-          <a:ext cx="0" cy="0"/>
-          <a:chOff x="0" y="0"/>
-          <a:chExt cx="0" cy="0"/>
-        </a:xfrm>
-      </p:grpSpPr>
-      <p:sp>
-        <p:nvSpPr>
-          <p:cNvPr id="4" name="Title 3"/>
-          <p:cNvSpPr>
-            <a:spLocks noGrp="1"/>
-          </p:cNvSpPr>
-          <p:nvPr>
-            <p:ph type="ctrTitle"/>
-          </p:nvPr>
-        </p:nvSpPr>
-        <p:spPr>
-          <a:xfrm>
-            <a:off x="201697" y="2820622"/>
-            <a:ext cx="6387260" cy="1302952"/>
-          </a:xfrm>
-        </p:spPr>
-        <p:txBody>
-          <a:bodyPr/>
-          <a:lstStyle/>
-          <a:p>
-            <a:r>
-              <a:rPr lang="en-US" dirty="0" smtClean="0"/>
-              <a:t>Thank You Sponsors!</a:t>
-            </a:r>
-            <a:br>
-              <a:rPr lang="en-US" dirty="0" smtClean="0"/>
-            </a:br>
-            <a:endParaRPr lang="en-US" dirty="0"/>
-          </a:p>
-        </p:txBody>
-      </p:sp>
-      <p:pic>
-        <p:nvPicPr>
-          <p:cNvPr id="10" name="Picture 9"/>
-          <p:cNvPicPr>
-            <a:picLocks noChangeAspect="1"/>
-          </p:cNvPicPr>
-          <p:nvPr userDrawn="1"/>
-        </p:nvPicPr>
-        <p:blipFill>
-          <a:blip r:embed="rId3" cstate="print">
-            <a:extLst>
-              <a:ext uri="{28A0092B-C50C-407E-A947-70E740481C1C}">
-                <a14:useLocalDpi xmlns:a14="http://schemas.microsoft.com/office/drawing/2010/main" val="0"/>
-              </a:ext>
-            </a:extLst>
-          </a:blip>
-          <a:stretch>
-            <a:fillRect/>
-          </a:stretch>
-        </p:blipFill>
-        <p:spPr>
-          <a:xfrm>
-            <a:off x="6553867" y="3530245"/>
-            <a:ext cx="344946" cy="344946"/>
-          </a:xfrm>
-          <a:prstGeom prst="rect">
-            <a:avLst/>
-          </a:prstGeom>
-          <a:noFill/>
-          <a:ln>
-            <a:noFill/>
-          </a:ln>
-        </p:spPr>
-      </p:pic>
-      <p:pic>
-        <p:nvPicPr>
-          <p:cNvPr id="12" name="Picture 11"/>
-          <p:cNvPicPr>
-            <a:picLocks noChangeAspect="1"/>
-          </p:cNvPicPr>
-          <p:nvPr/>
-        </p:nvPicPr>
-        <p:blipFill>
-          <a:blip r:embed="rId4">
-            <a:extLst>
-              <a:ext uri="{28A0092B-C50C-407E-A947-70E740481C1C}">
-                <a14:useLocalDpi xmlns:a14="http://schemas.microsoft.com/office/drawing/2010/main" val="0"/>
-              </a:ext>
-            </a:extLst>
-          </a:blip>
-          <a:stretch>
-            <a:fillRect/>
-          </a:stretch>
-        </p:blipFill>
-        <p:spPr>
-          <a:xfrm>
-            <a:off x="3920" y="195"/>
-            <a:ext cx="9144000" cy="2468282"/>
-          </a:xfrm>
-          <a:prstGeom prst="rect">
-            <a:avLst/>
-          </a:prstGeom>
-        </p:spPr>
-      </p:pic>
-      <p:pic>
-        <p:nvPicPr>
-          <p:cNvPr id="2" name="Picture 1"/>
-          <p:cNvPicPr>
-            <a:picLocks noChangeAspect="1"/>
-          </p:cNvPicPr>
-          <p:nvPr/>
-        </p:nvPicPr>
-        <p:blipFill>
-          <a:blip r:embed="rId5">
-            <a:extLst>
-              <a:ext uri="{28A0092B-C50C-407E-A947-70E740481C1C}">
-                <a14:useLocalDpi xmlns:a14="http://schemas.microsoft.com/office/drawing/2010/main" val="0"/>
-              </a:ext>
-            </a:extLst>
-          </a:blip>
-          <a:stretch>
-            <a:fillRect/>
-          </a:stretch>
-        </p:blipFill>
-        <p:spPr>
-          <a:xfrm>
-            <a:off x="880274" y="4604820"/>
-            <a:ext cx="2801566" cy="1400783"/>
-          </a:xfrm>
-          <a:prstGeom prst="rect">
-            <a:avLst/>
-          </a:prstGeom>
-        </p:spPr>
-      </p:pic>
-      <p:pic>
-        <p:nvPicPr>
-          <p:cNvPr id="5" name="Picture 4"/>
-          <p:cNvPicPr>
-            <a:picLocks noChangeAspect="1"/>
-          </p:cNvPicPr>
-          <p:nvPr/>
-        </p:nvPicPr>
-        <p:blipFill>
-          <a:blip r:embed="rId6">
-            <a:extLst>
-              <a:ext uri="{28A0092B-C50C-407E-A947-70E740481C1C}">
-                <a14:useLocalDpi xmlns:a14="http://schemas.microsoft.com/office/drawing/2010/main" val="0"/>
-              </a:ext>
-            </a:extLst>
-          </a:blip>
-          <a:stretch>
-            <a:fillRect/>
-          </a:stretch>
-        </p:blipFill>
-        <p:spPr>
-          <a:xfrm>
-            <a:off x="880275" y="3835760"/>
-            <a:ext cx="2587140" cy="700490"/>
-          </a:xfrm>
-          <a:prstGeom prst="rect">
-            <a:avLst/>
-          </a:prstGeom>
-        </p:spPr>
-      </p:pic>
-      <p:pic>
-        <p:nvPicPr>
-          <p:cNvPr id="7" name="Picture 6"/>
-          <p:cNvPicPr>
-            <a:picLocks noChangeAspect="1"/>
-          </p:cNvPicPr>
-          <p:nvPr/>
-        </p:nvPicPr>
-        <p:blipFill>
-          <a:blip r:embed="rId7">
-            <a:extLst>
-              <a:ext uri="{28A0092B-C50C-407E-A947-70E740481C1C}">
-                <a14:useLocalDpi xmlns:a14="http://schemas.microsoft.com/office/drawing/2010/main" val="0"/>
-              </a:ext>
-            </a:extLst>
-          </a:blip>
-          <a:stretch>
-            <a:fillRect/>
-          </a:stretch>
-        </p:blipFill>
-        <p:spPr>
-          <a:xfrm>
-            <a:off x="5206241" y="3469979"/>
-            <a:ext cx="2801566" cy="1055257"/>
-          </a:xfrm>
-          <a:prstGeom prst="rect">
-            <a:avLst/>
-          </a:prstGeom>
-        </p:spPr>
-      </p:pic>
-      <p:pic>
-        <p:nvPicPr>
-          <p:cNvPr id="13" name="Picture 12"/>
-          <p:cNvPicPr>
-            <a:picLocks noChangeAspect="1"/>
-          </p:cNvPicPr>
-          <p:nvPr/>
-        </p:nvPicPr>
-        <p:blipFill>
-          <a:blip r:embed="rId8">
-            <a:extLst>
-              <a:ext uri="{28A0092B-C50C-407E-A947-70E740481C1C}">
-                <a14:useLocalDpi xmlns:a14="http://schemas.microsoft.com/office/drawing/2010/main" val="0"/>
-              </a:ext>
-            </a:extLst>
-          </a:blip>
-          <a:stretch>
-            <a:fillRect/>
-          </a:stretch>
-        </p:blipFill>
-        <p:spPr>
-          <a:xfrm>
-            <a:off x="5325361" y="4791520"/>
-            <a:ext cx="2801957" cy="1027384"/>
-          </a:xfrm>
-          <a:prstGeom prst="rect">
-            <a:avLst/>
-          </a:prstGeom>
-        </p:spPr>
-      </p:pic>
-    </p:spTree>
-    <p:extLst>
-      <p:ext uri="{BB962C8B-B14F-4D97-AF65-F5344CB8AC3E}">
-        <p14:creationId xmlns:p14="http://schemas.microsoft.com/office/powerpoint/2010/main" val="967340428"/>
-      </p:ext>
-    </p:extLst>
-  </p:cSld>
-  <p:clrMapOvr>
-    <a:masterClrMapping/>
-  </p:clrMapOvr>
-  <p:transition advTm="10000">
-    <p:fade/>
-  </p:transition>
-  <p:timing>
-    <p:tnLst>
-      <p:par>
-        <p:cTn id="1" dur="indefinite" restart="never" nodeType="tmRoot"/>
-      </p:par>
-    </p:tnLst>
-  </p:timing>
-</p:sld>
-</file>
-
-<file path=ppt/slides/slide30.xml><?xml version="1.0" encoding="utf-8"?>
-<p:sld xmlns:a="http://schemas.openxmlformats.org/drawingml/2006/main" xmlns:r="http://schemas.openxmlformats.org/officeDocument/2006/relationships" xmlns:p="http://schemas.openxmlformats.org/presentationml/2006/main">
-  <p:cSld>
-    <p:spTree>
-      <p:nvGrpSpPr>
-        <p:cNvPr id="1" name=""/>
-        <p:cNvGrpSpPr/>
-        <p:nvPr/>
-      </p:nvGrpSpPr>
-      <p:grpSpPr>
-        <a:xfrm>
-          <a:off x="0" y="0"/>
-          <a:ext cx="0" cy="0"/>
-          <a:chOff x="0" y="0"/>
-          <a:chExt cx="0" cy="0"/>
-        </a:xfrm>
-      </p:grpSpPr>
-      <p:sp>
-        <p:nvSpPr>
-          <p:cNvPr id="2" name="Title 1"/>
-          <p:cNvSpPr>
-            <a:spLocks noGrp="1"/>
-          </p:cNvSpPr>
-          <p:nvPr>
-            <p:ph type="title"/>
-          </p:nvPr>
-        </p:nvSpPr>
-        <p:spPr/>
-        <p:txBody>
-          <a:bodyPr/>
-          <a:lstStyle/>
-          <a:p>
-            <a:r>
-              <a:rPr lang="en-US" dirty="0" smtClean="0"/>
-              <a:t>Solution: Iterators and Iterables</a:t>
-            </a:r>
-            <a:endParaRPr lang="en-US" dirty="0"/>
-          </a:p>
-        </p:txBody>
-      </p:sp>
-      <p:sp>
-        <p:nvSpPr>
-          <p:cNvPr id="3" name="Text Placeholder 2"/>
-          <p:cNvSpPr>
-            <a:spLocks noGrp="1"/>
-          </p:cNvSpPr>
-          <p:nvPr>
-            <p:ph type="body" idx="1"/>
-          </p:nvPr>
-        </p:nvSpPr>
-        <p:spPr/>
-        <p:txBody>
-          <a:bodyPr/>
-          <a:lstStyle/>
-          <a:p>
-            <a:endParaRPr lang="en-US"/>
-          </a:p>
-        </p:txBody>
-      </p:sp>
-      <p:pic>
-        <p:nvPicPr>
-          <p:cNvPr id="4" name="Picture 3"/>
-          <p:cNvPicPr>
-            <a:picLocks noChangeAspect="1"/>
-          </p:cNvPicPr>
-          <p:nvPr/>
-        </p:nvPicPr>
-        <p:blipFill>
-          <a:blip r:embed="rId2"/>
-          <a:stretch>
-            <a:fillRect/>
-          </a:stretch>
-        </p:blipFill>
-        <p:spPr>
-          <a:xfrm>
-            <a:off x="1447800" y="1752600"/>
-            <a:ext cx="6562725" cy="3657600"/>
-          </a:xfrm>
-          <a:prstGeom prst="rect">
-            <a:avLst/>
-          </a:prstGeom>
-        </p:spPr>
-      </p:pic>
-    </p:spTree>
-    <p:extLst>
-      <p:ext uri="{BB962C8B-B14F-4D97-AF65-F5344CB8AC3E}">
-        <p14:creationId xmlns:p14="http://schemas.microsoft.com/office/powerpoint/2010/main" val="1902682904"/>
-      </p:ext>
-    </p:extLst>
-  </p:cSld>
-  <p:clrMapOvr>
-    <a:masterClrMapping/>
-  </p:clrMapOvr>
-  <p:transition>
-    <p:fade/>
-  </p:transition>
-  <p:timing>
-    <p:tnLst>
-      <p:par>
-        <p:cTn id="1" dur="indefinite" restart="never" nodeType="tmRoot"/>
-      </p:par>
-    </p:tnLst>
-  </p:timing>
-</p:sld>
-</file>
-
-<file path=ppt/slides/slide31.xml><?xml version="1.0" encoding="utf-8"?>
-<p:sld xmlns:a="http://schemas.openxmlformats.org/drawingml/2006/main" xmlns:r="http://schemas.openxmlformats.org/officeDocument/2006/relationships" xmlns:p="http://schemas.openxmlformats.org/presentationml/2006/main">
-  <p:cSld>
-    <p:spTree>
-      <p:nvGrpSpPr>
-        <p:cNvPr id="1" name=""/>
-        <p:cNvGrpSpPr/>
-        <p:nvPr/>
-      </p:nvGrpSpPr>
-      <p:grpSpPr>
-        <a:xfrm>
-          <a:off x="0" y="0"/>
-          <a:ext cx="0" cy="0"/>
-          <a:chOff x="0" y="0"/>
-          <a:chExt cx="0" cy="0"/>
-        </a:xfrm>
-      </p:grpSpPr>
-      <p:sp>
-        <p:nvSpPr>
-          <p:cNvPr id="2" name="Title 1"/>
-          <p:cNvSpPr>
-            <a:spLocks noGrp="1"/>
-          </p:cNvSpPr>
-          <p:nvPr>
-            <p:ph type="title"/>
-          </p:nvPr>
-        </p:nvSpPr>
-        <p:spPr/>
-        <p:txBody>
-          <a:bodyPr/>
-          <a:lstStyle/>
-          <a:p>
-            <a:r>
-              <a:rPr lang="en-US" dirty="0"/>
-              <a:t>f</a:t>
-            </a:r>
-            <a:r>
-              <a:rPr lang="en-US" dirty="0" smtClean="0"/>
-              <a:t>or of</a:t>
-            </a:r>
-            <a:endParaRPr lang="en-US" dirty="0"/>
-          </a:p>
-        </p:txBody>
-      </p:sp>
-      <p:sp>
-        <p:nvSpPr>
-          <p:cNvPr id="3" name="Text Placeholder 2"/>
-          <p:cNvSpPr>
-            <a:spLocks noGrp="1"/>
-          </p:cNvSpPr>
-          <p:nvPr>
-            <p:ph type="body" idx="1"/>
-          </p:nvPr>
-        </p:nvSpPr>
-        <p:spPr/>
-        <p:txBody>
-          <a:bodyPr/>
-          <a:lstStyle/>
-          <a:p>
-            <a:endParaRPr lang="en-US"/>
-          </a:p>
-        </p:txBody>
-      </p:sp>
-      <p:pic>
-        <p:nvPicPr>
-          <p:cNvPr id="4" name="Picture 3"/>
-          <p:cNvPicPr>
-            <a:picLocks noChangeAspect="1"/>
-          </p:cNvPicPr>
-          <p:nvPr/>
-        </p:nvPicPr>
-        <p:blipFill>
-          <a:blip r:embed="rId2"/>
-          <a:stretch>
-            <a:fillRect/>
-          </a:stretch>
-        </p:blipFill>
-        <p:spPr>
-          <a:xfrm>
-            <a:off x="1447800" y="2081212"/>
-            <a:ext cx="6248400" cy="2695575"/>
-          </a:xfrm>
-          <a:prstGeom prst="rect">
-            <a:avLst/>
-          </a:prstGeom>
-        </p:spPr>
-      </p:pic>
-    </p:spTree>
-    <p:extLst>
-      <p:ext uri="{BB962C8B-B14F-4D97-AF65-F5344CB8AC3E}">
-        <p14:creationId xmlns:p14="http://schemas.microsoft.com/office/powerpoint/2010/main" val="3647026316"/>
-      </p:ext>
-    </p:extLst>
-  </p:cSld>
-  <p:clrMapOvr>
-    <a:masterClrMapping/>
-  </p:clrMapOvr>
-  <p:transition>
-    <p:fade/>
-  </p:transition>
-  <p:timing>
-    <p:tnLst>
-      <p:par>
-        <p:cTn id="1" dur="indefinite" restart="never" nodeType="tmRoot"/>
-      </p:par>
-    </p:tnLst>
-  </p:timing>
-</p:sld>
-</file>
-
-<file path=ppt/slides/slide32.xml><?xml version="1.0" encoding="utf-8"?>
-<p:sld xmlns:a="http://schemas.openxmlformats.org/drawingml/2006/main" xmlns:r="http://schemas.openxmlformats.org/officeDocument/2006/relationships" xmlns:p="http://schemas.openxmlformats.org/presentationml/2006/main">
-  <p:cSld>
-    <p:spTree>
-      <p:nvGrpSpPr>
-        <p:cNvPr id="1" name=""/>
-        <p:cNvGrpSpPr/>
-        <p:nvPr/>
-      </p:nvGrpSpPr>
-      <p:grpSpPr>
-        <a:xfrm>
-          <a:off x="0" y="0"/>
-          <a:ext cx="0" cy="0"/>
-          <a:chOff x="0" y="0"/>
-          <a:chExt cx="0" cy="0"/>
-        </a:xfrm>
-      </p:grpSpPr>
-      <p:sp>
-        <p:nvSpPr>
-          <p:cNvPr id="2" name="Title 1"/>
-          <p:cNvSpPr>
-            <a:spLocks noGrp="1"/>
-          </p:cNvSpPr>
-          <p:nvPr>
-            <p:ph type="title"/>
-          </p:nvPr>
-        </p:nvSpPr>
-        <p:spPr/>
-        <p:txBody>
-          <a:bodyPr/>
-          <a:lstStyle/>
-          <a:p>
-            <a:r>
-              <a:rPr lang="en-US" dirty="0" smtClean="0"/>
-              <a:t>Symbol</a:t>
-            </a:r>
-            <a:endParaRPr lang="en-US" dirty="0"/>
-          </a:p>
-        </p:txBody>
-      </p:sp>
-      <p:sp>
-        <p:nvSpPr>
-          <p:cNvPr id="3" name="Text Placeholder 2"/>
-          <p:cNvSpPr>
-            <a:spLocks noGrp="1"/>
-          </p:cNvSpPr>
-          <p:nvPr>
-            <p:ph type="body" idx="1"/>
-          </p:nvPr>
-        </p:nvSpPr>
-        <p:spPr/>
-        <p:txBody>
-          <a:bodyPr/>
-          <a:lstStyle/>
-          <a:p>
-            <a:r>
-              <a:rPr lang="en-US" dirty="0" smtClean="0"/>
-              <a:t>A new type where every value is </a:t>
-            </a:r>
-            <a:r>
-              <a:rPr lang="en-US" dirty="0"/>
-              <a:t>u</a:t>
-            </a:r>
-            <a:r>
-              <a:rPr lang="en-US" dirty="0" smtClean="0"/>
-              <a:t>nique and immutable</a:t>
-            </a:r>
-          </a:p>
-          <a:p>
-            <a:r>
-              <a:rPr lang="en-US" dirty="0" smtClean="0"/>
-              <a:t>Can use a symbol as a key into an object</a:t>
-            </a:r>
-            <a:endParaRPr lang="en-US" dirty="0"/>
-          </a:p>
-        </p:txBody>
-      </p:sp>
-      <p:pic>
-        <p:nvPicPr>
-          <p:cNvPr id="4" name="Picture 3"/>
-          <p:cNvPicPr>
-            <a:picLocks noChangeAspect="1"/>
-          </p:cNvPicPr>
-          <p:nvPr/>
-        </p:nvPicPr>
-        <p:blipFill>
-          <a:blip r:embed="rId2"/>
-          <a:stretch>
-            <a:fillRect/>
-          </a:stretch>
-        </p:blipFill>
-        <p:spPr>
-          <a:xfrm>
-            <a:off x="304800" y="2333625"/>
-            <a:ext cx="6800850" cy="1933575"/>
-          </a:xfrm>
-          <a:prstGeom prst="rect">
-            <a:avLst/>
-          </a:prstGeom>
-        </p:spPr>
-      </p:pic>
-      <p:pic>
-        <p:nvPicPr>
-          <p:cNvPr id="5" name="Picture 4"/>
-          <p:cNvPicPr>
-            <a:picLocks noChangeAspect="1"/>
-          </p:cNvPicPr>
-          <p:nvPr/>
-        </p:nvPicPr>
-        <p:blipFill>
-          <a:blip r:embed="rId3"/>
-          <a:stretch>
-            <a:fillRect/>
-          </a:stretch>
-        </p:blipFill>
-        <p:spPr>
-          <a:xfrm>
-            <a:off x="2209800" y="2971800"/>
-            <a:ext cx="6324600" cy="3248025"/>
-          </a:xfrm>
-          <a:prstGeom prst="rect">
-            <a:avLst/>
-          </a:prstGeom>
-        </p:spPr>
-      </p:pic>
-    </p:spTree>
-    <p:extLst>
-      <p:ext uri="{BB962C8B-B14F-4D97-AF65-F5344CB8AC3E}">
-        <p14:creationId xmlns:p14="http://schemas.microsoft.com/office/powerpoint/2010/main" val="3501542250"/>
-      </p:ext>
-    </p:extLst>
-  </p:cSld>
-  <p:clrMapOvr>
-    <a:masterClrMapping/>
-  </p:clrMapOvr>
-  <p:transition>
-    <p:fade/>
-  </p:transition>
-  <p:timing>
-    <p:tnLst>
-      <p:par>
-        <p:cTn id="1" dur="indefinite" restart="never" nodeType="tmRoot">
-          <p:childTnLst>
-            <p:seq concurrent="1" nextAc="seek">
-              <p:cTn id="2" dur="indefinite" nodeType="mainSeq">
-                <p:childTnLst>
-                  <p:par>
-                    <p:cTn id="3" fill="hold">
-                      <p:stCondLst>
-                        <p:cond delay="indefinite"/>
-                      </p:stCondLst>
-                      <p:childTnLst>
-                        <p:par>
-                          <p:cTn id="4" fill="hold">
-                            <p:stCondLst>
-                              <p:cond delay="0"/>
-                            </p:stCondLst>
-                            <p:childTnLst>
-                              <p:par>
-                                <p:cTn id="5" presetID="10" presetClass="entr" presetSubtype="0" fill="hold" nodeType="clickEffect">
-                                  <p:stCondLst>
-                                    <p:cond delay="0"/>
-                                  </p:stCondLst>
-                                  <p:childTnLst>
-                                    <p:set>
-                                      <p:cBhvr>
-                                        <p:cTn id="6" dur="1" fill="hold">
-                                          <p:stCondLst>
-                                            <p:cond delay="0"/>
-                                          </p:stCondLst>
-                                        </p:cTn>
-                                        <p:tgtEl>
-                                          <p:spTgt spid="4"/>
-                                        </p:tgtEl>
-                                        <p:attrNameLst>
-                                          <p:attrName>style.visibility</p:attrName>
-                                        </p:attrNameLst>
-                                      </p:cBhvr>
-                                      <p:to>
-                                        <p:strVal val="visible"/>
-                                      </p:to>
-                                    </p:set>
-                                    <p:animEffect transition="in" filter="fade">
-                                      <p:cBhvr>
-                                        <p:cTn id="7" dur="500"/>
-                                        <p:tgtEl>
-                                          <p:spTgt spid="4"/>
-                                        </p:tgtEl>
-                                      </p:cBhvr>
-                                    </p:animEffect>
-                                  </p:childTnLst>
-                                </p:cTn>
-                              </p:par>
-                            </p:childTnLst>
-                          </p:cTn>
-                        </p:par>
-                      </p:childTnLst>
-                    </p:cTn>
-                  </p:par>
-                  <p:par>
-                    <p:cTn id="8" fill="hold">
-                      <p:stCondLst>
-                        <p:cond delay="indefinite"/>
-                      </p:stCondLst>
-                      <p:childTnLst>
-                        <p:par>
-                          <p:cTn id="9" fill="hold">
-                            <p:stCondLst>
-                              <p:cond delay="0"/>
-                            </p:stCondLst>
-                            <p:childTnLst>
-                              <p:par>
-                                <p:cTn id="10" presetID="10" presetClass="entr" presetSubtype="0" fill="hold" nodeType="clickEffect">
-                                  <p:stCondLst>
-                                    <p:cond delay="0"/>
-                                  </p:stCondLst>
-                                  <p:childTnLst>
-                                    <p:set>
-                                      <p:cBhvr>
-                                        <p:cTn id="11" dur="1" fill="hold">
-                                          <p:stCondLst>
-                                            <p:cond delay="0"/>
-                                          </p:stCondLst>
-                                        </p:cTn>
-                                        <p:tgtEl>
-                                          <p:spTgt spid="5"/>
-                                        </p:tgtEl>
-                                        <p:attrNameLst>
-                                          <p:attrName>style.visibility</p:attrName>
-                                        </p:attrNameLst>
-                                      </p:cBhvr>
-                                      <p:to>
-                                        <p:strVal val="visible"/>
-                                      </p:to>
-                                    </p:set>
-                                    <p:animEffect transition="in" filter="fade">
-                                      <p:cBhvr>
-                                        <p:cTn id="12" dur="500"/>
-                                        <p:tgtEl>
-                                          <p:spTgt spid="5"/>
-                                        </p:tgtEl>
-                                      </p:cBhvr>
-                                    </p:animEffect>
-                                  </p:childTnLst>
-                                </p:cTn>
-                              </p:par>
-                            </p:childTnLst>
-                          </p:cTn>
-                        </p:par>
-                      </p:childTnLst>
-                    </p:cTn>
-                  </p:par>
-                </p:childTnLst>
-              </p:cTn>
-              <p:prevCondLst>
-                <p:cond evt="onPrev" delay="0">
-                  <p:tgtEl>
-                    <p:sldTgt/>
-                  </p:tgtEl>
-                </p:cond>
-              </p:prevCondLst>
-              <p:nextCondLst>
-                <p:cond evt="onNext" delay="0">
-                  <p:tgtEl>
-                    <p:sldTgt/>
-                  </p:tgtEl>
-                </p:cond>
-              </p:nextCondLst>
-            </p:seq>
-          </p:childTnLst>
-        </p:cTn>
-      </p:par>
-    </p:tnLst>
-  </p:timing>
-</p:sld>
-</file>
-
-<file path=ppt/slides/slide33.xml><?xml version="1.0" encoding="utf-8"?>
-<p:sld xmlns:a="http://schemas.openxmlformats.org/drawingml/2006/main" xmlns:r="http://schemas.openxmlformats.org/officeDocument/2006/relationships" xmlns:p="http://schemas.openxmlformats.org/presentationml/2006/main">
-  <p:cSld>
-    <p:spTree>
-      <p:nvGrpSpPr>
-        <p:cNvPr id="1" name=""/>
-        <p:cNvGrpSpPr/>
-        <p:nvPr/>
-      </p:nvGrpSpPr>
-      <p:grpSpPr>
-        <a:xfrm>
-          <a:off x="0" y="0"/>
-          <a:ext cx="0" cy="0"/>
-          <a:chOff x="0" y="0"/>
-          <a:chExt cx="0" cy="0"/>
-        </a:xfrm>
-      </p:grpSpPr>
-      <p:sp>
-        <p:nvSpPr>
-          <p:cNvPr id="2" name="Title 1"/>
-          <p:cNvSpPr>
-            <a:spLocks noGrp="1"/>
-          </p:cNvSpPr>
-          <p:nvPr>
-            <p:ph type="title"/>
-          </p:nvPr>
-        </p:nvSpPr>
-        <p:spPr/>
-        <p:txBody>
-          <a:bodyPr/>
-          <a:lstStyle/>
-          <a:p>
-            <a:r>
-              <a:rPr lang="en-US" dirty="0" err="1" smtClean="0"/>
-              <a:t>Symbol.iterator</a:t>
-            </a:r>
-            <a:endParaRPr lang="en-US" dirty="0"/>
-          </a:p>
-        </p:txBody>
-      </p:sp>
-      <p:sp>
-        <p:nvSpPr>
-          <p:cNvPr id="3" name="Text Placeholder 2"/>
-          <p:cNvSpPr>
-            <a:spLocks noGrp="1"/>
-          </p:cNvSpPr>
-          <p:nvPr>
-            <p:ph type="body" idx="1"/>
-          </p:nvPr>
-        </p:nvSpPr>
-        <p:spPr/>
-        <p:txBody>
-          <a:bodyPr/>
-          <a:lstStyle/>
-          <a:p>
-            <a:r>
-              <a:rPr lang="en-US" dirty="0" smtClean="0"/>
-              <a:t>A magic method that makes an object iterable</a:t>
-            </a:r>
-            <a:endParaRPr lang="en-US" dirty="0"/>
-          </a:p>
-        </p:txBody>
-      </p:sp>
-      <p:pic>
-        <p:nvPicPr>
-          <p:cNvPr id="4" name="Picture 3"/>
-          <p:cNvPicPr>
-            <a:picLocks noChangeAspect="1"/>
-          </p:cNvPicPr>
-          <p:nvPr/>
-        </p:nvPicPr>
-        <p:blipFill>
-          <a:blip r:embed="rId2"/>
-          <a:stretch>
-            <a:fillRect/>
-          </a:stretch>
-        </p:blipFill>
-        <p:spPr>
-          <a:xfrm>
-            <a:off x="223837" y="2124075"/>
-            <a:ext cx="8696325" cy="2609850"/>
-          </a:xfrm>
-          <a:prstGeom prst="rect">
-            <a:avLst/>
-          </a:prstGeom>
-        </p:spPr>
-      </p:pic>
-    </p:spTree>
-    <p:extLst>
-      <p:ext uri="{BB962C8B-B14F-4D97-AF65-F5344CB8AC3E}">
-        <p14:creationId xmlns:p14="http://schemas.microsoft.com/office/powerpoint/2010/main" val="2187852041"/>
-      </p:ext>
-    </p:extLst>
-  </p:cSld>
-  <p:clrMapOvr>
-    <a:masterClrMapping/>
-  </p:clrMapOvr>
-  <p:transition>
-    <p:fade/>
-  </p:transition>
-  <p:timing>
-    <p:tnLst>
-      <p:par>
-        <p:cTn id="1" dur="indefinite" restart="never" nodeType="tmRoot"/>
-      </p:par>
-    </p:tnLst>
-  </p:timing>
-</p:sld>
-</file>
-
-<file path=ppt/slides/slide34.xml><?xml version="1.0" encoding="utf-8"?>
-<p:sld xmlns:a="http://schemas.openxmlformats.org/drawingml/2006/main" xmlns:r="http://schemas.openxmlformats.org/officeDocument/2006/relationships" xmlns:p="http://schemas.openxmlformats.org/presentationml/2006/main">
-  <p:cSld>
-    <p:spTree>
-      <p:nvGrpSpPr>
-        <p:cNvPr id="1" name=""/>
-        <p:cNvGrpSpPr/>
-        <p:nvPr/>
-      </p:nvGrpSpPr>
-      <p:grpSpPr>
-        <a:xfrm>
-          <a:off x="0" y="0"/>
-          <a:ext cx="0" cy="0"/>
-          <a:chOff x="0" y="0"/>
-          <a:chExt cx="0" cy="0"/>
-        </a:xfrm>
-      </p:grpSpPr>
-      <p:sp>
-        <p:nvSpPr>
-          <p:cNvPr id="2" name="Title 1"/>
-          <p:cNvSpPr>
-            <a:spLocks noGrp="1"/>
-          </p:cNvSpPr>
-          <p:nvPr>
-            <p:ph type="title"/>
-          </p:nvPr>
-        </p:nvSpPr>
-        <p:spPr/>
-        <p:txBody>
-          <a:bodyPr/>
-          <a:lstStyle/>
-          <a:p>
-            <a:r>
-              <a:rPr lang="en-US" dirty="0" smtClean="0"/>
-              <a:t>Make Your Own Iterable</a:t>
-            </a:r>
-            <a:endParaRPr lang="en-US" dirty="0"/>
-          </a:p>
-        </p:txBody>
-      </p:sp>
-      <p:sp>
-        <p:nvSpPr>
-          <p:cNvPr id="3" name="Text Placeholder 2"/>
-          <p:cNvSpPr>
-            <a:spLocks noGrp="1"/>
-          </p:cNvSpPr>
-          <p:nvPr>
-            <p:ph type="body" idx="1"/>
-          </p:nvPr>
-        </p:nvSpPr>
-        <p:spPr/>
-        <p:txBody>
-          <a:bodyPr/>
-          <a:lstStyle/>
-          <a:p>
-            <a:endParaRPr lang="en-US"/>
-          </a:p>
-        </p:txBody>
-      </p:sp>
-      <p:pic>
-        <p:nvPicPr>
-          <p:cNvPr id="4" name="Picture 3"/>
-          <p:cNvPicPr>
-            <a:picLocks noChangeAspect="1"/>
-          </p:cNvPicPr>
-          <p:nvPr/>
-        </p:nvPicPr>
-        <p:blipFill>
-          <a:blip r:embed="rId2"/>
-          <a:stretch>
-            <a:fillRect/>
-          </a:stretch>
-        </p:blipFill>
-        <p:spPr>
-          <a:xfrm>
-            <a:off x="381000" y="1143000"/>
-            <a:ext cx="7324725" cy="3457575"/>
-          </a:xfrm>
-          <a:prstGeom prst="rect">
-            <a:avLst/>
-          </a:prstGeom>
-        </p:spPr>
-      </p:pic>
-      <p:pic>
-        <p:nvPicPr>
-          <p:cNvPr id="5" name="Picture 4"/>
-          <p:cNvPicPr>
-            <a:picLocks noChangeAspect="1"/>
-          </p:cNvPicPr>
-          <p:nvPr/>
-        </p:nvPicPr>
-        <p:blipFill>
-          <a:blip r:embed="rId3"/>
-          <a:stretch>
-            <a:fillRect/>
-          </a:stretch>
-        </p:blipFill>
-        <p:spPr>
-          <a:xfrm>
-            <a:off x="609600" y="1441450"/>
-            <a:ext cx="8248650" cy="4876800"/>
-          </a:xfrm>
-          <a:prstGeom prst="rect">
-            <a:avLst/>
-          </a:prstGeom>
-        </p:spPr>
-      </p:pic>
-    </p:spTree>
-    <p:extLst>
-      <p:ext uri="{BB962C8B-B14F-4D97-AF65-F5344CB8AC3E}">
-        <p14:creationId xmlns:p14="http://schemas.microsoft.com/office/powerpoint/2010/main" val="456951398"/>
-      </p:ext>
-    </p:extLst>
-  </p:cSld>
-  <p:clrMapOvr>
-    <a:masterClrMapping/>
-  </p:clrMapOvr>
-  <p:transition>
-    <p:fade/>
-  </p:transition>
-  <p:timing>
-    <p:tnLst>
-      <p:par>
-        <p:cTn id="1" dur="indefinite" restart="never" nodeType="tmRoot">
-          <p:childTnLst>
-            <p:seq concurrent="1" nextAc="seek">
-              <p:cTn id="2" dur="indefinite" nodeType="mainSeq">
-                <p:childTnLst>
-                  <p:par>
-                    <p:cTn id="3" fill="hold">
-                      <p:stCondLst>
-                        <p:cond delay="indefinite"/>
-                      </p:stCondLst>
-                      <p:childTnLst>
-                        <p:par>
-                          <p:cTn id="4" fill="hold">
-                            <p:stCondLst>
-                              <p:cond delay="0"/>
-                            </p:stCondLst>
-                            <p:childTnLst>
-                              <p:par>
-                                <p:cTn id="5" presetID="10" presetClass="entr" presetSubtype="0" fill="hold" nodeType="clickEffect">
-                                  <p:stCondLst>
-                                    <p:cond delay="0"/>
-                                  </p:stCondLst>
-                                  <p:childTnLst>
-                                    <p:set>
-                                      <p:cBhvr>
-                                        <p:cTn id="6" dur="1" fill="hold">
-                                          <p:stCondLst>
-                                            <p:cond delay="0"/>
-                                          </p:stCondLst>
-                                        </p:cTn>
-                                        <p:tgtEl>
-                                          <p:spTgt spid="5"/>
-                                        </p:tgtEl>
-                                        <p:attrNameLst>
-                                          <p:attrName>style.visibility</p:attrName>
-                                        </p:attrNameLst>
-                                      </p:cBhvr>
-                                      <p:to>
-                                        <p:strVal val="visible"/>
-                                      </p:to>
-                                    </p:set>
-                                    <p:animEffect transition="in" filter="fade">
-                                      <p:cBhvr>
-                                        <p:cTn id="7" dur="500"/>
-                                        <p:tgtEl>
-                                          <p:spTgt spid="5"/>
-                                        </p:tgtEl>
-                                      </p:cBhvr>
-                                    </p:animEffect>
-                                  </p:childTnLst>
-                                </p:cTn>
-                              </p:par>
-                            </p:childTnLst>
-                          </p:cTn>
-                        </p:par>
-                      </p:childTnLst>
-                    </p:cTn>
-                  </p:par>
-                </p:childTnLst>
-              </p:cTn>
-              <p:prevCondLst>
-                <p:cond evt="onPrev" delay="0">
-                  <p:tgtEl>
-                    <p:sldTgt/>
-                  </p:tgtEl>
-                </p:cond>
-              </p:prevCondLst>
-              <p:nextCondLst>
-                <p:cond evt="onNext" delay="0">
-                  <p:tgtEl>
-                    <p:sldTgt/>
-                  </p:tgtEl>
-                </p:cond>
-              </p:nextCondLst>
-            </p:seq>
-          </p:childTnLst>
-        </p:cTn>
-      </p:par>
-    </p:tnLst>
-  </p:timing>
-</p:sld>
-</file>
-
-<file path=ppt/slides/slide35.xml><?xml version="1.0" encoding="utf-8"?>
-<p:sld xmlns:a="http://schemas.openxmlformats.org/drawingml/2006/main" xmlns:r="http://schemas.openxmlformats.org/officeDocument/2006/relationships" xmlns:p="http://schemas.openxmlformats.org/presentationml/2006/main">
-  <p:cSld>
-    <p:spTree>
-      <p:nvGrpSpPr>
-        <p:cNvPr id="1" name=""/>
-        <p:cNvGrpSpPr/>
-        <p:nvPr/>
-      </p:nvGrpSpPr>
-      <p:grpSpPr>
-        <a:xfrm>
-          <a:off x="0" y="0"/>
-          <a:ext cx="0" cy="0"/>
-          <a:chOff x="0" y="0"/>
-          <a:chExt cx="0" cy="0"/>
-        </a:xfrm>
-      </p:grpSpPr>
-      <p:sp>
-        <p:nvSpPr>
-          <p:cNvPr id="2" name="Title 1"/>
-          <p:cNvSpPr>
-            <a:spLocks noGrp="1"/>
-          </p:cNvSpPr>
-          <p:nvPr>
-            <p:ph type="title"/>
-          </p:nvPr>
-        </p:nvSpPr>
-        <p:spPr/>
-        <p:txBody>
-          <a:bodyPr/>
-          <a:lstStyle/>
-          <a:p>
-            <a:r>
-              <a:rPr lang="en-US" dirty="0" smtClean="0"/>
-              <a:t>Generators</a:t>
-            </a:r>
-            <a:endParaRPr lang="en-US" dirty="0"/>
-          </a:p>
-        </p:txBody>
-      </p:sp>
-      <p:sp>
-        <p:nvSpPr>
-          <p:cNvPr id="3" name="Text Placeholder 2"/>
-          <p:cNvSpPr>
-            <a:spLocks noGrp="1"/>
-          </p:cNvSpPr>
-          <p:nvPr>
-            <p:ph type="body" idx="1"/>
-          </p:nvPr>
-        </p:nvSpPr>
-        <p:spPr/>
-        <p:txBody>
-          <a:bodyPr/>
-          <a:lstStyle/>
-          <a:p>
-            <a:endParaRPr lang="en-US" dirty="0"/>
-          </a:p>
-        </p:txBody>
-      </p:sp>
-      <p:pic>
-        <p:nvPicPr>
-          <p:cNvPr id="4" name="Picture 3"/>
-          <p:cNvPicPr>
-            <a:picLocks noChangeAspect="1"/>
-          </p:cNvPicPr>
-          <p:nvPr/>
-        </p:nvPicPr>
-        <p:blipFill>
-          <a:blip r:embed="rId2"/>
-          <a:stretch>
-            <a:fillRect/>
-          </a:stretch>
-        </p:blipFill>
-        <p:spPr>
-          <a:xfrm>
-            <a:off x="1252537" y="1266825"/>
-            <a:ext cx="6638925" cy="4324350"/>
-          </a:xfrm>
-          <a:prstGeom prst="rect">
-            <a:avLst/>
-          </a:prstGeom>
-        </p:spPr>
-      </p:pic>
-    </p:spTree>
-    <p:extLst>
-      <p:ext uri="{BB962C8B-B14F-4D97-AF65-F5344CB8AC3E}">
-        <p14:creationId xmlns:p14="http://schemas.microsoft.com/office/powerpoint/2010/main" val="50432343"/>
-      </p:ext>
-    </p:extLst>
-  </p:cSld>
-  <p:clrMapOvr>
-    <a:masterClrMapping/>
-  </p:clrMapOvr>
-  <p:transition>
-    <p:fade/>
-  </p:transition>
-  <p:timing>
-    <p:tnLst>
-      <p:par>
-        <p:cTn id="1" dur="indefinite" restart="never" nodeType="tmRoot"/>
-      </p:par>
-    </p:tnLst>
-  </p:timing>
-</p:sld>
-</file>
-
-<file path=ppt/slides/slide36.xml><?xml version="1.0" encoding="utf-8"?>
-<p:sld xmlns:a="http://schemas.openxmlformats.org/drawingml/2006/main" xmlns:r="http://schemas.openxmlformats.org/officeDocument/2006/relationships" xmlns:p="http://schemas.openxmlformats.org/presentationml/2006/main">
-  <p:cSld>
-    <p:spTree>
-      <p:nvGrpSpPr>
-        <p:cNvPr id="1" name=""/>
-        <p:cNvGrpSpPr/>
-        <p:nvPr/>
-      </p:nvGrpSpPr>
-      <p:grpSpPr>
-        <a:xfrm>
-          <a:off x="0" y="0"/>
-          <a:ext cx="0" cy="0"/>
-          <a:chOff x="0" y="0"/>
-          <a:chExt cx="0" cy="0"/>
-        </a:xfrm>
-      </p:grpSpPr>
-      <p:sp>
-        <p:nvSpPr>
-          <p:cNvPr id="2" name="Title 1"/>
-          <p:cNvSpPr>
-            <a:spLocks noGrp="1"/>
-          </p:cNvSpPr>
-          <p:nvPr>
-            <p:ph type="title"/>
-          </p:nvPr>
-        </p:nvSpPr>
-        <p:spPr/>
-        <p:txBody>
-          <a:bodyPr/>
-          <a:lstStyle/>
-          <a:p>
-            <a:r>
-              <a:rPr lang="en-US" dirty="0" smtClean="0"/>
-              <a:t>Easy To Make Iterables</a:t>
-            </a:r>
-            <a:endParaRPr lang="en-US" dirty="0"/>
-          </a:p>
-        </p:txBody>
-      </p:sp>
-      <p:sp>
-        <p:nvSpPr>
-          <p:cNvPr id="3" name="Text Placeholder 2"/>
-          <p:cNvSpPr>
-            <a:spLocks noGrp="1"/>
-          </p:cNvSpPr>
-          <p:nvPr>
-            <p:ph type="body" idx="1"/>
-          </p:nvPr>
-        </p:nvSpPr>
-        <p:spPr/>
-        <p:txBody>
-          <a:bodyPr/>
-          <a:lstStyle/>
-          <a:p>
-            <a:endParaRPr lang="en-US"/>
-          </a:p>
-        </p:txBody>
-      </p:sp>
-      <p:pic>
-        <p:nvPicPr>
-          <p:cNvPr id="4" name="Picture 3"/>
-          <p:cNvPicPr>
-            <a:picLocks noChangeAspect="1"/>
-          </p:cNvPicPr>
-          <p:nvPr/>
-        </p:nvPicPr>
-        <p:blipFill>
-          <a:blip r:embed="rId2"/>
-          <a:stretch>
-            <a:fillRect/>
-          </a:stretch>
-        </p:blipFill>
-        <p:spPr>
-          <a:xfrm>
-            <a:off x="914400" y="1828800"/>
-            <a:ext cx="7724775" cy="3295650"/>
-          </a:xfrm>
-          <a:prstGeom prst="rect">
-            <a:avLst/>
-          </a:prstGeom>
-        </p:spPr>
-      </p:pic>
-    </p:spTree>
-    <p:extLst>
-      <p:ext uri="{BB962C8B-B14F-4D97-AF65-F5344CB8AC3E}">
-        <p14:creationId xmlns:p14="http://schemas.microsoft.com/office/powerpoint/2010/main" val="2770783712"/>
-      </p:ext>
-    </p:extLst>
-  </p:cSld>
-  <p:clrMapOvr>
-    <a:masterClrMapping/>
-  </p:clrMapOvr>
-  <p:transition>
-    <p:fade/>
-  </p:transition>
-  <p:timing>
-    <p:tnLst>
-      <p:par>
-        <p:cTn id="1" dur="indefinite" restart="never" nodeType="tmRoot"/>
-      </p:par>
-    </p:tnLst>
-  </p:timing>
-</p:sld>
-</file>
-
-<file path=ppt/slides/slide37.xml><?xml version="1.0" encoding="utf-8"?>
-<p:sld xmlns:a="http://schemas.openxmlformats.org/drawingml/2006/main" xmlns:r="http://schemas.openxmlformats.org/officeDocument/2006/relationships" xmlns:p="http://schemas.openxmlformats.org/presentationml/2006/main">
-  <p:cSld>
-    <p:spTree>
-      <p:nvGrpSpPr>
-        <p:cNvPr id="1" name=""/>
-        <p:cNvGrpSpPr/>
-        <p:nvPr/>
-      </p:nvGrpSpPr>
-      <p:grpSpPr>
-        <a:xfrm>
-          <a:off x="0" y="0"/>
-          <a:ext cx="0" cy="0"/>
-          <a:chOff x="0" y="0"/>
-          <a:chExt cx="0" cy="0"/>
-        </a:xfrm>
-      </p:grpSpPr>
-      <p:sp>
-        <p:nvSpPr>
-          <p:cNvPr id="2" name="Title 1"/>
-          <p:cNvSpPr>
-            <a:spLocks noGrp="1"/>
-          </p:cNvSpPr>
-          <p:nvPr>
-            <p:ph type="title"/>
-          </p:nvPr>
-        </p:nvSpPr>
-        <p:spPr/>
-        <p:txBody>
-          <a:bodyPr/>
-          <a:lstStyle/>
-          <a:p>
-            <a:r>
-              <a:rPr lang="en-US" dirty="0" smtClean="0"/>
-              <a:t>Problem: </a:t>
-            </a:r>
-            <a:r>
-              <a:rPr lang="en-US" dirty="0" err="1" smtClean="0"/>
-              <a:t>Async</a:t>
-            </a:r>
-            <a:r>
-              <a:rPr lang="en-US" dirty="0" smtClean="0"/>
-              <a:t> Code</a:t>
-            </a:r>
-            <a:endParaRPr lang="en-US" dirty="0"/>
-          </a:p>
-        </p:txBody>
-      </p:sp>
-      <p:pic>
-        <p:nvPicPr>
-          <p:cNvPr id="4" name="Picture 3"/>
-          <p:cNvPicPr>
-            <a:picLocks noChangeAspect="1"/>
-          </p:cNvPicPr>
-          <p:nvPr/>
-        </p:nvPicPr>
-        <p:blipFill>
-          <a:blip r:embed="rId2"/>
-          <a:stretch>
-            <a:fillRect/>
-          </a:stretch>
-        </p:blipFill>
-        <p:spPr>
-          <a:xfrm>
-            <a:off x="1066800" y="1371600"/>
-            <a:ext cx="7734300" cy="4008995"/>
-          </a:xfrm>
-          <a:prstGeom prst="rect">
-            <a:avLst/>
-          </a:prstGeom>
-        </p:spPr>
-      </p:pic>
-      <p:sp>
-        <p:nvSpPr>
-          <p:cNvPr id="5" name="Rectangle 4"/>
-          <p:cNvSpPr/>
-          <p:nvPr/>
-        </p:nvSpPr>
-        <p:spPr>
-          <a:xfrm>
-            <a:off x="685800" y="5638800"/>
-            <a:ext cx="8229600" cy="307777"/>
-          </a:xfrm>
-          <a:prstGeom prst="rect">
-            <a:avLst/>
-          </a:prstGeom>
-        </p:spPr>
-        <p:txBody>
-          <a:bodyPr wrap="square">
-            <a:spAutoFit/>
-          </a:bodyPr>
-          <a:lstStyle/>
-          <a:p>
-            <a:r>
-              <a:rPr lang="en-US" sz="1400" dirty="0">
-                <a:solidFill>
-                  <a:srgbClr val="000000"/>
-                </a:solidFill>
-                <a:latin typeface="Segoe UI" panose="020B0502040204020203" pitchFamily="34" charset="0"/>
-              </a:rPr>
-              <a:t>http://tritarget.org/blog/2012/11/28/the-pyramid-of-doom-a-javascript-style-trap/</a:t>
-            </a:r>
-            <a:endParaRPr lang="en-US" sz="1400" dirty="0"/>
-          </a:p>
-        </p:txBody>
-      </p:sp>
-    </p:spTree>
-    <p:extLst>
-      <p:ext uri="{BB962C8B-B14F-4D97-AF65-F5344CB8AC3E}">
-        <p14:creationId xmlns:p14="http://schemas.microsoft.com/office/powerpoint/2010/main" val="3878279200"/>
-      </p:ext>
-    </p:extLst>
-  </p:cSld>
-  <p:clrMapOvr>
-    <a:masterClrMapping/>
-  </p:clrMapOvr>
-  <p:transition>
-    <p:fade/>
-  </p:transition>
-  <p:timing>
-    <p:tnLst>
-      <p:par>
-        <p:cTn id="1" dur="indefinite" restart="never" nodeType="tmRoot"/>
-      </p:par>
-    </p:tnLst>
-  </p:timing>
-</p:sld>
-</file>
-
-<file path=ppt/slides/slide38.xml><?xml version="1.0" encoding="utf-8"?>
-<p:sld xmlns:a="http://schemas.openxmlformats.org/drawingml/2006/main" xmlns:r="http://schemas.openxmlformats.org/officeDocument/2006/relationships" xmlns:p="http://schemas.openxmlformats.org/presentationml/2006/main">
-  <p:cSld>
-    <p:spTree>
-      <p:nvGrpSpPr>
-        <p:cNvPr id="1" name=""/>
-        <p:cNvGrpSpPr/>
-        <p:nvPr/>
-      </p:nvGrpSpPr>
-      <p:grpSpPr>
-        <a:xfrm>
-          <a:off x="0" y="0"/>
-          <a:ext cx="0" cy="0"/>
-          <a:chOff x="0" y="0"/>
-          <a:chExt cx="0" cy="0"/>
-        </a:xfrm>
-      </p:grpSpPr>
-      <p:sp>
-        <p:nvSpPr>
-          <p:cNvPr id="2" name="Title 1"/>
-          <p:cNvSpPr>
-            <a:spLocks noGrp="1"/>
-          </p:cNvSpPr>
-          <p:nvPr>
-            <p:ph type="title"/>
-          </p:nvPr>
-        </p:nvSpPr>
-        <p:spPr/>
-        <p:txBody>
-          <a:bodyPr/>
-          <a:lstStyle/>
-          <a:p>
-            <a:r>
-              <a:rPr lang="en-US" dirty="0" smtClean="0"/>
-              <a:t>Solution: Promises</a:t>
-            </a:r>
-            <a:endParaRPr lang="en-US" dirty="0"/>
-          </a:p>
-        </p:txBody>
-      </p:sp>
-      <p:pic>
-        <p:nvPicPr>
-          <p:cNvPr id="4" name="Picture 3"/>
-          <p:cNvPicPr>
-            <a:picLocks noChangeAspect="1"/>
-          </p:cNvPicPr>
-          <p:nvPr/>
-        </p:nvPicPr>
-        <p:blipFill>
-          <a:blip r:embed="rId2"/>
-          <a:stretch>
-            <a:fillRect/>
-          </a:stretch>
-        </p:blipFill>
-        <p:spPr>
-          <a:xfrm>
-            <a:off x="1752600" y="1295400"/>
-            <a:ext cx="6081443" cy="4705350"/>
-          </a:xfrm>
-          <a:prstGeom prst="rect">
-            <a:avLst/>
-          </a:prstGeom>
-        </p:spPr>
-      </p:pic>
-    </p:spTree>
-    <p:extLst>
-      <p:ext uri="{BB962C8B-B14F-4D97-AF65-F5344CB8AC3E}">
-        <p14:creationId xmlns:p14="http://schemas.microsoft.com/office/powerpoint/2010/main" val="2409497983"/>
-      </p:ext>
-    </p:extLst>
-  </p:cSld>
-  <p:clrMapOvr>
-    <a:masterClrMapping/>
-  </p:clrMapOvr>
-  <p:transition>
-    <p:fade/>
-  </p:transition>
-  <p:timing>
-    <p:tnLst>
-      <p:par>
-        <p:cTn id="1" dur="indefinite" restart="never" nodeType="tmRoot"/>
-      </p:par>
-    </p:tnLst>
-  </p:timing>
-</p:sld>
-</file>
-
-<file path=ppt/slides/slide39.xml><?xml version="1.0" encoding="utf-8"?>
-<p:sld xmlns:a="http://schemas.openxmlformats.org/drawingml/2006/main" xmlns:r="http://schemas.openxmlformats.org/officeDocument/2006/relationships" xmlns:p="http://schemas.openxmlformats.org/presentationml/2006/main">
-  <p:cSld>
-    <p:spTree>
-      <p:nvGrpSpPr>
-        <p:cNvPr id="1" name=""/>
-        <p:cNvGrpSpPr/>
-        <p:nvPr/>
-      </p:nvGrpSpPr>
-      <p:grpSpPr>
-        <a:xfrm>
-          <a:off x="0" y="0"/>
-          <a:ext cx="0" cy="0"/>
-          <a:chOff x="0" y="0"/>
-          <a:chExt cx="0" cy="0"/>
-        </a:xfrm>
-      </p:grpSpPr>
-      <p:sp>
-        <p:nvSpPr>
-          <p:cNvPr id="2" name="Title 1"/>
-          <p:cNvSpPr>
-            <a:spLocks noGrp="1"/>
-          </p:cNvSpPr>
-          <p:nvPr>
-            <p:ph type="title"/>
-          </p:nvPr>
-        </p:nvSpPr>
-        <p:spPr/>
-        <p:txBody>
-          <a:bodyPr/>
-          <a:lstStyle/>
-          <a:p>
-            <a:r>
-              <a:rPr lang="en-US" dirty="0" smtClean="0"/>
-              <a:t>Promises Chain</a:t>
-            </a:r>
-            <a:endParaRPr lang="en-US" dirty="0"/>
-          </a:p>
-        </p:txBody>
-      </p:sp>
-      <p:sp>
-        <p:nvSpPr>
-          <p:cNvPr id="3" name="Text Placeholder 2"/>
-          <p:cNvSpPr>
-            <a:spLocks noGrp="1"/>
-          </p:cNvSpPr>
-          <p:nvPr>
-            <p:ph type="body" idx="1"/>
-          </p:nvPr>
-        </p:nvSpPr>
-        <p:spPr/>
-        <p:txBody>
-          <a:bodyPr/>
-          <a:lstStyle/>
-          <a:p>
-            <a:endParaRPr lang="en-US" dirty="0"/>
-          </a:p>
-        </p:txBody>
-      </p:sp>
-      <p:pic>
-        <p:nvPicPr>
-          <p:cNvPr id="4" name="Picture 3"/>
-          <p:cNvPicPr>
-            <a:picLocks noChangeAspect="1"/>
-          </p:cNvPicPr>
-          <p:nvPr/>
-        </p:nvPicPr>
-        <p:blipFill>
-          <a:blip r:embed="rId2"/>
-          <a:stretch>
-            <a:fillRect/>
-          </a:stretch>
-        </p:blipFill>
-        <p:spPr>
-          <a:xfrm>
-            <a:off x="2133600" y="1371600"/>
-            <a:ext cx="5381625" cy="4465164"/>
-          </a:xfrm>
-          <a:prstGeom prst="rect">
-            <a:avLst/>
-          </a:prstGeom>
-        </p:spPr>
-      </p:pic>
-    </p:spTree>
-    <p:extLst>
-      <p:ext uri="{BB962C8B-B14F-4D97-AF65-F5344CB8AC3E}">
-        <p14:creationId xmlns:p14="http://schemas.microsoft.com/office/powerpoint/2010/main" val="714271279"/>
-      </p:ext>
-    </p:extLst>
-  </p:cSld>
-  <p:clrMapOvr>
-    <a:masterClrMapping/>
-  </p:clrMapOvr>
-  <p:transition>
-    <p:fade/>
-  </p:transition>
-  <p:timing>
-    <p:tnLst>
-      <p:par>
-        <p:cTn id="1" dur="indefinite" restart="never" nodeType="tmRoot"/>
-      </p:par>
-    </p:tnLst>
-  </p:timing>
-</p:sld>
-</file>
-
-<file path=ppt/slides/slide4.xml><?xml version="1.0" encoding="utf-8"?>
+<file path=ppt/slides/slide2.xml><?xml version="1.0" encoding="utf-8"?>
 <p:sld xmlns:a="http://schemas.openxmlformats.org/drawingml/2006/main" xmlns:r="http://schemas.openxmlformats.org/officeDocument/2006/relationships" xmlns:p="http://schemas.openxmlformats.org/presentationml/2006/main">
   <p:cSld>
     <p:spTree>
@@ -16401,7 +12030,7 @@
 </p:sld>
 </file>
 
-<file path=ppt/slides/slide40.xml><?xml version="1.0" encoding="utf-8"?>
+<file path=ppt/slides/slide20.xml><?xml version="1.0" encoding="utf-8"?>
 <p:sld xmlns:a="http://schemas.openxmlformats.org/drawingml/2006/main" xmlns:r="http://schemas.openxmlformats.org/officeDocument/2006/relationships" xmlns:p="http://schemas.openxmlformats.org/presentationml/2006/main">
   <p:cSld>
     <p:spTree>
@@ -16434,28 +12063,10 @@
           <a:lstStyle/>
           <a:p>
             <a:r>
-              <a:rPr lang="en-US" dirty="0"/>
-              <a:t>Problem: Modularity &amp; Scope</a:t>
-            </a:r>
-          </a:p>
-        </p:txBody>
-      </p:sp>
-      <p:sp>
-        <p:nvSpPr>
-          <p:cNvPr id="3" name="Text Placeholder 2"/>
-          <p:cNvSpPr>
-            <a:spLocks noGrp="1"/>
-          </p:cNvSpPr>
-          <p:nvPr>
-            <p:ph type="body" idx="1"/>
-          </p:nvPr>
-        </p:nvSpPr>
-        <p:spPr/>
-        <p:txBody>
-          <a:bodyPr/>
-          <a:lstStyle/>
-          <a:p>
-            <a:endParaRPr lang="en-US"/>
+              <a:rPr lang="en-US" dirty="0" smtClean="0"/>
+              <a:t>Problem: Simulating OOP</a:t>
+            </a:r>
+            <a:endParaRPr lang="en-US" dirty="0"/>
           </a:p>
         </p:txBody>
       </p:sp>
@@ -16475,18 +12086,37 @@
         </p:blipFill>
         <p:spPr>
           <a:xfrm>
-            <a:off x="1600200" y="1152525"/>
-            <a:ext cx="5943600" cy="4867275"/>
+            <a:off x="1895475" y="1693543"/>
+            <a:ext cx="5495925" cy="4402457"/>
           </a:xfrm>
           <a:prstGeom prst="rect">
             <a:avLst/>
           </a:prstGeom>
         </p:spPr>
       </p:pic>
+      <p:sp>
+        <p:nvSpPr>
+          <p:cNvPr id="3" name="Text Placeholder 2"/>
+          <p:cNvSpPr>
+            <a:spLocks noGrp="1"/>
+          </p:cNvSpPr>
+          <p:nvPr>
+            <p:ph type="body" idx="1"/>
+          </p:nvPr>
+        </p:nvSpPr>
+        <p:spPr/>
+        <p:txBody>
+          <a:bodyPr/>
+          <a:lstStyle/>
+          <a:p>
+            <a:endParaRPr lang="en-US" dirty="0"/>
+          </a:p>
+        </p:txBody>
+      </p:sp>
     </p:spTree>
     <p:extLst>
       <p:ext uri="{BB962C8B-B14F-4D97-AF65-F5344CB8AC3E}">
-        <p14:creationId xmlns:p14="http://schemas.microsoft.com/office/powerpoint/2010/main" val="2898753433"/>
+        <p14:creationId xmlns:p14="http://schemas.microsoft.com/office/powerpoint/2010/main" val="1210690823"/>
       </p:ext>
     </p:extLst>
   </p:cSld>
@@ -16496,17 +12126,10 @@
   <p:transition>
     <p:fade/>
   </p:transition>
-  <p:timing>
-    <p:tnLst>
-      <p:par>
-        <p:cTn id="1" dur="indefinite" restart="never" nodeType="tmRoot"/>
-      </p:par>
-    </p:tnLst>
-  </p:timing>
 </p:sld>
 </file>
 
-<file path=ppt/slides/slide41.xml><?xml version="1.0" encoding="utf-8"?>
+<file path=ppt/slides/slide21.xml><?xml version="1.0" encoding="utf-8"?>
 <p:sld xmlns:a="http://schemas.openxmlformats.org/drawingml/2006/main" xmlns:r="http://schemas.openxmlformats.org/officeDocument/2006/relationships" xmlns:p="http://schemas.openxmlformats.org/presentationml/2006/main">
   <p:cSld>
     <p:spTree>
@@ -16540,7 +12163,7 @@
           <a:p>
             <a:r>
               <a:rPr lang="en-US" dirty="0" smtClean="0"/>
-              <a:t>Problem: Modularity &amp; Scope</a:t>
+              <a:t>Solution: class Keyword</a:t>
             </a:r>
             <a:endParaRPr lang="en-US" dirty="0"/>
           </a:p>
@@ -16561,75 +12184,38 @@
           <a:bodyPr/>
           <a:lstStyle/>
           <a:p>
-            <a:r>
-              <a:rPr lang="en-US" dirty="0" smtClean="0"/>
-              <a:t>Possible solutions</a:t>
-            </a:r>
-          </a:p>
-          <a:p>
-            <a:pPr lvl="1"/>
-            <a:r>
-              <a:rPr lang="en-US" dirty="0" smtClean="0"/>
-              <a:t>Common JS</a:t>
-            </a:r>
-          </a:p>
-          <a:p>
-            <a:pPr lvl="1"/>
-            <a:r>
-              <a:rPr lang="en-US" dirty="0" smtClean="0"/>
-              <a:t>Asynchronous Module Definitions</a:t>
-            </a:r>
-          </a:p>
-          <a:p>
-            <a:pPr lvl="1"/>
-            <a:r>
-              <a:rPr lang="en-US" dirty="0" smtClean="0"/>
-              <a:t>IFFE and </a:t>
-            </a:r>
-            <a:r>
-              <a:rPr lang="en-US" dirty="0" err="1" smtClean="0"/>
-              <a:t>Globals</a:t>
-            </a:r>
-            <a:endParaRPr lang="en-US" dirty="0" smtClean="0"/>
-          </a:p>
-          <a:p>
-            <a:r>
-              <a:rPr lang="en-US" dirty="0" smtClean="0"/>
-              <a:t>Think about how current libraries are designed</a:t>
-            </a:r>
-          </a:p>
-          <a:p>
-            <a:pPr lvl="1"/>
-            <a:r>
-              <a:rPr lang="en-US" dirty="0" smtClean="0"/>
-              <a:t>jQuery -&gt; $</a:t>
-            </a:r>
-          </a:p>
-          <a:p>
-            <a:pPr lvl="1"/>
-            <a:r>
-              <a:rPr lang="en-US" dirty="0" smtClean="0"/>
-              <a:t>Angular -&gt; angular</a:t>
-            </a:r>
-          </a:p>
-          <a:p>
-            <a:pPr lvl="1"/>
-            <a:r>
-              <a:rPr lang="en-US" dirty="0" err="1" smtClean="0"/>
-              <a:t>Lodash</a:t>
-            </a:r>
-            <a:r>
-              <a:rPr lang="en-US" dirty="0" smtClean="0"/>
-              <a:t> -&gt; _</a:t>
-            </a:r>
             <a:endParaRPr lang="en-US" dirty="0"/>
           </a:p>
         </p:txBody>
       </p:sp>
+      <p:pic>
+        <p:nvPicPr>
+          <p:cNvPr id="4" name="Picture 3"/>
+          <p:cNvPicPr>
+            <a:picLocks noChangeAspect="1"/>
+          </p:cNvPicPr>
+          <p:nvPr/>
+        </p:nvPicPr>
+        <p:blipFill>
+          <a:blip r:embed="rId2"/>
+          <a:stretch>
+            <a:fillRect/>
+          </a:stretch>
+        </p:blipFill>
+        <p:spPr>
+          <a:xfrm>
+            <a:off x="1852612" y="1455150"/>
+            <a:ext cx="5310188" cy="4869450"/>
+          </a:xfrm>
+          <a:prstGeom prst="rect">
+            <a:avLst/>
+          </a:prstGeom>
+        </p:spPr>
+      </p:pic>
     </p:spTree>
     <p:extLst>
       <p:ext uri="{BB962C8B-B14F-4D97-AF65-F5344CB8AC3E}">
-        <p14:creationId xmlns:p14="http://schemas.microsoft.com/office/powerpoint/2010/main" val="2133708177"/>
+        <p14:creationId xmlns:p14="http://schemas.microsoft.com/office/powerpoint/2010/main" val="533521394"/>
       </p:ext>
     </p:extLst>
   </p:cSld>
@@ -16639,17 +12225,10 @@
   <p:transition>
     <p:fade/>
   </p:transition>
-  <p:timing>
-    <p:tnLst>
-      <p:par>
-        <p:cTn id="1" dur="indefinite" restart="never" nodeType="tmRoot"/>
-      </p:par>
-    </p:tnLst>
-  </p:timing>
 </p:sld>
 </file>
 
-<file path=ppt/slides/slide42.xml><?xml version="1.0" encoding="utf-8"?>
+<file path=ppt/slides/slide22.xml><?xml version="1.0" encoding="utf-8"?>
 <p:sld xmlns:a="http://schemas.openxmlformats.org/drawingml/2006/main" xmlns:r="http://schemas.openxmlformats.org/officeDocument/2006/relationships" xmlns:p="http://schemas.openxmlformats.org/presentationml/2006/main">
   <p:cSld>
     <p:spTree>
@@ -16683,7 +12262,7 @@
           <a:p>
             <a:r>
               <a:rPr lang="en-US" dirty="0" smtClean="0"/>
-              <a:t>Solution: Real Modules!</a:t>
+              <a:t>Inheritance</a:t>
             </a:r>
             <a:endParaRPr lang="en-US" dirty="0"/>
           </a:p>
@@ -16704,10 +12283,6 @@
           <a:bodyPr/>
           <a:lstStyle/>
           <a:p>
-            <a:r>
-              <a:rPr lang="en-US" dirty="0" smtClean="0"/>
-              <a:t>Think “module” not “file”</a:t>
-            </a:r>
             <a:endParaRPr lang="en-US" dirty="0"/>
           </a:p>
         </p:txBody>
@@ -16728,8 +12303,32 @@
         </p:blipFill>
         <p:spPr>
           <a:xfrm>
-            <a:off x="1295400" y="2114550"/>
-            <a:ext cx="6553200" cy="4133850"/>
+            <a:off x="457200" y="1473200"/>
+            <a:ext cx="4752975" cy="3200400"/>
+          </a:xfrm>
+          <a:prstGeom prst="rect">
+            <a:avLst/>
+          </a:prstGeom>
+        </p:spPr>
+      </p:pic>
+      <p:pic>
+        <p:nvPicPr>
+          <p:cNvPr id="5" name="Picture 4"/>
+          <p:cNvPicPr>
+            <a:picLocks noChangeAspect="1"/>
+          </p:cNvPicPr>
+          <p:nvPr/>
+        </p:nvPicPr>
+        <p:blipFill>
+          <a:blip r:embed="rId3"/>
+          <a:stretch>
+            <a:fillRect/>
+          </a:stretch>
+        </p:blipFill>
+        <p:spPr>
+          <a:xfrm>
+            <a:off x="2590800" y="2514600"/>
+            <a:ext cx="5705475" cy="3609975"/>
           </a:xfrm>
           <a:prstGeom prst="rect">
             <a:avLst/>
@@ -16739,7 +12338,7 @@
     </p:spTree>
     <p:extLst>
       <p:ext uri="{BB962C8B-B14F-4D97-AF65-F5344CB8AC3E}">
-        <p14:creationId xmlns:p14="http://schemas.microsoft.com/office/powerpoint/2010/main" val="1130584943"/>
+        <p14:creationId xmlns:p14="http://schemas.microsoft.com/office/powerpoint/2010/main" val="989503368"/>
       </p:ext>
     </p:extLst>
   </p:cSld>
@@ -16749,17 +12348,10 @@
   <p:transition>
     <p:fade/>
   </p:transition>
-  <p:timing>
-    <p:tnLst>
-      <p:par>
-        <p:cTn id="1" dur="indefinite" restart="never" nodeType="tmRoot"/>
-      </p:par>
-    </p:tnLst>
-  </p:timing>
 </p:sld>
 </file>
 
-<file path=ppt/slides/slide43.xml><?xml version="1.0" encoding="utf-8"?>
+<file path=ppt/slides/slide23.xml><?xml version="1.0" encoding="utf-8"?>
 <p:sld xmlns:a="http://schemas.openxmlformats.org/drawingml/2006/main" xmlns:r="http://schemas.openxmlformats.org/officeDocument/2006/relationships" xmlns:p="http://schemas.openxmlformats.org/presentationml/2006/main">
   <p:cSld>
     <p:spTree>
@@ -16793,7 +12385,7 @@
           <a:p>
             <a:r>
               <a:rPr lang="en-US" dirty="0" smtClean="0"/>
-              <a:t>Imports</a:t>
+              <a:t>Problem: function is an 8 character word</a:t>
             </a:r>
             <a:endParaRPr lang="en-US" dirty="0"/>
           </a:p>
@@ -16814,7 +12406,7 @@
           <a:bodyPr/>
           <a:lstStyle/>
           <a:p>
-            <a:endParaRPr lang="en-US" dirty="0"/>
+            <a:endParaRPr lang="en-US"/>
           </a:p>
         </p:txBody>
       </p:sp>
@@ -16834,8 +12426,8 @@
         </p:blipFill>
         <p:spPr>
           <a:xfrm>
-            <a:off x="533400" y="1976980"/>
-            <a:ext cx="8196262" cy="3123657"/>
+            <a:off x="2133600" y="1981200"/>
+            <a:ext cx="4686300" cy="3228975"/>
           </a:xfrm>
           <a:prstGeom prst="rect">
             <a:avLst/>
@@ -16845,7 +12437,7 @@
     </p:spTree>
     <p:extLst>
       <p:ext uri="{BB962C8B-B14F-4D97-AF65-F5344CB8AC3E}">
-        <p14:creationId xmlns:p14="http://schemas.microsoft.com/office/powerpoint/2010/main" val="2518291001"/>
+        <p14:creationId xmlns:p14="http://schemas.microsoft.com/office/powerpoint/2010/main" val="2458651166"/>
       </p:ext>
     </p:extLst>
   </p:cSld>
@@ -16855,17 +12447,10 @@
   <p:transition>
     <p:fade/>
   </p:transition>
-  <p:timing>
-    <p:tnLst>
-      <p:par>
-        <p:cTn id="1" dur="indefinite" restart="never" nodeType="tmRoot"/>
-      </p:par>
-    </p:tnLst>
-  </p:timing>
 </p:sld>
 </file>
 
-<file path=ppt/slides/slide44.xml><?xml version="1.0" encoding="utf-8"?>
+<file path=ppt/slides/slide24.xml><?xml version="1.0" encoding="utf-8"?>
 <p:sld xmlns:a="http://schemas.openxmlformats.org/drawingml/2006/main" xmlns:r="http://schemas.openxmlformats.org/officeDocument/2006/relationships" xmlns:p="http://schemas.openxmlformats.org/presentationml/2006/main">
   <p:cSld>
     <p:spTree>
@@ -16899,7 +12484,7 @@
           <a:p>
             <a:r>
               <a:rPr lang="en-US" dirty="0" smtClean="0"/>
-              <a:t>Multiple Exports</a:t>
+              <a:t>Arrow Functions</a:t>
             </a:r>
             <a:endParaRPr lang="en-US" dirty="0"/>
           </a:p>
@@ -16920,7 +12505,17 @@
           <a:bodyPr/>
           <a:lstStyle/>
           <a:p>
-            <a:endParaRPr lang="en-US"/>
+            <a:r>
+              <a:rPr lang="en-US" dirty="0" smtClean="0"/>
+              <a:t>Expressive syntax</a:t>
+            </a:r>
+          </a:p>
+          <a:p>
+            <a:r>
+              <a:rPr lang="en-US" dirty="0" smtClean="0"/>
+              <a:t>Familiar to C# developers</a:t>
+            </a:r>
+            <a:endParaRPr lang="en-US" dirty="0"/>
           </a:p>
         </p:txBody>
       </p:sp>
@@ -16940,8 +12535,8 @@
         </p:blipFill>
         <p:spPr>
           <a:xfrm>
-            <a:off x="1752600" y="1252537"/>
-            <a:ext cx="6139229" cy="4886325"/>
+            <a:off x="1181100" y="2981325"/>
+            <a:ext cx="6781800" cy="2505075"/>
           </a:xfrm>
           <a:prstGeom prst="rect">
             <a:avLst/>
@@ -16951,7 +12546,7 @@
     </p:spTree>
     <p:extLst>
       <p:ext uri="{BB962C8B-B14F-4D97-AF65-F5344CB8AC3E}">
-        <p14:creationId xmlns:p14="http://schemas.microsoft.com/office/powerpoint/2010/main" val="4204329791"/>
+        <p14:creationId xmlns:p14="http://schemas.microsoft.com/office/powerpoint/2010/main" val="1237943148"/>
       </p:ext>
     </p:extLst>
   </p:cSld>
@@ -16961,17 +12556,10 @@
   <p:transition>
     <p:fade/>
   </p:transition>
-  <p:timing>
-    <p:tnLst>
-      <p:par>
-        <p:cTn id="1" dur="indefinite" restart="never" nodeType="tmRoot"/>
-      </p:par>
-    </p:tnLst>
-  </p:timing>
 </p:sld>
 </file>
 
-<file path=ppt/slides/slide45.xml><?xml version="1.0" encoding="utf-8"?>
+<file path=ppt/slides/slide25.xml><?xml version="1.0" encoding="utf-8"?>
 <p:sld xmlns:a="http://schemas.openxmlformats.org/drawingml/2006/main" xmlns:r="http://schemas.openxmlformats.org/officeDocument/2006/relationships" xmlns:p="http://schemas.openxmlformats.org/presentationml/2006/main">
   <p:cSld>
     <p:spTree>
@@ -17004,8 +12592,12 @@
           <a:lstStyle/>
           <a:p>
             <a:r>
+              <a:rPr lang="en-US" dirty="0" err="1" smtClean="0"/>
+              <a:t>LINQish</a:t>
+            </a:r>
+            <a:r>
               <a:rPr lang="en-US" dirty="0" smtClean="0"/>
-              <a:t>Making It Work</a:t>
+              <a:t> Arrows</a:t>
             </a:r>
             <a:endParaRPr lang="en-US" dirty="0"/>
           </a:p>
@@ -17030,43 +12622,9 @@
           </a:p>
         </p:txBody>
       </p:sp>
-      <p:sp>
-        <p:nvSpPr>
-          <p:cNvPr id="4" name="Rectangle 3"/>
-          <p:cNvSpPr/>
-          <p:nvPr/>
-        </p:nvSpPr>
-        <p:spPr>
-          <a:xfrm>
-            <a:off x="2362200" y="990600"/>
-            <a:ext cx="4445063" cy="338554"/>
-          </a:xfrm>
-          <a:prstGeom prst="rect">
-            <a:avLst/>
-          </a:prstGeom>
-        </p:spPr>
-        <p:txBody>
-          <a:bodyPr wrap="none">
-            <a:spAutoFit/>
-          </a:bodyPr>
-          <a:lstStyle/>
-          <a:p>
-            <a:r>
-              <a:rPr lang="en-US" dirty="0">
-                <a:solidFill>
-                  <a:srgbClr val="000000"/>
-                </a:solidFill>
-                <a:latin typeface="Segoe UI" panose="020B0502040204020203" pitchFamily="34" charset="0"/>
-              </a:rPr>
-              <a:t>https://kangax.github.io/compat-table/es6/</a:t>
-            </a:r>
-            <a:endParaRPr lang="en-US" dirty="0"/>
-          </a:p>
-        </p:txBody>
-      </p:sp>
       <p:pic>
         <p:nvPicPr>
-          <p:cNvPr id="5" name="Picture 4"/>
+          <p:cNvPr id="4" name="Picture 3"/>
           <p:cNvPicPr>
             <a:picLocks noChangeAspect="1"/>
           </p:cNvPicPr>
@@ -17080,8 +12638,8 @@
         </p:blipFill>
         <p:spPr>
           <a:xfrm>
-            <a:off x="785812" y="1459832"/>
-            <a:ext cx="7572375" cy="4929330"/>
+            <a:off x="1457325" y="2185987"/>
+            <a:ext cx="6229350" cy="2486025"/>
           </a:xfrm>
           <a:prstGeom prst="rect">
             <a:avLst/>
@@ -17091,7 +12649,7 @@
     </p:spTree>
     <p:extLst>
       <p:ext uri="{BB962C8B-B14F-4D97-AF65-F5344CB8AC3E}">
-        <p14:creationId xmlns:p14="http://schemas.microsoft.com/office/powerpoint/2010/main" val="1631893286"/>
+        <p14:creationId xmlns:p14="http://schemas.microsoft.com/office/powerpoint/2010/main" val="2685471026"/>
       </p:ext>
     </p:extLst>
   </p:cSld>
@@ -17101,17 +12659,10 @@
   <p:transition>
     <p:fade/>
   </p:transition>
-  <p:timing>
-    <p:tnLst>
-      <p:par>
-        <p:cTn id="1" dur="indefinite" restart="never" nodeType="tmRoot"/>
-      </p:par>
-    </p:tnLst>
-  </p:timing>
 </p:sld>
 </file>
 
-<file path=ppt/slides/slide46.xml><?xml version="1.0" encoding="utf-8"?>
+<file path=ppt/slides/slide26.xml><?xml version="1.0" encoding="utf-8"?>
 <p:sld xmlns:a="http://schemas.openxmlformats.org/drawingml/2006/main" xmlns:r="http://schemas.openxmlformats.org/officeDocument/2006/relationships" xmlns:p="http://schemas.openxmlformats.org/presentationml/2006/main">
   <p:cSld>
     <p:spTree>
@@ -17145,7 +12696,7 @@
           <a:p>
             <a:r>
               <a:rPr lang="en-US" dirty="0" smtClean="0"/>
-              <a:t>Build Your JavaScript</a:t>
+              <a:t>Arrow Functions Lexically Bind this</a:t>
             </a:r>
             <a:endParaRPr lang="en-US" dirty="0"/>
           </a:p>
@@ -17166,44 +12717,13 @@
           <a:bodyPr/>
           <a:lstStyle/>
           <a:p>
-            <a:r>
-              <a:rPr lang="en-US" dirty="0" smtClean="0"/>
-              <a:t>Use with Grunt, Gulp, </a:t>
-            </a:r>
-            <a:r>
-              <a:rPr lang="en-US" dirty="0" err="1" smtClean="0"/>
-              <a:t>WebPack</a:t>
-            </a:r>
-            <a:r>
-              <a:rPr lang="en-US" dirty="0" smtClean="0"/>
-              <a:t>, JSPM</a:t>
-            </a:r>
-          </a:p>
-          <a:p>
-            <a:pPr lvl="1"/>
-            <a:r>
-              <a:rPr lang="en-US" dirty="0" smtClean="0"/>
-              <a:t>Many others</a:t>
-            </a:r>
-            <a:endParaRPr lang="en-US" dirty="0"/>
-          </a:p>
-          <a:p>
-            <a:pPr lvl="1"/>
-            <a:r>
-              <a:rPr lang="en-US" dirty="0"/>
-              <a:t>O</a:t>
-            </a:r>
-            <a:r>
-              <a:rPr lang="en-US" dirty="0" smtClean="0"/>
-              <a:t>r . . . directly in a browser</a:t>
-            </a:r>
-            <a:endParaRPr lang="en-US" dirty="0"/>
+            <a:endParaRPr lang="en-US"/>
           </a:p>
         </p:txBody>
       </p:sp>
       <p:pic>
         <p:nvPicPr>
-          <p:cNvPr id="5" name="Picture 4"/>
+          <p:cNvPr id="4" name="Picture 3"/>
           <p:cNvPicPr>
             <a:picLocks noChangeAspect="1"/>
           </p:cNvPicPr>
@@ -17217,52 +12737,18 @@
         </p:blipFill>
         <p:spPr>
           <a:xfrm>
-            <a:off x="990600" y="2967038"/>
-            <a:ext cx="7332777" cy="2519362"/>
+            <a:off x="728662" y="1652587"/>
+            <a:ext cx="7686675" cy="3552825"/>
           </a:xfrm>
           <a:prstGeom prst="rect">
             <a:avLst/>
           </a:prstGeom>
         </p:spPr>
       </p:pic>
-      <p:sp>
-        <p:nvSpPr>
-          <p:cNvPr id="6" name="Rectangle 5"/>
-          <p:cNvSpPr/>
-          <p:nvPr/>
-        </p:nvSpPr>
-        <p:spPr>
-          <a:xfrm>
-            <a:off x="3402446" y="990600"/>
-            <a:ext cx="1931554" cy="338554"/>
-          </a:xfrm>
-          <a:prstGeom prst="rect">
-            <a:avLst/>
-          </a:prstGeom>
-        </p:spPr>
-        <p:txBody>
-          <a:bodyPr wrap="none">
-            <a:spAutoFit/>
-          </a:bodyPr>
-          <a:lstStyle/>
-          <a:p>
-            <a:r>
-              <a:rPr lang="en-US" dirty="0">
-                <a:solidFill>
-                  <a:srgbClr val="000000"/>
-                </a:solidFill>
-                <a:latin typeface="Segoe UI" panose="020B0502040204020203" pitchFamily="34" charset="0"/>
-              </a:rPr>
-              <a:t>https://babeljs.io/</a:t>
-            </a:r>
-            <a:endParaRPr lang="en-US" dirty="0"/>
-          </a:p>
-        </p:txBody>
-      </p:sp>
     </p:spTree>
     <p:extLst>
       <p:ext uri="{BB962C8B-B14F-4D97-AF65-F5344CB8AC3E}">
-        <p14:creationId xmlns:p14="http://schemas.microsoft.com/office/powerpoint/2010/main" val="1082727983"/>
+        <p14:creationId xmlns:p14="http://schemas.microsoft.com/office/powerpoint/2010/main" val="2173389175"/>
       </p:ext>
     </p:extLst>
   </p:cSld>
@@ -17272,17 +12758,10 @@
   <p:transition>
     <p:fade/>
   </p:transition>
-  <p:timing>
-    <p:tnLst>
-      <p:par>
-        <p:cTn id="1" dur="indefinite" restart="never" nodeType="tmRoot"/>
-      </p:par>
-    </p:tnLst>
-  </p:timing>
 </p:sld>
 </file>
 
-<file path=ppt/slides/slide47.xml><?xml version="1.0" encoding="utf-8"?>
+<file path=ppt/slides/slide27.xml><?xml version="1.0" encoding="utf-8"?>
 <p:sld xmlns:a="http://schemas.openxmlformats.org/drawingml/2006/main" xmlns:r="http://schemas.openxmlformats.org/officeDocument/2006/relationships" xmlns:p="http://schemas.openxmlformats.org/presentationml/2006/main">
   <p:cSld>
     <p:spTree>
@@ -17315,12 +12794,8 @@
           <a:lstStyle/>
           <a:p>
             <a:r>
-              <a:rPr lang="en-US" dirty="0" err="1" smtClean="0"/>
-              <a:t>Polyfill</a:t>
-            </a:r>
-            <a:r>
               <a:rPr lang="en-US" dirty="0" smtClean="0"/>
-              <a:t> Your Browser</a:t>
+              <a:t>Problem: Encapsulating Collections</a:t>
             </a:r>
             <a:endParaRPr lang="en-US" dirty="0"/>
           </a:p>
@@ -17341,11 +12816,7 @@
           <a:bodyPr/>
           <a:lstStyle/>
           <a:p>
-            <a:r>
-              <a:rPr lang="en-US" dirty="0" smtClean="0"/>
-              <a:t>Almost automatic with many bundling tools</a:t>
-            </a:r>
-            <a:endParaRPr lang="en-US" dirty="0"/>
+            <a:endParaRPr lang="en-US"/>
           </a:p>
         </p:txBody>
       </p:sp>
@@ -17365,8 +12836,8 @@
         </p:blipFill>
         <p:spPr>
           <a:xfrm>
-            <a:off x="1066800" y="2286000"/>
-            <a:ext cx="7205662" cy="2531369"/>
+            <a:off x="1023937" y="2033587"/>
+            <a:ext cx="7096125" cy="3324225"/>
           </a:xfrm>
           <a:prstGeom prst="rect">
             <a:avLst/>
@@ -17376,7 +12847,7 @@
     </p:spTree>
     <p:extLst>
       <p:ext uri="{BB962C8B-B14F-4D97-AF65-F5344CB8AC3E}">
-        <p14:creationId xmlns:p14="http://schemas.microsoft.com/office/powerpoint/2010/main" val="3744934740"/>
+        <p14:creationId xmlns:p14="http://schemas.microsoft.com/office/powerpoint/2010/main" val="3253405000"/>
       </p:ext>
     </p:extLst>
   </p:cSld>
@@ -17386,17 +12857,10 @@
   <p:transition>
     <p:fade/>
   </p:transition>
-  <p:timing>
-    <p:tnLst>
-      <p:par>
-        <p:cTn id="1" dur="indefinite" restart="never" nodeType="tmRoot"/>
-      </p:par>
-    </p:tnLst>
-  </p:timing>
 </p:sld>
 </file>
 
-<file path=ppt/slides/slide48.xml><?xml version="1.0" encoding="utf-8"?>
+<file path=ppt/slides/slide28.xml><?xml version="1.0" encoding="utf-8"?>
 <p:sld xmlns:a="http://schemas.openxmlformats.org/drawingml/2006/main" xmlns:r="http://schemas.openxmlformats.org/officeDocument/2006/relationships" xmlns:p="http://schemas.openxmlformats.org/presentationml/2006/main">
   <p:cSld>
     <p:spTree>
@@ -17430,7 +12894,7 @@
           <a:p>
             <a:r>
               <a:rPr lang="en-US" dirty="0" smtClean="0"/>
-              <a:t>Build Your Modules</a:t>
+              <a:t>Solution: Iterators and Iterables</a:t>
             </a:r>
             <a:endParaRPr lang="en-US" dirty="0"/>
           </a:p>
@@ -17451,11 +12915,7 @@
           <a:bodyPr/>
           <a:lstStyle/>
           <a:p>
-            <a:r>
-              <a:rPr lang="en-US" dirty="0" smtClean="0"/>
-              <a:t>Bundle them, too</a:t>
-            </a:r>
-            <a:endParaRPr lang="en-US" dirty="0"/>
+            <a:endParaRPr lang="en-US"/>
           </a:p>
         </p:txBody>
       </p:sp>
@@ -17475,52 +12935,18 @@
         </p:blipFill>
         <p:spPr>
           <a:xfrm>
-            <a:off x="1524000" y="2667000"/>
-            <a:ext cx="6225208" cy="2921204"/>
+            <a:off x="1447800" y="1752600"/>
+            <a:ext cx="6562725" cy="3657600"/>
           </a:xfrm>
           <a:prstGeom prst="rect">
             <a:avLst/>
           </a:prstGeom>
         </p:spPr>
       </p:pic>
-      <p:sp>
-        <p:nvSpPr>
-          <p:cNvPr id="5" name="Rectangle 4"/>
-          <p:cNvSpPr/>
-          <p:nvPr/>
-        </p:nvSpPr>
-        <p:spPr>
-          <a:xfrm>
-            <a:off x="3124200" y="1066800"/>
-            <a:ext cx="2714589" cy="338554"/>
-          </a:xfrm>
-          <a:prstGeom prst="rect">
-            <a:avLst/>
-          </a:prstGeom>
-        </p:spPr>
-        <p:txBody>
-          <a:bodyPr wrap="none">
-            <a:spAutoFit/>
-          </a:bodyPr>
-          <a:lstStyle/>
-          <a:p>
-            <a:r>
-              <a:rPr lang="en-US" dirty="0">
-                <a:solidFill>
-                  <a:srgbClr val="000000"/>
-                </a:solidFill>
-                <a:latin typeface="Segoe UI" panose="020B0502040204020203" pitchFamily="34" charset="0"/>
-              </a:rPr>
-              <a:t>http://webpack.github.io/</a:t>
-            </a:r>
-            <a:endParaRPr lang="en-US" dirty="0"/>
-          </a:p>
-        </p:txBody>
-      </p:sp>
     </p:spTree>
     <p:extLst>
       <p:ext uri="{BB962C8B-B14F-4D97-AF65-F5344CB8AC3E}">
-        <p14:creationId xmlns:p14="http://schemas.microsoft.com/office/powerpoint/2010/main" val="1429225010"/>
+        <p14:creationId xmlns:p14="http://schemas.microsoft.com/office/powerpoint/2010/main" val="1902682904"/>
       </p:ext>
     </p:extLst>
   </p:cSld>
@@ -17530,17 +12956,10 @@
   <p:transition>
     <p:fade/>
   </p:transition>
-  <p:timing>
-    <p:tnLst>
-      <p:par>
-        <p:cTn id="1" dur="indefinite" restart="never" nodeType="tmRoot"/>
-      </p:par>
-    </p:tnLst>
-  </p:timing>
 </p:sld>
 </file>
 
-<file path=ppt/slides/slide49.xml><?xml version="1.0" encoding="utf-8"?>
+<file path=ppt/slides/slide29.xml><?xml version="1.0" encoding="utf-8"?>
 <p:sld xmlns:a="http://schemas.openxmlformats.org/drawingml/2006/main" xmlns:r="http://schemas.openxmlformats.org/officeDocument/2006/relationships" xmlns:p="http://schemas.openxmlformats.org/presentationml/2006/main">
   <p:cSld>
     <p:spTree>
@@ -17559,78 +12978,26 @@
       </p:grpSpPr>
       <p:sp>
         <p:nvSpPr>
-          <p:cNvPr id="5" name="Text Placeholder 4"/>
+          <p:cNvPr id="2" name="Title 1"/>
           <p:cNvSpPr>
             <a:spLocks noGrp="1"/>
           </p:cNvSpPr>
           <p:nvPr>
-            <p:ph type="body" sz="quarter" idx="10"/>
+            <p:ph type="title"/>
           </p:nvPr>
         </p:nvSpPr>
-        <p:spPr>
-          <a:xfrm>
-            <a:off x="4852134" y="3055458"/>
-            <a:ext cx="4089936" cy="2289409"/>
-          </a:xfrm>
-        </p:spPr>
+        <p:spPr/>
         <p:txBody>
           <a:bodyPr/>
           <a:lstStyle/>
           <a:p>
             <a:r>
+              <a:rPr lang="en-US" dirty="0"/>
+              <a:t>f</a:t>
+            </a:r>
+            <a:r>
               <a:rPr lang="en-US" dirty="0" smtClean="0"/>
-              <a:t>My </a:t>
-            </a:r>
-            <a:r>
-              <a:rPr lang="en-US" dirty="0"/>
-              <a:t>Connect</a:t>
-            </a:r>
-          </a:p>
-          <a:p>
-            <a:pPr lvl="1"/>
-            <a:r>
-              <a:rPr lang="en-US" dirty="0"/>
-              <a:t>On the page for this session, you’ll find</a:t>
-            </a:r>
-          </a:p>
-          <a:p>
-            <a:pPr marL="252101" lvl="1" indent="-252101">
-              <a:buFont typeface="Arial" panose="020B0604020202020204" pitchFamily="34" charset="0"/>
-              <a:buChar char="•"/>
-            </a:pPr>
-            <a:r>
-              <a:rPr lang="en-US" dirty="0"/>
-              <a:t>Ask a question to the speaker(s)</a:t>
-            </a:r>
-          </a:p>
-          <a:p>
-            <a:pPr marL="252101" lvl="1" indent="-252101">
-              <a:buFont typeface="Arial" panose="020B0604020202020204" pitchFamily="34" charset="0"/>
-              <a:buChar char="•"/>
-            </a:pPr>
-            <a:r>
-              <a:rPr lang="en-US" dirty="0"/>
-              <a:t>Slides</a:t>
-            </a:r>
-          </a:p>
-          <a:p>
-            <a:pPr marL="252101" lvl="1" indent="-252101">
-              <a:buFont typeface="Arial" panose="020B0604020202020204" pitchFamily="34" charset="0"/>
-              <a:buChar char="•"/>
-            </a:pPr>
-            <a:r>
-              <a:rPr lang="en-US" dirty="0"/>
-              <a:t>Resources</a:t>
-            </a:r>
-          </a:p>
-          <a:p>
-            <a:pPr marL="252101" lvl="1" indent="-252101">
-              <a:buFont typeface="Arial" panose="020B0604020202020204" pitchFamily="34" charset="0"/>
-              <a:buChar char="•"/>
-            </a:pPr>
-            <a:r>
-              <a:rPr lang="en-US" dirty="0" smtClean="0"/>
-              <a:t>Feedback form</a:t>
+              <a:t>or of</a:t>
             </a:r>
             <a:endParaRPr lang="en-US" dirty="0"/>
           </a:p>
@@ -17638,78 +13005,41 @@
       </p:sp>
       <p:sp>
         <p:nvSpPr>
-          <p:cNvPr id="6" name="Text Placeholder 5"/>
+          <p:cNvPr id="3" name="Text Placeholder 2"/>
           <p:cNvSpPr>
             <a:spLocks noGrp="1"/>
           </p:cNvSpPr>
           <p:nvPr>
-            <p:ph type="body" sz="quarter" idx="11"/>
+            <p:ph type="body" idx="1"/>
           </p:nvPr>
         </p:nvSpPr>
-        <p:spPr>
-          <a:xfrm>
-            <a:off x="201930" y="3055457"/>
-            <a:ext cx="4033911" cy="1630831"/>
-          </a:xfrm>
-        </p:spPr>
+        <p:spPr/>
         <p:txBody>
           <a:bodyPr/>
           <a:lstStyle/>
           <a:p>
-            <a:r>
-              <a:rPr lang="en-US" dirty="0"/>
-              <a:t>Connect with me</a:t>
-            </a:r>
-          </a:p>
-          <a:p>
-            <a:pPr lvl="1"/>
-            <a:r>
-              <a:rPr lang="en-US" dirty="0" smtClean="0"/>
-              <a:t>@</a:t>
-            </a:r>
-            <a:r>
-              <a:rPr lang="en-US" dirty="0" err="1" smtClean="0"/>
-              <a:t>OdeToCode</a:t>
-            </a:r>
-            <a:endParaRPr lang="en-US" dirty="0" smtClean="0"/>
-          </a:p>
-          <a:p>
-            <a:pPr lvl="1"/>
-            <a:r>
-              <a:rPr lang="en-US" dirty="0" smtClean="0"/>
-              <a:t>scott@OdeToCode.com</a:t>
-            </a:r>
-            <a:endParaRPr lang="en-US" dirty="0"/>
-          </a:p>
-          <a:p>
-            <a:endParaRPr lang="en-US" dirty="0"/>
+            <a:endParaRPr lang="en-US"/>
           </a:p>
         </p:txBody>
       </p:sp>
       <p:pic>
         <p:nvPicPr>
-          <p:cNvPr id="8" name="Picture 7"/>
+          <p:cNvPr id="4" name="Picture 3"/>
           <p:cNvPicPr>
             <a:picLocks noChangeAspect="1"/>
           </p:cNvPicPr>
           <p:nvPr/>
         </p:nvPicPr>
         <p:blipFill>
-          <a:blip r:embed="rId2">
-            <a:extLst>
-              <a:ext uri="{28A0092B-C50C-407E-A947-70E740481C1C}">
-                <a14:useLocalDpi xmlns:a14="http://schemas.microsoft.com/office/drawing/2010/main" val="0"/>
-              </a:ext>
-            </a:extLst>
-          </a:blip>
+          <a:blip r:embed="rId2"/>
           <a:stretch>
             <a:fillRect/>
           </a:stretch>
         </p:blipFill>
         <p:spPr>
           <a:xfrm>
-            <a:off x="3920" y="195"/>
-            <a:ext cx="9144000" cy="2468282"/>
+            <a:off x="1447800" y="2081212"/>
+            <a:ext cx="6248400" cy="2695575"/>
           </a:xfrm>
           <a:prstGeom prst="rect">
             <a:avLst/>
@@ -17719,7 +13049,7 @@
     </p:spTree>
     <p:extLst>
       <p:ext uri="{BB962C8B-B14F-4D97-AF65-F5344CB8AC3E}">
-        <p14:creationId xmlns:p14="http://schemas.microsoft.com/office/powerpoint/2010/main" val="3920919138"/>
+        <p14:creationId xmlns:p14="http://schemas.microsoft.com/office/powerpoint/2010/main" val="3647026316"/>
       </p:ext>
     </p:extLst>
   </p:cSld>
@@ -17729,17 +13059,10 @@
   <p:transition>
     <p:fade/>
   </p:transition>
-  <p:timing>
-    <p:tnLst>
-      <p:par>
-        <p:cTn id="1" dur="indefinite" restart="never" nodeType="tmRoot"/>
-      </p:par>
-    </p:tnLst>
-  </p:timing>
 </p:sld>
 </file>
 
-<file path=ppt/slides/slide5.xml><?xml version="1.0" encoding="utf-8"?>
+<file path=ppt/slides/slide3.xml><?xml version="1.0" encoding="utf-8"?>
 <p:sld xmlns:a="http://schemas.openxmlformats.org/drawingml/2006/main" xmlns:r="http://schemas.openxmlformats.org/officeDocument/2006/relationships" xmlns:p="http://schemas.openxmlformats.org/presentationml/2006/main">
   <p:cSld>
     <p:spTree>
@@ -18628,7 +13951,1331 @@
 </p:sld>
 </file>
 
-<file path=ppt/slides/slide6.xml><?xml version="1.0" encoding="utf-8"?>
+<file path=ppt/slides/slide30.xml><?xml version="1.0" encoding="utf-8"?>
+<p:sld xmlns:a="http://schemas.openxmlformats.org/drawingml/2006/main" xmlns:r="http://schemas.openxmlformats.org/officeDocument/2006/relationships" xmlns:p="http://schemas.openxmlformats.org/presentationml/2006/main">
+  <p:cSld>
+    <p:spTree>
+      <p:nvGrpSpPr>
+        <p:cNvPr id="1" name=""/>
+        <p:cNvGrpSpPr/>
+        <p:nvPr/>
+      </p:nvGrpSpPr>
+      <p:grpSpPr>
+        <a:xfrm>
+          <a:off x="0" y="0"/>
+          <a:ext cx="0" cy="0"/>
+          <a:chOff x="0" y="0"/>
+          <a:chExt cx="0" cy="0"/>
+        </a:xfrm>
+      </p:grpSpPr>
+      <p:sp>
+        <p:nvSpPr>
+          <p:cNvPr id="2" name="Title 1"/>
+          <p:cNvSpPr>
+            <a:spLocks noGrp="1"/>
+          </p:cNvSpPr>
+          <p:nvPr>
+            <p:ph type="title"/>
+          </p:nvPr>
+        </p:nvSpPr>
+        <p:spPr/>
+        <p:txBody>
+          <a:bodyPr/>
+          <a:lstStyle/>
+          <a:p>
+            <a:r>
+              <a:rPr lang="en-US" dirty="0" smtClean="0"/>
+              <a:t>Symbol</a:t>
+            </a:r>
+            <a:endParaRPr lang="en-US" dirty="0"/>
+          </a:p>
+        </p:txBody>
+      </p:sp>
+      <p:sp>
+        <p:nvSpPr>
+          <p:cNvPr id="3" name="Text Placeholder 2"/>
+          <p:cNvSpPr>
+            <a:spLocks noGrp="1"/>
+          </p:cNvSpPr>
+          <p:nvPr>
+            <p:ph type="body" idx="1"/>
+          </p:nvPr>
+        </p:nvSpPr>
+        <p:spPr/>
+        <p:txBody>
+          <a:bodyPr/>
+          <a:lstStyle/>
+          <a:p>
+            <a:r>
+              <a:rPr lang="en-US" dirty="0" smtClean="0"/>
+              <a:t>A new type where every value is </a:t>
+            </a:r>
+            <a:r>
+              <a:rPr lang="en-US" dirty="0"/>
+              <a:t>u</a:t>
+            </a:r>
+            <a:r>
+              <a:rPr lang="en-US" dirty="0" smtClean="0"/>
+              <a:t>nique and immutable</a:t>
+            </a:r>
+          </a:p>
+          <a:p>
+            <a:r>
+              <a:rPr lang="en-US" dirty="0" smtClean="0"/>
+              <a:t>Can use a symbol as a key into an object</a:t>
+            </a:r>
+            <a:endParaRPr lang="en-US" dirty="0"/>
+          </a:p>
+        </p:txBody>
+      </p:sp>
+      <p:pic>
+        <p:nvPicPr>
+          <p:cNvPr id="4" name="Picture 3"/>
+          <p:cNvPicPr>
+            <a:picLocks noChangeAspect="1"/>
+          </p:cNvPicPr>
+          <p:nvPr/>
+        </p:nvPicPr>
+        <p:blipFill>
+          <a:blip r:embed="rId2"/>
+          <a:stretch>
+            <a:fillRect/>
+          </a:stretch>
+        </p:blipFill>
+        <p:spPr>
+          <a:xfrm>
+            <a:off x="304800" y="2333625"/>
+            <a:ext cx="6800850" cy="1933575"/>
+          </a:xfrm>
+          <a:prstGeom prst="rect">
+            <a:avLst/>
+          </a:prstGeom>
+        </p:spPr>
+      </p:pic>
+      <p:pic>
+        <p:nvPicPr>
+          <p:cNvPr id="5" name="Picture 4"/>
+          <p:cNvPicPr>
+            <a:picLocks noChangeAspect="1"/>
+          </p:cNvPicPr>
+          <p:nvPr/>
+        </p:nvPicPr>
+        <p:blipFill>
+          <a:blip r:embed="rId3"/>
+          <a:stretch>
+            <a:fillRect/>
+          </a:stretch>
+        </p:blipFill>
+        <p:spPr>
+          <a:xfrm>
+            <a:off x="2209800" y="2971800"/>
+            <a:ext cx="6324600" cy="3248025"/>
+          </a:xfrm>
+          <a:prstGeom prst="rect">
+            <a:avLst/>
+          </a:prstGeom>
+        </p:spPr>
+      </p:pic>
+    </p:spTree>
+    <p:extLst>
+      <p:ext uri="{BB962C8B-B14F-4D97-AF65-F5344CB8AC3E}">
+        <p14:creationId xmlns:p14="http://schemas.microsoft.com/office/powerpoint/2010/main" val="3501542250"/>
+      </p:ext>
+    </p:extLst>
+  </p:cSld>
+  <p:clrMapOvr>
+    <a:masterClrMapping/>
+  </p:clrMapOvr>
+  <p:transition>
+    <p:fade/>
+  </p:transition>
+  <p:timing>
+    <p:tnLst>
+      <p:par>
+        <p:cTn id="1" dur="indefinite" restart="never" nodeType="tmRoot">
+          <p:childTnLst>
+            <p:seq concurrent="1" nextAc="seek">
+              <p:cTn id="2" dur="indefinite" nodeType="mainSeq">
+                <p:childTnLst>
+                  <p:par>
+                    <p:cTn id="3" fill="hold">
+                      <p:stCondLst>
+                        <p:cond delay="indefinite"/>
+                      </p:stCondLst>
+                      <p:childTnLst>
+                        <p:par>
+                          <p:cTn id="4" fill="hold">
+                            <p:stCondLst>
+                              <p:cond delay="0"/>
+                            </p:stCondLst>
+                            <p:childTnLst>
+                              <p:par>
+                                <p:cTn id="5" presetID="10" presetClass="entr" presetSubtype="0" fill="hold" nodeType="clickEffect">
+                                  <p:stCondLst>
+                                    <p:cond delay="0"/>
+                                  </p:stCondLst>
+                                  <p:childTnLst>
+                                    <p:set>
+                                      <p:cBhvr>
+                                        <p:cTn id="6" dur="1" fill="hold">
+                                          <p:stCondLst>
+                                            <p:cond delay="0"/>
+                                          </p:stCondLst>
+                                        </p:cTn>
+                                        <p:tgtEl>
+                                          <p:spTgt spid="4"/>
+                                        </p:tgtEl>
+                                        <p:attrNameLst>
+                                          <p:attrName>style.visibility</p:attrName>
+                                        </p:attrNameLst>
+                                      </p:cBhvr>
+                                      <p:to>
+                                        <p:strVal val="visible"/>
+                                      </p:to>
+                                    </p:set>
+                                    <p:animEffect transition="in" filter="fade">
+                                      <p:cBhvr>
+                                        <p:cTn id="7" dur="500"/>
+                                        <p:tgtEl>
+                                          <p:spTgt spid="4"/>
+                                        </p:tgtEl>
+                                      </p:cBhvr>
+                                    </p:animEffect>
+                                  </p:childTnLst>
+                                </p:cTn>
+                              </p:par>
+                            </p:childTnLst>
+                          </p:cTn>
+                        </p:par>
+                      </p:childTnLst>
+                    </p:cTn>
+                  </p:par>
+                  <p:par>
+                    <p:cTn id="8" fill="hold">
+                      <p:stCondLst>
+                        <p:cond delay="indefinite"/>
+                      </p:stCondLst>
+                      <p:childTnLst>
+                        <p:par>
+                          <p:cTn id="9" fill="hold">
+                            <p:stCondLst>
+                              <p:cond delay="0"/>
+                            </p:stCondLst>
+                            <p:childTnLst>
+                              <p:par>
+                                <p:cTn id="10" presetID="10" presetClass="entr" presetSubtype="0" fill="hold" nodeType="clickEffect">
+                                  <p:stCondLst>
+                                    <p:cond delay="0"/>
+                                  </p:stCondLst>
+                                  <p:childTnLst>
+                                    <p:set>
+                                      <p:cBhvr>
+                                        <p:cTn id="11" dur="1" fill="hold">
+                                          <p:stCondLst>
+                                            <p:cond delay="0"/>
+                                          </p:stCondLst>
+                                        </p:cTn>
+                                        <p:tgtEl>
+                                          <p:spTgt spid="5"/>
+                                        </p:tgtEl>
+                                        <p:attrNameLst>
+                                          <p:attrName>style.visibility</p:attrName>
+                                        </p:attrNameLst>
+                                      </p:cBhvr>
+                                      <p:to>
+                                        <p:strVal val="visible"/>
+                                      </p:to>
+                                    </p:set>
+                                    <p:animEffect transition="in" filter="fade">
+                                      <p:cBhvr>
+                                        <p:cTn id="12" dur="500"/>
+                                        <p:tgtEl>
+                                          <p:spTgt spid="5"/>
+                                        </p:tgtEl>
+                                      </p:cBhvr>
+                                    </p:animEffect>
+                                  </p:childTnLst>
+                                </p:cTn>
+                              </p:par>
+                            </p:childTnLst>
+                          </p:cTn>
+                        </p:par>
+                      </p:childTnLst>
+                    </p:cTn>
+                  </p:par>
+                </p:childTnLst>
+              </p:cTn>
+              <p:prevCondLst>
+                <p:cond evt="onPrev" delay="0">
+                  <p:tgtEl>
+                    <p:sldTgt/>
+                  </p:tgtEl>
+                </p:cond>
+              </p:prevCondLst>
+              <p:nextCondLst>
+                <p:cond evt="onNext" delay="0">
+                  <p:tgtEl>
+                    <p:sldTgt/>
+                  </p:tgtEl>
+                </p:cond>
+              </p:nextCondLst>
+            </p:seq>
+          </p:childTnLst>
+        </p:cTn>
+      </p:par>
+    </p:tnLst>
+  </p:timing>
+</p:sld>
+</file>
+
+<file path=ppt/slides/slide31.xml><?xml version="1.0" encoding="utf-8"?>
+<p:sld xmlns:a="http://schemas.openxmlformats.org/drawingml/2006/main" xmlns:r="http://schemas.openxmlformats.org/officeDocument/2006/relationships" xmlns:p="http://schemas.openxmlformats.org/presentationml/2006/main">
+  <p:cSld>
+    <p:spTree>
+      <p:nvGrpSpPr>
+        <p:cNvPr id="1" name=""/>
+        <p:cNvGrpSpPr/>
+        <p:nvPr/>
+      </p:nvGrpSpPr>
+      <p:grpSpPr>
+        <a:xfrm>
+          <a:off x="0" y="0"/>
+          <a:ext cx="0" cy="0"/>
+          <a:chOff x="0" y="0"/>
+          <a:chExt cx="0" cy="0"/>
+        </a:xfrm>
+      </p:grpSpPr>
+      <p:sp>
+        <p:nvSpPr>
+          <p:cNvPr id="2" name="Title 1"/>
+          <p:cNvSpPr>
+            <a:spLocks noGrp="1"/>
+          </p:cNvSpPr>
+          <p:nvPr>
+            <p:ph type="title"/>
+          </p:nvPr>
+        </p:nvSpPr>
+        <p:spPr/>
+        <p:txBody>
+          <a:bodyPr/>
+          <a:lstStyle/>
+          <a:p>
+            <a:r>
+              <a:rPr lang="en-US" dirty="0" err="1" smtClean="0"/>
+              <a:t>Symbol.iterator</a:t>
+            </a:r>
+            <a:endParaRPr lang="en-US" dirty="0"/>
+          </a:p>
+        </p:txBody>
+      </p:sp>
+      <p:sp>
+        <p:nvSpPr>
+          <p:cNvPr id="3" name="Text Placeholder 2"/>
+          <p:cNvSpPr>
+            <a:spLocks noGrp="1"/>
+          </p:cNvSpPr>
+          <p:nvPr>
+            <p:ph type="body" idx="1"/>
+          </p:nvPr>
+        </p:nvSpPr>
+        <p:spPr/>
+        <p:txBody>
+          <a:bodyPr/>
+          <a:lstStyle/>
+          <a:p>
+            <a:r>
+              <a:rPr lang="en-US" dirty="0" smtClean="0"/>
+              <a:t>A magic method that makes an object iterable</a:t>
+            </a:r>
+            <a:endParaRPr lang="en-US" dirty="0"/>
+          </a:p>
+        </p:txBody>
+      </p:sp>
+      <p:pic>
+        <p:nvPicPr>
+          <p:cNvPr id="4" name="Picture 3"/>
+          <p:cNvPicPr>
+            <a:picLocks noChangeAspect="1"/>
+          </p:cNvPicPr>
+          <p:nvPr/>
+        </p:nvPicPr>
+        <p:blipFill>
+          <a:blip r:embed="rId2"/>
+          <a:stretch>
+            <a:fillRect/>
+          </a:stretch>
+        </p:blipFill>
+        <p:spPr>
+          <a:xfrm>
+            <a:off x="223837" y="2124075"/>
+            <a:ext cx="8696325" cy="2609850"/>
+          </a:xfrm>
+          <a:prstGeom prst="rect">
+            <a:avLst/>
+          </a:prstGeom>
+        </p:spPr>
+      </p:pic>
+    </p:spTree>
+    <p:extLst>
+      <p:ext uri="{BB962C8B-B14F-4D97-AF65-F5344CB8AC3E}">
+        <p14:creationId xmlns:p14="http://schemas.microsoft.com/office/powerpoint/2010/main" val="2187852041"/>
+      </p:ext>
+    </p:extLst>
+  </p:cSld>
+  <p:clrMapOvr>
+    <a:masterClrMapping/>
+  </p:clrMapOvr>
+  <p:transition>
+    <p:fade/>
+  </p:transition>
+</p:sld>
+</file>
+
+<file path=ppt/slides/slide32.xml><?xml version="1.0" encoding="utf-8"?>
+<p:sld xmlns:a="http://schemas.openxmlformats.org/drawingml/2006/main" xmlns:r="http://schemas.openxmlformats.org/officeDocument/2006/relationships" xmlns:p="http://schemas.openxmlformats.org/presentationml/2006/main">
+  <p:cSld>
+    <p:spTree>
+      <p:nvGrpSpPr>
+        <p:cNvPr id="1" name=""/>
+        <p:cNvGrpSpPr/>
+        <p:nvPr/>
+      </p:nvGrpSpPr>
+      <p:grpSpPr>
+        <a:xfrm>
+          <a:off x="0" y="0"/>
+          <a:ext cx="0" cy="0"/>
+          <a:chOff x="0" y="0"/>
+          <a:chExt cx="0" cy="0"/>
+        </a:xfrm>
+      </p:grpSpPr>
+      <p:sp>
+        <p:nvSpPr>
+          <p:cNvPr id="2" name="Title 1"/>
+          <p:cNvSpPr>
+            <a:spLocks noGrp="1"/>
+          </p:cNvSpPr>
+          <p:nvPr>
+            <p:ph type="title"/>
+          </p:nvPr>
+        </p:nvSpPr>
+        <p:spPr/>
+        <p:txBody>
+          <a:bodyPr/>
+          <a:lstStyle/>
+          <a:p>
+            <a:r>
+              <a:rPr lang="en-US" dirty="0" smtClean="0"/>
+              <a:t>Make Your Own Iterable</a:t>
+            </a:r>
+            <a:endParaRPr lang="en-US" dirty="0"/>
+          </a:p>
+        </p:txBody>
+      </p:sp>
+      <p:sp>
+        <p:nvSpPr>
+          <p:cNvPr id="3" name="Text Placeholder 2"/>
+          <p:cNvSpPr>
+            <a:spLocks noGrp="1"/>
+          </p:cNvSpPr>
+          <p:nvPr>
+            <p:ph type="body" idx="1"/>
+          </p:nvPr>
+        </p:nvSpPr>
+        <p:spPr/>
+        <p:txBody>
+          <a:bodyPr/>
+          <a:lstStyle/>
+          <a:p>
+            <a:endParaRPr lang="en-US"/>
+          </a:p>
+        </p:txBody>
+      </p:sp>
+      <p:pic>
+        <p:nvPicPr>
+          <p:cNvPr id="4" name="Picture 3"/>
+          <p:cNvPicPr>
+            <a:picLocks noChangeAspect="1"/>
+          </p:cNvPicPr>
+          <p:nvPr/>
+        </p:nvPicPr>
+        <p:blipFill>
+          <a:blip r:embed="rId2"/>
+          <a:stretch>
+            <a:fillRect/>
+          </a:stretch>
+        </p:blipFill>
+        <p:spPr>
+          <a:xfrm>
+            <a:off x="381000" y="1143000"/>
+            <a:ext cx="7324725" cy="3457575"/>
+          </a:xfrm>
+          <a:prstGeom prst="rect">
+            <a:avLst/>
+          </a:prstGeom>
+        </p:spPr>
+      </p:pic>
+      <p:pic>
+        <p:nvPicPr>
+          <p:cNvPr id="5" name="Picture 4"/>
+          <p:cNvPicPr>
+            <a:picLocks noChangeAspect="1"/>
+          </p:cNvPicPr>
+          <p:nvPr/>
+        </p:nvPicPr>
+        <p:blipFill>
+          <a:blip r:embed="rId3"/>
+          <a:stretch>
+            <a:fillRect/>
+          </a:stretch>
+        </p:blipFill>
+        <p:spPr>
+          <a:xfrm>
+            <a:off x="609600" y="1441450"/>
+            <a:ext cx="8248650" cy="4876800"/>
+          </a:xfrm>
+          <a:prstGeom prst="rect">
+            <a:avLst/>
+          </a:prstGeom>
+        </p:spPr>
+      </p:pic>
+    </p:spTree>
+    <p:extLst>
+      <p:ext uri="{BB962C8B-B14F-4D97-AF65-F5344CB8AC3E}">
+        <p14:creationId xmlns:p14="http://schemas.microsoft.com/office/powerpoint/2010/main" val="456951398"/>
+      </p:ext>
+    </p:extLst>
+  </p:cSld>
+  <p:clrMapOvr>
+    <a:masterClrMapping/>
+  </p:clrMapOvr>
+  <p:transition>
+    <p:fade/>
+  </p:transition>
+  <p:timing>
+    <p:tnLst>
+      <p:par>
+        <p:cTn id="1" dur="indefinite" restart="never" nodeType="tmRoot">
+          <p:childTnLst>
+            <p:seq concurrent="1" nextAc="seek">
+              <p:cTn id="2" dur="indefinite" nodeType="mainSeq">
+                <p:childTnLst>
+                  <p:par>
+                    <p:cTn id="3" fill="hold">
+                      <p:stCondLst>
+                        <p:cond delay="indefinite"/>
+                      </p:stCondLst>
+                      <p:childTnLst>
+                        <p:par>
+                          <p:cTn id="4" fill="hold">
+                            <p:stCondLst>
+                              <p:cond delay="0"/>
+                            </p:stCondLst>
+                            <p:childTnLst>
+                              <p:par>
+                                <p:cTn id="5" presetID="10" presetClass="entr" presetSubtype="0" fill="hold" nodeType="clickEffect">
+                                  <p:stCondLst>
+                                    <p:cond delay="0"/>
+                                  </p:stCondLst>
+                                  <p:childTnLst>
+                                    <p:set>
+                                      <p:cBhvr>
+                                        <p:cTn id="6" dur="1" fill="hold">
+                                          <p:stCondLst>
+                                            <p:cond delay="0"/>
+                                          </p:stCondLst>
+                                        </p:cTn>
+                                        <p:tgtEl>
+                                          <p:spTgt spid="5"/>
+                                        </p:tgtEl>
+                                        <p:attrNameLst>
+                                          <p:attrName>style.visibility</p:attrName>
+                                        </p:attrNameLst>
+                                      </p:cBhvr>
+                                      <p:to>
+                                        <p:strVal val="visible"/>
+                                      </p:to>
+                                    </p:set>
+                                    <p:animEffect transition="in" filter="fade">
+                                      <p:cBhvr>
+                                        <p:cTn id="7" dur="500"/>
+                                        <p:tgtEl>
+                                          <p:spTgt spid="5"/>
+                                        </p:tgtEl>
+                                      </p:cBhvr>
+                                    </p:animEffect>
+                                  </p:childTnLst>
+                                </p:cTn>
+                              </p:par>
+                            </p:childTnLst>
+                          </p:cTn>
+                        </p:par>
+                      </p:childTnLst>
+                    </p:cTn>
+                  </p:par>
+                </p:childTnLst>
+              </p:cTn>
+              <p:prevCondLst>
+                <p:cond evt="onPrev" delay="0">
+                  <p:tgtEl>
+                    <p:sldTgt/>
+                  </p:tgtEl>
+                </p:cond>
+              </p:prevCondLst>
+              <p:nextCondLst>
+                <p:cond evt="onNext" delay="0">
+                  <p:tgtEl>
+                    <p:sldTgt/>
+                  </p:tgtEl>
+                </p:cond>
+              </p:nextCondLst>
+            </p:seq>
+          </p:childTnLst>
+        </p:cTn>
+      </p:par>
+    </p:tnLst>
+  </p:timing>
+</p:sld>
+</file>
+
+<file path=ppt/slides/slide33.xml><?xml version="1.0" encoding="utf-8"?>
+<p:sld xmlns:a="http://schemas.openxmlformats.org/drawingml/2006/main" xmlns:r="http://schemas.openxmlformats.org/officeDocument/2006/relationships" xmlns:p="http://schemas.openxmlformats.org/presentationml/2006/main">
+  <p:cSld>
+    <p:spTree>
+      <p:nvGrpSpPr>
+        <p:cNvPr id="1" name=""/>
+        <p:cNvGrpSpPr/>
+        <p:nvPr/>
+      </p:nvGrpSpPr>
+      <p:grpSpPr>
+        <a:xfrm>
+          <a:off x="0" y="0"/>
+          <a:ext cx="0" cy="0"/>
+          <a:chOff x="0" y="0"/>
+          <a:chExt cx="0" cy="0"/>
+        </a:xfrm>
+      </p:grpSpPr>
+      <p:sp>
+        <p:nvSpPr>
+          <p:cNvPr id="2" name="Title 1"/>
+          <p:cNvSpPr>
+            <a:spLocks noGrp="1"/>
+          </p:cNvSpPr>
+          <p:nvPr>
+            <p:ph type="title"/>
+          </p:nvPr>
+        </p:nvSpPr>
+        <p:spPr/>
+        <p:txBody>
+          <a:bodyPr/>
+          <a:lstStyle/>
+          <a:p>
+            <a:r>
+              <a:rPr lang="en-US" dirty="0" smtClean="0"/>
+              <a:t>Generators</a:t>
+            </a:r>
+            <a:endParaRPr lang="en-US" dirty="0"/>
+          </a:p>
+        </p:txBody>
+      </p:sp>
+      <p:sp>
+        <p:nvSpPr>
+          <p:cNvPr id="3" name="Text Placeholder 2"/>
+          <p:cNvSpPr>
+            <a:spLocks noGrp="1"/>
+          </p:cNvSpPr>
+          <p:nvPr>
+            <p:ph type="body" idx="1"/>
+          </p:nvPr>
+        </p:nvSpPr>
+        <p:spPr/>
+        <p:txBody>
+          <a:bodyPr/>
+          <a:lstStyle/>
+          <a:p>
+            <a:endParaRPr lang="en-US" dirty="0"/>
+          </a:p>
+        </p:txBody>
+      </p:sp>
+      <p:pic>
+        <p:nvPicPr>
+          <p:cNvPr id="4" name="Picture 3"/>
+          <p:cNvPicPr>
+            <a:picLocks noChangeAspect="1"/>
+          </p:cNvPicPr>
+          <p:nvPr/>
+        </p:nvPicPr>
+        <p:blipFill>
+          <a:blip r:embed="rId2"/>
+          <a:stretch>
+            <a:fillRect/>
+          </a:stretch>
+        </p:blipFill>
+        <p:spPr>
+          <a:xfrm>
+            <a:off x="1252537" y="1266825"/>
+            <a:ext cx="6638925" cy="4324350"/>
+          </a:xfrm>
+          <a:prstGeom prst="rect">
+            <a:avLst/>
+          </a:prstGeom>
+        </p:spPr>
+      </p:pic>
+    </p:spTree>
+    <p:extLst>
+      <p:ext uri="{BB962C8B-B14F-4D97-AF65-F5344CB8AC3E}">
+        <p14:creationId xmlns:p14="http://schemas.microsoft.com/office/powerpoint/2010/main" val="50432343"/>
+      </p:ext>
+    </p:extLst>
+  </p:cSld>
+  <p:clrMapOvr>
+    <a:masterClrMapping/>
+  </p:clrMapOvr>
+  <p:transition>
+    <p:fade/>
+  </p:transition>
+</p:sld>
+</file>
+
+<file path=ppt/slides/slide34.xml><?xml version="1.0" encoding="utf-8"?>
+<p:sld xmlns:a="http://schemas.openxmlformats.org/drawingml/2006/main" xmlns:r="http://schemas.openxmlformats.org/officeDocument/2006/relationships" xmlns:p="http://schemas.openxmlformats.org/presentationml/2006/main">
+  <p:cSld>
+    <p:spTree>
+      <p:nvGrpSpPr>
+        <p:cNvPr id="1" name=""/>
+        <p:cNvGrpSpPr/>
+        <p:nvPr/>
+      </p:nvGrpSpPr>
+      <p:grpSpPr>
+        <a:xfrm>
+          <a:off x="0" y="0"/>
+          <a:ext cx="0" cy="0"/>
+          <a:chOff x="0" y="0"/>
+          <a:chExt cx="0" cy="0"/>
+        </a:xfrm>
+      </p:grpSpPr>
+      <p:sp>
+        <p:nvSpPr>
+          <p:cNvPr id="2" name="Title 1"/>
+          <p:cNvSpPr>
+            <a:spLocks noGrp="1"/>
+          </p:cNvSpPr>
+          <p:nvPr>
+            <p:ph type="title"/>
+          </p:nvPr>
+        </p:nvSpPr>
+        <p:spPr/>
+        <p:txBody>
+          <a:bodyPr/>
+          <a:lstStyle/>
+          <a:p>
+            <a:r>
+              <a:rPr lang="en-US" dirty="0" smtClean="0"/>
+              <a:t>Easy To Make Iterables</a:t>
+            </a:r>
+            <a:endParaRPr lang="en-US" dirty="0"/>
+          </a:p>
+        </p:txBody>
+      </p:sp>
+      <p:sp>
+        <p:nvSpPr>
+          <p:cNvPr id="3" name="Text Placeholder 2"/>
+          <p:cNvSpPr>
+            <a:spLocks noGrp="1"/>
+          </p:cNvSpPr>
+          <p:nvPr>
+            <p:ph type="body" idx="1"/>
+          </p:nvPr>
+        </p:nvSpPr>
+        <p:spPr/>
+        <p:txBody>
+          <a:bodyPr/>
+          <a:lstStyle/>
+          <a:p>
+            <a:endParaRPr lang="en-US"/>
+          </a:p>
+        </p:txBody>
+      </p:sp>
+      <p:pic>
+        <p:nvPicPr>
+          <p:cNvPr id="4" name="Picture 3"/>
+          <p:cNvPicPr>
+            <a:picLocks noChangeAspect="1"/>
+          </p:cNvPicPr>
+          <p:nvPr/>
+        </p:nvPicPr>
+        <p:blipFill>
+          <a:blip r:embed="rId2"/>
+          <a:stretch>
+            <a:fillRect/>
+          </a:stretch>
+        </p:blipFill>
+        <p:spPr>
+          <a:xfrm>
+            <a:off x="914400" y="1828800"/>
+            <a:ext cx="7724775" cy="3295650"/>
+          </a:xfrm>
+          <a:prstGeom prst="rect">
+            <a:avLst/>
+          </a:prstGeom>
+        </p:spPr>
+      </p:pic>
+    </p:spTree>
+    <p:extLst>
+      <p:ext uri="{BB962C8B-B14F-4D97-AF65-F5344CB8AC3E}">
+        <p14:creationId xmlns:p14="http://schemas.microsoft.com/office/powerpoint/2010/main" val="2770783712"/>
+      </p:ext>
+    </p:extLst>
+  </p:cSld>
+  <p:clrMapOvr>
+    <a:masterClrMapping/>
+  </p:clrMapOvr>
+  <p:transition>
+    <p:fade/>
+  </p:transition>
+</p:sld>
+</file>
+
+<file path=ppt/slides/slide35.xml><?xml version="1.0" encoding="utf-8"?>
+<p:sld xmlns:a="http://schemas.openxmlformats.org/drawingml/2006/main" xmlns:r="http://schemas.openxmlformats.org/officeDocument/2006/relationships" xmlns:p="http://schemas.openxmlformats.org/presentationml/2006/main">
+  <p:cSld>
+    <p:spTree>
+      <p:nvGrpSpPr>
+        <p:cNvPr id="1" name=""/>
+        <p:cNvGrpSpPr/>
+        <p:nvPr/>
+      </p:nvGrpSpPr>
+      <p:grpSpPr>
+        <a:xfrm>
+          <a:off x="0" y="0"/>
+          <a:ext cx="0" cy="0"/>
+          <a:chOff x="0" y="0"/>
+          <a:chExt cx="0" cy="0"/>
+        </a:xfrm>
+      </p:grpSpPr>
+      <p:sp>
+        <p:nvSpPr>
+          <p:cNvPr id="2" name="Title 1"/>
+          <p:cNvSpPr>
+            <a:spLocks noGrp="1"/>
+          </p:cNvSpPr>
+          <p:nvPr>
+            <p:ph type="title"/>
+          </p:nvPr>
+        </p:nvSpPr>
+        <p:spPr/>
+        <p:txBody>
+          <a:bodyPr/>
+          <a:lstStyle/>
+          <a:p>
+            <a:r>
+              <a:rPr lang="en-US" dirty="0" smtClean="0"/>
+              <a:t>Problem: </a:t>
+            </a:r>
+            <a:r>
+              <a:rPr lang="en-US" dirty="0" err="1" smtClean="0"/>
+              <a:t>Async</a:t>
+            </a:r>
+            <a:r>
+              <a:rPr lang="en-US" dirty="0" smtClean="0"/>
+              <a:t> Code</a:t>
+            </a:r>
+            <a:endParaRPr lang="en-US" dirty="0"/>
+          </a:p>
+        </p:txBody>
+      </p:sp>
+      <p:pic>
+        <p:nvPicPr>
+          <p:cNvPr id="4" name="Picture 3"/>
+          <p:cNvPicPr>
+            <a:picLocks noChangeAspect="1"/>
+          </p:cNvPicPr>
+          <p:nvPr/>
+        </p:nvPicPr>
+        <p:blipFill>
+          <a:blip r:embed="rId2"/>
+          <a:stretch>
+            <a:fillRect/>
+          </a:stretch>
+        </p:blipFill>
+        <p:spPr>
+          <a:xfrm>
+            <a:off x="1066800" y="1371600"/>
+            <a:ext cx="7734300" cy="4008995"/>
+          </a:xfrm>
+          <a:prstGeom prst="rect">
+            <a:avLst/>
+          </a:prstGeom>
+        </p:spPr>
+      </p:pic>
+      <p:sp>
+        <p:nvSpPr>
+          <p:cNvPr id="5" name="Rectangle 4"/>
+          <p:cNvSpPr/>
+          <p:nvPr/>
+        </p:nvSpPr>
+        <p:spPr>
+          <a:xfrm>
+            <a:off x="685800" y="5638800"/>
+            <a:ext cx="8229600" cy="307777"/>
+          </a:xfrm>
+          <a:prstGeom prst="rect">
+            <a:avLst/>
+          </a:prstGeom>
+        </p:spPr>
+        <p:txBody>
+          <a:bodyPr wrap="square">
+            <a:spAutoFit/>
+          </a:bodyPr>
+          <a:lstStyle/>
+          <a:p>
+            <a:r>
+              <a:rPr lang="en-US" sz="1400" dirty="0">
+                <a:solidFill>
+                  <a:srgbClr val="000000"/>
+                </a:solidFill>
+                <a:latin typeface="Segoe UI" panose="020B0502040204020203" pitchFamily="34" charset="0"/>
+              </a:rPr>
+              <a:t>http://tritarget.org/blog/2012/11/28/the-pyramid-of-doom-a-javascript-style-trap/</a:t>
+            </a:r>
+            <a:endParaRPr lang="en-US" sz="1400" dirty="0"/>
+          </a:p>
+        </p:txBody>
+      </p:sp>
+    </p:spTree>
+    <p:extLst>
+      <p:ext uri="{BB962C8B-B14F-4D97-AF65-F5344CB8AC3E}">
+        <p14:creationId xmlns:p14="http://schemas.microsoft.com/office/powerpoint/2010/main" val="3878279200"/>
+      </p:ext>
+    </p:extLst>
+  </p:cSld>
+  <p:clrMapOvr>
+    <a:masterClrMapping/>
+  </p:clrMapOvr>
+  <p:transition>
+    <p:fade/>
+  </p:transition>
+</p:sld>
+</file>
+
+<file path=ppt/slides/slide36.xml><?xml version="1.0" encoding="utf-8"?>
+<p:sld xmlns:a="http://schemas.openxmlformats.org/drawingml/2006/main" xmlns:r="http://schemas.openxmlformats.org/officeDocument/2006/relationships" xmlns:p="http://schemas.openxmlformats.org/presentationml/2006/main">
+  <p:cSld>
+    <p:spTree>
+      <p:nvGrpSpPr>
+        <p:cNvPr id="1" name=""/>
+        <p:cNvGrpSpPr/>
+        <p:nvPr/>
+      </p:nvGrpSpPr>
+      <p:grpSpPr>
+        <a:xfrm>
+          <a:off x="0" y="0"/>
+          <a:ext cx="0" cy="0"/>
+          <a:chOff x="0" y="0"/>
+          <a:chExt cx="0" cy="0"/>
+        </a:xfrm>
+      </p:grpSpPr>
+      <p:sp>
+        <p:nvSpPr>
+          <p:cNvPr id="2" name="Title 1"/>
+          <p:cNvSpPr>
+            <a:spLocks noGrp="1"/>
+          </p:cNvSpPr>
+          <p:nvPr>
+            <p:ph type="title"/>
+          </p:nvPr>
+        </p:nvSpPr>
+        <p:spPr/>
+        <p:txBody>
+          <a:bodyPr/>
+          <a:lstStyle/>
+          <a:p>
+            <a:r>
+              <a:rPr lang="en-US" dirty="0" smtClean="0"/>
+              <a:t>Solution: Promises</a:t>
+            </a:r>
+            <a:endParaRPr lang="en-US" dirty="0"/>
+          </a:p>
+        </p:txBody>
+      </p:sp>
+      <p:pic>
+        <p:nvPicPr>
+          <p:cNvPr id="4" name="Picture 3"/>
+          <p:cNvPicPr>
+            <a:picLocks noChangeAspect="1"/>
+          </p:cNvPicPr>
+          <p:nvPr/>
+        </p:nvPicPr>
+        <p:blipFill>
+          <a:blip r:embed="rId2"/>
+          <a:stretch>
+            <a:fillRect/>
+          </a:stretch>
+        </p:blipFill>
+        <p:spPr>
+          <a:xfrm>
+            <a:off x="1752600" y="1295400"/>
+            <a:ext cx="6081443" cy="4705350"/>
+          </a:xfrm>
+          <a:prstGeom prst="rect">
+            <a:avLst/>
+          </a:prstGeom>
+        </p:spPr>
+      </p:pic>
+    </p:spTree>
+    <p:extLst>
+      <p:ext uri="{BB962C8B-B14F-4D97-AF65-F5344CB8AC3E}">
+        <p14:creationId xmlns:p14="http://schemas.microsoft.com/office/powerpoint/2010/main" val="2409497983"/>
+      </p:ext>
+    </p:extLst>
+  </p:cSld>
+  <p:clrMapOvr>
+    <a:masterClrMapping/>
+  </p:clrMapOvr>
+  <p:transition>
+    <p:fade/>
+  </p:transition>
+</p:sld>
+</file>
+
+<file path=ppt/slides/slide37.xml><?xml version="1.0" encoding="utf-8"?>
+<p:sld xmlns:a="http://schemas.openxmlformats.org/drawingml/2006/main" xmlns:r="http://schemas.openxmlformats.org/officeDocument/2006/relationships" xmlns:p="http://schemas.openxmlformats.org/presentationml/2006/main">
+  <p:cSld>
+    <p:spTree>
+      <p:nvGrpSpPr>
+        <p:cNvPr id="1" name=""/>
+        <p:cNvGrpSpPr/>
+        <p:nvPr/>
+      </p:nvGrpSpPr>
+      <p:grpSpPr>
+        <a:xfrm>
+          <a:off x="0" y="0"/>
+          <a:ext cx="0" cy="0"/>
+          <a:chOff x="0" y="0"/>
+          <a:chExt cx="0" cy="0"/>
+        </a:xfrm>
+      </p:grpSpPr>
+      <p:sp>
+        <p:nvSpPr>
+          <p:cNvPr id="2" name="Title 1"/>
+          <p:cNvSpPr>
+            <a:spLocks noGrp="1"/>
+          </p:cNvSpPr>
+          <p:nvPr>
+            <p:ph type="title"/>
+          </p:nvPr>
+        </p:nvSpPr>
+        <p:spPr/>
+        <p:txBody>
+          <a:bodyPr/>
+          <a:lstStyle/>
+          <a:p>
+            <a:r>
+              <a:rPr lang="en-US" dirty="0" smtClean="0"/>
+              <a:t>Promises Chain</a:t>
+            </a:r>
+            <a:endParaRPr lang="en-US" dirty="0"/>
+          </a:p>
+        </p:txBody>
+      </p:sp>
+      <p:sp>
+        <p:nvSpPr>
+          <p:cNvPr id="3" name="Text Placeholder 2"/>
+          <p:cNvSpPr>
+            <a:spLocks noGrp="1"/>
+          </p:cNvSpPr>
+          <p:nvPr>
+            <p:ph type="body" idx="1"/>
+          </p:nvPr>
+        </p:nvSpPr>
+        <p:spPr/>
+        <p:txBody>
+          <a:bodyPr/>
+          <a:lstStyle/>
+          <a:p>
+            <a:endParaRPr lang="en-US" dirty="0"/>
+          </a:p>
+        </p:txBody>
+      </p:sp>
+      <p:pic>
+        <p:nvPicPr>
+          <p:cNvPr id="4" name="Picture 3"/>
+          <p:cNvPicPr>
+            <a:picLocks noChangeAspect="1"/>
+          </p:cNvPicPr>
+          <p:nvPr/>
+        </p:nvPicPr>
+        <p:blipFill>
+          <a:blip r:embed="rId2"/>
+          <a:stretch>
+            <a:fillRect/>
+          </a:stretch>
+        </p:blipFill>
+        <p:spPr>
+          <a:xfrm>
+            <a:off x="2133600" y="1371600"/>
+            <a:ext cx="5381625" cy="4465164"/>
+          </a:xfrm>
+          <a:prstGeom prst="rect">
+            <a:avLst/>
+          </a:prstGeom>
+        </p:spPr>
+      </p:pic>
+    </p:spTree>
+    <p:extLst>
+      <p:ext uri="{BB962C8B-B14F-4D97-AF65-F5344CB8AC3E}">
+        <p14:creationId xmlns:p14="http://schemas.microsoft.com/office/powerpoint/2010/main" val="714271279"/>
+      </p:ext>
+    </p:extLst>
+  </p:cSld>
+  <p:clrMapOvr>
+    <a:masterClrMapping/>
+  </p:clrMapOvr>
+  <p:transition>
+    <p:fade/>
+  </p:transition>
+</p:sld>
+</file>
+
+<file path=ppt/slides/slide38.xml><?xml version="1.0" encoding="utf-8"?>
+<p:sld xmlns:a="http://schemas.openxmlformats.org/drawingml/2006/main" xmlns:r="http://schemas.openxmlformats.org/officeDocument/2006/relationships" xmlns:p="http://schemas.openxmlformats.org/presentationml/2006/main">
+  <p:cSld>
+    <p:spTree>
+      <p:nvGrpSpPr>
+        <p:cNvPr id="1" name=""/>
+        <p:cNvGrpSpPr/>
+        <p:nvPr/>
+      </p:nvGrpSpPr>
+      <p:grpSpPr>
+        <a:xfrm>
+          <a:off x="0" y="0"/>
+          <a:ext cx="0" cy="0"/>
+          <a:chOff x="0" y="0"/>
+          <a:chExt cx="0" cy="0"/>
+        </a:xfrm>
+      </p:grpSpPr>
+      <p:sp>
+        <p:nvSpPr>
+          <p:cNvPr id="2" name="Title 1"/>
+          <p:cNvSpPr>
+            <a:spLocks noGrp="1"/>
+          </p:cNvSpPr>
+          <p:nvPr>
+            <p:ph type="title"/>
+          </p:nvPr>
+        </p:nvSpPr>
+        <p:spPr/>
+        <p:txBody>
+          <a:bodyPr/>
+          <a:lstStyle/>
+          <a:p>
+            <a:r>
+              <a:rPr lang="en-US" dirty="0"/>
+              <a:t>Problem: Modularity &amp; Scope</a:t>
+            </a:r>
+          </a:p>
+        </p:txBody>
+      </p:sp>
+      <p:sp>
+        <p:nvSpPr>
+          <p:cNvPr id="3" name="Text Placeholder 2"/>
+          <p:cNvSpPr>
+            <a:spLocks noGrp="1"/>
+          </p:cNvSpPr>
+          <p:nvPr>
+            <p:ph type="body" idx="1"/>
+          </p:nvPr>
+        </p:nvSpPr>
+        <p:spPr/>
+        <p:txBody>
+          <a:bodyPr/>
+          <a:lstStyle/>
+          <a:p>
+            <a:endParaRPr lang="en-US"/>
+          </a:p>
+        </p:txBody>
+      </p:sp>
+      <p:pic>
+        <p:nvPicPr>
+          <p:cNvPr id="4" name="Picture 3"/>
+          <p:cNvPicPr>
+            <a:picLocks noChangeAspect="1"/>
+          </p:cNvPicPr>
+          <p:nvPr/>
+        </p:nvPicPr>
+        <p:blipFill>
+          <a:blip r:embed="rId2"/>
+          <a:stretch>
+            <a:fillRect/>
+          </a:stretch>
+        </p:blipFill>
+        <p:spPr>
+          <a:xfrm>
+            <a:off x="1600200" y="1152525"/>
+            <a:ext cx="5943600" cy="4867275"/>
+          </a:xfrm>
+          <a:prstGeom prst="rect">
+            <a:avLst/>
+          </a:prstGeom>
+        </p:spPr>
+      </p:pic>
+    </p:spTree>
+    <p:extLst>
+      <p:ext uri="{BB962C8B-B14F-4D97-AF65-F5344CB8AC3E}">
+        <p14:creationId xmlns:p14="http://schemas.microsoft.com/office/powerpoint/2010/main" val="2898753433"/>
+      </p:ext>
+    </p:extLst>
+  </p:cSld>
+  <p:clrMapOvr>
+    <a:masterClrMapping/>
+  </p:clrMapOvr>
+  <p:transition>
+    <p:fade/>
+  </p:transition>
+</p:sld>
+</file>
+
+<file path=ppt/slides/slide39.xml><?xml version="1.0" encoding="utf-8"?>
+<p:sld xmlns:a="http://schemas.openxmlformats.org/drawingml/2006/main" xmlns:r="http://schemas.openxmlformats.org/officeDocument/2006/relationships" xmlns:p="http://schemas.openxmlformats.org/presentationml/2006/main">
+  <p:cSld>
+    <p:spTree>
+      <p:nvGrpSpPr>
+        <p:cNvPr id="1" name=""/>
+        <p:cNvGrpSpPr/>
+        <p:nvPr/>
+      </p:nvGrpSpPr>
+      <p:grpSpPr>
+        <a:xfrm>
+          <a:off x="0" y="0"/>
+          <a:ext cx="0" cy="0"/>
+          <a:chOff x="0" y="0"/>
+          <a:chExt cx="0" cy="0"/>
+        </a:xfrm>
+      </p:grpSpPr>
+      <p:sp>
+        <p:nvSpPr>
+          <p:cNvPr id="2" name="Title 1"/>
+          <p:cNvSpPr>
+            <a:spLocks noGrp="1"/>
+          </p:cNvSpPr>
+          <p:nvPr>
+            <p:ph type="title"/>
+          </p:nvPr>
+        </p:nvSpPr>
+        <p:spPr/>
+        <p:txBody>
+          <a:bodyPr/>
+          <a:lstStyle/>
+          <a:p>
+            <a:r>
+              <a:rPr lang="en-US" dirty="0" smtClean="0"/>
+              <a:t>Problem: Modularity &amp; Scope</a:t>
+            </a:r>
+            <a:endParaRPr lang="en-US" dirty="0"/>
+          </a:p>
+        </p:txBody>
+      </p:sp>
+      <p:sp>
+        <p:nvSpPr>
+          <p:cNvPr id="3" name="Text Placeholder 2"/>
+          <p:cNvSpPr>
+            <a:spLocks noGrp="1"/>
+          </p:cNvSpPr>
+          <p:nvPr>
+            <p:ph type="body" idx="1"/>
+          </p:nvPr>
+        </p:nvSpPr>
+        <p:spPr/>
+        <p:txBody>
+          <a:bodyPr/>
+          <a:lstStyle/>
+          <a:p>
+            <a:r>
+              <a:rPr lang="en-US" dirty="0" smtClean="0"/>
+              <a:t>Possible solutions</a:t>
+            </a:r>
+          </a:p>
+          <a:p>
+            <a:pPr lvl="1"/>
+            <a:r>
+              <a:rPr lang="en-US" dirty="0" smtClean="0"/>
+              <a:t>Common JS</a:t>
+            </a:r>
+          </a:p>
+          <a:p>
+            <a:pPr lvl="1"/>
+            <a:r>
+              <a:rPr lang="en-US" dirty="0" smtClean="0"/>
+              <a:t>Asynchronous Module Definitions</a:t>
+            </a:r>
+          </a:p>
+          <a:p>
+            <a:pPr lvl="1"/>
+            <a:r>
+              <a:rPr lang="en-US" dirty="0" smtClean="0"/>
+              <a:t>IFFE and </a:t>
+            </a:r>
+            <a:r>
+              <a:rPr lang="en-US" dirty="0" err="1" smtClean="0"/>
+              <a:t>Globals</a:t>
+            </a:r>
+            <a:endParaRPr lang="en-US" dirty="0" smtClean="0"/>
+          </a:p>
+          <a:p>
+            <a:r>
+              <a:rPr lang="en-US" dirty="0" smtClean="0"/>
+              <a:t>Think about how current libraries </a:t>
+            </a:r>
+            <a:r>
+              <a:rPr lang="en-US" dirty="0" smtClean="0"/>
+              <a:t>from 2014 are designed</a:t>
+            </a:r>
+            <a:endParaRPr lang="en-US" dirty="0" smtClean="0"/>
+          </a:p>
+          <a:p>
+            <a:pPr lvl="1"/>
+            <a:r>
+              <a:rPr lang="en-US" dirty="0" smtClean="0"/>
+              <a:t>jQuery -&gt; $</a:t>
+            </a:r>
+          </a:p>
+          <a:p>
+            <a:pPr lvl="1"/>
+            <a:r>
+              <a:rPr lang="en-US" dirty="0" smtClean="0"/>
+              <a:t>Angular -&gt; angular</a:t>
+            </a:r>
+          </a:p>
+          <a:p>
+            <a:pPr lvl="1"/>
+            <a:r>
+              <a:rPr lang="en-US" dirty="0" err="1" smtClean="0"/>
+              <a:t>Lodash</a:t>
+            </a:r>
+            <a:r>
+              <a:rPr lang="en-US" dirty="0" smtClean="0"/>
+              <a:t> -&gt; _</a:t>
+            </a:r>
+            <a:endParaRPr lang="en-US" dirty="0"/>
+          </a:p>
+        </p:txBody>
+      </p:sp>
+    </p:spTree>
+    <p:extLst>
+      <p:ext uri="{BB962C8B-B14F-4D97-AF65-F5344CB8AC3E}">
+        <p14:creationId xmlns:p14="http://schemas.microsoft.com/office/powerpoint/2010/main" val="2133708177"/>
+      </p:ext>
+    </p:extLst>
+  </p:cSld>
+  <p:clrMapOvr>
+    <a:masterClrMapping/>
+  </p:clrMapOvr>
+  <p:transition>
+    <p:fade/>
+  </p:transition>
+</p:sld>
+</file>
+
+<file path=ppt/slides/slide4.xml><?xml version="1.0" encoding="utf-8"?>
 <p:sld xmlns:a="http://schemas.openxmlformats.org/drawingml/2006/main" xmlns:r="http://schemas.openxmlformats.org/officeDocument/2006/relationships" xmlns:p="http://schemas.openxmlformats.org/presentationml/2006/main">
   <p:cSld>
     <p:spTree>
@@ -18822,7 +15469,1041 @@
 </p:sld>
 </file>
 
-<file path=ppt/slides/slide7.xml><?xml version="1.0" encoding="utf-8"?>
+<file path=ppt/slides/slide40.xml><?xml version="1.0" encoding="utf-8"?>
+<p:sld xmlns:a="http://schemas.openxmlformats.org/drawingml/2006/main" xmlns:r="http://schemas.openxmlformats.org/officeDocument/2006/relationships" xmlns:p="http://schemas.openxmlformats.org/presentationml/2006/main">
+  <p:cSld>
+    <p:spTree>
+      <p:nvGrpSpPr>
+        <p:cNvPr id="1" name=""/>
+        <p:cNvGrpSpPr/>
+        <p:nvPr/>
+      </p:nvGrpSpPr>
+      <p:grpSpPr>
+        <a:xfrm>
+          <a:off x="0" y="0"/>
+          <a:ext cx="0" cy="0"/>
+          <a:chOff x="0" y="0"/>
+          <a:chExt cx="0" cy="0"/>
+        </a:xfrm>
+      </p:grpSpPr>
+      <p:sp>
+        <p:nvSpPr>
+          <p:cNvPr id="2" name="Title 1"/>
+          <p:cNvSpPr>
+            <a:spLocks noGrp="1"/>
+          </p:cNvSpPr>
+          <p:nvPr>
+            <p:ph type="title"/>
+          </p:nvPr>
+        </p:nvSpPr>
+        <p:spPr/>
+        <p:txBody>
+          <a:bodyPr/>
+          <a:lstStyle/>
+          <a:p>
+            <a:r>
+              <a:rPr lang="en-US" dirty="0" smtClean="0"/>
+              <a:t>Solution: Real Modules!</a:t>
+            </a:r>
+            <a:endParaRPr lang="en-US" dirty="0"/>
+          </a:p>
+        </p:txBody>
+      </p:sp>
+      <p:sp>
+        <p:nvSpPr>
+          <p:cNvPr id="3" name="Text Placeholder 2"/>
+          <p:cNvSpPr>
+            <a:spLocks noGrp="1"/>
+          </p:cNvSpPr>
+          <p:nvPr>
+            <p:ph type="body" idx="1"/>
+          </p:nvPr>
+        </p:nvSpPr>
+        <p:spPr/>
+        <p:txBody>
+          <a:bodyPr/>
+          <a:lstStyle/>
+          <a:p>
+            <a:r>
+              <a:rPr lang="en-US" dirty="0" smtClean="0"/>
+              <a:t>Think “module” not “file”</a:t>
+            </a:r>
+            <a:endParaRPr lang="en-US" dirty="0"/>
+          </a:p>
+        </p:txBody>
+      </p:sp>
+      <p:pic>
+        <p:nvPicPr>
+          <p:cNvPr id="4" name="Picture 3"/>
+          <p:cNvPicPr>
+            <a:picLocks noChangeAspect="1"/>
+          </p:cNvPicPr>
+          <p:nvPr/>
+        </p:nvPicPr>
+        <p:blipFill>
+          <a:blip r:embed="rId2"/>
+          <a:stretch>
+            <a:fillRect/>
+          </a:stretch>
+        </p:blipFill>
+        <p:spPr>
+          <a:xfrm>
+            <a:off x="1295400" y="2114550"/>
+            <a:ext cx="6553200" cy="4133850"/>
+          </a:xfrm>
+          <a:prstGeom prst="rect">
+            <a:avLst/>
+          </a:prstGeom>
+        </p:spPr>
+      </p:pic>
+    </p:spTree>
+    <p:extLst>
+      <p:ext uri="{BB962C8B-B14F-4D97-AF65-F5344CB8AC3E}">
+        <p14:creationId xmlns:p14="http://schemas.microsoft.com/office/powerpoint/2010/main" val="1130584943"/>
+      </p:ext>
+    </p:extLst>
+  </p:cSld>
+  <p:clrMapOvr>
+    <a:masterClrMapping/>
+  </p:clrMapOvr>
+  <p:transition>
+    <p:fade/>
+  </p:transition>
+</p:sld>
+</file>
+
+<file path=ppt/slides/slide41.xml><?xml version="1.0" encoding="utf-8"?>
+<p:sld xmlns:a="http://schemas.openxmlformats.org/drawingml/2006/main" xmlns:r="http://schemas.openxmlformats.org/officeDocument/2006/relationships" xmlns:p="http://schemas.openxmlformats.org/presentationml/2006/main">
+  <p:cSld>
+    <p:spTree>
+      <p:nvGrpSpPr>
+        <p:cNvPr id="1" name=""/>
+        <p:cNvGrpSpPr/>
+        <p:nvPr/>
+      </p:nvGrpSpPr>
+      <p:grpSpPr>
+        <a:xfrm>
+          <a:off x="0" y="0"/>
+          <a:ext cx="0" cy="0"/>
+          <a:chOff x="0" y="0"/>
+          <a:chExt cx="0" cy="0"/>
+        </a:xfrm>
+      </p:grpSpPr>
+      <p:sp>
+        <p:nvSpPr>
+          <p:cNvPr id="2" name="Title 1"/>
+          <p:cNvSpPr>
+            <a:spLocks noGrp="1"/>
+          </p:cNvSpPr>
+          <p:nvPr>
+            <p:ph type="title"/>
+          </p:nvPr>
+        </p:nvSpPr>
+        <p:spPr/>
+        <p:txBody>
+          <a:bodyPr/>
+          <a:lstStyle/>
+          <a:p>
+            <a:r>
+              <a:rPr lang="en-US" dirty="0" smtClean="0"/>
+              <a:t>Imports</a:t>
+            </a:r>
+            <a:endParaRPr lang="en-US" dirty="0"/>
+          </a:p>
+        </p:txBody>
+      </p:sp>
+      <p:sp>
+        <p:nvSpPr>
+          <p:cNvPr id="3" name="Text Placeholder 2"/>
+          <p:cNvSpPr>
+            <a:spLocks noGrp="1"/>
+          </p:cNvSpPr>
+          <p:nvPr>
+            <p:ph type="body" idx="1"/>
+          </p:nvPr>
+        </p:nvSpPr>
+        <p:spPr/>
+        <p:txBody>
+          <a:bodyPr/>
+          <a:lstStyle/>
+          <a:p>
+            <a:endParaRPr lang="en-US" dirty="0"/>
+          </a:p>
+        </p:txBody>
+      </p:sp>
+      <p:pic>
+        <p:nvPicPr>
+          <p:cNvPr id="4" name="Picture 3"/>
+          <p:cNvPicPr>
+            <a:picLocks noChangeAspect="1"/>
+          </p:cNvPicPr>
+          <p:nvPr/>
+        </p:nvPicPr>
+        <p:blipFill>
+          <a:blip r:embed="rId2"/>
+          <a:stretch>
+            <a:fillRect/>
+          </a:stretch>
+        </p:blipFill>
+        <p:spPr>
+          <a:xfrm>
+            <a:off x="533400" y="1976980"/>
+            <a:ext cx="8196262" cy="3123657"/>
+          </a:xfrm>
+          <a:prstGeom prst="rect">
+            <a:avLst/>
+          </a:prstGeom>
+        </p:spPr>
+      </p:pic>
+    </p:spTree>
+    <p:extLst>
+      <p:ext uri="{BB962C8B-B14F-4D97-AF65-F5344CB8AC3E}">
+        <p14:creationId xmlns:p14="http://schemas.microsoft.com/office/powerpoint/2010/main" val="2518291001"/>
+      </p:ext>
+    </p:extLst>
+  </p:cSld>
+  <p:clrMapOvr>
+    <a:masterClrMapping/>
+  </p:clrMapOvr>
+  <p:transition>
+    <p:fade/>
+  </p:transition>
+</p:sld>
+</file>
+
+<file path=ppt/slides/slide42.xml><?xml version="1.0" encoding="utf-8"?>
+<p:sld xmlns:a="http://schemas.openxmlformats.org/drawingml/2006/main" xmlns:r="http://schemas.openxmlformats.org/officeDocument/2006/relationships" xmlns:p="http://schemas.openxmlformats.org/presentationml/2006/main">
+  <p:cSld>
+    <p:spTree>
+      <p:nvGrpSpPr>
+        <p:cNvPr id="1" name=""/>
+        <p:cNvGrpSpPr/>
+        <p:nvPr/>
+      </p:nvGrpSpPr>
+      <p:grpSpPr>
+        <a:xfrm>
+          <a:off x="0" y="0"/>
+          <a:ext cx="0" cy="0"/>
+          <a:chOff x="0" y="0"/>
+          <a:chExt cx="0" cy="0"/>
+        </a:xfrm>
+      </p:grpSpPr>
+      <p:sp>
+        <p:nvSpPr>
+          <p:cNvPr id="2" name="Title 1"/>
+          <p:cNvSpPr>
+            <a:spLocks noGrp="1"/>
+          </p:cNvSpPr>
+          <p:nvPr>
+            <p:ph type="title"/>
+          </p:nvPr>
+        </p:nvSpPr>
+        <p:spPr/>
+        <p:txBody>
+          <a:bodyPr/>
+          <a:lstStyle/>
+          <a:p>
+            <a:r>
+              <a:rPr lang="en-US" dirty="0" smtClean="0"/>
+              <a:t>Multiple Exports</a:t>
+            </a:r>
+            <a:endParaRPr lang="en-US" dirty="0"/>
+          </a:p>
+        </p:txBody>
+      </p:sp>
+      <p:sp>
+        <p:nvSpPr>
+          <p:cNvPr id="3" name="Text Placeholder 2"/>
+          <p:cNvSpPr>
+            <a:spLocks noGrp="1"/>
+          </p:cNvSpPr>
+          <p:nvPr>
+            <p:ph type="body" idx="1"/>
+          </p:nvPr>
+        </p:nvSpPr>
+        <p:spPr/>
+        <p:txBody>
+          <a:bodyPr/>
+          <a:lstStyle/>
+          <a:p>
+            <a:endParaRPr lang="en-US"/>
+          </a:p>
+        </p:txBody>
+      </p:sp>
+      <p:pic>
+        <p:nvPicPr>
+          <p:cNvPr id="4" name="Picture 3"/>
+          <p:cNvPicPr>
+            <a:picLocks noChangeAspect="1"/>
+          </p:cNvPicPr>
+          <p:nvPr/>
+        </p:nvPicPr>
+        <p:blipFill>
+          <a:blip r:embed="rId2"/>
+          <a:stretch>
+            <a:fillRect/>
+          </a:stretch>
+        </p:blipFill>
+        <p:spPr>
+          <a:xfrm>
+            <a:off x="1752600" y="1252537"/>
+            <a:ext cx="6139229" cy="4886325"/>
+          </a:xfrm>
+          <a:prstGeom prst="rect">
+            <a:avLst/>
+          </a:prstGeom>
+        </p:spPr>
+      </p:pic>
+    </p:spTree>
+    <p:extLst>
+      <p:ext uri="{BB962C8B-B14F-4D97-AF65-F5344CB8AC3E}">
+        <p14:creationId xmlns:p14="http://schemas.microsoft.com/office/powerpoint/2010/main" val="4204329791"/>
+      </p:ext>
+    </p:extLst>
+  </p:cSld>
+  <p:clrMapOvr>
+    <a:masterClrMapping/>
+  </p:clrMapOvr>
+  <p:transition>
+    <p:fade/>
+  </p:transition>
+</p:sld>
+</file>
+
+<file path=ppt/slides/slide43.xml><?xml version="1.0" encoding="utf-8"?>
+<p:sld xmlns:a="http://schemas.openxmlformats.org/drawingml/2006/main" xmlns:r="http://schemas.openxmlformats.org/officeDocument/2006/relationships" xmlns:p="http://schemas.openxmlformats.org/presentationml/2006/main">
+  <p:cSld>
+    <p:spTree>
+      <p:nvGrpSpPr>
+        <p:cNvPr id="1" name=""/>
+        <p:cNvGrpSpPr/>
+        <p:nvPr/>
+      </p:nvGrpSpPr>
+      <p:grpSpPr>
+        <a:xfrm>
+          <a:off x="0" y="0"/>
+          <a:ext cx="0" cy="0"/>
+          <a:chOff x="0" y="0"/>
+          <a:chExt cx="0" cy="0"/>
+        </a:xfrm>
+      </p:grpSpPr>
+      <p:sp>
+        <p:nvSpPr>
+          <p:cNvPr id="2" name="Title 1"/>
+          <p:cNvSpPr>
+            <a:spLocks noGrp="1"/>
+          </p:cNvSpPr>
+          <p:nvPr>
+            <p:ph type="title"/>
+          </p:nvPr>
+        </p:nvSpPr>
+        <p:spPr/>
+        <p:txBody>
+          <a:bodyPr/>
+          <a:lstStyle/>
+          <a:p>
+            <a:r>
+              <a:rPr lang="en-US" dirty="0" smtClean="0"/>
+              <a:t>Making It Work</a:t>
+            </a:r>
+            <a:endParaRPr lang="en-US" dirty="0"/>
+          </a:p>
+        </p:txBody>
+      </p:sp>
+      <p:sp>
+        <p:nvSpPr>
+          <p:cNvPr id="3" name="Text Placeholder 2"/>
+          <p:cNvSpPr>
+            <a:spLocks noGrp="1"/>
+          </p:cNvSpPr>
+          <p:nvPr>
+            <p:ph type="body" idx="1"/>
+          </p:nvPr>
+        </p:nvSpPr>
+        <p:spPr/>
+        <p:txBody>
+          <a:bodyPr/>
+          <a:lstStyle/>
+          <a:p>
+            <a:endParaRPr lang="en-US"/>
+          </a:p>
+        </p:txBody>
+      </p:sp>
+      <p:sp>
+        <p:nvSpPr>
+          <p:cNvPr id="4" name="Rectangle 3"/>
+          <p:cNvSpPr/>
+          <p:nvPr/>
+        </p:nvSpPr>
+        <p:spPr>
+          <a:xfrm>
+            <a:off x="2362200" y="990600"/>
+            <a:ext cx="4445063" cy="338554"/>
+          </a:xfrm>
+          <a:prstGeom prst="rect">
+            <a:avLst/>
+          </a:prstGeom>
+        </p:spPr>
+        <p:txBody>
+          <a:bodyPr wrap="none">
+            <a:spAutoFit/>
+          </a:bodyPr>
+          <a:lstStyle/>
+          <a:p>
+            <a:r>
+              <a:rPr lang="en-US" dirty="0">
+                <a:solidFill>
+                  <a:srgbClr val="000000"/>
+                </a:solidFill>
+                <a:latin typeface="Segoe UI" panose="020B0502040204020203" pitchFamily="34" charset="0"/>
+              </a:rPr>
+              <a:t>https://kangax.github.io/compat-table/es6/</a:t>
+            </a:r>
+            <a:endParaRPr lang="en-US" dirty="0"/>
+          </a:p>
+        </p:txBody>
+      </p:sp>
+      <p:pic>
+        <p:nvPicPr>
+          <p:cNvPr id="5" name="Picture 4"/>
+          <p:cNvPicPr>
+            <a:picLocks noChangeAspect="1"/>
+          </p:cNvPicPr>
+          <p:nvPr/>
+        </p:nvPicPr>
+        <p:blipFill>
+          <a:blip r:embed="rId2"/>
+          <a:stretch>
+            <a:fillRect/>
+          </a:stretch>
+        </p:blipFill>
+        <p:spPr>
+          <a:xfrm>
+            <a:off x="785812" y="1459832"/>
+            <a:ext cx="7572375" cy="4929330"/>
+          </a:xfrm>
+          <a:prstGeom prst="rect">
+            <a:avLst/>
+          </a:prstGeom>
+        </p:spPr>
+      </p:pic>
+    </p:spTree>
+    <p:extLst>
+      <p:ext uri="{BB962C8B-B14F-4D97-AF65-F5344CB8AC3E}">
+        <p14:creationId xmlns:p14="http://schemas.microsoft.com/office/powerpoint/2010/main" val="1631893286"/>
+      </p:ext>
+    </p:extLst>
+  </p:cSld>
+  <p:clrMapOvr>
+    <a:masterClrMapping/>
+  </p:clrMapOvr>
+  <p:transition>
+    <p:fade/>
+  </p:transition>
+</p:sld>
+</file>
+
+<file path=ppt/slides/slide44.xml><?xml version="1.0" encoding="utf-8"?>
+<p:sld xmlns:a="http://schemas.openxmlformats.org/drawingml/2006/main" xmlns:r="http://schemas.openxmlformats.org/officeDocument/2006/relationships" xmlns:p="http://schemas.openxmlformats.org/presentationml/2006/main">
+  <p:cSld>
+    <p:spTree>
+      <p:nvGrpSpPr>
+        <p:cNvPr id="1" name=""/>
+        <p:cNvGrpSpPr/>
+        <p:nvPr/>
+      </p:nvGrpSpPr>
+      <p:grpSpPr>
+        <a:xfrm>
+          <a:off x="0" y="0"/>
+          <a:ext cx="0" cy="0"/>
+          <a:chOff x="0" y="0"/>
+          <a:chExt cx="0" cy="0"/>
+        </a:xfrm>
+      </p:grpSpPr>
+      <p:sp>
+        <p:nvSpPr>
+          <p:cNvPr id="2" name="Title 1"/>
+          <p:cNvSpPr>
+            <a:spLocks noGrp="1"/>
+          </p:cNvSpPr>
+          <p:nvPr>
+            <p:ph type="title"/>
+          </p:nvPr>
+        </p:nvSpPr>
+        <p:spPr/>
+        <p:txBody>
+          <a:bodyPr/>
+          <a:lstStyle/>
+          <a:p>
+            <a:r>
+              <a:rPr lang="en-US" dirty="0" smtClean="0"/>
+              <a:t>Build Your JavaScript</a:t>
+            </a:r>
+            <a:endParaRPr lang="en-US" dirty="0"/>
+          </a:p>
+        </p:txBody>
+      </p:sp>
+      <p:sp>
+        <p:nvSpPr>
+          <p:cNvPr id="3" name="Text Placeholder 2"/>
+          <p:cNvSpPr>
+            <a:spLocks noGrp="1"/>
+          </p:cNvSpPr>
+          <p:nvPr>
+            <p:ph type="body" idx="1"/>
+          </p:nvPr>
+        </p:nvSpPr>
+        <p:spPr/>
+        <p:txBody>
+          <a:bodyPr/>
+          <a:lstStyle/>
+          <a:p>
+            <a:r>
+              <a:rPr lang="en-US" dirty="0" smtClean="0"/>
+              <a:t>Use with Grunt, Gulp, </a:t>
+            </a:r>
+            <a:r>
+              <a:rPr lang="en-US" dirty="0" err="1" smtClean="0"/>
+              <a:t>WebPack</a:t>
+            </a:r>
+            <a:r>
+              <a:rPr lang="en-US" dirty="0" smtClean="0"/>
+              <a:t>, JSPM</a:t>
+            </a:r>
+          </a:p>
+          <a:p>
+            <a:pPr lvl="1"/>
+            <a:r>
+              <a:rPr lang="en-US" dirty="0" smtClean="0"/>
+              <a:t>Many others</a:t>
+            </a:r>
+            <a:endParaRPr lang="en-US" dirty="0"/>
+          </a:p>
+          <a:p>
+            <a:pPr lvl="1"/>
+            <a:r>
+              <a:rPr lang="en-US" dirty="0"/>
+              <a:t>O</a:t>
+            </a:r>
+            <a:r>
+              <a:rPr lang="en-US" dirty="0" smtClean="0"/>
+              <a:t>r . . . directly in a browser</a:t>
+            </a:r>
+            <a:endParaRPr lang="en-US" dirty="0"/>
+          </a:p>
+        </p:txBody>
+      </p:sp>
+      <p:pic>
+        <p:nvPicPr>
+          <p:cNvPr id="5" name="Picture 4"/>
+          <p:cNvPicPr>
+            <a:picLocks noChangeAspect="1"/>
+          </p:cNvPicPr>
+          <p:nvPr/>
+        </p:nvPicPr>
+        <p:blipFill>
+          <a:blip r:embed="rId2"/>
+          <a:stretch>
+            <a:fillRect/>
+          </a:stretch>
+        </p:blipFill>
+        <p:spPr>
+          <a:xfrm>
+            <a:off x="990600" y="2967038"/>
+            <a:ext cx="7332777" cy="2519362"/>
+          </a:xfrm>
+          <a:prstGeom prst="rect">
+            <a:avLst/>
+          </a:prstGeom>
+        </p:spPr>
+      </p:pic>
+      <p:sp>
+        <p:nvSpPr>
+          <p:cNvPr id="6" name="Rectangle 5"/>
+          <p:cNvSpPr/>
+          <p:nvPr/>
+        </p:nvSpPr>
+        <p:spPr>
+          <a:xfrm>
+            <a:off x="3402446" y="990600"/>
+            <a:ext cx="1931554" cy="338554"/>
+          </a:xfrm>
+          <a:prstGeom prst="rect">
+            <a:avLst/>
+          </a:prstGeom>
+        </p:spPr>
+        <p:txBody>
+          <a:bodyPr wrap="none">
+            <a:spAutoFit/>
+          </a:bodyPr>
+          <a:lstStyle/>
+          <a:p>
+            <a:r>
+              <a:rPr lang="en-US" dirty="0">
+                <a:solidFill>
+                  <a:srgbClr val="000000"/>
+                </a:solidFill>
+                <a:latin typeface="Segoe UI" panose="020B0502040204020203" pitchFamily="34" charset="0"/>
+              </a:rPr>
+              <a:t>https://babeljs.io/</a:t>
+            </a:r>
+            <a:endParaRPr lang="en-US" dirty="0"/>
+          </a:p>
+        </p:txBody>
+      </p:sp>
+    </p:spTree>
+    <p:extLst>
+      <p:ext uri="{BB962C8B-B14F-4D97-AF65-F5344CB8AC3E}">
+        <p14:creationId xmlns:p14="http://schemas.microsoft.com/office/powerpoint/2010/main" val="1082727983"/>
+      </p:ext>
+    </p:extLst>
+  </p:cSld>
+  <p:clrMapOvr>
+    <a:masterClrMapping/>
+  </p:clrMapOvr>
+  <p:transition>
+    <p:fade/>
+  </p:transition>
+</p:sld>
+</file>
+
+<file path=ppt/slides/slide45.xml><?xml version="1.0" encoding="utf-8"?>
+<p:sld xmlns:a="http://schemas.openxmlformats.org/drawingml/2006/main" xmlns:r="http://schemas.openxmlformats.org/officeDocument/2006/relationships" xmlns:p="http://schemas.openxmlformats.org/presentationml/2006/main">
+  <p:cSld>
+    <p:spTree>
+      <p:nvGrpSpPr>
+        <p:cNvPr id="1" name=""/>
+        <p:cNvGrpSpPr/>
+        <p:nvPr/>
+      </p:nvGrpSpPr>
+      <p:grpSpPr>
+        <a:xfrm>
+          <a:off x="0" y="0"/>
+          <a:ext cx="0" cy="0"/>
+          <a:chOff x="0" y="0"/>
+          <a:chExt cx="0" cy="0"/>
+        </a:xfrm>
+      </p:grpSpPr>
+      <p:sp>
+        <p:nvSpPr>
+          <p:cNvPr id="2" name="Title 1"/>
+          <p:cNvSpPr>
+            <a:spLocks noGrp="1"/>
+          </p:cNvSpPr>
+          <p:nvPr>
+            <p:ph type="title"/>
+          </p:nvPr>
+        </p:nvSpPr>
+        <p:spPr/>
+        <p:txBody>
+          <a:bodyPr/>
+          <a:lstStyle/>
+          <a:p>
+            <a:r>
+              <a:rPr lang="en-US" dirty="0" err="1" smtClean="0"/>
+              <a:t>Polyfill</a:t>
+            </a:r>
+            <a:r>
+              <a:rPr lang="en-US" dirty="0" smtClean="0"/>
+              <a:t> Your Browser</a:t>
+            </a:r>
+            <a:endParaRPr lang="en-US" dirty="0"/>
+          </a:p>
+        </p:txBody>
+      </p:sp>
+      <p:sp>
+        <p:nvSpPr>
+          <p:cNvPr id="3" name="Text Placeholder 2"/>
+          <p:cNvSpPr>
+            <a:spLocks noGrp="1"/>
+          </p:cNvSpPr>
+          <p:nvPr>
+            <p:ph type="body" idx="1"/>
+          </p:nvPr>
+        </p:nvSpPr>
+        <p:spPr/>
+        <p:txBody>
+          <a:bodyPr/>
+          <a:lstStyle/>
+          <a:p>
+            <a:r>
+              <a:rPr lang="en-US" dirty="0" smtClean="0"/>
+              <a:t>Almost automatic with many bundling tools</a:t>
+            </a:r>
+            <a:endParaRPr lang="en-US" dirty="0"/>
+          </a:p>
+        </p:txBody>
+      </p:sp>
+      <p:pic>
+        <p:nvPicPr>
+          <p:cNvPr id="4" name="Picture 3"/>
+          <p:cNvPicPr>
+            <a:picLocks noChangeAspect="1"/>
+          </p:cNvPicPr>
+          <p:nvPr/>
+        </p:nvPicPr>
+        <p:blipFill>
+          <a:blip r:embed="rId2"/>
+          <a:stretch>
+            <a:fillRect/>
+          </a:stretch>
+        </p:blipFill>
+        <p:spPr>
+          <a:xfrm>
+            <a:off x="1066800" y="2286000"/>
+            <a:ext cx="7205662" cy="2531369"/>
+          </a:xfrm>
+          <a:prstGeom prst="rect">
+            <a:avLst/>
+          </a:prstGeom>
+        </p:spPr>
+      </p:pic>
+    </p:spTree>
+    <p:extLst>
+      <p:ext uri="{BB962C8B-B14F-4D97-AF65-F5344CB8AC3E}">
+        <p14:creationId xmlns:p14="http://schemas.microsoft.com/office/powerpoint/2010/main" val="3744934740"/>
+      </p:ext>
+    </p:extLst>
+  </p:cSld>
+  <p:clrMapOvr>
+    <a:masterClrMapping/>
+  </p:clrMapOvr>
+  <p:transition>
+    <p:fade/>
+  </p:transition>
+</p:sld>
+</file>
+
+<file path=ppt/slides/slide46.xml><?xml version="1.0" encoding="utf-8"?>
+<p:sld xmlns:a="http://schemas.openxmlformats.org/drawingml/2006/main" xmlns:r="http://schemas.openxmlformats.org/officeDocument/2006/relationships" xmlns:p="http://schemas.openxmlformats.org/presentationml/2006/main">
+  <p:cSld>
+    <p:spTree>
+      <p:nvGrpSpPr>
+        <p:cNvPr id="1" name=""/>
+        <p:cNvGrpSpPr/>
+        <p:nvPr/>
+      </p:nvGrpSpPr>
+      <p:grpSpPr>
+        <a:xfrm>
+          <a:off x="0" y="0"/>
+          <a:ext cx="0" cy="0"/>
+          <a:chOff x="0" y="0"/>
+          <a:chExt cx="0" cy="0"/>
+        </a:xfrm>
+      </p:grpSpPr>
+      <p:sp>
+        <p:nvSpPr>
+          <p:cNvPr id="2" name="Title 1"/>
+          <p:cNvSpPr>
+            <a:spLocks noGrp="1"/>
+          </p:cNvSpPr>
+          <p:nvPr>
+            <p:ph type="title"/>
+          </p:nvPr>
+        </p:nvSpPr>
+        <p:spPr/>
+        <p:txBody>
+          <a:bodyPr/>
+          <a:lstStyle/>
+          <a:p>
+            <a:r>
+              <a:rPr lang="en-US" dirty="0" smtClean="0"/>
+              <a:t>Build Your Modules</a:t>
+            </a:r>
+            <a:endParaRPr lang="en-US" dirty="0"/>
+          </a:p>
+        </p:txBody>
+      </p:sp>
+      <p:sp>
+        <p:nvSpPr>
+          <p:cNvPr id="3" name="Text Placeholder 2"/>
+          <p:cNvSpPr>
+            <a:spLocks noGrp="1"/>
+          </p:cNvSpPr>
+          <p:nvPr>
+            <p:ph type="body" idx="1"/>
+          </p:nvPr>
+        </p:nvSpPr>
+        <p:spPr/>
+        <p:txBody>
+          <a:bodyPr/>
+          <a:lstStyle/>
+          <a:p>
+            <a:r>
+              <a:rPr lang="en-US" dirty="0" smtClean="0"/>
+              <a:t>Bundle them, too</a:t>
+            </a:r>
+            <a:endParaRPr lang="en-US" dirty="0"/>
+          </a:p>
+        </p:txBody>
+      </p:sp>
+      <p:pic>
+        <p:nvPicPr>
+          <p:cNvPr id="4" name="Picture 3"/>
+          <p:cNvPicPr>
+            <a:picLocks noChangeAspect="1"/>
+          </p:cNvPicPr>
+          <p:nvPr/>
+        </p:nvPicPr>
+        <p:blipFill>
+          <a:blip r:embed="rId2"/>
+          <a:stretch>
+            <a:fillRect/>
+          </a:stretch>
+        </p:blipFill>
+        <p:spPr>
+          <a:xfrm>
+            <a:off x="1524000" y="2667000"/>
+            <a:ext cx="6225208" cy="2921204"/>
+          </a:xfrm>
+          <a:prstGeom prst="rect">
+            <a:avLst/>
+          </a:prstGeom>
+        </p:spPr>
+      </p:pic>
+      <p:sp>
+        <p:nvSpPr>
+          <p:cNvPr id="5" name="Rectangle 4"/>
+          <p:cNvSpPr/>
+          <p:nvPr/>
+        </p:nvSpPr>
+        <p:spPr>
+          <a:xfrm>
+            <a:off x="3124200" y="1066800"/>
+            <a:ext cx="2714589" cy="338554"/>
+          </a:xfrm>
+          <a:prstGeom prst="rect">
+            <a:avLst/>
+          </a:prstGeom>
+        </p:spPr>
+        <p:txBody>
+          <a:bodyPr wrap="none">
+            <a:spAutoFit/>
+          </a:bodyPr>
+          <a:lstStyle/>
+          <a:p>
+            <a:r>
+              <a:rPr lang="en-US" dirty="0">
+                <a:solidFill>
+                  <a:srgbClr val="000000"/>
+                </a:solidFill>
+                <a:latin typeface="Segoe UI" panose="020B0502040204020203" pitchFamily="34" charset="0"/>
+              </a:rPr>
+              <a:t>http://webpack.github.io/</a:t>
+            </a:r>
+            <a:endParaRPr lang="en-US" dirty="0"/>
+          </a:p>
+        </p:txBody>
+      </p:sp>
+    </p:spTree>
+    <p:extLst>
+      <p:ext uri="{BB962C8B-B14F-4D97-AF65-F5344CB8AC3E}">
+        <p14:creationId xmlns:p14="http://schemas.microsoft.com/office/powerpoint/2010/main" val="1429225010"/>
+      </p:ext>
+    </p:extLst>
+  </p:cSld>
+  <p:clrMapOvr>
+    <a:masterClrMapping/>
+  </p:clrMapOvr>
+  <p:transition>
+    <p:fade/>
+  </p:transition>
+</p:sld>
+</file>
+
+<file path=ppt/slides/slide47.xml><?xml version="1.0" encoding="utf-8"?>
+<p:sld xmlns:a="http://schemas.openxmlformats.org/drawingml/2006/main" xmlns:r="http://schemas.openxmlformats.org/officeDocument/2006/relationships" xmlns:p="http://schemas.openxmlformats.org/presentationml/2006/main">
+  <p:cSld>
+    <p:spTree>
+      <p:nvGrpSpPr>
+        <p:cNvPr id="1" name=""/>
+        <p:cNvGrpSpPr/>
+        <p:nvPr/>
+      </p:nvGrpSpPr>
+      <p:grpSpPr>
+        <a:xfrm>
+          <a:off x="0" y="0"/>
+          <a:ext cx="0" cy="0"/>
+          <a:chOff x="0" y="0"/>
+          <a:chExt cx="0" cy="0"/>
+        </a:xfrm>
+      </p:grpSpPr>
+      <p:sp>
+        <p:nvSpPr>
+          <p:cNvPr id="5" name="Text Placeholder 4"/>
+          <p:cNvSpPr>
+            <a:spLocks noGrp="1"/>
+          </p:cNvSpPr>
+          <p:nvPr>
+            <p:ph type="body" sz="quarter" idx="10"/>
+          </p:nvPr>
+        </p:nvSpPr>
+        <p:spPr>
+          <a:xfrm>
+            <a:off x="4852134" y="3055458"/>
+            <a:ext cx="4089936" cy="2289409"/>
+          </a:xfrm>
+        </p:spPr>
+        <p:txBody>
+          <a:bodyPr/>
+          <a:lstStyle/>
+          <a:p>
+            <a:r>
+              <a:rPr lang="en-US" dirty="0" smtClean="0"/>
+              <a:t>My </a:t>
+            </a:r>
+            <a:r>
+              <a:rPr lang="en-US" dirty="0"/>
+              <a:t>Connect</a:t>
+            </a:r>
+          </a:p>
+          <a:p>
+            <a:pPr lvl="1"/>
+            <a:r>
+              <a:rPr lang="en-US" dirty="0"/>
+              <a:t>On the page for this session, you’ll find</a:t>
+            </a:r>
+          </a:p>
+          <a:p>
+            <a:pPr marL="252101" lvl="1" indent="-252101">
+              <a:buFont typeface="Arial" panose="020B0604020202020204" pitchFamily="34" charset="0"/>
+              <a:buChar char="•"/>
+            </a:pPr>
+            <a:r>
+              <a:rPr lang="en-US" dirty="0"/>
+              <a:t>Ask a question to the speaker(s)</a:t>
+            </a:r>
+          </a:p>
+          <a:p>
+            <a:pPr marL="252101" lvl="1" indent="-252101">
+              <a:buFont typeface="Arial" panose="020B0604020202020204" pitchFamily="34" charset="0"/>
+              <a:buChar char="•"/>
+            </a:pPr>
+            <a:r>
+              <a:rPr lang="en-US" dirty="0"/>
+              <a:t>Slides</a:t>
+            </a:r>
+          </a:p>
+          <a:p>
+            <a:pPr marL="252101" lvl="1" indent="-252101">
+              <a:buFont typeface="Arial" panose="020B0604020202020204" pitchFamily="34" charset="0"/>
+              <a:buChar char="•"/>
+            </a:pPr>
+            <a:r>
+              <a:rPr lang="en-US" dirty="0"/>
+              <a:t>Resources</a:t>
+            </a:r>
+          </a:p>
+          <a:p>
+            <a:pPr marL="252101" lvl="1" indent="-252101">
+              <a:buFont typeface="Arial" panose="020B0604020202020204" pitchFamily="34" charset="0"/>
+              <a:buChar char="•"/>
+            </a:pPr>
+            <a:r>
+              <a:rPr lang="en-US" dirty="0" smtClean="0"/>
+              <a:t>Feedback form</a:t>
+            </a:r>
+            <a:endParaRPr lang="en-US" dirty="0"/>
+          </a:p>
+        </p:txBody>
+      </p:sp>
+      <p:sp>
+        <p:nvSpPr>
+          <p:cNvPr id="6" name="Text Placeholder 5"/>
+          <p:cNvSpPr>
+            <a:spLocks noGrp="1"/>
+          </p:cNvSpPr>
+          <p:nvPr>
+            <p:ph type="body" sz="quarter" idx="11"/>
+          </p:nvPr>
+        </p:nvSpPr>
+        <p:spPr>
+          <a:xfrm>
+            <a:off x="201930" y="3055457"/>
+            <a:ext cx="4033911" cy="1630831"/>
+          </a:xfrm>
+        </p:spPr>
+        <p:txBody>
+          <a:bodyPr/>
+          <a:lstStyle/>
+          <a:p>
+            <a:r>
+              <a:rPr lang="en-US" dirty="0"/>
+              <a:t>Connect with me</a:t>
+            </a:r>
+          </a:p>
+          <a:p>
+            <a:pPr lvl="1"/>
+            <a:r>
+              <a:rPr lang="en-US" dirty="0" smtClean="0"/>
+              <a:t>@</a:t>
+            </a:r>
+            <a:r>
+              <a:rPr lang="en-US" dirty="0" err="1" smtClean="0"/>
+              <a:t>OdeToCode</a:t>
+            </a:r>
+            <a:endParaRPr lang="en-US" dirty="0" smtClean="0"/>
+          </a:p>
+          <a:p>
+            <a:pPr lvl="1"/>
+            <a:r>
+              <a:rPr lang="en-US" dirty="0" smtClean="0"/>
+              <a:t>scott@OdeToCode.com</a:t>
+            </a:r>
+            <a:endParaRPr lang="en-US" dirty="0"/>
+          </a:p>
+          <a:p>
+            <a:endParaRPr lang="en-US" dirty="0"/>
+          </a:p>
+        </p:txBody>
+      </p:sp>
+      <p:pic>
+        <p:nvPicPr>
+          <p:cNvPr id="8" name="Picture 7"/>
+          <p:cNvPicPr>
+            <a:picLocks noChangeAspect="1"/>
+          </p:cNvPicPr>
+          <p:nvPr/>
+        </p:nvPicPr>
+        <p:blipFill>
+          <a:blip r:embed="rId2">
+            <a:extLst>
+              <a:ext uri="{28A0092B-C50C-407E-A947-70E740481C1C}">
+                <a14:useLocalDpi xmlns:a14="http://schemas.microsoft.com/office/drawing/2010/main" val="0"/>
+              </a:ext>
+            </a:extLst>
+          </a:blip>
+          <a:stretch>
+            <a:fillRect/>
+          </a:stretch>
+        </p:blipFill>
+        <p:spPr>
+          <a:xfrm>
+            <a:off x="3920" y="195"/>
+            <a:ext cx="9144000" cy="2468282"/>
+          </a:xfrm>
+          <a:prstGeom prst="rect">
+            <a:avLst/>
+          </a:prstGeom>
+        </p:spPr>
+      </p:pic>
+    </p:spTree>
+    <p:extLst>
+      <p:ext uri="{BB962C8B-B14F-4D97-AF65-F5344CB8AC3E}">
+        <p14:creationId xmlns:p14="http://schemas.microsoft.com/office/powerpoint/2010/main" val="3920919138"/>
+      </p:ext>
+    </p:extLst>
+  </p:cSld>
+  <p:clrMapOvr>
+    <a:masterClrMapping/>
+  </p:clrMapOvr>
+  <p:transition>
+    <p:fade/>
+  </p:transition>
+</p:sld>
+</file>
+
+<file path=ppt/slides/slide5.xml><?xml version="1.0" encoding="utf-8"?>
 <p:sld xmlns:a="http://schemas.openxmlformats.org/drawingml/2006/main" xmlns:r="http://schemas.openxmlformats.org/officeDocument/2006/relationships" xmlns:p="http://schemas.openxmlformats.org/presentationml/2006/main">
   <p:cSld>
     <p:spTree>
@@ -19008,7 +16689,7 @@
 </p:sld>
 </file>
 
-<file path=ppt/slides/slide8.xml><?xml version="1.0" encoding="utf-8"?>
+<file path=ppt/slides/slide6.xml><?xml version="1.0" encoding="utf-8"?>
 <p:sld xmlns:a="http://schemas.openxmlformats.org/drawingml/2006/main" xmlns:r="http://schemas.openxmlformats.org/officeDocument/2006/relationships" xmlns:p="http://schemas.openxmlformats.org/presentationml/2006/main">
   <p:cSld>
     <p:spTree>
@@ -19195,7 +16876,7 @@
 </p:sld>
 </file>
 
-<file path=ppt/slides/slide9.xml><?xml version="1.0" encoding="utf-8"?>
+<file path=ppt/slides/slide7.xml><?xml version="1.0" encoding="utf-8"?>
 <p:sld xmlns:a="http://schemas.openxmlformats.org/drawingml/2006/main" xmlns:r="http://schemas.openxmlformats.org/officeDocument/2006/relationships" xmlns:p="http://schemas.openxmlformats.org/presentationml/2006/main">
   <p:cSld>
     <p:spTree>
@@ -19479,6 +17160,300 @@
     <p:bldLst>
       <p:bldP spid="5" grpId="0"/>
     </p:bldLst>
+  </p:timing>
+</p:sld>
+</file>
+
+<file path=ppt/slides/slide8.xml><?xml version="1.0" encoding="utf-8"?>
+<p:sld xmlns:a="http://schemas.openxmlformats.org/drawingml/2006/main" xmlns:r="http://schemas.openxmlformats.org/officeDocument/2006/relationships" xmlns:p="http://schemas.openxmlformats.org/presentationml/2006/main">
+  <p:cSld>
+    <p:spTree>
+      <p:nvGrpSpPr>
+        <p:cNvPr id="1" name=""/>
+        <p:cNvGrpSpPr/>
+        <p:nvPr/>
+      </p:nvGrpSpPr>
+      <p:grpSpPr>
+        <a:xfrm>
+          <a:off x="0" y="0"/>
+          <a:ext cx="0" cy="0"/>
+          <a:chOff x="0" y="0"/>
+          <a:chExt cx="0" cy="0"/>
+        </a:xfrm>
+      </p:grpSpPr>
+      <p:sp>
+        <p:nvSpPr>
+          <p:cNvPr id="2" name="Title 1"/>
+          <p:cNvSpPr>
+            <a:spLocks noGrp="1"/>
+          </p:cNvSpPr>
+          <p:nvPr>
+            <p:ph type="title"/>
+          </p:nvPr>
+        </p:nvSpPr>
+        <p:spPr/>
+        <p:txBody>
+          <a:bodyPr/>
+          <a:lstStyle/>
+          <a:p>
+            <a:r>
+              <a:rPr lang="en-US" dirty="0" smtClean="0"/>
+              <a:t>Solution: </a:t>
+            </a:r>
+            <a:r>
+              <a:rPr lang="en-US" dirty="0" err="1" smtClean="0"/>
+              <a:t>const</a:t>
+            </a:r>
+            <a:endParaRPr lang="en-US" dirty="0"/>
+          </a:p>
+        </p:txBody>
+      </p:sp>
+      <p:pic>
+        <p:nvPicPr>
+          <p:cNvPr id="3" name="Picture 2"/>
+          <p:cNvPicPr>
+            <a:picLocks noChangeAspect="1"/>
+          </p:cNvPicPr>
+          <p:nvPr/>
+        </p:nvPicPr>
+        <p:blipFill>
+          <a:blip r:embed="rId2"/>
+          <a:stretch>
+            <a:fillRect/>
+          </a:stretch>
+        </p:blipFill>
+        <p:spPr>
+          <a:xfrm>
+            <a:off x="1738312" y="2057400"/>
+            <a:ext cx="5667375" cy="2114550"/>
+          </a:xfrm>
+          <a:prstGeom prst="rect">
+            <a:avLst/>
+          </a:prstGeom>
+        </p:spPr>
+      </p:pic>
+    </p:spTree>
+    <p:extLst>
+      <p:ext uri="{BB962C8B-B14F-4D97-AF65-F5344CB8AC3E}">
+        <p14:creationId xmlns:p14="http://schemas.microsoft.com/office/powerpoint/2010/main" val="1439712674"/>
+      </p:ext>
+    </p:extLst>
+  </p:cSld>
+  <p:clrMapOvr>
+    <a:masterClrMapping/>
+  </p:clrMapOvr>
+  <p:transition>
+    <p:fade/>
+  </p:transition>
+</p:sld>
+</file>
+
+<file path=ppt/slides/slide9.xml><?xml version="1.0" encoding="utf-8"?>
+<p:sld xmlns:a="http://schemas.openxmlformats.org/drawingml/2006/main" xmlns:r="http://schemas.openxmlformats.org/officeDocument/2006/relationships" xmlns:p="http://schemas.openxmlformats.org/presentationml/2006/main">
+  <p:cSld>
+    <p:spTree>
+      <p:nvGrpSpPr>
+        <p:cNvPr id="1" name=""/>
+        <p:cNvGrpSpPr/>
+        <p:nvPr/>
+      </p:nvGrpSpPr>
+      <p:grpSpPr>
+        <a:xfrm>
+          <a:off x="0" y="0"/>
+          <a:ext cx="0" cy="0"/>
+          <a:chOff x="0" y="0"/>
+          <a:chExt cx="0" cy="0"/>
+        </a:xfrm>
+      </p:grpSpPr>
+      <p:sp>
+        <p:nvSpPr>
+          <p:cNvPr id="2" name="Title 1"/>
+          <p:cNvSpPr>
+            <a:spLocks noGrp="1"/>
+          </p:cNvSpPr>
+          <p:nvPr>
+            <p:ph type="title"/>
+          </p:nvPr>
+        </p:nvSpPr>
+        <p:spPr/>
+        <p:txBody>
+          <a:bodyPr/>
+          <a:lstStyle/>
+          <a:p>
+            <a:r>
+              <a:rPr lang="en-US" dirty="0" err="1" smtClean="0"/>
+              <a:t>Destructuring</a:t>
+            </a:r>
+            <a:endParaRPr lang="en-US" dirty="0"/>
+          </a:p>
+        </p:txBody>
+      </p:sp>
+      <p:sp>
+        <p:nvSpPr>
+          <p:cNvPr id="3" name="Text Placeholder 2"/>
+          <p:cNvSpPr>
+            <a:spLocks noGrp="1"/>
+          </p:cNvSpPr>
+          <p:nvPr>
+            <p:ph type="body" idx="1"/>
+          </p:nvPr>
+        </p:nvSpPr>
+        <p:spPr/>
+        <p:txBody>
+          <a:bodyPr/>
+          <a:lstStyle/>
+          <a:p>
+            <a:r>
+              <a:rPr lang="en-US" dirty="0" smtClean="0"/>
+              <a:t>The opposite of constructing is destructing</a:t>
+            </a:r>
+            <a:endParaRPr lang="en-US" dirty="0"/>
+          </a:p>
+        </p:txBody>
+      </p:sp>
+      <p:pic>
+        <p:nvPicPr>
+          <p:cNvPr id="4" name="Picture 3"/>
+          <p:cNvPicPr>
+            <a:picLocks noChangeAspect="1"/>
+          </p:cNvPicPr>
+          <p:nvPr/>
+        </p:nvPicPr>
+        <p:blipFill>
+          <a:blip r:embed="rId2"/>
+          <a:stretch>
+            <a:fillRect/>
+          </a:stretch>
+        </p:blipFill>
+        <p:spPr>
+          <a:xfrm>
+            <a:off x="685800" y="2209800"/>
+            <a:ext cx="5133975" cy="2409825"/>
+          </a:xfrm>
+          <a:prstGeom prst="rect">
+            <a:avLst/>
+          </a:prstGeom>
+        </p:spPr>
+      </p:pic>
+      <p:pic>
+        <p:nvPicPr>
+          <p:cNvPr id="5" name="Picture 4"/>
+          <p:cNvPicPr>
+            <a:picLocks noChangeAspect="1"/>
+          </p:cNvPicPr>
+          <p:nvPr/>
+        </p:nvPicPr>
+        <p:blipFill>
+          <a:blip r:embed="rId3"/>
+          <a:stretch>
+            <a:fillRect/>
+          </a:stretch>
+        </p:blipFill>
+        <p:spPr>
+          <a:xfrm>
+            <a:off x="2514600" y="3019425"/>
+            <a:ext cx="6229350" cy="3200400"/>
+          </a:xfrm>
+          <a:prstGeom prst="rect">
+            <a:avLst/>
+          </a:prstGeom>
+        </p:spPr>
+      </p:pic>
+    </p:spTree>
+    <p:extLst>
+      <p:ext uri="{BB962C8B-B14F-4D97-AF65-F5344CB8AC3E}">
+        <p14:creationId xmlns:p14="http://schemas.microsoft.com/office/powerpoint/2010/main" val="4187059143"/>
+      </p:ext>
+    </p:extLst>
+  </p:cSld>
+  <p:clrMapOvr>
+    <a:masterClrMapping/>
+  </p:clrMapOvr>
+  <p:transition>
+    <p:fade/>
+  </p:transition>
+  <p:timing>
+    <p:tnLst>
+      <p:par>
+        <p:cTn id="1" dur="indefinite" restart="never" nodeType="tmRoot">
+          <p:childTnLst>
+            <p:seq concurrent="1" nextAc="seek">
+              <p:cTn id="2" dur="indefinite" nodeType="mainSeq">
+                <p:childTnLst>
+                  <p:par>
+                    <p:cTn id="3" fill="hold">
+                      <p:stCondLst>
+                        <p:cond delay="indefinite"/>
+                      </p:stCondLst>
+                      <p:childTnLst>
+                        <p:par>
+                          <p:cTn id="4" fill="hold">
+                            <p:stCondLst>
+                              <p:cond delay="0"/>
+                            </p:stCondLst>
+                            <p:childTnLst>
+                              <p:par>
+                                <p:cTn id="5" presetID="10" presetClass="entr" presetSubtype="0" fill="hold" nodeType="clickEffect">
+                                  <p:stCondLst>
+                                    <p:cond delay="0"/>
+                                  </p:stCondLst>
+                                  <p:childTnLst>
+                                    <p:set>
+                                      <p:cBhvr>
+                                        <p:cTn id="6" dur="1" fill="hold">
+                                          <p:stCondLst>
+                                            <p:cond delay="0"/>
+                                          </p:stCondLst>
+                                        </p:cTn>
+                                        <p:tgtEl>
+                                          <p:spTgt spid="5"/>
+                                        </p:tgtEl>
+                                        <p:attrNameLst>
+                                          <p:attrName>style.visibility</p:attrName>
+                                        </p:attrNameLst>
+                                      </p:cBhvr>
+                                      <p:to>
+                                        <p:strVal val="visible"/>
+                                      </p:to>
+                                    </p:set>
+                                    <p:animEffect transition="in" filter="fade">
+                                      <p:cBhvr>
+                                        <p:cTn id="7" dur="500"/>
+                                        <p:tgtEl>
+                                          <p:spTgt spid="5"/>
+                                        </p:tgtEl>
+                                      </p:cBhvr>
+                                    </p:animEffect>
+                                  </p:childTnLst>
+                                </p:cTn>
+                              </p:par>
+                            </p:childTnLst>
+                          </p:cTn>
+                        </p:par>
+                      </p:childTnLst>
+                    </p:cTn>
+                  </p:par>
+                </p:childTnLst>
+              </p:cTn>
+              <p:prevCondLst>
+                <p:cond evt="onPrev" delay="0">
+                  <p:tgtEl>
+                    <p:sldTgt/>
+                  </p:tgtEl>
+                </p:cond>
+              </p:prevCondLst>
+              <p:nextCondLst>
+                <p:cond evt="onNext" delay="0">
+                  <p:tgtEl>
+                    <p:sldTgt/>
+                  </p:tgtEl>
+                </p:cond>
+              </p:nextCondLst>
+            </p:seq>
+          </p:childTnLst>
+        </p:cTn>
+      </p:par>
+    </p:tnLst>
   </p:timing>
 </p:sld>
 </file>
